--- a/slides/lab1_21jan2016/lab1_21jan2016.pptx
+++ b/slides/lab1_21jan2016/lab1_21jan2016.pptx
@@ -4862,7 +4862,7 @@
         </p:nvSpPr>
         <p:spPr>
           <a:xfrm>
-            <a:off x="125199" y="804982"/>
+            <a:off x="633199" y="804982"/>
             <a:ext cx="8763932" cy="4758339"/>
           </a:xfrm>
         </p:spPr>
@@ -8696,8 +8696,8 @@
         </p:nvSpPr>
         <p:spPr>
           <a:xfrm>
-            <a:off x="125198" y="1600200"/>
-            <a:ext cx="9018801" cy="4587239"/>
+            <a:off x="125199" y="1600200"/>
+            <a:ext cx="8298712" cy="4587239"/>
           </a:xfrm>
         </p:spPr>
         <p:txBody>
@@ -8733,15 +8733,7 @@
                 <a:cs typeface="American Typewriter"/>
                 <a:hlinkClick r:id="rId2"/>
               </a:rPr>
-              <a:t>psadil</a:t>
-            </a:r>
-            <a:r>
-              <a:rPr lang="en-US" sz="3600" dirty="0" smtClean="0">
-                <a:latin typeface="Garamond" panose="02020404030301010803" pitchFamily="18" charset="0"/>
-                <a:cs typeface="American Typewriter"/>
-                <a:hlinkClick r:id="rId2"/>
-              </a:rPr>
-              <a:t>@psych.umass.edu</a:t>
+              <a:t>psadil@psych.umass.edu</a:t>
             </a:r>
             <a:r>
               <a:rPr lang="en-US" sz="3600" dirty="0" smtClean="0">
@@ -8765,21 +8757,7 @@
                 <a:latin typeface="Garamond" panose="02020404030301010803" pitchFamily="18" charset="0"/>
                 <a:cs typeface="American Typewriter"/>
               </a:rPr>
-              <a:t>Office Location: </a:t>
-            </a:r>
-            <a:r>
-              <a:rPr lang="en-US" sz="3600" dirty="0" smtClean="0">
-                <a:latin typeface="Garamond" panose="02020404030301010803" pitchFamily="18" charset="0"/>
-                <a:cs typeface="American Typewriter"/>
-              </a:rPr>
-              <a:t>Tobin 426</a:t>
-            </a:r>
-            <a:r>
-              <a:rPr lang="en-US" sz="3600" dirty="0" smtClean="0">
-                <a:latin typeface="Garamond" panose="02020404030301010803" pitchFamily="18" charset="0"/>
-                <a:cs typeface="American Typewriter"/>
-              </a:rPr>
-              <a:t> </a:t>
+              <a:t>Office Location: Tobin 426 </a:t>
             </a:r>
             <a:endParaRPr lang="en-US" sz="3600" dirty="0">
               <a:latin typeface="Garamond" panose="02020404030301010803" pitchFamily="18" charset="0"/>
@@ -8793,19 +8771,8 @@
                 <a:latin typeface="Garamond" panose="02020404030301010803" pitchFamily="18" charset="0"/>
                 <a:cs typeface="American Typewriter"/>
               </a:rPr>
-              <a:t>Office hour: </a:t>
-            </a:r>
-            <a:r>
-              <a:rPr lang="en-US" sz="3600" dirty="0" smtClean="0">
-                <a:latin typeface="Garamond" panose="02020404030301010803" pitchFamily="18" charset="0"/>
-                <a:cs typeface="American Typewriter"/>
-              </a:rPr>
-              <a:t>___, maybe by appt.</a:t>
-            </a:r>
-            <a:endParaRPr lang="en-US" sz="3600" dirty="0" smtClean="0">
-              <a:latin typeface="Garamond" panose="02020404030301010803" pitchFamily="18" charset="0"/>
-              <a:cs typeface="American Typewriter"/>
-            </a:endParaRPr>
+              <a:t>Office hour: ___, maybe by appt.</a:t>
+            </a:r>
           </a:p>
           <a:p>
             <a:pPr lvl="1"/>
@@ -9638,7 +9605,7 @@
         <p:spPr>
           <a:xfrm>
             <a:off x="549275" y="1600200"/>
-            <a:ext cx="8042276" cy="4711587"/>
+            <a:ext cx="7851775" cy="4711587"/>
           </a:xfrm>
         </p:spPr>
         <p:txBody>
@@ -9652,14 +9619,7 @@
                 <a:latin typeface="Garamond" panose="02020404030301010803" pitchFamily="18" charset="0"/>
                 <a:cs typeface="American Typewriter"/>
               </a:rPr>
-              <a:t>Check with neighbors, overlap in other courses</a:t>
-            </a:r>
-            <a:r>
-              <a:rPr lang="en-US" sz="3600" dirty="0" smtClean="0">
-                <a:latin typeface="Garamond" panose="02020404030301010803" pitchFamily="18" charset="0"/>
-                <a:cs typeface="American Typewriter"/>
-              </a:rPr>
-              <a:t>?</a:t>
+              <a:t>Check with neighbors, overlap in other courses?</a:t>
             </a:r>
             <a:endParaRPr lang="en-US" sz="3400" dirty="0" smtClean="0">
               <a:latin typeface="Garamond" panose="02020404030301010803" pitchFamily="18" charset="0"/>
@@ -9672,14 +9632,7 @@
                 <a:latin typeface="Garamond" panose="02020404030301010803" pitchFamily="18" charset="0"/>
                 <a:cs typeface="American Typewriter"/>
               </a:rPr>
-              <a:t>Exchange contact information with at least one other </a:t>
-            </a:r>
-            <a:r>
-              <a:rPr lang="en-US" sz="3600" dirty="0" smtClean="0">
-                <a:latin typeface="Garamond" panose="02020404030301010803" pitchFamily="18" charset="0"/>
-                <a:cs typeface="American Typewriter"/>
-              </a:rPr>
-              <a:t>student</a:t>
+              <a:t>Exchange contact information with at least one other student</a:t>
             </a:r>
           </a:p>
           <a:p>
@@ -10090,19 +10043,8 @@
                 <a:latin typeface="Garamond" panose="02020404030301010803" pitchFamily="18" charset="0"/>
                 <a:cs typeface="American Typewriter"/>
               </a:rPr>
-              <a:t>You should look ove</a:t>
-            </a:r>
-            <a:r>
-              <a:rPr lang="en-US" sz="3300" dirty="0" smtClean="0">
-                <a:latin typeface="Garamond" panose="02020404030301010803" pitchFamily="18" charset="0"/>
-                <a:cs typeface="American Typewriter"/>
-              </a:rPr>
-              <a:t>r the slides, and get in touch with the contact that you just received</a:t>
-            </a:r>
-            <a:endParaRPr lang="en-US" sz="3300" dirty="0" smtClean="0">
-              <a:latin typeface="Garamond" panose="02020404030301010803" pitchFamily="18" charset="0"/>
-              <a:cs typeface="American Typewriter"/>
-            </a:endParaRPr>
+              <a:t>You should look over the slides, and get in touch with the contact that you just received</a:t>
+            </a:r>
           </a:p>
         </p:txBody>
       </p:sp>
@@ -10867,10 +10809,6 @@
               </a:rPr>
               <a:t>Turn in paper copies to my office.</a:t>
             </a:r>
-            <a:endParaRPr lang="en-US" sz="3300" dirty="0" smtClean="0">
-              <a:latin typeface="Garamond" panose="02020404030301010803" pitchFamily="18" charset="0"/>
-              <a:cs typeface="American Typewriter"/>
-            </a:endParaRPr>
           </a:p>
         </p:txBody>
       </p:sp>
@@ -11225,10 +11163,6 @@
               </a:rPr>
               <a:t>There will be a Quiz on these next Tuesday</a:t>
             </a:r>
-            <a:endParaRPr lang="en-US" sz="3100" dirty="0" smtClean="0">
-              <a:latin typeface="Garamond" panose="02020404030301010803" pitchFamily="18" charset="0"/>
-              <a:cs typeface="American Typewriter"/>
-            </a:endParaRPr>
           </a:p>
         </p:txBody>
       </p:sp>

--- a/slides/lab1_21jan2016/lab1_21jan2016.pptx
+++ b/slides/lab1_21jan2016/lab1_21jan2016.pptx
@@ -5,7 +5,7 @@
     <p:sldMasterId id="2147483673" r:id="rId1"/>
   </p:sldMasterIdLst>
   <p:notesMasterIdLst>
-    <p:notesMasterId r:id="rId23"/>
+    <p:notesMasterId r:id="rId12"/>
   </p:notesMasterIdLst>
   <p:sldIdLst>
     <p:sldId id="256" r:id="rId2"/>
@@ -13,22 +13,11 @@
     <p:sldId id="263" r:id="rId4"/>
     <p:sldId id="258" r:id="rId5"/>
     <p:sldId id="280" r:id="rId6"/>
-    <p:sldId id="281" r:id="rId7"/>
-    <p:sldId id="282" r:id="rId8"/>
-    <p:sldId id="277" r:id="rId9"/>
-    <p:sldId id="270" r:id="rId10"/>
-    <p:sldId id="279" r:id="rId11"/>
-    <p:sldId id="268" r:id="rId12"/>
-    <p:sldId id="269" r:id="rId13"/>
-    <p:sldId id="266" r:id="rId14"/>
-    <p:sldId id="267" r:id="rId15"/>
-    <p:sldId id="278" r:id="rId16"/>
-    <p:sldId id="260" r:id="rId17"/>
-    <p:sldId id="262" r:id="rId18"/>
-    <p:sldId id="271" r:id="rId19"/>
-    <p:sldId id="272" r:id="rId20"/>
-    <p:sldId id="273" r:id="rId21"/>
-    <p:sldId id="274" r:id="rId22"/>
+    <p:sldId id="283" r:id="rId7"/>
+    <p:sldId id="281" r:id="rId8"/>
+    <p:sldId id="282" r:id="rId9"/>
+    <p:sldId id="284" r:id="rId10"/>
+    <p:sldId id="262" r:id="rId11"/>
   </p:sldIdLst>
   <p:sldSz cx="9144000" cy="6858000" type="screen4x3"/>
   <p:notesSz cx="6858000" cy="9144000"/>
@@ -229,7 +218,7 @@
             <a:fld id="{0BE325B2-CBF2-FD40-8D03-84CA1CCDBE10}" type="datetimeFigureOut">
               <a:rPr lang="en-US" smtClean="0"/>
               <a:pPr/>
-              <a:t>1/18/2016</a:t>
+              <a:t>1/20/2016</a:t>
             </a:fld>
             <a:endParaRPr lang="en-US"/>
           </a:p>
@@ -544,11 +533,11 @@
           <a:p>
             <a:r>
               <a:rPr lang="en-US" dirty="0" smtClean="0"/>
-              <a:t>THANKS to Helen O’Hara for sharing her slides</a:t>
+              <a:t>Starting with the date</a:t>
             </a:r>
             <a:r>
               <a:rPr lang="en-US" baseline="0" dirty="0" smtClean="0"/>
-              <a:t> for the Method labs.</a:t>
+              <a:t> and time because that’s basically the theme for the day. Show up! Do the work, and talk to me in advance!</a:t>
             </a:r>
             <a:endParaRPr lang="en-US" dirty="0"/>
           </a:p>
@@ -635,6 +624,28 @@
           <a:bodyPr/>
           <a:lstStyle/>
           <a:p>
+            <a:r>
+              <a:rPr lang="en-US" dirty="0" smtClean="0"/>
+              <a:t>Cheating: includes copying from another student, using external assistance during an exam, collaborating</a:t>
+            </a:r>
+            <a:r>
+              <a:rPr lang="en-US" baseline="0" dirty="0" smtClean="0"/>
+              <a:t> with others without the instructor’s permission, obtaining the answers to or a copy of an examination prior to its administration</a:t>
+            </a:r>
+          </a:p>
+          <a:p>
+            <a:r>
+              <a:rPr lang="en-US" baseline="0" dirty="0" smtClean="0"/>
+              <a:t>Fabrication: using invented information, altering and resubmitting returned academic work, misrepresenting the actual source of a quote</a:t>
+            </a:r>
+          </a:p>
+          <a:p>
+            <a:r>
+              <a:rPr lang="en-US" baseline="0" dirty="0" smtClean="0"/>
+              <a:t>Plagiarism: failing to properly identify quotations, failing to acknowledge or cite paraphrasing, submitting papers written by another</a:t>
+            </a:r>
+          </a:p>
+          <a:p>
             <a:endParaRPr lang="en-US" dirty="0"/>
           </a:p>
         </p:txBody>
@@ -657,114 +668,7 @@
             <a:fld id="{CCE97362-91F1-A342-824A-05DC1BD650F3}" type="slidenum">
               <a:rPr lang="en-US" smtClean="0"/>
               <a:pPr/>
-              <a:t>13</a:t>
-            </a:fld>
-            <a:endParaRPr lang="en-US"/>
-          </a:p>
-        </p:txBody>
-      </p:sp>
-    </p:spTree>
-    <p:extLst>
-      <p:ext uri="{BB962C8B-B14F-4D97-AF65-F5344CB8AC3E}">
-        <p14:creationId xmlns:p14="http://schemas.microsoft.com/office/powerpoint/2010/main" val="4081171986"/>
-      </p:ext>
-    </p:extLst>
-  </p:cSld>
-  <p:clrMapOvr>
-    <a:masterClrMapping/>
-  </p:clrMapOvr>
-</p:notes>
-</file>
-
-<file path=ppt/notesSlides/notesSlide11.xml><?xml version="1.0" encoding="utf-8"?>
-<p:notes xmlns:a="http://schemas.openxmlformats.org/drawingml/2006/main" xmlns:r="http://schemas.openxmlformats.org/officeDocument/2006/relationships" xmlns:p="http://schemas.openxmlformats.org/presentationml/2006/main">
-  <p:cSld>
-    <p:spTree>
-      <p:nvGrpSpPr>
-        <p:cNvPr id="1" name=""/>
-        <p:cNvGrpSpPr/>
-        <p:nvPr/>
-      </p:nvGrpSpPr>
-      <p:grpSpPr>
-        <a:xfrm>
-          <a:off x="0" y="0"/>
-          <a:ext cx="0" cy="0"/>
-          <a:chOff x="0" y="0"/>
-          <a:chExt cx="0" cy="0"/>
-        </a:xfrm>
-      </p:grpSpPr>
-      <p:sp>
-        <p:nvSpPr>
-          <p:cNvPr id="2" name="Slide Image Placeholder 1"/>
-          <p:cNvSpPr>
-            <a:spLocks noGrp="1" noRot="1" noChangeAspect="1"/>
-          </p:cNvSpPr>
-          <p:nvPr>
-            <p:ph type="sldImg"/>
-          </p:nvPr>
-        </p:nvSpPr>
-        <p:spPr/>
-      </p:sp>
-      <p:sp>
-        <p:nvSpPr>
-          <p:cNvPr id="3" name="Notes Placeholder 2"/>
-          <p:cNvSpPr>
-            <a:spLocks noGrp="1"/>
-          </p:cNvSpPr>
-          <p:nvPr>
-            <p:ph type="body" idx="1"/>
-          </p:nvPr>
-        </p:nvSpPr>
-        <p:spPr/>
-        <p:txBody>
-          <a:bodyPr/>
-          <a:lstStyle/>
-          <a:p>
-            <a:r>
-              <a:rPr lang="en-US" dirty="0" smtClean="0"/>
-              <a:t>Cheating: includes copying from another student, using external assistance during an exam, collaborating</a:t>
-            </a:r>
-            <a:r>
-              <a:rPr lang="en-US" baseline="0" dirty="0" smtClean="0"/>
-              <a:t> with others without the instructor’s permission, obtaining the answers to or a copy of an examination prior to its administration</a:t>
-            </a:r>
-          </a:p>
-          <a:p>
-            <a:r>
-              <a:rPr lang="en-US" baseline="0" dirty="0" smtClean="0"/>
-              <a:t>Fabrication: using invented information, altering and resubmitting returned academic work, misrepresenting the actual source of a quote</a:t>
-            </a:r>
-          </a:p>
-          <a:p>
-            <a:r>
-              <a:rPr lang="en-US" baseline="0" dirty="0" smtClean="0"/>
-              <a:t>Plagiarism: failing to properly identify quotations, failing to acknowledge or cite paraphrasing, submitting papers written by another</a:t>
-            </a:r>
-          </a:p>
-          <a:p>
-            <a:endParaRPr lang="en-US" dirty="0"/>
-          </a:p>
-        </p:txBody>
-      </p:sp>
-      <p:sp>
-        <p:nvSpPr>
-          <p:cNvPr id="4" name="Slide Number Placeholder 3"/>
-          <p:cNvSpPr>
-            <a:spLocks noGrp="1"/>
-          </p:cNvSpPr>
-          <p:nvPr>
-            <p:ph type="sldNum" sz="quarter" idx="10"/>
-          </p:nvPr>
-        </p:nvSpPr>
-        <p:spPr/>
-        <p:txBody>
-          <a:bodyPr/>
-          <a:lstStyle/>
-          <a:p>
-            <a:fld id="{CCE97362-91F1-A342-824A-05DC1BD650F3}" type="slidenum">
-              <a:rPr lang="en-US" smtClean="0"/>
-              <a:pPr/>
-              <a:t>17</a:t>
+              <a:t>10</a:t>
             </a:fld>
             <a:endParaRPr lang="en-US"/>
           </a:p>
@@ -829,15 +733,7 @@
           <a:p>
             <a:r>
               <a:rPr lang="en-US" dirty="0" smtClean="0"/>
-              <a:t>Give them</a:t>
-            </a:r>
-            <a:r>
-              <a:rPr lang="en-US" baseline="0" dirty="0" smtClean="0"/>
-              <a:t> ~</a:t>
-            </a:r>
-            <a:r>
-              <a:rPr lang="en-US" dirty="0" smtClean="0"/>
-              <a:t> 5-10 minutes to do this – help them get used to talking in this classroom</a:t>
+              <a:t>Go to slide page!</a:t>
             </a:r>
             <a:endParaRPr lang="en-US" dirty="0"/>
           </a:p>
@@ -861,7 +757,7 @@
             <a:fld id="{CCE97362-91F1-A342-824A-05DC1BD650F3}" type="slidenum">
               <a:rPr lang="en-US" smtClean="0"/>
               <a:pPr/>
-              <a:t>3</a:t>
+              <a:t>2</a:t>
             </a:fld>
             <a:endParaRPr lang="en-US"/>
           </a:p>
@@ -870,7 +766,7 @@
     </p:spTree>
     <p:extLst>
       <p:ext uri="{BB962C8B-B14F-4D97-AF65-F5344CB8AC3E}">
-        <p14:creationId xmlns:p14="http://schemas.microsoft.com/office/powerpoint/2010/main" val="2009533493"/>
+        <p14:creationId xmlns:p14="http://schemas.microsoft.com/office/powerpoint/2010/main" val="1278467624"/>
       </p:ext>
     </p:extLst>
   </p:cSld>
@@ -926,7 +822,15 @@
           <a:p>
             <a:r>
               <a:rPr lang="en-US" dirty="0" smtClean="0"/>
-              <a:t>Contact new friend to see what was covered in lab, and what you need to do to catch up.</a:t>
+              <a:t>Give them</a:t>
+            </a:r>
+            <a:r>
+              <a:rPr lang="en-US" baseline="0" dirty="0" smtClean="0"/>
+              <a:t> ~</a:t>
+            </a:r>
+            <a:r>
+              <a:rPr lang="en-US" dirty="0" smtClean="0"/>
+              <a:t> 5-10 minutes to do this – help them get used to talking in this classroom</a:t>
             </a:r>
             <a:endParaRPr lang="en-US" dirty="0"/>
           </a:p>
@@ -950,7 +854,7 @@
             <a:fld id="{CCE97362-91F1-A342-824A-05DC1BD650F3}" type="slidenum">
               <a:rPr lang="en-US" smtClean="0"/>
               <a:pPr/>
-              <a:t>4</a:t>
+              <a:t>3</a:t>
             </a:fld>
             <a:endParaRPr lang="en-US"/>
           </a:p>
@@ -959,7 +863,7 @@
     </p:spTree>
     <p:extLst>
       <p:ext uri="{BB962C8B-B14F-4D97-AF65-F5344CB8AC3E}">
-        <p14:creationId xmlns:p14="http://schemas.microsoft.com/office/powerpoint/2010/main" val="4074137379"/>
+        <p14:creationId xmlns:p14="http://schemas.microsoft.com/office/powerpoint/2010/main" val="2009533493"/>
       </p:ext>
     </p:extLst>
   </p:cSld>
@@ -1039,7 +943,7 @@
             <a:fld id="{CCE97362-91F1-A342-824A-05DC1BD650F3}" type="slidenum">
               <a:rPr lang="en-US" smtClean="0"/>
               <a:pPr/>
-              <a:t>5</a:t>
+              <a:t>4</a:t>
             </a:fld>
             <a:endParaRPr lang="en-US"/>
           </a:p>
@@ -1048,7 +952,7 @@
     </p:spTree>
     <p:extLst>
       <p:ext uri="{BB962C8B-B14F-4D97-AF65-F5344CB8AC3E}">
-        <p14:creationId xmlns:p14="http://schemas.microsoft.com/office/powerpoint/2010/main" val="1813556588"/>
+        <p14:creationId xmlns:p14="http://schemas.microsoft.com/office/powerpoint/2010/main" val="4074137379"/>
       </p:ext>
     </p:extLst>
   </p:cSld>
@@ -1104,11 +1008,7 @@
           <a:p>
             <a:r>
               <a:rPr lang="en-US" dirty="0" smtClean="0"/>
-              <a:t>TURNITIN is actually</a:t>
-            </a:r>
-            <a:r>
-              <a:rPr lang="en-US" baseline="0" dirty="0" smtClean="0"/>
-              <a:t> an awesome piece of software. Accomplishes the massive challenge of going through _every_ document on the internet and comparing it to yours. In general, you shouldn’t really need to quote something directly. If you do happen to quote a particularly elegant phrasing, make sure it’s properly cited (quotations, original source).</a:t>
+              <a:t>Contact new friend to see what was covered in lab, and what you need to do to catch up.</a:t>
             </a:r>
             <a:endParaRPr lang="en-US" dirty="0"/>
           </a:p>
@@ -1132,7 +1032,7 @@
             <a:fld id="{CCE97362-91F1-A342-824A-05DC1BD650F3}" type="slidenum">
               <a:rPr lang="en-US" smtClean="0"/>
               <a:pPr/>
-              <a:t>6</a:t>
+              <a:t>5</a:t>
             </a:fld>
             <a:endParaRPr lang="en-US"/>
           </a:p>
@@ -1141,7 +1041,7 @@
     </p:spTree>
     <p:extLst>
       <p:ext uri="{BB962C8B-B14F-4D97-AF65-F5344CB8AC3E}">
-        <p14:creationId xmlns:p14="http://schemas.microsoft.com/office/powerpoint/2010/main" val="3986726450"/>
+        <p14:creationId xmlns:p14="http://schemas.microsoft.com/office/powerpoint/2010/main" val="1813556588"/>
       </p:ext>
     </p:extLst>
   </p:cSld>
@@ -1195,6 +1095,14 @@
           <a:bodyPr/>
           <a:lstStyle/>
           <a:p>
+            <a:r>
+              <a:rPr lang="en-US" dirty="0" smtClean="0"/>
+              <a:t>TURNITIN is actually</a:t>
+            </a:r>
+            <a:r>
+              <a:rPr lang="en-US" baseline="0" dirty="0" smtClean="0"/>
+              <a:t> an awesome piece of software. Accomplishes the massive challenge of going through _every_ document on the internet and comparing it to yours. In general, you shouldn’t really need to quote something directly. If you do happen to quote a particularly elegant phrasing, make sure it’s properly cited (quotations, original source).</a:t>
+            </a:r>
             <a:endParaRPr lang="en-US" dirty="0"/>
           </a:p>
         </p:txBody>
@@ -1217,7 +1125,7 @@
             <a:fld id="{CCE97362-91F1-A342-824A-05DC1BD650F3}" type="slidenum">
               <a:rPr lang="en-US" smtClean="0"/>
               <a:pPr/>
-              <a:t>7</a:t>
+              <a:t>6</a:t>
             </a:fld>
             <a:endParaRPr lang="en-US"/>
           </a:p>
@@ -1226,7 +1134,7 @@
     </p:spTree>
     <p:extLst>
       <p:ext uri="{BB962C8B-B14F-4D97-AF65-F5344CB8AC3E}">
-        <p14:creationId xmlns:p14="http://schemas.microsoft.com/office/powerpoint/2010/main" val="703509749"/>
+        <p14:creationId xmlns:p14="http://schemas.microsoft.com/office/powerpoint/2010/main" val="310028221"/>
       </p:ext>
     </p:extLst>
   </p:cSld>
@@ -1282,7 +1190,11 @@
           <a:p>
             <a:r>
               <a:rPr lang="en-US" dirty="0" smtClean="0"/>
-              <a:t>ANY Questions?</a:t>
+              <a:t>TURNITIN is actually</a:t>
+            </a:r>
+            <a:r>
+              <a:rPr lang="en-US" baseline="0" dirty="0" smtClean="0"/>
+              <a:t> an awesome piece of software. Accomplishes the massive challenge of going through _every_ document on the internet and comparing it to yours. In general, you shouldn’t really need to quote something directly. If you do happen to quote a particularly elegant phrasing, make sure it’s properly cited (quotations, original source).</a:t>
             </a:r>
             <a:endParaRPr lang="en-US" dirty="0"/>
           </a:p>
@@ -1306,7 +1218,7 @@
             <a:fld id="{CCE97362-91F1-A342-824A-05DC1BD650F3}" type="slidenum">
               <a:rPr lang="en-US" smtClean="0"/>
               <a:pPr/>
-              <a:t>8</a:t>
+              <a:t>7</a:t>
             </a:fld>
             <a:endParaRPr lang="en-US"/>
           </a:p>
@@ -1315,7 +1227,7 @@
     </p:spTree>
     <p:extLst>
       <p:ext uri="{BB962C8B-B14F-4D97-AF65-F5344CB8AC3E}">
-        <p14:creationId xmlns:p14="http://schemas.microsoft.com/office/powerpoint/2010/main" val="497064624"/>
+        <p14:creationId xmlns:p14="http://schemas.microsoft.com/office/powerpoint/2010/main" val="3986726450"/>
       </p:ext>
     </p:extLst>
   </p:cSld>
@@ -1369,10 +1281,6 @@
           <a:bodyPr/>
           <a:lstStyle/>
           <a:p>
-            <a:r>
-              <a:rPr lang="en-US" dirty="0" smtClean="0"/>
-              <a:t>See Amy’s instructions for running this activity!</a:t>
-            </a:r>
             <a:endParaRPr lang="en-US" dirty="0"/>
           </a:p>
         </p:txBody>
@@ -1395,7 +1303,7 @@
             <a:fld id="{CCE97362-91F1-A342-824A-05DC1BD650F3}" type="slidenum">
               <a:rPr lang="en-US" smtClean="0"/>
               <a:pPr/>
-              <a:t>10</a:t>
+              <a:t>8</a:t>
             </a:fld>
             <a:endParaRPr lang="en-US"/>
           </a:p>
@@ -1404,7 +1312,7 @@
     </p:spTree>
     <p:extLst>
       <p:ext uri="{BB962C8B-B14F-4D97-AF65-F5344CB8AC3E}">
-        <p14:creationId xmlns:p14="http://schemas.microsoft.com/office/powerpoint/2010/main" val="877252054"/>
+        <p14:creationId xmlns:p14="http://schemas.microsoft.com/office/powerpoint/2010/main" val="703509749"/>
       </p:ext>
     </p:extLst>
   </p:cSld>
@@ -1458,20 +1366,6 @@
           <a:bodyPr/>
           <a:lstStyle/>
           <a:p>
-            <a:r>
-              <a:rPr lang="en-US" dirty="0" smtClean="0"/>
-              <a:t>Pose these as questions and encourage</a:t>
-            </a:r>
-            <a:r>
-              <a:rPr lang="en-US" baseline="0" dirty="0" smtClean="0"/>
-              <a:t> the students to write their answers down. </a:t>
-            </a:r>
-          </a:p>
-          <a:p>
-            <a:r>
-              <a:rPr lang="en-US" baseline="0" dirty="0" smtClean="0"/>
-              <a:t>This material will form the basis for their Method sections.</a:t>
-            </a:r>
             <a:endParaRPr lang="en-US" dirty="0"/>
           </a:p>
         </p:txBody>
@@ -1491,10 +1385,10 @@
           <a:bodyPr/>
           <a:lstStyle/>
           <a:p>
-            <a:fld id="{78AD5A91-3D25-D549-A6F4-4905256D951F}" type="slidenum">
+            <a:fld id="{CCE97362-91F1-A342-824A-05DC1BD650F3}" type="slidenum">
               <a:rPr lang="en-US" smtClean="0"/>
               <a:pPr/>
-              <a:t>11</a:t>
+              <a:t>9</a:t>
             </a:fld>
             <a:endParaRPr lang="en-US"/>
           </a:p>
@@ -1503,7 +1397,7 @@
     </p:spTree>
     <p:extLst>
       <p:ext uri="{BB962C8B-B14F-4D97-AF65-F5344CB8AC3E}">
-        <p14:creationId xmlns:p14="http://schemas.microsoft.com/office/powerpoint/2010/main" val="3271900720"/>
+        <p14:creationId xmlns:p14="http://schemas.microsoft.com/office/powerpoint/2010/main" val="2935247966"/>
       </p:ext>
     </p:extLst>
   </p:cSld>
@@ -1721,7 +1615,7 @@
             <a:fld id="{B01F9CA3-105E-4857-9057-6DB6197DA786}" type="datetimeFigureOut">
               <a:rPr lang="en-US" smtClean="0"/>
               <a:pPr/>
-              <a:t>1/18/2016</a:t>
+              <a:t>1/20/2016</a:t>
             </a:fld>
             <a:endParaRPr lang="en-US"/>
           </a:p>
@@ -1915,7 +1809,7 @@
             <a:fld id="{B01F9CA3-105E-4857-9057-6DB6197DA786}" type="datetimeFigureOut">
               <a:rPr lang="en-US" smtClean="0"/>
               <a:pPr/>
-              <a:t>1/18/2016</a:t>
+              <a:t>1/20/2016</a:t>
             </a:fld>
             <a:endParaRPr lang="en-US"/>
           </a:p>
@@ -2097,7 +1991,7 @@
             <a:fld id="{B01F9CA3-105E-4857-9057-6DB6197DA786}" type="datetimeFigureOut">
               <a:rPr lang="en-US" smtClean="0"/>
               <a:pPr/>
-              <a:t>1/18/2016</a:t>
+              <a:t>1/20/2016</a:t>
             </a:fld>
             <a:endParaRPr lang="en-US"/>
           </a:p>
@@ -2269,7 +2163,7 @@
             <a:fld id="{B01F9CA3-105E-4857-9057-6DB6197DA786}" type="datetimeFigureOut">
               <a:rPr lang="en-US" smtClean="0"/>
               <a:pPr/>
-              <a:t>1/18/2016</a:t>
+              <a:t>1/20/2016</a:t>
             </a:fld>
             <a:endParaRPr lang="en-US"/>
           </a:p>
@@ -2525,7 +2419,7 @@
             <a:fld id="{B01F9CA3-105E-4857-9057-6DB6197DA786}" type="datetimeFigureOut">
               <a:rPr lang="en-US" smtClean="0"/>
               <a:pPr/>
-              <a:t>1/18/2016</a:t>
+              <a:t>1/20/2016</a:t>
             </a:fld>
             <a:endParaRPr lang="en-US"/>
           </a:p>
@@ -2853,7 +2747,7 @@
             <a:fld id="{B01F9CA3-105E-4857-9057-6DB6197DA786}" type="datetimeFigureOut">
               <a:rPr lang="en-US" smtClean="0"/>
               <a:pPr/>
-              <a:t>1/18/2016</a:t>
+              <a:t>1/20/2016</a:t>
             </a:fld>
             <a:endParaRPr lang="en-US"/>
           </a:p>
@@ -3275,7 +3169,7 @@
             <a:fld id="{B01F9CA3-105E-4857-9057-6DB6197DA786}" type="datetimeFigureOut">
               <a:rPr lang="en-US" smtClean="0"/>
               <a:pPr/>
-              <a:t>1/18/2016</a:t>
+              <a:t>1/20/2016</a:t>
             </a:fld>
             <a:endParaRPr lang="en-US"/>
           </a:p>
@@ -3395,7 +3289,7 @@
             <a:fld id="{B01F9CA3-105E-4857-9057-6DB6197DA786}" type="datetimeFigureOut">
               <a:rPr lang="en-US" smtClean="0"/>
               <a:pPr/>
-              <a:t>1/18/2016</a:t>
+              <a:t>1/20/2016</a:t>
             </a:fld>
             <a:endParaRPr lang="en-US"/>
           </a:p>
@@ -3492,7 +3386,7 @@
             <a:fld id="{B01F9CA3-105E-4857-9057-6DB6197DA786}" type="datetimeFigureOut">
               <a:rPr lang="en-US" smtClean="0"/>
               <a:pPr/>
-              <a:t>1/18/2016</a:t>
+              <a:t>1/20/2016</a:t>
             </a:fld>
             <a:endParaRPr lang="en-US"/>
           </a:p>
@@ -3781,7 +3675,7 @@
             <a:fld id="{B01F9CA3-105E-4857-9057-6DB6197DA786}" type="datetimeFigureOut">
               <a:rPr lang="en-US" smtClean="0"/>
               <a:pPr/>
-              <a:t>1/18/2016</a:t>
+              <a:t>1/20/2016</a:t>
             </a:fld>
             <a:endParaRPr lang="en-US"/>
           </a:p>
@@ -4105,7 +3999,7 @@
             <a:fld id="{B01F9CA3-105E-4857-9057-6DB6197DA786}" type="datetimeFigureOut">
               <a:rPr lang="en-US" smtClean="0"/>
               <a:pPr/>
-              <a:t>1/18/2016</a:t>
+              <a:t>1/20/2016</a:t>
             </a:fld>
             <a:endParaRPr lang="en-US"/>
           </a:p>
@@ -4361,7 +4255,7 @@
             <a:fld id="{B01F9CA3-105E-4857-9057-6DB6197DA786}" type="datetimeFigureOut">
               <a:rPr lang="en-US" smtClean="0"/>
               <a:pPr/>
-              <a:t>1/18/2016</a:t>
+              <a:t>1/20/2016</a:t>
             </a:fld>
             <a:endParaRPr lang="en-US"/>
           </a:p>
@@ -4872,59 +4766,87 @@
           <a:p>
             <a:r>
               <a:rPr lang="en-US" sz="7200" b="1" dirty="0" smtClean="0">
-                <a:latin typeface="American Typewriter"/>
+                <a:latin typeface="Garamond" panose="02020404030301010803" pitchFamily="18" charset="0"/>
                 <a:cs typeface="American Typewriter"/>
               </a:rPr>
               <a:t>Welcome! </a:t>
             </a:r>
             <a:br>
               <a:rPr lang="en-US" sz="7200" b="1" dirty="0" smtClean="0">
-                <a:latin typeface="American Typewriter"/>
+                <a:latin typeface="Garamond" panose="02020404030301010803" pitchFamily="18" charset="0"/>
                 <a:cs typeface="American Typewriter"/>
               </a:rPr>
             </a:br>
             <a:r>
               <a:rPr lang="en-US" sz="7200" b="1" dirty="0" smtClean="0">
-                <a:latin typeface="American Typewriter"/>
+                <a:latin typeface="Garamond" panose="02020404030301010803" pitchFamily="18" charset="0"/>
                 <a:cs typeface="American Typewriter"/>
               </a:rPr>
               <a:t>Psych 241 </a:t>
             </a:r>
             <a:br>
               <a:rPr lang="en-US" sz="7200" b="1" dirty="0" smtClean="0">
-                <a:latin typeface="American Typewriter"/>
+                <a:latin typeface="Garamond" panose="02020404030301010803" pitchFamily="18" charset="0"/>
                 <a:cs typeface="American Typewriter"/>
               </a:rPr>
             </a:br>
             <a:r>
               <a:rPr lang="en-US" sz="7200" b="1" dirty="0" smtClean="0">
-                <a:latin typeface="American Typewriter"/>
+                <a:latin typeface="Garamond" panose="02020404030301010803" pitchFamily="18" charset="0"/>
                 <a:cs typeface="American Typewriter"/>
               </a:rPr>
-              <a:t>Lab ?? </a:t>
+              <a:t>Lab: </a:t>
+            </a:r>
+            <a:r>
+              <a:rPr lang="en-US" sz="7200" b="1" dirty="0" smtClean="0">
+                <a:latin typeface="Garamond" panose="02020404030301010803" pitchFamily="18" charset="0"/>
+                <a:cs typeface="American Typewriter"/>
+              </a:rPr>
+              <a:t>LS</a:t>
+            </a:r>
+            <a:r>
+              <a:rPr lang="en-US" sz="7200" b="1" dirty="0" smtClean="0">
+                <a:latin typeface="Garamond" panose="02020404030301010803" pitchFamily="18" charset="0"/>
+                <a:cs typeface="American Typewriter"/>
+              </a:rPr>
+              <a:t> </a:t>
+            </a:r>
+            <a:r>
+              <a:rPr lang="en-US" sz="7200" b="1" dirty="0" smtClean="0">
+                <a:latin typeface="Garamond" panose="02020404030301010803" pitchFamily="18" charset="0"/>
+                <a:cs typeface="American Typewriter"/>
+              </a:rPr>
+              <a:t/>
             </a:r>
             <a:br>
               <a:rPr lang="en-US" sz="7200" b="1" dirty="0" smtClean="0">
-                <a:latin typeface="American Typewriter"/>
+                <a:latin typeface="Garamond" panose="02020404030301010803" pitchFamily="18" charset="0"/>
                 <a:cs typeface="American Typewriter"/>
               </a:rPr>
             </a:br>
             <a:r>
-              <a:rPr lang="en-US" sz="7200" b="1" dirty="0" err="1" smtClean="0">
-                <a:latin typeface="American Typewriter"/>
+              <a:rPr lang="en-US" sz="7200" b="1" dirty="0" smtClean="0">
+                <a:latin typeface="Garamond" panose="02020404030301010803" pitchFamily="18" charset="0"/>
                 <a:cs typeface="American Typewriter"/>
               </a:rPr>
-              <a:t>TTh</a:t>
-            </a:r>
-            <a:r>
-              <a:rPr lang="en-US" sz="7200" b="1" dirty="0" smtClean="0">
-                <a:latin typeface="American Typewriter"/>
+              <a:t>T, </a:t>
+            </a:r>
+            <a:r>
+              <a:rPr lang="en-US" sz="7200" b="1" dirty="0" err="1" smtClean="0">
+                <a:latin typeface="Garamond" panose="02020404030301010803" pitchFamily="18" charset="0"/>
                 <a:cs typeface="American Typewriter"/>
               </a:rPr>
-              <a:t> ??</a:t>
+              <a:t>Th</a:t>
+            </a:r>
+            <a:r>
+              <a:rPr lang="en-US" sz="7200" b="1" dirty="0" smtClean="0">
+                <a:latin typeface="Garamond" panose="02020404030301010803" pitchFamily="18" charset="0"/>
+                <a:cs typeface="American Typewriter"/>
+              </a:rPr>
+              <a:t>: 1:00-2:15</a:t>
             </a:r>
             <a:endParaRPr lang="en-US" sz="7200" b="1" dirty="0">
-              <a:latin typeface="American Typewriter"/>
+              <a:latin typeface="Garamond" panose="02020404030301010803" pitchFamily="18" charset="0"/>
               <a:cs typeface="American Typewriter"/>
             </a:endParaRPr>
           </a:p>
@@ -4951,2686 +4873,6 @@
 </file>
 
 <file path=ppt/slides/slide10.xml><?xml version="1.0" encoding="utf-8"?>
-<p:sld xmlns:a="http://schemas.openxmlformats.org/drawingml/2006/main" xmlns:r="http://schemas.openxmlformats.org/officeDocument/2006/relationships" xmlns:p="http://schemas.openxmlformats.org/presentationml/2006/main">
-  <p:cSld>
-    <p:spTree>
-      <p:nvGrpSpPr>
-        <p:cNvPr id="1" name=""/>
-        <p:cNvGrpSpPr/>
-        <p:nvPr/>
-      </p:nvGrpSpPr>
-      <p:grpSpPr>
-        <a:xfrm>
-          <a:off x="0" y="0"/>
-          <a:ext cx="0" cy="0"/>
-          <a:chOff x="0" y="0"/>
-          <a:chExt cx="0" cy="0"/>
-        </a:xfrm>
-      </p:grpSpPr>
-      <p:sp>
-        <p:nvSpPr>
-          <p:cNvPr id="2" name="Title 1"/>
-          <p:cNvSpPr>
-            <a:spLocks noGrp="1"/>
-          </p:cNvSpPr>
-          <p:nvPr>
-            <p:ph type="title"/>
-          </p:nvPr>
-        </p:nvSpPr>
-        <p:spPr/>
-        <p:txBody>
-          <a:bodyPr/>
-          <a:lstStyle/>
-          <a:p>
-            <a:r>
-              <a:rPr lang="en-US" dirty="0" smtClean="0">
-                <a:latin typeface="American Typewriter"/>
-                <a:cs typeface="American Typewriter"/>
-              </a:rPr>
-              <a:t>Stroop Project</a:t>
-            </a:r>
-            <a:endParaRPr lang="en-US" dirty="0">
-              <a:latin typeface="American Typewriter"/>
-              <a:cs typeface="American Typewriter"/>
-            </a:endParaRPr>
-          </a:p>
-        </p:txBody>
-      </p:sp>
-      <p:sp>
-        <p:nvSpPr>
-          <p:cNvPr id="3" name="Content Placeholder 2"/>
-          <p:cNvSpPr>
-            <a:spLocks noGrp="1"/>
-          </p:cNvSpPr>
-          <p:nvPr>
-            <p:ph idx="1"/>
-          </p:nvPr>
-        </p:nvSpPr>
-        <p:spPr>
-          <a:xfrm>
-            <a:off x="549274" y="1600200"/>
-            <a:ext cx="8594725" cy="4675467"/>
-          </a:xfrm>
-        </p:spPr>
-        <p:txBody>
-          <a:bodyPr>
-            <a:normAutofit/>
-          </a:bodyPr>
-          <a:lstStyle/>
-          <a:p>
-            <a:r>
-              <a:rPr lang="en-US" sz="2800" dirty="0" smtClean="0">
-                <a:latin typeface="American Typewriter"/>
-                <a:cs typeface="American Typewriter"/>
-              </a:rPr>
-              <a:t>Interim activity:</a:t>
-            </a:r>
-          </a:p>
-          <a:p>
-            <a:pPr lvl="1"/>
-            <a:r>
-              <a:rPr lang="en-US" sz="2600" dirty="0" smtClean="0">
-                <a:latin typeface="American Typewriter"/>
-                <a:cs typeface="American Typewriter"/>
-              </a:rPr>
-              <a:t>Animal drawing task</a:t>
-            </a:r>
-          </a:p>
-          <a:p>
-            <a:pPr lvl="1"/>
-            <a:endParaRPr lang="en-US" sz="2600" dirty="0" smtClean="0">
-              <a:latin typeface="American Typewriter"/>
-              <a:cs typeface="American Typewriter"/>
-            </a:endParaRPr>
-          </a:p>
-          <a:p>
-            <a:pPr lvl="1"/>
-            <a:r>
-              <a:rPr lang="en-US" sz="2600" dirty="0" smtClean="0">
-                <a:latin typeface="American Typewriter"/>
-                <a:cs typeface="American Typewriter"/>
-              </a:rPr>
-              <a:t>Your group will be given the name of an animal and asked to write out a list of instructions for drawing this animal (keep this info confidential)  </a:t>
-            </a:r>
-          </a:p>
-          <a:p>
-            <a:pPr lvl="1"/>
-            <a:endParaRPr lang="en-US" sz="2600" dirty="0" smtClean="0">
-              <a:latin typeface="American Typewriter"/>
-              <a:cs typeface="American Typewriter"/>
-            </a:endParaRPr>
-          </a:p>
-          <a:p>
-            <a:pPr lvl="1"/>
-            <a:r>
-              <a:rPr lang="en-US" sz="2600" dirty="0" smtClean="0">
-                <a:latin typeface="American Typewriter"/>
-                <a:cs typeface="American Typewriter"/>
-              </a:rPr>
-              <a:t>After the Stroop task we will have some students follow these instructions to draw the animals </a:t>
-            </a:r>
-          </a:p>
-          <a:p>
-            <a:pPr lvl="1"/>
-            <a:endParaRPr lang="en-US" sz="2600" dirty="0">
-              <a:latin typeface="American Typewriter"/>
-              <a:cs typeface="American Typewriter"/>
-            </a:endParaRPr>
-          </a:p>
-          <a:p>
-            <a:pPr lvl="1"/>
-            <a:r>
-              <a:rPr lang="en-US" sz="2600" dirty="0" smtClean="0">
-                <a:latin typeface="American Typewriter"/>
-                <a:cs typeface="American Typewriter"/>
-              </a:rPr>
-              <a:t>Please work on this activity while waiting</a:t>
-            </a:r>
-          </a:p>
-        </p:txBody>
-      </p:sp>
-      <p:sp>
-        <p:nvSpPr>
-          <p:cNvPr id="5" name="Date Placeholder 4"/>
-          <p:cNvSpPr>
-            <a:spLocks noGrp="1"/>
-          </p:cNvSpPr>
-          <p:nvPr>
-            <p:ph type="dt" sz="half" idx="10"/>
-          </p:nvPr>
-        </p:nvSpPr>
-        <p:spPr/>
-        <p:txBody>
-          <a:bodyPr/>
-          <a:lstStyle/>
-          <a:p>
-            <a:fld id="{32422658-1E9C-D94A-9284-BEDBD3922BD4}" type="datetime1">
-              <a:rPr lang="en-US" smtClean="0"/>
-              <a:pPr/>
-              <a:t>1/18/2016</a:t>
-            </a:fld>
-            <a:endParaRPr lang="en-US"/>
-          </a:p>
-        </p:txBody>
-      </p:sp>
-      <p:sp>
-        <p:nvSpPr>
-          <p:cNvPr id="6" name="Footer Placeholder 5"/>
-          <p:cNvSpPr>
-            <a:spLocks noGrp="1"/>
-          </p:cNvSpPr>
-          <p:nvPr>
-            <p:ph type="ftr" sz="quarter" idx="11"/>
-          </p:nvPr>
-        </p:nvSpPr>
-        <p:spPr/>
-        <p:txBody>
-          <a:bodyPr/>
-          <a:lstStyle/>
-          <a:p>
-            <a:endParaRPr lang="en-US"/>
-          </a:p>
-        </p:txBody>
-      </p:sp>
-      <p:sp>
-        <p:nvSpPr>
-          <p:cNvPr id="7" name="Slide Number Placeholder 6"/>
-          <p:cNvSpPr>
-            <a:spLocks noGrp="1"/>
-          </p:cNvSpPr>
-          <p:nvPr>
-            <p:ph type="sldNum" sz="quarter" idx="12"/>
-          </p:nvPr>
-        </p:nvSpPr>
-        <p:spPr/>
-        <p:txBody>
-          <a:bodyPr/>
-          <a:lstStyle/>
-          <a:p>
-            <a:fld id="{7F5CE407-6216-4202-80E4-A30DC2F709B2}" type="slidenum">
-              <a:rPr lang="en-US" smtClean="0"/>
-              <a:pPr/>
-              <a:t>10</a:t>
-            </a:fld>
-            <a:endParaRPr lang="en-US"/>
-          </a:p>
-        </p:txBody>
-      </p:sp>
-      <p:sp>
-        <p:nvSpPr>
-          <p:cNvPr id="4" name="TextBox 3"/>
-          <p:cNvSpPr txBox="1"/>
-          <p:nvPr/>
-        </p:nvSpPr>
-        <p:spPr>
-          <a:xfrm>
-            <a:off x="3007620" y="4228375"/>
-            <a:ext cx="3909906" cy="769441"/>
-          </a:xfrm>
-          <a:prstGeom prst="rect">
-            <a:avLst/>
-          </a:prstGeom>
-          <a:noFill/>
-        </p:spPr>
-        <p:txBody>
-          <a:bodyPr wrap="square" rtlCol="0">
-            <a:spAutoFit/>
-          </a:bodyPr>
-          <a:lstStyle/>
-          <a:p>
-            <a:pPr algn="just"/>
-            <a:r>
-              <a:rPr lang="en-US" sz="4400" dirty="0" smtClean="0">
-                <a:solidFill>
-                  <a:schemeClr val="accent6">
-                    <a:lumMod val="60000"/>
-                    <a:lumOff val="40000"/>
-                  </a:schemeClr>
-                </a:solidFill>
-              </a:rPr>
-              <a:t> </a:t>
-            </a:r>
-            <a:endParaRPr lang="en-US" sz="4400" dirty="0">
-              <a:solidFill>
-                <a:schemeClr val="accent6">
-                  <a:lumMod val="60000"/>
-                  <a:lumOff val="40000"/>
-                </a:schemeClr>
-              </a:solidFill>
-            </a:endParaRPr>
-          </a:p>
-        </p:txBody>
-      </p:sp>
-    </p:spTree>
-    <p:extLst>
-      <p:ext uri="{BB962C8B-B14F-4D97-AF65-F5344CB8AC3E}">
-        <p14:creationId xmlns:p14="http://schemas.microsoft.com/office/powerpoint/2010/main" val="993185483"/>
-      </p:ext>
-    </p:extLst>
-  </p:cSld>
-  <p:clrMapOvr>
-    <a:masterClrMapping/>
-  </p:clrMapOvr>
-  <p:timing>
-    <p:tnLst>
-      <p:par>
-        <p:cTn id="1" dur="indefinite" restart="never" nodeType="tmRoot">
-          <p:childTnLst>
-            <p:seq concurrent="1" nextAc="seek">
-              <p:cTn id="2" dur="indefinite" nodeType="mainSeq">
-                <p:childTnLst>
-                  <p:par>
-                    <p:cTn id="3" fill="hold">
-                      <p:stCondLst>
-                        <p:cond delay="indefinite"/>
-                      </p:stCondLst>
-                      <p:childTnLst>
-                        <p:par>
-                          <p:cTn id="4" fill="hold">
-                            <p:stCondLst>
-                              <p:cond delay="0"/>
-                            </p:stCondLst>
-                            <p:childTnLst>
-                              <p:par>
-                                <p:cTn id="5" presetID="1" presetClass="entr" presetSubtype="0" fill="hold" grpId="0" nodeType="clickEffect">
-                                  <p:stCondLst>
-                                    <p:cond delay="0"/>
-                                  </p:stCondLst>
-                                  <p:childTnLst>
-                                    <p:set>
-                                      <p:cBhvr>
-                                        <p:cTn id="6" dur="1" fill="hold">
-                                          <p:stCondLst>
-                                            <p:cond delay="0"/>
-                                          </p:stCondLst>
-                                        </p:cTn>
-                                        <p:tgtEl>
-                                          <p:spTgt spid="3">
-                                            <p:txEl>
-                                              <p:pRg st="0" end="0"/>
-                                            </p:txEl>
-                                          </p:spTgt>
-                                        </p:tgtEl>
-                                        <p:attrNameLst>
-                                          <p:attrName>style.visibility</p:attrName>
-                                        </p:attrNameLst>
-                                      </p:cBhvr>
-                                      <p:to>
-                                        <p:strVal val="visible"/>
-                                      </p:to>
-                                    </p:set>
-                                  </p:childTnLst>
-                                </p:cTn>
-                              </p:par>
-                            </p:childTnLst>
-                          </p:cTn>
-                        </p:par>
-                      </p:childTnLst>
-                    </p:cTn>
-                  </p:par>
-                  <p:par>
-                    <p:cTn id="7" fill="hold">
-                      <p:stCondLst>
-                        <p:cond delay="indefinite"/>
-                      </p:stCondLst>
-                      <p:childTnLst>
-                        <p:par>
-                          <p:cTn id="8" fill="hold">
-                            <p:stCondLst>
-                              <p:cond delay="0"/>
-                            </p:stCondLst>
-                            <p:childTnLst>
-                              <p:par>
-                                <p:cTn id="9" presetID="1" presetClass="entr" presetSubtype="0" fill="hold" grpId="0" nodeType="clickEffect">
-                                  <p:stCondLst>
-                                    <p:cond delay="0"/>
-                                  </p:stCondLst>
-                                  <p:childTnLst>
-                                    <p:set>
-                                      <p:cBhvr>
-                                        <p:cTn id="10" dur="1" fill="hold">
-                                          <p:stCondLst>
-                                            <p:cond delay="0"/>
-                                          </p:stCondLst>
-                                        </p:cTn>
-                                        <p:tgtEl>
-                                          <p:spTgt spid="3">
-                                            <p:txEl>
-                                              <p:pRg st="1" end="1"/>
-                                            </p:txEl>
-                                          </p:spTgt>
-                                        </p:tgtEl>
-                                        <p:attrNameLst>
-                                          <p:attrName>style.visibility</p:attrName>
-                                        </p:attrNameLst>
-                                      </p:cBhvr>
-                                      <p:to>
-                                        <p:strVal val="visible"/>
-                                      </p:to>
-                                    </p:set>
-                                  </p:childTnLst>
-                                </p:cTn>
-                              </p:par>
-                            </p:childTnLst>
-                          </p:cTn>
-                        </p:par>
-                      </p:childTnLst>
-                    </p:cTn>
-                  </p:par>
-                  <p:par>
-                    <p:cTn id="11" fill="hold">
-                      <p:stCondLst>
-                        <p:cond delay="indefinite"/>
-                      </p:stCondLst>
-                      <p:childTnLst>
-                        <p:par>
-                          <p:cTn id="12" fill="hold">
-                            <p:stCondLst>
-                              <p:cond delay="0"/>
-                            </p:stCondLst>
-                            <p:childTnLst>
-                              <p:par>
-                                <p:cTn id="13" presetID="1" presetClass="entr" presetSubtype="0" fill="hold" grpId="0" nodeType="clickEffect">
-                                  <p:stCondLst>
-                                    <p:cond delay="0"/>
-                                  </p:stCondLst>
-                                  <p:childTnLst>
-                                    <p:set>
-                                      <p:cBhvr>
-                                        <p:cTn id="14" dur="1" fill="hold">
-                                          <p:stCondLst>
-                                            <p:cond delay="0"/>
-                                          </p:stCondLst>
-                                        </p:cTn>
-                                        <p:tgtEl>
-                                          <p:spTgt spid="3">
-                                            <p:txEl>
-                                              <p:pRg st="3" end="3"/>
-                                            </p:txEl>
-                                          </p:spTgt>
-                                        </p:tgtEl>
-                                        <p:attrNameLst>
-                                          <p:attrName>style.visibility</p:attrName>
-                                        </p:attrNameLst>
-                                      </p:cBhvr>
-                                      <p:to>
-                                        <p:strVal val="visible"/>
-                                      </p:to>
-                                    </p:set>
-                                  </p:childTnLst>
-                                </p:cTn>
-                              </p:par>
-                            </p:childTnLst>
-                          </p:cTn>
-                        </p:par>
-                      </p:childTnLst>
-                    </p:cTn>
-                  </p:par>
-                  <p:par>
-                    <p:cTn id="15" fill="hold">
-                      <p:stCondLst>
-                        <p:cond delay="indefinite"/>
-                      </p:stCondLst>
-                      <p:childTnLst>
-                        <p:par>
-                          <p:cTn id="16" fill="hold">
-                            <p:stCondLst>
-                              <p:cond delay="0"/>
-                            </p:stCondLst>
-                            <p:childTnLst>
-                              <p:par>
-                                <p:cTn id="17" presetID="1" presetClass="entr" presetSubtype="0" fill="hold" grpId="0" nodeType="clickEffect">
-                                  <p:stCondLst>
-                                    <p:cond delay="0"/>
-                                  </p:stCondLst>
-                                  <p:childTnLst>
-                                    <p:set>
-                                      <p:cBhvr>
-                                        <p:cTn id="18" dur="1" fill="hold">
-                                          <p:stCondLst>
-                                            <p:cond delay="0"/>
-                                          </p:stCondLst>
-                                        </p:cTn>
-                                        <p:tgtEl>
-                                          <p:spTgt spid="3">
-                                            <p:txEl>
-                                              <p:pRg st="5" end="5"/>
-                                            </p:txEl>
-                                          </p:spTgt>
-                                        </p:tgtEl>
-                                        <p:attrNameLst>
-                                          <p:attrName>style.visibility</p:attrName>
-                                        </p:attrNameLst>
-                                      </p:cBhvr>
-                                      <p:to>
-                                        <p:strVal val="visible"/>
-                                      </p:to>
-                                    </p:set>
-                                  </p:childTnLst>
-                                </p:cTn>
-                              </p:par>
-                              <p:par>
-                                <p:cTn id="19" presetID="1" presetClass="entr" presetSubtype="0" fill="hold" grpId="0" nodeType="withEffect">
-                                  <p:stCondLst>
-                                    <p:cond delay="0"/>
-                                  </p:stCondLst>
-                                  <p:childTnLst>
-                                    <p:set>
-                                      <p:cBhvr>
-                                        <p:cTn id="20" dur="1" fill="hold">
-                                          <p:stCondLst>
-                                            <p:cond delay="0"/>
-                                          </p:stCondLst>
-                                        </p:cTn>
-                                        <p:tgtEl>
-                                          <p:spTgt spid="3">
-                                            <p:txEl>
-                                              <p:pRg st="7" end="7"/>
-                                            </p:txEl>
-                                          </p:spTgt>
-                                        </p:tgtEl>
-                                        <p:attrNameLst>
-                                          <p:attrName>style.visibility</p:attrName>
-                                        </p:attrNameLst>
-                                      </p:cBhvr>
-                                      <p:to>
-                                        <p:strVal val="visible"/>
-                                      </p:to>
-                                    </p:set>
-                                  </p:childTnLst>
-                                </p:cTn>
-                              </p:par>
-                            </p:childTnLst>
-                          </p:cTn>
-                        </p:par>
-                      </p:childTnLst>
-                    </p:cTn>
-                  </p:par>
-                </p:childTnLst>
-              </p:cTn>
-              <p:prevCondLst>
-                <p:cond evt="onPrev" delay="0">
-                  <p:tgtEl>
-                    <p:sldTgt/>
-                  </p:tgtEl>
-                </p:cond>
-              </p:prevCondLst>
-              <p:nextCondLst>
-                <p:cond evt="onNext" delay="0">
-                  <p:tgtEl>
-                    <p:sldTgt/>
-                  </p:tgtEl>
-                </p:cond>
-              </p:nextCondLst>
-            </p:seq>
-          </p:childTnLst>
-        </p:cTn>
-      </p:par>
-    </p:tnLst>
-    <p:bldLst>
-      <p:bldP spid="3" grpId="0" build="p"/>
-    </p:bldLst>
-  </p:timing>
-</p:sld>
-</file>
-
-<file path=ppt/slides/slide11.xml><?xml version="1.0" encoding="utf-8"?>
-<p:sld xmlns:a="http://schemas.openxmlformats.org/drawingml/2006/main" xmlns:r="http://schemas.openxmlformats.org/officeDocument/2006/relationships" xmlns:p="http://schemas.openxmlformats.org/presentationml/2006/main">
-  <p:cSld>
-    <p:spTree>
-      <p:nvGrpSpPr>
-        <p:cNvPr id="1" name=""/>
-        <p:cNvGrpSpPr/>
-        <p:nvPr/>
-      </p:nvGrpSpPr>
-      <p:grpSpPr>
-        <a:xfrm>
-          <a:off x="0" y="0"/>
-          <a:ext cx="0" cy="0"/>
-          <a:chOff x="0" y="0"/>
-          <a:chExt cx="0" cy="0"/>
-        </a:xfrm>
-      </p:grpSpPr>
-      <p:sp>
-        <p:nvSpPr>
-          <p:cNvPr id="2" name="Title 1"/>
-          <p:cNvSpPr>
-            <a:spLocks noGrp="1"/>
-          </p:cNvSpPr>
-          <p:nvPr>
-            <p:ph type="title"/>
-          </p:nvPr>
-        </p:nvSpPr>
-        <p:spPr/>
-        <p:txBody>
-          <a:bodyPr/>
-          <a:lstStyle/>
-          <a:p>
-            <a:r>
-              <a:rPr lang="en-US" dirty="0" smtClean="0">
-                <a:latin typeface="American Typewriter"/>
-                <a:cs typeface="American Typewriter"/>
-              </a:rPr>
-              <a:t>Stroop Project</a:t>
-            </a:r>
-            <a:endParaRPr lang="en-US" dirty="0">
-              <a:latin typeface="American Typewriter"/>
-              <a:cs typeface="American Typewriter"/>
-            </a:endParaRPr>
-          </a:p>
-        </p:txBody>
-      </p:sp>
-      <p:sp>
-        <p:nvSpPr>
-          <p:cNvPr id="3" name="Content Placeholder 2"/>
-          <p:cNvSpPr>
-            <a:spLocks noGrp="1"/>
-          </p:cNvSpPr>
-          <p:nvPr>
-            <p:ph idx="1"/>
-          </p:nvPr>
-        </p:nvSpPr>
-        <p:spPr>
-          <a:xfrm>
-            <a:off x="549274" y="1600201"/>
-            <a:ext cx="8594725" cy="4343400"/>
-          </a:xfrm>
-        </p:spPr>
-        <p:txBody>
-          <a:bodyPr>
-            <a:normAutofit/>
-          </a:bodyPr>
-          <a:lstStyle/>
-          <a:p>
-            <a:r>
-              <a:rPr lang="en-US" sz="2800" dirty="0" smtClean="0">
-                <a:latin typeface="American Typewriter"/>
-                <a:cs typeface="American Typewriter"/>
-              </a:rPr>
-              <a:t>What Stimuli did we use?</a:t>
-            </a:r>
-          </a:p>
-          <a:p>
-            <a:pPr lvl="1"/>
-            <a:r>
-              <a:rPr lang="en-US" sz="2800" dirty="0" smtClean="0">
-                <a:latin typeface="American Typewriter"/>
-                <a:cs typeface="American Typewriter"/>
-              </a:rPr>
-              <a:t>Silhouettes of animals </a:t>
-            </a:r>
-          </a:p>
-          <a:p>
-            <a:pPr lvl="1"/>
-            <a:r>
-              <a:rPr lang="en-US" sz="2800" dirty="0" smtClean="0">
-                <a:latin typeface="American Typewriter"/>
-                <a:cs typeface="American Typewriter"/>
-              </a:rPr>
-              <a:t>cat, dog, cow, pig and bear</a:t>
-            </a:r>
-          </a:p>
-          <a:p>
-            <a:r>
-              <a:rPr lang="en-US" sz="2800" dirty="0" smtClean="0">
-                <a:latin typeface="American Typewriter"/>
-                <a:cs typeface="American Typewriter"/>
-              </a:rPr>
-              <a:t>What Conditions did we use?</a:t>
-            </a:r>
-            <a:endParaRPr lang="en-US" sz="2800" dirty="0">
-              <a:latin typeface="American Typewriter"/>
-              <a:cs typeface="American Typewriter"/>
-            </a:endParaRPr>
-          </a:p>
-          <a:p>
-            <a:pPr lvl="1"/>
-            <a:r>
-              <a:rPr lang="en-US" sz="2800" dirty="0" smtClean="0">
-                <a:latin typeface="American Typewriter"/>
-                <a:cs typeface="American Typewriter"/>
-              </a:rPr>
-              <a:t>No labels</a:t>
-            </a:r>
-          </a:p>
-          <a:p>
-            <a:pPr lvl="1"/>
-            <a:r>
-              <a:rPr lang="en-US" sz="2800" dirty="0" smtClean="0">
-                <a:latin typeface="American Typewriter"/>
-                <a:cs typeface="American Typewriter"/>
-              </a:rPr>
-              <a:t>Incongruent labels</a:t>
-            </a:r>
-            <a:endParaRPr lang="en-US" sz="2800" dirty="0">
-              <a:latin typeface="American Typewriter"/>
-              <a:cs typeface="American Typewriter"/>
-            </a:endParaRPr>
-          </a:p>
-          <a:p>
-            <a:pPr marL="349250" lvl="1" indent="0">
-              <a:buNone/>
-            </a:pPr>
-            <a:endParaRPr lang="en-US" dirty="0" smtClean="0">
-              <a:latin typeface="American Typewriter"/>
-              <a:cs typeface="American Typewriter"/>
-            </a:endParaRPr>
-          </a:p>
-          <a:p>
-            <a:r>
-              <a:rPr lang="en-US" sz="2800" dirty="0" smtClean="0">
-                <a:latin typeface="American Typewriter"/>
-                <a:cs typeface="American Typewriter"/>
-              </a:rPr>
-              <a:t>How did we order these conditions, and why?</a:t>
-            </a:r>
-          </a:p>
-        </p:txBody>
-      </p:sp>
-      <p:sp>
-        <p:nvSpPr>
-          <p:cNvPr id="5" name="Date Placeholder 4"/>
-          <p:cNvSpPr>
-            <a:spLocks noGrp="1"/>
-          </p:cNvSpPr>
-          <p:nvPr>
-            <p:ph type="dt" sz="half" idx="10"/>
-          </p:nvPr>
-        </p:nvSpPr>
-        <p:spPr/>
-        <p:txBody>
-          <a:bodyPr/>
-          <a:lstStyle/>
-          <a:p>
-            <a:fld id="{23DC3383-F956-F74C-A24B-318264E4542C}" type="datetime1">
-              <a:rPr lang="en-US" smtClean="0"/>
-              <a:pPr/>
-              <a:t>1/18/2016</a:t>
-            </a:fld>
-            <a:endParaRPr lang="en-US"/>
-          </a:p>
-        </p:txBody>
-      </p:sp>
-      <p:sp>
-        <p:nvSpPr>
-          <p:cNvPr id="6" name="Footer Placeholder 5"/>
-          <p:cNvSpPr>
-            <a:spLocks noGrp="1"/>
-          </p:cNvSpPr>
-          <p:nvPr>
-            <p:ph type="ftr" sz="quarter" idx="11"/>
-          </p:nvPr>
-        </p:nvSpPr>
-        <p:spPr/>
-        <p:txBody>
-          <a:bodyPr/>
-          <a:lstStyle/>
-          <a:p>
-            <a:endParaRPr lang="en-US"/>
-          </a:p>
-        </p:txBody>
-      </p:sp>
-      <p:sp>
-        <p:nvSpPr>
-          <p:cNvPr id="7" name="Slide Number Placeholder 6"/>
-          <p:cNvSpPr>
-            <a:spLocks noGrp="1"/>
-          </p:cNvSpPr>
-          <p:nvPr>
-            <p:ph type="sldNum" sz="quarter" idx="12"/>
-          </p:nvPr>
-        </p:nvSpPr>
-        <p:spPr/>
-        <p:txBody>
-          <a:bodyPr/>
-          <a:lstStyle/>
-          <a:p>
-            <a:fld id="{7F5CE407-6216-4202-80E4-A30DC2F709B2}" type="slidenum">
-              <a:rPr lang="en-US" smtClean="0"/>
-              <a:pPr/>
-              <a:t>11</a:t>
-            </a:fld>
-            <a:endParaRPr lang="en-US"/>
-          </a:p>
-        </p:txBody>
-      </p:sp>
-      <p:sp>
-        <p:nvSpPr>
-          <p:cNvPr id="4" name="TextBox 3"/>
-          <p:cNvSpPr txBox="1"/>
-          <p:nvPr/>
-        </p:nvSpPr>
-        <p:spPr>
-          <a:xfrm>
-            <a:off x="3007620" y="4228375"/>
-            <a:ext cx="3909906" cy="769441"/>
-          </a:xfrm>
-          <a:prstGeom prst="rect">
-            <a:avLst/>
-          </a:prstGeom>
-          <a:noFill/>
-        </p:spPr>
-        <p:txBody>
-          <a:bodyPr wrap="square" rtlCol="0">
-            <a:spAutoFit/>
-          </a:bodyPr>
-          <a:lstStyle/>
-          <a:p>
-            <a:pPr algn="just"/>
-            <a:r>
-              <a:rPr lang="en-US" sz="4400" dirty="0" smtClean="0">
-                <a:solidFill>
-                  <a:schemeClr val="accent6">
-                    <a:lumMod val="60000"/>
-                    <a:lumOff val="40000"/>
-                  </a:schemeClr>
-                </a:solidFill>
-              </a:rPr>
-              <a:t> </a:t>
-            </a:r>
-            <a:endParaRPr lang="en-US" sz="4400" dirty="0">
-              <a:solidFill>
-                <a:schemeClr val="accent6">
-                  <a:lumMod val="60000"/>
-                  <a:lumOff val="40000"/>
-                </a:schemeClr>
-              </a:solidFill>
-            </a:endParaRPr>
-          </a:p>
-        </p:txBody>
-      </p:sp>
-    </p:spTree>
-    <p:extLst>
-      <p:ext uri="{BB962C8B-B14F-4D97-AF65-F5344CB8AC3E}">
-        <p14:creationId xmlns:p14="http://schemas.microsoft.com/office/powerpoint/2010/main" val="738512669"/>
-      </p:ext>
-    </p:extLst>
-  </p:cSld>
-  <p:clrMapOvr>
-    <a:masterClrMapping/>
-  </p:clrMapOvr>
-  <p:timing>
-    <p:tnLst>
-      <p:par>
-        <p:cTn id="1" dur="indefinite" restart="never" nodeType="tmRoot">
-          <p:childTnLst>
-            <p:seq concurrent="1" nextAc="seek">
-              <p:cTn id="2" dur="indefinite" nodeType="mainSeq">
-                <p:childTnLst>
-                  <p:par>
-                    <p:cTn id="3" fill="hold">
-                      <p:stCondLst>
-                        <p:cond delay="indefinite"/>
-                      </p:stCondLst>
-                      <p:childTnLst>
-                        <p:par>
-                          <p:cTn id="4" fill="hold">
-                            <p:stCondLst>
-                              <p:cond delay="0"/>
-                            </p:stCondLst>
-                            <p:childTnLst>
-                              <p:par>
-                                <p:cTn id="5" presetID="1" presetClass="entr" presetSubtype="0" fill="hold" grpId="0" nodeType="clickEffect">
-                                  <p:stCondLst>
-                                    <p:cond delay="0"/>
-                                  </p:stCondLst>
-                                  <p:childTnLst>
-                                    <p:set>
-                                      <p:cBhvr>
-                                        <p:cTn id="6" dur="1" fill="hold">
-                                          <p:stCondLst>
-                                            <p:cond delay="0"/>
-                                          </p:stCondLst>
-                                        </p:cTn>
-                                        <p:tgtEl>
-                                          <p:spTgt spid="3">
-                                            <p:txEl>
-                                              <p:pRg st="0" end="0"/>
-                                            </p:txEl>
-                                          </p:spTgt>
-                                        </p:tgtEl>
-                                        <p:attrNameLst>
-                                          <p:attrName>style.visibility</p:attrName>
-                                        </p:attrNameLst>
-                                      </p:cBhvr>
-                                      <p:to>
-                                        <p:strVal val="visible"/>
-                                      </p:to>
-                                    </p:set>
-                                  </p:childTnLst>
-                                </p:cTn>
-                              </p:par>
-                            </p:childTnLst>
-                          </p:cTn>
-                        </p:par>
-                      </p:childTnLst>
-                    </p:cTn>
-                  </p:par>
-                  <p:par>
-                    <p:cTn id="7" fill="hold">
-                      <p:stCondLst>
-                        <p:cond delay="indefinite"/>
-                      </p:stCondLst>
-                      <p:childTnLst>
-                        <p:par>
-                          <p:cTn id="8" fill="hold">
-                            <p:stCondLst>
-                              <p:cond delay="0"/>
-                            </p:stCondLst>
-                            <p:childTnLst>
-                              <p:par>
-                                <p:cTn id="9" presetID="1" presetClass="entr" presetSubtype="0" fill="hold" grpId="0" nodeType="clickEffect">
-                                  <p:stCondLst>
-                                    <p:cond delay="0"/>
-                                  </p:stCondLst>
-                                  <p:childTnLst>
-                                    <p:set>
-                                      <p:cBhvr>
-                                        <p:cTn id="10" dur="1" fill="hold">
-                                          <p:stCondLst>
-                                            <p:cond delay="0"/>
-                                          </p:stCondLst>
-                                        </p:cTn>
-                                        <p:tgtEl>
-                                          <p:spTgt spid="3">
-                                            <p:txEl>
-                                              <p:pRg st="1" end="1"/>
-                                            </p:txEl>
-                                          </p:spTgt>
-                                        </p:tgtEl>
-                                        <p:attrNameLst>
-                                          <p:attrName>style.visibility</p:attrName>
-                                        </p:attrNameLst>
-                                      </p:cBhvr>
-                                      <p:to>
-                                        <p:strVal val="visible"/>
-                                      </p:to>
-                                    </p:set>
-                                  </p:childTnLst>
-                                </p:cTn>
-                              </p:par>
-                            </p:childTnLst>
-                          </p:cTn>
-                        </p:par>
-                      </p:childTnLst>
-                    </p:cTn>
-                  </p:par>
-                  <p:par>
-                    <p:cTn id="11" fill="hold">
-                      <p:stCondLst>
-                        <p:cond delay="indefinite"/>
-                      </p:stCondLst>
-                      <p:childTnLst>
-                        <p:par>
-                          <p:cTn id="12" fill="hold">
-                            <p:stCondLst>
-                              <p:cond delay="0"/>
-                            </p:stCondLst>
-                            <p:childTnLst>
-                              <p:par>
-                                <p:cTn id="13" presetID="1" presetClass="entr" presetSubtype="0" fill="hold" grpId="0" nodeType="clickEffect">
-                                  <p:stCondLst>
-                                    <p:cond delay="0"/>
-                                  </p:stCondLst>
-                                  <p:childTnLst>
-                                    <p:set>
-                                      <p:cBhvr>
-                                        <p:cTn id="14" dur="1" fill="hold">
-                                          <p:stCondLst>
-                                            <p:cond delay="0"/>
-                                          </p:stCondLst>
-                                        </p:cTn>
-                                        <p:tgtEl>
-                                          <p:spTgt spid="3">
-                                            <p:txEl>
-                                              <p:pRg st="2" end="2"/>
-                                            </p:txEl>
-                                          </p:spTgt>
-                                        </p:tgtEl>
-                                        <p:attrNameLst>
-                                          <p:attrName>style.visibility</p:attrName>
-                                        </p:attrNameLst>
-                                      </p:cBhvr>
-                                      <p:to>
-                                        <p:strVal val="visible"/>
-                                      </p:to>
-                                    </p:set>
-                                  </p:childTnLst>
-                                </p:cTn>
-                              </p:par>
-                            </p:childTnLst>
-                          </p:cTn>
-                        </p:par>
-                      </p:childTnLst>
-                    </p:cTn>
-                  </p:par>
-                  <p:par>
-                    <p:cTn id="15" fill="hold">
-                      <p:stCondLst>
-                        <p:cond delay="indefinite"/>
-                      </p:stCondLst>
-                      <p:childTnLst>
-                        <p:par>
-                          <p:cTn id="16" fill="hold">
-                            <p:stCondLst>
-                              <p:cond delay="0"/>
-                            </p:stCondLst>
-                            <p:childTnLst>
-                              <p:par>
-                                <p:cTn id="17" presetID="1" presetClass="entr" presetSubtype="0" fill="hold" grpId="0" nodeType="clickEffect">
-                                  <p:stCondLst>
-                                    <p:cond delay="0"/>
-                                  </p:stCondLst>
-                                  <p:childTnLst>
-                                    <p:set>
-                                      <p:cBhvr>
-                                        <p:cTn id="18" dur="1" fill="hold">
-                                          <p:stCondLst>
-                                            <p:cond delay="0"/>
-                                          </p:stCondLst>
-                                        </p:cTn>
-                                        <p:tgtEl>
-                                          <p:spTgt spid="3">
-                                            <p:txEl>
-                                              <p:pRg st="3" end="3"/>
-                                            </p:txEl>
-                                          </p:spTgt>
-                                        </p:tgtEl>
-                                        <p:attrNameLst>
-                                          <p:attrName>style.visibility</p:attrName>
-                                        </p:attrNameLst>
-                                      </p:cBhvr>
-                                      <p:to>
-                                        <p:strVal val="visible"/>
-                                      </p:to>
-                                    </p:set>
-                                  </p:childTnLst>
-                                </p:cTn>
-                              </p:par>
-                            </p:childTnLst>
-                          </p:cTn>
-                        </p:par>
-                      </p:childTnLst>
-                    </p:cTn>
-                  </p:par>
-                  <p:par>
-                    <p:cTn id="19" fill="hold">
-                      <p:stCondLst>
-                        <p:cond delay="indefinite"/>
-                      </p:stCondLst>
-                      <p:childTnLst>
-                        <p:par>
-                          <p:cTn id="20" fill="hold">
-                            <p:stCondLst>
-                              <p:cond delay="0"/>
-                            </p:stCondLst>
-                            <p:childTnLst>
-                              <p:par>
-                                <p:cTn id="21" presetID="1" presetClass="entr" presetSubtype="0" fill="hold" grpId="0" nodeType="clickEffect">
-                                  <p:stCondLst>
-                                    <p:cond delay="0"/>
-                                  </p:stCondLst>
-                                  <p:childTnLst>
-                                    <p:set>
-                                      <p:cBhvr>
-                                        <p:cTn id="22" dur="1" fill="hold">
-                                          <p:stCondLst>
-                                            <p:cond delay="0"/>
-                                          </p:stCondLst>
-                                        </p:cTn>
-                                        <p:tgtEl>
-                                          <p:spTgt spid="3">
-                                            <p:txEl>
-                                              <p:pRg st="4" end="4"/>
-                                            </p:txEl>
-                                          </p:spTgt>
-                                        </p:tgtEl>
-                                        <p:attrNameLst>
-                                          <p:attrName>style.visibility</p:attrName>
-                                        </p:attrNameLst>
-                                      </p:cBhvr>
-                                      <p:to>
-                                        <p:strVal val="visible"/>
-                                      </p:to>
-                                    </p:set>
-                                  </p:childTnLst>
-                                </p:cTn>
-                              </p:par>
-                            </p:childTnLst>
-                          </p:cTn>
-                        </p:par>
-                      </p:childTnLst>
-                    </p:cTn>
-                  </p:par>
-                  <p:par>
-                    <p:cTn id="23" fill="hold">
-                      <p:stCondLst>
-                        <p:cond delay="indefinite"/>
-                      </p:stCondLst>
-                      <p:childTnLst>
-                        <p:par>
-                          <p:cTn id="24" fill="hold">
-                            <p:stCondLst>
-                              <p:cond delay="0"/>
-                            </p:stCondLst>
-                            <p:childTnLst>
-                              <p:par>
-                                <p:cTn id="25" presetID="1" presetClass="entr" presetSubtype="0" fill="hold" grpId="0" nodeType="clickEffect">
-                                  <p:stCondLst>
-                                    <p:cond delay="0"/>
-                                  </p:stCondLst>
-                                  <p:childTnLst>
-                                    <p:set>
-                                      <p:cBhvr>
-                                        <p:cTn id="26" dur="1" fill="hold">
-                                          <p:stCondLst>
-                                            <p:cond delay="0"/>
-                                          </p:stCondLst>
-                                        </p:cTn>
-                                        <p:tgtEl>
-                                          <p:spTgt spid="3">
-                                            <p:txEl>
-                                              <p:pRg st="5" end="5"/>
-                                            </p:txEl>
-                                          </p:spTgt>
-                                        </p:tgtEl>
-                                        <p:attrNameLst>
-                                          <p:attrName>style.visibility</p:attrName>
-                                        </p:attrNameLst>
-                                      </p:cBhvr>
-                                      <p:to>
-                                        <p:strVal val="visible"/>
-                                      </p:to>
-                                    </p:set>
-                                  </p:childTnLst>
-                                </p:cTn>
-                              </p:par>
-                            </p:childTnLst>
-                          </p:cTn>
-                        </p:par>
-                      </p:childTnLst>
-                    </p:cTn>
-                  </p:par>
-                  <p:par>
-                    <p:cTn id="27" fill="hold">
-                      <p:stCondLst>
-                        <p:cond delay="indefinite"/>
-                      </p:stCondLst>
-                      <p:childTnLst>
-                        <p:par>
-                          <p:cTn id="28" fill="hold">
-                            <p:stCondLst>
-                              <p:cond delay="0"/>
-                            </p:stCondLst>
-                            <p:childTnLst>
-                              <p:par>
-                                <p:cTn id="29" presetID="1" presetClass="entr" presetSubtype="0" fill="hold" grpId="0" nodeType="clickEffect">
-                                  <p:stCondLst>
-                                    <p:cond delay="0"/>
-                                  </p:stCondLst>
-                                  <p:childTnLst>
-                                    <p:set>
-                                      <p:cBhvr>
-                                        <p:cTn id="30" dur="1" fill="hold">
-                                          <p:stCondLst>
-                                            <p:cond delay="0"/>
-                                          </p:stCondLst>
-                                        </p:cTn>
-                                        <p:tgtEl>
-                                          <p:spTgt spid="3">
-                                            <p:txEl>
-                                              <p:pRg st="7" end="7"/>
-                                            </p:txEl>
-                                          </p:spTgt>
-                                        </p:tgtEl>
-                                        <p:attrNameLst>
-                                          <p:attrName>style.visibility</p:attrName>
-                                        </p:attrNameLst>
-                                      </p:cBhvr>
-                                      <p:to>
-                                        <p:strVal val="visible"/>
-                                      </p:to>
-                                    </p:set>
-                                  </p:childTnLst>
-                                </p:cTn>
-                              </p:par>
-                            </p:childTnLst>
-                          </p:cTn>
-                        </p:par>
-                      </p:childTnLst>
-                    </p:cTn>
-                  </p:par>
-                </p:childTnLst>
-              </p:cTn>
-              <p:prevCondLst>
-                <p:cond evt="onPrev" delay="0">
-                  <p:tgtEl>
-                    <p:sldTgt/>
-                  </p:tgtEl>
-                </p:cond>
-              </p:prevCondLst>
-              <p:nextCondLst>
-                <p:cond evt="onNext" delay="0">
-                  <p:tgtEl>
-                    <p:sldTgt/>
-                  </p:tgtEl>
-                </p:cond>
-              </p:nextCondLst>
-            </p:seq>
-          </p:childTnLst>
-        </p:cTn>
-      </p:par>
-    </p:tnLst>
-    <p:bldLst>
-      <p:bldP spid="3" grpId="0" build="p"/>
-    </p:bldLst>
-  </p:timing>
-</p:sld>
-</file>
-
-<file path=ppt/slides/slide12.xml><?xml version="1.0" encoding="utf-8"?>
-<p:sld xmlns:a="http://schemas.openxmlformats.org/drawingml/2006/main" xmlns:r="http://schemas.openxmlformats.org/officeDocument/2006/relationships" xmlns:p="http://schemas.openxmlformats.org/presentationml/2006/main">
-  <p:cSld>
-    <p:spTree>
-      <p:nvGrpSpPr>
-        <p:cNvPr id="1" name=""/>
-        <p:cNvGrpSpPr/>
-        <p:nvPr/>
-      </p:nvGrpSpPr>
-      <p:grpSpPr>
-        <a:xfrm>
-          <a:off x="0" y="0"/>
-          <a:ext cx="0" cy="0"/>
-          <a:chOff x="0" y="0"/>
-          <a:chExt cx="0" cy="0"/>
-        </a:xfrm>
-      </p:grpSpPr>
-      <p:sp>
-        <p:nvSpPr>
-          <p:cNvPr id="2" name="Title 1"/>
-          <p:cNvSpPr>
-            <a:spLocks noGrp="1"/>
-          </p:cNvSpPr>
-          <p:nvPr>
-            <p:ph type="title"/>
-          </p:nvPr>
-        </p:nvSpPr>
-        <p:spPr/>
-        <p:txBody>
-          <a:bodyPr/>
-          <a:lstStyle/>
-          <a:p>
-            <a:r>
-              <a:rPr lang="en-US" dirty="0" smtClean="0">
-                <a:latin typeface="American Typewriter"/>
-                <a:cs typeface="American Typewriter"/>
-              </a:rPr>
-              <a:t>Stroop Project</a:t>
-            </a:r>
-            <a:endParaRPr lang="en-US" dirty="0">
-              <a:latin typeface="American Typewriter"/>
-              <a:cs typeface="American Typewriter"/>
-            </a:endParaRPr>
-          </a:p>
-        </p:txBody>
-      </p:sp>
-      <p:sp>
-        <p:nvSpPr>
-          <p:cNvPr id="3" name="Content Placeholder 2"/>
-          <p:cNvSpPr>
-            <a:spLocks noGrp="1"/>
-          </p:cNvSpPr>
-          <p:nvPr>
-            <p:ph idx="1"/>
-          </p:nvPr>
-        </p:nvSpPr>
-        <p:spPr/>
-        <p:txBody>
-          <a:bodyPr>
-            <a:normAutofit fontScale="92500" lnSpcReduction="10000"/>
-          </a:bodyPr>
-          <a:lstStyle/>
-          <a:p>
-            <a:r>
-              <a:rPr lang="en-US" sz="2800" dirty="0" smtClean="0">
-                <a:latin typeface="American Typewriter"/>
-                <a:cs typeface="American Typewriter"/>
-              </a:rPr>
-              <a:t>What did we ask you to?</a:t>
-            </a:r>
-          </a:p>
-          <a:p>
-            <a:pPr lvl="1"/>
-            <a:r>
-              <a:rPr lang="en-US" sz="2800" dirty="0" smtClean="0">
-                <a:latin typeface="American Typewriter"/>
-                <a:cs typeface="American Typewriter"/>
-              </a:rPr>
-              <a:t>Accurately identify all animals as quickly as possible</a:t>
-            </a:r>
-          </a:p>
-          <a:p>
-            <a:r>
-              <a:rPr lang="en-US" sz="2800" dirty="0" smtClean="0">
-                <a:latin typeface="American Typewriter"/>
-                <a:cs typeface="American Typewriter"/>
-              </a:rPr>
-              <a:t>What were </a:t>
-            </a:r>
-            <a:r>
-              <a:rPr lang="en-US" sz="2800" dirty="0">
-                <a:latin typeface="American Typewriter"/>
-                <a:cs typeface="American Typewriter"/>
-              </a:rPr>
-              <a:t>the Dependent </a:t>
-            </a:r>
-            <a:r>
-              <a:rPr lang="en-US" sz="2800" dirty="0" smtClean="0">
-                <a:latin typeface="American Typewriter"/>
-                <a:cs typeface="American Typewriter"/>
-              </a:rPr>
-              <a:t>Variable (DVs)?</a:t>
-            </a:r>
-            <a:endParaRPr lang="en-US" sz="2800" dirty="0">
-              <a:latin typeface="American Typewriter"/>
-              <a:cs typeface="American Typewriter"/>
-            </a:endParaRPr>
-          </a:p>
-          <a:p>
-            <a:pPr lvl="1"/>
-            <a:r>
-              <a:rPr lang="en-US" sz="2800" dirty="0" smtClean="0">
-                <a:latin typeface="American Typewriter"/>
-                <a:cs typeface="American Typewriter"/>
-              </a:rPr>
-              <a:t>Reaction Time</a:t>
-            </a:r>
-          </a:p>
-          <a:p>
-            <a:pPr lvl="2"/>
-            <a:r>
-              <a:rPr lang="en-US" sz="2600" dirty="0">
-                <a:latin typeface="American Typewriter"/>
-                <a:cs typeface="American Typewriter"/>
-              </a:rPr>
-              <a:t>Remember, a higher number = longer time to complete the task = WORSE performance </a:t>
-            </a:r>
-            <a:endParaRPr lang="en-US" sz="2800" dirty="0" smtClean="0">
-              <a:latin typeface="American Typewriter"/>
-              <a:cs typeface="American Typewriter"/>
-            </a:endParaRPr>
-          </a:p>
-          <a:p>
-            <a:pPr lvl="1"/>
-            <a:r>
-              <a:rPr lang="en-US" sz="2800" dirty="0" smtClean="0">
-                <a:latin typeface="American Typewriter"/>
-                <a:cs typeface="American Typewriter"/>
-              </a:rPr>
-              <a:t>Accuracy</a:t>
-            </a:r>
-          </a:p>
-          <a:p>
-            <a:pPr lvl="2"/>
-            <a:r>
-              <a:rPr lang="en-US" sz="2600" dirty="0" smtClean="0">
-                <a:latin typeface="American Typewriter"/>
-                <a:cs typeface="American Typewriter"/>
-              </a:rPr>
-              <a:t>How many were named correctly</a:t>
-            </a:r>
-          </a:p>
-          <a:p>
-            <a:pPr marL="349250" lvl="1" indent="0">
-              <a:buNone/>
-            </a:pPr>
-            <a:endParaRPr lang="en-US" dirty="0" smtClean="0">
-              <a:latin typeface="American Typewriter"/>
-              <a:cs typeface="American Typewriter"/>
-            </a:endParaRPr>
-          </a:p>
-          <a:p>
-            <a:endParaRPr lang="en-US" dirty="0" smtClean="0">
-              <a:latin typeface="American Typewriter"/>
-              <a:cs typeface="American Typewriter"/>
-            </a:endParaRPr>
-          </a:p>
-        </p:txBody>
-      </p:sp>
-      <p:sp>
-        <p:nvSpPr>
-          <p:cNvPr id="5" name="Date Placeholder 4"/>
-          <p:cNvSpPr>
-            <a:spLocks noGrp="1"/>
-          </p:cNvSpPr>
-          <p:nvPr>
-            <p:ph type="dt" sz="half" idx="10"/>
-          </p:nvPr>
-        </p:nvSpPr>
-        <p:spPr/>
-        <p:txBody>
-          <a:bodyPr/>
-          <a:lstStyle/>
-          <a:p>
-            <a:fld id="{6392F729-677D-4140-9CEB-B0C119111257}" type="datetime1">
-              <a:rPr lang="en-US" smtClean="0"/>
-              <a:pPr/>
-              <a:t>1/18/2016</a:t>
-            </a:fld>
-            <a:endParaRPr lang="en-US"/>
-          </a:p>
-        </p:txBody>
-      </p:sp>
-      <p:sp>
-        <p:nvSpPr>
-          <p:cNvPr id="6" name="Footer Placeholder 5"/>
-          <p:cNvSpPr>
-            <a:spLocks noGrp="1"/>
-          </p:cNvSpPr>
-          <p:nvPr>
-            <p:ph type="ftr" sz="quarter" idx="11"/>
-          </p:nvPr>
-        </p:nvSpPr>
-        <p:spPr/>
-        <p:txBody>
-          <a:bodyPr/>
-          <a:lstStyle/>
-          <a:p>
-            <a:endParaRPr lang="en-US"/>
-          </a:p>
-        </p:txBody>
-      </p:sp>
-      <p:sp>
-        <p:nvSpPr>
-          <p:cNvPr id="7" name="Slide Number Placeholder 6"/>
-          <p:cNvSpPr>
-            <a:spLocks noGrp="1"/>
-          </p:cNvSpPr>
-          <p:nvPr>
-            <p:ph type="sldNum" sz="quarter" idx="12"/>
-          </p:nvPr>
-        </p:nvSpPr>
-        <p:spPr/>
-        <p:txBody>
-          <a:bodyPr/>
-          <a:lstStyle/>
-          <a:p>
-            <a:fld id="{7F5CE407-6216-4202-80E4-A30DC2F709B2}" type="slidenum">
-              <a:rPr lang="en-US" smtClean="0"/>
-              <a:pPr/>
-              <a:t>12</a:t>
-            </a:fld>
-            <a:endParaRPr lang="en-US"/>
-          </a:p>
-        </p:txBody>
-      </p:sp>
-      <p:sp>
-        <p:nvSpPr>
-          <p:cNvPr id="4" name="TextBox 3"/>
-          <p:cNvSpPr txBox="1"/>
-          <p:nvPr/>
-        </p:nvSpPr>
-        <p:spPr>
-          <a:xfrm>
-            <a:off x="3007620" y="4228375"/>
-            <a:ext cx="3909906" cy="769441"/>
-          </a:xfrm>
-          <a:prstGeom prst="rect">
-            <a:avLst/>
-          </a:prstGeom>
-          <a:noFill/>
-        </p:spPr>
-        <p:txBody>
-          <a:bodyPr wrap="square" rtlCol="0">
-            <a:spAutoFit/>
-          </a:bodyPr>
-          <a:lstStyle/>
-          <a:p>
-            <a:pPr algn="just"/>
-            <a:r>
-              <a:rPr lang="en-US" sz="4400" dirty="0" smtClean="0">
-                <a:solidFill>
-                  <a:schemeClr val="accent6">
-                    <a:lumMod val="60000"/>
-                    <a:lumOff val="40000"/>
-                  </a:schemeClr>
-                </a:solidFill>
-              </a:rPr>
-              <a:t> </a:t>
-            </a:r>
-            <a:endParaRPr lang="en-US" sz="4400" dirty="0">
-              <a:solidFill>
-                <a:schemeClr val="accent6">
-                  <a:lumMod val="60000"/>
-                  <a:lumOff val="40000"/>
-                </a:schemeClr>
-              </a:solidFill>
-            </a:endParaRPr>
-          </a:p>
-        </p:txBody>
-      </p:sp>
-    </p:spTree>
-    <p:extLst>
-      <p:ext uri="{BB962C8B-B14F-4D97-AF65-F5344CB8AC3E}">
-        <p14:creationId xmlns:p14="http://schemas.microsoft.com/office/powerpoint/2010/main" val="1733906384"/>
-      </p:ext>
-    </p:extLst>
-  </p:cSld>
-  <p:clrMapOvr>
-    <a:masterClrMapping/>
-  </p:clrMapOvr>
-  <p:timing>
-    <p:tnLst>
-      <p:par>
-        <p:cTn id="1" dur="indefinite" restart="never" nodeType="tmRoot">
-          <p:childTnLst>
-            <p:seq concurrent="1" nextAc="seek">
-              <p:cTn id="2" dur="indefinite" nodeType="mainSeq">
-                <p:childTnLst>
-                  <p:par>
-                    <p:cTn id="3" fill="hold">
-                      <p:stCondLst>
-                        <p:cond delay="indefinite"/>
-                      </p:stCondLst>
-                      <p:childTnLst>
-                        <p:par>
-                          <p:cTn id="4" fill="hold">
-                            <p:stCondLst>
-                              <p:cond delay="0"/>
-                            </p:stCondLst>
-                            <p:childTnLst>
-                              <p:par>
-                                <p:cTn id="5" presetID="1" presetClass="entr" presetSubtype="0" fill="hold" grpId="0" nodeType="clickEffect">
-                                  <p:stCondLst>
-                                    <p:cond delay="0"/>
-                                  </p:stCondLst>
-                                  <p:childTnLst>
-                                    <p:set>
-                                      <p:cBhvr>
-                                        <p:cTn id="6" dur="1" fill="hold">
-                                          <p:stCondLst>
-                                            <p:cond delay="0"/>
-                                          </p:stCondLst>
-                                        </p:cTn>
-                                        <p:tgtEl>
-                                          <p:spTgt spid="3">
-                                            <p:txEl>
-                                              <p:pRg st="0" end="0"/>
-                                            </p:txEl>
-                                          </p:spTgt>
-                                        </p:tgtEl>
-                                        <p:attrNameLst>
-                                          <p:attrName>style.visibility</p:attrName>
-                                        </p:attrNameLst>
-                                      </p:cBhvr>
-                                      <p:to>
-                                        <p:strVal val="visible"/>
-                                      </p:to>
-                                    </p:set>
-                                  </p:childTnLst>
-                                </p:cTn>
-                              </p:par>
-                            </p:childTnLst>
-                          </p:cTn>
-                        </p:par>
-                      </p:childTnLst>
-                    </p:cTn>
-                  </p:par>
-                  <p:par>
-                    <p:cTn id="7" fill="hold">
-                      <p:stCondLst>
-                        <p:cond delay="indefinite"/>
-                      </p:stCondLst>
-                      <p:childTnLst>
-                        <p:par>
-                          <p:cTn id="8" fill="hold">
-                            <p:stCondLst>
-                              <p:cond delay="0"/>
-                            </p:stCondLst>
-                            <p:childTnLst>
-                              <p:par>
-                                <p:cTn id="9" presetID="1" presetClass="entr" presetSubtype="0" fill="hold" grpId="0" nodeType="clickEffect">
-                                  <p:stCondLst>
-                                    <p:cond delay="0"/>
-                                  </p:stCondLst>
-                                  <p:childTnLst>
-                                    <p:set>
-                                      <p:cBhvr>
-                                        <p:cTn id="10" dur="1" fill="hold">
-                                          <p:stCondLst>
-                                            <p:cond delay="0"/>
-                                          </p:stCondLst>
-                                        </p:cTn>
-                                        <p:tgtEl>
-                                          <p:spTgt spid="3">
-                                            <p:txEl>
-                                              <p:pRg st="1" end="1"/>
-                                            </p:txEl>
-                                          </p:spTgt>
-                                        </p:tgtEl>
-                                        <p:attrNameLst>
-                                          <p:attrName>style.visibility</p:attrName>
-                                        </p:attrNameLst>
-                                      </p:cBhvr>
-                                      <p:to>
-                                        <p:strVal val="visible"/>
-                                      </p:to>
-                                    </p:set>
-                                  </p:childTnLst>
-                                </p:cTn>
-                              </p:par>
-                            </p:childTnLst>
-                          </p:cTn>
-                        </p:par>
-                      </p:childTnLst>
-                    </p:cTn>
-                  </p:par>
-                  <p:par>
-                    <p:cTn id="11" fill="hold">
-                      <p:stCondLst>
-                        <p:cond delay="indefinite"/>
-                      </p:stCondLst>
-                      <p:childTnLst>
-                        <p:par>
-                          <p:cTn id="12" fill="hold">
-                            <p:stCondLst>
-                              <p:cond delay="0"/>
-                            </p:stCondLst>
-                            <p:childTnLst>
-                              <p:par>
-                                <p:cTn id="13" presetID="1" presetClass="entr" presetSubtype="0" fill="hold" grpId="0" nodeType="clickEffect">
-                                  <p:stCondLst>
-                                    <p:cond delay="0"/>
-                                  </p:stCondLst>
-                                  <p:childTnLst>
-                                    <p:set>
-                                      <p:cBhvr>
-                                        <p:cTn id="14" dur="1" fill="hold">
-                                          <p:stCondLst>
-                                            <p:cond delay="0"/>
-                                          </p:stCondLst>
-                                        </p:cTn>
-                                        <p:tgtEl>
-                                          <p:spTgt spid="3">
-                                            <p:txEl>
-                                              <p:pRg st="2" end="2"/>
-                                            </p:txEl>
-                                          </p:spTgt>
-                                        </p:tgtEl>
-                                        <p:attrNameLst>
-                                          <p:attrName>style.visibility</p:attrName>
-                                        </p:attrNameLst>
-                                      </p:cBhvr>
-                                      <p:to>
-                                        <p:strVal val="visible"/>
-                                      </p:to>
-                                    </p:set>
-                                  </p:childTnLst>
-                                </p:cTn>
-                              </p:par>
-                            </p:childTnLst>
-                          </p:cTn>
-                        </p:par>
-                      </p:childTnLst>
-                    </p:cTn>
-                  </p:par>
-                  <p:par>
-                    <p:cTn id="15" fill="hold">
-                      <p:stCondLst>
-                        <p:cond delay="indefinite"/>
-                      </p:stCondLst>
-                      <p:childTnLst>
-                        <p:par>
-                          <p:cTn id="16" fill="hold">
-                            <p:stCondLst>
-                              <p:cond delay="0"/>
-                            </p:stCondLst>
-                            <p:childTnLst>
-                              <p:par>
-                                <p:cTn id="17" presetID="1" presetClass="entr" presetSubtype="0" fill="hold" grpId="0" nodeType="clickEffect">
-                                  <p:stCondLst>
-                                    <p:cond delay="0"/>
-                                  </p:stCondLst>
-                                  <p:childTnLst>
-                                    <p:set>
-                                      <p:cBhvr>
-                                        <p:cTn id="18" dur="1" fill="hold">
-                                          <p:stCondLst>
-                                            <p:cond delay="0"/>
-                                          </p:stCondLst>
-                                        </p:cTn>
-                                        <p:tgtEl>
-                                          <p:spTgt spid="3">
-                                            <p:txEl>
-                                              <p:pRg st="3" end="3"/>
-                                            </p:txEl>
-                                          </p:spTgt>
-                                        </p:tgtEl>
-                                        <p:attrNameLst>
-                                          <p:attrName>style.visibility</p:attrName>
-                                        </p:attrNameLst>
-                                      </p:cBhvr>
-                                      <p:to>
-                                        <p:strVal val="visible"/>
-                                      </p:to>
-                                    </p:set>
-                                  </p:childTnLst>
-                                </p:cTn>
-                              </p:par>
-                            </p:childTnLst>
-                          </p:cTn>
-                        </p:par>
-                      </p:childTnLst>
-                    </p:cTn>
-                  </p:par>
-                  <p:par>
-                    <p:cTn id="19" fill="hold">
-                      <p:stCondLst>
-                        <p:cond delay="indefinite"/>
-                      </p:stCondLst>
-                      <p:childTnLst>
-                        <p:par>
-                          <p:cTn id="20" fill="hold">
-                            <p:stCondLst>
-                              <p:cond delay="0"/>
-                            </p:stCondLst>
-                            <p:childTnLst>
-                              <p:par>
-                                <p:cTn id="21" presetID="1" presetClass="entr" presetSubtype="0" fill="hold" grpId="0" nodeType="clickEffect">
-                                  <p:stCondLst>
-                                    <p:cond delay="0"/>
-                                  </p:stCondLst>
-                                  <p:childTnLst>
-                                    <p:set>
-                                      <p:cBhvr>
-                                        <p:cTn id="22" dur="1" fill="hold">
-                                          <p:stCondLst>
-                                            <p:cond delay="0"/>
-                                          </p:stCondLst>
-                                        </p:cTn>
-                                        <p:tgtEl>
-                                          <p:spTgt spid="3">
-                                            <p:txEl>
-                                              <p:pRg st="4" end="4"/>
-                                            </p:txEl>
-                                          </p:spTgt>
-                                        </p:tgtEl>
-                                        <p:attrNameLst>
-                                          <p:attrName>style.visibility</p:attrName>
-                                        </p:attrNameLst>
-                                      </p:cBhvr>
-                                      <p:to>
-                                        <p:strVal val="visible"/>
-                                      </p:to>
-                                    </p:set>
-                                  </p:childTnLst>
-                                </p:cTn>
-                              </p:par>
-                            </p:childTnLst>
-                          </p:cTn>
-                        </p:par>
-                      </p:childTnLst>
-                    </p:cTn>
-                  </p:par>
-                  <p:par>
-                    <p:cTn id="23" fill="hold">
-                      <p:stCondLst>
-                        <p:cond delay="indefinite"/>
-                      </p:stCondLst>
-                      <p:childTnLst>
-                        <p:par>
-                          <p:cTn id="24" fill="hold">
-                            <p:stCondLst>
-                              <p:cond delay="0"/>
-                            </p:stCondLst>
-                            <p:childTnLst>
-                              <p:par>
-                                <p:cTn id="25" presetID="1" presetClass="entr" presetSubtype="0" fill="hold" grpId="0" nodeType="clickEffect">
-                                  <p:stCondLst>
-                                    <p:cond delay="0"/>
-                                  </p:stCondLst>
-                                  <p:childTnLst>
-                                    <p:set>
-                                      <p:cBhvr>
-                                        <p:cTn id="26" dur="1" fill="hold">
-                                          <p:stCondLst>
-                                            <p:cond delay="0"/>
-                                          </p:stCondLst>
-                                        </p:cTn>
-                                        <p:tgtEl>
-                                          <p:spTgt spid="3">
-                                            <p:txEl>
-                                              <p:pRg st="5" end="5"/>
-                                            </p:txEl>
-                                          </p:spTgt>
-                                        </p:tgtEl>
-                                        <p:attrNameLst>
-                                          <p:attrName>style.visibility</p:attrName>
-                                        </p:attrNameLst>
-                                      </p:cBhvr>
-                                      <p:to>
-                                        <p:strVal val="visible"/>
-                                      </p:to>
-                                    </p:set>
-                                  </p:childTnLst>
-                                </p:cTn>
-                              </p:par>
-                            </p:childTnLst>
-                          </p:cTn>
-                        </p:par>
-                      </p:childTnLst>
-                    </p:cTn>
-                  </p:par>
-                  <p:par>
-                    <p:cTn id="27" fill="hold">
-                      <p:stCondLst>
-                        <p:cond delay="indefinite"/>
-                      </p:stCondLst>
-                      <p:childTnLst>
-                        <p:par>
-                          <p:cTn id="28" fill="hold">
-                            <p:stCondLst>
-                              <p:cond delay="0"/>
-                            </p:stCondLst>
-                            <p:childTnLst>
-                              <p:par>
-                                <p:cTn id="29" presetID="1" presetClass="entr" presetSubtype="0" fill="hold" grpId="0" nodeType="clickEffect">
-                                  <p:stCondLst>
-                                    <p:cond delay="0"/>
-                                  </p:stCondLst>
-                                  <p:childTnLst>
-                                    <p:set>
-                                      <p:cBhvr>
-                                        <p:cTn id="30" dur="1" fill="hold">
-                                          <p:stCondLst>
-                                            <p:cond delay="0"/>
-                                          </p:stCondLst>
-                                        </p:cTn>
-                                        <p:tgtEl>
-                                          <p:spTgt spid="3">
-                                            <p:txEl>
-                                              <p:pRg st="6" end="6"/>
-                                            </p:txEl>
-                                          </p:spTgt>
-                                        </p:tgtEl>
-                                        <p:attrNameLst>
-                                          <p:attrName>style.visibility</p:attrName>
-                                        </p:attrNameLst>
-                                      </p:cBhvr>
-                                      <p:to>
-                                        <p:strVal val="visible"/>
-                                      </p:to>
-                                    </p:set>
-                                  </p:childTnLst>
-                                </p:cTn>
-                              </p:par>
-                            </p:childTnLst>
-                          </p:cTn>
-                        </p:par>
-                      </p:childTnLst>
-                    </p:cTn>
-                  </p:par>
-                </p:childTnLst>
-              </p:cTn>
-              <p:prevCondLst>
-                <p:cond evt="onPrev" delay="0">
-                  <p:tgtEl>
-                    <p:sldTgt/>
-                  </p:tgtEl>
-                </p:cond>
-              </p:prevCondLst>
-              <p:nextCondLst>
-                <p:cond evt="onNext" delay="0">
-                  <p:tgtEl>
-                    <p:sldTgt/>
-                  </p:tgtEl>
-                </p:cond>
-              </p:nextCondLst>
-            </p:seq>
-          </p:childTnLst>
-        </p:cTn>
-      </p:par>
-    </p:tnLst>
-    <p:bldLst>
-      <p:bldP spid="3" grpId="0" build="p"/>
-    </p:bldLst>
-  </p:timing>
-</p:sld>
-</file>
-
-<file path=ppt/slides/slide13.xml><?xml version="1.0" encoding="utf-8"?>
-<p:sld xmlns:a="http://schemas.openxmlformats.org/drawingml/2006/main" xmlns:r="http://schemas.openxmlformats.org/officeDocument/2006/relationships" xmlns:p="http://schemas.openxmlformats.org/presentationml/2006/main">
-  <p:cSld>
-    <p:spTree>
-      <p:nvGrpSpPr>
-        <p:cNvPr id="1" name=""/>
-        <p:cNvGrpSpPr/>
-        <p:nvPr/>
-      </p:nvGrpSpPr>
-      <p:grpSpPr>
-        <a:xfrm>
-          <a:off x="0" y="0"/>
-          <a:ext cx="0" cy="0"/>
-          <a:chOff x="0" y="0"/>
-          <a:chExt cx="0" cy="0"/>
-        </a:xfrm>
-      </p:grpSpPr>
-      <p:sp>
-        <p:nvSpPr>
-          <p:cNvPr id="2" name="Title 1"/>
-          <p:cNvSpPr>
-            <a:spLocks noGrp="1"/>
-          </p:cNvSpPr>
-          <p:nvPr>
-            <p:ph type="title"/>
-          </p:nvPr>
-        </p:nvSpPr>
-        <p:spPr>
-          <a:xfrm>
-            <a:off x="549275" y="107576"/>
-            <a:ext cx="8042276" cy="912068"/>
-          </a:xfrm>
-        </p:spPr>
-        <p:txBody>
-          <a:bodyPr/>
-          <a:lstStyle/>
-          <a:p>
-            <a:r>
-              <a:rPr lang="en-US" dirty="0" smtClean="0">
-                <a:latin typeface="American Typewriter"/>
-                <a:cs typeface="American Typewriter"/>
-              </a:rPr>
-              <a:t>REMEMBER </a:t>
-            </a:r>
-            <a:r>
-              <a:rPr lang="en-US" dirty="0" smtClean="0">
-                <a:latin typeface="American Typewriter"/>
-                <a:cs typeface="American Typewriter"/>
-                <a:sym typeface="Wingdings"/>
-              </a:rPr>
-              <a:t></a:t>
-            </a:r>
-            <a:r>
-              <a:rPr lang="en-US" dirty="0" smtClean="0">
-                <a:latin typeface="American Typewriter"/>
-                <a:cs typeface="American Typewriter"/>
-              </a:rPr>
-              <a:t>Homework</a:t>
-            </a:r>
-            <a:endParaRPr lang="en-US" dirty="0">
-              <a:latin typeface="American Typewriter"/>
-              <a:cs typeface="American Typewriter"/>
-            </a:endParaRPr>
-          </a:p>
-        </p:txBody>
-      </p:sp>
-      <p:sp>
-        <p:nvSpPr>
-          <p:cNvPr id="3" name="Content Placeholder 2"/>
-          <p:cNvSpPr>
-            <a:spLocks noGrp="1"/>
-          </p:cNvSpPr>
-          <p:nvPr>
-            <p:ph idx="1"/>
-          </p:nvPr>
-        </p:nvSpPr>
-        <p:spPr>
-          <a:xfrm>
-            <a:off x="549274" y="1019644"/>
-            <a:ext cx="8594725" cy="5257799"/>
-          </a:xfrm>
-        </p:spPr>
-        <p:txBody>
-          <a:bodyPr>
-            <a:normAutofit/>
-          </a:bodyPr>
-          <a:lstStyle/>
-          <a:p>
-            <a:pPr marL="0" indent="0">
-              <a:buNone/>
-            </a:pPr>
-            <a:r>
-              <a:rPr lang="en-US" sz="4800" dirty="0" smtClean="0">
-                <a:latin typeface="American Typewriter"/>
-                <a:cs typeface="American Typewriter"/>
-              </a:rPr>
-              <a:t>Reading Assignments (CP):</a:t>
-            </a:r>
-          </a:p>
-          <a:p>
-            <a:pPr>
-              <a:buFontTx/>
-              <a:buChar char="•"/>
-            </a:pPr>
-            <a:r>
-              <a:rPr lang="en-US" sz="3600" dirty="0" smtClean="0">
-                <a:latin typeface="American Typewriter"/>
-                <a:cs typeface="American Typewriter"/>
-              </a:rPr>
-              <a:t>Course </a:t>
-            </a:r>
-            <a:r>
-              <a:rPr lang="en-US" sz="3600" dirty="0">
-                <a:latin typeface="American Typewriter"/>
-                <a:cs typeface="American Typewriter"/>
-              </a:rPr>
-              <a:t>&amp;</a:t>
-            </a:r>
-            <a:r>
-              <a:rPr lang="en-US" sz="3600" dirty="0" smtClean="0">
-                <a:latin typeface="American Typewriter"/>
-                <a:cs typeface="American Typewriter"/>
-              </a:rPr>
-              <a:t> Academic Honesty Policies</a:t>
-            </a:r>
-            <a:endParaRPr lang="en-US" sz="3600" dirty="0" smtClean="0">
-              <a:latin typeface="American Typewriter"/>
-              <a:cs typeface="American Typewriter"/>
-              <a:sym typeface="Wingdings"/>
-            </a:endParaRPr>
-          </a:p>
-          <a:p>
-            <a:pPr marL="0" indent="0">
-              <a:buNone/>
-            </a:pPr>
-            <a:endParaRPr lang="en-US" sz="3600" dirty="0" smtClean="0">
-              <a:latin typeface="American Typewriter"/>
-              <a:cs typeface="American Typewriter"/>
-            </a:endParaRPr>
-          </a:p>
-          <a:p>
-            <a:pPr>
-              <a:buFontTx/>
-              <a:buChar char="•"/>
-            </a:pPr>
-            <a:r>
-              <a:rPr lang="en-US" sz="3600" dirty="0" err="1" smtClean="0">
-                <a:latin typeface="American Typewriter"/>
-                <a:cs typeface="American Typewriter"/>
-              </a:rPr>
-              <a:t>Ehri</a:t>
-            </a:r>
-            <a:r>
-              <a:rPr lang="en-US" sz="3600" dirty="0" smtClean="0">
-                <a:latin typeface="American Typewriter"/>
-                <a:cs typeface="American Typewriter"/>
-              </a:rPr>
-              <a:t> (1976) paper on Stroop effect</a:t>
-            </a:r>
-          </a:p>
-        </p:txBody>
-      </p:sp>
-    </p:spTree>
-    <p:extLst>
-      <p:ext uri="{BB962C8B-B14F-4D97-AF65-F5344CB8AC3E}">
-        <p14:creationId xmlns:p14="http://schemas.microsoft.com/office/powerpoint/2010/main" val="605954862"/>
-      </p:ext>
-    </p:extLst>
-  </p:cSld>
-  <p:clrMapOvr>
-    <a:masterClrMapping/>
-  </p:clrMapOvr>
-  <p:timing>
-    <p:tnLst>
-      <p:par>
-        <p:cTn id="1" dur="indefinite" restart="never" nodeType="tmRoot">
-          <p:childTnLst>
-            <p:seq concurrent="1" nextAc="seek">
-              <p:cTn id="2" dur="indefinite" nodeType="mainSeq">
-                <p:childTnLst>
-                  <p:par>
-                    <p:cTn id="3" fill="hold">
-                      <p:stCondLst>
-                        <p:cond delay="indefinite"/>
-                      </p:stCondLst>
-                      <p:childTnLst>
-                        <p:par>
-                          <p:cTn id="4" fill="hold">
-                            <p:stCondLst>
-                              <p:cond delay="0"/>
-                            </p:stCondLst>
-                            <p:childTnLst>
-                              <p:par>
-                                <p:cTn id="5" presetID="1" presetClass="entr" presetSubtype="0" fill="hold" grpId="0" nodeType="clickEffect">
-                                  <p:stCondLst>
-                                    <p:cond delay="0"/>
-                                  </p:stCondLst>
-                                  <p:childTnLst>
-                                    <p:set>
-                                      <p:cBhvr>
-                                        <p:cTn id="6" dur="1" fill="hold">
-                                          <p:stCondLst>
-                                            <p:cond delay="0"/>
-                                          </p:stCondLst>
-                                        </p:cTn>
-                                        <p:tgtEl>
-                                          <p:spTgt spid="3">
-                                            <p:txEl>
-                                              <p:pRg st="0" end="0"/>
-                                            </p:txEl>
-                                          </p:spTgt>
-                                        </p:tgtEl>
-                                        <p:attrNameLst>
-                                          <p:attrName>style.visibility</p:attrName>
-                                        </p:attrNameLst>
-                                      </p:cBhvr>
-                                      <p:to>
-                                        <p:strVal val="visible"/>
-                                      </p:to>
-                                    </p:set>
-                                  </p:childTnLst>
-                                </p:cTn>
-                              </p:par>
-                            </p:childTnLst>
-                          </p:cTn>
-                        </p:par>
-                      </p:childTnLst>
-                    </p:cTn>
-                  </p:par>
-                  <p:par>
-                    <p:cTn id="7" fill="hold">
-                      <p:stCondLst>
-                        <p:cond delay="indefinite"/>
-                      </p:stCondLst>
-                      <p:childTnLst>
-                        <p:par>
-                          <p:cTn id="8" fill="hold">
-                            <p:stCondLst>
-                              <p:cond delay="0"/>
-                            </p:stCondLst>
-                            <p:childTnLst>
-                              <p:par>
-                                <p:cTn id="9" presetID="1" presetClass="entr" presetSubtype="0" fill="hold" grpId="0" nodeType="clickEffect">
-                                  <p:stCondLst>
-                                    <p:cond delay="0"/>
-                                  </p:stCondLst>
-                                  <p:childTnLst>
-                                    <p:set>
-                                      <p:cBhvr>
-                                        <p:cTn id="10" dur="1" fill="hold">
-                                          <p:stCondLst>
-                                            <p:cond delay="0"/>
-                                          </p:stCondLst>
-                                        </p:cTn>
-                                        <p:tgtEl>
-                                          <p:spTgt spid="3">
-                                            <p:txEl>
-                                              <p:pRg st="1" end="1"/>
-                                            </p:txEl>
-                                          </p:spTgt>
-                                        </p:tgtEl>
-                                        <p:attrNameLst>
-                                          <p:attrName>style.visibility</p:attrName>
-                                        </p:attrNameLst>
-                                      </p:cBhvr>
-                                      <p:to>
-                                        <p:strVal val="visible"/>
-                                      </p:to>
-                                    </p:set>
-                                  </p:childTnLst>
-                                </p:cTn>
-                              </p:par>
-                            </p:childTnLst>
-                          </p:cTn>
-                        </p:par>
-                      </p:childTnLst>
-                    </p:cTn>
-                  </p:par>
-                  <p:par>
-                    <p:cTn id="11" fill="hold">
-                      <p:stCondLst>
-                        <p:cond delay="indefinite"/>
-                      </p:stCondLst>
-                      <p:childTnLst>
-                        <p:par>
-                          <p:cTn id="12" fill="hold">
-                            <p:stCondLst>
-                              <p:cond delay="0"/>
-                            </p:stCondLst>
-                            <p:childTnLst>
-                              <p:par>
-                                <p:cTn id="13" presetID="1" presetClass="entr" presetSubtype="0" fill="hold" grpId="0" nodeType="clickEffect">
-                                  <p:stCondLst>
-                                    <p:cond delay="0"/>
-                                  </p:stCondLst>
-                                  <p:childTnLst>
-                                    <p:set>
-                                      <p:cBhvr>
-                                        <p:cTn id="14" dur="1" fill="hold">
-                                          <p:stCondLst>
-                                            <p:cond delay="0"/>
-                                          </p:stCondLst>
-                                        </p:cTn>
-                                        <p:tgtEl>
-                                          <p:spTgt spid="3">
-                                            <p:txEl>
-                                              <p:pRg st="3" end="3"/>
-                                            </p:txEl>
-                                          </p:spTgt>
-                                        </p:tgtEl>
-                                        <p:attrNameLst>
-                                          <p:attrName>style.visibility</p:attrName>
-                                        </p:attrNameLst>
-                                      </p:cBhvr>
-                                      <p:to>
-                                        <p:strVal val="visible"/>
-                                      </p:to>
-                                    </p:set>
-                                  </p:childTnLst>
-                                </p:cTn>
-                              </p:par>
-                            </p:childTnLst>
-                          </p:cTn>
-                        </p:par>
-                      </p:childTnLst>
-                    </p:cTn>
-                  </p:par>
-                </p:childTnLst>
-              </p:cTn>
-              <p:prevCondLst>
-                <p:cond evt="onPrev" delay="0">
-                  <p:tgtEl>
-                    <p:sldTgt/>
-                  </p:tgtEl>
-                </p:cond>
-              </p:prevCondLst>
-              <p:nextCondLst>
-                <p:cond evt="onNext" delay="0">
-                  <p:tgtEl>
-                    <p:sldTgt/>
-                  </p:tgtEl>
-                </p:cond>
-              </p:nextCondLst>
-            </p:seq>
-          </p:childTnLst>
-        </p:cTn>
-      </p:par>
-    </p:tnLst>
-    <p:bldLst>
-      <p:bldP spid="3" grpId="0" build="p"/>
-    </p:bldLst>
-  </p:timing>
-</p:sld>
-</file>
-
-<file path=ppt/slides/slide14.xml><?xml version="1.0" encoding="utf-8"?>
-<p:sld xmlns:a="http://schemas.openxmlformats.org/drawingml/2006/main" xmlns:r="http://schemas.openxmlformats.org/officeDocument/2006/relationships" xmlns:p="http://schemas.openxmlformats.org/presentationml/2006/main">
-  <p:cSld>
-    <p:spTree>
-      <p:nvGrpSpPr>
-        <p:cNvPr id="1" name=""/>
-        <p:cNvGrpSpPr/>
-        <p:nvPr/>
-      </p:nvGrpSpPr>
-      <p:grpSpPr>
-        <a:xfrm>
-          <a:off x="0" y="0"/>
-          <a:ext cx="0" cy="0"/>
-          <a:chOff x="0" y="0"/>
-          <a:chExt cx="0" cy="0"/>
-        </a:xfrm>
-      </p:grpSpPr>
-      <p:sp>
-        <p:nvSpPr>
-          <p:cNvPr id="2" name="Title 1"/>
-          <p:cNvSpPr>
-            <a:spLocks noGrp="1"/>
-          </p:cNvSpPr>
-          <p:nvPr>
-            <p:ph type="title"/>
-          </p:nvPr>
-        </p:nvSpPr>
-        <p:spPr/>
-        <p:txBody>
-          <a:bodyPr/>
-          <a:lstStyle/>
-          <a:p>
-            <a:r>
-              <a:rPr lang="en-US" dirty="0">
-                <a:latin typeface="American Typewriter"/>
-                <a:cs typeface="American Typewriter"/>
-              </a:rPr>
-              <a:t>Here’s to a great semester!</a:t>
-            </a:r>
-            <a:endParaRPr lang="en-US" dirty="0"/>
-          </a:p>
-        </p:txBody>
-      </p:sp>
-      <p:sp>
-        <p:nvSpPr>
-          <p:cNvPr id="3" name="Content Placeholder 2"/>
-          <p:cNvSpPr>
-            <a:spLocks noGrp="1"/>
-          </p:cNvSpPr>
-          <p:nvPr>
-            <p:ph idx="1"/>
-          </p:nvPr>
-        </p:nvSpPr>
-        <p:spPr>
-          <a:xfrm>
-            <a:off x="0" y="1600201"/>
-            <a:ext cx="9143999" cy="4343400"/>
-          </a:xfrm>
-        </p:spPr>
-        <p:txBody>
-          <a:bodyPr/>
-          <a:lstStyle/>
-          <a:p>
-            <a:pPr marL="0" lvl="0" indent="0" algn="ctr">
-              <a:buClr>
-                <a:srgbClr val="2C7C9F">
-                  <a:lumMod val="60000"/>
-                  <a:lumOff val="40000"/>
-                </a:srgbClr>
-              </a:buClr>
-              <a:buNone/>
-            </a:pPr>
-            <a:r>
-              <a:rPr lang="en-US" sz="4800" dirty="0" smtClean="0">
-                <a:solidFill>
-                  <a:prstClr val="black">
-                    <a:lumMod val="65000"/>
-                    <a:lumOff val="35000"/>
-                  </a:prstClr>
-                </a:solidFill>
-                <a:latin typeface="American Typewriter"/>
-                <a:cs typeface="American Typewriter"/>
-              </a:rPr>
-              <a:t>Hope you enjoy your </a:t>
-            </a:r>
-            <a:r>
-              <a:rPr lang="en-US" sz="4800" dirty="0">
-                <a:solidFill>
-                  <a:prstClr val="black">
-                    <a:lumMod val="65000"/>
-                    <a:lumOff val="35000"/>
-                  </a:prstClr>
-                </a:solidFill>
-                <a:latin typeface="American Typewriter"/>
-                <a:cs typeface="American Typewriter"/>
-              </a:rPr>
-              <a:t>first weekend </a:t>
-            </a:r>
-            <a:r>
-              <a:rPr lang="en-US" sz="4800" dirty="0" smtClean="0">
-                <a:solidFill>
-                  <a:prstClr val="black">
-                    <a:lumMod val="65000"/>
-                    <a:lumOff val="35000"/>
-                  </a:prstClr>
-                </a:solidFill>
-                <a:latin typeface="American Typewriter"/>
-                <a:cs typeface="American Typewriter"/>
-              </a:rPr>
-              <a:t>of new school year!</a:t>
-            </a:r>
-            <a:endParaRPr lang="en-US" sz="3600" dirty="0">
-              <a:solidFill>
-                <a:prstClr val="black">
-                  <a:lumMod val="65000"/>
-                  <a:lumOff val="35000"/>
-                </a:prstClr>
-              </a:solidFill>
-              <a:latin typeface="American Typewriter"/>
-              <a:cs typeface="American Typewriter"/>
-            </a:endParaRPr>
-          </a:p>
-          <a:p>
-            <a:endParaRPr lang="en-US" dirty="0"/>
-          </a:p>
-        </p:txBody>
-      </p:sp>
-      <p:pic>
-        <p:nvPicPr>
-          <p:cNvPr id="4" name="Picture 3"/>
-          <p:cNvPicPr>
-            <a:picLocks noChangeAspect="1"/>
-          </p:cNvPicPr>
-          <p:nvPr/>
-        </p:nvPicPr>
-        <p:blipFill>
-          <a:blip r:embed="rId2"/>
-          <a:stretch>
-            <a:fillRect/>
-          </a:stretch>
-        </p:blipFill>
-        <p:spPr>
-          <a:xfrm>
-            <a:off x="2776683" y="3211387"/>
-            <a:ext cx="3656774" cy="3656774"/>
-          </a:xfrm>
-          <a:prstGeom prst="rect">
-            <a:avLst/>
-          </a:prstGeom>
-        </p:spPr>
-      </p:pic>
-    </p:spTree>
-    <p:extLst>
-      <p:ext uri="{BB962C8B-B14F-4D97-AF65-F5344CB8AC3E}">
-        <p14:creationId xmlns:p14="http://schemas.microsoft.com/office/powerpoint/2010/main" val="298162140"/>
-      </p:ext>
-    </p:extLst>
-  </p:cSld>
-  <p:clrMapOvr>
-    <a:masterClrMapping/>
-  </p:clrMapOvr>
-  <p:timing>
-    <p:tnLst>
-      <p:par>
-        <p:cTn id="1" dur="indefinite" restart="never" nodeType="tmRoot"/>
-      </p:par>
-    </p:tnLst>
-  </p:timing>
-</p:sld>
-</file>
-
-<file path=ppt/slides/slide15.xml><?xml version="1.0" encoding="utf-8"?>
-<p:sld xmlns:a="http://schemas.openxmlformats.org/drawingml/2006/main" xmlns:r="http://schemas.openxmlformats.org/officeDocument/2006/relationships" xmlns:p="http://schemas.openxmlformats.org/presentationml/2006/main">
-  <p:cSld>
-    <p:spTree>
-      <p:nvGrpSpPr>
-        <p:cNvPr id="1" name=""/>
-        <p:cNvGrpSpPr/>
-        <p:nvPr/>
-      </p:nvGrpSpPr>
-      <p:grpSpPr>
-        <a:xfrm>
-          <a:off x="0" y="0"/>
-          <a:ext cx="0" cy="0"/>
-          <a:chOff x="0" y="0"/>
-          <a:chExt cx="0" cy="0"/>
-        </a:xfrm>
-      </p:grpSpPr>
-      <p:sp>
-        <p:nvSpPr>
-          <p:cNvPr id="2" name="Title 1"/>
-          <p:cNvSpPr>
-            <a:spLocks noGrp="1"/>
-          </p:cNvSpPr>
-          <p:nvPr>
-            <p:ph type="title"/>
-          </p:nvPr>
-        </p:nvSpPr>
-        <p:spPr/>
-        <p:txBody>
-          <a:bodyPr/>
-          <a:lstStyle/>
-          <a:p>
-            <a:endParaRPr lang="en-US"/>
-          </a:p>
-        </p:txBody>
-      </p:sp>
-      <p:sp>
-        <p:nvSpPr>
-          <p:cNvPr id="3" name="Content Placeholder 2"/>
-          <p:cNvSpPr>
-            <a:spLocks noGrp="1"/>
-          </p:cNvSpPr>
-          <p:nvPr>
-            <p:ph idx="1"/>
-          </p:nvPr>
-        </p:nvSpPr>
-        <p:spPr/>
-        <p:txBody>
-          <a:bodyPr/>
-          <a:lstStyle/>
-          <a:p>
-            <a:endParaRPr lang="en-US"/>
-          </a:p>
-        </p:txBody>
-      </p:sp>
-    </p:spTree>
-    <p:extLst>
-      <p:ext uri="{BB962C8B-B14F-4D97-AF65-F5344CB8AC3E}">
-        <p14:creationId xmlns:p14="http://schemas.microsoft.com/office/powerpoint/2010/main" val="779897927"/>
-      </p:ext>
-    </p:extLst>
-  </p:cSld>
-  <p:clrMapOvr>
-    <a:masterClrMapping/>
-  </p:clrMapOvr>
-</p:sld>
-</file>
-
-<file path=ppt/slides/slide16.xml><?xml version="1.0" encoding="utf-8"?>
-<p:sld xmlns:a="http://schemas.openxmlformats.org/drawingml/2006/main" xmlns:r="http://schemas.openxmlformats.org/officeDocument/2006/relationships" xmlns:p="http://schemas.openxmlformats.org/presentationml/2006/main">
-  <p:cSld>
-    <p:spTree>
-      <p:nvGrpSpPr>
-        <p:cNvPr id="1" name=""/>
-        <p:cNvGrpSpPr/>
-        <p:nvPr/>
-      </p:nvGrpSpPr>
-      <p:grpSpPr>
-        <a:xfrm>
-          <a:off x="0" y="0"/>
-          <a:ext cx="0" cy="0"/>
-          <a:chOff x="0" y="0"/>
-          <a:chExt cx="0" cy="0"/>
-        </a:xfrm>
-      </p:grpSpPr>
-      <p:sp>
-        <p:nvSpPr>
-          <p:cNvPr id="2" name="Title 1"/>
-          <p:cNvSpPr>
-            <a:spLocks noGrp="1"/>
-          </p:cNvSpPr>
-          <p:nvPr>
-            <p:ph type="title"/>
-          </p:nvPr>
-        </p:nvSpPr>
-        <p:spPr>
-          <a:xfrm>
-            <a:off x="232512" y="107576"/>
-            <a:ext cx="8911488" cy="912068"/>
-          </a:xfrm>
-        </p:spPr>
-        <p:txBody>
-          <a:bodyPr/>
-          <a:lstStyle/>
-          <a:p>
-            <a:r>
-              <a:rPr lang="en-US" sz="4400" dirty="0" smtClean="0">
-                <a:latin typeface="American Typewriter"/>
-                <a:cs typeface="American Typewriter"/>
-              </a:rPr>
-              <a:t>UMass Academic Honesty Policy  </a:t>
-            </a:r>
-            <a:endParaRPr lang="en-US" sz="4400" dirty="0">
-              <a:latin typeface="American Typewriter"/>
-              <a:cs typeface="American Typewriter"/>
-            </a:endParaRPr>
-          </a:p>
-        </p:txBody>
-      </p:sp>
-      <p:sp>
-        <p:nvSpPr>
-          <p:cNvPr id="3" name="Content Placeholder 2"/>
-          <p:cNvSpPr>
-            <a:spLocks noGrp="1"/>
-          </p:cNvSpPr>
-          <p:nvPr>
-            <p:ph idx="1"/>
-          </p:nvPr>
-        </p:nvSpPr>
-        <p:spPr>
-          <a:xfrm>
-            <a:off x="549274" y="1019644"/>
-            <a:ext cx="8330565" cy="5257799"/>
-          </a:xfrm>
-        </p:spPr>
-        <p:txBody>
-          <a:bodyPr>
-            <a:normAutofit/>
-          </a:bodyPr>
-          <a:lstStyle/>
-          <a:p>
-            <a:pPr marL="0" indent="0">
-              <a:buNone/>
-            </a:pPr>
-            <a:r>
-              <a:rPr lang="en-US" sz="4800" dirty="0" smtClean="0">
-                <a:latin typeface="American Typewriter"/>
-                <a:cs typeface="American Typewriter"/>
-              </a:rPr>
-              <a:t>‘</a:t>
-            </a:r>
-            <a:r>
-              <a:rPr lang="en-US" sz="4300" dirty="0" smtClean="0">
-                <a:latin typeface="American Typewriter"/>
-                <a:cs typeface="American Typewriter"/>
-              </a:rPr>
-              <a:t>Since students are expected to be familiar with the Academic Honesty Policy (CP 5-16) and the commonly accepted standards of academic integrity, ignorance of such standards by itself is not sufficient evidence of lack of intent’</a:t>
-            </a:r>
-            <a:endParaRPr lang="en-US" sz="4300" dirty="0">
-              <a:latin typeface="American Typewriter"/>
-              <a:cs typeface="American Typewriter"/>
-            </a:endParaRPr>
-          </a:p>
-        </p:txBody>
-      </p:sp>
-    </p:spTree>
-    <p:extLst>
-      <p:ext uri="{BB962C8B-B14F-4D97-AF65-F5344CB8AC3E}">
-        <p14:creationId xmlns:p14="http://schemas.microsoft.com/office/powerpoint/2010/main" val="2110236419"/>
-      </p:ext>
-    </p:extLst>
-  </p:cSld>
-  <p:clrMapOvr>
-    <a:masterClrMapping/>
-  </p:clrMapOvr>
-  <p:timing>
-    <p:tnLst>
-      <p:par>
-        <p:cTn id="1" dur="indefinite" restart="never" nodeType="tmRoot">
-          <p:childTnLst>
-            <p:seq concurrent="1" nextAc="seek">
-              <p:cTn id="2" dur="indefinite" nodeType="mainSeq">
-                <p:childTnLst>
-                  <p:par>
-                    <p:cTn id="3" fill="hold">
-                      <p:stCondLst>
-                        <p:cond delay="indefinite"/>
-                      </p:stCondLst>
-                      <p:childTnLst>
-                        <p:par>
-                          <p:cTn id="4" fill="hold">
-                            <p:stCondLst>
-                              <p:cond delay="0"/>
-                            </p:stCondLst>
-                            <p:childTnLst>
-                              <p:par>
-                                <p:cTn id="5" presetID="1" presetClass="entr" presetSubtype="0" fill="hold" grpId="0" nodeType="clickEffect">
-                                  <p:stCondLst>
-                                    <p:cond delay="0"/>
-                                  </p:stCondLst>
-                                  <p:childTnLst>
-                                    <p:set>
-                                      <p:cBhvr>
-                                        <p:cTn id="6" dur="1" fill="hold">
-                                          <p:stCondLst>
-                                            <p:cond delay="0"/>
-                                          </p:stCondLst>
-                                        </p:cTn>
-                                        <p:tgtEl>
-                                          <p:spTgt spid="2"/>
-                                        </p:tgtEl>
-                                        <p:attrNameLst>
-                                          <p:attrName>style.visibility</p:attrName>
-                                        </p:attrNameLst>
-                                      </p:cBhvr>
-                                      <p:to>
-                                        <p:strVal val="visible"/>
-                                      </p:to>
-                                    </p:set>
-                                  </p:childTnLst>
-                                </p:cTn>
-                              </p:par>
-                            </p:childTnLst>
-                          </p:cTn>
-                        </p:par>
-                      </p:childTnLst>
-                    </p:cTn>
-                  </p:par>
-                  <p:par>
-                    <p:cTn id="7" fill="hold">
-                      <p:stCondLst>
-                        <p:cond delay="indefinite"/>
-                      </p:stCondLst>
-                      <p:childTnLst>
-                        <p:par>
-                          <p:cTn id="8" fill="hold">
-                            <p:stCondLst>
-                              <p:cond delay="0"/>
-                            </p:stCondLst>
-                            <p:childTnLst>
-                              <p:par>
-                                <p:cTn id="9" presetID="1" presetClass="entr" presetSubtype="0" fill="hold" grpId="0" nodeType="clickEffect">
-                                  <p:stCondLst>
-                                    <p:cond delay="0"/>
-                                  </p:stCondLst>
-                                  <p:childTnLst>
-                                    <p:set>
-                                      <p:cBhvr>
-                                        <p:cTn id="10" dur="1" fill="hold">
-                                          <p:stCondLst>
-                                            <p:cond delay="0"/>
-                                          </p:stCondLst>
-                                        </p:cTn>
-                                        <p:tgtEl>
-                                          <p:spTgt spid="3">
-                                            <p:txEl>
-                                              <p:pRg st="0" end="0"/>
-                                            </p:txEl>
-                                          </p:spTgt>
-                                        </p:tgtEl>
-                                        <p:attrNameLst>
-                                          <p:attrName>style.visibility</p:attrName>
-                                        </p:attrNameLst>
-                                      </p:cBhvr>
-                                      <p:to>
-                                        <p:strVal val="visible"/>
-                                      </p:to>
-                                    </p:set>
-                                  </p:childTnLst>
-                                </p:cTn>
-                              </p:par>
-                            </p:childTnLst>
-                          </p:cTn>
-                        </p:par>
-                      </p:childTnLst>
-                    </p:cTn>
-                  </p:par>
-                </p:childTnLst>
-              </p:cTn>
-              <p:prevCondLst>
-                <p:cond evt="onPrev" delay="0">
-                  <p:tgtEl>
-                    <p:sldTgt/>
-                  </p:tgtEl>
-                </p:cond>
-              </p:prevCondLst>
-              <p:nextCondLst>
-                <p:cond evt="onNext" delay="0">
-                  <p:tgtEl>
-                    <p:sldTgt/>
-                  </p:tgtEl>
-                </p:cond>
-              </p:nextCondLst>
-            </p:seq>
-          </p:childTnLst>
-        </p:cTn>
-      </p:par>
-    </p:tnLst>
-    <p:bldLst>
-      <p:bldP spid="2" grpId="0"/>
-      <p:bldP spid="3" grpId="0" build="p"/>
-    </p:bldLst>
-  </p:timing>
-</p:sld>
-</file>
-
-<file path=ppt/slides/slide17.xml><?xml version="1.0" encoding="utf-8"?>
 <p:sld xmlns:a="http://schemas.openxmlformats.org/drawingml/2006/main" xmlns:r="http://schemas.openxmlformats.org/officeDocument/2006/relationships" xmlns:p="http://schemas.openxmlformats.org/presentationml/2006/main">
   <p:cSld>
     <p:spTree>
@@ -8027,610 +5269,6 @@
 </p:sld>
 </file>
 
-<file path=ppt/slides/slide18.xml><?xml version="1.0" encoding="utf-8"?>
-<p:sld xmlns:a="http://schemas.openxmlformats.org/drawingml/2006/main" xmlns:r="http://schemas.openxmlformats.org/officeDocument/2006/relationships" xmlns:p="http://schemas.openxmlformats.org/presentationml/2006/main">
-  <p:cSld>
-    <p:spTree>
-      <p:nvGrpSpPr>
-        <p:cNvPr id="1" name=""/>
-        <p:cNvGrpSpPr/>
-        <p:nvPr/>
-      </p:nvGrpSpPr>
-      <p:grpSpPr>
-        <a:xfrm>
-          <a:off x="0" y="0"/>
-          <a:ext cx="0" cy="0"/>
-          <a:chOff x="0" y="0"/>
-          <a:chExt cx="0" cy="0"/>
-        </a:xfrm>
-      </p:grpSpPr>
-      <p:sp>
-        <p:nvSpPr>
-          <p:cNvPr id="2" name="Title 1"/>
-          <p:cNvSpPr>
-            <a:spLocks noGrp="1"/>
-          </p:cNvSpPr>
-          <p:nvPr>
-            <p:ph type="title"/>
-          </p:nvPr>
-        </p:nvSpPr>
-        <p:spPr/>
-        <p:txBody>
-          <a:bodyPr/>
-          <a:lstStyle/>
-          <a:p>
-            <a:r>
-              <a:rPr lang="en-US" dirty="0" smtClean="0">
-                <a:latin typeface="American Typewriter"/>
-                <a:cs typeface="American Typewriter"/>
-              </a:rPr>
-              <a:t>Stroop Instructions</a:t>
-            </a:r>
-            <a:endParaRPr lang="en-US" dirty="0">
-              <a:latin typeface="American Typewriter"/>
-              <a:cs typeface="American Typewriter"/>
-            </a:endParaRPr>
-          </a:p>
-        </p:txBody>
-      </p:sp>
-      <p:sp>
-        <p:nvSpPr>
-          <p:cNvPr id="3" name="Date Placeholder 2"/>
-          <p:cNvSpPr>
-            <a:spLocks noGrp="1"/>
-          </p:cNvSpPr>
-          <p:nvPr>
-            <p:ph type="dt" sz="half" idx="10"/>
-          </p:nvPr>
-        </p:nvSpPr>
-        <p:spPr/>
-        <p:txBody>
-          <a:bodyPr/>
-          <a:lstStyle/>
-          <a:p>
-            <a:fld id="{B2B57F6D-E4CD-1942-99B4-A85977C3EE9F}" type="datetime1">
-              <a:rPr lang="en-US" smtClean="0"/>
-              <a:pPr/>
-              <a:t>1/18/2016</a:t>
-            </a:fld>
-            <a:endParaRPr lang="en-US"/>
-          </a:p>
-        </p:txBody>
-      </p:sp>
-      <p:sp>
-        <p:nvSpPr>
-          <p:cNvPr id="6" name="Footer Placeholder 5"/>
-          <p:cNvSpPr>
-            <a:spLocks noGrp="1"/>
-          </p:cNvSpPr>
-          <p:nvPr>
-            <p:ph type="ftr" sz="quarter" idx="11"/>
-          </p:nvPr>
-        </p:nvSpPr>
-        <p:spPr/>
-        <p:txBody>
-          <a:bodyPr/>
-          <a:lstStyle/>
-          <a:p>
-            <a:endParaRPr lang="en-US"/>
-          </a:p>
-        </p:txBody>
-      </p:sp>
-      <p:sp>
-        <p:nvSpPr>
-          <p:cNvPr id="7" name="Slide Number Placeholder 6"/>
-          <p:cNvSpPr>
-            <a:spLocks noGrp="1"/>
-          </p:cNvSpPr>
-          <p:nvPr>
-            <p:ph type="sldNum" sz="quarter" idx="12"/>
-          </p:nvPr>
-        </p:nvSpPr>
-        <p:spPr/>
-        <p:txBody>
-          <a:bodyPr/>
-          <a:lstStyle/>
-          <a:p>
-            <a:fld id="{7F5CE407-6216-4202-80E4-A30DC2F709B2}" type="slidenum">
-              <a:rPr lang="en-US" smtClean="0"/>
-              <a:pPr/>
-              <a:t>18</a:t>
-            </a:fld>
-            <a:endParaRPr lang="en-US"/>
-          </a:p>
-        </p:txBody>
-      </p:sp>
-      <p:sp>
-        <p:nvSpPr>
-          <p:cNvPr id="4" name="TextBox 3"/>
-          <p:cNvSpPr txBox="1"/>
-          <p:nvPr/>
-        </p:nvSpPr>
-        <p:spPr>
-          <a:xfrm>
-            <a:off x="3007620" y="4228375"/>
-            <a:ext cx="3909906" cy="769441"/>
-          </a:xfrm>
-          <a:prstGeom prst="rect">
-            <a:avLst/>
-          </a:prstGeom>
-          <a:noFill/>
-        </p:spPr>
-        <p:txBody>
-          <a:bodyPr wrap="square" rtlCol="0">
-            <a:spAutoFit/>
-          </a:bodyPr>
-          <a:lstStyle/>
-          <a:p>
-            <a:pPr algn="just"/>
-            <a:r>
-              <a:rPr lang="en-US" sz="4400" dirty="0" smtClean="0">
-                <a:solidFill>
-                  <a:schemeClr val="accent6">
-                    <a:lumMod val="60000"/>
-                    <a:lumOff val="40000"/>
-                  </a:schemeClr>
-                </a:solidFill>
-              </a:rPr>
-              <a:t> </a:t>
-            </a:r>
-            <a:endParaRPr lang="en-US" sz="4400" dirty="0">
-              <a:solidFill>
-                <a:schemeClr val="accent6">
-                  <a:lumMod val="60000"/>
-                  <a:lumOff val="40000"/>
-                </a:schemeClr>
-              </a:solidFill>
-            </a:endParaRPr>
-          </a:p>
-        </p:txBody>
-      </p:sp>
-      <p:sp>
-        <p:nvSpPr>
-          <p:cNvPr id="5" name="Rectangle 4"/>
-          <p:cNvSpPr/>
-          <p:nvPr/>
-        </p:nvSpPr>
-        <p:spPr>
-          <a:xfrm>
-            <a:off x="887218" y="1444532"/>
-            <a:ext cx="7704332" cy="4401205"/>
-          </a:xfrm>
-          <a:prstGeom prst="rect">
-            <a:avLst/>
-          </a:prstGeom>
-        </p:spPr>
-        <p:txBody>
-          <a:bodyPr wrap="square">
-            <a:spAutoFit/>
-          </a:bodyPr>
-          <a:lstStyle/>
-          <a:p>
-            <a:r>
-              <a:rPr lang="en-US" sz="2800" dirty="0" smtClean="0">
-                <a:latin typeface="American Typewriter"/>
-                <a:cs typeface="American Typewriter"/>
-              </a:rPr>
-              <a:t>Each </a:t>
-            </a:r>
-            <a:r>
-              <a:rPr lang="en-US" sz="2800" dirty="0">
-                <a:latin typeface="American Typewriter"/>
-                <a:cs typeface="American Typewriter"/>
-              </a:rPr>
-              <a:t>participant will be shown two sheets of paper, one at a time.  </a:t>
-            </a:r>
-            <a:r>
-              <a:rPr lang="en-US" sz="2800" dirty="0" smtClean="0">
-                <a:latin typeface="American Typewriter"/>
-                <a:cs typeface="American Typewriter"/>
-              </a:rPr>
-              <a:t>Each sheet contains </a:t>
-            </a:r>
-            <a:r>
-              <a:rPr lang="en-US" sz="2800" dirty="0">
-                <a:latin typeface="American Typewriter"/>
-                <a:cs typeface="American Typewriter"/>
-              </a:rPr>
-              <a:t>a series of </a:t>
-            </a:r>
-            <a:r>
-              <a:rPr lang="en-US" sz="2800" dirty="0" smtClean="0">
-                <a:latin typeface="American Typewriter"/>
-                <a:cs typeface="American Typewriter"/>
-              </a:rPr>
-              <a:t>animal </a:t>
-            </a:r>
-            <a:r>
-              <a:rPr lang="en-US" sz="2800" dirty="0">
-                <a:latin typeface="American Typewriter"/>
-                <a:cs typeface="American Typewriter"/>
-              </a:rPr>
-              <a:t>silhouettes: </a:t>
-            </a:r>
-            <a:r>
-              <a:rPr lang="en-US" sz="2800" dirty="0" smtClean="0">
-                <a:latin typeface="American Typewriter"/>
-                <a:cs typeface="American Typewriter"/>
-              </a:rPr>
-              <a:t>a </a:t>
-            </a:r>
-            <a:r>
-              <a:rPr lang="en-US" sz="2800" dirty="0">
-                <a:latin typeface="American Typewriter"/>
-                <a:cs typeface="American Typewriter"/>
-              </a:rPr>
-              <a:t>dog, a cat, a pig, a cow, and a bear.  </a:t>
-            </a:r>
-            <a:endParaRPr lang="en-US" sz="2800" dirty="0" smtClean="0">
-              <a:latin typeface="American Typewriter"/>
-              <a:cs typeface="American Typewriter"/>
-            </a:endParaRPr>
-          </a:p>
-          <a:p>
-            <a:r>
-              <a:rPr lang="en-US" sz="2800" dirty="0" smtClean="0">
-                <a:latin typeface="American Typewriter"/>
-                <a:cs typeface="American Typewriter"/>
-              </a:rPr>
-              <a:t>The task </a:t>
-            </a:r>
-            <a:r>
-              <a:rPr lang="en-US" sz="2800" dirty="0">
-                <a:latin typeface="American Typewriter"/>
-                <a:cs typeface="American Typewriter"/>
-              </a:rPr>
-              <a:t>is to name the animal silhouettes as quickly as </a:t>
-            </a:r>
-            <a:r>
-              <a:rPr lang="en-US" sz="2800" dirty="0" smtClean="0">
-                <a:latin typeface="American Typewriter"/>
-                <a:cs typeface="American Typewriter"/>
-              </a:rPr>
-              <a:t>possible without mistakes. </a:t>
-            </a:r>
-          </a:p>
-          <a:p>
-            <a:r>
-              <a:rPr lang="en-US" sz="2800" dirty="0" smtClean="0">
-                <a:latin typeface="American Typewriter"/>
-                <a:cs typeface="American Typewriter"/>
-              </a:rPr>
-              <a:t>On </a:t>
-            </a:r>
-            <a:r>
-              <a:rPr lang="en-US" sz="2800" dirty="0">
-                <a:latin typeface="American Typewriter"/>
-                <a:cs typeface="American Typewriter"/>
-              </a:rPr>
-              <a:t>one sheet, the silhouettes </a:t>
-            </a:r>
-            <a:r>
-              <a:rPr lang="en-US" sz="2800" dirty="0" smtClean="0">
-                <a:latin typeface="American Typewriter"/>
-                <a:cs typeface="American Typewriter"/>
-              </a:rPr>
-              <a:t>have words written on them.  </a:t>
-            </a:r>
-            <a:r>
-              <a:rPr lang="en-US" sz="2800" dirty="0">
-                <a:latin typeface="American Typewriter"/>
-                <a:cs typeface="American Typewriter"/>
-              </a:rPr>
-              <a:t>The task is to ignore the words and name the silhouettes. </a:t>
-            </a:r>
-            <a:endParaRPr lang="en-US" sz="2800" dirty="0" smtClean="0">
-              <a:latin typeface="American Typewriter"/>
-              <a:cs typeface="American Typewriter"/>
-            </a:endParaRPr>
-          </a:p>
-          <a:p>
-            <a:r>
-              <a:rPr lang="en-US" sz="2800" dirty="0" smtClean="0">
-                <a:latin typeface="American Typewriter"/>
-                <a:cs typeface="American Typewriter"/>
-              </a:rPr>
-              <a:t>Please respond quickly and accurately! </a:t>
-            </a:r>
-            <a:endParaRPr lang="en-US" sz="2800" dirty="0">
-              <a:latin typeface="American Typewriter"/>
-              <a:cs typeface="American Typewriter"/>
-            </a:endParaRPr>
-          </a:p>
-        </p:txBody>
-      </p:sp>
-    </p:spTree>
-    <p:extLst>
-      <p:ext uri="{BB962C8B-B14F-4D97-AF65-F5344CB8AC3E}">
-        <p14:creationId xmlns:p14="http://schemas.microsoft.com/office/powerpoint/2010/main" val="1276257887"/>
-      </p:ext>
-    </p:extLst>
-  </p:cSld>
-  <p:clrMapOvr>
-    <a:masterClrMapping/>
-  </p:clrMapOvr>
-  <p:timing>
-    <p:tnLst>
-      <p:par>
-        <p:cTn id="1" dur="indefinite" restart="never" nodeType="tmRoot"/>
-      </p:par>
-    </p:tnLst>
-  </p:timing>
-</p:sld>
-</file>
-
-<file path=ppt/slides/slide19.xml><?xml version="1.0" encoding="utf-8"?>
-<p:sld xmlns:a="http://schemas.openxmlformats.org/drawingml/2006/main" xmlns:r="http://schemas.openxmlformats.org/officeDocument/2006/relationships" xmlns:p="http://schemas.openxmlformats.org/presentationml/2006/main">
-  <p:cSld>
-    <p:spTree>
-      <p:nvGrpSpPr>
-        <p:cNvPr id="1" name=""/>
-        <p:cNvGrpSpPr/>
-        <p:nvPr/>
-      </p:nvGrpSpPr>
-      <p:grpSpPr>
-        <a:xfrm>
-          <a:off x="0" y="0"/>
-          <a:ext cx="0" cy="0"/>
-          <a:chOff x="0" y="0"/>
-          <a:chExt cx="0" cy="0"/>
-        </a:xfrm>
-      </p:grpSpPr>
-      <p:sp>
-        <p:nvSpPr>
-          <p:cNvPr id="2" name="Title 1"/>
-          <p:cNvSpPr>
-            <a:spLocks noGrp="1"/>
-          </p:cNvSpPr>
-          <p:nvPr>
-            <p:ph type="title"/>
-          </p:nvPr>
-        </p:nvSpPr>
-        <p:spPr/>
-        <p:txBody>
-          <a:bodyPr/>
-          <a:lstStyle/>
-          <a:p>
-            <a:r>
-              <a:rPr lang="en-US" dirty="0" smtClean="0">
-                <a:latin typeface="American Typewriter"/>
-                <a:cs typeface="American Typewriter"/>
-              </a:rPr>
-              <a:t>Stroop</a:t>
-            </a:r>
-            <a:r>
-              <a:rPr lang="en-US" dirty="0">
-                <a:latin typeface="American Typewriter"/>
-                <a:cs typeface="American Typewriter"/>
-              </a:rPr>
-              <a:t> </a:t>
-            </a:r>
-            <a:r>
-              <a:rPr lang="en-US" dirty="0" smtClean="0">
-                <a:latin typeface="American Typewriter"/>
-                <a:cs typeface="American Typewriter"/>
-              </a:rPr>
-              <a:t>Instructions</a:t>
-            </a:r>
-            <a:endParaRPr lang="en-US" dirty="0">
-              <a:latin typeface="American Typewriter"/>
-              <a:cs typeface="American Typewriter"/>
-            </a:endParaRPr>
-          </a:p>
-        </p:txBody>
-      </p:sp>
-      <p:sp>
-        <p:nvSpPr>
-          <p:cNvPr id="3" name="Date Placeholder 2"/>
-          <p:cNvSpPr>
-            <a:spLocks noGrp="1"/>
-          </p:cNvSpPr>
-          <p:nvPr>
-            <p:ph type="dt" sz="half" idx="10"/>
-          </p:nvPr>
-        </p:nvSpPr>
-        <p:spPr/>
-        <p:txBody>
-          <a:bodyPr/>
-          <a:lstStyle/>
-          <a:p>
-            <a:fld id="{C7593A9D-600E-B349-B61D-C224EF1F8169}" type="datetime1">
-              <a:rPr lang="en-US" smtClean="0"/>
-              <a:pPr/>
-              <a:t>1/18/2016</a:t>
-            </a:fld>
-            <a:endParaRPr lang="en-US"/>
-          </a:p>
-        </p:txBody>
-      </p:sp>
-      <p:sp>
-        <p:nvSpPr>
-          <p:cNvPr id="5" name="Footer Placeholder 4"/>
-          <p:cNvSpPr>
-            <a:spLocks noGrp="1"/>
-          </p:cNvSpPr>
-          <p:nvPr>
-            <p:ph type="ftr" sz="quarter" idx="11"/>
-          </p:nvPr>
-        </p:nvSpPr>
-        <p:spPr/>
-        <p:txBody>
-          <a:bodyPr/>
-          <a:lstStyle/>
-          <a:p>
-            <a:endParaRPr lang="en-US"/>
-          </a:p>
-        </p:txBody>
-      </p:sp>
-      <p:sp>
-        <p:nvSpPr>
-          <p:cNvPr id="7" name="Slide Number Placeholder 6"/>
-          <p:cNvSpPr>
-            <a:spLocks noGrp="1"/>
-          </p:cNvSpPr>
-          <p:nvPr>
-            <p:ph type="sldNum" sz="quarter" idx="12"/>
-          </p:nvPr>
-        </p:nvSpPr>
-        <p:spPr/>
-        <p:txBody>
-          <a:bodyPr/>
-          <a:lstStyle/>
-          <a:p>
-            <a:fld id="{7F5CE407-6216-4202-80E4-A30DC2F709B2}" type="slidenum">
-              <a:rPr lang="en-US" smtClean="0"/>
-              <a:pPr/>
-              <a:t>19</a:t>
-            </a:fld>
-            <a:endParaRPr lang="en-US"/>
-          </a:p>
-        </p:txBody>
-      </p:sp>
-      <p:sp>
-        <p:nvSpPr>
-          <p:cNvPr id="4" name="TextBox 3"/>
-          <p:cNvSpPr txBox="1"/>
-          <p:nvPr/>
-        </p:nvSpPr>
-        <p:spPr>
-          <a:xfrm>
-            <a:off x="3007620" y="4228375"/>
-            <a:ext cx="3909906" cy="769441"/>
-          </a:xfrm>
-          <a:prstGeom prst="rect">
-            <a:avLst/>
-          </a:prstGeom>
-          <a:noFill/>
-        </p:spPr>
-        <p:txBody>
-          <a:bodyPr wrap="square" rtlCol="0">
-            <a:spAutoFit/>
-          </a:bodyPr>
-          <a:lstStyle/>
-          <a:p>
-            <a:pPr algn="just"/>
-            <a:r>
-              <a:rPr lang="en-US" sz="4400" dirty="0" smtClean="0">
-                <a:solidFill>
-                  <a:schemeClr val="accent6">
-                    <a:lumMod val="60000"/>
-                    <a:lumOff val="40000"/>
-                  </a:schemeClr>
-                </a:solidFill>
-              </a:rPr>
-              <a:t> </a:t>
-            </a:r>
-            <a:endParaRPr lang="en-US" sz="4400" dirty="0">
-              <a:solidFill>
-                <a:schemeClr val="accent6">
-                  <a:lumMod val="60000"/>
-                  <a:lumOff val="40000"/>
-                </a:schemeClr>
-              </a:solidFill>
-            </a:endParaRPr>
-          </a:p>
-        </p:txBody>
-      </p:sp>
-      <p:sp>
-        <p:nvSpPr>
-          <p:cNvPr id="6" name="Rectangle 5"/>
-          <p:cNvSpPr/>
-          <p:nvPr/>
-        </p:nvSpPr>
-        <p:spPr>
-          <a:xfrm>
-            <a:off x="549275" y="1444532"/>
-            <a:ext cx="8042276" cy="5262980"/>
-          </a:xfrm>
-          <a:prstGeom prst="rect">
-            <a:avLst/>
-          </a:prstGeom>
-        </p:spPr>
-        <p:txBody>
-          <a:bodyPr wrap="square">
-            <a:spAutoFit/>
-          </a:bodyPr>
-          <a:lstStyle/>
-          <a:p>
-            <a:r>
-              <a:rPr lang="en-US" sz="2800" dirty="0">
-                <a:latin typeface="American Typewriter"/>
-                <a:cs typeface="American Typewriter"/>
-              </a:rPr>
-              <a:t>The </a:t>
-            </a:r>
-            <a:r>
-              <a:rPr lang="en-US" sz="2800" u="sng" dirty="0">
-                <a:latin typeface="American Typewriter"/>
-                <a:cs typeface="American Typewriter"/>
-              </a:rPr>
-              <a:t>r</a:t>
-            </a:r>
-            <a:r>
-              <a:rPr lang="en-US" sz="2800" u="sng" dirty="0" smtClean="0">
-                <a:latin typeface="American Typewriter"/>
-                <a:cs typeface="American Typewriter"/>
-              </a:rPr>
-              <a:t>esearcher</a:t>
-            </a:r>
-            <a:r>
-              <a:rPr lang="en-US" sz="2800" dirty="0" smtClean="0">
-                <a:latin typeface="American Typewriter"/>
-                <a:cs typeface="American Typewriter"/>
-              </a:rPr>
-              <a:t> </a:t>
-            </a:r>
-            <a:r>
-              <a:rPr lang="en-US" sz="2800" dirty="0">
-                <a:latin typeface="American Typewriter"/>
-                <a:cs typeface="American Typewriter"/>
-              </a:rPr>
-              <a:t>should place the appropriate stimulus sheet face down in front of the </a:t>
-            </a:r>
-            <a:r>
-              <a:rPr lang="en-US" sz="2800" u="sng" dirty="0">
-                <a:latin typeface="American Typewriter"/>
-                <a:cs typeface="American Typewriter"/>
-              </a:rPr>
-              <a:t>p</a:t>
-            </a:r>
-            <a:r>
-              <a:rPr lang="en-US" sz="2800" u="sng" dirty="0" smtClean="0">
-                <a:latin typeface="American Typewriter"/>
-                <a:cs typeface="American Typewriter"/>
-              </a:rPr>
-              <a:t>articipant</a:t>
-            </a:r>
-            <a:r>
-              <a:rPr lang="en-US" sz="2800" dirty="0">
-                <a:latin typeface="American Typewriter"/>
-                <a:cs typeface="American Typewriter"/>
-              </a:rPr>
-              <a:t>.  When the researcher says “Begin” the participant should flip the stimulus sheet over and begin to name the silhouettes from top left through to the last silhouette at the bottom right while the researcher should start the stop watch.  When the participant has finished naming all the silhouettes on the sheet, they should say “Done” and the researcher should stop the stop watch.</a:t>
-            </a:r>
-          </a:p>
-        </p:txBody>
-      </p:sp>
-    </p:spTree>
-    <p:extLst>
-      <p:ext uri="{BB962C8B-B14F-4D97-AF65-F5344CB8AC3E}">
-        <p14:creationId xmlns:p14="http://schemas.microsoft.com/office/powerpoint/2010/main" val="3568086556"/>
-      </p:ext>
-    </p:extLst>
-  </p:cSld>
-  <p:clrMapOvr>
-    <a:masterClrMapping/>
-  </p:clrMapOvr>
-  <p:timing>
-    <p:tnLst>
-      <p:par>
-        <p:cTn id="1" dur="indefinite" restart="never" nodeType="tmRoot"/>
-      </p:par>
-    </p:tnLst>
-  </p:timing>
-</p:sld>
-</file>
-
 <file path=ppt/slides/slide2.xml><?xml version="1.0" encoding="utf-8"?>
 <p:sld xmlns:a="http://schemas.openxmlformats.org/drawingml/2006/main" xmlns:r="http://schemas.openxmlformats.org/officeDocument/2006/relationships" xmlns:p="http://schemas.openxmlformats.org/presentationml/2006/main">
   <p:cSld>
@@ -8731,7 +5369,7 @@
               <a:rPr lang="en-US" sz="3600" dirty="0" smtClean="0">
                 <a:latin typeface="Garamond" panose="02020404030301010803" pitchFamily="18" charset="0"/>
                 <a:cs typeface="American Typewriter"/>
-                <a:hlinkClick r:id="rId2"/>
+                <a:hlinkClick r:id="rId3"/>
               </a:rPr>
               <a:t>psadil@psych.umass.edu</a:t>
             </a:r>
@@ -8771,7 +5409,28 @@
                 <a:latin typeface="Garamond" panose="02020404030301010803" pitchFamily="18" charset="0"/>
                 <a:cs typeface="American Typewriter"/>
               </a:rPr>
-              <a:t>Office hour: ___, maybe by appt.</a:t>
+              <a:t>Office hour: </a:t>
+            </a:r>
+            <a:r>
+              <a:rPr lang="en-US" sz="3600" dirty="0" smtClean="0">
+                <a:latin typeface="Garamond" panose="02020404030301010803" pitchFamily="18" charset="0"/>
+                <a:cs typeface="American Typewriter"/>
+              </a:rPr>
+              <a:t>M 10am</a:t>
+            </a:r>
+            <a:r>
+              <a:rPr lang="en-US" sz="3600" dirty="0" smtClean="0">
+                <a:latin typeface="Garamond" panose="02020404030301010803" pitchFamily="18" charset="0"/>
+                <a:cs typeface="American Typewriter"/>
+              </a:rPr>
+              <a:t>, </a:t>
+            </a:r>
+            <a:r>
+              <a:rPr lang="en-US" sz="3600" dirty="0" smtClean="0">
+                <a:latin typeface="Garamond" panose="02020404030301010803" pitchFamily="18" charset="0"/>
+                <a:cs typeface="American Typewriter"/>
+              </a:rPr>
+              <a:t>maybe by appt.</a:t>
             </a:r>
           </a:p>
           <a:p>
@@ -8948,15 +5607,33 @@
                                   </p:childTnLst>
                                 </p:cTn>
                               </p:par>
+                            </p:childTnLst>
+                          </p:cTn>
+                        </p:par>
+                      </p:childTnLst>
+                    </p:cTn>
+                  </p:par>
+                  <p:par>
+                    <p:cTn id="15" fill="hold">
+                      <p:stCondLst>
+                        <p:cond delay="indefinite"/>
+                      </p:stCondLst>
+                      <p:childTnLst>
+                        <p:par>
+                          <p:cTn id="16" fill="hold">
+                            <p:stCondLst>
+                              <p:cond delay="0"/>
+                            </p:stCondLst>
+                            <p:childTnLst>
                               <p:par>
-                                <p:cTn id="15" presetID="1" presetClass="entr" presetSubtype="0" fill="hold" nodeType="withEffect">
+                                <p:cTn id="17" presetID="1" presetClass="entr" presetSubtype="0" fill="hold" nodeType="clickEffect">
                                   <p:stCondLst>
                                     <p:cond delay="0"/>
                                   </p:stCondLst>
                                   <p:childTnLst>
                                     <p:set>
                                       <p:cBhvr>
-                                        <p:cTn id="16" dur="1" fill="hold">
+                                        <p:cTn id="18" dur="1" fill="hold">
                                           <p:stCondLst>
                                             <p:cond delay="0"/>
                                           </p:stCondLst>
@@ -8986,26 +5663,26 @@
                     </p:cTn>
                   </p:par>
                   <p:par>
-                    <p:cTn id="17" fill="hold">
+                    <p:cTn id="19" fill="hold">
                       <p:stCondLst>
                         <p:cond delay="indefinite"/>
                       </p:stCondLst>
                       <p:childTnLst>
                         <p:par>
-                          <p:cTn id="18" fill="hold">
+                          <p:cTn id="20" fill="hold">
                             <p:stCondLst>
                               <p:cond delay="0"/>
                             </p:stCondLst>
                             <p:childTnLst>
                               <p:par>
-                                <p:cTn id="19" presetID="1" presetClass="entr" presetSubtype="0" fill="hold" nodeType="clickEffect">
+                                <p:cTn id="21" presetID="1" presetClass="entr" presetSubtype="0" fill="hold" nodeType="clickEffect">
                                   <p:stCondLst>
                                     <p:cond delay="0"/>
                                   </p:stCondLst>
                                   <p:childTnLst>
                                     <p:set>
                                       <p:cBhvr>
-                                        <p:cTn id="20" dur="1" fill="hold">
+                                        <p:cTn id="22" dur="1" fill="hold">
                                           <p:stCondLst>
                                             <p:cond delay="0"/>
                                           </p:stCondLst>
@@ -9035,26 +5712,26 @@
                     </p:cTn>
                   </p:par>
                   <p:par>
-                    <p:cTn id="21" fill="hold">
+                    <p:cTn id="23" fill="hold">
                       <p:stCondLst>
                         <p:cond delay="indefinite"/>
                       </p:stCondLst>
                       <p:childTnLst>
                         <p:par>
-                          <p:cTn id="22" fill="hold">
+                          <p:cTn id="24" fill="hold">
                             <p:stCondLst>
                               <p:cond delay="0"/>
                             </p:stCondLst>
                             <p:childTnLst>
                               <p:par>
-                                <p:cTn id="23" presetID="1" presetClass="entr" presetSubtype="0" fill="hold" nodeType="clickEffect">
+                                <p:cTn id="25" presetID="1" presetClass="entr" presetSubtype="0" fill="hold" nodeType="clickEffect">
                                   <p:stCondLst>
                                     <p:cond delay="0"/>
                                   </p:stCondLst>
                                   <p:childTnLst>
                                     <p:set>
                                       <p:cBhvr>
-                                        <p:cTn id="24" dur="1" fill="hold">
+                                        <p:cTn id="26" dur="1" fill="hold">
                                           <p:stCondLst>
                                             <p:cond delay="0"/>
                                           </p:stCondLst>
@@ -9111,470 +5788,6 @@
 </p:sld>
 </file>
 
-<file path=ppt/slides/slide20.xml><?xml version="1.0" encoding="utf-8"?>
-<p:sld xmlns:a="http://schemas.openxmlformats.org/drawingml/2006/main" xmlns:r="http://schemas.openxmlformats.org/officeDocument/2006/relationships" xmlns:p="http://schemas.openxmlformats.org/presentationml/2006/main">
-  <p:cSld>
-    <p:spTree>
-      <p:nvGrpSpPr>
-        <p:cNvPr id="1" name=""/>
-        <p:cNvGrpSpPr/>
-        <p:nvPr/>
-      </p:nvGrpSpPr>
-      <p:grpSpPr>
-        <a:xfrm>
-          <a:off x="0" y="0"/>
-          <a:ext cx="0" cy="0"/>
-          <a:chOff x="0" y="0"/>
-          <a:chExt cx="0" cy="0"/>
-        </a:xfrm>
-      </p:grpSpPr>
-      <p:sp>
-        <p:nvSpPr>
-          <p:cNvPr id="2" name="Title 1"/>
-          <p:cNvSpPr>
-            <a:spLocks noGrp="1"/>
-          </p:cNvSpPr>
-          <p:nvPr>
-            <p:ph type="title"/>
-          </p:nvPr>
-        </p:nvSpPr>
-        <p:spPr/>
-        <p:txBody>
-          <a:bodyPr/>
-          <a:lstStyle/>
-          <a:p>
-            <a:r>
-              <a:rPr lang="en-US" dirty="0" smtClean="0">
-                <a:latin typeface="American Typewriter"/>
-                <a:cs typeface="American Typewriter"/>
-              </a:rPr>
-              <a:t>Stroop </a:t>
-            </a:r>
-            <a:r>
-              <a:rPr lang="en-US" dirty="0">
-                <a:latin typeface="American Typewriter"/>
-                <a:cs typeface="American Typewriter"/>
-              </a:rPr>
-              <a:t>I</a:t>
-            </a:r>
-            <a:r>
-              <a:rPr lang="en-US" dirty="0" smtClean="0">
-                <a:latin typeface="American Typewriter"/>
-                <a:cs typeface="American Typewriter"/>
-              </a:rPr>
-              <a:t>nstructions</a:t>
-            </a:r>
-            <a:endParaRPr lang="en-US" dirty="0">
-              <a:latin typeface="American Typewriter"/>
-              <a:cs typeface="American Typewriter"/>
-            </a:endParaRPr>
-          </a:p>
-        </p:txBody>
-      </p:sp>
-      <p:sp>
-        <p:nvSpPr>
-          <p:cNvPr id="5" name="Date Placeholder 4"/>
-          <p:cNvSpPr>
-            <a:spLocks noGrp="1"/>
-          </p:cNvSpPr>
-          <p:nvPr>
-            <p:ph type="dt" sz="half" idx="10"/>
-          </p:nvPr>
-        </p:nvSpPr>
-        <p:spPr/>
-        <p:txBody>
-          <a:bodyPr/>
-          <a:lstStyle/>
-          <a:p>
-            <a:fld id="{029291AF-3754-0D4E-B3EE-FCB9CB3FA8A7}" type="datetime1">
-              <a:rPr lang="en-US" smtClean="0"/>
-              <a:pPr/>
-              <a:t>1/18/2016</a:t>
-            </a:fld>
-            <a:endParaRPr lang="en-US"/>
-          </a:p>
-        </p:txBody>
-      </p:sp>
-      <p:sp>
-        <p:nvSpPr>
-          <p:cNvPr id="6" name="Footer Placeholder 5"/>
-          <p:cNvSpPr>
-            <a:spLocks noGrp="1"/>
-          </p:cNvSpPr>
-          <p:nvPr>
-            <p:ph type="ftr" sz="quarter" idx="11"/>
-          </p:nvPr>
-        </p:nvSpPr>
-        <p:spPr/>
-        <p:txBody>
-          <a:bodyPr/>
-          <a:lstStyle/>
-          <a:p>
-            <a:endParaRPr lang="en-US"/>
-          </a:p>
-        </p:txBody>
-      </p:sp>
-      <p:sp>
-        <p:nvSpPr>
-          <p:cNvPr id="7" name="Slide Number Placeholder 6"/>
-          <p:cNvSpPr>
-            <a:spLocks noGrp="1"/>
-          </p:cNvSpPr>
-          <p:nvPr>
-            <p:ph type="sldNum" sz="quarter" idx="12"/>
-          </p:nvPr>
-        </p:nvSpPr>
-        <p:spPr/>
-        <p:txBody>
-          <a:bodyPr/>
-          <a:lstStyle/>
-          <a:p>
-            <a:fld id="{7F5CE407-6216-4202-80E4-A30DC2F709B2}" type="slidenum">
-              <a:rPr lang="en-US" smtClean="0"/>
-              <a:pPr/>
-              <a:t>20</a:t>
-            </a:fld>
-            <a:endParaRPr lang="en-US"/>
-          </a:p>
-        </p:txBody>
-      </p:sp>
-      <p:sp>
-        <p:nvSpPr>
-          <p:cNvPr id="4" name="TextBox 3"/>
-          <p:cNvSpPr txBox="1"/>
-          <p:nvPr/>
-        </p:nvSpPr>
-        <p:spPr>
-          <a:xfrm>
-            <a:off x="3007620" y="4228375"/>
-            <a:ext cx="3909906" cy="769441"/>
-          </a:xfrm>
-          <a:prstGeom prst="rect">
-            <a:avLst/>
-          </a:prstGeom>
-          <a:noFill/>
-        </p:spPr>
-        <p:txBody>
-          <a:bodyPr wrap="square" rtlCol="0">
-            <a:spAutoFit/>
-          </a:bodyPr>
-          <a:lstStyle/>
-          <a:p>
-            <a:pPr algn="just"/>
-            <a:r>
-              <a:rPr lang="en-US" sz="4400" dirty="0" smtClean="0">
-                <a:solidFill>
-                  <a:schemeClr val="accent6">
-                    <a:lumMod val="60000"/>
-                    <a:lumOff val="40000"/>
-                  </a:schemeClr>
-                </a:solidFill>
-              </a:rPr>
-              <a:t> </a:t>
-            </a:r>
-            <a:endParaRPr lang="en-US" sz="4400" dirty="0">
-              <a:solidFill>
-                <a:schemeClr val="accent6">
-                  <a:lumMod val="60000"/>
-                  <a:lumOff val="40000"/>
-                </a:schemeClr>
-              </a:solidFill>
-            </a:endParaRPr>
-          </a:p>
-        </p:txBody>
-      </p:sp>
-      <p:sp>
-        <p:nvSpPr>
-          <p:cNvPr id="3" name="Rectangle 2"/>
-          <p:cNvSpPr/>
-          <p:nvPr/>
-        </p:nvSpPr>
-        <p:spPr>
-          <a:xfrm>
-            <a:off x="549275" y="1444532"/>
-            <a:ext cx="8306495" cy="4154983"/>
-          </a:xfrm>
-          <a:prstGeom prst="rect">
-            <a:avLst/>
-          </a:prstGeom>
-        </p:spPr>
-        <p:txBody>
-          <a:bodyPr wrap="square">
-            <a:spAutoFit/>
-          </a:bodyPr>
-          <a:lstStyle/>
-          <a:p>
-            <a:r>
-              <a:rPr lang="en-US" sz="2400" dirty="0">
-                <a:latin typeface="American Typewriter"/>
-                <a:cs typeface="American Typewriter"/>
-              </a:rPr>
-              <a:t>The </a:t>
-            </a:r>
-            <a:r>
-              <a:rPr lang="en-US" sz="2400" dirty="0" smtClean="0">
-                <a:latin typeface="American Typewriter"/>
-                <a:cs typeface="American Typewriter"/>
-              </a:rPr>
-              <a:t>researcher </a:t>
-            </a:r>
-            <a:r>
-              <a:rPr lang="en-US" sz="2400" dirty="0">
-                <a:latin typeface="American Typewriter"/>
-                <a:cs typeface="American Typewriter"/>
-              </a:rPr>
-              <a:t>then records the data for that trial on the data sheet.  The information recorded should include the numbers assigned to the researcher and the participant, the number of errors the participant made, and the time it took the participant to name all the silhouettes on the sheet.  The experimenter needs to make sure they have recorded the information in the correct area of the sheet.  Notice that the top area is the answer sheet and data for the silhouette alone condition while the bottom area is the answer sheet and data for the incongruent label </a:t>
-            </a:r>
-            <a:r>
-              <a:rPr lang="en-US" sz="2400" dirty="0" smtClean="0">
-                <a:latin typeface="American Typewriter"/>
-                <a:cs typeface="American Typewriter"/>
-              </a:rPr>
-              <a:t>condition</a:t>
-            </a:r>
-            <a:endParaRPr lang="en-US" sz="2400" dirty="0">
-              <a:latin typeface="American Typewriter"/>
-              <a:cs typeface="American Typewriter"/>
-            </a:endParaRPr>
-          </a:p>
-        </p:txBody>
-      </p:sp>
-    </p:spTree>
-    <p:extLst>
-      <p:ext uri="{BB962C8B-B14F-4D97-AF65-F5344CB8AC3E}">
-        <p14:creationId xmlns:p14="http://schemas.microsoft.com/office/powerpoint/2010/main" val="652429031"/>
-      </p:ext>
-    </p:extLst>
-  </p:cSld>
-  <p:clrMapOvr>
-    <a:masterClrMapping/>
-  </p:clrMapOvr>
-  <p:timing>
-    <p:tnLst>
-      <p:par>
-        <p:cTn id="1" dur="indefinite" restart="never" nodeType="tmRoot"/>
-      </p:par>
-    </p:tnLst>
-  </p:timing>
-</p:sld>
-</file>
-
-<file path=ppt/slides/slide21.xml><?xml version="1.0" encoding="utf-8"?>
-<p:sld xmlns:a="http://schemas.openxmlformats.org/drawingml/2006/main" xmlns:r="http://schemas.openxmlformats.org/officeDocument/2006/relationships" xmlns:p="http://schemas.openxmlformats.org/presentationml/2006/main">
-  <p:cSld>
-    <p:spTree>
-      <p:nvGrpSpPr>
-        <p:cNvPr id="1" name=""/>
-        <p:cNvGrpSpPr/>
-        <p:nvPr/>
-      </p:nvGrpSpPr>
-      <p:grpSpPr>
-        <a:xfrm>
-          <a:off x="0" y="0"/>
-          <a:ext cx="0" cy="0"/>
-          <a:chOff x="0" y="0"/>
-          <a:chExt cx="0" cy="0"/>
-        </a:xfrm>
-      </p:grpSpPr>
-      <p:sp>
-        <p:nvSpPr>
-          <p:cNvPr id="2" name="Title 1"/>
-          <p:cNvSpPr>
-            <a:spLocks noGrp="1"/>
-          </p:cNvSpPr>
-          <p:nvPr>
-            <p:ph type="title"/>
-          </p:nvPr>
-        </p:nvSpPr>
-        <p:spPr/>
-        <p:txBody>
-          <a:bodyPr/>
-          <a:lstStyle/>
-          <a:p>
-            <a:r>
-              <a:rPr lang="en-US" dirty="0" smtClean="0">
-                <a:latin typeface="American Typewriter"/>
-                <a:cs typeface="American Typewriter"/>
-              </a:rPr>
-              <a:t>Stroop Instructions</a:t>
-            </a:r>
-            <a:endParaRPr lang="en-US" dirty="0">
-              <a:latin typeface="American Typewriter"/>
-              <a:cs typeface="American Typewriter"/>
-            </a:endParaRPr>
-          </a:p>
-        </p:txBody>
-      </p:sp>
-      <p:sp>
-        <p:nvSpPr>
-          <p:cNvPr id="5" name="Date Placeholder 4"/>
-          <p:cNvSpPr>
-            <a:spLocks noGrp="1"/>
-          </p:cNvSpPr>
-          <p:nvPr>
-            <p:ph type="dt" sz="half" idx="10"/>
-          </p:nvPr>
-        </p:nvSpPr>
-        <p:spPr/>
-        <p:txBody>
-          <a:bodyPr/>
-          <a:lstStyle/>
-          <a:p>
-            <a:fld id="{967E6F16-536A-384E-99C6-D209F8E97D84}" type="datetime1">
-              <a:rPr lang="en-US" smtClean="0"/>
-              <a:pPr/>
-              <a:t>1/18/2016</a:t>
-            </a:fld>
-            <a:endParaRPr lang="en-US"/>
-          </a:p>
-        </p:txBody>
-      </p:sp>
-      <p:sp>
-        <p:nvSpPr>
-          <p:cNvPr id="6" name="Footer Placeholder 5"/>
-          <p:cNvSpPr>
-            <a:spLocks noGrp="1"/>
-          </p:cNvSpPr>
-          <p:nvPr>
-            <p:ph type="ftr" sz="quarter" idx="11"/>
-          </p:nvPr>
-        </p:nvSpPr>
-        <p:spPr/>
-        <p:txBody>
-          <a:bodyPr/>
-          <a:lstStyle/>
-          <a:p>
-            <a:endParaRPr lang="en-US"/>
-          </a:p>
-        </p:txBody>
-      </p:sp>
-      <p:sp>
-        <p:nvSpPr>
-          <p:cNvPr id="7" name="Slide Number Placeholder 6"/>
-          <p:cNvSpPr>
-            <a:spLocks noGrp="1"/>
-          </p:cNvSpPr>
-          <p:nvPr>
-            <p:ph type="sldNum" sz="quarter" idx="12"/>
-          </p:nvPr>
-        </p:nvSpPr>
-        <p:spPr/>
-        <p:txBody>
-          <a:bodyPr/>
-          <a:lstStyle/>
-          <a:p>
-            <a:fld id="{7F5CE407-6216-4202-80E4-A30DC2F709B2}" type="slidenum">
-              <a:rPr lang="en-US" smtClean="0"/>
-              <a:pPr/>
-              <a:t>21</a:t>
-            </a:fld>
-            <a:endParaRPr lang="en-US"/>
-          </a:p>
-        </p:txBody>
-      </p:sp>
-      <p:sp>
-        <p:nvSpPr>
-          <p:cNvPr id="4" name="TextBox 3"/>
-          <p:cNvSpPr txBox="1"/>
-          <p:nvPr/>
-        </p:nvSpPr>
-        <p:spPr>
-          <a:xfrm>
-            <a:off x="3007620" y="4228375"/>
-            <a:ext cx="3909906" cy="769441"/>
-          </a:xfrm>
-          <a:prstGeom prst="rect">
-            <a:avLst/>
-          </a:prstGeom>
-          <a:noFill/>
-        </p:spPr>
-        <p:txBody>
-          <a:bodyPr wrap="square" rtlCol="0">
-            <a:spAutoFit/>
-          </a:bodyPr>
-          <a:lstStyle/>
-          <a:p>
-            <a:pPr algn="just"/>
-            <a:r>
-              <a:rPr lang="en-US" sz="4400" dirty="0" smtClean="0">
-                <a:solidFill>
-                  <a:schemeClr val="accent6">
-                    <a:lumMod val="60000"/>
-                    <a:lumOff val="40000"/>
-                  </a:schemeClr>
-                </a:solidFill>
-              </a:rPr>
-              <a:t> </a:t>
-            </a:r>
-            <a:endParaRPr lang="en-US" sz="4400" dirty="0">
-              <a:solidFill>
-                <a:schemeClr val="accent6">
-                  <a:lumMod val="60000"/>
-                  <a:lumOff val="40000"/>
-                </a:schemeClr>
-              </a:solidFill>
-            </a:endParaRPr>
-          </a:p>
-        </p:txBody>
-      </p:sp>
-      <p:sp>
-        <p:nvSpPr>
-          <p:cNvPr id="3" name="Rectangle 2"/>
-          <p:cNvSpPr/>
-          <p:nvPr/>
-        </p:nvSpPr>
-        <p:spPr>
-          <a:xfrm>
-            <a:off x="549275" y="1444532"/>
-            <a:ext cx="8306495" cy="2677656"/>
-          </a:xfrm>
-          <a:prstGeom prst="rect">
-            <a:avLst/>
-          </a:prstGeom>
-        </p:spPr>
-        <p:txBody>
-          <a:bodyPr wrap="square">
-            <a:spAutoFit/>
-          </a:bodyPr>
-          <a:lstStyle/>
-          <a:p>
-            <a:r>
-              <a:rPr lang="en-US" sz="2000" dirty="0" smtClean="0">
-                <a:latin typeface="American Typewriter"/>
-                <a:cs typeface="American Typewriter"/>
-              </a:rPr>
-              <a:t> </a:t>
-            </a:r>
-            <a:r>
-              <a:rPr lang="en-US" sz="2400" dirty="0">
-                <a:latin typeface="American Typewriter"/>
-                <a:cs typeface="American Typewriter"/>
-              </a:rPr>
-              <a:t>The participant is only scored as making an error if they say the wrong name and do not self correct.  If, for some reason, the researcher loses track of the correct position on the answer sheet, they should NOT interrupt the participant but rather simply leave no score for accuracy for that participant.  The time is the more important measure.</a:t>
-            </a:r>
-          </a:p>
-        </p:txBody>
-      </p:sp>
-    </p:spTree>
-    <p:extLst>
-      <p:ext uri="{BB962C8B-B14F-4D97-AF65-F5344CB8AC3E}">
-        <p14:creationId xmlns:p14="http://schemas.microsoft.com/office/powerpoint/2010/main" val="2003049174"/>
-      </p:ext>
-    </p:extLst>
-  </p:cSld>
-  <p:clrMapOvr>
-    <a:masterClrMapping/>
-  </p:clrMapOvr>
-  <p:timing>
-    <p:tnLst>
-      <p:par>
-        <p:cTn id="1" dur="indefinite" restart="never" nodeType="tmRoot"/>
-      </p:par>
-    </p:tnLst>
-  </p:timing>
-</p:sld>
-</file>
-
 <file path=ppt/slides/slide3.xml><?xml version="1.0" encoding="utf-8"?>
 <p:sld xmlns:a="http://schemas.openxmlformats.org/drawingml/2006/main" xmlns:r="http://schemas.openxmlformats.org/officeDocument/2006/relationships" xmlns:p="http://schemas.openxmlformats.org/presentationml/2006/main">
   <p:cSld>
@@ -9645,11 +5858,11 @@
               <a:t>When you miss a lab, make sure to figure out what you’ve </a:t>
             </a:r>
             <a:r>
-              <a:rPr lang="en-US" sz="3400" dirty="0" err="1" smtClean="0">
+              <a:rPr lang="en-US" sz="3400" dirty="0" smtClean="0">
                 <a:latin typeface="Garamond" panose="02020404030301010803" pitchFamily="18" charset="0"/>
                 <a:cs typeface="American Typewriter"/>
               </a:rPr>
-              <a:t>mised</a:t>
+              <a:t>missed</a:t>
             </a:r>
             <a:endParaRPr lang="en-US" sz="3400" dirty="0" smtClean="0">
               <a:latin typeface="Garamond" panose="02020404030301010803" pitchFamily="18" charset="0"/>
@@ -9735,6 +5948,9 @@
                     <p:cTn id="3" fill="hold">
                       <p:stCondLst>
                         <p:cond delay="indefinite"/>
+                        <p:cond evt="onBegin" delay="0">
+                          <p:tn val="2"/>
+                        </p:cond>
                       </p:stCondLst>
                       <p:childTnLst>
                         <p:par>
@@ -9744,7 +5960,7 @@
                             </p:stCondLst>
                             <p:childTnLst>
                               <p:par>
-                                <p:cTn id="5" presetID="1" presetClass="entr" presetSubtype="0" fill="hold" grpId="0" nodeType="clickEffect">
+                                <p:cTn id="5" presetID="1" presetClass="entr" presetSubtype="0" fill="hold" grpId="0" nodeType="withEffect">
                                   <p:stCondLst>
                                     <p:cond delay="0"/>
                                   </p:stCondLst>
@@ -9757,11 +5973,7 @@
                                           </p:stCondLst>
                                         </p:cTn>
                                         <p:tgtEl>
-                                          <p:spTgt spid="3">
-                                            <p:txEl>
-                                              <p:pRg st="0" end="0"/>
-                                            </p:txEl>
-                                          </p:spTgt>
+                                          <p:spTgt spid="5"/>
                                         </p:tgtEl>
                                         <p:attrNameLst>
                                           <p:attrName>style.visibility</p:attrName>
@@ -9808,6 +6020,55 @@
                                         <p:tgtEl>
                                           <p:spTgt spid="3">
                                             <p:txEl>
+                                              <p:pRg st="0" end="0"/>
+                                            </p:txEl>
+                                          </p:spTgt>
+                                        </p:tgtEl>
+                                        <p:attrNameLst>
+                                          <p:attrName>style.visibility</p:attrName>
+                                        </p:attrNameLst>
+                                      </p:cBhvr>
+                                      <p:to>
+                                        <p:strVal val="visible"/>
+                                      </p:to>
+                                    </p:set>
+                                  </p:childTnLst>
+                                </p:cTn>
+                              </p:par>
+                            </p:childTnLst>
+                          </p:cTn>
+                        </p:par>
+                      </p:childTnLst>
+                    </p:cTn>
+                  </p:par>
+                  <p:par>
+                    <p:cTn id="11" fill="hold">
+                      <p:stCondLst>
+                        <p:cond delay="indefinite"/>
+                      </p:stCondLst>
+                      <p:childTnLst>
+                        <p:par>
+                          <p:cTn id="12" fill="hold">
+                            <p:stCondLst>
+                              <p:cond delay="0"/>
+                            </p:stCondLst>
+                            <p:childTnLst>
+                              <p:par>
+                                <p:cTn id="13" presetID="1" presetClass="entr" presetSubtype="0" fill="hold" grpId="0" nodeType="clickEffect">
+                                  <p:stCondLst>
+                                    <p:cond delay="0"/>
+                                  </p:stCondLst>
+                                  <p:childTnLst>
+                                    <p:set>
+                                      <p:cBhvr>
+                                        <p:cTn id="14" dur="1" fill="hold">
+                                          <p:stCondLst>
+                                            <p:cond delay="0"/>
+                                          </p:stCondLst>
+                                        </p:cTn>
+                                        <p:tgtEl>
+                                          <p:spTgt spid="3">
+                                            <p:txEl>
                                               <p:pRg st="1" end="1"/>
                                             </p:txEl>
                                           </p:spTgt>
@@ -9823,15 +6084,33 @@
                                   </p:childTnLst>
                                 </p:cTn>
                               </p:par>
+                            </p:childTnLst>
+                          </p:cTn>
+                        </p:par>
+                      </p:childTnLst>
+                    </p:cTn>
+                  </p:par>
+                  <p:par>
+                    <p:cTn id="15" fill="hold">
+                      <p:stCondLst>
+                        <p:cond delay="indefinite"/>
+                      </p:stCondLst>
+                      <p:childTnLst>
+                        <p:par>
+                          <p:cTn id="16" fill="hold">
+                            <p:stCondLst>
+                              <p:cond delay="0"/>
+                            </p:stCondLst>
+                            <p:childTnLst>
                               <p:par>
-                                <p:cTn id="11" presetID="1" presetClass="entr" presetSubtype="0" fill="hold" grpId="0" nodeType="withEffect">
+                                <p:cTn id="17" presetID="1" presetClass="entr" presetSubtype="0" fill="hold" grpId="0" nodeType="clickEffect">
                                   <p:stCondLst>
                                     <p:cond delay="0"/>
                                   </p:stCondLst>
                                   <p:childTnLst>
                                     <p:set>
                                       <p:cBhvr>
-                                        <p:cTn id="12" dur="1" fill="hold">
+                                        <p:cTn id="18" dur="1" fill="hold">
                                           <p:stCondLst>
                                             <p:cond delay="0"/>
                                           </p:stCondLst>
@@ -9842,33 +6121,6 @@
                                               <p:pRg st="2" end="2"/>
                                             </p:txEl>
                                           </p:spTgt>
-                                        </p:tgtEl>
-                                        <p:attrNameLst>
-                                          <p:attrName>style.visibility</p:attrName>
-                                        </p:attrNameLst>
-                                      </p:cBhvr>
-                                      <p:to>
-                                        <p:strVal val="visible"/>
-                                      </p:to>
-                                    </p:set>
-                                  </p:childTnLst>
-                                </p:cTn>
-                              </p:par>
-                              <p:par>
-                                <p:cTn id="13" presetID="1" presetClass="entr" presetSubtype="0" fill="hold" grpId="0" nodeType="withEffect">
-                                  <p:stCondLst>
-                                    <p:cond delay="0"/>
-                                  </p:stCondLst>
-                                  <p:childTnLst>
-                                    <p:set>
-                                      <p:cBhvr>
-                                        <p:cTn id="14" dur="1" fill="hold">
-                                          <p:stCondLst>
-                                            <p:cond delay="0"/>
-                                          </p:stCondLst>
-                                        </p:cTn>
-                                        <p:tgtEl>
-                                          <p:spTgt spid="5"/>
                                         </p:tgtEl>
                                         <p:attrNameLst>
                                           <p:attrName>style.visibility</p:attrName>
@@ -9964,7 +6216,21 @@
                 <a:latin typeface="Garamond" panose="02020404030301010803" pitchFamily="18" charset="0"/>
                 <a:cs typeface="American Typewriter"/>
               </a:rPr>
-              <a:t>Missing more than 4 labs will result in an F or withdrawal.</a:t>
+              <a:t>Missing more than 4 labs will result in an </a:t>
+            </a:r>
+            <a:r>
+              <a:rPr lang="en-US" sz="3500" b="1" i="1" dirty="0" smtClean="0">
+                <a:latin typeface="Garamond" panose="02020404030301010803" pitchFamily="18" charset="0"/>
+                <a:cs typeface="American Typewriter"/>
+              </a:rPr>
+              <a:t>F</a:t>
+            </a:r>
+            <a:r>
+              <a:rPr lang="en-US" sz="3500" dirty="0" smtClean="0">
+                <a:latin typeface="Garamond" panose="02020404030301010803" pitchFamily="18" charset="0"/>
+                <a:cs typeface="American Typewriter"/>
+              </a:rPr>
+              <a:t> or withdrawal.</a:t>
             </a:r>
           </a:p>
           <a:p>
@@ -10106,6 +6372,9 @@
                     <p:cTn id="3" fill="hold">
                       <p:stCondLst>
                         <p:cond delay="indefinite"/>
+                        <p:cond evt="onBegin" delay="0">
+                          <p:tn val="2"/>
+                        </p:cond>
                       </p:stCondLst>
                       <p:childTnLst>
                         <p:par>
@@ -10115,7 +6384,7 @@
                             </p:stCondLst>
                             <p:childTnLst>
                               <p:par>
-                                <p:cTn id="5" presetID="1" presetClass="entr" presetSubtype="0" fill="hold" grpId="0" nodeType="clickEffect">
+                                <p:cTn id="5" presetID="1" presetClass="entr" presetSubtype="0" fill="hold" grpId="0" nodeType="withEffect">
                                   <p:stCondLst>
                                     <p:cond delay="0"/>
                                   </p:stCondLst>
@@ -10128,11 +6397,7 @@
                                           </p:stCondLst>
                                         </p:cTn>
                                         <p:tgtEl>
-                                          <p:spTgt spid="3">
-                                            <p:txEl>
-                                              <p:pRg st="0" end="0"/>
-                                            </p:txEl>
-                                          </p:spTgt>
+                                          <p:spTgt spid="5"/>
                                         </p:tgtEl>
                                         <p:attrNameLst>
                                           <p:attrName>style.visibility</p:attrName>
@@ -10179,771 +6444,7 @@
                                         <p:tgtEl>
                                           <p:spTgt spid="3">
                                             <p:txEl>
-                                              <p:pRg st="1" end="1"/>
-                                            </p:txEl>
-                                          </p:spTgt>
-                                        </p:tgtEl>
-                                        <p:attrNameLst>
-                                          <p:attrName>style.visibility</p:attrName>
-                                        </p:attrNameLst>
-                                      </p:cBhvr>
-                                      <p:to>
-                                        <p:strVal val="visible"/>
-                                      </p:to>
-                                    </p:set>
-                                  </p:childTnLst>
-                                </p:cTn>
-                              </p:par>
-                              <p:par>
-                                <p:cTn id="11" presetID="1" presetClass="entr" presetSubtype="0" fill="hold" grpId="0" nodeType="withEffect">
-                                  <p:stCondLst>
-                                    <p:cond delay="0"/>
-                                  </p:stCondLst>
-                                  <p:childTnLst>
-                                    <p:set>
-                                      <p:cBhvr>
-                                        <p:cTn id="12" dur="1" fill="hold">
-                                          <p:stCondLst>
-                                            <p:cond delay="0"/>
-                                          </p:stCondLst>
-                                        </p:cTn>
-                                        <p:tgtEl>
-                                          <p:spTgt spid="3">
-                                            <p:txEl>
-                                              <p:pRg st="2" end="2"/>
-                                            </p:txEl>
-                                          </p:spTgt>
-                                        </p:tgtEl>
-                                        <p:attrNameLst>
-                                          <p:attrName>style.visibility</p:attrName>
-                                        </p:attrNameLst>
-                                      </p:cBhvr>
-                                      <p:to>
-                                        <p:strVal val="visible"/>
-                                      </p:to>
-                                    </p:set>
-                                  </p:childTnLst>
-                                </p:cTn>
-                              </p:par>
-                            </p:childTnLst>
-                          </p:cTn>
-                        </p:par>
-                      </p:childTnLst>
-                    </p:cTn>
-                  </p:par>
-                  <p:par>
-                    <p:cTn id="13" fill="hold">
-                      <p:stCondLst>
-                        <p:cond delay="indefinite"/>
-                      </p:stCondLst>
-                      <p:childTnLst>
-                        <p:par>
-                          <p:cTn id="14" fill="hold">
-                            <p:stCondLst>
-                              <p:cond delay="0"/>
-                            </p:stCondLst>
-                            <p:childTnLst>
-                              <p:par>
-                                <p:cTn id="15" presetID="1" presetClass="entr" presetSubtype="0" fill="hold" grpId="0" nodeType="clickEffect">
-                                  <p:stCondLst>
-                                    <p:cond delay="0"/>
-                                  </p:stCondLst>
-                                  <p:childTnLst>
-                                    <p:set>
-                                      <p:cBhvr>
-                                        <p:cTn id="16" dur="1" fill="hold">
-                                          <p:stCondLst>
-                                            <p:cond delay="0"/>
-                                          </p:stCondLst>
-                                        </p:cTn>
-                                        <p:tgtEl>
-                                          <p:spTgt spid="3">
-                                            <p:txEl>
-                                              <p:pRg st="3" end="3"/>
-                                            </p:txEl>
-                                          </p:spTgt>
-                                        </p:tgtEl>
-                                        <p:attrNameLst>
-                                          <p:attrName>style.visibility</p:attrName>
-                                        </p:attrNameLst>
-                                      </p:cBhvr>
-                                      <p:to>
-                                        <p:strVal val="visible"/>
-                                      </p:to>
-                                    </p:set>
-                                  </p:childTnLst>
-                                </p:cTn>
-                              </p:par>
-                              <p:par>
-                                <p:cTn id="17" presetID="1" presetClass="entr" presetSubtype="0" fill="hold" grpId="0" nodeType="withEffect">
-                                  <p:stCondLst>
-                                    <p:cond delay="0"/>
-                                  </p:stCondLst>
-                                  <p:childTnLst>
-                                    <p:set>
-                                      <p:cBhvr>
-                                        <p:cTn id="18" dur="1" fill="hold">
-                                          <p:stCondLst>
-                                            <p:cond delay="0"/>
-                                          </p:stCondLst>
-                                        </p:cTn>
-                                        <p:tgtEl>
-                                          <p:spTgt spid="3">
-                                            <p:txEl>
-                                              <p:pRg st="4" end="4"/>
-                                            </p:txEl>
-                                          </p:spTgt>
-                                        </p:tgtEl>
-                                        <p:attrNameLst>
-                                          <p:attrName>style.visibility</p:attrName>
-                                        </p:attrNameLst>
-                                      </p:cBhvr>
-                                      <p:to>
-                                        <p:strVal val="visible"/>
-                                      </p:to>
-                                    </p:set>
-                                  </p:childTnLst>
-                                </p:cTn>
-                              </p:par>
-                              <p:par>
-                                <p:cTn id="19" presetID="1" presetClass="entr" presetSubtype="0" fill="hold" grpId="0" nodeType="withEffect">
-                                  <p:stCondLst>
-                                    <p:cond delay="0"/>
-                                  </p:stCondLst>
-                                  <p:childTnLst>
-                                    <p:set>
-                                      <p:cBhvr>
-                                        <p:cTn id="20" dur="1" fill="hold">
-                                          <p:stCondLst>
-                                            <p:cond delay="0"/>
-                                          </p:stCondLst>
-                                        </p:cTn>
-                                        <p:tgtEl>
-                                          <p:spTgt spid="3">
-                                            <p:txEl>
-                                              <p:pRg st="5" end="5"/>
-                                            </p:txEl>
-                                          </p:spTgt>
-                                        </p:tgtEl>
-                                        <p:attrNameLst>
-                                          <p:attrName>style.visibility</p:attrName>
-                                        </p:attrNameLst>
-                                      </p:cBhvr>
-                                      <p:to>
-                                        <p:strVal val="visible"/>
-                                      </p:to>
-                                    </p:set>
-                                  </p:childTnLst>
-                                </p:cTn>
-                              </p:par>
-                              <p:par>
-                                <p:cTn id="21" presetID="1" presetClass="entr" presetSubtype="0" fill="hold" grpId="0" nodeType="withEffect">
-                                  <p:stCondLst>
-                                    <p:cond delay="0"/>
-                                  </p:stCondLst>
-                                  <p:childTnLst>
-                                    <p:set>
-                                      <p:cBhvr>
-                                        <p:cTn id="22" dur="1" fill="hold">
-                                          <p:stCondLst>
-                                            <p:cond delay="0"/>
-                                          </p:stCondLst>
-                                        </p:cTn>
-                                        <p:tgtEl>
-                                          <p:spTgt spid="5"/>
-                                        </p:tgtEl>
-                                        <p:attrNameLst>
-                                          <p:attrName>style.visibility</p:attrName>
-                                        </p:attrNameLst>
-                                      </p:cBhvr>
-                                      <p:to>
-                                        <p:strVal val="visible"/>
-                                      </p:to>
-                                    </p:set>
-                                  </p:childTnLst>
-                                </p:cTn>
-                              </p:par>
-                            </p:childTnLst>
-                          </p:cTn>
-                        </p:par>
-                      </p:childTnLst>
-                    </p:cTn>
-                  </p:par>
-                </p:childTnLst>
-              </p:cTn>
-              <p:prevCondLst>
-                <p:cond evt="onPrev" delay="0">
-                  <p:tgtEl>
-                    <p:sldTgt/>
-                  </p:tgtEl>
-                </p:cond>
-              </p:prevCondLst>
-              <p:nextCondLst>
-                <p:cond evt="onNext" delay="0">
-                  <p:tgtEl>
-                    <p:sldTgt/>
-                  </p:tgtEl>
-                </p:cond>
-              </p:nextCondLst>
-            </p:seq>
-          </p:childTnLst>
-        </p:cTn>
-      </p:par>
-    </p:tnLst>
-    <p:bldLst>
-      <p:bldP spid="3" grpId="0" build="p"/>
-      <p:bldP spid="5" grpId="0"/>
-    </p:bldLst>
-  </p:timing>
-</p:sld>
-</file>
-
-<file path=ppt/slides/slide5.xml><?xml version="1.0" encoding="utf-8"?>
-<p:sld xmlns:a="http://schemas.openxmlformats.org/drawingml/2006/main" xmlns:r="http://schemas.openxmlformats.org/officeDocument/2006/relationships" xmlns:p="http://schemas.openxmlformats.org/presentationml/2006/main">
-  <p:cSld>
-    <p:spTree>
-      <p:nvGrpSpPr>
-        <p:cNvPr id="1" name=""/>
-        <p:cNvGrpSpPr/>
-        <p:nvPr/>
-      </p:nvGrpSpPr>
-      <p:grpSpPr>
-        <a:xfrm>
-          <a:off x="0" y="0"/>
-          <a:ext cx="0" cy="0"/>
-          <a:chOff x="0" y="0"/>
-          <a:chExt cx="0" cy="0"/>
-        </a:xfrm>
-      </p:grpSpPr>
-      <p:sp>
-        <p:nvSpPr>
-          <p:cNvPr id="3" name="Content Placeholder 2"/>
-          <p:cNvSpPr>
-            <a:spLocks noGrp="1"/>
-          </p:cNvSpPr>
-          <p:nvPr>
-            <p:ph idx="1"/>
-          </p:nvPr>
-        </p:nvSpPr>
-        <p:spPr>
-          <a:xfrm>
-            <a:off x="549275" y="1527644"/>
-            <a:ext cx="7897496" cy="5590926"/>
-          </a:xfrm>
-        </p:spPr>
-        <p:txBody>
-          <a:bodyPr>
-            <a:normAutofit/>
-          </a:bodyPr>
-          <a:lstStyle/>
-          <a:p>
-            <a:pPr>
-              <a:buFontTx/>
-              <a:buChar char="•"/>
-            </a:pPr>
-            <a:r>
-              <a:rPr lang="en-US" sz="3500" dirty="0" smtClean="0">
-                <a:latin typeface="Garamond" panose="02020404030301010803" pitchFamily="18" charset="0"/>
-                <a:cs typeface="American Typewriter"/>
-              </a:rPr>
-              <a:t>Project 1: 40 point paper and 10 point draft</a:t>
-            </a:r>
-          </a:p>
-          <a:p>
-            <a:pPr>
-              <a:buFontTx/>
-              <a:buChar char="•"/>
-            </a:pPr>
-            <a:r>
-              <a:rPr lang="en-US" sz="3500" dirty="0" smtClean="0">
-                <a:latin typeface="Garamond" panose="02020404030301010803" pitchFamily="18" charset="0"/>
-                <a:cs typeface="American Typewriter"/>
-              </a:rPr>
-              <a:t>Project 2: 60 point paper and 10 point draft</a:t>
-            </a:r>
-            <a:endParaRPr lang="en-US" sz="3300" dirty="0" smtClean="0">
-              <a:latin typeface="Garamond" panose="02020404030301010803" pitchFamily="18" charset="0"/>
-              <a:cs typeface="American Typewriter"/>
-            </a:endParaRPr>
-          </a:p>
-          <a:p>
-            <a:pPr>
-              <a:buFontTx/>
-              <a:buChar char="•"/>
-            </a:pPr>
-            <a:r>
-              <a:rPr lang="en-US" sz="3500" dirty="0" smtClean="0">
-                <a:latin typeface="Garamond" panose="02020404030301010803" pitchFamily="18" charset="0"/>
-                <a:cs typeface="American Typewriter"/>
-              </a:rPr>
-              <a:t>Project 3: 80 point paper, 10 point proposal, and 10 point group presentation</a:t>
-            </a:r>
-            <a:endParaRPr lang="en-US" sz="3300" dirty="0" smtClean="0">
-              <a:latin typeface="Garamond" panose="02020404030301010803" pitchFamily="18" charset="0"/>
-              <a:cs typeface="American Typewriter"/>
-            </a:endParaRPr>
-          </a:p>
-        </p:txBody>
-      </p:sp>
-      <p:sp>
-        <p:nvSpPr>
-          <p:cNvPr id="5" name="Title 1"/>
-          <p:cNvSpPr>
-            <a:spLocks noGrp="1"/>
-          </p:cNvSpPr>
-          <p:nvPr>
-            <p:ph type="title"/>
-          </p:nvPr>
-        </p:nvSpPr>
-        <p:spPr>
-          <a:xfrm>
-            <a:off x="946404" y="365760"/>
-            <a:ext cx="7269480" cy="811530"/>
-          </a:xfrm>
-        </p:spPr>
-        <p:txBody>
-          <a:bodyPr>
-            <a:normAutofit/>
-          </a:bodyPr>
-          <a:lstStyle/>
-          <a:p>
-            <a:r>
-              <a:rPr lang="en-US" sz="4400" dirty="0" smtClean="0">
-                <a:latin typeface="Garamond" panose="02020404030301010803" pitchFamily="18" charset="0"/>
-                <a:cs typeface="American Typewriter"/>
-              </a:rPr>
-              <a:t>Course Policies, Lab Reports</a:t>
-            </a:r>
-            <a:endParaRPr lang="en-US" sz="4400" dirty="0">
-              <a:latin typeface="Garamond" panose="02020404030301010803" pitchFamily="18" charset="0"/>
-              <a:cs typeface="American Typewriter"/>
-            </a:endParaRPr>
-          </a:p>
-        </p:txBody>
-      </p:sp>
-    </p:spTree>
-    <p:extLst>
-      <p:ext uri="{BB962C8B-B14F-4D97-AF65-F5344CB8AC3E}">
-        <p14:creationId xmlns:p14="http://schemas.microsoft.com/office/powerpoint/2010/main" val="3611436051"/>
-      </p:ext>
-    </p:extLst>
-  </p:cSld>
-  <p:clrMapOvr>
-    <a:masterClrMapping/>
-  </p:clrMapOvr>
-  <p:timing>
-    <p:tnLst>
-      <p:par>
-        <p:cTn id="1" dur="indefinite" restart="never" nodeType="tmRoot">
-          <p:childTnLst>
-            <p:seq concurrent="1" nextAc="seek">
-              <p:cTn id="2" dur="indefinite" nodeType="mainSeq">
-                <p:childTnLst>
-                  <p:par>
-                    <p:cTn id="3" fill="hold">
-                      <p:stCondLst>
-                        <p:cond delay="indefinite"/>
-                      </p:stCondLst>
-                      <p:childTnLst>
-                        <p:par>
-                          <p:cTn id="4" fill="hold">
-                            <p:stCondLst>
-                              <p:cond delay="0"/>
-                            </p:stCondLst>
-                            <p:childTnLst>
-                              <p:par>
-                                <p:cTn id="5" presetID="1" presetClass="entr" presetSubtype="0" fill="hold" grpId="0" nodeType="clickEffect">
-                                  <p:stCondLst>
-                                    <p:cond delay="0"/>
-                                  </p:stCondLst>
-                                  <p:childTnLst>
-                                    <p:set>
-                                      <p:cBhvr>
-                                        <p:cTn id="6" dur="1" fill="hold">
-                                          <p:stCondLst>
-                                            <p:cond delay="0"/>
-                                          </p:stCondLst>
-                                        </p:cTn>
-                                        <p:tgtEl>
-                                          <p:spTgt spid="3">
-                                            <p:txEl>
                                               <p:pRg st="0" end="0"/>
-                                            </p:txEl>
-                                          </p:spTgt>
-                                        </p:tgtEl>
-                                        <p:attrNameLst>
-                                          <p:attrName>style.visibility</p:attrName>
-                                        </p:attrNameLst>
-                                      </p:cBhvr>
-                                      <p:to>
-                                        <p:strVal val="visible"/>
-                                      </p:to>
-                                    </p:set>
-                                  </p:childTnLst>
-                                </p:cTn>
-                              </p:par>
-                              <p:par>
-                                <p:cTn id="7" presetID="1" presetClass="entr" presetSubtype="0" fill="hold" grpId="0" nodeType="withEffect">
-                                  <p:stCondLst>
-                                    <p:cond delay="0"/>
-                                  </p:stCondLst>
-                                  <p:childTnLst>
-                                    <p:set>
-                                      <p:cBhvr>
-                                        <p:cTn id="8" dur="1" fill="hold">
-                                          <p:stCondLst>
-                                            <p:cond delay="0"/>
-                                          </p:stCondLst>
-                                        </p:cTn>
-                                        <p:tgtEl>
-                                          <p:spTgt spid="3">
-                                            <p:txEl>
-                                              <p:pRg st="1" end="1"/>
-                                            </p:txEl>
-                                          </p:spTgt>
-                                        </p:tgtEl>
-                                        <p:attrNameLst>
-                                          <p:attrName>style.visibility</p:attrName>
-                                        </p:attrNameLst>
-                                      </p:cBhvr>
-                                      <p:to>
-                                        <p:strVal val="visible"/>
-                                      </p:to>
-                                    </p:set>
-                                  </p:childTnLst>
-                                </p:cTn>
-                              </p:par>
-                              <p:par>
-                                <p:cTn id="9" presetID="1" presetClass="entr" presetSubtype="0" fill="hold" grpId="0" nodeType="withEffect">
-                                  <p:stCondLst>
-                                    <p:cond delay="0"/>
-                                  </p:stCondLst>
-                                  <p:childTnLst>
-                                    <p:set>
-                                      <p:cBhvr>
-                                        <p:cTn id="10" dur="1" fill="hold">
-                                          <p:stCondLst>
-                                            <p:cond delay="0"/>
-                                          </p:stCondLst>
-                                        </p:cTn>
-                                        <p:tgtEl>
-                                          <p:spTgt spid="3">
-                                            <p:txEl>
-                                              <p:pRg st="2" end="2"/>
-                                            </p:txEl>
-                                          </p:spTgt>
-                                        </p:tgtEl>
-                                        <p:attrNameLst>
-                                          <p:attrName>style.visibility</p:attrName>
-                                        </p:attrNameLst>
-                                      </p:cBhvr>
-                                      <p:to>
-                                        <p:strVal val="visible"/>
-                                      </p:to>
-                                    </p:set>
-                                  </p:childTnLst>
-                                </p:cTn>
-                              </p:par>
-                              <p:par>
-                                <p:cTn id="11" presetID="1" presetClass="entr" presetSubtype="0" fill="hold" grpId="0" nodeType="withEffect">
-                                  <p:stCondLst>
-                                    <p:cond delay="0"/>
-                                  </p:stCondLst>
-                                  <p:childTnLst>
-                                    <p:set>
-                                      <p:cBhvr>
-                                        <p:cTn id="12" dur="1" fill="hold">
-                                          <p:stCondLst>
-                                            <p:cond delay="0"/>
-                                          </p:stCondLst>
-                                        </p:cTn>
-                                        <p:tgtEl>
-                                          <p:spTgt spid="5"/>
-                                        </p:tgtEl>
-                                        <p:attrNameLst>
-                                          <p:attrName>style.visibility</p:attrName>
-                                        </p:attrNameLst>
-                                      </p:cBhvr>
-                                      <p:to>
-                                        <p:strVal val="visible"/>
-                                      </p:to>
-                                    </p:set>
-                                  </p:childTnLst>
-                                </p:cTn>
-                              </p:par>
-                            </p:childTnLst>
-                          </p:cTn>
-                        </p:par>
-                      </p:childTnLst>
-                    </p:cTn>
-                  </p:par>
-                </p:childTnLst>
-              </p:cTn>
-              <p:prevCondLst>
-                <p:cond evt="onPrev" delay="0">
-                  <p:tgtEl>
-                    <p:sldTgt/>
-                  </p:tgtEl>
-                </p:cond>
-              </p:prevCondLst>
-              <p:nextCondLst>
-                <p:cond evt="onNext" delay="0">
-                  <p:tgtEl>
-                    <p:sldTgt/>
-                  </p:tgtEl>
-                </p:cond>
-              </p:nextCondLst>
-            </p:seq>
-          </p:childTnLst>
-        </p:cTn>
-      </p:par>
-    </p:tnLst>
-    <p:bldLst>
-      <p:bldP spid="3" grpId="0" build="p"/>
-      <p:bldP spid="5" grpId="0"/>
-    </p:bldLst>
-  </p:timing>
-</p:sld>
-</file>
-
-<file path=ppt/slides/slide6.xml><?xml version="1.0" encoding="utf-8"?>
-<p:sld xmlns:a="http://schemas.openxmlformats.org/drawingml/2006/main" xmlns:r="http://schemas.openxmlformats.org/officeDocument/2006/relationships" xmlns:p="http://schemas.openxmlformats.org/presentationml/2006/main">
-  <p:cSld>
-    <p:spTree>
-      <p:nvGrpSpPr>
-        <p:cNvPr id="1" name=""/>
-        <p:cNvGrpSpPr/>
-        <p:nvPr/>
-      </p:nvGrpSpPr>
-      <p:grpSpPr>
-        <a:xfrm>
-          <a:off x="0" y="0"/>
-          <a:ext cx="0" cy="0"/>
-          <a:chOff x="0" y="0"/>
-          <a:chExt cx="0" cy="0"/>
-        </a:xfrm>
-      </p:grpSpPr>
-      <p:sp>
-        <p:nvSpPr>
-          <p:cNvPr id="3" name="Content Placeholder 2"/>
-          <p:cNvSpPr>
-            <a:spLocks noGrp="1"/>
-          </p:cNvSpPr>
-          <p:nvPr>
-            <p:ph idx="1"/>
-          </p:nvPr>
-        </p:nvSpPr>
-        <p:spPr>
-          <a:xfrm>
-            <a:off x="549275" y="1527644"/>
-            <a:ext cx="7897496" cy="5590926"/>
-          </a:xfrm>
-        </p:spPr>
-        <p:txBody>
-          <a:bodyPr>
-            <a:normAutofit/>
-          </a:bodyPr>
-          <a:lstStyle/>
-          <a:p>
-            <a:pPr>
-              <a:buFontTx/>
-              <a:buChar char="•"/>
-            </a:pPr>
-            <a:r>
-              <a:rPr lang="en-US" sz="3500" dirty="0" smtClean="0">
-                <a:latin typeface="Garamond" panose="02020404030301010803" pitchFamily="18" charset="0"/>
-                <a:cs typeface="American Typewriter"/>
-              </a:rPr>
-              <a:t>FOUR points per day penalty for late reports</a:t>
-            </a:r>
-          </a:p>
-          <a:p>
-            <a:pPr>
-              <a:buFontTx/>
-              <a:buChar char="•"/>
-            </a:pPr>
-            <a:r>
-              <a:rPr lang="en-US" sz="3500" dirty="0" smtClean="0">
-                <a:latin typeface="Garamond" panose="02020404030301010803" pitchFamily="18" charset="0"/>
-                <a:cs typeface="American Typewriter"/>
-              </a:rPr>
-              <a:t>Deadline extensions may be granted, but only if requested </a:t>
-            </a:r>
-            <a:r>
-              <a:rPr lang="en-US" sz="3500" b="1" u="sng" dirty="0" smtClean="0">
-                <a:latin typeface="Garamond" panose="02020404030301010803" pitchFamily="18" charset="0"/>
-                <a:cs typeface="American Typewriter"/>
-              </a:rPr>
-              <a:t>at least 24 hours</a:t>
-            </a:r>
-            <a:r>
-              <a:rPr lang="en-US" sz="3500" dirty="0" smtClean="0">
-                <a:latin typeface="Garamond" panose="02020404030301010803" pitchFamily="18" charset="0"/>
-                <a:cs typeface="American Typewriter"/>
-              </a:rPr>
-              <a:t> before a due date</a:t>
-            </a:r>
-          </a:p>
-          <a:p>
-            <a:pPr>
-              <a:buFontTx/>
-              <a:buChar char="•"/>
-            </a:pPr>
-            <a:r>
-              <a:rPr lang="en-US" sz="3500" dirty="0" smtClean="0">
-                <a:latin typeface="Garamond" panose="02020404030301010803" pitchFamily="18" charset="0"/>
-                <a:cs typeface="American Typewriter"/>
-              </a:rPr>
-              <a:t>All lab reports must be submitted to TURNITIN and in paper form stapled to a signed academic honesty sheet</a:t>
-            </a:r>
-          </a:p>
-          <a:p>
-            <a:pPr lvl="1">
-              <a:buFontTx/>
-              <a:buChar char="•"/>
-            </a:pPr>
-            <a:r>
-              <a:rPr lang="en-US" sz="3300" dirty="0" smtClean="0">
-                <a:latin typeface="Garamond" panose="02020404030301010803" pitchFamily="18" charset="0"/>
-                <a:cs typeface="American Typewriter"/>
-              </a:rPr>
-              <a:t>Turn in paper copies to my office.</a:t>
-            </a:r>
-          </a:p>
-        </p:txBody>
-      </p:sp>
-      <p:sp>
-        <p:nvSpPr>
-          <p:cNvPr id="5" name="Title 1"/>
-          <p:cNvSpPr>
-            <a:spLocks noGrp="1"/>
-          </p:cNvSpPr>
-          <p:nvPr>
-            <p:ph type="title"/>
-          </p:nvPr>
-        </p:nvSpPr>
-        <p:spPr>
-          <a:xfrm>
-            <a:off x="946404" y="365760"/>
-            <a:ext cx="7269480" cy="811530"/>
-          </a:xfrm>
-        </p:spPr>
-        <p:txBody>
-          <a:bodyPr>
-            <a:normAutofit/>
-          </a:bodyPr>
-          <a:lstStyle/>
-          <a:p>
-            <a:r>
-              <a:rPr lang="en-US" sz="4400" dirty="0" smtClean="0">
-                <a:latin typeface="Garamond" panose="02020404030301010803" pitchFamily="18" charset="0"/>
-                <a:cs typeface="American Typewriter"/>
-              </a:rPr>
-              <a:t>Course Policies, Late Reports</a:t>
-            </a:r>
-            <a:endParaRPr lang="en-US" sz="4400" dirty="0">
-              <a:latin typeface="Garamond" panose="02020404030301010803" pitchFamily="18" charset="0"/>
-              <a:cs typeface="American Typewriter"/>
-            </a:endParaRPr>
-          </a:p>
-        </p:txBody>
-      </p:sp>
-    </p:spTree>
-    <p:extLst>
-      <p:ext uri="{BB962C8B-B14F-4D97-AF65-F5344CB8AC3E}">
-        <p14:creationId xmlns:p14="http://schemas.microsoft.com/office/powerpoint/2010/main" val="2737704138"/>
-      </p:ext>
-    </p:extLst>
-  </p:cSld>
-  <p:clrMapOvr>
-    <a:masterClrMapping/>
-  </p:clrMapOvr>
-  <p:timing>
-    <p:tnLst>
-      <p:par>
-        <p:cTn id="1" dur="indefinite" restart="never" nodeType="tmRoot">
-          <p:childTnLst>
-            <p:seq concurrent="1" nextAc="seek">
-              <p:cTn id="2" dur="indefinite" nodeType="mainSeq">
-                <p:childTnLst>
-                  <p:par>
-                    <p:cTn id="3" fill="hold">
-                      <p:stCondLst>
-                        <p:cond delay="indefinite"/>
-                      </p:stCondLst>
-                      <p:childTnLst>
-                        <p:par>
-                          <p:cTn id="4" fill="hold">
-                            <p:stCondLst>
-                              <p:cond delay="0"/>
-                            </p:stCondLst>
-                            <p:childTnLst>
-                              <p:par>
-                                <p:cTn id="5" presetID="1" presetClass="entr" presetSubtype="0" fill="hold" grpId="0" nodeType="clickEffect">
-                                  <p:stCondLst>
-                                    <p:cond delay="0"/>
-                                  </p:stCondLst>
-                                  <p:childTnLst>
-                                    <p:set>
-                                      <p:cBhvr>
-                                        <p:cTn id="6" dur="1" fill="hold">
-                                          <p:stCondLst>
-                                            <p:cond delay="0"/>
-                                          </p:stCondLst>
-                                        </p:cTn>
-                                        <p:tgtEl>
-                                          <p:spTgt spid="3">
-                                            <p:txEl>
-                                              <p:pRg st="0" end="0"/>
-                                            </p:txEl>
-                                          </p:spTgt>
-                                        </p:tgtEl>
-                                        <p:attrNameLst>
-                                          <p:attrName>style.visibility</p:attrName>
-                                        </p:attrNameLst>
-                                      </p:cBhvr>
-                                      <p:to>
-                                        <p:strVal val="visible"/>
-                                      </p:to>
-                                    </p:set>
-                                  </p:childTnLst>
-                                </p:cTn>
-                              </p:par>
-                            </p:childTnLst>
-                          </p:cTn>
-                        </p:par>
-                      </p:childTnLst>
-                    </p:cTn>
-                  </p:par>
-                  <p:par>
-                    <p:cTn id="7" fill="hold">
-                      <p:stCondLst>
-                        <p:cond delay="indefinite"/>
-                      </p:stCondLst>
-                      <p:childTnLst>
-                        <p:par>
-                          <p:cTn id="8" fill="hold">
-                            <p:stCondLst>
-                              <p:cond delay="0"/>
-                            </p:stCondLst>
-                            <p:childTnLst>
-                              <p:par>
-                                <p:cTn id="9" presetID="1" presetClass="entr" presetSubtype="0" fill="hold" grpId="0" nodeType="clickEffect">
-                                  <p:stCondLst>
-                                    <p:cond delay="0"/>
-                                  </p:stCondLst>
-                                  <p:childTnLst>
-                                    <p:set>
-                                      <p:cBhvr>
-                                        <p:cTn id="10" dur="1" fill="hold">
-                                          <p:stCondLst>
-                                            <p:cond delay="0"/>
-                                          </p:stCondLst>
-                                        </p:cTn>
-                                        <p:tgtEl>
-                                          <p:spTgt spid="3">
-                                            <p:txEl>
-                                              <p:pRg st="1" end="1"/>
                                             </p:txEl>
                                           </p:spTgt>
                                         </p:tgtEl>
@@ -10992,6 +6493,55 @@
                                         <p:tgtEl>
                                           <p:spTgt spid="3">
                                             <p:txEl>
+                                              <p:pRg st="1" end="1"/>
+                                            </p:txEl>
+                                          </p:spTgt>
+                                        </p:tgtEl>
+                                        <p:attrNameLst>
+                                          <p:attrName>style.visibility</p:attrName>
+                                        </p:attrNameLst>
+                                      </p:cBhvr>
+                                      <p:to>
+                                        <p:strVal val="visible"/>
+                                      </p:to>
+                                    </p:set>
+                                  </p:childTnLst>
+                                </p:cTn>
+                              </p:par>
+                            </p:childTnLst>
+                          </p:cTn>
+                        </p:par>
+                      </p:childTnLst>
+                    </p:cTn>
+                  </p:par>
+                  <p:par>
+                    <p:cTn id="15" fill="hold">
+                      <p:stCondLst>
+                        <p:cond delay="indefinite"/>
+                      </p:stCondLst>
+                      <p:childTnLst>
+                        <p:par>
+                          <p:cTn id="16" fill="hold">
+                            <p:stCondLst>
+                              <p:cond delay="0"/>
+                            </p:stCondLst>
+                            <p:childTnLst>
+                              <p:par>
+                                <p:cTn id="17" presetID="1" presetClass="entr" presetSubtype="0" fill="hold" grpId="0" nodeType="clickEffect">
+                                  <p:stCondLst>
+                                    <p:cond delay="0"/>
+                                  </p:stCondLst>
+                                  <p:childTnLst>
+                                    <p:set>
+                                      <p:cBhvr>
+                                        <p:cTn id="18" dur="1" fill="hold">
+                                          <p:stCondLst>
+                                            <p:cond delay="0"/>
+                                          </p:stCondLst>
+                                        </p:cTn>
+                                        <p:tgtEl>
+                                          <p:spTgt spid="3">
+                                            <p:txEl>
                                               <p:pRg st="2" end="2"/>
                                             </p:txEl>
                                           </p:spTgt>
@@ -11007,15 +6557,33 @@
                                   </p:childTnLst>
                                 </p:cTn>
                               </p:par>
+                            </p:childTnLst>
+                          </p:cTn>
+                        </p:par>
+                      </p:childTnLst>
+                    </p:cTn>
+                  </p:par>
+                  <p:par>
+                    <p:cTn id="19" fill="hold">
+                      <p:stCondLst>
+                        <p:cond delay="indefinite"/>
+                      </p:stCondLst>
+                      <p:childTnLst>
+                        <p:par>
+                          <p:cTn id="20" fill="hold">
+                            <p:stCondLst>
+                              <p:cond delay="0"/>
+                            </p:stCondLst>
+                            <p:childTnLst>
                               <p:par>
-                                <p:cTn id="15" presetID="1" presetClass="entr" presetSubtype="0" fill="hold" grpId="0" nodeType="withEffect">
+                                <p:cTn id="21" presetID="1" presetClass="entr" presetSubtype="0" fill="hold" grpId="0" nodeType="clickEffect">
                                   <p:stCondLst>
                                     <p:cond delay="0"/>
                                   </p:stCondLst>
                                   <p:childTnLst>
                                     <p:set>
                                       <p:cBhvr>
-                                        <p:cTn id="16" dur="1" fill="hold">
+                                        <p:cTn id="22" dur="1" fill="hold">
                                           <p:stCondLst>
                                             <p:cond delay="0"/>
                                           </p:stCondLst>
@@ -11038,21 +6606,92 @@
                                   </p:childTnLst>
                                 </p:cTn>
                               </p:par>
+                            </p:childTnLst>
+                          </p:cTn>
+                        </p:par>
+                      </p:childTnLst>
+                    </p:cTn>
+                  </p:par>
+                  <p:par>
+                    <p:cTn id="23" fill="hold">
+                      <p:stCondLst>
+                        <p:cond delay="indefinite"/>
+                      </p:stCondLst>
+                      <p:childTnLst>
+                        <p:par>
+                          <p:cTn id="24" fill="hold">
+                            <p:stCondLst>
+                              <p:cond delay="0"/>
+                            </p:stCondLst>
+                            <p:childTnLst>
                               <p:par>
-                                <p:cTn id="17" presetID="1" presetClass="entr" presetSubtype="0" fill="hold" grpId="0" nodeType="withEffect">
+                                <p:cTn id="25" presetID="1" presetClass="entr" presetSubtype="0" fill="hold" grpId="0" nodeType="clickEffect">
                                   <p:stCondLst>
                                     <p:cond delay="0"/>
                                   </p:stCondLst>
                                   <p:childTnLst>
                                     <p:set>
                                       <p:cBhvr>
-                                        <p:cTn id="18" dur="1" fill="hold">
+                                        <p:cTn id="26" dur="1" fill="hold">
                                           <p:stCondLst>
                                             <p:cond delay="0"/>
                                           </p:stCondLst>
                                         </p:cTn>
                                         <p:tgtEl>
-                                          <p:spTgt spid="5"/>
+                                          <p:spTgt spid="3">
+                                            <p:txEl>
+                                              <p:pRg st="4" end="4"/>
+                                            </p:txEl>
+                                          </p:spTgt>
+                                        </p:tgtEl>
+                                        <p:attrNameLst>
+                                          <p:attrName>style.visibility</p:attrName>
+                                        </p:attrNameLst>
+                                      </p:cBhvr>
+                                      <p:to>
+                                        <p:strVal val="visible"/>
+                                      </p:to>
+                                    </p:set>
+                                  </p:childTnLst>
+                                </p:cTn>
+                              </p:par>
+                            </p:childTnLst>
+                          </p:cTn>
+                        </p:par>
+                      </p:childTnLst>
+                    </p:cTn>
+                  </p:par>
+                  <p:par>
+                    <p:cTn id="27" fill="hold">
+                      <p:stCondLst>
+                        <p:cond delay="indefinite"/>
+                      </p:stCondLst>
+                      <p:childTnLst>
+                        <p:par>
+                          <p:cTn id="28" fill="hold">
+                            <p:stCondLst>
+                              <p:cond delay="0"/>
+                            </p:stCondLst>
+                            <p:childTnLst>
+                              <p:par>
+                                <p:cTn id="29" presetID="1" presetClass="entr" presetSubtype="0" fill="hold" grpId="0" nodeType="clickEffect">
+                                  <p:stCondLst>
+                                    <p:cond delay="0"/>
+                                  </p:stCondLst>
+                                  <p:childTnLst>
+                                    <p:set>
+                                      <p:cBhvr>
+                                        <p:cTn id="30" dur="1" fill="hold">
+                                          <p:stCondLst>
+                                            <p:cond delay="0"/>
+                                          </p:stCondLst>
+                                        </p:cTn>
+                                        <p:tgtEl>
+                                          <p:spTgt spid="3">
+                                            <p:txEl>
+                                              <p:pRg st="5" end="5"/>
+                                            </p:txEl>
+                                          </p:spTgt>
                                         </p:tgtEl>
                                         <p:attrNameLst>
                                           <p:attrName>style.visibility</p:attrName>
@@ -11093,14 +6732,14 @@
       </p:par>
     </p:tnLst>
     <p:bldLst>
-      <p:bldP spid="3" grpId="0" build="p"/>
+      <p:bldP spid="3" grpId="0" uiExpand="1" build="p"/>
       <p:bldP spid="5" grpId="0"/>
     </p:bldLst>
   </p:timing>
 </p:sld>
 </file>
 
-<file path=ppt/slides/slide7.xml><?xml version="1.0" encoding="utf-8"?>
+<file path=ppt/slides/slide5.xml><?xml version="1.0" encoding="utf-8"?>
 <p:sld xmlns:a="http://schemas.openxmlformats.org/drawingml/2006/main" xmlns:r="http://schemas.openxmlformats.org/officeDocument/2006/relationships" xmlns:p="http://schemas.openxmlformats.org/presentationml/2006/main">
   <p:cSld>
     <p:spTree>
@@ -11135,7 +6774,7 @@
         </p:spPr>
         <p:txBody>
           <a:bodyPr>
-            <a:normAutofit/>
+            <a:normAutofit lnSpcReduction="10000"/>
           </a:bodyPr>
           <a:lstStyle/>
           <a:p>
@@ -11144,11 +6783,90 @@
               <a:buChar char="•"/>
             </a:pPr>
             <a:r>
+              <a:rPr lang="en-US" sz="3500" dirty="0" smtClean="0">
+                <a:latin typeface="Garamond" panose="02020404030301010803" pitchFamily="18" charset="0"/>
+                <a:cs typeface="American Typewriter"/>
+              </a:rPr>
+              <a:t>Project 1: </a:t>
+            </a:r>
+            <a:r>
+              <a:rPr lang="en-US" sz="3500" dirty="0" smtClean="0">
+                <a:latin typeface="Garamond" panose="02020404030301010803" pitchFamily="18" charset="0"/>
+                <a:cs typeface="American Typewriter"/>
+              </a:rPr>
+              <a:t>50 </a:t>
+            </a:r>
+            <a:r>
+              <a:rPr lang="en-US" sz="3500" dirty="0" smtClean="0">
+                <a:latin typeface="Garamond" panose="02020404030301010803" pitchFamily="18" charset="0"/>
+                <a:cs typeface="American Typewriter"/>
+              </a:rPr>
+              <a:t>point </a:t>
+            </a:r>
+            <a:r>
+              <a:rPr lang="en-US" sz="3500" dirty="0" smtClean="0">
+                <a:latin typeface="Garamond" panose="02020404030301010803" pitchFamily="18" charset="0"/>
+                <a:cs typeface="American Typewriter"/>
+              </a:rPr>
+              <a:t>paper</a:t>
+            </a:r>
+          </a:p>
+          <a:p>
+            <a:pPr lvl="1">
+              <a:buFontTx/>
+              <a:buChar char="•"/>
+            </a:pPr>
+            <a:r>
               <a:rPr lang="en-US" sz="3300" dirty="0" smtClean="0">
                 <a:latin typeface="Garamond" panose="02020404030301010803" pitchFamily="18" charset="0"/>
                 <a:cs typeface="American Typewriter"/>
               </a:rPr>
-              <a:t>Course and Academic Honesty policies from Moodle</a:t>
+              <a:t>Total: 50</a:t>
+            </a:r>
+            <a:endParaRPr lang="en-US" sz="3300" dirty="0" smtClean="0">
+              <a:latin typeface="Garamond" panose="02020404030301010803" pitchFamily="18" charset="0"/>
+              <a:cs typeface="American Typewriter"/>
+            </a:endParaRPr>
+          </a:p>
+          <a:p>
+            <a:pPr>
+              <a:buFontTx/>
+              <a:buChar char="•"/>
+            </a:pPr>
+            <a:r>
+              <a:rPr lang="en-US" sz="3500" dirty="0" smtClean="0">
+                <a:latin typeface="Garamond" panose="02020404030301010803" pitchFamily="18" charset="0"/>
+                <a:cs typeface="American Typewriter"/>
+              </a:rPr>
+              <a:t>Project 2: </a:t>
+            </a:r>
+            <a:r>
+              <a:rPr lang="en-US" sz="3500" dirty="0" smtClean="0">
+                <a:latin typeface="Garamond" panose="02020404030301010803" pitchFamily="18" charset="0"/>
+                <a:cs typeface="American Typewriter"/>
+              </a:rPr>
+              <a:t>100</a:t>
+            </a:r>
+            <a:r>
+              <a:rPr lang="en-US" sz="3500" dirty="0" smtClean="0">
+                <a:latin typeface="Garamond" panose="02020404030301010803" pitchFamily="18" charset="0"/>
+                <a:cs typeface="American Typewriter"/>
+              </a:rPr>
+              <a:t> </a:t>
+            </a:r>
+            <a:r>
+              <a:rPr lang="en-US" sz="3500" dirty="0" smtClean="0">
+                <a:latin typeface="Garamond" panose="02020404030301010803" pitchFamily="18" charset="0"/>
+                <a:cs typeface="American Typewriter"/>
+              </a:rPr>
+              <a:t>point </a:t>
+            </a:r>
+            <a:r>
+              <a:rPr lang="en-US" sz="3500" dirty="0" smtClean="0">
+                <a:latin typeface="Garamond" panose="02020404030301010803" pitchFamily="18" charset="0"/>
+                <a:cs typeface="American Typewriter"/>
+              </a:rPr>
+              <a:t>paper, 10 points for rough draft</a:t>
             </a:r>
           </a:p>
           <a:p>
@@ -11157,12 +6875,128 @@
               <a:buChar char="•"/>
             </a:pPr>
             <a:r>
+              <a:rPr lang="en-US" sz="3300" dirty="0" smtClean="0">
+                <a:latin typeface="Garamond" panose="02020404030301010803" pitchFamily="18" charset="0"/>
+                <a:cs typeface="American Typewriter"/>
+              </a:rPr>
+              <a:t>Total: 110</a:t>
+            </a:r>
+            <a:endParaRPr lang="en-US" sz="3300" dirty="0" smtClean="0">
+              <a:latin typeface="Garamond" panose="02020404030301010803" pitchFamily="18" charset="0"/>
+              <a:cs typeface="American Typewriter"/>
+            </a:endParaRPr>
+          </a:p>
+          <a:p>
+            <a:pPr>
+              <a:buFontTx/>
+              <a:buChar char="•"/>
+            </a:pPr>
+            <a:r>
+              <a:rPr lang="en-US" sz="3500" dirty="0" smtClean="0">
+                <a:latin typeface="Garamond" panose="02020404030301010803" pitchFamily="18" charset="0"/>
+                <a:cs typeface="American Typewriter"/>
+              </a:rPr>
+              <a:t>Project </a:t>
+            </a:r>
+            <a:r>
+              <a:rPr lang="en-US" sz="3500" dirty="0" smtClean="0">
+                <a:latin typeface="Garamond" panose="02020404030301010803" pitchFamily="18" charset="0"/>
+                <a:cs typeface="American Typewriter"/>
+              </a:rPr>
+              <a:t>3: </a:t>
+            </a:r>
+            <a:r>
+              <a:rPr lang="en-US" sz="3500" dirty="0" smtClean="0">
+                <a:latin typeface="Garamond" panose="02020404030301010803" pitchFamily="18" charset="0"/>
+                <a:cs typeface="American Typewriter"/>
+              </a:rPr>
+              <a:t>100</a:t>
+            </a:r>
+            <a:r>
+              <a:rPr lang="en-US" sz="3500" dirty="0" smtClean="0">
+                <a:latin typeface="Garamond" panose="02020404030301010803" pitchFamily="18" charset="0"/>
+                <a:cs typeface="American Typewriter"/>
+              </a:rPr>
+              <a:t> </a:t>
+            </a:r>
+            <a:r>
+              <a:rPr lang="en-US" sz="3500" dirty="0" smtClean="0">
+                <a:latin typeface="Garamond" panose="02020404030301010803" pitchFamily="18" charset="0"/>
+                <a:cs typeface="American Typewriter"/>
+              </a:rPr>
+              <a:t>point paper, </a:t>
+            </a:r>
+            <a:r>
+              <a:rPr lang="en-US" sz="3500" dirty="0">
+                <a:latin typeface="Garamond" panose="02020404030301010803" pitchFamily="18" charset="0"/>
+                <a:cs typeface="American Typewriter"/>
+              </a:rPr>
+              <a:t>5</a:t>
+            </a:r>
+            <a:r>
+              <a:rPr lang="en-US" sz="3500" dirty="0" smtClean="0">
+                <a:latin typeface="Garamond" panose="02020404030301010803" pitchFamily="18" charset="0"/>
+                <a:cs typeface="American Typewriter"/>
+              </a:rPr>
+              <a:t> </a:t>
+            </a:r>
+            <a:r>
+              <a:rPr lang="en-US" sz="3500" dirty="0" smtClean="0">
+                <a:latin typeface="Garamond" panose="02020404030301010803" pitchFamily="18" charset="0"/>
+                <a:cs typeface="American Typewriter"/>
+              </a:rPr>
+              <a:t>point proposal, and 10 point group </a:t>
+            </a:r>
+            <a:r>
+              <a:rPr lang="en-US" sz="3500" dirty="0" smtClean="0">
+                <a:latin typeface="Garamond" panose="02020404030301010803" pitchFamily="18" charset="0"/>
+                <a:cs typeface="American Typewriter"/>
+              </a:rPr>
+              <a:t>presentation</a:t>
+            </a:r>
+          </a:p>
+          <a:p>
+            <a:pPr lvl="1">
+              <a:buFontTx/>
+              <a:buChar char="•"/>
+            </a:pPr>
+            <a:r>
               <a:rPr lang="en-US" sz="3100" dirty="0" smtClean="0">
                 <a:latin typeface="Garamond" panose="02020404030301010803" pitchFamily="18" charset="0"/>
                 <a:cs typeface="American Typewriter"/>
               </a:rPr>
-              <a:t>There will be a Quiz on these next Tuesday</a:t>
-            </a:r>
+              <a:t>Total 115</a:t>
+            </a:r>
+          </a:p>
+          <a:p>
+            <a:pPr>
+              <a:buFontTx/>
+              <a:buChar char="•"/>
+            </a:pPr>
+            <a:r>
+              <a:rPr lang="en-US" sz="3300" dirty="0" smtClean="0">
+                <a:latin typeface="Garamond" panose="02020404030301010803" pitchFamily="18" charset="0"/>
+                <a:cs typeface="American Typewriter"/>
+              </a:rPr>
+              <a:t>Total: 275!</a:t>
+            </a:r>
+          </a:p>
+          <a:p>
+            <a:pPr lvl="1">
+              <a:buFontTx/>
+              <a:buChar char="•"/>
+            </a:pPr>
+            <a:r>
+              <a:rPr lang="en-US" sz="3100" dirty="0" smtClean="0">
+                <a:latin typeface="Garamond" panose="02020404030301010803" pitchFamily="18" charset="0"/>
+                <a:cs typeface="American Typewriter"/>
+              </a:rPr>
+              <a:t>Also, periodic homework and quizzes</a:t>
+            </a:r>
+            <a:endParaRPr lang="en-US" sz="3100" dirty="0" smtClean="0">
+              <a:latin typeface="Garamond" panose="02020404030301010803" pitchFamily="18" charset="0"/>
+              <a:cs typeface="American Typewriter"/>
+            </a:endParaRPr>
           </a:p>
         </p:txBody>
       </p:sp>
@@ -11193,7 +7027,7 @@
                 <a:latin typeface="Garamond" panose="02020404030301010803" pitchFamily="18" charset="0"/>
                 <a:cs typeface="American Typewriter"/>
               </a:rPr>
-              <a:t>Homework Assignments</a:t>
+              <a:t>Course Policies, Lab Reports</a:t>
             </a:r>
             <a:endParaRPr lang="en-US" sz="4400" dirty="0">
               <a:latin typeface="Garamond" panose="02020404030301010803" pitchFamily="18" charset="0"/>
@@ -11205,7 +7039,7 @@
     </p:spTree>
     <p:extLst>
       <p:ext uri="{BB962C8B-B14F-4D97-AF65-F5344CB8AC3E}">
-        <p14:creationId xmlns:p14="http://schemas.microsoft.com/office/powerpoint/2010/main" val="3379291469"/>
+        <p14:creationId xmlns:p14="http://schemas.microsoft.com/office/powerpoint/2010/main" val="3611436051"/>
       </p:ext>
     </p:extLst>
   </p:cSld>
@@ -11224,6 +7058,9 @@
                     <p:cTn id="3" fill="hold">
                       <p:stCondLst>
                         <p:cond delay="indefinite"/>
+                        <p:cond evt="onBegin" delay="0">
+                          <p:tn val="2"/>
+                        </p:cond>
                       </p:stCondLst>
                       <p:childTnLst>
                         <p:par>
@@ -11233,7 +7070,7 @@
                             </p:stCondLst>
                             <p:childTnLst>
                               <p:par>
-                                <p:cTn id="5" presetID="1" presetClass="entr" presetSubtype="0" fill="hold" grpId="0" nodeType="clickEffect">
+                                <p:cTn id="5" presetID="1" presetClass="entr" presetSubtype="0" fill="hold" grpId="0" nodeType="withEffect">
                                   <p:stCondLst>
                                     <p:cond delay="0"/>
                                   </p:stCondLst>
@@ -11241,6 +7078,51 @@
                                     <p:set>
                                       <p:cBhvr>
                                         <p:cTn id="6" dur="1" fill="hold">
+                                          <p:stCondLst>
+                                            <p:cond delay="0"/>
+                                          </p:stCondLst>
+                                        </p:cTn>
+                                        <p:tgtEl>
+                                          <p:spTgt spid="5"/>
+                                        </p:tgtEl>
+                                        <p:attrNameLst>
+                                          <p:attrName>style.visibility</p:attrName>
+                                        </p:attrNameLst>
+                                      </p:cBhvr>
+                                      <p:to>
+                                        <p:strVal val="visible"/>
+                                      </p:to>
+                                    </p:set>
+                                  </p:childTnLst>
+                                </p:cTn>
+                              </p:par>
+                            </p:childTnLst>
+                          </p:cTn>
+                        </p:par>
+                      </p:childTnLst>
+                    </p:cTn>
+                  </p:par>
+                  <p:par>
+                    <p:cTn id="7" fill="hold">
+                      <p:stCondLst>
+                        <p:cond delay="indefinite"/>
+                      </p:stCondLst>
+                      <p:childTnLst>
+                        <p:par>
+                          <p:cTn id="8" fill="hold">
+                            <p:stCondLst>
+                              <p:cond delay="0"/>
+                            </p:stCondLst>
+                            <p:childTnLst>
+                              <p:par>
+                                <p:cTn id="9" presetID="1" presetClass="entr" presetSubtype="0" fill="hold" grpId="0" nodeType="clickEffect">
+                                  <p:stCondLst>
+                                    <p:cond delay="0"/>
+                                  </p:stCondLst>
+                                  <p:childTnLst>
+                                    <p:set>
+                                      <p:cBhvr>
+                                        <p:cTn id="10" dur="1" fill="hold">
                                           <p:stCondLst>
                                             <p:cond delay="0"/>
                                           </p:stCondLst>
@@ -11263,15 +7145,33 @@
                                   </p:childTnLst>
                                 </p:cTn>
                               </p:par>
+                            </p:childTnLst>
+                          </p:cTn>
+                        </p:par>
+                      </p:childTnLst>
+                    </p:cTn>
+                  </p:par>
+                  <p:par>
+                    <p:cTn id="11" fill="hold">
+                      <p:stCondLst>
+                        <p:cond delay="indefinite"/>
+                      </p:stCondLst>
+                      <p:childTnLst>
+                        <p:par>
+                          <p:cTn id="12" fill="hold">
+                            <p:stCondLst>
+                              <p:cond delay="0"/>
+                            </p:stCondLst>
+                            <p:childTnLst>
                               <p:par>
-                                <p:cTn id="7" presetID="1" presetClass="entr" presetSubtype="0" fill="hold" grpId="0" nodeType="withEffect">
+                                <p:cTn id="13" presetID="1" presetClass="entr" presetSubtype="0" fill="hold" grpId="0" nodeType="clickEffect">
                                   <p:stCondLst>
                                     <p:cond delay="0"/>
                                   </p:stCondLst>
                                   <p:childTnLst>
                                     <p:set>
                                       <p:cBhvr>
-                                        <p:cTn id="8" dur="1" fill="hold">
+                                        <p:cTn id="14" dur="1" fill="hold">
                                           <p:stCondLst>
                                             <p:cond delay="0"/>
                                           </p:stCondLst>
@@ -11294,21 +7194,288 @@
                                   </p:childTnLst>
                                 </p:cTn>
                               </p:par>
+                            </p:childTnLst>
+                          </p:cTn>
+                        </p:par>
+                      </p:childTnLst>
+                    </p:cTn>
+                  </p:par>
+                  <p:par>
+                    <p:cTn id="15" fill="hold">
+                      <p:stCondLst>
+                        <p:cond delay="indefinite"/>
+                      </p:stCondLst>
+                      <p:childTnLst>
+                        <p:par>
+                          <p:cTn id="16" fill="hold">
+                            <p:stCondLst>
+                              <p:cond delay="0"/>
+                            </p:stCondLst>
+                            <p:childTnLst>
                               <p:par>
-                                <p:cTn id="9" presetID="1" presetClass="entr" presetSubtype="0" fill="hold" grpId="0" nodeType="withEffect">
+                                <p:cTn id="17" presetID="1" presetClass="entr" presetSubtype="0" fill="hold" grpId="0" nodeType="clickEffect">
                                   <p:stCondLst>
                                     <p:cond delay="0"/>
                                   </p:stCondLst>
                                   <p:childTnLst>
                                     <p:set>
                                       <p:cBhvr>
-                                        <p:cTn id="10" dur="1" fill="hold">
+                                        <p:cTn id="18" dur="1" fill="hold">
                                           <p:stCondLst>
                                             <p:cond delay="0"/>
                                           </p:stCondLst>
                                         </p:cTn>
                                         <p:tgtEl>
-                                          <p:spTgt spid="5"/>
+                                          <p:spTgt spid="3">
+                                            <p:txEl>
+                                              <p:pRg st="2" end="2"/>
+                                            </p:txEl>
+                                          </p:spTgt>
+                                        </p:tgtEl>
+                                        <p:attrNameLst>
+                                          <p:attrName>style.visibility</p:attrName>
+                                        </p:attrNameLst>
+                                      </p:cBhvr>
+                                      <p:to>
+                                        <p:strVal val="visible"/>
+                                      </p:to>
+                                    </p:set>
+                                  </p:childTnLst>
+                                </p:cTn>
+                              </p:par>
+                            </p:childTnLst>
+                          </p:cTn>
+                        </p:par>
+                      </p:childTnLst>
+                    </p:cTn>
+                  </p:par>
+                  <p:par>
+                    <p:cTn id="19" fill="hold">
+                      <p:stCondLst>
+                        <p:cond delay="indefinite"/>
+                      </p:stCondLst>
+                      <p:childTnLst>
+                        <p:par>
+                          <p:cTn id="20" fill="hold">
+                            <p:stCondLst>
+                              <p:cond delay="0"/>
+                            </p:stCondLst>
+                            <p:childTnLst>
+                              <p:par>
+                                <p:cTn id="21" presetID="1" presetClass="entr" presetSubtype="0" fill="hold" grpId="0" nodeType="clickEffect">
+                                  <p:stCondLst>
+                                    <p:cond delay="0"/>
+                                  </p:stCondLst>
+                                  <p:childTnLst>
+                                    <p:set>
+                                      <p:cBhvr>
+                                        <p:cTn id="22" dur="1" fill="hold">
+                                          <p:stCondLst>
+                                            <p:cond delay="0"/>
+                                          </p:stCondLst>
+                                        </p:cTn>
+                                        <p:tgtEl>
+                                          <p:spTgt spid="3">
+                                            <p:txEl>
+                                              <p:pRg st="3" end="3"/>
+                                            </p:txEl>
+                                          </p:spTgt>
+                                        </p:tgtEl>
+                                        <p:attrNameLst>
+                                          <p:attrName>style.visibility</p:attrName>
+                                        </p:attrNameLst>
+                                      </p:cBhvr>
+                                      <p:to>
+                                        <p:strVal val="visible"/>
+                                      </p:to>
+                                    </p:set>
+                                  </p:childTnLst>
+                                </p:cTn>
+                              </p:par>
+                            </p:childTnLst>
+                          </p:cTn>
+                        </p:par>
+                      </p:childTnLst>
+                    </p:cTn>
+                  </p:par>
+                  <p:par>
+                    <p:cTn id="23" fill="hold">
+                      <p:stCondLst>
+                        <p:cond delay="indefinite"/>
+                      </p:stCondLst>
+                      <p:childTnLst>
+                        <p:par>
+                          <p:cTn id="24" fill="hold">
+                            <p:stCondLst>
+                              <p:cond delay="0"/>
+                            </p:stCondLst>
+                            <p:childTnLst>
+                              <p:par>
+                                <p:cTn id="25" presetID="1" presetClass="entr" presetSubtype="0" fill="hold" grpId="0" nodeType="clickEffect">
+                                  <p:stCondLst>
+                                    <p:cond delay="0"/>
+                                  </p:stCondLst>
+                                  <p:childTnLst>
+                                    <p:set>
+                                      <p:cBhvr>
+                                        <p:cTn id="26" dur="1" fill="hold">
+                                          <p:stCondLst>
+                                            <p:cond delay="0"/>
+                                          </p:stCondLst>
+                                        </p:cTn>
+                                        <p:tgtEl>
+                                          <p:spTgt spid="3">
+                                            <p:txEl>
+                                              <p:pRg st="4" end="4"/>
+                                            </p:txEl>
+                                          </p:spTgt>
+                                        </p:tgtEl>
+                                        <p:attrNameLst>
+                                          <p:attrName>style.visibility</p:attrName>
+                                        </p:attrNameLst>
+                                      </p:cBhvr>
+                                      <p:to>
+                                        <p:strVal val="visible"/>
+                                      </p:to>
+                                    </p:set>
+                                  </p:childTnLst>
+                                </p:cTn>
+                              </p:par>
+                            </p:childTnLst>
+                          </p:cTn>
+                        </p:par>
+                      </p:childTnLst>
+                    </p:cTn>
+                  </p:par>
+                  <p:par>
+                    <p:cTn id="27" fill="hold">
+                      <p:stCondLst>
+                        <p:cond delay="indefinite"/>
+                      </p:stCondLst>
+                      <p:childTnLst>
+                        <p:par>
+                          <p:cTn id="28" fill="hold">
+                            <p:stCondLst>
+                              <p:cond delay="0"/>
+                            </p:stCondLst>
+                            <p:childTnLst>
+                              <p:par>
+                                <p:cTn id="29" presetID="1" presetClass="entr" presetSubtype="0" fill="hold" grpId="0" nodeType="clickEffect">
+                                  <p:stCondLst>
+                                    <p:cond delay="0"/>
+                                  </p:stCondLst>
+                                  <p:childTnLst>
+                                    <p:set>
+                                      <p:cBhvr>
+                                        <p:cTn id="30" dur="1" fill="hold">
+                                          <p:stCondLst>
+                                            <p:cond delay="0"/>
+                                          </p:stCondLst>
+                                        </p:cTn>
+                                        <p:tgtEl>
+                                          <p:spTgt spid="3">
+                                            <p:txEl>
+                                              <p:pRg st="5" end="5"/>
+                                            </p:txEl>
+                                          </p:spTgt>
+                                        </p:tgtEl>
+                                        <p:attrNameLst>
+                                          <p:attrName>style.visibility</p:attrName>
+                                        </p:attrNameLst>
+                                      </p:cBhvr>
+                                      <p:to>
+                                        <p:strVal val="visible"/>
+                                      </p:to>
+                                    </p:set>
+                                  </p:childTnLst>
+                                </p:cTn>
+                              </p:par>
+                            </p:childTnLst>
+                          </p:cTn>
+                        </p:par>
+                      </p:childTnLst>
+                    </p:cTn>
+                  </p:par>
+                  <p:par>
+                    <p:cTn id="31" fill="hold">
+                      <p:stCondLst>
+                        <p:cond delay="indefinite"/>
+                      </p:stCondLst>
+                      <p:childTnLst>
+                        <p:par>
+                          <p:cTn id="32" fill="hold">
+                            <p:stCondLst>
+                              <p:cond delay="0"/>
+                            </p:stCondLst>
+                            <p:childTnLst>
+                              <p:par>
+                                <p:cTn id="33" presetID="1" presetClass="entr" presetSubtype="0" fill="hold" grpId="0" nodeType="clickEffect">
+                                  <p:stCondLst>
+                                    <p:cond delay="0"/>
+                                  </p:stCondLst>
+                                  <p:childTnLst>
+                                    <p:set>
+                                      <p:cBhvr>
+                                        <p:cTn id="34" dur="1" fill="hold">
+                                          <p:stCondLst>
+                                            <p:cond delay="0"/>
+                                          </p:stCondLst>
+                                        </p:cTn>
+                                        <p:tgtEl>
+                                          <p:spTgt spid="3">
+                                            <p:txEl>
+                                              <p:pRg st="6" end="6"/>
+                                            </p:txEl>
+                                          </p:spTgt>
+                                        </p:tgtEl>
+                                        <p:attrNameLst>
+                                          <p:attrName>style.visibility</p:attrName>
+                                        </p:attrNameLst>
+                                      </p:cBhvr>
+                                      <p:to>
+                                        <p:strVal val="visible"/>
+                                      </p:to>
+                                    </p:set>
+                                  </p:childTnLst>
+                                </p:cTn>
+                              </p:par>
+                            </p:childTnLst>
+                          </p:cTn>
+                        </p:par>
+                      </p:childTnLst>
+                    </p:cTn>
+                  </p:par>
+                  <p:par>
+                    <p:cTn id="35" fill="hold">
+                      <p:stCondLst>
+                        <p:cond delay="indefinite"/>
+                      </p:stCondLst>
+                      <p:childTnLst>
+                        <p:par>
+                          <p:cTn id="36" fill="hold">
+                            <p:stCondLst>
+                              <p:cond delay="0"/>
+                            </p:stCondLst>
+                            <p:childTnLst>
+                              <p:par>
+                                <p:cTn id="37" presetID="1" presetClass="entr" presetSubtype="0" fill="hold" grpId="0" nodeType="clickEffect">
+                                  <p:stCondLst>
+                                    <p:cond delay="0"/>
+                                  </p:stCondLst>
+                                  <p:childTnLst>
+                                    <p:set>
+                                      <p:cBhvr>
+                                        <p:cTn id="38" dur="1" fill="hold">
+                                          <p:stCondLst>
+                                            <p:cond delay="0"/>
+                                          </p:stCondLst>
+                                        </p:cTn>
+                                        <p:tgtEl>
+                                          <p:spTgt spid="3">
+                                            <p:txEl>
+                                              <p:pRg st="7" end="7"/>
+                                            </p:txEl>
+                                          </p:spTgt>
                                         </p:tgtEl>
                                         <p:attrNameLst>
                                           <p:attrName>style.visibility</p:attrName>
@@ -11349,8 +7516,689 @@
       </p:par>
     </p:tnLst>
     <p:bldLst>
+      <p:bldP spid="3" grpId="0" uiExpand="1" build="p"/>
+      <p:bldP spid="5" grpId="0"/>
+    </p:bldLst>
+  </p:timing>
+</p:sld>
+</file>
+
+<file path=ppt/slides/slide6.xml><?xml version="1.0" encoding="utf-8"?>
+<p:sld xmlns:a="http://schemas.openxmlformats.org/drawingml/2006/main" xmlns:r="http://schemas.openxmlformats.org/officeDocument/2006/relationships" xmlns:p="http://schemas.openxmlformats.org/presentationml/2006/main">
+  <p:cSld>
+    <p:spTree>
+      <p:nvGrpSpPr>
+        <p:cNvPr id="1" name=""/>
+        <p:cNvGrpSpPr/>
+        <p:nvPr/>
+      </p:nvGrpSpPr>
+      <p:grpSpPr>
+        <a:xfrm>
+          <a:off x="0" y="0"/>
+          <a:ext cx="0" cy="0"/>
+          <a:chOff x="0" y="0"/>
+          <a:chExt cx="0" cy="0"/>
+        </a:xfrm>
+      </p:grpSpPr>
+      <p:sp>
+        <p:nvSpPr>
+          <p:cNvPr id="3" name="Content Placeholder 2"/>
+          <p:cNvSpPr>
+            <a:spLocks noGrp="1"/>
+          </p:cNvSpPr>
+          <p:nvPr>
+            <p:ph idx="1"/>
+          </p:nvPr>
+        </p:nvSpPr>
+        <p:spPr>
+          <a:xfrm>
+            <a:off x="549275" y="1527644"/>
+            <a:ext cx="7897496" cy="5590926"/>
+          </a:xfrm>
+        </p:spPr>
+        <p:txBody>
+          <a:bodyPr>
+            <a:normAutofit/>
+          </a:bodyPr>
+          <a:lstStyle/>
+          <a:p>
+            <a:pPr>
+              <a:buFontTx/>
+              <a:buChar char="•"/>
+            </a:pPr>
+            <a:r>
+              <a:rPr lang="en-US" sz="3500" dirty="0" smtClean="0">
+                <a:latin typeface="Garamond" panose="02020404030301010803" pitchFamily="18" charset="0"/>
+                <a:cs typeface="American Typewriter"/>
+              </a:rPr>
+              <a:t>FOUR points per day penalty for late reports</a:t>
+            </a:r>
+          </a:p>
+          <a:p>
+            <a:pPr>
+              <a:buFontTx/>
+              <a:buChar char="•"/>
+            </a:pPr>
+            <a:r>
+              <a:rPr lang="en-US" sz="3500" dirty="0" smtClean="0">
+                <a:latin typeface="Garamond" panose="02020404030301010803" pitchFamily="18" charset="0"/>
+                <a:cs typeface="American Typewriter"/>
+              </a:rPr>
+              <a:t>Deadline extensions may be granted, but only if requested </a:t>
+            </a:r>
+            <a:r>
+              <a:rPr lang="en-US" sz="3500" b="1" u="sng" dirty="0" smtClean="0">
+                <a:latin typeface="Garamond" panose="02020404030301010803" pitchFamily="18" charset="0"/>
+                <a:cs typeface="American Typewriter"/>
+              </a:rPr>
+              <a:t>at least 24 hours</a:t>
+            </a:r>
+            <a:r>
+              <a:rPr lang="en-US" sz="3500" dirty="0" smtClean="0">
+                <a:latin typeface="Garamond" panose="02020404030301010803" pitchFamily="18" charset="0"/>
+                <a:cs typeface="American Typewriter"/>
+              </a:rPr>
+              <a:t> before a due date</a:t>
+            </a:r>
+          </a:p>
+          <a:p>
+            <a:pPr>
+              <a:buFontTx/>
+              <a:buChar char="•"/>
+            </a:pPr>
+            <a:r>
+              <a:rPr lang="en-US" sz="3500" dirty="0" smtClean="0">
+                <a:latin typeface="Garamond" panose="02020404030301010803" pitchFamily="18" charset="0"/>
+                <a:cs typeface="American Typewriter"/>
+              </a:rPr>
+              <a:t>All lab reports must be submitted to TURNITIN and in paper form stapled to a signed academic honesty sheet</a:t>
+            </a:r>
+          </a:p>
+          <a:p>
+            <a:pPr lvl="1">
+              <a:buFontTx/>
+              <a:buChar char="•"/>
+            </a:pPr>
+            <a:r>
+              <a:rPr lang="en-US" sz="3300" dirty="0" smtClean="0">
+                <a:latin typeface="Garamond" panose="02020404030301010803" pitchFamily="18" charset="0"/>
+                <a:cs typeface="American Typewriter"/>
+              </a:rPr>
+              <a:t>Turn in paper copies to my office.</a:t>
+            </a:r>
+          </a:p>
+        </p:txBody>
+      </p:sp>
+      <p:sp>
+        <p:nvSpPr>
+          <p:cNvPr id="5" name="Title 1"/>
+          <p:cNvSpPr>
+            <a:spLocks noGrp="1"/>
+          </p:cNvSpPr>
+          <p:nvPr>
+            <p:ph type="title"/>
+          </p:nvPr>
+        </p:nvSpPr>
+        <p:spPr>
+          <a:xfrm>
+            <a:off x="946404" y="365760"/>
+            <a:ext cx="7269480" cy="811530"/>
+          </a:xfrm>
+        </p:spPr>
+        <p:txBody>
+          <a:bodyPr>
+            <a:normAutofit/>
+          </a:bodyPr>
+          <a:lstStyle/>
+          <a:p>
+            <a:r>
+              <a:rPr lang="en-US" sz="4400" dirty="0" smtClean="0">
+                <a:latin typeface="Garamond" panose="02020404030301010803" pitchFamily="18" charset="0"/>
+                <a:cs typeface="American Typewriter"/>
+              </a:rPr>
+              <a:t>Course Policies, Late Reports</a:t>
+            </a:r>
+            <a:endParaRPr lang="en-US" sz="4400" dirty="0">
+              <a:latin typeface="Garamond" panose="02020404030301010803" pitchFamily="18" charset="0"/>
+              <a:cs typeface="American Typewriter"/>
+            </a:endParaRPr>
+          </a:p>
+        </p:txBody>
+      </p:sp>
+    </p:spTree>
+    <p:extLst>
+      <p:ext uri="{BB962C8B-B14F-4D97-AF65-F5344CB8AC3E}">
+        <p14:creationId xmlns:p14="http://schemas.microsoft.com/office/powerpoint/2010/main" val="903040254"/>
+      </p:ext>
+    </p:extLst>
+  </p:cSld>
+  <p:clrMapOvr>
+    <a:masterClrMapping/>
+  </p:clrMapOvr>
+  <p:timing>
+    <p:tnLst>
+      <p:par>
+        <p:cTn id="1" dur="indefinite" restart="never" nodeType="tmRoot">
+          <p:childTnLst>
+            <p:seq concurrent="1" nextAc="seek">
+              <p:cTn id="2" dur="indefinite" nodeType="mainSeq">
+                <p:childTnLst>
+                  <p:par>
+                    <p:cTn id="3" fill="hold">
+                      <p:stCondLst>
+                        <p:cond delay="indefinite"/>
+                        <p:cond evt="onBegin" delay="0">
+                          <p:tn val="2"/>
+                        </p:cond>
+                      </p:stCondLst>
+                      <p:childTnLst>
+                        <p:par>
+                          <p:cTn id="4" fill="hold">
+                            <p:stCondLst>
+                              <p:cond delay="0"/>
+                            </p:stCondLst>
+                            <p:childTnLst>
+                              <p:par>
+                                <p:cTn id="5" presetID="1" presetClass="entr" presetSubtype="0" fill="hold" grpId="0" nodeType="withEffect">
+                                  <p:stCondLst>
+                                    <p:cond delay="0"/>
+                                  </p:stCondLst>
+                                  <p:childTnLst>
+                                    <p:set>
+                                      <p:cBhvr>
+                                        <p:cTn id="6" dur="1" fill="hold">
+                                          <p:stCondLst>
+                                            <p:cond delay="0"/>
+                                          </p:stCondLst>
+                                        </p:cTn>
+                                        <p:tgtEl>
+                                          <p:spTgt spid="5"/>
+                                        </p:tgtEl>
+                                        <p:attrNameLst>
+                                          <p:attrName>style.visibility</p:attrName>
+                                        </p:attrNameLst>
+                                      </p:cBhvr>
+                                      <p:to>
+                                        <p:strVal val="visible"/>
+                                      </p:to>
+                                    </p:set>
+                                  </p:childTnLst>
+                                </p:cTn>
+                              </p:par>
+                            </p:childTnLst>
+                          </p:cTn>
+                        </p:par>
+                      </p:childTnLst>
+                    </p:cTn>
+                  </p:par>
+                  <p:par>
+                    <p:cTn id="7" fill="hold">
+                      <p:stCondLst>
+                        <p:cond delay="indefinite"/>
+                      </p:stCondLst>
+                      <p:childTnLst>
+                        <p:par>
+                          <p:cTn id="8" fill="hold">
+                            <p:stCondLst>
+                              <p:cond delay="0"/>
+                            </p:stCondLst>
+                            <p:childTnLst>
+                              <p:par>
+                                <p:cTn id="9" presetID="1" presetClass="entr" presetSubtype="0" fill="hold" grpId="0" nodeType="clickEffect">
+                                  <p:stCondLst>
+                                    <p:cond delay="0"/>
+                                  </p:stCondLst>
+                                  <p:childTnLst>
+                                    <p:set>
+                                      <p:cBhvr>
+                                        <p:cTn id="10" dur="1" fill="hold">
+                                          <p:stCondLst>
+                                            <p:cond delay="0"/>
+                                          </p:stCondLst>
+                                        </p:cTn>
+                                        <p:tgtEl>
+                                          <p:spTgt spid="3">
+                                            <p:txEl>
+                                              <p:pRg st="0" end="0"/>
+                                            </p:txEl>
+                                          </p:spTgt>
+                                        </p:tgtEl>
+                                        <p:attrNameLst>
+                                          <p:attrName>style.visibility</p:attrName>
+                                        </p:attrNameLst>
+                                      </p:cBhvr>
+                                      <p:to>
+                                        <p:strVal val="visible"/>
+                                      </p:to>
+                                    </p:set>
+                                  </p:childTnLst>
+                                </p:cTn>
+                              </p:par>
+                            </p:childTnLst>
+                          </p:cTn>
+                        </p:par>
+                      </p:childTnLst>
+                    </p:cTn>
+                  </p:par>
+                  <p:par>
+                    <p:cTn id="11" fill="hold">
+                      <p:stCondLst>
+                        <p:cond delay="indefinite"/>
+                      </p:stCondLst>
+                      <p:childTnLst>
+                        <p:par>
+                          <p:cTn id="12" fill="hold">
+                            <p:stCondLst>
+                              <p:cond delay="0"/>
+                            </p:stCondLst>
+                            <p:childTnLst>
+                              <p:par>
+                                <p:cTn id="13" presetID="1" presetClass="entr" presetSubtype="0" fill="hold" grpId="0" nodeType="clickEffect">
+                                  <p:stCondLst>
+                                    <p:cond delay="0"/>
+                                  </p:stCondLst>
+                                  <p:childTnLst>
+                                    <p:set>
+                                      <p:cBhvr>
+                                        <p:cTn id="14" dur="1" fill="hold">
+                                          <p:stCondLst>
+                                            <p:cond delay="0"/>
+                                          </p:stCondLst>
+                                        </p:cTn>
+                                        <p:tgtEl>
+                                          <p:spTgt spid="3">
+                                            <p:txEl>
+                                              <p:pRg st="1" end="1"/>
+                                            </p:txEl>
+                                          </p:spTgt>
+                                        </p:tgtEl>
+                                        <p:attrNameLst>
+                                          <p:attrName>style.visibility</p:attrName>
+                                        </p:attrNameLst>
+                                      </p:cBhvr>
+                                      <p:to>
+                                        <p:strVal val="visible"/>
+                                      </p:to>
+                                    </p:set>
+                                  </p:childTnLst>
+                                </p:cTn>
+                              </p:par>
+                            </p:childTnLst>
+                          </p:cTn>
+                        </p:par>
+                      </p:childTnLst>
+                    </p:cTn>
+                  </p:par>
+                  <p:par>
+                    <p:cTn id="15" fill="hold">
+                      <p:stCondLst>
+                        <p:cond delay="indefinite"/>
+                      </p:stCondLst>
+                      <p:childTnLst>
+                        <p:par>
+                          <p:cTn id="16" fill="hold">
+                            <p:stCondLst>
+                              <p:cond delay="0"/>
+                            </p:stCondLst>
+                            <p:childTnLst>
+                              <p:par>
+                                <p:cTn id="17" presetID="1" presetClass="entr" presetSubtype="0" fill="hold" grpId="0" nodeType="clickEffect">
+                                  <p:stCondLst>
+                                    <p:cond delay="0"/>
+                                  </p:stCondLst>
+                                  <p:childTnLst>
+                                    <p:set>
+                                      <p:cBhvr>
+                                        <p:cTn id="18" dur="1" fill="hold">
+                                          <p:stCondLst>
+                                            <p:cond delay="0"/>
+                                          </p:stCondLst>
+                                        </p:cTn>
+                                        <p:tgtEl>
+                                          <p:spTgt spid="3">
+                                            <p:txEl>
+                                              <p:pRg st="2" end="2"/>
+                                            </p:txEl>
+                                          </p:spTgt>
+                                        </p:tgtEl>
+                                        <p:attrNameLst>
+                                          <p:attrName>style.visibility</p:attrName>
+                                        </p:attrNameLst>
+                                      </p:cBhvr>
+                                      <p:to>
+                                        <p:strVal val="visible"/>
+                                      </p:to>
+                                    </p:set>
+                                  </p:childTnLst>
+                                </p:cTn>
+                              </p:par>
+                            </p:childTnLst>
+                          </p:cTn>
+                        </p:par>
+                      </p:childTnLst>
+                    </p:cTn>
+                  </p:par>
+                  <p:par>
+                    <p:cTn id="19" fill="hold">
+                      <p:stCondLst>
+                        <p:cond delay="indefinite"/>
+                      </p:stCondLst>
+                      <p:childTnLst>
+                        <p:par>
+                          <p:cTn id="20" fill="hold">
+                            <p:stCondLst>
+                              <p:cond delay="0"/>
+                            </p:stCondLst>
+                            <p:childTnLst>
+                              <p:par>
+                                <p:cTn id="21" presetID="1" presetClass="entr" presetSubtype="0" fill="hold" grpId="0" nodeType="clickEffect">
+                                  <p:stCondLst>
+                                    <p:cond delay="0"/>
+                                  </p:stCondLst>
+                                  <p:childTnLst>
+                                    <p:set>
+                                      <p:cBhvr>
+                                        <p:cTn id="22" dur="1" fill="hold">
+                                          <p:stCondLst>
+                                            <p:cond delay="0"/>
+                                          </p:stCondLst>
+                                        </p:cTn>
+                                        <p:tgtEl>
+                                          <p:spTgt spid="3">
+                                            <p:txEl>
+                                              <p:pRg st="3" end="3"/>
+                                            </p:txEl>
+                                          </p:spTgt>
+                                        </p:tgtEl>
+                                        <p:attrNameLst>
+                                          <p:attrName>style.visibility</p:attrName>
+                                        </p:attrNameLst>
+                                      </p:cBhvr>
+                                      <p:to>
+                                        <p:strVal val="visible"/>
+                                      </p:to>
+                                    </p:set>
+                                  </p:childTnLst>
+                                </p:cTn>
+                              </p:par>
+                            </p:childTnLst>
+                          </p:cTn>
+                        </p:par>
+                      </p:childTnLst>
+                    </p:cTn>
+                  </p:par>
+                </p:childTnLst>
+              </p:cTn>
+              <p:prevCondLst>
+                <p:cond evt="onPrev" delay="0">
+                  <p:tgtEl>
+                    <p:sldTgt/>
+                  </p:tgtEl>
+                </p:cond>
+              </p:prevCondLst>
+              <p:nextCondLst>
+                <p:cond evt="onNext" delay="0">
+                  <p:tgtEl>
+                    <p:sldTgt/>
+                  </p:tgtEl>
+                </p:cond>
+              </p:nextCondLst>
+            </p:seq>
+          </p:childTnLst>
+        </p:cTn>
+      </p:par>
+    </p:tnLst>
+    <p:bldLst>
+      <p:bldP spid="3" grpId="0" uiExpand="1" build="p"/>
+      <p:bldP spid="5" grpId="0"/>
+    </p:bldLst>
+  </p:timing>
+</p:sld>
+</file>
+
+<file path=ppt/slides/slide7.xml><?xml version="1.0" encoding="utf-8"?>
+<p:sld xmlns:a="http://schemas.openxmlformats.org/drawingml/2006/main" xmlns:r="http://schemas.openxmlformats.org/officeDocument/2006/relationships" xmlns:p="http://schemas.openxmlformats.org/presentationml/2006/main">
+  <p:cSld>
+    <p:bg>
+      <p:bgRef idx="1001">
+        <a:schemeClr val="bg1"/>
+      </p:bgRef>
+    </p:bg>
+    <p:spTree>
+      <p:nvGrpSpPr>
+        <p:cNvPr id="1" name=""/>
+        <p:cNvGrpSpPr/>
+        <p:nvPr/>
+      </p:nvGrpSpPr>
+      <p:grpSpPr>
+        <a:xfrm>
+          <a:off x="0" y="0"/>
+          <a:ext cx="0" cy="0"/>
+          <a:chOff x="0" y="0"/>
+          <a:chExt cx="0" cy="0"/>
+        </a:xfrm>
+      </p:grpSpPr>
+      <p:sp>
+        <p:nvSpPr>
+          <p:cNvPr id="5" name="Title 1"/>
+          <p:cNvSpPr>
+            <a:spLocks noGrp="1"/>
+          </p:cNvSpPr>
+          <p:nvPr>
+            <p:ph type="title"/>
+          </p:nvPr>
+        </p:nvSpPr>
+        <p:spPr>
+          <a:xfrm>
+            <a:off x="946404" y="365760"/>
+            <a:ext cx="7269480" cy="811530"/>
+          </a:xfrm>
+        </p:spPr>
+        <p:txBody>
+          <a:bodyPr>
+            <a:normAutofit fontScale="90000"/>
+          </a:bodyPr>
+          <a:lstStyle/>
+          <a:p>
+            <a:r>
+              <a:rPr lang="en-US" sz="3900" dirty="0" smtClean="0">
+                <a:latin typeface="Garamond" panose="02020404030301010803" pitchFamily="18" charset="0"/>
+                <a:cs typeface="American Typewriter"/>
+              </a:rPr>
+              <a:t>Course Policies, Academic Dishonesty</a:t>
+            </a:r>
+            <a:endParaRPr lang="en-US" sz="3900" dirty="0">
+              <a:latin typeface="Garamond" panose="02020404030301010803" pitchFamily="18" charset="0"/>
+              <a:cs typeface="American Typewriter"/>
+            </a:endParaRPr>
+          </a:p>
+        </p:txBody>
+      </p:sp>
+      <p:sp>
+        <p:nvSpPr>
+          <p:cNvPr id="3" name="Content Placeholder 2"/>
+          <p:cNvSpPr>
+            <a:spLocks noGrp="1"/>
+          </p:cNvSpPr>
+          <p:nvPr>
+            <p:ph idx="1"/>
+          </p:nvPr>
+        </p:nvSpPr>
+        <p:spPr>
+          <a:xfrm>
+            <a:off x="549275" y="1527644"/>
+            <a:ext cx="7897496" cy="5590926"/>
+          </a:xfrm>
+        </p:spPr>
+        <p:txBody>
+          <a:bodyPr>
+            <a:normAutofit/>
+          </a:bodyPr>
+          <a:lstStyle/>
+          <a:p>
+            <a:pPr marL="0" indent="0">
+              <a:buNone/>
+            </a:pPr>
+            <a:r>
+              <a:rPr lang="en-US" sz="3300" dirty="0">
+                <a:latin typeface="Garamond" panose="02020404030301010803" pitchFamily="18" charset="0"/>
+                <a:cs typeface="American Typewriter"/>
+              </a:rPr>
+              <a:t>“Since students are expected to be familiar with the Academic Honesty Policy (CP 5-16) and the commonly accepted standards of academic integrity, ignorance of such standards by itself is not sufficient evidence of lack of </a:t>
+            </a:r>
+            <a:r>
+              <a:rPr lang="en-US" sz="3300" dirty="0" smtClean="0">
+                <a:latin typeface="Garamond" panose="02020404030301010803" pitchFamily="18" charset="0"/>
+                <a:cs typeface="American Typewriter"/>
+              </a:rPr>
+              <a:t>intent”</a:t>
+            </a:r>
+            <a:endParaRPr lang="en-US" sz="3300" dirty="0" smtClean="0">
+              <a:latin typeface="Garamond" panose="02020404030301010803" pitchFamily="18" charset="0"/>
+              <a:cs typeface="American Typewriter"/>
+            </a:endParaRPr>
+          </a:p>
+        </p:txBody>
+      </p:sp>
+    </p:spTree>
+    <p:extLst>
+      <p:ext uri="{BB962C8B-B14F-4D97-AF65-F5344CB8AC3E}">
+        <p14:creationId xmlns:p14="http://schemas.microsoft.com/office/powerpoint/2010/main" val="2737704138"/>
+      </p:ext>
+    </p:extLst>
+  </p:cSld>
+  <p:clrMapOvr>
+    <a:overrideClrMapping bg1="lt1" tx1="dk1" bg2="lt2" tx2="dk2" accent1="accent1" accent2="accent2" accent3="accent3" accent4="accent4" accent5="accent5" accent6="accent6" hlink="hlink" folHlink="folHlink"/>
+  </p:clrMapOvr>
+  <p:timing>
+    <p:tnLst>
+      <p:par>
+        <p:cTn id="1" dur="indefinite" restart="never" nodeType="tmRoot">
+          <p:childTnLst>
+            <p:seq concurrent="1" nextAc="seek">
+              <p:cTn id="2" dur="indefinite" nodeType="mainSeq">
+                <p:childTnLst>
+                  <p:par>
+                    <p:cTn id="3" fill="hold">
+                      <p:stCondLst>
+                        <p:cond delay="indefinite"/>
+                        <p:cond evt="onBegin" delay="0">
+                          <p:tn val="2"/>
+                        </p:cond>
+                      </p:stCondLst>
+                      <p:childTnLst>
+                        <p:par>
+                          <p:cTn id="4" fill="hold">
+                            <p:stCondLst>
+                              <p:cond delay="0"/>
+                            </p:stCondLst>
+                            <p:childTnLst>
+                              <p:par>
+                                <p:cTn id="5" presetID="1" presetClass="entr" presetSubtype="0" fill="hold" grpId="0" nodeType="withEffect">
+                                  <p:stCondLst>
+                                    <p:cond delay="0"/>
+                                  </p:stCondLst>
+                                  <p:childTnLst>
+                                    <p:set>
+                                      <p:cBhvr>
+                                        <p:cTn id="6" dur="1" fill="hold">
+                                          <p:stCondLst>
+                                            <p:cond delay="0"/>
+                                          </p:stCondLst>
+                                        </p:cTn>
+                                        <p:tgtEl>
+                                          <p:spTgt spid="5"/>
+                                        </p:tgtEl>
+                                        <p:attrNameLst>
+                                          <p:attrName>style.visibility</p:attrName>
+                                        </p:attrNameLst>
+                                      </p:cBhvr>
+                                      <p:to>
+                                        <p:strVal val="visible"/>
+                                      </p:to>
+                                    </p:set>
+                                  </p:childTnLst>
+                                </p:cTn>
+                              </p:par>
+                            </p:childTnLst>
+                          </p:cTn>
+                        </p:par>
+                      </p:childTnLst>
+                    </p:cTn>
+                  </p:par>
+                  <p:par>
+                    <p:cTn id="7" fill="hold">
+                      <p:stCondLst>
+                        <p:cond delay="indefinite"/>
+                      </p:stCondLst>
+                      <p:childTnLst>
+                        <p:par>
+                          <p:cTn id="8" fill="hold">
+                            <p:stCondLst>
+                              <p:cond delay="0"/>
+                            </p:stCondLst>
+                            <p:childTnLst>
+                              <p:par>
+                                <p:cTn id="9" presetID="1" presetClass="entr" presetSubtype="0" fill="hold" grpId="0" nodeType="clickEffect">
+                                  <p:stCondLst>
+                                    <p:cond delay="0"/>
+                                  </p:stCondLst>
+                                  <p:childTnLst>
+                                    <p:set>
+                                      <p:cBhvr>
+                                        <p:cTn id="10" dur="1" fill="hold">
+                                          <p:stCondLst>
+                                            <p:cond delay="0"/>
+                                          </p:stCondLst>
+                                        </p:cTn>
+                                        <p:tgtEl>
+                                          <p:spTgt spid="3">
+                                            <p:txEl>
+                                              <p:pRg st="0" end="0"/>
+                                            </p:txEl>
+                                          </p:spTgt>
+                                        </p:tgtEl>
+                                        <p:attrNameLst>
+                                          <p:attrName>style.visibility</p:attrName>
+                                        </p:attrNameLst>
+                                      </p:cBhvr>
+                                      <p:to>
+                                        <p:strVal val="visible"/>
+                                      </p:to>
+                                    </p:set>
+                                  </p:childTnLst>
+                                </p:cTn>
+                              </p:par>
+                            </p:childTnLst>
+                          </p:cTn>
+                        </p:par>
+                      </p:childTnLst>
+                    </p:cTn>
+                  </p:par>
+                </p:childTnLst>
+              </p:cTn>
+              <p:prevCondLst>
+                <p:cond evt="onPrev" delay="0">
+                  <p:tgtEl>
+                    <p:sldTgt/>
+                  </p:tgtEl>
+                </p:cond>
+              </p:prevCondLst>
+              <p:nextCondLst>
+                <p:cond evt="onNext" delay="0">
+                  <p:tgtEl>
+                    <p:sldTgt/>
+                  </p:tgtEl>
+                </p:cond>
+              </p:nextCondLst>
+            </p:seq>
+          </p:childTnLst>
+        </p:cTn>
+      </p:par>
+    </p:tnLst>
+    <p:bldLst>
+      <p:bldP spid="5" grpId="0"/>
       <p:bldP spid="3" grpId="0" build="p"/>
-      <p:bldP spid="5" grpId="0"/>
     </p:bldLst>
   </p:timing>
 </p:sld>
@@ -11375,52 +8223,18 @@
       </p:grpSpPr>
       <p:sp>
         <p:nvSpPr>
-          <p:cNvPr id="2" name="Title 1"/>
-          <p:cNvSpPr>
-            <a:spLocks noGrp="1"/>
-          </p:cNvSpPr>
-          <p:nvPr>
-            <p:ph type="title"/>
+          <p:cNvPr id="3" name="Content Placeholder 2"/>
+          <p:cNvSpPr>
+            <a:spLocks noGrp="1"/>
+          </p:cNvSpPr>
+          <p:nvPr>
+            <p:ph idx="1"/>
           </p:nvPr>
         </p:nvSpPr>
         <p:spPr>
           <a:xfrm>
-            <a:off x="549275" y="107576"/>
-            <a:ext cx="8042276" cy="912068"/>
-          </a:xfrm>
-        </p:spPr>
-        <p:txBody>
-          <a:bodyPr/>
-          <a:lstStyle/>
-          <a:p>
-            <a:r>
-              <a:rPr lang="en-US" dirty="0" smtClean="0">
-                <a:latin typeface="American Typewriter"/>
-                <a:cs typeface="American Typewriter"/>
-              </a:rPr>
-              <a:t>Homework Assignments</a:t>
-            </a:r>
-            <a:endParaRPr lang="en-US" dirty="0">
-              <a:latin typeface="American Typewriter"/>
-              <a:cs typeface="American Typewriter"/>
-            </a:endParaRPr>
-          </a:p>
-        </p:txBody>
-      </p:sp>
-      <p:sp>
-        <p:nvSpPr>
-          <p:cNvPr id="3" name="Content Placeholder 2"/>
-          <p:cNvSpPr>
-            <a:spLocks noGrp="1"/>
-          </p:cNvSpPr>
-          <p:nvPr>
-            <p:ph idx="1"/>
-          </p:nvPr>
-        </p:nvSpPr>
-        <p:spPr>
-          <a:xfrm>
-            <a:off x="549274" y="1019644"/>
-            <a:ext cx="8594725" cy="5257799"/>
+            <a:off x="549275" y="1527644"/>
+            <a:ext cx="7897496" cy="5590926"/>
           </a:xfrm>
         </p:spPr>
         <p:txBody>
@@ -11434,56 +8248,68 @@
               <a:buChar char="•"/>
             </a:pPr>
             <a:r>
-              <a:rPr lang="en-US" sz="3200" dirty="0" smtClean="0">
-                <a:latin typeface="American Typewriter"/>
+              <a:rPr lang="en-US" sz="3300" dirty="0" smtClean="0">
+                <a:latin typeface="Garamond" panose="02020404030301010803" pitchFamily="18" charset="0"/>
                 <a:cs typeface="American Typewriter"/>
               </a:rPr>
-              <a:t>Course and Academic Honesty policies from Moodle (Quiz on these next week).</a:t>
-            </a:r>
-          </a:p>
-          <a:p>
-            <a:pPr>
+              <a:t>Course and Academic Honesty policies from Moodle</a:t>
+            </a:r>
+          </a:p>
+          <a:p>
+            <a:pPr lvl="1">
               <a:buFontTx/>
               <a:buChar char="•"/>
             </a:pPr>
-            <a:endParaRPr lang="en-US" sz="3200" dirty="0">
-              <a:latin typeface="American Typewriter"/>
+            <a:r>
+              <a:rPr lang="en-US" sz="3100" dirty="0" smtClean="0">
+                <a:latin typeface="Garamond" panose="02020404030301010803" pitchFamily="18" charset="0"/>
+                <a:cs typeface="American Typewriter"/>
+              </a:rPr>
+              <a:t>There will be a Quiz on these next Tuesday</a:t>
+            </a:r>
+          </a:p>
+        </p:txBody>
+      </p:sp>
+      <p:sp>
+        <p:nvSpPr>
+          <p:cNvPr id="5" name="Title 1"/>
+          <p:cNvSpPr>
+            <a:spLocks noGrp="1"/>
+          </p:cNvSpPr>
+          <p:nvPr>
+            <p:ph type="title"/>
+          </p:nvPr>
+        </p:nvSpPr>
+        <p:spPr>
+          <a:xfrm>
+            <a:off x="946404" y="365760"/>
+            <a:ext cx="7269480" cy="811530"/>
+          </a:xfrm>
+        </p:spPr>
+        <p:txBody>
+          <a:bodyPr>
+            <a:normAutofit/>
+          </a:bodyPr>
+          <a:lstStyle/>
+          <a:p>
+            <a:r>
+              <a:rPr lang="en-US" sz="4400" dirty="0" smtClean="0">
+                <a:latin typeface="Garamond" panose="02020404030301010803" pitchFamily="18" charset="0"/>
+                <a:cs typeface="American Typewriter"/>
+              </a:rPr>
+              <a:t>Homework Assignments</a:t>
+            </a:r>
+            <a:endParaRPr lang="en-US" sz="4400" dirty="0">
+              <a:latin typeface="Garamond" panose="02020404030301010803" pitchFamily="18" charset="0"/>
               <a:cs typeface="American Typewriter"/>
             </a:endParaRPr>
-          </a:p>
-          <a:p>
-            <a:pPr>
-              <a:buFontTx/>
-              <a:buChar char="•"/>
-            </a:pPr>
-            <a:endParaRPr lang="en-US" sz="3200" dirty="0" smtClean="0">
-              <a:latin typeface="American Typewriter"/>
-              <a:cs typeface="American Typewriter"/>
-            </a:endParaRPr>
-          </a:p>
-          <a:p>
-            <a:pPr>
-              <a:buFontTx/>
-              <a:buChar char="•"/>
-            </a:pPr>
-            <a:endParaRPr lang="en-US" sz="3600" dirty="0" smtClean="0">
-              <a:latin typeface="American Typewriter"/>
-              <a:cs typeface="American Typewriter"/>
-            </a:endParaRPr>
-          </a:p>
-          <a:p>
-            <a:pPr>
-              <a:buFontTx/>
-              <a:buChar char="•"/>
-            </a:pPr>
-            <a:endParaRPr lang="en-US" sz="4800" dirty="0"/>
           </a:p>
         </p:txBody>
       </p:sp>
     </p:spTree>
     <p:extLst>
       <p:ext uri="{BB962C8B-B14F-4D97-AF65-F5344CB8AC3E}">
-        <p14:creationId xmlns:p14="http://schemas.microsoft.com/office/powerpoint/2010/main" val="3592812113"/>
+        <p14:creationId xmlns:p14="http://schemas.microsoft.com/office/powerpoint/2010/main" val="3379291469"/>
       </p:ext>
     </p:extLst>
   </p:cSld>
@@ -11502,6 +8328,9 @@
                     <p:cTn id="3" fill="hold">
                       <p:stCondLst>
                         <p:cond delay="indefinite"/>
+                        <p:cond evt="onBegin" delay="0">
+                          <p:tn val="2"/>
+                        </p:cond>
                       </p:stCondLst>
                       <p:childTnLst>
                         <p:par>
@@ -11511,7 +8340,7 @@
                             </p:stCondLst>
                             <p:childTnLst>
                               <p:par>
-                                <p:cTn id="5" presetID="1" presetClass="entr" presetSubtype="0" fill="hold" grpId="0" nodeType="clickEffect">
+                                <p:cTn id="5" presetID="1" presetClass="entr" presetSubtype="0" fill="hold" grpId="0" nodeType="withEffect">
                                   <p:stCondLst>
                                     <p:cond delay="0"/>
                                   </p:stCondLst>
@@ -11519,6 +8348,344 @@
                                     <p:set>
                                       <p:cBhvr>
                                         <p:cTn id="6" dur="1" fill="hold">
+                                          <p:stCondLst>
+                                            <p:cond delay="0"/>
+                                          </p:stCondLst>
+                                        </p:cTn>
+                                        <p:tgtEl>
+                                          <p:spTgt spid="5"/>
+                                        </p:tgtEl>
+                                        <p:attrNameLst>
+                                          <p:attrName>style.visibility</p:attrName>
+                                        </p:attrNameLst>
+                                      </p:cBhvr>
+                                      <p:to>
+                                        <p:strVal val="visible"/>
+                                      </p:to>
+                                    </p:set>
+                                  </p:childTnLst>
+                                </p:cTn>
+                              </p:par>
+                            </p:childTnLst>
+                          </p:cTn>
+                        </p:par>
+                      </p:childTnLst>
+                    </p:cTn>
+                  </p:par>
+                  <p:par>
+                    <p:cTn id="7" fill="hold">
+                      <p:stCondLst>
+                        <p:cond delay="indefinite"/>
+                      </p:stCondLst>
+                      <p:childTnLst>
+                        <p:par>
+                          <p:cTn id="8" fill="hold">
+                            <p:stCondLst>
+                              <p:cond delay="0"/>
+                            </p:stCondLst>
+                            <p:childTnLst>
+                              <p:par>
+                                <p:cTn id="9" presetID="1" presetClass="entr" presetSubtype="0" fill="hold" grpId="0" nodeType="clickEffect">
+                                  <p:stCondLst>
+                                    <p:cond delay="0"/>
+                                  </p:stCondLst>
+                                  <p:childTnLst>
+                                    <p:set>
+                                      <p:cBhvr>
+                                        <p:cTn id="10" dur="1" fill="hold">
+                                          <p:stCondLst>
+                                            <p:cond delay="0"/>
+                                          </p:stCondLst>
+                                        </p:cTn>
+                                        <p:tgtEl>
+                                          <p:spTgt spid="3">
+                                            <p:txEl>
+                                              <p:pRg st="0" end="0"/>
+                                            </p:txEl>
+                                          </p:spTgt>
+                                        </p:tgtEl>
+                                        <p:attrNameLst>
+                                          <p:attrName>style.visibility</p:attrName>
+                                        </p:attrNameLst>
+                                      </p:cBhvr>
+                                      <p:to>
+                                        <p:strVal val="visible"/>
+                                      </p:to>
+                                    </p:set>
+                                  </p:childTnLst>
+                                </p:cTn>
+                              </p:par>
+                            </p:childTnLst>
+                          </p:cTn>
+                        </p:par>
+                      </p:childTnLst>
+                    </p:cTn>
+                  </p:par>
+                  <p:par>
+                    <p:cTn id="11" fill="hold">
+                      <p:stCondLst>
+                        <p:cond delay="indefinite"/>
+                      </p:stCondLst>
+                      <p:childTnLst>
+                        <p:par>
+                          <p:cTn id="12" fill="hold">
+                            <p:stCondLst>
+                              <p:cond delay="0"/>
+                            </p:stCondLst>
+                            <p:childTnLst>
+                              <p:par>
+                                <p:cTn id="13" presetID="1" presetClass="entr" presetSubtype="0" fill="hold" grpId="0" nodeType="clickEffect">
+                                  <p:stCondLst>
+                                    <p:cond delay="0"/>
+                                  </p:stCondLst>
+                                  <p:childTnLst>
+                                    <p:set>
+                                      <p:cBhvr>
+                                        <p:cTn id="14" dur="1" fill="hold">
+                                          <p:stCondLst>
+                                            <p:cond delay="0"/>
+                                          </p:stCondLst>
+                                        </p:cTn>
+                                        <p:tgtEl>
+                                          <p:spTgt spid="3">
+                                            <p:txEl>
+                                              <p:pRg st="1" end="1"/>
+                                            </p:txEl>
+                                          </p:spTgt>
+                                        </p:tgtEl>
+                                        <p:attrNameLst>
+                                          <p:attrName>style.visibility</p:attrName>
+                                        </p:attrNameLst>
+                                      </p:cBhvr>
+                                      <p:to>
+                                        <p:strVal val="visible"/>
+                                      </p:to>
+                                    </p:set>
+                                  </p:childTnLst>
+                                </p:cTn>
+                              </p:par>
+                            </p:childTnLst>
+                          </p:cTn>
+                        </p:par>
+                      </p:childTnLst>
+                    </p:cTn>
+                  </p:par>
+                </p:childTnLst>
+              </p:cTn>
+              <p:prevCondLst>
+                <p:cond evt="onPrev" delay="0">
+                  <p:tgtEl>
+                    <p:sldTgt/>
+                  </p:tgtEl>
+                </p:cond>
+              </p:prevCondLst>
+              <p:nextCondLst>
+                <p:cond evt="onNext" delay="0">
+                  <p:tgtEl>
+                    <p:sldTgt/>
+                  </p:tgtEl>
+                </p:cond>
+              </p:nextCondLst>
+            </p:seq>
+          </p:childTnLst>
+        </p:cTn>
+      </p:par>
+    </p:tnLst>
+    <p:bldLst>
+      <p:bldP spid="3" grpId="0" uiExpand="1" build="p"/>
+      <p:bldP spid="5" grpId="0"/>
+    </p:bldLst>
+  </p:timing>
+</p:sld>
+</file>
+
+<file path=ppt/slides/slide9.xml><?xml version="1.0" encoding="utf-8"?>
+<p:sld xmlns:a="http://schemas.openxmlformats.org/drawingml/2006/main" xmlns:r="http://schemas.openxmlformats.org/officeDocument/2006/relationships" xmlns:p="http://schemas.openxmlformats.org/presentationml/2006/main">
+  <p:cSld>
+    <p:spTree>
+      <p:nvGrpSpPr>
+        <p:cNvPr id="1" name=""/>
+        <p:cNvGrpSpPr/>
+        <p:nvPr/>
+      </p:nvGrpSpPr>
+      <p:grpSpPr>
+        <a:xfrm>
+          <a:off x="0" y="0"/>
+          <a:ext cx="0" cy="0"/>
+          <a:chOff x="0" y="0"/>
+          <a:chExt cx="0" cy="0"/>
+        </a:xfrm>
+      </p:grpSpPr>
+      <p:sp>
+        <p:nvSpPr>
+          <p:cNvPr id="3" name="Content Placeholder 2"/>
+          <p:cNvSpPr>
+            <a:spLocks noGrp="1"/>
+          </p:cNvSpPr>
+          <p:nvPr>
+            <p:ph idx="1"/>
+          </p:nvPr>
+        </p:nvSpPr>
+        <p:spPr>
+          <a:xfrm>
+            <a:off x="549275" y="1527644"/>
+            <a:ext cx="7897496" cy="5590926"/>
+          </a:xfrm>
+        </p:spPr>
+        <p:txBody>
+          <a:bodyPr>
+            <a:normAutofit/>
+          </a:bodyPr>
+          <a:lstStyle/>
+          <a:p>
+            <a:pPr>
+              <a:buFontTx/>
+              <a:buChar char="•"/>
+            </a:pPr>
+            <a:r>
+              <a:rPr lang="en-US" sz="3100" dirty="0" smtClean="0">
+                <a:latin typeface="Garamond" panose="02020404030301010803" pitchFamily="18" charset="0"/>
+                <a:cs typeface="American Typewriter"/>
+              </a:rPr>
+              <a:t>Hope that you’ve enjoyed your first week of classes.</a:t>
+            </a:r>
+            <a:endParaRPr lang="en-US" sz="3100" dirty="0" smtClean="0">
+              <a:latin typeface="Garamond" panose="02020404030301010803" pitchFamily="18" charset="0"/>
+              <a:cs typeface="American Typewriter"/>
+            </a:endParaRPr>
+          </a:p>
+        </p:txBody>
+      </p:sp>
+      <p:sp>
+        <p:nvSpPr>
+          <p:cNvPr id="5" name="Title 1"/>
+          <p:cNvSpPr>
+            <a:spLocks noGrp="1"/>
+          </p:cNvSpPr>
+          <p:nvPr>
+            <p:ph type="title"/>
+          </p:nvPr>
+        </p:nvSpPr>
+        <p:spPr>
+          <a:xfrm>
+            <a:off x="946404" y="365760"/>
+            <a:ext cx="7269480" cy="811530"/>
+          </a:xfrm>
+        </p:spPr>
+        <p:txBody>
+          <a:bodyPr>
+            <a:normAutofit/>
+          </a:bodyPr>
+          <a:lstStyle/>
+          <a:p>
+            <a:r>
+              <a:rPr lang="en-US" sz="4400" dirty="0" smtClean="0">
+                <a:latin typeface="Garamond" panose="02020404030301010803" pitchFamily="18" charset="0"/>
+                <a:cs typeface="American Typewriter"/>
+              </a:rPr>
+              <a:t>Hav</a:t>
+            </a:r>
+            <a:r>
+              <a:rPr lang="en-US" sz="4400" dirty="0" smtClean="0">
+                <a:latin typeface="Garamond" panose="02020404030301010803" pitchFamily="18" charset="0"/>
+                <a:cs typeface="American Typewriter"/>
+              </a:rPr>
+              <a:t>e a great semester!</a:t>
+            </a:r>
+            <a:endParaRPr lang="en-US" sz="4400" dirty="0">
+              <a:latin typeface="Garamond" panose="02020404030301010803" pitchFamily="18" charset="0"/>
+              <a:cs typeface="American Typewriter"/>
+            </a:endParaRPr>
+          </a:p>
+        </p:txBody>
+      </p:sp>
+    </p:spTree>
+    <p:extLst>
+      <p:ext uri="{BB962C8B-B14F-4D97-AF65-F5344CB8AC3E}">
+        <p14:creationId xmlns:p14="http://schemas.microsoft.com/office/powerpoint/2010/main" val="64661644"/>
+      </p:ext>
+    </p:extLst>
+  </p:cSld>
+  <p:clrMapOvr>
+    <a:masterClrMapping/>
+  </p:clrMapOvr>
+  <p:timing>
+    <p:tnLst>
+      <p:par>
+        <p:cTn id="1" dur="indefinite" restart="never" nodeType="tmRoot">
+          <p:childTnLst>
+            <p:seq concurrent="1" nextAc="seek">
+              <p:cTn id="2" dur="indefinite" nodeType="mainSeq">
+                <p:childTnLst>
+                  <p:par>
+                    <p:cTn id="3" fill="hold">
+                      <p:stCondLst>
+                        <p:cond delay="indefinite"/>
+                        <p:cond evt="onBegin" delay="0">
+                          <p:tn val="2"/>
+                        </p:cond>
+                      </p:stCondLst>
+                      <p:childTnLst>
+                        <p:par>
+                          <p:cTn id="4" fill="hold">
+                            <p:stCondLst>
+                              <p:cond delay="0"/>
+                            </p:stCondLst>
+                            <p:childTnLst>
+                              <p:par>
+                                <p:cTn id="5" presetID="1" presetClass="entr" presetSubtype="0" fill="hold" grpId="0" nodeType="withEffect">
+                                  <p:stCondLst>
+                                    <p:cond delay="0"/>
+                                  </p:stCondLst>
+                                  <p:childTnLst>
+                                    <p:set>
+                                      <p:cBhvr>
+                                        <p:cTn id="6" dur="1" fill="hold">
+                                          <p:stCondLst>
+                                            <p:cond delay="0"/>
+                                          </p:stCondLst>
+                                        </p:cTn>
+                                        <p:tgtEl>
+                                          <p:spTgt spid="5"/>
+                                        </p:tgtEl>
+                                        <p:attrNameLst>
+                                          <p:attrName>style.visibility</p:attrName>
+                                        </p:attrNameLst>
+                                      </p:cBhvr>
+                                      <p:to>
+                                        <p:strVal val="visible"/>
+                                      </p:to>
+                                    </p:set>
+                                  </p:childTnLst>
+                                </p:cTn>
+                              </p:par>
+                            </p:childTnLst>
+                          </p:cTn>
+                        </p:par>
+                      </p:childTnLst>
+                    </p:cTn>
+                  </p:par>
+                  <p:par>
+                    <p:cTn id="7" fill="hold">
+                      <p:stCondLst>
+                        <p:cond delay="indefinite"/>
+                      </p:stCondLst>
+                      <p:childTnLst>
+                        <p:par>
+                          <p:cTn id="8" fill="hold">
+                            <p:stCondLst>
+                              <p:cond delay="0"/>
+                            </p:stCondLst>
+                            <p:childTnLst>
+                              <p:par>
+                                <p:cTn id="9" presetID="1" presetClass="entr" presetSubtype="0" fill="hold" grpId="0" nodeType="clickEffect">
+                                  <p:stCondLst>
+                                    <p:cond delay="0"/>
+                                  </p:stCondLst>
+                                  <p:childTnLst>
+                                    <p:set>
+                                      <p:cBhvr>
+                                        <p:cTn id="10" dur="1" fill="hold">
                                           <p:stCondLst>
                                             <p:cond delay="0"/>
                                           </p:stCondLst>
@@ -11570,540 +8737,7 @@
     </p:tnLst>
     <p:bldLst>
       <p:bldP spid="3" grpId="0" build="p"/>
-    </p:bldLst>
-  </p:timing>
-</p:sld>
-</file>
-
-<file path=ppt/slides/slide9.xml><?xml version="1.0" encoding="utf-8"?>
-<p:sld xmlns:a="http://schemas.openxmlformats.org/drawingml/2006/main" xmlns:r="http://schemas.openxmlformats.org/officeDocument/2006/relationships" xmlns:p="http://schemas.openxmlformats.org/presentationml/2006/main">
-  <p:cSld>
-    <p:spTree>
-      <p:nvGrpSpPr>
-        <p:cNvPr id="1" name=""/>
-        <p:cNvGrpSpPr/>
-        <p:nvPr/>
-      </p:nvGrpSpPr>
-      <p:grpSpPr>
-        <a:xfrm>
-          <a:off x="0" y="0"/>
-          <a:ext cx="0" cy="0"/>
-          <a:chOff x="0" y="0"/>
-          <a:chExt cx="0" cy="0"/>
-        </a:xfrm>
-      </p:grpSpPr>
-      <p:sp>
-        <p:nvSpPr>
-          <p:cNvPr id="2" name="Title 1"/>
-          <p:cNvSpPr>
-            <a:spLocks noGrp="1"/>
-          </p:cNvSpPr>
-          <p:nvPr>
-            <p:ph type="title"/>
-          </p:nvPr>
-        </p:nvSpPr>
-        <p:spPr/>
-        <p:txBody>
-          <a:bodyPr/>
-          <a:lstStyle/>
-          <a:p>
-            <a:r>
-              <a:rPr lang="en-US" dirty="0" smtClean="0">
-                <a:latin typeface="American Typewriter"/>
-                <a:cs typeface="American Typewriter"/>
-              </a:rPr>
-              <a:t>Stroop Project</a:t>
-            </a:r>
-            <a:endParaRPr lang="en-US" dirty="0">
-              <a:latin typeface="American Typewriter"/>
-              <a:cs typeface="American Typewriter"/>
-            </a:endParaRPr>
-          </a:p>
-        </p:txBody>
-      </p:sp>
-      <p:sp>
-        <p:nvSpPr>
-          <p:cNvPr id="3" name="Content Placeholder 2"/>
-          <p:cNvSpPr>
-            <a:spLocks noGrp="1"/>
-          </p:cNvSpPr>
-          <p:nvPr>
-            <p:ph idx="1"/>
-          </p:nvPr>
-        </p:nvSpPr>
-        <p:spPr/>
-        <p:txBody>
-          <a:bodyPr>
-            <a:normAutofit lnSpcReduction="10000"/>
-          </a:bodyPr>
-          <a:lstStyle/>
-          <a:p>
-            <a:r>
-              <a:rPr lang="en-US" sz="2800" dirty="0" smtClean="0">
-                <a:latin typeface="American Typewriter"/>
-                <a:cs typeface="American Typewriter"/>
-              </a:rPr>
-              <a:t>Everybody will be BOTH </a:t>
-            </a:r>
-          </a:p>
-          <a:p>
-            <a:pPr lvl="1"/>
-            <a:r>
-              <a:rPr lang="en-US" sz="2600" dirty="0" smtClean="0">
-                <a:latin typeface="American Typewriter"/>
-                <a:cs typeface="American Typewriter"/>
-              </a:rPr>
-              <a:t>a participant (first)</a:t>
-            </a:r>
-          </a:p>
-          <a:p>
-            <a:pPr lvl="1"/>
-            <a:r>
-              <a:rPr lang="en-US" sz="2600" dirty="0" smtClean="0">
-                <a:latin typeface="American Typewriter"/>
-                <a:cs typeface="American Typewriter"/>
-              </a:rPr>
-              <a:t>a researcher (after you have completed the test as a participant)</a:t>
-            </a:r>
-          </a:p>
-          <a:p>
-            <a:pPr lvl="1"/>
-            <a:r>
-              <a:rPr lang="en-US" sz="2600" dirty="0" smtClean="0">
-                <a:latin typeface="American Typewriter"/>
-                <a:cs typeface="American Typewriter"/>
-              </a:rPr>
-              <a:t>The slip of paper gives you a subject number and the order of the conditions you will do</a:t>
-            </a:r>
-          </a:p>
-          <a:p>
-            <a:pPr lvl="1"/>
-            <a:endParaRPr lang="en-US" sz="2600" dirty="0">
-              <a:latin typeface="American Typewriter"/>
-              <a:cs typeface="American Typewriter"/>
-            </a:endParaRPr>
-          </a:p>
-          <a:p>
-            <a:pPr lvl="1"/>
-            <a:r>
-              <a:rPr lang="en-US" sz="2600" dirty="0" smtClean="0">
-                <a:latin typeface="American Typewriter"/>
-                <a:cs typeface="American Typewriter"/>
-              </a:rPr>
-              <a:t>We will be heading out to the foyer/steps and then coming back into the room in groups. </a:t>
-            </a:r>
-          </a:p>
-          <a:p>
-            <a:pPr lvl="1"/>
-            <a:endParaRPr lang="en-US" sz="2600" dirty="0">
-              <a:latin typeface="American Typewriter"/>
-              <a:cs typeface="American Typewriter"/>
-            </a:endParaRPr>
-          </a:p>
-          <a:p>
-            <a:pPr lvl="1"/>
-            <a:endParaRPr lang="en-US" sz="2600" dirty="0" smtClean="0">
-              <a:latin typeface="American Typewriter"/>
-              <a:cs typeface="American Typewriter"/>
-            </a:endParaRPr>
-          </a:p>
-          <a:p>
-            <a:pPr marL="349250" lvl="1" indent="0">
-              <a:buNone/>
-            </a:pPr>
-            <a:endParaRPr lang="en-US" dirty="0" smtClean="0">
-              <a:latin typeface="American Typewriter"/>
-              <a:cs typeface="American Typewriter"/>
-            </a:endParaRPr>
-          </a:p>
-          <a:p>
-            <a:endParaRPr lang="en-US" dirty="0" smtClean="0">
-              <a:latin typeface="American Typewriter"/>
-              <a:cs typeface="American Typewriter"/>
-            </a:endParaRPr>
-          </a:p>
-        </p:txBody>
-      </p:sp>
-      <p:sp>
-        <p:nvSpPr>
-          <p:cNvPr id="5" name="Date Placeholder 4"/>
-          <p:cNvSpPr>
-            <a:spLocks noGrp="1"/>
-          </p:cNvSpPr>
-          <p:nvPr>
-            <p:ph type="dt" sz="half" idx="10"/>
-          </p:nvPr>
-        </p:nvSpPr>
-        <p:spPr/>
-        <p:txBody>
-          <a:bodyPr/>
-          <a:lstStyle/>
-          <a:p>
-            <a:fld id="{32422658-1E9C-D94A-9284-BEDBD3922BD4}" type="datetime1">
-              <a:rPr lang="en-US" smtClean="0"/>
-              <a:pPr/>
-              <a:t>1/18/2016</a:t>
-            </a:fld>
-            <a:endParaRPr lang="en-US"/>
-          </a:p>
-        </p:txBody>
-      </p:sp>
-      <p:sp>
-        <p:nvSpPr>
-          <p:cNvPr id="6" name="Footer Placeholder 5"/>
-          <p:cNvSpPr>
-            <a:spLocks noGrp="1"/>
-          </p:cNvSpPr>
-          <p:nvPr>
-            <p:ph type="ftr" sz="quarter" idx="11"/>
-          </p:nvPr>
-        </p:nvSpPr>
-        <p:spPr/>
-        <p:txBody>
-          <a:bodyPr/>
-          <a:lstStyle/>
-          <a:p>
-            <a:endParaRPr lang="en-US"/>
-          </a:p>
-        </p:txBody>
-      </p:sp>
-      <p:sp>
-        <p:nvSpPr>
-          <p:cNvPr id="7" name="Slide Number Placeholder 6"/>
-          <p:cNvSpPr>
-            <a:spLocks noGrp="1"/>
-          </p:cNvSpPr>
-          <p:nvPr>
-            <p:ph type="sldNum" sz="quarter" idx="12"/>
-          </p:nvPr>
-        </p:nvSpPr>
-        <p:spPr/>
-        <p:txBody>
-          <a:bodyPr/>
-          <a:lstStyle/>
-          <a:p>
-            <a:fld id="{7F5CE407-6216-4202-80E4-A30DC2F709B2}" type="slidenum">
-              <a:rPr lang="en-US" smtClean="0"/>
-              <a:pPr/>
-              <a:t>9</a:t>
-            </a:fld>
-            <a:endParaRPr lang="en-US"/>
-          </a:p>
-        </p:txBody>
-      </p:sp>
-      <p:sp>
-        <p:nvSpPr>
-          <p:cNvPr id="4" name="TextBox 3"/>
-          <p:cNvSpPr txBox="1"/>
-          <p:nvPr/>
-        </p:nvSpPr>
-        <p:spPr>
-          <a:xfrm>
-            <a:off x="3007620" y="4228375"/>
-            <a:ext cx="3909906" cy="769441"/>
-          </a:xfrm>
-          <a:prstGeom prst="rect">
-            <a:avLst/>
-          </a:prstGeom>
-          <a:noFill/>
-        </p:spPr>
-        <p:txBody>
-          <a:bodyPr wrap="square" rtlCol="0">
-            <a:spAutoFit/>
-          </a:bodyPr>
-          <a:lstStyle/>
-          <a:p>
-            <a:pPr algn="just"/>
-            <a:r>
-              <a:rPr lang="en-US" sz="4400" dirty="0" smtClean="0">
-                <a:solidFill>
-                  <a:schemeClr val="accent6">
-                    <a:lumMod val="60000"/>
-                    <a:lumOff val="40000"/>
-                  </a:schemeClr>
-                </a:solidFill>
-              </a:rPr>
-              <a:t> </a:t>
-            </a:r>
-            <a:endParaRPr lang="en-US" sz="4400" dirty="0">
-              <a:solidFill>
-                <a:schemeClr val="accent6">
-                  <a:lumMod val="60000"/>
-                  <a:lumOff val="40000"/>
-                </a:schemeClr>
-              </a:solidFill>
-            </a:endParaRPr>
-          </a:p>
-        </p:txBody>
-      </p:sp>
-    </p:spTree>
-    <p:extLst>
-      <p:ext uri="{BB962C8B-B14F-4D97-AF65-F5344CB8AC3E}">
-        <p14:creationId xmlns:p14="http://schemas.microsoft.com/office/powerpoint/2010/main" val="2492736203"/>
-      </p:ext>
-    </p:extLst>
-  </p:cSld>
-  <p:clrMapOvr>
-    <a:masterClrMapping/>
-  </p:clrMapOvr>
-  <p:timing>
-    <p:tnLst>
-      <p:par>
-        <p:cTn id="1" dur="indefinite" restart="never" nodeType="tmRoot">
-          <p:childTnLst>
-            <p:seq concurrent="1" nextAc="seek">
-              <p:cTn id="2" dur="indefinite" nodeType="mainSeq">
-                <p:childTnLst>
-                  <p:par>
-                    <p:cTn id="3" fill="hold">
-                      <p:stCondLst>
-                        <p:cond delay="indefinite"/>
-                      </p:stCondLst>
-                      <p:childTnLst>
-                        <p:par>
-                          <p:cTn id="4" fill="hold">
-                            <p:stCondLst>
-                              <p:cond delay="0"/>
-                            </p:stCondLst>
-                            <p:childTnLst>
-                              <p:par>
-                                <p:cTn id="5" presetID="1" presetClass="entr" presetSubtype="0" fill="hold" grpId="0" nodeType="clickEffect">
-                                  <p:stCondLst>
-                                    <p:cond delay="0"/>
-                                  </p:stCondLst>
-                                  <p:childTnLst>
-                                    <p:set>
-                                      <p:cBhvr>
-                                        <p:cTn id="6" dur="1" fill="hold">
-                                          <p:stCondLst>
-                                            <p:cond delay="0"/>
-                                          </p:stCondLst>
-                                        </p:cTn>
-                                        <p:tgtEl>
-                                          <p:spTgt spid="3">
-                                            <p:txEl>
-                                              <p:pRg st="0" end="0"/>
-                                            </p:txEl>
-                                          </p:spTgt>
-                                        </p:tgtEl>
-                                        <p:attrNameLst>
-                                          <p:attrName>style.visibility</p:attrName>
-                                        </p:attrNameLst>
-                                      </p:cBhvr>
-                                      <p:to>
-                                        <p:strVal val="visible"/>
-                                      </p:to>
-                                    </p:set>
-                                  </p:childTnLst>
-                                </p:cTn>
-                              </p:par>
-                            </p:childTnLst>
-                          </p:cTn>
-                        </p:par>
-                      </p:childTnLst>
-                    </p:cTn>
-                  </p:par>
-                  <p:par>
-                    <p:cTn id="7" fill="hold">
-                      <p:stCondLst>
-                        <p:cond delay="indefinite"/>
-                      </p:stCondLst>
-                      <p:childTnLst>
-                        <p:par>
-                          <p:cTn id="8" fill="hold">
-                            <p:stCondLst>
-                              <p:cond delay="0"/>
-                            </p:stCondLst>
-                            <p:childTnLst>
-                              <p:par>
-                                <p:cTn id="9" presetID="1" presetClass="entr" presetSubtype="0" fill="hold" grpId="0" nodeType="clickEffect">
-                                  <p:stCondLst>
-                                    <p:cond delay="0"/>
-                                  </p:stCondLst>
-                                  <p:childTnLst>
-                                    <p:set>
-                                      <p:cBhvr>
-                                        <p:cTn id="10" dur="1" fill="hold">
-                                          <p:stCondLst>
-                                            <p:cond delay="0"/>
-                                          </p:stCondLst>
-                                        </p:cTn>
-                                        <p:tgtEl>
-                                          <p:spTgt spid="3">
-                                            <p:txEl>
-                                              <p:pRg st="1" end="1"/>
-                                            </p:txEl>
-                                          </p:spTgt>
-                                        </p:tgtEl>
-                                        <p:attrNameLst>
-                                          <p:attrName>style.visibility</p:attrName>
-                                        </p:attrNameLst>
-                                      </p:cBhvr>
-                                      <p:to>
-                                        <p:strVal val="visible"/>
-                                      </p:to>
-                                    </p:set>
-                                  </p:childTnLst>
-                                </p:cTn>
-                              </p:par>
-                            </p:childTnLst>
-                          </p:cTn>
-                        </p:par>
-                      </p:childTnLst>
-                    </p:cTn>
-                  </p:par>
-                  <p:par>
-                    <p:cTn id="11" fill="hold">
-                      <p:stCondLst>
-                        <p:cond delay="indefinite"/>
-                      </p:stCondLst>
-                      <p:childTnLst>
-                        <p:par>
-                          <p:cTn id="12" fill="hold">
-                            <p:stCondLst>
-                              <p:cond delay="0"/>
-                            </p:stCondLst>
-                            <p:childTnLst>
-                              <p:par>
-                                <p:cTn id="13" presetID="1" presetClass="entr" presetSubtype="0" fill="hold" grpId="0" nodeType="clickEffect">
-                                  <p:stCondLst>
-                                    <p:cond delay="0"/>
-                                  </p:stCondLst>
-                                  <p:childTnLst>
-                                    <p:set>
-                                      <p:cBhvr>
-                                        <p:cTn id="14" dur="1" fill="hold">
-                                          <p:stCondLst>
-                                            <p:cond delay="0"/>
-                                          </p:stCondLst>
-                                        </p:cTn>
-                                        <p:tgtEl>
-                                          <p:spTgt spid="3">
-                                            <p:txEl>
-                                              <p:pRg st="2" end="2"/>
-                                            </p:txEl>
-                                          </p:spTgt>
-                                        </p:tgtEl>
-                                        <p:attrNameLst>
-                                          <p:attrName>style.visibility</p:attrName>
-                                        </p:attrNameLst>
-                                      </p:cBhvr>
-                                      <p:to>
-                                        <p:strVal val="visible"/>
-                                      </p:to>
-                                    </p:set>
-                                  </p:childTnLst>
-                                </p:cTn>
-                              </p:par>
-                            </p:childTnLst>
-                          </p:cTn>
-                        </p:par>
-                      </p:childTnLst>
-                    </p:cTn>
-                  </p:par>
-                  <p:par>
-                    <p:cTn id="15" fill="hold">
-                      <p:stCondLst>
-                        <p:cond delay="indefinite"/>
-                      </p:stCondLst>
-                      <p:childTnLst>
-                        <p:par>
-                          <p:cTn id="16" fill="hold">
-                            <p:stCondLst>
-                              <p:cond delay="0"/>
-                            </p:stCondLst>
-                            <p:childTnLst>
-                              <p:par>
-                                <p:cTn id="17" presetID="1" presetClass="entr" presetSubtype="0" fill="hold" grpId="0" nodeType="clickEffect">
-                                  <p:stCondLst>
-                                    <p:cond delay="0"/>
-                                  </p:stCondLst>
-                                  <p:childTnLst>
-                                    <p:set>
-                                      <p:cBhvr>
-                                        <p:cTn id="18" dur="1" fill="hold">
-                                          <p:stCondLst>
-                                            <p:cond delay="0"/>
-                                          </p:stCondLst>
-                                        </p:cTn>
-                                        <p:tgtEl>
-                                          <p:spTgt spid="3">
-                                            <p:txEl>
-                                              <p:pRg st="3" end="3"/>
-                                            </p:txEl>
-                                          </p:spTgt>
-                                        </p:tgtEl>
-                                        <p:attrNameLst>
-                                          <p:attrName>style.visibility</p:attrName>
-                                        </p:attrNameLst>
-                                      </p:cBhvr>
-                                      <p:to>
-                                        <p:strVal val="visible"/>
-                                      </p:to>
-                                    </p:set>
-                                  </p:childTnLst>
-                                </p:cTn>
-                              </p:par>
-                              <p:par>
-                                <p:cTn id="19" presetID="1" presetClass="entr" presetSubtype="0" fill="hold" grpId="0" nodeType="withEffect">
-                                  <p:stCondLst>
-                                    <p:cond delay="0"/>
-                                  </p:stCondLst>
-                                  <p:childTnLst>
-                                    <p:set>
-                                      <p:cBhvr>
-                                        <p:cTn id="20" dur="1" fill="hold">
-                                          <p:stCondLst>
-                                            <p:cond delay="0"/>
-                                          </p:stCondLst>
-                                        </p:cTn>
-                                        <p:tgtEl>
-                                          <p:spTgt spid="3">
-                                            <p:txEl>
-                                              <p:pRg st="5" end="5"/>
-                                            </p:txEl>
-                                          </p:spTgt>
-                                        </p:tgtEl>
-                                        <p:attrNameLst>
-                                          <p:attrName>style.visibility</p:attrName>
-                                        </p:attrNameLst>
-                                      </p:cBhvr>
-                                      <p:to>
-                                        <p:strVal val="visible"/>
-                                      </p:to>
-                                    </p:set>
-                                  </p:childTnLst>
-                                </p:cTn>
-                              </p:par>
-                            </p:childTnLst>
-                          </p:cTn>
-                        </p:par>
-                      </p:childTnLst>
-                    </p:cTn>
-                  </p:par>
-                </p:childTnLst>
-              </p:cTn>
-              <p:prevCondLst>
-                <p:cond evt="onPrev" delay="0">
-                  <p:tgtEl>
-                    <p:sldTgt/>
-                  </p:tgtEl>
-                </p:cond>
-              </p:prevCondLst>
-              <p:nextCondLst>
-                <p:cond evt="onNext" delay="0">
-                  <p:tgtEl>
-                    <p:sldTgt/>
-                  </p:tgtEl>
-                </p:cond>
-              </p:nextCondLst>
-            </p:seq>
-          </p:childTnLst>
-        </p:cTn>
-      </p:par>
-    </p:tnLst>
-    <p:bldLst>
-      <p:bldP spid="3" grpId="0" build="p"/>
+      <p:bldP spid="5" grpId="0"/>
     </p:bldLst>
   </p:timing>
 </p:sld>
@@ -12680,4 +9314,47 @@
   </a:objectDefaults>
   <a:extraClrSchemeLst/>
 </a:theme>
+</file>
+
+<file path=ppt/theme/themeOverride1.xml><?xml version="1.0" encoding="utf-8"?>
+<a:themeOverride xmlns:a="http://schemas.openxmlformats.org/drawingml/2006/main">
+  <a:clrScheme name="View">
+    <a:dk1>
+      <a:srgbClr val="000000"/>
+    </a:dk1>
+    <a:lt1>
+      <a:srgbClr val="FFFFFF"/>
+    </a:lt1>
+    <a:dk2>
+      <a:srgbClr val="46464A"/>
+    </a:dk2>
+    <a:lt2>
+      <a:srgbClr val="D6D3CC"/>
+    </a:lt2>
+    <a:accent1>
+      <a:srgbClr val="6F6F74"/>
+    </a:accent1>
+    <a:accent2>
+      <a:srgbClr val="92A9B9"/>
+    </a:accent2>
+    <a:accent3>
+      <a:srgbClr val="A7B789"/>
+    </a:accent3>
+    <a:accent4>
+      <a:srgbClr val="B9A489"/>
+    </a:accent4>
+    <a:accent5>
+      <a:srgbClr val="8D6374"/>
+    </a:accent5>
+    <a:accent6>
+      <a:srgbClr val="9B7362"/>
+    </a:accent6>
+    <a:hlink>
+      <a:srgbClr val="67AABF"/>
+    </a:hlink>
+    <a:folHlink>
+      <a:srgbClr val="ABAFA5"/>
+    </a:folHlink>
+  </a:clrScheme>
+</a:themeOverride>
 </file>
--- a/slides/lab1_21jan2016/lab1_21jan2016.pptx
+++ b/slides/lab1_21jan2016/lab1_21jan2016.pptx
@@ -5,19 +5,23 @@
     <p:sldMasterId id="2147483673" r:id="rId1"/>
   </p:sldMasterIdLst>
   <p:notesMasterIdLst>
-    <p:notesMasterId r:id="rId12"/>
+    <p:notesMasterId r:id="rId16"/>
   </p:notesMasterIdLst>
   <p:sldIdLst>
-    <p:sldId id="256" r:id="rId2"/>
-    <p:sldId id="257" r:id="rId3"/>
-    <p:sldId id="263" r:id="rId4"/>
-    <p:sldId id="258" r:id="rId5"/>
-    <p:sldId id="280" r:id="rId6"/>
-    <p:sldId id="283" r:id="rId7"/>
-    <p:sldId id="281" r:id="rId8"/>
-    <p:sldId id="282" r:id="rId9"/>
-    <p:sldId id="284" r:id="rId10"/>
-    <p:sldId id="262" r:id="rId11"/>
+    <p:sldId id="285" r:id="rId2"/>
+    <p:sldId id="256" r:id="rId3"/>
+    <p:sldId id="257" r:id="rId4"/>
+    <p:sldId id="286" r:id="rId5"/>
+    <p:sldId id="263" r:id="rId6"/>
+    <p:sldId id="258" r:id="rId7"/>
+    <p:sldId id="288" r:id="rId8"/>
+    <p:sldId id="280" r:id="rId9"/>
+    <p:sldId id="283" r:id="rId10"/>
+    <p:sldId id="281" r:id="rId11"/>
+    <p:sldId id="282" r:id="rId12"/>
+    <p:sldId id="287" r:id="rId13"/>
+    <p:sldId id="289" r:id="rId14"/>
+    <p:sldId id="284" r:id="rId15"/>
   </p:sldIdLst>
   <p:sldSz cx="9144000" cy="6858000" type="screen4x3"/>
   <p:notesSz cx="6858000" cy="9144000"/>
@@ -533,11 +537,7 @@
           <a:p>
             <a:r>
               <a:rPr lang="en-US" dirty="0" smtClean="0"/>
-              <a:t>Starting with the date</a:t>
-            </a:r>
-            <a:r>
-              <a:rPr lang="en-US" baseline="0" dirty="0" smtClean="0"/>
-              <a:t> and time because that’s basically the theme for the day. Show up! Do the work, and talk to me in advance!</a:t>
+              <a:t>Go to slide page!</a:t>
             </a:r>
             <a:endParaRPr lang="en-US" dirty="0"/>
           </a:p>
@@ -570,7 +570,7 @@
     </p:spTree>
     <p:extLst>
       <p:ext uri="{BB962C8B-B14F-4D97-AF65-F5344CB8AC3E}">
-        <p14:creationId xmlns:p14="http://schemas.microsoft.com/office/powerpoint/2010/main" val="2187014778"/>
+        <p14:creationId xmlns:p14="http://schemas.microsoft.com/office/powerpoint/2010/main" val="3840114664"/>
       </p:ext>
     </p:extLst>
   </p:cSld>
@@ -626,26 +626,12 @@
           <a:p>
             <a:r>
               <a:rPr lang="en-US" dirty="0" smtClean="0"/>
-              <a:t>Cheating: includes copying from another student, using external assistance during an exam, collaborating</a:t>
+              <a:t>TURNITIN is actually</a:t>
             </a:r>
             <a:r>
               <a:rPr lang="en-US" baseline="0" dirty="0" smtClean="0"/>
-              <a:t> with others without the instructor’s permission, obtaining the answers to or a copy of an examination prior to its administration</a:t>
-            </a:r>
-          </a:p>
-          <a:p>
-            <a:r>
-              <a:rPr lang="en-US" baseline="0" dirty="0" smtClean="0"/>
-              <a:t>Fabrication: using invented information, altering and resubmitting returned academic work, misrepresenting the actual source of a quote</a:t>
-            </a:r>
-          </a:p>
-          <a:p>
-            <a:r>
-              <a:rPr lang="en-US" baseline="0" dirty="0" smtClean="0"/>
-              <a:t>Plagiarism: failing to properly identify quotations, failing to acknowledge or cite paraphrasing, submitting papers written by another</a:t>
-            </a:r>
-          </a:p>
-          <a:p>
+              <a:t> an awesome piece of software. Accomplishes the massive challenge of going through _every_ document on the internet and comparing it to yours. In general, you shouldn’t really need to quote something directly. If you do happen to quote a particularly elegant phrasing, make sure it’s properly cited (quotations, original source).</a:t>
+            </a:r>
             <a:endParaRPr lang="en-US" dirty="0"/>
           </a:p>
         </p:txBody>
@@ -677,7 +663,351 @@
     </p:spTree>
     <p:extLst>
       <p:ext uri="{BB962C8B-B14F-4D97-AF65-F5344CB8AC3E}">
-        <p14:creationId xmlns:p14="http://schemas.microsoft.com/office/powerpoint/2010/main" val="3621852281"/>
+        <p14:creationId xmlns:p14="http://schemas.microsoft.com/office/powerpoint/2010/main" val="3986726450"/>
+      </p:ext>
+    </p:extLst>
+  </p:cSld>
+  <p:clrMapOvr>
+    <a:masterClrMapping/>
+  </p:clrMapOvr>
+</p:notes>
+</file>
+
+<file path=ppt/notesSlides/notesSlide11.xml><?xml version="1.0" encoding="utf-8"?>
+<p:notes xmlns:a="http://schemas.openxmlformats.org/drawingml/2006/main" xmlns:r="http://schemas.openxmlformats.org/officeDocument/2006/relationships" xmlns:p="http://schemas.openxmlformats.org/presentationml/2006/main">
+  <p:cSld>
+    <p:spTree>
+      <p:nvGrpSpPr>
+        <p:cNvPr id="1" name=""/>
+        <p:cNvGrpSpPr/>
+        <p:nvPr/>
+      </p:nvGrpSpPr>
+      <p:grpSpPr>
+        <a:xfrm>
+          <a:off x="0" y="0"/>
+          <a:ext cx="0" cy="0"/>
+          <a:chOff x="0" y="0"/>
+          <a:chExt cx="0" cy="0"/>
+        </a:xfrm>
+      </p:grpSpPr>
+      <p:sp>
+        <p:nvSpPr>
+          <p:cNvPr id="2" name="Slide Image Placeholder 1"/>
+          <p:cNvSpPr>
+            <a:spLocks noGrp="1" noRot="1" noChangeAspect="1"/>
+          </p:cNvSpPr>
+          <p:nvPr>
+            <p:ph type="sldImg"/>
+          </p:nvPr>
+        </p:nvSpPr>
+        <p:spPr/>
+      </p:sp>
+      <p:sp>
+        <p:nvSpPr>
+          <p:cNvPr id="3" name="Notes Placeholder 2"/>
+          <p:cNvSpPr>
+            <a:spLocks noGrp="1"/>
+          </p:cNvSpPr>
+          <p:nvPr>
+            <p:ph type="body" idx="1"/>
+          </p:nvPr>
+        </p:nvSpPr>
+        <p:spPr/>
+        <p:txBody>
+          <a:bodyPr/>
+          <a:lstStyle/>
+          <a:p>
+            <a:endParaRPr lang="en-US" dirty="0"/>
+          </a:p>
+        </p:txBody>
+      </p:sp>
+      <p:sp>
+        <p:nvSpPr>
+          <p:cNvPr id="4" name="Slide Number Placeholder 3"/>
+          <p:cNvSpPr>
+            <a:spLocks noGrp="1"/>
+          </p:cNvSpPr>
+          <p:nvPr>
+            <p:ph type="sldNum" sz="quarter" idx="10"/>
+          </p:nvPr>
+        </p:nvSpPr>
+        <p:spPr/>
+        <p:txBody>
+          <a:bodyPr/>
+          <a:lstStyle/>
+          <a:p>
+            <a:fld id="{CCE97362-91F1-A342-824A-05DC1BD650F3}" type="slidenum">
+              <a:rPr lang="en-US" smtClean="0"/>
+              <a:pPr/>
+              <a:t>11</a:t>
+            </a:fld>
+            <a:endParaRPr lang="en-US"/>
+          </a:p>
+        </p:txBody>
+      </p:sp>
+    </p:spTree>
+    <p:extLst>
+      <p:ext uri="{BB962C8B-B14F-4D97-AF65-F5344CB8AC3E}">
+        <p14:creationId xmlns:p14="http://schemas.microsoft.com/office/powerpoint/2010/main" val="703509749"/>
+      </p:ext>
+    </p:extLst>
+  </p:cSld>
+  <p:clrMapOvr>
+    <a:masterClrMapping/>
+  </p:clrMapOvr>
+</p:notes>
+</file>
+
+<file path=ppt/notesSlides/notesSlide12.xml><?xml version="1.0" encoding="utf-8"?>
+<p:notes xmlns:a="http://schemas.openxmlformats.org/drawingml/2006/main" xmlns:r="http://schemas.openxmlformats.org/officeDocument/2006/relationships" xmlns:p="http://schemas.openxmlformats.org/presentationml/2006/main">
+  <p:cSld>
+    <p:spTree>
+      <p:nvGrpSpPr>
+        <p:cNvPr id="1" name=""/>
+        <p:cNvGrpSpPr/>
+        <p:nvPr/>
+      </p:nvGrpSpPr>
+      <p:grpSpPr>
+        <a:xfrm>
+          <a:off x="0" y="0"/>
+          <a:ext cx="0" cy="0"/>
+          <a:chOff x="0" y="0"/>
+          <a:chExt cx="0" cy="0"/>
+        </a:xfrm>
+      </p:grpSpPr>
+      <p:sp>
+        <p:nvSpPr>
+          <p:cNvPr id="2" name="Slide Image Placeholder 1"/>
+          <p:cNvSpPr>
+            <a:spLocks noGrp="1" noRot="1" noChangeAspect="1"/>
+          </p:cNvSpPr>
+          <p:nvPr>
+            <p:ph type="sldImg"/>
+          </p:nvPr>
+        </p:nvSpPr>
+        <p:spPr/>
+      </p:sp>
+      <p:sp>
+        <p:nvSpPr>
+          <p:cNvPr id="3" name="Notes Placeholder 2"/>
+          <p:cNvSpPr>
+            <a:spLocks noGrp="1"/>
+          </p:cNvSpPr>
+          <p:nvPr>
+            <p:ph type="body" idx="1"/>
+          </p:nvPr>
+        </p:nvSpPr>
+        <p:spPr/>
+        <p:txBody>
+          <a:bodyPr/>
+          <a:lstStyle/>
+          <a:p>
+            <a:r>
+              <a:rPr lang="en-US" dirty="0" smtClean="0"/>
+              <a:t>Super Exciting Time to be a researcher!</a:t>
+            </a:r>
+            <a:endParaRPr lang="en-US" dirty="0"/>
+          </a:p>
+        </p:txBody>
+      </p:sp>
+      <p:sp>
+        <p:nvSpPr>
+          <p:cNvPr id="4" name="Slide Number Placeholder 3"/>
+          <p:cNvSpPr>
+            <a:spLocks noGrp="1"/>
+          </p:cNvSpPr>
+          <p:nvPr>
+            <p:ph type="sldNum" sz="quarter" idx="10"/>
+          </p:nvPr>
+        </p:nvSpPr>
+        <p:spPr/>
+        <p:txBody>
+          <a:bodyPr/>
+          <a:lstStyle/>
+          <a:p>
+            <a:fld id="{CCE97362-91F1-A342-824A-05DC1BD650F3}" type="slidenum">
+              <a:rPr lang="en-US" smtClean="0"/>
+              <a:pPr/>
+              <a:t>12</a:t>
+            </a:fld>
+            <a:endParaRPr lang="en-US"/>
+          </a:p>
+        </p:txBody>
+      </p:sp>
+    </p:spTree>
+    <p:extLst>
+      <p:ext uri="{BB962C8B-B14F-4D97-AF65-F5344CB8AC3E}">
+        <p14:creationId xmlns:p14="http://schemas.microsoft.com/office/powerpoint/2010/main" val="1748389064"/>
+      </p:ext>
+    </p:extLst>
+  </p:cSld>
+  <p:clrMapOvr>
+    <a:masterClrMapping/>
+  </p:clrMapOvr>
+</p:notes>
+</file>
+
+<file path=ppt/notesSlides/notesSlide13.xml><?xml version="1.0" encoding="utf-8"?>
+<p:notes xmlns:a="http://schemas.openxmlformats.org/drawingml/2006/main" xmlns:r="http://schemas.openxmlformats.org/officeDocument/2006/relationships" xmlns:p="http://schemas.openxmlformats.org/presentationml/2006/main">
+  <p:cSld>
+    <p:spTree>
+      <p:nvGrpSpPr>
+        <p:cNvPr id="1" name=""/>
+        <p:cNvGrpSpPr/>
+        <p:nvPr/>
+      </p:nvGrpSpPr>
+      <p:grpSpPr>
+        <a:xfrm>
+          <a:off x="0" y="0"/>
+          <a:ext cx="0" cy="0"/>
+          <a:chOff x="0" y="0"/>
+          <a:chExt cx="0" cy="0"/>
+        </a:xfrm>
+      </p:grpSpPr>
+      <p:sp>
+        <p:nvSpPr>
+          <p:cNvPr id="2" name="Slide Image Placeholder 1"/>
+          <p:cNvSpPr>
+            <a:spLocks noGrp="1" noRot="1" noChangeAspect="1"/>
+          </p:cNvSpPr>
+          <p:nvPr>
+            <p:ph type="sldImg"/>
+          </p:nvPr>
+        </p:nvSpPr>
+        <p:spPr/>
+      </p:sp>
+      <p:sp>
+        <p:nvSpPr>
+          <p:cNvPr id="3" name="Notes Placeholder 2"/>
+          <p:cNvSpPr>
+            <a:spLocks noGrp="1"/>
+          </p:cNvSpPr>
+          <p:nvPr>
+            <p:ph type="body" idx="1"/>
+          </p:nvPr>
+        </p:nvSpPr>
+        <p:spPr/>
+        <p:txBody>
+          <a:bodyPr/>
+          <a:lstStyle/>
+          <a:p>
+            <a:endParaRPr lang="en-US" dirty="0"/>
+          </a:p>
+        </p:txBody>
+      </p:sp>
+      <p:sp>
+        <p:nvSpPr>
+          <p:cNvPr id="4" name="Slide Number Placeholder 3"/>
+          <p:cNvSpPr>
+            <a:spLocks noGrp="1"/>
+          </p:cNvSpPr>
+          <p:nvPr>
+            <p:ph type="sldNum" sz="quarter" idx="10"/>
+          </p:nvPr>
+        </p:nvSpPr>
+        <p:spPr/>
+        <p:txBody>
+          <a:bodyPr/>
+          <a:lstStyle/>
+          <a:p>
+            <a:fld id="{CCE97362-91F1-A342-824A-05DC1BD650F3}" type="slidenum">
+              <a:rPr lang="en-US" smtClean="0"/>
+              <a:pPr/>
+              <a:t>13</a:t>
+            </a:fld>
+            <a:endParaRPr lang="en-US"/>
+          </a:p>
+        </p:txBody>
+      </p:sp>
+    </p:spTree>
+    <p:extLst>
+      <p:ext uri="{BB962C8B-B14F-4D97-AF65-F5344CB8AC3E}">
+        <p14:creationId xmlns:p14="http://schemas.microsoft.com/office/powerpoint/2010/main" val="4157715017"/>
+      </p:ext>
+    </p:extLst>
+  </p:cSld>
+  <p:clrMapOvr>
+    <a:masterClrMapping/>
+  </p:clrMapOvr>
+</p:notes>
+</file>
+
+<file path=ppt/notesSlides/notesSlide14.xml><?xml version="1.0" encoding="utf-8"?>
+<p:notes xmlns:a="http://schemas.openxmlformats.org/drawingml/2006/main" xmlns:r="http://schemas.openxmlformats.org/officeDocument/2006/relationships" xmlns:p="http://schemas.openxmlformats.org/presentationml/2006/main">
+  <p:cSld>
+    <p:spTree>
+      <p:nvGrpSpPr>
+        <p:cNvPr id="1" name=""/>
+        <p:cNvGrpSpPr/>
+        <p:nvPr/>
+      </p:nvGrpSpPr>
+      <p:grpSpPr>
+        <a:xfrm>
+          <a:off x="0" y="0"/>
+          <a:ext cx="0" cy="0"/>
+          <a:chOff x="0" y="0"/>
+          <a:chExt cx="0" cy="0"/>
+        </a:xfrm>
+      </p:grpSpPr>
+      <p:sp>
+        <p:nvSpPr>
+          <p:cNvPr id="2" name="Slide Image Placeholder 1"/>
+          <p:cNvSpPr>
+            <a:spLocks noGrp="1" noRot="1" noChangeAspect="1"/>
+          </p:cNvSpPr>
+          <p:nvPr>
+            <p:ph type="sldImg"/>
+          </p:nvPr>
+        </p:nvSpPr>
+        <p:spPr/>
+      </p:sp>
+      <p:sp>
+        <p:nvSpPr>
+          <p:cNvPr id="3" name="Notes Placeholder 2"/>
+          <p:cNvSpPr>
+            <a:spLocks noGrp="1"/>
+          </p:cNvSpPr>
+          <p:nvPr>
+            <p:ph type="body" idx="1"/>
+          </p:nvPr>
+        </p:nvSpPr>
+        <p:spPr/>
+        <p:txBody>
+          <a:bodyPr/>
+          <a:lstStyle/>
+          <a:p>
+            <a:endParaRPr lang="en-US" dirty="0"/>
+          </a:p>
+        </p:txBody>
+      </p:sp>
+      <p:sp>
+        <p:nvSpPr>
+          <p:cNvPr id="4" name="Slide Number Placeholder 3"/>
+          <p:cNvSpPr>
+            <a:spLocks noGrp="1"/>
+          </p:cNvSpPr>
+          <p:nvPr>
+            <p:ph type="sldNum" sz="quarter" idx="10"/>
+          </p:nvPr>
+        </p:nvSpPr>
+        <p:spPr/>
+        <p:txBody>
+          <a:bodyPr/>
+          <a:lstStyle/>
+          <a:p>
+            <a:fld id="{CCE97362-91F1-A342-824A-05DC1BD650F3}" type="slidenum">
+              <a:rPr lang="en-US" smtClean="0"/>
+              <a:pPr/>
+              <a:t>14</a:t>
+            </a:fld>
+            <a:endParaRPr lang="en-US"/>
+          </a:p>
+        </p:txBody>
+      </p:sp>
+    </p:spTree>
+    <p:extLst>
+      <p:ext uri="{BB962C8B-B14F-4D97-AF65-F5344CB8AC3E}">
+        <p14:creationId xmlns:p14="http://schemas.microsoft.com/office/powerpoint/2010/main" val="2935247966"/>
       </p:ext>
     </p:extLst>
   </p:cSld>
@@ -733,7 +1063,11 @@
           <a:p>
             <a:r>
               <a:rPr lang="en-US" dirty="0" smtClean="0"/>
-              <a:t>Go to slide page!</a:t>
+              <a:t>Starting with the date</a:t>
+            </a:r>
+            <a:r>
+              <a:rPr lang="en-US" baseline="0" dirty="0" smtClean="0"/>
+              <a:t> and time because that’s basically the theme for the day. Show up! Do the work, and talk to me in advance!</a:t>
             </a:r>
             <a:endParaRPr lang="en-US" dirty="0"/>
           </a:p>
@@ -766,7 +1100,7 @@
     </p:spTree>
     <p:extLst>
       <p:ext uri="{BB962C8B-B14F-4D97-AF65-F5344CB8AC3E}">
-        <p14:creationId xmlns:p14="http://schemas.microsoft.com/office/powerpoint/2010/main" val="1278467624"/>
+        <p14:creationId xmlns:p14="http://schemas.microsoft.com/office/powerpoint/2010/main" val="2187014778"/>
       </p:ext>
     </p:extLst>
   </p:cSld>
@@ -822,15 +1156,7 @@
           <a:p>
             <a:r>
               <a:rPr lang="en-US" dirty="0" smtClean="0"/>
-              <a:t>Give them</a:t>
-            </a:r>
-            <a:r>
-              <a:rPr lang="en-US" baseline="0" dirty="0" smtClean="0"/>
-              <a:t> ~</a:t>
-            </a:r>
-            <a:r>
-              <a:rPr lang="en-US" dirty="0" smtClean="0"/>
-              <a:t> 5-10 minutes to do this – help them get used to talking in this classroom</a:t>
+              <a:t>Go to slide page!</a:t>
             </a:r>
             <a:endParaRPr lang="en-US" dirty="0"/>
           </a:p>
@@ -863,7 +1189,7 @@
     </p:spTree>
     <p:extLst>
       <p:ext uri="{BB962C8B-B14F-4D97-AF65-F5344CB8AC3E}">
-        <p14:creationId xmlns:p14="http://schemas.microsoft.com/office/powerpoint/2010/main" val="2009533493"/>
+        <p14:creationId xmlns:p14="http://schemas.microsoft.com/office/powerpoint/2010/main" val="1278467624"/>
       </p:ext>
     </p:extLst>
   </p:cSld>
@@ -919,7 +1245,7 @@
           <a:p>
             <a:r>
               <a:rPr lang="en-US" dirty="0" smtClean="0"/>
-              <a:t>Contact new friend to see what was covered in lab, and what you need to do to catch up.</a:t>
+              <a:t>Go to slide page!</a:t>
             </a:r>
             <a:endParaRPr lang="en-US" dirty="0"/>
           </a:p>
@@ -952,7 +1278,7 @@
     </p:spTree>
     <p:extLst>
       <p:ext uri="{BB962C8B-B14F-4D97-AF65-F5344CB8AC3E}">
-        <p14:creationId xmlns:p14="http://schemas.microsoft.com/office/powerpoint/2010/main" val="4074137379"/>
+        <p14:creationId xmlns:p14="http://schemas.microsoft.com/office/powerpoint/2010/main" val="2258322741"/>
       </p:ext>
     </p:extLst>
   </p:cSld>
@@ -1008,7 +1334,15 @@
           <a:p>
             <a:r>
               <a:rPr lang="en-US" dirty="0" smtClean="0"/>
-              <a:t>Contact new friend to see what was covered in lab, and what you need to do to catch up.</a:t>
+              <a:t>Give them</a:t>
+            </a:r>
+            <a:r>
+              <a:rPr lang="en-US" baseline="0" dirty="0" smtClean="0"/>
+              <a:t> ~</a:t>
+            </a:r>
+            <a:r>
+              <a:rPr lang="en-US" dirty="0" smtClean="0"/>
+              <a:t> 5-10 minutes to do this – help them get used to talking in this classroom</a:t>
             </a:r>
             <a:endParaRPr lang="en-US" dirty="0"/>
           </a:p>
@@ -1041,7 +1375,7 @@
     </p:spTree>
     <p:extLst>
       <p:ext uri="{BB962C8B-B14F-4D97-AF65-F5344CB8AC3E}">
-        <p14:creationId xmlns:p14="http://schemas.microsoft.com/office/powerpoint/2010/main" val="1813556588"/>
+        <p14:creationId xmlns:p14="http://schemas.microsoft.com/office/powerpoint/2010/main" val="2009533493"/>
       </p:ext>
     </p:extLst>
   </p:cSld>
@@ -1097,11 +1431,7 @@
           <a:p>
             <a:r>
               <a:rPr lang="en-US" dirty="0" smtClean="0"/>
-              <a:t>TURNITIN is actually</a:t>
-            </a:r>
-            <a:r>
-              <a:rPr lang="en-US" baseline="0" dirty="0" smtClean="0"/>
-              <a:t> an awesome piece of software. Accomplishes the massive challenge of going through _every_ document on the internet and comparing it to yours. In general, you shouldn’t really need to quote something directly. If you do happen to quote a particularly elegant phrasing, make sure it’s properly cited (quotations, original source).</a:t>
+              <a:t>Contact new friend to see what was covered in lab, and what you need to do to catch up.</a:t>
             </a:r>
             <a:endParaRPr lang="en-US" dirty="0"/>
           </a:p>
@@ -1134,7 +1464,7 @@
     </p:spTree>
     <p:extLst>
       <p:ext uri="{BB962C8B-B14F-4D97-AF65-F5344CB8AC3E}">
-        <p14:creationId xmlns:p14="http://schemas.microsoft.com/office/powerpoint/2010/main" val="310028221"/>
+        <p14:creationId xmlns:p14="http://schemas.microsoft.com/office/powerpoint/2010/main" val="4074137379"/>
       </p:ext>
     </p:extLst>
   </p:cSld>
@@ -1190,11 +1520,7 @@
           <a:p>
             <a:r>
               <a:rPr lang="en-US" dirty="0" smtClean="0"/>
-              <a:t>TURNITIN is actually</a:t>
-            </a:r>
-            <a:r>
-              <a:rPr lang="en-US" baseline="0" dirty="0" smtClean="0"/>
-              <a:t> an awesome piece of software. Accomplishes the massive challenge of going through _every_ document on the internet and comparing it to yours. In general, you shouldn’t really need to quote something directly. If you do happen to quote a particularly elegant phrasing, make sure it’s properly cited (quotations, original source).</a:t>
+              <a:t>Contact new friend to see what was covered in lab, and what you need to do to catch up.</a:t>
             </a:r>
             <a:endParaRPr lang="en-US" dirty="0"/>
           </a:p>
@@ -1227,7 +1553,7 @@
     </p:spTree>
     <p:extLst>
       <p:ext uri="{BB962C8B-B14F-4D97-AF65-F5344CB8AC3E}">
-        <p14:creationId xmlns:p14="http://schemas.microsoft.com/office/powerpoint/2010/main" val="3986726450"/>
+        <p14:creationId xmlns:p14="http://schemas.microsoft.com/office/powerpoint/2010/main" val="3108007851"/>
       </p:ext>
     </p:extLst>
   </p:cSld>
@@ -1281,6 +1607,10 @@
           <a:bodyPr/>
           <a:lstStyle/>
           <a:p>
+            <a:r>
+              <a:rPr lang="en-US" dirty="0" smtClean="0"/>
+              <a:t>Contact new friend to see what was covered in lab, and what you need to do to catch up.</a:t>
+            </a:r>
             <a:endParaRPr lang="en-US" dirty="0"/>
           </a:p>
         </p:txBody>
@@ -1312,7 +1642,7 @@
     </p:spTree>
     <p:extLst>
       <p:ext uri="{BB962C8B-B14F-4D97-AF65-F5344CB8AC3E}">
-        <p14:creationId xmlns:p14="http://schemas.microsoft.com/office/powerpoint/2010/main" val="703509749"/>
+        <p14:creationId xmlns:p14="http://schemas.microsoft.com/office/powerpoint/2010/main" val="1813556588"/>
       </p:ext>
     </p:extLst>
   </p:cSld>
@@ -1366,6 +1696,14 @@
           <a:bodyPr/>
           <a:lstStyle/>
           <a:p>
+            <a:r>
+              <a:rPr lang="en-US" dirty="0" smtClean="0"/>
+              <a:t>TURNITIN is actually</a:t>
+            </a:r>
+            <a:r>
+              <a:rPr lang="en-US" baseline="0" dirty="0" smtClean="0"/>
+              <a:t> an awesome piece of software. Accomplishes the massive challenge of going through _every_ document on the internet and comparing it to yours. In general, you shouldn’t really need to quote something directly. If you do happen to quote a particularly elegant phrasing, make sure it’s properly cited (quotations, original source).</a:t>
+            </a:r>
             <a:endParaRPr lang="en-US" dirty="0"/>
           </a:p>
         </p:txBody>
@@ -1397,7 +1735,7 @@
     </p:spTree>
     <p:extLst>
       <p:ext uri="{BB962C8B-B14F-4D97-AF65-F5344CB8AC3E}">
-        <p14:creationId xmlns:p14="http://schemas.microsoft.com/office/powerpoint/2010/main" val="2935247966"/>
+        <p14:creationId xmlns:p14="http://schemas.microsoft.com/office/powerpoint/2010/main" val="310028221"/>
       </p:ext>
     </p:extLst>
   </p:cSld>
@@ -4751,111 +5089,127 @@
             <a:spLocks noGrp="1"/>
           </p:cNvSpPr>
           <p:nvPr>
-            <p:ph type="ctrTitle"/>
+            <p:ph type="title"/>
           </p:nvPr>
         </p:nvSpPr>
         <p:spPr>
           <a:xfrm>
-            <a:off x="633199" y="804982"/>
-            <a:ext cx="8763932" cy="4758339"/>
+            <a:off x="946404" y="365760"/>
+            <a:ext cx="7269480" cy="811530"/>
           </a:xfrm>
         </p:spPr>
         <p:txBody>
-          <a:bodyPr/>
+          <a:bodyPr>
+            <a:normAutofit/>
+          </a:bodyPr>
           <a:lstStyle/>
           <a:p>
             <a:r>
-              <a:rPr lang="en-US" sz="7200" b="1" dirty="0" smtClean="0">
-                <a:latin typeface="Garamond" panose="02020404030301010803" pitchFamily="18" charset="0"/>
-                <a:cs typeface="American Typewriter"/>
-              </a:rPr>
-              <a:t>Welcome! </a:t>
-            </a:r>
-            <a:br>
-              <a:rPr lang="en-US" sz="7200" b="1" dirty="0" smtClean="0">
-                <a:latin typeface="Garamond" panose="02020404030301010803" pitchFamily="18" charset="0"/>
-                <a:cs typeface="American Typewriter"/>
-              </a:rPr>
-            </a:br>
-            <a:r>
-              <a:rPr lang="en-US" sz="7200" b="1" dirty="0" smtClean="0">
-                <a:latin typeface="Garamond" panose="02020404030301010803" pitchFamily="18" charset="0"/>
-                <a:cs typeface="American Typewriter"/>
-              </a:rPr>
-              <a:t>Psych 241 </a:t>
-            </a:r>
-            <a:br>
-              <a:rPr lang="en-US" sz="7200" b="1" dirty="0" smtClean="0">
-                <a:latin typeface="Garamond" panose="02020404030301010803" pitchFamily="18" charset="0"/>
-                <a:cs typeface="American Typewriter"/>
-              </a:rPr>
-            </a:br>
-            <a:r>
-              <a:rPr lang="en-US" sz="7200" b="1" dirty="0" smtClean="0">
-                <a:latin typeface="Garamond" panose="02020404030301010803" pitchFamily="18" charset="0"/>
-                <a:cs typeface="American Typewriter"/>
-              </a:rPr>
-              <a:t>Lab: </a:t>
-            </a:r>
-            <a:r>
-              <a:rPr lang="en-US" sz="7200" b="1" dirty="0" smtClean="0">
-                <a:latin typeface="Garamond" panose="02020404030301010803" pitchFamily="18" charset="0"/>
-                <a:cs typeface="American Typewriter"/>
-              </a:rPr>
-              <a:t>LS</a:t>
-            </a:r>
-            <a:r>
-              <a:rPr lang="en-US" sz="7200" b="1" dirty="0" smtClean="0">
-                <a:latin typeface="Garamond" panose="02020404030301010803" pitchFamily="18" charset="0"/>
-                <a:cs typeface="American Typewriter"/>
-              </a:rPr>
-              <a:t> </a:t>
-            </a:r>
-            <a:r>
-              <a:rPr lang="en-US" sz="7200" b="1" dirty="0" smtClean="0">
-                <a:latin typeface="Garamond" panose="02020404030301010803" pitchFamily="18" charset="0"/>
-                <a:cs typeface="American Typewriter"/>
-              </a:rPr>
-              <a:t/>
-            </a:r>
-            <a:br>
-              <a:rPr lang="en-US" sz="7200" b="1" dirty="0" smtClean="0">
-                <a:latin typeface="Garamond" panose="02020404030301010803" pitchFamily="18" charset="0"/>
-                <a:cs typeface="American Typewriter"/>
-              </a:rPr>
-            </a:br>
-            <a:r>
-              <a:rPr lang="en-US" sz="7200" b="1" dirty="0" smtClean="0">
-                <a:latin typeface="Garamond" panose="02020404030301010803" pitchFamily="18" charset="0"/>
-                <a:cs typeface="American Typewriter"/>
-              </a:rPr>
-              <a:t>T, </a:t>
-            </a:r>
-            <a:r>
-              <a:rPr lang="en-US" sz="7200" b="1" dirty="0" err="1" smtClean="0">
-                <a:latin typeface="Garamond" panose="02020404030301010803" pitchFamily="18" charset="0"/>
-                <a:cs typeface="American Typewriter"/>
-              </a:rPr>
-              <a:t>Th</a:t>
-            </a:r>
-            <a:r>
-              <a:rPr lang="en-US" sz="7200" b="1" dirty="0" smtClean="0">
-                <a:latin typeface="Garamond" panose="02020404030301010803" pitchFamily="18" charset="0"/>
-                <a:cs typeface="American Typewriter"/>
-              </a:rPr>
-              <a:t>: 1:00-2:15</a:t>
-            </a:r>
-            <a:endParaRPr lang="en-US" sz="7200" b="1" dirty="0">
+              <a:rPr lang="en-US" sz="4400" dirty="0" smtClean="0">
+                <a:latin typeface="Garamond" panose="02020404030301010803" pitchFamily="18" charset="0"/>
+                <a:cs typeface="American Typewriter"/>
+              </a:rPr>
+              <a:t>Grab a card and write…</a:t>
+            </a:r>
+            <a:endParaRPr lang="en-US" sz="4400" dirty="0">
               <a:latin typeface="Garamond" panose="02020404030301010803" pitchFamily="18" charset="0"/>
               <a:cs typeface="American Typewriter"/>
             </a:endParaRPr>
           </a:p>
         </p:txBody>
       </p:sp>
+      <p:sp>
+        <p:nvSpPr>
+          <p:cNvPr id="3" name="Content Placeholder 2"/>
+          <p:cNvSpPr>
+            <a:spLocks noGrp="1"/>
+          </p:cNvSpPr>
+          <p:nvPr>
+            <p:ph idx="1"/>
+          </p:nvPr>
+        </p:nvSpPr>
+        <p:spPr>
+          <a:xfrm>
+            <a:off x="125199" y="1600200"/>
+            <a:ext cx="8298712" cy="4587239"/>
+          </a:xfrm>
+        </p:spPr>
+        <p:txBody>
+          <a:bodyPr>
+            <a:normAutofit/>
+          </a:bodyPr>
+          <a:lstStyle/>
+          <a:p>
+            <a:r>
+              <a:rPr lang="en-US" sz="3600" dirty="0">
+                <a:latin typeface="Garamond" panose="02020404030301010803" pitchFamily="18" charset="0"/>
+                <a:cs typeface="American Typewriter"/>
+              </a:rPr>
+              <a:t>y</a:t>
+            </a:r>
+            <a:r>
+              <a:rPr lang="en-US" sz="3600" dirty="0" smtClean="0">
+                <a:latin typeface="Garamond" panose="02020404030301010803" pitchFamily="18" charset="0"/>
+                <a:cs typeface="American Typewriter"/>
+              </a:rPr>
+              <a:t>our name, and what you like to be called</a:t>
+            </a:r>
+          </a:p>
+          <a:p>
+            <a:r>
+              <a:rPr lang="en-US" sz="3600" dirty="0">
+                <a:latin typeface="Garamond" panose="02020404030301010803" pitchFamily="18" charset="0"/>
+                <a:cs typeface="American Typewriter"/>
+              </a:rPr>
+              <a:t>y</a:t>
+            </a:r>
+            <a:r>
+              <a:rPr lang="en-US" sz="3600" dirty="0" smtClean="0">
+                <a:latin typeface="Garamond" panose="02020404030301010803" pitchFamily="18" charset="0"/>
+                <a:cs typeface="American Typewriter"/>
+              </a:rPr>
+              <a:t>our year</a:t>
+            </a:r>
+            <a:endParaRPr lang="en-US" sz="3800" dirty="0" smtClean="0">
+              <a:latin typeface="Garamond" panose="02020404030301010803" pitchFamily="18" charset="0"/>
+              <a:cs typeface="American Typewriter"/>
+            </a:endParaRPr>
+          </a:p>
+          <a:p>
+            <a:r>
+              <a:rPr lang="en-US" sz="3800" dirty="0" smtClean="0">
+                <a:latin typeface="Garamond" panose="02020404030301010803" pitchFamily="18" charset="0"/>
+                <a:cs typeface="American Typewriter"/>
+              </a:rPr>
+              <a:t>which part of Psychology is interesting to you</a:t>
+            </a:r>
+          </a:p>
+          <a:p>
+            <a:r>
+              <a:rPr lang="en-US" sz="3800" dirty="0">
+                <a:latin typeface="Garamond" panose="02020404030301010803" pitchFamily="18" charset="0"/>
+                <a:cs typeface="American Typewriter"/>
+              </a:rPr>
+              <a:t>a</a:t>
+            </a:r>
+            <a:r>
+              <a:rPr lang="en-US" sz="3800" dirty="0" smtClean="0">
+                <a:latin typeface="Garamond" panose="02020404030301010803" pitchFamily="18" charset="0"/>
+                <a:cs typeface="American Typewriter"/>
+              </a:rPr>
+              <a:t>n interesting fact about yourself</a:t>
+            </a:r>
+            <a:endParaRPr lang="en-US" sz="3600" dirty="0" smtClean="0">
+              <a:latin typeface="Garamond" panose="02020404030301010803" pitchFamily="18" charset="0"/>
+              <a:cs typeface="American Typewriter"/>
+            </a:endParaRPr>
+          </a:p>
+        </p:txBody>
+      </p:sp>
     </p:spTree>
     <p:extLst>
       <p:ext uri="{BB962C8B-B14F-4D97-AF65-F5344CB8AC3E}">
-        <p14:creationId xmlns:p14="http://schemas.microsoft.com/office/powerpoint/2010/main" val="1986668808"/>
+        <p14:creationId xmlns:p14="http://schemas.microsoft.com/office/powerpoint/2010/main" val="3458596745"/>
       </p:ext>
     </p:extLst>
   </p:cSld>
@@ -4875,6 +5229,11 @@
 <file path=ppt/slides/slide10.xml><?xml version="1.0" encoding="utf-8"?>
 <p:sld xmlns:a="http://schemas.openxmlformats.org/drawingml/2006/main" xmlns:r="http://schemas.openxmlformats.org/officeDocument/2006/relationships" xmlns:p="http://schemas.openxmlformats.org/presentationml/2006/main">
   <p:cSld>
+    <p:bg>
+      <p:bgRef idx="1001">
+        <a:schemeClr val="bg1"/>
+      </p:bgRef>
+    </p:bg>
     <p:spTree>
       <p:nvGrpSpPr>
         <p:cNvPr id="1" name=""/>
@@ -4891,7 +5250,7 @@
       </p:grpSpPr>
       <p:sp>
         <p:nvSpPr>
-          <p:cNvPr id="2" name="Title 1"/>
+          <p:cNvPr id="5" name="Title 1"/>
           <p:cNvSpPr>
             <a:spLocks noGrp="1"/>
           </p:cNvSpPr>
@@ -4899,20 +5258,27 @@
             <p:ph type="title"/>
           </p:nvPr>
         </p:nvSpPr>
-        <p:spPr/>
-        <p:txBody>
-          <a:bodyPr/>
+        <p:spPr>
+          <a:xfrm>
+            <a:off x="946404" y="365760"/>
+            <a:ext cx="7269480" cy="811530"/>
+          </a:xfrm>
+        </p:spPr>
+        <p:txBody>
+          <a:bodyPr>
+            <a:normAutofit fontScale="90000"/>
+          </a:bodyPr>
           <a:lstStyle/>
           <a:p>
             <a:r>
-              <a:rPr lang="en-US" dirty="0" smtClean="0">
-                <a:latin typeface="American Typewriter"/>
-                <a:cs typeface="American Typewriter"/>
-              </a:rPr>
-              <a:t>Examples of Academic Dishonesty </a:t>
-            </a:r>
-            <a:endParaRPr lang="en-US" dirty="0">
-              <a:latin typeface="American Typewriter"/>
+              <a:rPr lang="en-US" sz="3900" dirty="0" smtClean="0">
+                <a:latin typeface="Garamond" panose="02020404030301010803" pitchFamily="18" charset="0"/>
+                <a:cs typeface="American Typewriter"/>
+              </a:rPr>
+              <a:t>Course Policies, Academic Dishonesty</a:t>
+            </a:r>
+            <a:endParaRPr lang="en-US" sz="3900" dirty="0">
+              <a:latin typeface="Garamond" panose="02020404030301010803" pitchFamily="18" charset="0"/>
               <a:cs typeface="American Typewriter"/>
             </a:endParaRPr>
           </a:p>
@@ -4930,8 +5296,8 @@
         </p:nvSpPr>
         <p:spPr>
           <a:xfrm>
-            <a:off x="549275" y="1600200"/>
-            <a:ext cx="8042276" cy="4766897"/>
+            <a:off x="549275" y="1527644"/>
+            <a:ext cx="7897496" cy="5590926"/>
           </a:xfrm>
         </p:spPr>
         <p:txBody>
@@ -4940,42 +5306,25 @@
           </a:bodyPr>
           <a:lstStyle/>
           <a:p>
-            <a:r>
-              <a:rPr lang="en-US" dirty="0" smtClean="0">
-                <a:latin typeface="American Typewriter"/>
-                <a:cs typeface="American Typewriter"/>
-              </a:rPr>
-              <a:t>Cheating: ‘the use or attempted use of trickery, artifice, deception, fraud and/or misrepresentation of one’s academic work.’ </a:t>
-            </a:r>
-          </a:p>
-          <a:p>
-            <a:r>
-              <a:rPr lang="en-US" dirty="0" smtClean="0">
-                <a:latin typeface="American Typewriter"/>
-                <a:cs typeface="American Typewriter"/>
-              </a:rPr>
-              <a:t>Fabrication: ‘the falsification or invention of any information or citation in any academic exercise’</a:t>
-            </a:r>
-          </a:p>
-          <a:p>
-            <a:r>
-              <a:rPr lang="en-US" dirty="0" smtClean="0">
-                <a:latin typeface="American Typewriter"/>
-                <a:cs typeface="American Typewriter"/>
-              </a:rPr>
-              <a:t>Plagiarism: ‘the representation of the words or ideas of another as one’s own work in any academic exercise’</a:t>
-            </a:r>
-          </a:p>
-          <a:p>
-            <a:r>
-              <a:rPr lang="en-US" dirty="0" smtClean="0">
-                <a:latin typeface="American Typewriter"/>
-                <a:cs typeface="American Typewriter"/>
-              </a:rPr>
-              <a:t>Facilitating dishonesty: ‘knowingly helping or attempting to help another commit any act of academic dishonesty’</a:t>
-            </a:r>
-            <a:endParaRPr lang="en-US" dirty="0">
-              <a:latin typeface="American Typewriter"/>
+            <a:pPr marL="0" indent="0">
+              <a:buNone/>
+            </a:pPr>
+            <a:r>
+              <a:rPr lang="en-US" sz="3300" dirty="0">
+                <a:latin typeface="Garamond" panose="02020404030301010803" pitchFamily="18" charset="0"/>
+                <a:cs typeface="American Typewriter"/>
+              </a:rPr>
+              <a:t>“Since students are expected to be familiar with the Academic Honesty Policy (CP 5-16) and the commonly accepted standards of academic integrity, ignorance of such standards by itself is not sufficient evidence of lack of </a:t>
+            </a:r>
+            <a:r>
+              <a:rPr lang="en-US" sz="3300" dirty="0" smtClean="0">
+                <a:latin typeface="Garamond" panose="02020404030301010803" pitchFamily="18" charset="0"/>
+                <a:cs typeface="American Typewriter"/>
+              </a:rPr>
+              <a:t>intent”</a:t>
+            </a:r>
+            <a:endParaRPr lang="en-US" sz="3300" dirty="0" smtClean="0">
+              <a:latin typeface="Garamond" panose="02020404030301010803" pitchFamily="18" charset="0"/>
               <a:cs typeface="American Typewriter"/>
             </a:endParaRPr>
           </a:p>
@@ -4984,7 +5333,298 @@
     </p:spTree>
     <p:extLst>
       <p:ext uri="{BB962C8B-B14F-4D97-AF65-F5344CB8AC3E}">
-        <p14:creationId xmlns:p14="http://schemas.microsoft.com/office/powerpoint/2010/main" val="764181145"/>
+        <p14:creationId xmlns:p14="http://schemas.microsoft.com/office/powerpoint/2010/main" val="2737704138"/>
+      </p:ext>
+    </p:extLst>
+  </p:cSld>
+  <p:clrMapOvr>
+    <a:overrideClrMapping bg1="lt1" tx1="dk1" bg2="lt2" tx2="dk2" accent1="accent1" accent2="accent2" accent3="accent3" accent4="accent4" accent5="accent5" accent6="accent6" hlink="hlink" folHlink="folHlink"/>
+  </p:clrMapOvr>
+  <p:timing>
+    <p:tnLst>
+      <p:par>
+        <p:cTn id="1" dur="indefinite" restart="never" nodeType="tmRoot">
+          <p:childTnLst>
+            <p:seq concurrent="1" nextAc="seek">
+              <p:cTn id="2" dur="indefinite" nodeType="mainSeq">
+                <p:childTnLst>
+                  <p:par>
+                    <p:cTn id="3" fill="hold">
+                      <p:stCondLst>
+                        <p:cond delay="indefinite"/>
+                        <p:cond evt="onBegin" delay="0">
+                          <p:tn val="2"/>
+                        </p:cond>
+                      </p:stCondLst>
+                      <p:childTnLst>
+                        <p:par>
+                          <p:cTn id="4" fill="hold">
+                            <p:stCondLst>
+                              <p:cond delay="0"/>
+                            </p:stCondLst>
+                            <p:childTnLst>
+                              <p:par>
+                                <p:cTn id="5" presetID="1" presetClass="entr" presetSubtype="0" fill="hold" grpId="0" nodeType="withEffect">
+                                  <p:stCondLst>
+                                    <p:cond delay="0"/>
+                                  </p:stCondLst>
+                                  <p:childTnLst>
+                                    <p:set>
+                                      <p:cBhvr>
+                                        <p:cTn id="6" dur="1" fill="hold">
+                                          <p:stCondLst>
+                                            <p:cond delay="0"/>
+                                          </p:stCondLst>
+                                        </p:cTn>
+                                        <p:tgtEl>
+                                          <p:spTgt spid="5"/>
+                                        </p:tgtEl>
+                                        <p:attrNameLst>
+                                          <p:attrName>style.visibility</p:attrName>
+                                        </p:attrNameLst>
+                                      </p:cBhvr>
+                                      <p:to>
+                                        <p:strVal val="visible"/>
+                                      </p:to>
+                                    </p:set>
+                                  </p:childTnLst>
+                                </p:cTn>
+                              </p:par>
+                            </p:childTnLst>
+                          </p:cTn>
+                        </p:par>
+                      </p:childTnLst>
+                    </p:cTn>
+                  </p:par>
+                  <p:par>
+                    <p:cTn id="7" fill="hold">
+                      <p:stCondLst>
+                        <p:cond delay="indefinite"/>
+                      </p:stCondLst>
+                      <p:childTnLst>
+                        <p:par>
+                          <p:cTn id="8" fill="hold">
+                            <p:stCondLst>
+                              <p:cond delay="0"/>
+                            </p:stCondLst>
+                            <p:childTnLst>
+                              <p:par>
+                                <p:cTn id="9" presetID="1" presetClass="entr" presetSubtype="0" fill="hold" grpId="0" nodeType="clickEffect">
+                                  <p:stCondLst>
+                                    <p:cond delay="0"/>
+                                  </p:stCondLst>
+                                  <p:childTnLst>
+                                    <p:set>
+                                      <p:cBhvr>
+                                        <p:cTn id="10" dur="1" fill="hold">
+                                          <p:stCondLst>
+                                            <p:cond delay="0"/>
+                                          </p:stCondLst>
+                                        </p:cTn>
+                                        <p:tgtEl>
+                                          <p:spTgt spid="3">
+                                            <p:txEl>
+                                              <p:pRg st="0" end="0"/>
+                                            </p:txEl>
+                                          </p:spTgt>
+                                        </p:tgtEl>
+                                        <p:attrNameLst>
+                                          <p:attrName>style.visibility</p:attrName>
+                                        </p:attrNameLst>
+                                      </p:cBhvr>
+                                      <p:to>
+                                        <p:strVal val="visible"/>
+                                      </p:to>
+                                    </p:set>
+                                  </p:childTnLst>
+                                </p:cTn>
+                              </p:par>
+                            </p:childTnLst>
+                          </p:cTn>
+                        </p:par>
+                      </p:childTnLst>
+                    </p:cTn>
+                  </p:par>
+                </p:childTnLst>
+              </p:cTn>
+              <p:prevCondLst>
+                <p:cond evt="onPrev" delay="0">
+                  <p:tgtEl>
+                    <p:sldTgt/>
+                  </p:tgtEl>
+                </p:cond>
+              </p:prevCondLst>
+              <p:nextCondLst>
+                <p:cond evt="onNext" delay="0">
+                  <p:tgtEl>
+                    <p:sldTgt/>
+                  </p:tgtEl>
+                </p:cond>
+              </p:nextCondLst>
+            </p:seq>
+          </p:childTnLst>
+        </p:cTn>
+      </p:par>
+    </p:tnLst>
+    <p:bldLst>
+      <p:bldP spid="5" grpId="0"/>
+      <p:bldP spid="3" grpId="0" build="p"/>
+    </p:bldLst>
+  </p:timing>
+</p:sld>
+</file>
+
+<file path=ppt/slides/slide11.xml><?xml version="1.0" encoding="utf-8"?>
+<p:sld xmlns:a="http://schemas.openxmlformats.org/drawingml/2006/main" xmlns:r="http://schemas.openxmlformats.org/officeDocument/2006/relationships" xmlns:p="http://schemas.openxmlformats.org/presentationml/2006/main">
+  <p:cSld>
+    <p:spTree>
+      <p:nvGrpSpPr>
+        <p:cNvPr id="1" name=""/>
+        <p:cNvGrpSpPr/>
+        <p:nvPr/>
+      </p:nvGrpSpPr>
+      <p:grpSpPr>
+        <a:xfrm>
+          <a:off x="0" y="0"/>
+          <a:ext cx="0" cy="0"/>
+          <a:chOff x="0" y="0"/>
+          <a:chExt cx="0" cy="0"/>
+        </a:xfrm>
+      </p:grpSpPr>
+      <p:sp>
+        <p:nvSpPr>
+          <p:cNvPr id="3" name="Content Placeholder 2"/>
+          <p:cNvSpPr>
+            <a:spLocks noGrp="1"/>
+          </p:cNvSpPr>
+          <p:nvPr>
+            <p:ph idx="1"/>
+          </p:nvPr>
+        </p:nvSpPr>
+        <p:spPr>
+          <a:xfrm>
+            <a:off x="549275" y="1527644"/>
+            <a:ext cx="7897496" cy="5590926"/>
+          </a:xfrm>
+        </p:spPr>
+        <p:txBody>
+          <a:bodyPr>
+            <a:normAutofit/>
+          </a:bodyPr>
+          <a:lstStyle/>
+          <a:p>
+            <a:pPr>
+              <a:buFontTx/>
+              <a:buChar char="•"/>
+            </a:pPr>
+            <a:r>
+              <a:rPr lang="en-US" sz="3300" dirty="0" smtClean="0">
+                <a:latin typeface="Garamond" panose="02020404030301010803" pitchFamily="18" charset="0"/>
+                <a:cs typeface="American Typewriter"/>
+              </a:rPr>
+              <a:t>Course and Academic Honesty policies from Moodle</a:t>
+            </a:r>
+            <a:endParaRPr lang="en-US" sz="3100" dirty="0" smtClean="0">
+              <a:latin typeface="Garamond" panose="02020404030301010803" pitchFamily="18" charset="0"/>
+              <a:cs typeface="American Typewriter"/>
+            </a:endParaRPr>
+          </a:p>
+          <a:p>
+            <a:pPr>
+              <a:buFontTx/>
+              <a:buChar char="•"/>
+            </a:pPr>
+            <a:r>
+              <a:rPr lang="en-US" sz="3300" dirty="0" smtClean="0">
+                <a:latin typeface="Garamond" panose="02020404030301010803" pitchFamily="18" charset="0"/>
+                <a:cs typeface="American Typewriter"/>
+              </a:rPr>
+              <a:t>There will be a Quiz on these next </a:t>
+            </a:r>
+            <a:r>
+              <a:rPr lang="en-US" sz="3300" dirty="0" smtClean="0">
+                <a:latin typeface="Garamond" panose="02020404030301010803" pitchFamily="18" charset="0"/>
+                <a:cs typeface="American Typewriter"/>
+              </a:rPr>
+              <a:t>Tuesday</a:t>
+            </a:r>
+          </a:p>
+          <a:p>
+            <a:pPr lvl="1">
+              <a:buFontTx/>
+              <a:buChar char="•"/>
+            </a:pPr>
+            <a:r>
+              <a:rPr lang="en-US" sz="3100" dirty="0" smtClean="0">
+                <a:latin typeface="Garamond" panose="02020404030301010803" pitchFamily="18" charset="0"/>
+                <a:cs typeface="American Typewriter"/>
+              </a:rPr>
+              <a:t>This material is also on pages 2-4 of the course packet</a:t>
+            </a:r>
+            <a:endParaRPr lang="en-US" sz="3100" dirty="0" smtClean="0">
+              <a:latin typeface="Garamond" panose="02020404030301010803" pitchFamily="18" charset="0"/>
+              <a:cs typeface="American Typewriter"/>
+            </a:endParaRPr>
+          </a:p>
+          <a:p>
+            <a:pPr>
+              <a:buFontTx/>
+              <a:buChar char="•"/>
+            </a:pPr>
+            <a:r>
+              <a:rPr lang="en-US" sz="3300" dirty="0" smtClean="0">
+                <a:latin typeface="Garamond" panose="02020404030301010803" pitchFamily="18" charset="0"/>
+                <a:cs typeface="American Typewriter"/>
+              </a:rPr>
+              <a:t>Bring your Course Packet next Tuesday!</a:t>
+            </a:r>
+            <a:endParaRPr lang="en-US" sz="3300" dirty="0" smtClean="0">
+              <a:latin typeface="Garamond" panose="02020404030301010803" pitchFamily="18" charset="0"/>
+              <a:cs typeface="American Typewriter"/>
+            </a:endParaRPr>
+          </a:p>
+        </p:txBody>
+      </p:sp>
+      <p:sp>
+        <p:nvSpPr>
+          <p:cNvPr id="5" name="Title 1"/>
+          <p:cNvSpPr>
+            <a:spLocks noGrp="1"/>
+          </p:cNvSpPr>
+          <p:nvPr>
+            <p:ph type="title"/>
+          </p:nvPr>
+        </p:nvSpPr>
+        <p:spPr>
+          <a:xfrm>
+            <a:off x="946404" y="365760"/>
+            <a:ext cx="7269480" cy="811530"/>
+          </a:xfrm>
+        </p:spPr>
+        <p:txBody>
+          <a:bodyPr>
+            <a:normAutofit/>
+          </a:bodyPr>
+          <a:lstStyle/>
+          <a:p>
+            <a:r>
+              <a:rPr lang="en-US" sz="4400" dirty="0" smtClean="0">
+                <a:latin typeface="Garamond" panose="02020404030301010803" pitchFamily="18" charset="0"/>
+                <a:cs typeface="American Typewriter"/>
+              </a:rPr>
+              <a:t>Homework Assignments</a:t>
+            </a:r>
+            <a:endParaRPr lang="en-US" sz="4400" dirty="0">
+              <a:latin typeface="Garamond" panose="02020404030301010803" pitchFamily="18" charset="0"/>
+              <a:cs typeface="American Typewriter"/>
+            </a:endParaRPr>
+          </a:p>
+        </p:txBody>
+      </p:sp>
+    </p:spTree>
+    <p:extLst>
+      <p:ext uri="{BB962C8B-B14F-4D97-AF65-F5344CB8AC3E}">
+        <p14:creationId xmlns:p14="http://schemas.microsoft.com/office/powerpoint/2010/main" val="3379291469"/>
       </p:ext>
     </p:extLst>
   </p:cSld>
@@ -5003,6 +5643,9 @@
                     <p:cTn id="3" fill="hold">
                       <p:stCondLst>
                         <p:cond delay="indefinite"/>
+                        <p:cond evt="onBegin" delay="0">
+                          <p:tn val="2"/>
+                        </p:cond>
                       </p:stCondLst>
                       <p:childTnLst>
                         <p:par>
@@ -5012,7 +5655,7 @@
                             </p:stCondLst>
                             <p:childTnLst>
                               <p:par>
-                                <p:cTn id="5" presetID="1" presetClass="entr" presetSubtype="0" fill="hold" grpId="0" nodeType="clickEffect">
+                                <p:cTn id="5" presetID="1" presetClass="entr" presetSubtype="0" fill="hold" grpId="0" nodeType="withEffect">
                                   <p:stCondLst>
                                     <p:cond delay="0"/>
                                   </p:stCondLst>
@@ -5025,7 +5668,7 @@
                                           </p:stCondLst>
                                         </p:cTn>
                                         <p:tgtEl>
-                                          <p:spTgt spid="2"/>
+                                          <p:spTgt spid="5"/>
                                         </p:tgtEl>
                                         <p:attrNameLst>
                                           <p:attrName>style.visibility</p:attrName>
@@ -5136,33 +5779,15 @@
                                   </p:childTnLst>
                                 </p:cTn>
                               </p:par>
-                            </p:childTnLst>
-                          </p:cTn>
-                        </p:par>
-                      </p:childTnLst>
-                    </p:cTn>
-                  </p:par>
-                  <p:par>
-                    <p:cTn id="15" fill="hold">
-                      <p:stCondLst>
-                        <p:cond delay="indefinite"/>
-                      </p:stCondLst>
-                      <p:childTnLst>
-                        <p:par>
-                          <p:cTn id="16" fill="hold">
-                            <p:stCondLst>
-                              <p:cond delay="0"/>
-                            </p:stCondLst>
-                            <p:childTnLst>
                               <p:par>
-                                <p:cTn id="17" presetID="1" presetClass="entr" presetSubtype="0" fill="hold" grpId="0" nodeType="clickEffect">
+                                <p:cTn id="15" presetID="1" presetClass="entr" presetSubtype="0" fill="hold" grpId="0" nodeType="withEffect">
                                   <p:stCondLst>
                                     <p:cond delay="0"/>
                                   </p:stCondLst>
                                   <p:childTnLst>
                                     <p:set>
                                       <p:cBhvr>
-                                        <p:cTn id="18" dur="1" fill="hold">
+                                        <p:cTn id="16" dur="1" fill="hold">
                                           <p:stCondLst>
                                             <p:cond delay="0"/>
                                           </p:stCondLst>
@@ -5192,26 +5817,26 @@
                     </p:cTn>
                   </p:par>
                   <p:par>
-                    <p:cTn id="19" fill="hold">
+                    <p:cTn id="17" fill="hold">
                       <p:stCondLst>
                         <p:cond delay="indefinite"/>
                       </p:stCondLst>
                       <p:childTnLst>
                         <p:par>
-                          <p:cTn id="20" fill="hold">
+                          <p:cTn id="18" fill="hold">
                             <p:stCondLst>
                               <p:cond delay="0"/>
                             </p:stCondLst>
                             <p:childTnLst>
                               <p:par>
-                                <p:cTn id="21" presetID="1" presetClass="entr" presetSubtype="0" fill="hold" grpId="0" nodeType="clickEffect">
+                                <p:cTn id="19" presetID="1" presetClass="entr" presetSubtype="0" fill="hold" grpId="0" nodeType="clickEffect">
                                   <p:stCondLst>
                                     <p:cond delay="0"/>
                                   </p:stCondLst>
                                   <p:childTnLst>
                                     <p:set>
                                       <p:cBhvr>
-                                        <p:cTn id="22" dur="1" fill="hold">
+                                        <p:cTn id="20" dur="1" fill="hold">
                                           <p:stCondLst>
                                             <p:cond delay="0"/>
                                           </p:stCondLst>
@@ -5262,9 +5887,336 @@
       </p:par>
     </p:tnLst>
     <p:bldLst>
-      <p:bldP spid="2" grpId="0"/>
-      <p:bldP spid="3" grpId="0" build="p"/>
+      <p:bldP spid="3" grpId="0" uiExpand="1" build="p"/>
+      <p:bldP spid="5" grpId="0"/>
     </p:bldLst>
+  </p:timing>
+</p:sld>
+</file>
+
+<file path=ppt/slides/slide12.xml><?xml version="1.0" encoding="utf-8"?>
+<p:sld xmlns:a="http://schemas.openxmlformats.org/drawingml/2006/main" xmlns:r="http://schemas.openxmlformats.org/officeDocument/2006/relationships" xmlns:p="http://schemas.openxmlformats.org/presentationml/2006/main">
+  <p:cSld>
+    <p:spTree>
+      <p:nvGrpSpPr>
+        <p:cNvPr id="1" name=""/>
+        <p:cNvGrpSpPr/>
+        <p:nvPr/>
+      </p:nvGrpSpPr>
+      <p:grpSpPr>
+        <a:xfrm>
+          <a:off x="0" y="0"/>
+          <a:ext cx="0" cy="0"/>
+          <a:chOff x="0" y="0"/>
+          <a:chExt cx="0" cy="0"/>
+        </a:xfrm>
+      </p:grpSpPr>
+      <p:pic>
+        <p:nvPicPr>
+          <p:cNvPr id="4" name="Picture 3"/>
+          <p:cNvPicPr>
+            <a:picLocks noChangeAspect="1"/>
+          </p:cNvPicPr>
+          <p:nvPr/>
+        </p:nvPicPr>
+        <p:blipFill>
+          <a:blip r:embed="rId3"/>
+          <a:stretch>
+            <a:fillRect/>
+          </a:stretch>
+        </p:blipFill>
+        <p:spPr>
+          <a:xfrm>
+            <a:off x="-32980" y="697878"/>
+            <a:ext cx="9176980" cy="4581182"/>
+          </a:xfrm>
+          <a:prstGeom prst="rect">
+            <a:avLst/>
+          </a:prstGeom>
+        </p:spPr>
+      </p:pic>
+    </p:spTree>
+    <p:extLst>
+      <p:ext uri="{BB962C8B-B14F-4D97-AF65-F5344CB8AC3E}">
+        <p14:creationId xmlns:p14="http://schemas.microsoft.com/office/powerpoint/2010/main" val="732906150"/>
+      </p:ext>
+    </p:extLst>
+  </p:cSld>
+  <p:clrMapOvr>
+    <a:masterClrMapping/>
+  </p:clrMapOvr>
+  <p:timing>
+    <p:tnLst>
+      <p:par>
+        <p:cTn id="1" dur="indefinite" restart="never" nodeType="tmRoot"/>
+      </p:par>
+    </p:tnLst>
+  </p:timing>
+</p:sld>
+</file>
+
+<file path=ppt/slides/slide13.xml><?xml version="1.0" encoding="utf-8"?>
+<p:sld xmlns:a="http://schemas.openxmlformats.org/drawingml/2006/main" xmlns:r="http://schemas.openxmlformats.org/officeDocument/2006/relationships" xmlns:p="http://schemas.openxmlformats.org/presentationml/2006/main">
+  <p:cSld>
+    <p:spTree>
+      <p:nvGrpSpPr>
+        <p:cNvPr id="1" name=""/>
+        <p:cNvGrpSpPr/>
+        <p:nvPr/>
+      </p:nvGrpSpPr>
+      <p:grpSpPr>
+        <a:xfrm>
+          <a:off x="0" y="0"/>
+          <a:ext cx="0" cy="0"/>
+          <a:chOff x="0" y="0"/>
+          <a:chExt cx="0" cy="0"/>
+        </a:xfrm>
+      </p:grpSpPr>
+      <p:sp>
+        <p:nvSpPr>
+          <p:cNvPr id="3" name="Content Placeholder 2"/>
+          <p:cNvSpPr>
+            <a:spLocks noGrp="1"/>
+          </p:cNvSpPr>
+          <p:nvPr>
+            <p:ph idx="1"/>
+          </p:nvPr>
+        </p:nvSpPr>
+        <p:spPr>
+          <a:xfrm>
+            <a:off x="549275" y="1527644"/>
+            <a:ext cx="7897496" cy="5590926"/>
+          </a:xfrm>
+        </p:spPr>
+        <p:txBody>
+          <a:bodyPr>
+            <a:normAutofit/>
+          </a:bodyPr>
+          <a:lstStyle/>
+          <a:p>
+            <a:pPr>
+              <a:buFontTx/>
+              <a:buChar char="•"/>
+            </a:pPr>
+            <a:r>
+              <a:rPr lang="en-US" sz="3300" dirty="0" smtClean="0">
+                <a:latin typeface="Garamond" panose="02020404030301010803" pitchFamily="18" charset="0"/>
+                <a:cs typeface="American Typewriter"/>
+              </a:rPr>
+              <a:t>Show Up! We’ll run the first experiment of the lab.</a:t>
+            </a:r>
+          </a:p>
+          <a:p>
+            <a:pPr>
+              <a:buFontTx/>
+              <a:buChar char="•"/>
+            </a:pPr>
+            <a:r>
+              <a:rPr lang="en-US" sz="3300" dirty="0" smtClean="0">
+                <a:latin typeface="Garamond" panose="02020404030301010803" pitchFamily="18" charset="0"/>
+                <a:cs typeface="American Typewriter"/>
+              </a:rPr>
+              <a:t>Prepare for Quiz on the Course Policies.</a:t>
+            </a:r>
+            <a:endParaRPr lang="en-US" sz="3100" dirty="0" smtClean="0">
+              <a:latin typeface="Garamond" panose="02020404030301010803" pitchFamily="18" charset="0"/>
+              <a:cs typeface="American Typewriter"/>
+            </a:endParaRPr>
+          </a:p>
+          <a:p>
+            <a:pPr>
+              <a:buFontTx/>
+              <a:buChar char="•"/>
+            </a:pPr>
+            <a:r>
+              <a:rPr lang="en-US" sz="3300" dirty="0" smtClean="0">
+                <a:latin typeface="Garamond" panose="02020404030301010803" pitchFamily="18" charset="0"/>
+                <a:cs typeface="American Typewriter"/>
+              </a:rPr>
+              <a:t>Bring your Course Packet!</a:t>
+            </a:r>
+            <a:endParaRPr lang="en-US" sz="3100" dirty="0" smtClean="0">
+              <a:latin typeface="Garamond" panose="02020404030301010803" pitchFamily="18" charset="0"/>
+              <a:cs typeface="American Typewriter"/>
+            </a:endParaRPr>
+          </a:p>
+        </p:txBody>
+      </p:sp>
+      <p:sp>
+        <p:nvSpPr>
+          <p:cNvPr id="5" name="Title 1"/>
+          <p:cNvSpPr>
+            <a:spLocks noGrp="1"/>
+          </p:cNvSpPr>
+          <p:nvPr>
+            <p:ph type="title"/>
+          </p:nvPr>
+        </p:nvSpPr>
+        <p:spPr>
+          <a:xfrm>
+            <a:off x="946404" y="365760"/>
+            <a:ext cx="7269480" cy="811530"/>
+          </a:xfrm>
+        </p:spPr>
+        <p:txBody>
+          <a:bodyPr>
+            <a:normAutofit/>
+          </a:bodyPr>
+          <a:lstStyle/>
+          <a:p>
+            <a:r>
+              <a:rPr lang="en-US" sz="4400" dirty="0" smtClean="0">
+                <a:latin typeface="Garamond" panose="02020404030301010803" pitchFamily="18" charset="0"/>
+                <a:cs typeface="American Typewriter"/>
+              </a:rPr>
+              <a:t>Nex</a:t>
+            </a:r>
+            <a:r>
+              <a:rPr lang="en-US" sz="4400" dirty="0" smtClean="0">
+                <a:latin typeface="Garamond" panose="02020404030301010803" pitchFamily="18" charset="0"/>
+                <a:cs typeface="American Typewriter"/>
+              </a:rPr>
+              <a:t>t Tuesday, January 26</a:t>
+            </a:r>
+            <a:endParaRPr lang="en-US" sz="4400" dirty="0">
+              <a:latin typeface="Garamond" panose="02020404030301010803" pitchFamily="18" charset="0"/>
+              <a:cs typeface="American Typewriter"/>
+            </a:endParaRPr>
+          </a:p>
+        </p:txBody>
+      </p:sp>
+    </p:spTree>
+    <p:extLst>
+      <p:ext uri="{BB962C8B-B14F-4D97-AF65-F5344CB8AC3E}">
+        <p14:creationId xmlns:p14="http://schemas.microsoft.com/office/powerpoint/2010/main" val="4084997573"/>
+      </p:ext>
+    </p:extLst>
+  </p:cSld>
+  <p:clrMapOvr>
+    <a:masterClrMapping/>
+  </p:clrMapOvr>
+  <p:timing>
+    <p:tnLst>
+      <p:par>
+        <p:cTn id="1" dur="indefinite" restart="never" nodeType="tmRoot"/>
+      </p:par>
+    </p:tnLst>
+  </p:timing>
+</p:sld>
+</file>
+
+<file path=ppt/slides/slide14.xml><?xml version="1.0" encoding="utf-8"?>
+<p:sld xmlns:a="http://schemas.openxmlformats.org/drawingml/2006/main" xmlns:r="http://schemas.openxmlformats.org/officeDocument/2006/relationships" xmlns:p="http://schemas.openxmlformats.org/presentationml/2006/main">
+  <p:cSld>
+    <p:spTree>
+      <p:nvGrpSpPr>
+        <p:cNvPr id="1" name=""/>
+        <p:cNvGrpSpPr/>
+        <p:nvPr/>
+      </p:nvGrpSpPr>
+      <p:grpSpPr>
+        <a:xfrm>
+          <a:off x="0" y="0"/>
+          <a:ext cx="0" cy="0"/>
+          <a:chOff x="0" y="0"/>
+          <a:chExt cx="0" cy="0"/>
+        </a:xfrm>
+      </p:grpSpPr>
+      <p:sp>
+        <p:nvSpPr>
+          <p:cNvPr id="3" name="Content Placeholder 2"/>
+          <p:cNvSpPr>
+            <a:spLocks noGrp="1"/>
+          </p:cNvSpPr>
+          <p:nvPr>
+            <p:ph idx="1"/>
+          </p:nvPr>
+        </p:nvSpPr>
+        <p:spPr>
+          <a:xfrm>
+            <a:off x="549275" y="1527644"/>
+            <a:ext cx="7897496" cy="5590926"/>
+          </a:xfrm>
+        </p:spPr>
+        <p:txBody>
+          <a:bodyPr>
+            <a:normAutofit/>
+          </a:bodyPr>
+          <a:lstStyle/>
+          <a:p>
+            <a:pPr>
+              <a:buFontTx/>
+              <a:buChar char="•"/>
+            </a:pPr>
+            <a:r>
+              <a:rPr lang="en-US" sz="3100" dirty="0" smtClean="0">
+                <a:latin typeface="Garamond" panose="02020404030301010803" pitchFamily="18" charset="0"/>
+                <a:cs typeface="American Typewriter"/>
+              </a:rPr>
+              <a:t>Hope that you’ve enjoyed your first week of classes.</a:t>
+            </a:r>
+          </a:p>
+        </p:txBody>
+      </p:sp>
+      <p:sp>
+        <p:nvSpPr>
+          <p:cNvPr id="5" name="Title 1"/>
+          <p:cNvSpPr>
+            <a:spLocks noGrp="1"/>
+          </p:cNvSpPr>
+          <p:nvPr>
+            <p:ph type="title"/>
+          </p:nvPr>
+        </p:nvSpPr>
+        <p:spPr>
+          <a:xfrm>
+            <a:off x="946404" y="365760"/>
+            <a:ext cx="7269480" cy="811530"/>
+          </a:xfrm>
+        </p:spPr>
+        <p:txBody>
+          <a:bodyPr>
+            <a:normAutofit/>
+          </a:bodyPr>
+          <a:lstStyle/>
+          <a:p>
+            <a:r>
+              <a:rPr lang="en-US" sz="4400" dirty="0" smtClean="0">
+                <a:latin typeface="Garamond" panose="02020404030301010803" pitchFamily="18" charset="0"/>
+                <a:cs typeface="American Typewriter"/>
+              </a:rPr>
+              <a:t>Hav</a:t>
+            </a:r>
+            <a:r>
+              <a:rPr lang="en-US" sz="4400" dirty="0" smtClean="0">
+                <a:latin typeface="Garamond" panose="02020404030301010803" pitchFamily="18" charset="0"/>
+                <a:cs typeface="American Typewriter"/>
+              </a:rPr>
+              <a:t>e a great semester!</a:t>
+            </a:r>
+            <a:endParaRPr lang="en-US" sz="4400" dirty="0">
+              <a:latin typeface="Garamond" panose="02020404030301010803" pitchFamily="18" charset="0"/>
+              <a:cs typeface="American Typewriter"/>
+            </a:endParaRPr>
+          </a:p>
+        </p:txBody>
+      </p:sp>
+    </p:spTree>
+    <p:extLst>
+      <p:ext uri="{BB962C8B-B14F-4D97-AF65-F5344CB8AC3E}">
+        <p14:creationId xmlns:p14="http://schemas.microsoft.com/office/powerpoint/2010/main" val="64661644"/>
+      </p:ext>
+    </p:extLst>
+  </p:cSld>
+  <p:clrMapOvr>
+    <a:masterClrMapping/>
+  </p:clrMapOvr>
+  <p:timing>
+    <p:tnLst>
+      <p:par>
+        <p:cTn id="1" dur="indefinite" restart="never" nodeType="tmRoot"/>
+      </p:par>
+    </p:tnLst>
   </p:timing>
 </p:sld>
 </file>
@@ -5293,6 +6245,151 @@
             <a:spLocks noGrp="1"/>
           </p:cNvSpPr>
           <p:nvPr>
+            <p:ph type="ctrTitle"/>
+          </p:nvPr>
+        </p:nvSpPr>
+        <p:spPr>
+          <a:xfrm>
+            <a:off x="633199" y="804982"/>
+            <a:ext cx="8763932" cy="4758339"/>
+          </a:xfrm>
+        </p:spPr>
+        <p:txBody>
+          <a:bodyPr/>
+          <a:lstStyle/>
+          <a:p>
+            <a:r>
+              <a:rPr lang="en-US" sz="7200" b="1" dirty="0" smtClean="0">
+                <a:latin typeface="Garamond" panose="02020404030301010803" pitchFamily="18" charset="0"/>
+                <a:cs typeface="American Typewriter"/>
+              </a:rPr>
+              <a:t>Welcome! </a:t>
+            </a:r>
+            <a:br>
+              <a:rPr lang="en-US" sz="7200" b="1" dirty="0" smtClean="0">
+                <a:latin typeface="Garamond" panose="02020404030301010803" pitchFamily="18" charset="0"/>
+                <a:cs typeface="American Typewriter"/>
+              </a:rPr>
+            </a:br>
+            <a:r>
+              <a:rPr lang="en-US" sz="7200" b="1" dirty="0" smtClean="0">
+                <a:latin typeface="Garamond" panose="02020404030301010803" pitchFamily="18" charset="0"/>
+                <a:cs typeface="American Typewriter"/>
+              </a:rPr>
+              <a:t>Psych 241 </a:t>
+            </a:r>
+            <a:br>
+              <a:rPr lang="en-US" sz="7200" b="1" dirty="0" smtClean="0">
+                <a:latin typeface="Garamond" panose="02020404030301010803" pitchFamily="18" charset="0"/>
+                <a:cs typeface="American Typewriter"/>
+              </a:rPr>
+            </a:br>
+            <a:r>
+              <a:rPr lang="en-US" sz="7200" b="1" dirty="0" smtClean="0">
+                <a:latin typeface="Garamond" panose="02020404030301010803" pitchFamily="18" charset="0"/>
+                <a:cs typeface="American Typewriter"/>
+              </a:rPr>
+              <a:t>Lab: </a:t>
+            </a:r>
+            <a:r>
+              <a:rPr lang="en-US" sz="7200" b="1" dirty="0" smtClean="0">
+                <a:latin typeface="Garamond" panose="02020404030301010803" pitchFamily="18" charset="0"/>
+                <a:cs typeface="American Typewriter"/>
+              </a:rPr>
+              <a:t>LS</a:t>
+            </a:r>
+            <a:r>
+              <a:rPr lang="en-US" sz="7200" b="1" dirty="0" smtClean="0">
+                <a:latin typeface="Garamond" panose="02020404030301010803" pitchFamily="18" charset="0"/>
+                <a:cs typeface="American Typewriter"/>
+              </a:rPr>
+              <a:t> </a:t>
+            </a:r>
+            <a:r>
+              <a:rPr lang="en-US" sz="7200" b="1" dirty="0" smtClean="0">
+                <a:latin typeface="Garamond" panose="02020404030301010803" pitchFamily="18" charset="0"/>
+                <a:cs typeface="American Typewriter"/>
+              </a:rPr>
+              <a:t/>
+            </a:r>
+            <a:br>
+              <a:rPr lang="en-US" sz="7200" b="1" dirty="0" smtClean="0">
+                <a:latin typeface="Garamond" panose="02020404030301010803" pitchFamily="18" charset="0"/>
+                <a:cs typeface="American Typewriter"/>
+              </a:rPr>
+            </a:br>
+            <a:r>
+              <a:rPr lang="en-US" sz="7200" b="1" dirty="0" smtClean="0">
+                <a:latin typeface="Garamond" panose="02020404030301010803" pitchFamily="18" charset="0"/>
+                <a:cs typeface="American Typewriter"/>
+              </a:rPr>
+              <a:t>T, </a:t>
+            </a:r>
+            <a:r>
+              <a:rPr lang="en-US" sz="7200" b="1" dirty="0" err="1" smtClean="0">
+                <a:latin typeface="Garamond" panose="02020404030301010803" pitchFamily="18" charset="0"/>
+                <a:cs typeface="American Typewriter"/>
+              </a:rPr>
+              <a:t>Th</a:t>
+            </a:r>
+            <a:r>
+              <a:rPr lang="en-US" sz="7200" b="1" dirty="0" smtClean="0">
+                <a:latin typeface="Garamond" panose="02020404030301010803" pitchFamily="18" charset="0"/>
+                <a:cs typeface="American Typewriter"/>
+              </a:rPr>
+              <a:t>: 1:00-2:15</a:t>
+            </a:r>
+            <a:endParaRPr lang="en-US" sz="7200" b="1" dirty="0">
+              <a:latin typeface="Garamond" panose="02020404030301010803" pitchFamily="18" charset="0"/>
+              <a:cs typeface="American Typewriter"/>
+            </a:endParaRPr>
+          </a:p>
+        </p:txBody>
+      </p:sp>
+    </p:spTree>
+    <p:extLst>
+      <p:ext uri="{BB962C8B-B14F-4D97-AF65-F5344CB8AC3E}">
+        <p14:creationId xmlns:p14="http://schemas.microsoft.com/office/powerpoint/2010/main" val="1986668808"/>
+      </p:ext>
+    </p:extLst>
+  </p:cSld>
+  <p:clrMapOvr>
+    <a:masterClrMapping/>
+  </p:clrMapOvr>
+  <p:timing>
+    <p:tnLst>
+      <p:par>
+        <p:cTn id="1" dur="indefinite" restart="never" nodeType="tmRoot"/>
+      </p:par>
+    </p:tnLst>
+  </p:timing>
+</p:sld>
+</file>
+
+<file path=ppt/slides/slide3.xml><?xml version="1.0" encoding="utf-8"?>
+<p:sld xmlns:a="http://schemas.openxmlformats.org/drawingml/2006/main" xmlns:r="http://schemas.openxmlformats.org/officeDocument/2006/relationships" xmlns:p="http://schemas.openxmlformats.org/presentationml/2006/main">
+  <p:cSld>
+    <p:spTree>
+      <p:nvGrpSpPr>
+        <p:cNvPr id="1" name=""/>
+        <p:cNvGrpSpPr/>
+        <p:nvPr/>
+      </p:nvGrpSpPr>
+      <p:grpSpPr>
+        <a:xfrm>
+          <a:off x="0" y="0"/>
+          <a:ext cx="0" cy="0"/>
+          <a:chOff x="0" y="0"/>
+          <a:chExt cx="0" cy="0"/>
+        </a:xfrm>
+      </p:grpSpPr>
+      <p:sp>
+        <p:nvSpPr>
+          <p:cNvPr id="2" name="Title 1"/>
+          <p:cNvSpPr>
+            <a:spLocks noGrp="1"/>
+          </p:cNvSpPr>
+          <p:nvPr>
             <p:ph type="title"/>
           </p:nvPr>
         </p:nvSpPr>
@@ -5340,7 +6437,7 @@
         </p:spPr>
         <p:txBody>
           <a:bodyPr>
-            <a:normAutofit/>
+            <a:normAutofit lnSpcReduction="10000"/>
           </a:bodyPr>
           <a:lstStyle/>
           <a:p>
@@ -5366,24 +6463,13 @@
           <a:p>
             <a:pPr lvl="1"/>
             <a:r>
-              <a:rPr lang="en-US" sz="3600" dirty="0" smtClean="0">
-                <a:latin typeface="Garamond" panose="02020404030301010803" pitchFamily="18" charset="0"/>
-                <a:cs typeface="American Typewriter"/>
-                <a:hlinkClick r:id="rId3"/>
-              </a:rPr>
-              <a:t>psadil@psych.umass.edu</a:t>
-            </a:r>
-            <a:r>
-              <a:rPr lang="en-US" sz="3600" dirty="0" smtClean="0">
-                <a:latin typeface="Garamond" panose="02020404030301010803" pitchFamily="18" charset="0"/>
-                <a:cs typeface="American Typewriter"/>
-              </a:rPr>
-              <a:t>?</a:t>
-            </a:r>
-          </a:p>
-          <a:p>
-            <a:pPr lvl="1"/>
-            <a:endParaRPr lang="en-US" sz="3600" dirty="0" smtClean="0">
+              <a:rPr lang="en-US" sz="3400" dirty="0" smtClean="0">
+                <a:latin typeface="Garamond" panose="02020404030301010803" pitchFamily="18" charset="0"/>
+                <a:cs typeface="American Typewriter"/>
+              </a:rPr>
+              <a:t>PhD Student in Cognitive Psychology</a:t>
+            </a:r>
+            <a:endParaRPr lang="en-US" sz="3400" dirty="0" smtClean="0">
               <a:latin typeface="Garamond" panose="02020404030301010803" pitchFamily="18" charset="0"/>
               <a:cs typeface="American Typewriter"/>
             </a:endParaRPr>
@@ -5395,54 +6481,49 @@
                 <a:latin typeface="Garamond" panose="02020404030301010803" pitchFamily="18" charset="0"/>
                 <a:cs typeface="American Typewriter"/>
               </a:rPr>
-              <a:t>Office Location: Tobin 426 </a:t>
-            </a:r>
-            <a:endParaRPr lang="en-US" sz="3600" dirty="0">
-              <a:latin typeface="Garamond" panose="02020404030301010803" pitchFamily="18" charset="0"/>
-              <a:cs typeface="American Typewriter"/>
-            </a:endParaRPr>
+              <a:t>Interested in the overlapping neural substrates responsible for episodic memory and visual perception</a:t>
+            </a:r>
           </a:p>
           <a:p>
             <a:pPr lvl="2"/>
             <a:r>
+              <a:rPr lang="en-US" sz="3400" dirty="0" smtClean="0">
+                <a:latin typeface="Garamond" panose="02020404030301010803" pitchFamily="18" charset="0"/>
+                <a:cs typeface="American Typewriter"/>
+              </a:rPr>
+              <a:t>computational modelling</a:t>
+            </a:r>
+          </a:p>
+          <a:p>
+            <a:pPr lvl="2"/>
+            <a:r>
+              <a:rPr lang="en-US" sz="3400" dirty="0" smtClean="0">
+                <a:latin typeface="Garamond" panose="02020404030301010803" pitchFamily="18" charset="0"/>
+                <a:cs typeface="American Typewriter"/>
+              </a:rPr>
+              <a:t>fMRI</a:t>
+            </a:r>
+          </a:p>
+          <a:p>
+            <a:pPr lvl="2"/>
+            <a:r>
+              <a:rPr lang="en-US" sz="3400" dirty="0" smtClean="0">
+                <a:latin typeface="Garamond" panose="02020404030301010803" pitchFamily="18" charset="0"/>
+                <a:cs typeface="American Typewriter"/>
+              </a:rPr>
+              <a:t>Behavioral experiments</a:t>
+            </a:r>
+          </a:p>
+          <a:p>
+            <a:pPr lvl="1"/>
+            <a:r>
               <a:rPr lang="en-US" sz="3600" dirty="0" smtClean="0">
                 <a:latin typeface="Garamond" panose="02020404030301010803" pitchFamily="18" charset="0"/>
                 <a:cs typeface="American Typewriter"/>
               </a:rPr>
-              <a:t>Office hour: </a:t>
-            </a:r>
-            <a:r>
-              <a:rPr lang="en-US" sz="3600" dirty="0" smtClean="0">
-                <a:latin typeface="Garamond" panose="02020404030301010803" pitchFamily="18" charset="0"/>
-                <a:cs typeface="American Typewriter"/>
-              </a:rPr>
-              <a:t>M 10am</a:t>
-            </a:r>
-            <a:r>
-              <a:rPr lang="en-US" sz="3600" dirty="0" smtClean="0">
-                <a:latin typeface="Garamond" panose="02020404030301010803" pitchFamily="18" charset="0"/>
-                <a:cs typeface="American Typewriter"/>
-              </a:rPr>
-              <a:t>, </a:t>
-            </a:r>
-            <a:r>
-              <a:rPr lang="en-US" sz="3600" dirty="0" smtClean="0">
-                <a:latin typeface="Garamond" panose="02020404030301010803" pitchFamily="18" charset="0"/>
-                <a:cs typeface="American Typewriter"/>
-              </a:rPr>
-              <a:t>maybe by appt.</a:t>
-            </a:r>
-          </a:p>
-          <a:p>
-            <a:pPr lvl="1"/>
-            <a:r>
-              <a:rPr lang="en-US" sz="3800" dirty="0" smtClean="0">
-                <a:latin typeface="Garamond" panose="02020404030301010803" pitchFamily="18" charset="0"/>
-                <a:cs typeface="American Typewriter"/>
-              </a:rPr>
-              <a:t>Slides: https://github.com/psadil/psych241</a:t>
-            </a:r>
-            <a:endParaRPr lang="en-US" sz="3800" dirty="0">
+              <a:t>Open Source Collaboration</a:t>
+            </a:r>
+            <a:endParaRPr lang="en-US" sz="3600" dirty="0" smtClean="0">
               <a:latin typeface="Garamond" panose="02020404030301010803" pitchFamily="18" charset="0"/>
               <a:cs typeface="American Typewriter"/>
             </a:endParaRPr>
@@ -5641,7 +6722,7 @@
                                         <p:tgtEl>
                                           <p:spTgt spid="3">
                                             <p:txEl>
-                                              <p:pRg st="3" end="3"/>
+                                              <p:pRg st="2" end="2"/>
                                             </p:txEl>
                                           </p:spTgt>
                                         </p:tgtEl>
@@ -5690,7 +6771,7 @@
                                         <p:tgtEl>
                                           <p:spTgt spid="3">
                                             <p:txEl>
-                                              <p:pRg st="4" end="4"/>
+                                              <p:pRg st="3" end="3"/>
                                             </p:txEl>
                                           </p:spTgt>
                                         </p:tgtEl>
@@ -5739,7 +6820,105 @@
                                         <p:tgtEl>
                                           <p:spTgt spid="3">
                                             <p:txEl>
+                                              <p:pRg st="4" end="4"/>
+                                            </p:txEl>
+                                          </p:spTgt>
+                                        </p:tgtEl>
+                                        <p:attrNameLst>
+                                          <p:attrName>style.visibility</p:attrName>
+                                        </p:attrNameLst>
+                                      </p:cBhvr>
+                                      <p:to>
+                                        <p:strVal val="visible"/>
+                                      </p:to>
+                                    </p:set>
+                                  </p:childTnLst>
+                                </p:cTn>
+                              </p:par>
+                            </p:childTnLst>
+                          </p:cTn>
+                        </p:par>
+                      </p:childTnLst>
+                    </p:cTn>
+                  </p:par>
+                  <p:par>
+                    <p:cTn id="27" fill="hold">
+                      <p:stCondLst>
+                        <p:cond delay="indefinite"/>
+                      </p:stCondLst>
+                      <p:childTnLst>
+                        <p:par>
+                          <p:cTn id="28" fill="hold">
+                            <p:stCondLst>
+                              <p:cond delay="0"/>
+                            </p:stCondLst>
+                            <p:childTnLst>
+                              <p:par>
+                                <p:cTn id="29" presetID="1" presetClass="entr" presetSubtype="0" fill="hold" nodeType="clickEffect">
+                                  <p:stCondLst>
+                                    <p:cond delay="0"/>
+                                  </p:stCondLst>
+                                  <p:childTnLst>
+                                    <p:set>
+                                      <p:cBhvr>
+                                        <p:cTn id="30" dur="1" fill="hold">
+                                          <p:stCondLst>
+                                            <p:cond delay="0"/>
+                                          </p:stCondLst>
+                                        </p:cTn>
+                                        <p:tgtEl>
+                                          <p:spTgt spid="3">
+                                            <p:txEl>
                                               <p:pRg st="5" end="5"/>
+                                            </p:txEl>
+                                          </p:spTgt>
+                                        </p:tgtEl>
+                                        <p:attrNameLst>
+                                          <p:attrName>style.visibility</p:attrName>
+                                        </p:attrNameLst>
+                                      </p:cBhvr>
+                                      <p:to>
+                                        <p:strVal val="visible"/>
+                                      </p:to>
+                                    </p:set>
+                                  </p:childTnLst>
+                                </p:cTn>
+                              </p:par>
+                            </p:childTnLst>
+                          </p:cTn>
+                        </p:par>
+                      </p:childTnLst>
+                    </p:cTn>
+                  </p:par>
+                  <p:par>
+                    <p:cTn id="31" fill="hold">
+                      <p:stCondLst>
+                        <p:cond delay="indefinite"/>
+                      </p:stCondLst>
+                      <p:childTnLst>
+                        <p:par>
+                          <p:cTn id="32" fill="hold">
+                            <p:stCondLst>
+                              <p:cond delay="0"/>
+                            </p:stCondLst>
+                            <p:childTnLst>
+                              <p:par>
+                                <p:cTn id="33" presetID="1" presetClass="entr" presetSubtype="0" fill="hold" nodeType="clickEffect">
+                                  <p:stCondLst>
+                                    <p:cond delay="0"/>
+                                  </p:stCondLst>
+                                  <p:childTnLst>
+                                    <p:set>
+                                      <p:cBhvr>
+                                        <p:cTn id="34" dur="1" fill="hold">
+                                          <p:stCondLst>
+                                            <p:cond delay="0"/>
+                                          </p:stCondLst>
+                                        </p:cTn>
+                                        <p:tgtEl>
+                                          <p:spTgt spid="3">
+                                            <p:txEl>
+                                              <p:pRg st="6" end="6"/>
                                             </p:txEl>
                                           </p:spTgt>
                                         </p:tgtEl>
@@ -5788,7 +6967,7 @@
 </p:sld>
 </file>
 
-<file path=ppt/slides/slide3.xml><?xml version="1.0" encoding="utf-8"?>
+<file path=ppt/slides/slide4.xml><?xml version="1.0" encoding="utf-8"?>
 <p:sld xmlns:a="http://schemas.openxmlformats.org/drawingml/2006/main" xmlns:r="http://schemas.openxmlformats.org/officeDocument/2006/relationships" xmlns:p="http://schemas.openxmlformats.org/presentationml/2006/main">
   <p:cSld>
     <p:spTree>
@@ -5807,6 +6986,512 @@
       </p:grpSpPr>
       <p:sp>
         <p:nvSpPr>
+          <p:cNvPr id="2" name="Title 1"/>
+          <p:cNvSpPr>
+            <a:spLocks noGrp="1"/>
+          </p:cNvSpPr>
+          <p:nvPr>
+            <p:ph type="title"/>
+          </p:nvPr>
+        </p:nvSpPr>
+        <p:spPr>
+          <a:xfrm>
+            <a:off x="946404" y="365760"/>
+            <a:ext cx="7269480" cy="811530"/>
+          </a:xfrm>
+        </p:spPr>
+        <p:txBody>
+          <a:bodyPr>
+            <a:normAutofit/>
+          </a:bodyPr>
+          <a:lstStyle/>
+          <a:p>
+            <a:r>
+              <a:rPr lang="en-US" sz="4400" dirty="0" smtClean="0">
+                <a:latin typeface="Garamond" panose="02020404030301010803" pitchFamily="18" charset="0"/>
+                <a:cs typeface="American Typewriter"/>
+              </a:rPr>
+              <a:t>Meet Me</a:t>
+            </a:r>
+            <a:endParaRPr lang="en-US" sz="4400" dirty="0">
+              <a:latin typeface="Garamond" panose="02020404030301010803" pitchFamily="18" charset="0"/>
+              <a:cs typeface="American Typewriter"/>
+            </a:endParaRPr>
+          </a:p>
+        </p:txBody>
+      </p:sp>
+      <p:sp>
+        <p:nvSpPr>
+          <p:cNvPr id="3" name="Content Placeholder 2"/>
+          <p:cNvSpPr>
+            <a:spLocks noGrp="1"/>
+          </p:cNvSpPr>
+          <p:nvPr>
+            <p:ph idx="1"/>
+          </p:nvPr>
+        </p:nvSpPr>
+        <p:spPr>
+          <a:xfrm>
+            <a:off x="125199" y="1600200"/>
+            <a:ext cx="8298712" cy="4587239"/>
+          </a:xfrm>
+        </p:spPr>
+        <p:txBody>
+          <a:bodyPr>
+            <a:normAutofit/>
+          </a:bodyPr>
+          <a:lstStyle/>
+          <a:p>
+            <a:r>
+              <a:rPr lang="en-US" sz="3800" dirty="0" smtClean="0">
+                <a:latin typeface="Garamond" panose="02020404030301010803" pitchFamily="18" charset="0"/>
+                <a:cs typeface="American Typewriter"/>
+              </a:rPr>
+              <a:t>Contact:</a:t>
+            </a:r>
+          </a:p>
+          <a:p>
+            <a:pPr lvl="1"/>
+            <a:r>
+              <a:rPr lang="en-US" sz="3600" dirty="0">
+                <a:latin typeface="Garamond" panose="02020404030301010803" pitchFamily="18" charset="0"/>
+                <a:cs typeface="American Typewriter"/>
+                <a:hlinkClick r:id="rId3"/>
+              </a:rPr>
+              <a:t>psadil@psych.umass.edu</a:t>
+            </a:r>
+            <a:endParaRPr lang="en-US" sz="3600" dirty="0" smtClean="0">
+              <a:latin typeface="Garamond" panose="02020404030301010803" pitchFamily="18" charset="0"/>
+              <a:cs typeface="American Typewriter"/>
+            </a:endParaRPr>
+          </a:p>
+          <a:p>
+            <a:pPr lvl="1"/>
+            <a:r>
+              <a:rPr lang="en-US" sz="3600" dirty="0" smtClean="0">
+                <a:latin typeface="Garamond" panose="02020404030301010803" pitchFamily="18" charset="0"/>
+                <a:cs typeface="American Typewriter"/>
+              </a:rPr>
+              <a:t>Office Location: Tobin 426 </a:t>
+            </a:r>
+            <a:endParaRPr lang="en-US" sz="3600" dirty="0">
+              <a:latin typeface="Garamond" panose="02020404030301010803" pitchFamily="18" charset="0"/>
+              <a:cs typeface="American Typewriter"/>
+            </a:endParaRPr>
+          </a:p>
+          <a:p>
+            <a:pPr lvl="2"/>
+            <a:r>
+              <a:rPr lang="en-US" sz="3600" dirty="0" smtClean="0">
+                <a:latin typeface="Garamond" panose="02020404030301010803" pitchFamily="18" charset="0"/>
+                <a:cs typeface="American Typewriter"/>
+              </a:rPr>
+              <a:t>Office hour: </a:t>
+            </a:r>
+            <a:r>
+              <a:rPr lang="en-US" sz="3600" dirty="0" smtClean="0">
+                <a:latin typeface="Garamond" panose="02020404030301010803" pitchFamily="18" charset="0"/>
+                <a:cs typeface="American Typewriter"/>
+              </a:rPr>
+              <a:t>M 10am</a:t>
+            </a:r>
+            <a:r>
+              <a:rPr lang="en-US" sz="3600" dirty="0" smtClean="0">
+                <a:latin typeface="Garamond" panose="02020404030301010803" pitchFamily="18" charset="0"/>
+                <a:cs typeface="American Typewriter"/>
+              </a:rPr>
+              <a:t>, </a:t>
+            </a:r>
+            <a:r>
+              <a:rPr lang="en-US" sz="3600" dirty="0" smtClean="0">
+                <a:latin typeface="Garamond" panose="02020404030301010803" pitchFamily="18" charset="0"/>
+                <a:cs typeface="American Typewriter"/>
+              </a:rPr>
+              <a:t>maybe by appt.</a:t>
+            </a:r>
+          </a:p>
+          <a:p>
+            <a:pPr lvl="1"/>
+            <a:r>
+              <a:rPr lang="en-US" sz="3800" dirty="0" smtClean="0">
+                <a:latin typeface="Garamond" panose="02020404030301010803" pitchFamily="18" charset="0"/>
+                <a:cs typeface="American Typewriter"/>
+              </a:rPr>
+              <a:t>Slides: </a:t>
+            </a:r>
+            <a:r>
+              <a:rPr lang="en-US" sz="3800" dirty="0" smtClean="0">
+                <a:latin typeface="Garamond" panose="02020404030301010803" pitchFamily="18" charset="0"/>
+                <a:cs typeface="American Typewriter"/>
+                <a:hlinkClick r:id="rId4"/>
+              </a:rPr>
+              <a:t>https://github.com/psadil/psych241</a:t>
+            </a:r>
+            <a:endParaRPr lang="en-US" sz="3800" dirty="0">
+              <a:latin typeface="Garamond" panose="02020404030301010803" pitchFamily="18" charset="0"/>
+              <a:cs typeface="American Typewriter"/>
+            </a:endParaRPr>
+          </a:p>
+        </p:txBody>
+      </p:sp>
+    </p:spTree>
+    <p:extLst>
+      <p:ext uri="{BB962C8B-B14F-4D97-AF65-F5344CB8AC3E}">
+        <p14:creationId xmlns:p14="http://schemas.microsoft.com/office/powerpoint/2010/main" val="1622191094"/>
+      </p:ext>
+    </p:extLst>
+  </p:cSld>
+  <p:clrMapOvr>
+    <a:masterClrMapping/>
+  </p:clrMapOvr>
+  <p:timing>
+    <p:tnLst>
+      <p:par>
+        <p:cTn id="1" dur="indefinite" restart="never" nodeType="tmRoot">
+          <p:childTnLst>
+            <p:seq concurrent="1" nextAc="seek">
+              <p:cTn id="2" dur="indefinite" nodeType="mainSeq">
+                <p:childTnLst>
+                  <p:par>
+                    <p:cTn id="3" fill="hold">
+                      <p:stCondLst>
+                        <p:cond delay="indefinite"/>
+                        <p:cond evt="onBegin" delay="0">
+                          <p:tn val="2"/>
+                        </p:cond>
+                      </p:stCondLst>
+                      <p:childTnLst>
+                        <p:par>
+                          <p:cTn id="4" fill="hold">
+                            <p:stCondLst>
+                              <p:cond delay="0"/>
+                            </p:stCondLst>
+                            <p:childTnLst>
+                              <p:par>
+                                <p:cTn id="5" presetID="1" presetClass="entr" presetSubtype="0" fill="hold" grpId="0" nodeType="withEffect">
+                                  <p:stCondLst>
+                                    <p:cond delay="0"/>
+                                  </p:stCondLst>
+                                  <p:childTnLst>
+                                    <p:set>
+                                      <p:cBhvr>
+                                        <p:cTn id="6" dur="1" fill="hold">
+                                          <p:stCondLst>
+                                            <p:cond delay="0"/>
+                                          </p:stCondLst>
+                                        </p:cTn>
+                                        <p:tgtEl>
+                                          <p:spTgt spid="2"/>
+                                        </p:tgtEl>
+                                        <p:attrNameLst>
+                                          <p:attrName>style.visibility</p:attrName>
+                                        </p:attrNameLst>
+                                      </p:cBhvr>
+                                      <p:to>
+                                        <p:strVal val="visible"/>
+                                      </p:to>
+                                    </p:set>
+                                  </p:childTnLst>
+                                </p:cTn>
+                              </p:par>
+                            </p:childTnLst>
+                          </p:cTn>
+                        </p:par>
+                      </p:childTnLst>
+                    </p:cTn>
+                  </p:par>
+                  <p:par>
+                    <p:cTn id="7" fill="hold">
+                      <p:stCondLst>
+                        <p:cond delay="indefinite"/>
+                      </p:stCondLst>
+                      <p:childTnLst>
+                        <p:par>
+                          <p:cTn id="8" fill="hold">
+                            <p:stCondLst>
+                              <p:cond delay="0"/>
+                            </p:stCondLst>
+                            <p:childTnLst>
+                              <p:par>
+                                <p:cTn id="9" presetID="1" presetClass="entr" presetSubtype="0" fill="hold" nodeType="clickEffect">
+                                  <p:stCondLst>
+                                    <p:cond delay="0"/>
+                                  </p:stCondLst>
+                                  <p:childTnLst>
+                                    <p:set>
+                                      <p:cBhvr>
+                                        <p:cTn id="10" dur="1" fill="hold">
+                                          <p:stCondLst>
+                                            <p:cond delay="0"/>
+                                          </p:stCondLst>
+                                        </p:cTn>
+                                        <p:tgtEl>
+                                          <p:spTgt spid="3">
+                                            <p:txEl>
+                                              <p:pRg st="0" end="0"/>
+                                            </p:txEl>
+                                          </p:spTgt>
+                                        </p:tgtEl>
+                                        <p:attrNameLst>
+                                          <p:attrName>style.visibility</p:attrName>
+                                        </p:attrNameLst>
+                                      </p:cBhvr>
+                                      <p:to>
+                                        <p:strVal val="visible"/>
+                                      </p:to>
+                                    </p:set>
+                                  </p:childTnLst>
+                                </p:cTn>
+                              </p:par>
+                            </p:childTnLst>
+                          </p:cTn>
+                        </p:par>
+                      </p:childTnLst>
+                    </p:cTn>
+                  </p:par>
+                  <p:par>
+                    <p:cTn id="11" fill="hold">
+                      <p:stCondLst>
+                        <p:cond delay="indefinite"/>
+                      </p:stCondLst>
+                      <p:childTnLst>
+                        <p:par>
+                          <p:cTn id="12" fill="hold">
+                            <p:stCondLst>
+                              <p:cond delay="0"/>
+                            </p:stCondLst>
+                            <p:childTnLst>
+                              <p:par>
+                                <p:cTn id="13" presetID="1" presetClass="entr" presetSubtype="0" fill="hold" nodeType="clickEffect">
+                                  <p:stCondLst>
+                                    <p:cond delay="0"/>
+                                  </p:stCondLst>
+                                  <p:childTnLst>
+                                    <p:set>
+                                      <p:cBhvr>
+                                        <p:cTn id="14" dur="1" fill="hold">
+                                          <p:stCondLst>
+                                            <p:cond delay="0"/>
+                                          </p:stCondLst>
+                                        </p:cTn>
+                                        <p:tgtEl>
+                                          <p:spTgt spid="3">
+                                            <p:txEl>
+                                              <p:pRg st="1" end="1"/>
+                                            </p:txEl>
+                                          </p:spTgt>
+                                        </p:tgtEl>
+                                        <p:attrNameLst>
+                                          <p:attrName>style.visibility</p:attrName>
+                                        </p:attrNameLst>
+                                      </p:cBhvr>
+                                      <p:to>
+                                        <p:strVal val="visible"/>
+                                      </p:to>
+                                    </p:set>
+                                  </p:childTnLst>
+                                </p:cTn>
+                              </p:par>
+                            </p:childTnLst>
+                          </p:cTn>
+                        </p:par>
+                      </p:childTnLst>
+                    </p:cTn>
+                  </p:par>
+                  <p:par>
+                    <p:cTn id="15" fill="hold">
+                      <p:stCondLst>
+                        <p:cond delay="indefinite"/>
+                      </p:stCondLst>
+                      <p:childTnLst>
+                        <p:par>
+                          <p:cTn id="16" fill="hold">
+                            <p:stCondLst>
+                              <p:cond delay="0"/>
+                            </p:stCondLst>
+                            <p:childTnLst>
+                              <p:par>
+                                <p:cTn id="17" presetID="1" presetClass="entr" presetSubtype="0" fill="hold" nodeType="clickEffect">
+                                  <p:stCondLst>
+                                    <p:cond delay="0"/>
+                                  </p:stCondLst>
+                                  <p:childTnLst>
+                                    <p:set>
+                                      <p:cBhvr>
+                                        <p:cTn id="18" dur="1" fill="hold">
+                                          <p:stCondLst>
+                                            <p:cond delay="0"/>
+                                          </p:stCondLst>
+                                        </p:cTn>
+                                        <p:tgtEl>
+                                          <p:spTgt spid="3">
+                                            <p:txEl>
+                                              <p:pRg st="2" end="2"/>
+                                            </p:txEl>
+                                          </p:spTgt>
+                                        </p:tgtEl>
+                                        <p:attrNameLst>
+                                          <p:attrName>style.visibility</p:attrName>
+                                        </p:attrNameLst>
+                                      </p:cBhvr>
+                                      <p:to>
+                                        <p:strVal val="visible"/>
+                                      </p:to>
+                                    </p:set>
+                                  </p:childTnLst>
+                                </p:cTn>
+                              </p:par>
+                            </p:childTnLst>
+                          </p:cTn>
+                        </p:par>
+                      </p:childTnLst>
+                    </p:cTn>
+                  </p:par>
+                  <p:par>
+                    <p:cTn id="19" fill="hold">
+                      <p:stCondLst>
+                        <p:cond delay="indefinite"/>
+                      </p:stCondLst>
+                      <p:childTnLst>
+                        <p:par>
+                          <p:cTn id="20" fill="hold">
+                            <p:stCondLst>
+                              <p:cond delay="0"/>
+                            </p:stCondLst>
+                            <p:childTnLst>
+                              <p:par>
+                                <p:cTn id="21" presetID="1" presetClass="entr" presetSubtype="0" fill="hold" nodeType="clickEffect">
+                                  <p:stCondLst>
+                                    <p:cond delay="0"/>
+                                  </p:stCondLst>
+                                  <p:childTnLst>
+                                    <p:set>
+                                      <p:cBhvr>
+                                        <p:cTn id="22" dur="1" fill="hold">
+                                          <p:stCondLst>
+                                            <p:cond delay="0"/>
+                                          </p:stCondLst>
+                                        </p:cTn>
+                                        <p:tgtEl>
+                                          <p:spTgt spid="3">
+                                            <p:txEl>
+                                              <p:pRg st="3" end="3"/>
+                                            </p:txEl>
+                                          </p:spTgt>
+                                        </p:tgtEl>
+                                        <p:attrNameLst>
+                                          <p:attrName>style.visibility</p:attrName>
+                                        </p:attrNameLst>
+                                      </p:cBhvr>
+                                      <p:to>
+                                        <p:strVal val="visible"/>
+                                      </p:to>
+                                    </p:set>
+                                  </p:childTnLst>
+                                </p:cTn>
+                              </p:par>
+                            </p:childTnLst>
+                          </p:cTn>
+                        </p:par>
+                      </p:childTnLst>
+                    </p:cTn>
+                  </p:par>
+                  <p:par>
+                    <p:cTn id="23" fill="hold">
+                      <p:stCondLst>
+                        <p:cond delay="indefinite"/>
+                      </p:stCondLst>
+                      <p:childTnLst>
+                        <p:par>
+                          <p:cTn id="24" fill="hold">
+                            <p:stCondLst>
+                              <p:cond delay="0"/>
+                            </p:stCondLst>
+                            <p:childTnLst>
+                              <p:par>
+                                <p:cTn id="25" presetID="1" presetClass="entr" presetSubtype="0" fill="hold" nodeType="clickEffect">
+                                  <p:stCondLst>
+                                    <p:cond delay="0"/>
+                                  </p:stCondLst>
+                                  <p:childTnLst>
+                                    <p:set>
+                                      <p:cBhvr>
+                                        <p:cTn id="26" dur="1" fill="hold">
+                                          <p:stCondLst>
+                                            <p:cond delay="0"/>
+                                          </p:stCondLst>
+                                        </p:cTn>
+                                        <p:tgtEl>
+                                          <p:spTgt spid="3">
+                                            <p:txEl>
+                                              <p:pRg st="4" end="4"/>
+                                            </p:txEl>
+                                          </p:spTgt>
+                                        </p:tgtEl>
+                                        <p:attrNameLst>
+                                          <p:attrName>style.visibility</p:attrName>
+                                        </p:attrNameLst>
+                                      </p:cBhvr>
+                                      <p:to>
+                                        <p:strVal val="visible"/>
+                                      </p:to>
+                                    </p:set>
+                                  </p:childTnLst>
+                                </p:cTn>
+                              </p:par>
+                            </p:childTnLst>
+                          </p:cTn>
+                        </p:par>
+                      </p:childTnLst>
+                    </p:cTn>
+                  </p:par>
+                </p:childTnLst>
+              </p:cTn>
+              <p:prevCondLst>
+                <p:cond evt="onPrev" delay="0">
+                  <p:tgtEl>
+                    <p:sldTgt/>
+                  </p:tgtEl>
+                </p:cond>
+              </p:prevCondLst>
+              <p:nextCondLst>
+                <p:cond evt="onNext" delay="0">
+                  <p:tgtEl>
+                    <p:sldTgt/>
+                  </p:tgtEl>
+                </p:cond>
+              </p:nextCondLst>
+            </p:seq>
+          </p:childTnLst>
+        </p:cTn>
+      </p:par>
+    </p:tnLst>
+    <p:bldLst>
+      <p:bldP spid="2" grpId="0"/>
+    </p:bldLst>
+  </p:timing>
+</p:sld>
+</file>
+
+<file path=ppt/slides/slide5.xml><?xml version="1.0" encoding="utf-8"?>
+<p:sld xmlns:a="http://schemas.openxmlformats.org/drawingml/2006/main" xmlns:r="http://schemas.openxmlformats.org/officeDocument/2006/relationships" xmlns:p="http://schemas.openxmlformats.org/presentationml/2006/main">
+  <p:cSld>
+    <p:spTree>
+      <p:nvGrpSpPr>
+        <p:cNvPr id="1" name=""/>
+        <p:cNvGrpSpPr/>
+        <p:nvPr/>
+      </p:nvGrpSpPr>
+      <p:grpSpPr>
+        <a:xfrm>
+          <a:off x="0" y="0"/>
+          <a:ext cx="0" cy="0"/>
+          <a:chOff x="0" y="0"/>
+          <a:chExt cx="0" cy="0"/>
+        </a:xfrm>
+      </p:grpSpPr>
+      <p:sp>
+        <p:nvSpPr>
           <p:cNvPr id="3" name="Content Placeholder 2"/>
           <p:cNvSpPr>
             <a:spLocks noGrp="1"/>
@@ -5832,12 +7517,8 @@
                 <a:latin typeface="Garamond" panose="02020404030301010803" pitchFamily="18" charset="0"/>
                 <a:cs typeface="American Typewriter"/>
               </a:rPr>
-              <a:t>Check with neighbors, overlap in other courses?</a:t>
-            </a:r>
-            <a:endParaRPr lang="en-US" sz="3400" dirty="0" smtClean="0">
-              <a:latin typeface="Garamond" panose="02020404030301010803" pitchFamily="18" charset="0"/>
-              <a:cs typeface="American Typewriter"/>
-            </a:endParaRPr>
+              <a:t>Card Info</a:t>
+            </a:r>
           </a:p>
           <a:p>
             <a:r>
@@ -5845,7 +7526,14 @@
                 <a:latin typeface="Garamond" panose="02020404030301010803" pitchFamily="18" charset="0"/>
                 <a:cs typeface="American Typewriter"/>
               </a:rPr>
-              <a:t>Exchange contact information with at least one other student</a:t>
+              <a:t>Exchange </a:t>
+            </a:r>
+            <a:r>
+              <a:rPr lang="en-US" sz="3600" dirty="0" smtClean="0">
+                <a:latin typeface="Garamond" panose="02020404030301010803" pitchFamily="18" charset="0"/>
+                <a:cs typeface="American Typewriter"/>
+              </a:rPr>
+              <a:t>contact information with at least one other student</a:t>
             </a:r>
           </a:p>
           <a:p>
@@ -6168,7 +7856,7 @@
 </p:sld>
 </file>
 
-<file path=ppt/slides/slide4.xml><?xml version="1.0" encoding="utf-8"?>
+<file path=ppt/slides/slide6.xml><?xml version="1.0" encoding="utf-8"?>
 <p:sld xmlns:a="http://schemas.openxmlformats.org/drawingml/2006/main" xmlns:r="http://schemas.openxmlformats.org/officeDocument/2006/relationships" xmlns:p="http://schemas.openxmlformats.org/presentationml/2006/main">
   <p:cSld>
     <p:spTree>
@@ -6203,7 +7891,7 @@
         </p:spPr>
         <p:txBody>
           <a:bodyPr>
-            <a:normAutofit fontScale="92500" lnSpcReduction="10000"/>
+            <a:normAutofit/>
           </a:bodyPr>
           <a:lstStyle/>
           <a:p>
@@ -6256,7 +7944,14 @@
                 <a:latin typeface="Garamond" panose="02020404030301010803" pitchFamily="18" charset="0"/>
                 <a:cs typeface="American Typewriter"/>
               </a:rPr>
-              <a:t>Really, the point of a lab is to get some hands on experience</a:t>
+              <a:t>Really, the point of a lab is to get some hands on </a:t>
+            </a:r>
+            <a:r>
+              <a:rPr lang="en-US" sz="3300" dirty="0" smtClean="0">
+                <a:latin typeface="Garamond" panose="02020404030301010803" pitchFamily="18" charset="0"/>
+                <a:cs typeface="American Typewriter"/>
+              </a:rPr>
+              <a:t>experience</a:t>
             </a:r>
           </a:p>
           <a:p>
@@ -6269,48 +7964,25 @@
                 <a:latin typeface="Garamond" panose="02020404030301010803" pitchFamily="18" charset="0"/>
                 <a:cs typeface="American Typewriter"/>
               </a:rPr>
-              <a:t>On those occasions in which you are absent, </a:t>
-            </a:r>
-            <a:r>
-              <a:rPr lang="en-US" sz="3500" b="1" i="1" dirty="0" smtClean="0">
-                <a:latin typeface="Garamond" panose="02020404030301010803" pitchFamily="18" charset="0"/>
-                <a:cs typeface="American Typewriter"/>
-              </a:rPr>
-              <a:t>you are responsible</a:t>
-            </a:r>
-            <a:r>
-              <a:rPr lang="en-US" sz="3500" dirty="0" smtClean="0">
-                <a:latin typeface="Garamond" panose="02020404030301010803" pitchFamily="18" charset="0"/>
-                <a:cs typeface="American Typewriter"/>
-              </a:rPr>
-              <a:t> for catching up.</a:t>
-            </a:r>
-          </a:p>
-          <a:p>
-            <a:pPr lvl="1">
+              <a:t>Leaving 15 minutes early/late will count as ¼ absence</a:t>
+            </a:r>
+          </a:p>
+          <a:p>
+            <a:pPr>
               <a:buFontTx/>
               <a:buChar char="•"/>
             </a:pPr>
             <a:r>
-              <a:rPr lang="en-US" sz="3300" dirty="0" smtClean="0">
-                <a:latin typeface="Garamond" panose="02020404030301010803" pitchFamily="18" charset="0"/>
-                <a:cs typeface="American Typewriter"/>
-              </a:rPr>
-              <a:t>I will not search for you. </a:t>
-            </a:r>
-          </a:p>
-          <a:p>
-            <a:pPr lvl="1">
-              <a:buFontTx/>
-              <a:buChar char="•"/>
-            </a:pPr>
-            <a:r>
-              <a:rPr lang="en-US" sz="3300" dirty="0" smtClean="0">
-                <a:latin typeface="Garamond" panose="02020404030301010803" pitchFamily="18" charset="0"/>
-                <a:cs typeface="American Typewriter"/>
-              </a:rPr>
-              <a:t>You should look over the slides, and get in touch with the contact that you just received</a:t>
-            </a:r>
+              <a:rPr lang="en-US" sz="3500" dirty="0" smtClean="0">
+                <a:latin typeface="Garamond" panose="02020404030301010803" pitchFamily="18" charset="0"/>
+                <a:cs typeface="American Typewriter"/>
+              </a:rPr>
+              <a:t>Also, ¼ absence for ‘mental absence’</a:t>
+            </a:r>
+            <a:endParaRPr lang="en-US" sz="3500" dirty="0" smtClean="0">
+              <a:latin typeface="Garamond" panose="02020404030301010803" pitchFamily="18" charset="0"/>
+              <a:cs typeface="American Typewriter"/>
+            </a:endParaRPr>
           </a:p>
         </p:txBody>
       </p:sp>
@@ -6661,27 +8333,297 @@
                       </p:childTnLst>
                     </p:cTn>
                   </p:par>
+                </p:childTnLst>
+              </p:cTn>
+              <p:prevCondLst>
+                <p:cond evt="onPrev" delay="0">
+                  <p:tgtEl>
+                    <p:sldTgt/>
+                  </p:tgtEl>
+                </p:cond>
+              </p:prevCondLst>
+              <p:nextCondLst>
+                <p:cond evt="onNext" delay="0">
+                  <p:tgtEl>
+                    <p:sldTgt/>
+                  </p:tgtEl>
+                </p:cond>
+              </p:nextCondLst>
+            </p:seq>
+          </p:childTnLst>
+        </p:cTn>
+      </p:par>
+    </p:tnLst>
+    <p:bldLst>
+      <p:bldP spid="3" grpId="0" uiExpand="1" build="p"/>
+      <p:bldP spid="5" grpId="0"/>
+    </p:bldLst>
+  </p:timing>
+</p:sld>
+</file>
+
+<file path=ppt/slides/slide7.xml><?xml version="1.0" encoding="utf-8"?>
+<p:sld xmlns:a="http://schemas.openxmlformats.org/drawingml/2006/main" xmlns:r="http://schemas.openxmlformats.org/officeDocument/2006/relationships" xmlns:p="http://schemas.openxmlformats.org/presentationml/2006/main">
+  <p:cSld>
+    <p:spTree>
+      <p:nvGrpSpPr>
+        <p:cNvPr id="1" name=""/>
+        <p:cNvGrpSpPr/>
+        <p:nvPr/>
+      </p:nvGrpSpPr>
+      <p:grpSpPr>
+        <a:xfrm>
+          <a:off x="0" y="0"/>
+          <a:ext cx="0" cy="0"/>
+          <a:chOff x="0" y="0"/>
+          <a:chExt cx="0" cy="0"/>
+        </a:xfrm>
+      </p:grpSpPr>
+      <p:sp>
+        <p:nvSpPr>
+          <p:cNvPr id="3" name="Content Placeholder 2"/>
+          <p:cNvSpPr>
+            <a:spLocks noGrp="1"/>
+          </p:cNvSpPr>
+          <p:nvPr>
+            <p:ph idx="1"/>
+          </p:nvPr>
+        </p:nvSpPr>
+        <p:spPr>
+          <a:xfrm>
+            <a:off x="549275" y="1527644"/>
+            <a:ext cx="7897496" cy="5590926"/>
+          </a:xfrm>
+        </p:spPr>
+        <p:txBody>
+          <a:bodyPr>
+            <a:normAutofit/>
+          </a:bodyPr>
+          <a:lstStyle/>
+          <a:p>
+            <a:pPr>
+              <a:buFontTx/>
+              <a:buChar char="•"/>
+            </a:pPr>
+            <a:r>
+              <a:rPr lang="en-US" sz="3500" dirty="0" smtClean="0">
+                <a:latin typeface="Garamond" panose="02020404030301010803" pitchFamily="18" charset="0"/>
+                <a:cs typeface="American Typewriter"/>
+              </a:rPr>
+              <a:t>On </a:t>
+            </a:r>
+            <a:r>
+              <a:rPr lang="en-US" sz="3500" dirty="0" smtClean="0">
+                <a:latin typeface="Garamond" panose="02020404030301010803" pitchFamily="18" charset="0"/>
+                <a:cs typeface="American Typewriter"/>
+              </a:rPr>
+              <a:t>those occasions in which you are absent, </a:t>
+            </a:r>
+            <a:r>
+              <a:rPr lang="en-US" sz="3500" b="1" i="1" dirty="0" smtClean="0">
+                <a:latin typeface="Garamond" panose="02020404030301010803" pitchFamily="18" charset="0"/>
+                <a:cs typeface="American Typewriter"/>
+              </a:rPr>
+              <a:t>you are responsible</a:t>
+            </a:r>
+            <a:r>
+              <a:rPr lang="en-US" sz="3500" dirty="0" smtClean="0">
+                <a:latin typeface="Garamond" panose="02020404030301010803" pitchFamily="18" charset="0"/>
+                <a:cs typeface="American Typewriter"/>
+              </a:rPr>
+              <a:t> for catching up.</a:t>
+            </a:r>
+          </a:p>
+          <a:p>
+            <a:pPr lvl="1">
+              <a:buFontTx/>
+              <a:buChar char="•"/>
+            </a:pPr>
+            <a:r>
+              <a:rPr lang="en-US" sz="3300" dirty="0" smtClean="0">
+                <a:latin typeface="Garamond" panose="02020404030301010803" pitchFamily="18" charset="0"/>
+                <a:cs typeface="American Typewriter"/>
+              </a:rPr>
+              <a:t>You </a:t>
+            </a:r>
+            <a:r>
+              <a:rPr lang="en-US" sz="3300" dirty="0" smtClean="0">
+                <a:latin typeface="Garamond" panose="02020404030301010803" pitchFamily="18" charset="0"/>
+                <a:cs typeface="American Typewriter"/>
+              </a:rPr>
+              <a:t>should </a:t>
+            </a:r>
+            <a:r>
+              <a:rPr lang="en-US" sz="3300" dirty="0" smtClean="0">
+                <a:latin typeface="Garamond" panose="02020404030301010803" pitchFamily="18" charset="0"/>
+                <a:cs typeface="American Typewriter"/>
+              </a:rPr>
+              <a:t>get </a:t>
+            </a:r>
+            <a:r>
+              <a:rPr lang="en-US" sz="3300" dirty="0" smtClean="0">
+                <a:latin typeface="Garamond" panose="02020404030301010803" pitchFamily="18" charset="0"/>
+                <a:cs typeface="American Typewriter"/>
+              </a:rPr>
+              <a:t>in touch with the </a:t>
+            </a:r>
+            <a:r>
+              <a:rPr lang="en-US" sz="3300" dirty="0" smtClean="0">
+                <a:latin typeface="Garamond" panose="02020404030301010803" pitchFamily="18" charset="0"/>
+                <a:cs typeface="American Typewriter"/>
+              </a:rPr>
+              <a:t>person whose contact info </a:t>
+            </a:r>
+            <a:r>
+              <a:rPr lang="en-US" sz="3300" dirty="0" smtClean="0">
+                <a:latin typeface="Garamond" panose="02020404030301010803" pitchFamily="18" charset="0"/>
+                <a:cs typeface="American Typewriter"/>
+              </a:rPr>
+              <a:t>you just </a:t>
+            </a:r>
+            <a:r>
+              <a:rPr lang="en-US" sz="3300" dirty="0" smtClean="0">
+                <a:latin typeface="Garamond" panose="02020404030301010803" pitchFamily="18" charset="0"/>
+                <a:cs typeface="American Typewriter"/>
+              </a:rPr>
+              <a:t>received</a:t>
+            </a:r>
+          </a:p>
+          <a:p>
+            <a:pPr>
+              <a:buFontTx/>
+              <a:buChar char="•"/>
+            </a:pPr>
+            <a:endParaRPr lang="en-US" sz="3500" dirty="0" smtClean="0">
+              <a:latin typeface="Garamond" panose="02020404030301010803" pitchFamily="18" charset="0"/>
+              <a:cs typeface="American Typewriter"/>
+            </a:endParaRPr>
+          </a:p>
+        </p:txBody>
+      </p:sp>
+      <p:sp>
+        <p:nvSpPr>
+          <p:cNvPr id="5" name="Title 1"/>
+          <p:cNvSpPr>
+            <a:spLocks noGrp="1"/>
+          </p:cNvSpPr>
+          <p:nvPr>
+            <p:ph type="title"/>
+          </p:nvPr>
+        </p:nvSpPr>
+        <p:spPr>
+          <a:xfrm>
+            <a:off x="946404" y="365760"/>
+            <a:ext cx="7269480" cy="811530"/>
+          </a:xfrm>
+        </p:spPr>
+        <p:txBody>
+          <a:bodyPr>
+            <a:normAutofit/>
+          </a:bodyPr>
+          <a:lstStyle/>
+          <a:p>
+            <a:r>
+              <a:rPr lang="en-US" sz="4400" dirty="0" smtClean="0">
+                <a:latin typeface="Garamond" panose="02020404030301010803" pitchFamily="18" charset="0"/>
+                <a:cs typeface="American Typewriter"/>
+              </a:rPr>
+              <a:t>Course Policies, Attendance</a:t>
+            </a:r>
+            <a:endParaRPr lang="en-US" sz="4400" dirty="0">
+              <a:latin typeface="Garamond" panose="02020404030301010803" pitchFamily="18" charset="0"/>
+              <a:cs typeface="American Typewriter"/>
+            </a:endParaRPr>
+          </a:p>
+        </p:txBody>
+      </p:sp>
+    </p:spTree>
+    <p:extLst>
+      <p:ext uri="{BB962C8B-B14F-4D97-AF65-F5344CB8AC3E}">
+        <p14:creationId xmlns:p14="http://schemas.microsoft.com/office/powerpoint/2010/main" val="1557872678"/>
+      </p:ext>
+    </p:extLst>
+  </p:cSld>
+  <p:clrMapOvr>
+    <a:masterClrMapping/>
+  </p:clrMapOvr>
+  <p:timing>
+    <p:tnLst>
+      <p:par>
+        <p:cTn id="1" dur="indefinite" restart="never" nodeType="tmRoot">
+          <p:childTnLst>
+            <p:seq concurrent="1" nextAc="seek">
+              <p:cTn id="2" dur="indefinite" nodeType="mainSeq">
+                <p:childTnLst>
                   <p:par>
-                    <p:cTn id="27" fill="hold">
+                    <p:cTn id="3" fill="hold">
                       <p:stCondLst>
                         <p:cond delay="indefinite"/>
+                        <p:cond evt="onBegin" delay="0">
+                          <p:tn val="2"/>
+                        </p:cond>
                       </p:stCondLst>
                       <p:childTnLst>
                         <p:par>
-                          <p:cTn id="28" fill="hold">
+                          <p:cTn id="4" fill="hold">
                             <p:stCondLst>
                               <p:cond delay="0"/>
                             </p:stCondLst>
                             <p:childTnLst>
                               <p:par>
-                                <p:cTn id="29" presetID="1" presetClass="entr" presetSubtype="0" fill="hold" grpId="0" nodeType="clickEffect">
+                                <p:cTn id="5" presetID="1" presetClass="entr" presetSubtype="0" fill="hold" grpId="0" nodeType="withEffect">
                                   <p:stCondLst>
                                     <p:cond delay="0"/>
                                   </p:stCondLst>
                                   <p:childTnLst>
                                     <p:set>
                                       <p:cBhvr>
-                                        <p:cTn id="30" dur="1" fill="hold">
+                                        <p:cTn id="6" dur="1" fill="hold">
+                                          <p:stCondLst>
+                                            <p:cond delay="0"/>
+                                          </p:stCondLst>
+                                        </p:cTn>
+                                        <p:tgtEl>
+                                          <p:spTgt spid="5"/>
+                                        </p:tgtEl>
+                                        <p:attrNameLst>
+                                          <p:attrName>style.visibility</p:attrName>
+                                        </p:attrNameLst>
+                                      </p:cBhvr>
+                                      <p:to>
+                                        <p:strVal val="visible"/>
+                                      </p:to>
+                                    </p:set>
+                                  </p:childTnLst>
+                                </p:cTn>
+                              </p:par>
+                            </p:childTnLst>
+                          </p:cTn>
+                        </p:par>
+                      </p:childTnLst>
+                    </p:cTn>
+                  </p:par>
+                  <p:par>
+                    <p:cTn id="7" fill="hold">
+                      <p:stCondLst>
+                        <p:cond delay="indefinite"/>
+                      </p:stCondLst>
+                      <p:childTnLst>
+                        <p:par>
+                          <p:cTn id="8" fill="hold">
+                            <p:stCondLst>
+                              <p:cond delay="0"/>
+                            </p:stCondLst>
+                            <p:childTnLst>
+                              <p:par>
+                                <p:cTn id="9" presetID="1" presetClass="entr" presetSubtype="0" fill="hold" grpId="0" nodeType="clickEffect">
+                                  <p:stCondLst>
+                                    <p:cond delay="0"/>
+                                  </p:stCondLst>
+                                  <p:childTnLst>
+                                    <p:set>
+                                      <p:cBhvr>
+                                        <p:cTn id="10" dur="1" fill="hold">
                                           <p:stCondLst>
                                             <p:cond delay="0"/>
                                           </p:stCondLst>
@@ -6689,7 +8631,56 @@
                                         <p:tgtEl>
                                           <p:spTgt spid="3">
                                             <p:txEl>
-                                              <p:pRg st="5" end="5"/>
+                                              <p:pRg st="0" end="0"/>
+                                            </p:txEl>
+                                          </p:spTgt>
+                                        </p:tgtEl>
+                                        <p:attrNameLst>
+                                          <p:attrName>style.visibility</p:attrName>
+                                        </p:attrNameLst>
+                                      </p:cBhvr>
+                                      <p:to>
+                                        <p:strVal val="visible"/>
+                                      </p:to>
+                                    </p:set>
+                                  </p:childTnLst>
+                                </p:cTn>
+                              </p:par>
+                            </p:childTnLst>
+                          </p:cTn>
+                        </p:par>
+                      </p:childTnLst>
+                    </p:cTn>
+                  </p:par>
+                  <p:par>
+                    <p:cTn id="11" fill="hold">
+                      <p:stCondLst>
+                        <p:cond delay="indefinite"/>
+                      </p:stCondLst>
+                      <p:childTnLst>
+                        <p:par>
+                          <p:cTn id="12" fill="hold">
+                            <p:stCondLst>
+                              <p:cond delay="0"/>
+                            </p:stCondLst>
+                            <p:childTnLst>
+                              <p:par>
+                                <p:cTn id="13" presetID="1" presetClass="entr" presetSubtype="0" fill="hold" grpId="0" nodeType="clickEffect">
+                                  <p:stCondLst>
+                                    <p:cond delay="0"/>
+                                  </p:stCondLst>
+                                  <p:childTnLst>
+                                    <p:set>
+                                      <p:cBhvr>
+                                        <p:cTn id="14" dur="1" fill="hold">
+                                          <p:stCondLst>
+                                            <p:cond delay="0"/>
+                                          </p:stCondLst>
+                                        </p:cTn>
+                                        <p:tgtEl>
+                                          <p:spTgt spid="3">
+                                            <p:txEl>
+                                              <p:pRg st="1" end="1"/>
                                             </p:txEl>
                                           </p:spTgt>
                                         </p:tgtEl>
@@ -6732,14 +8723,14 @@
       </p:par>
     </p:tnLst>
     <p:bldLst>
-      <p:bldP spid="3" grpId="0" uiExpand="1" build="p"/>
+      <p:bldP spid="3" grpId="0" build="p"/>
       <p:bldP spid="5" grpId="0"/>
     </p:bldLst>
   </p:timing>
 </p:sld>
 </file>
 
-<file path=ppt/slides/slide5.xml><?xml version="1.0" encoding="utf-8"?>
+<file path=ppt/slides/slide8.xml><?xml version="1.0" encoding="utf-8"?>
 <p:sld xmlns:a="http://schemas.openxmlformats.org/drawingml/2006/main" xmlns:r="http://schemas.openxmlformats.org/officeDocument/2006/relationships" xmlns:p="http://schemas.openxmlformats.org/presentationml/2006/main">
   <p:cSld>
     <p:spTree>
@@ -6991,7 +8982,7 @@
                 <a:latin typeface="Garamond" panose="02020404030301010803" pitchFamily="18" charset="0"/>
                 <a:cs typeface="American Typewriter"/>
               </a:rPr>
-              <a:t>Also, periodic homework and quizzes</a:t>
+              <a:t>Also, periodic homework and quizzes (26 pts)</a:t>
             </a:r>
             <a:endParaRPr lang="en-US" sz="3100" dirty="0" smtClean="0">
               <a:latin typeface="Garamond" panose="02020404030301010803" pitchFamily="18" charset="0"/>
@@ -7523,7 +9514,7 @@
 </p:sld>
 </file>
 
-<file path=ppt/slides/slide6.xml><?xml version="1.0" encoding="utf-8"?>
+<file path=ppt/slides/slide9.xml><?xml version="1.0" encoding="utf-8"?>
 <p:sld xmlns:a="http://schemas.openxmlformats.org/drawingml/2006/main" xmlns:r="http://schemas.openxmlformats.org/officeDocument/2006/relationships" xmlns:p="http://schemas.openxmlformats.org/presentationml/2006/main">
   <p:cSld>
     <p:spTree>
@@ -7950,793 +9941,6 @@
     </p:tnLst>
     <p:bldLst>
       <p:bldP spid="3" grpId="0" uiExpand="1" build="p"/>
-      <p:bldP spid="5" grpId="0"/>
-    </p:bldLst>
-  </p:timing>
-</p:sld>
-</file>
-
-<file path=ppt/slides/slide7.xml><?xml version="1.0" encoding="utf-8"?>
-<p:sld xmlns:a="http://schemas.openxmlformats.org/drawingml/2006/main" xmlns:r="http://schemas.openxmlformats.org/officeDocument/2006/relationships" xmlns:p="http://schemas.openxmlformats.org/presentationml/2006/main">
-  <p:cSld>
-    <p:bg>
-      <p:bgRef idx="1001">
-        <a:schemeClr val="bg1"/>
-      </p:bgRef>
-    </p:bg>
-    <p:spTree>
-      <p:nvGrpSpPr>
-        <p:cNvPr id="1" name=""/>
-        <p:cNvGrpSpPr/>
-        <p:nvPr/>
-      </p:nvGrpSpPr>
-      <p:grpSpPr>
-        <a:xfrm>
-          <a:off x="0" y="0"/>
-          <a:ext cx="0" cy="0"/>
-          <a:chOff x="0" y="0"/>
-          <a:chExt cx="0" cy="0"/>
-        </a:xfrm>
-      </p:grpSpPr>
-      <p:sp>
-        <p:nvSpPr>
-          <p:cNvPr id="5" name="Title 1"/>
-          <p:cNvSpPr>
-            <a:spLocks noGrp="1"/>
-          </p:cNvSpPr>
-          <p:nvPr>
-            <p:ph type="title"/>
-          </p:nvPr>
-        </p:nvSpPr>
-        <p:spPr>
-          <a:xfrm>
-            <a:off x="946404" y="365760"/>
-            <a:ext cx="7269480" cy="811530"/>
-          </a:xfrm>
-        </p:spPr>
-        <p:txBody>
-          <a:bodyPr>
-            <a:normAutofit fontScale="90000"/>
-          </a:bodyPr>
-          <a:lstStyle/>
-          <a:p>
-            <a:r>
-              <a:rPr lang="en-US" sz="3900" dirty="0" smtClean="0">
-                <a:latin typeface="Garamond" panose="02020404030301010803" pitchFamily="18" charset="0"/>
-                <a:cs typeface="American Typewriter"/>
-              </a:rPr>
-              <a:t>Course Policies, Academic Dishonesty</a:t>
-            </a:r>
-            <a:endParaRPr lang="en-US" sz="3900" dirty="0">
-              <a:latin typeface="Garamond" panose="02020404030301010803" pitchFamily="18" charset="0"/>
-              <a:cs typeface="American Typewriter"/>
-            </a:endParaRPr>
-          </a:p>
-        </p:txBody>
-      </p:sp>
-      <p:sp>
-        <p:nvSpPr>
-          <p:cNvPr id="3" name="Content Placeholder 2"/>
-          <p:cNvSpPr>
-            <a:spLocks noGrp="1"/>
-          </p:cNvSpPr>
-          <p:nvPr>
-            <p:ph idx="1"/>
-          </p:nvPr>
-        </p:nvSpPr>
-        <p:spPr>
-          <a:xfrm>
-            <a:off x="549275" y="1527644"/>
-            <a:ext cx="7897496" cy="5590926"/>
-          </a:xfrm>
-        </p:spPr>
-        <p:txBody>
-          <a:bodyPr>
-            <a:normAutofit/>
-          </a:bodyPr>
-          <a:lstStyle/>
-          <a:p>
-            <a:pPr marL="0" indent="0">
-              <a:buNone/>
-            </a:pPr>
-            <a:r>
-              <a:rPr lang="en-US" sz="3300" dirty="0">
-                <a:latin typeface="Garamond" panose="02020404030301010803" pitchFamily="18" charset="0"/>
-                <a:cs typeface="American Typewriter"/>
-              </a:rPr>
-              <a:t>“Since students are expected to be familiar with the Academic Honesty Policy (CP 5-16) and the commonly accepted standards of academic integrity, ignorance of such standards by itself is not sufficient evidence of lack of </a:t>
-            </a:r>
-            <a:r>
-              <a:rPr lang="en-US" sz="3300" dirty="0" smtClean="0">
-                <a:latin typeface="Garamond" panose="02020404030301010803" pitchFamily="18" charset="0"/>
-                <a:cs typeface="American Typewriter"/>
-              </a:rPr>
-              <a:t>intent”</a:t>
-            </a:r>
-            <a:endParaRPr lang="en-US" sz="3300" dirty="0" smtClean="0">
-              <a:latin typeface="Garamond" panose="02020404030301010803" pitchFamily="18" charset="0"/>
-              <a:cs typeface="American Typewriter"/>
-            </a:endParaRPr>
-          </a:p>
-        </p:txBody>
-      </p:sp>
-    </p:spTree>
-    <p:extLst>
-      <p:ext uri="{BB962C8B-B14F-4D97-AF65-F5344CB8AC3E}">
-        <p14:creationId xmlns:p14="http://schemas.microsoft.com/office/powerpoint/2010/main" val="2737704138"/>
-      </p:ext>
-    </p:extLst>
-  </p:cSld>
-  <p:clrMapOvr>
-    <a:overrideClrMapping bg1="lt1" tx1="dk1" bg2="lt2" tx2="dk2" accent1="accent1" accent2="accent2" accent3="accent3" accent4="accent4" accent5="accent5" accent6="accent6" hlink="hlink" folHlink="folHlink"/>
-  </p:clrMapOvr>
-  <p:timing>
-    <p:tnLst>
-      <p:par>
-        <p:cTn id="1" dur="indefinite" restart="never" nodeType="tmRoot">
-          <p:childTnLst>
-            <p:seq concurrent="1" nextAc="seek">
-              <p:cTn id="2" dur="indefinite" nodeType="mainSeq">
-                <p:childTnLst>
-                  <p:par>
-                    <p:cTn id="3" fill="hold">
-                      <p:stCondLst>
-                        <p:cond delay="indefinite"/>
-                        <p:cond evt="onBegin" delay="0">
-                          <p:tn val="2"/>
-                        </p:cond>
-                      </p:stCondLst>
-                      <p:childTnLst>
-                        <p:par>
-                          <p:cTn id="4" fill="hold">
-                            <p:stCondLst>
-                              <p:cond delay="0"/>
-                            </p:stCondLst>
-                            <p:childTnLst>
-                              <p:par>
-                                <p:cTn id="5" presetID="1" presetClass="entr" presetSubtype="0" fill="hold" grpId="0" nodeType="withEffect">
-                                  <p:stCondLst>
-                                    <p:cond delay="0"/>
-                                  </p:stCondLst>
-                                  <p:childTnLst>
-                                    <p:set>
-                                      <p:cBhvr>
-                                        <p:cTn id="6" dur="1" fill="hold">
-                                          <p:stCondLst>
-                                            <p:cond delay="0"/>
-                                          </p:stCondLst>
-                                        </p:cTn>
-                                        <p:tgtEl>
-                                          <p:spTgt spid="5"/>
-                                        </p:tgtEl>
-                                        <p:attrNameLst>
-                                          <p:attrName>style.visibility</p:attrName>
-                                        </p:attrNameLst>
-                                      </p:cBhvr>
-                                      <p:to>
-                                        <p:strVal val="visible"/>
-                                      </p:to>
-                                    </p:set>
-                                  </p:childTnLst>
-                                </p:cTn>
-                              </p:par>
-                            </p:childTnLst>
-                          </p:cTn>
-                        </p:par>
-                      </p:childTnLst>
-                    </p:cTn>
-                  </p:par>
-                  <p:par>
-                    <p:cTn id="7" fill="hold">
-                      <p:stCondLst>
-                        <p:cond delay="indefinite"/>
-                      </p:stCondLst>
-                      <p:childTnLst>
-                        <p:par>
-                          <p:cTn id="8" fill="hold">
-                            <p:stCondLst>
-                              <p:cond delay="0"/>
-                            </p:stCondLst>
-                            <p:childTnLst>
-                              <p:par>
-                                <p:cTn id="9" presetID="1" presetClass="entr" presetSubtype="0" fill="hold" grpId="0" nodeType="clickEffect">
-                                  <p:stCondLst>
-                                    <p:cond delay="0"/>
-                                  </p:stCondLst>
-                                  <p:childTnLst>
-                                    <p:set>
-                                      <p:cBhvr>
-                                        <p:cTn id="10" dur="1" fill="hold">
-                                          <p:stCondLst>
-                                            <p:cond delay="0"/>
-                                          </p:stCondLst>
-                                        </p:cTn>
-                                        <p:tgtEl>
-                                          <p:spTgt spid="3">
-                                            <p:txEl>
-                                              <p:pRg st="0" end="0"/>
-                                            </p:txEl>
-                                          </p:spTgt>
-                                        </p:tgtEl>
-                                        <p:attrNameLst>
-                                          <p:attrName>style.visibility</p:attrName>
-                                        </p:attrNameLst>
-                                      </p:cBhvr>
-                                      <p:to>
-                                        <p:strVal val="visible"/>
-                                      </p:to>
-                                    </p:set>
-                                  </p:childTnLst>
-                                </p:cTn>
-                              </p:par>
-                            </p:childTnLst>
-                          </p:cTn>
-                        </p:par>
-                      </p:childTnLst>
-                    </p:cTn>
-                  </p:par>
-                </p:childTnLst>
-              </p:cTn>
-              <p:prevCondLst>
-                <p:cond evt="onPrev" delay="0">
-                  <p:tgtEl>
-                    <p:sldTgt/>
-                  </p:tgtEl>
-                </p:cond>
-              </p:prevCondLst>
-              <p:nextCondLst>
-                <p:cond evt="onNext" delay="0">
-                  <p:tgtEl>
-                    <p:sldTgt/>
-                  </p:tgtEl>
-                </p:cond>
-              </p:nextCondLst>
-            </p:seq>
-          </p:childTnLst>
-        </p:cTn>
-      </p:par>
-    </p:tnLst>
-    <p:bldLst>
-      <p:bldP spid="5" grpId="0"/>
-      <p:bldP spid="3" grpId="0" build="p"/>
-    </p:bldLst>
-  </p:timing>
-</p:sld>
-</file>
-
-<file path=ppt/slides/slide8.xml><?xml version="1.0" encoding="utf-8"?>
-<p:sld xmlns:a="http://schemas.openxmlformats.org/drawingml/2006/main" xmlns:r="http://schemas.openxmlformats.org/officeDocument/2006/relationships" xmlns:p="http://schemas.openxmlformats.org/presentationml/2006/main">
-  <p:cSld>
-    <p:spTree>
-      <p:nvGrpSpPr>
-        <p:cNvPr id="1" name=""/>
-        <p:cNvGrpSpPr/>
-        <p:nvPr/>
-      </p:nvGrpSpPr>
-      <p:grpSpPr>
-        <a:xfrm>
-          <a:off x="0" y="0"/>
-          <a:ext cx="0" cy="0"/>
-          <a:chOff x="0" y="0"/>
-          <a:chExt cx="0" cy="0"/>
-        </a:xfrm>
-      </p:grpSpPr>
-      <p:sp>
-        <p:nvSpPr>
-          <p:cNvPr id="3" name="Content Placeholder 2"/>
-          <p:cNvSpPr>
-            <a:spLocks noGrp="1"/>
-          </p:cNvSpPr>
-          <p:nvPr>
-            <p:ph idx="1"/>
-          </p:nvPr>
-        </p:nvSpPr>
-        <p:spPr>
-          <a:xfrm>
-            <a:off x="549275" y="1527644"/>
-            <a:ext cx="7897496" cy="5590926"/>
-          </a:xfrm>
-        </p:spPr>
-        <p:txBody>
-          <a:bodyPr>
-            <a:normAutofit/>
-          </a:bodyPr>
-          <a:lstStyle/>
-          <a:p>
-            <a:pPr>
-              <a:buFontTx/>
-              <a:buChar char="•"/>
-            </a:pPr>
-            <a:r>
-              <a:rPr lang="en-US" sz="3300" dirty="0" smtClean="0">
-                <a:latin typeface="Garamond" panose="02020404030301010803" pitchFamily="18" charset="0"/>
-                <a:cs typeface="American Typewriter"/>
-              </a:rPr>
-              <a:t>Course and Academic Honesty policies from Moodle</a:t>
-            </a:r>
-          </a:p>
-          <a:p>
-            <a:pPr lvl="1">
-              <a:buFontTx/>
-              <a:buChar char="•"/>
-            </a:pPr>
-            <a:r>
-              <a:rPr lang="en-US" sz="3100" dirty="0" smtClean="0">
-                <a:latin typeface="Garamond" panose="02020404030301010803" pitchFamily="18" charset="0"/>
-                <a:cs typeface="American Typewriter"/>
-              </a:rPr>
-              <a:t>There will be a Quiz on these next Tuesday</a:t>
-            </a:r>
-          </a:p>
-        </p:txBody>
-      </p:sp>
-      <p:sp>
-        <p:nvSpPr>
-          <p:cNvPr id="5" name="Title 1"/>
-          <p:cNvSpPr>
-            <a:spLocks noGrp="1"/>
-          </p:cNvSpPr>
-          <p:nvPr>
-            <p:ph type="title"/>
-          </p:nvPr>
-        </p:nvSpPr>
-        <p:spPr>
-          <a:xfrm>
-            <a:off x="946404" y="365760"/>
-            <a:ext cx="7269480" cy="811530"/>
-          </a:xfrm>
-        </p:spPr>
-        <p:txBody>
-          <a:bodyPr>
-            <a:normAutofit/>
-          </a:bodyPr>
-          <a:lstStyle/>
-          <a:p>
-            <a:r>
-              <a:rPr lang="en-US" sz="4400" dirty="0" smtClean="0">
-                <a:latin typeface="Garamond" panose="02020404030301010803" pitchFamily="18" charset="0"/>
-                <a:cs typeface="American Typewriter"/>
-              </a:rPr>
-              <a:t>Homework Assignments</a:t>
-            </a:r>
-            <a:endParaRPr lang="en-US" sz="4400" dirty="0">
-              <a:latin typeface="Garamond" panose="02020404030301010803" pitchFamily="18" charset="0"/>
-              <a:cs typeface="American Typewriter"/>
-            </a:endParaRPr>
-          </a:p>
-        </p:txBody>
-      </p:sp>
-    </p:spTree>
-    <p:extLst>
-      <p:ext uri="{BB962C8B-B14F-4D97-AF65-F5344CB8AC3E}">
-        <p14:creationId xmlns:p14="http://schemas.microsoft.com/office/powerpoint/2010/main" val="3379291469"/>
-      </p:ext>
-    </p:extLst>
-  </p:cSld>
-  <p:clrMapOvr>
-    <a:masterClrMapping/>
-  </p:clrMapOvr>
-  <p:timing>
-    <p:tnLst>
-      <p:par>
-        <p:cTn id="1" dur="indefinite" restart="never" nodeType="tmRoot">
-          <p:childTnLst>
-            <p:seq concurrent="1" nextAc="seek">
-              <p:cTn id="2" dur="indefinite" nodeType="mainSeq">
-                <p:childTnLst>
-                  <p:par>
-                    <p:cTn id="3" fill="hold">
-                      <p:stCondLst>
-                        <p:cond delay="indefinite"/>
-                        <p:cond evt="onBegin" delay="0">
-                          <p:tn val="2"/>
-                        </p:cond>
-                      </p:stCondLst>
-                      <p:childTnLst>
-                        <p:par>
-                          <p:cTn id="4" fill="hold">
-                            <p:stCondLst>
-                              <p:cond delay="0"/>
-                            </p:stCondLst>
-                            <p:childTnLst>
-                              <p:par>
-                                <p:cTn id="5" presetID="1" presetClass="entr" presetSubtype="0" fill="hold" grpId="0" nodeType="withEffect">
-                                  <p:stCondLst>
-                                    <p:cond delay="0"/>
-                                  </p:stCondLst>
-                                  <p:childTnLst>
-                                    <p:set>
-                                      <p:cBhvr>
-                                        <p:cTn id="6" dur="1" fill="hold">
-                                          <p:stCondLst>
-                                            <p:cond delay="0"/>
-                                          </p:stCondLst>
-                                        </p:cTn>
-                                        <p:tgtEl>
-                                          <p:spTgt spid="5"/>
-                                        </p:tgtEl>
-                                        <p:attrNameLst>
-                                          <p:attrName>style.visibility</p:attrName>
-                                        </p:attrNameLst>
-                                      </p:cBhvr>
-                                      <p:to>
-                                        <p:strVal val="visible"/>
-                                      </p:to>
-                                    </p:set>
-                                  </p:childTnLst>
-                                </p:cTn>
-                              </p:par>
-                            </p:childTnLst>
-                          </p:cTn>
-                        </p:par>
-                      </p:childTnLst>
-                    </p:cTn>
-                  </p:par>
-                  <p:par>
-                    <p:cTn id="7" fill="hold">
-                      <p:stCondLst>
-                        <p:cond delay="indefinite"/>
-                      </p:stCondLst>
-                      <p:childTnLst>
-                        <p:par>
-                          <p:cTn id="8" fill="hold">
-                            <p:stCondLst>
-                              <p:cond delay="0"/>
-                            </p:stCondLst>
-                            <p:childTnLst>
-                              <p:par>
-                                <p:cTn id="9" presetID="1" presetClass="entr" presetSubtype="0" fill="hold" grpId="0" nodeType="clickEffect">
-                                  <p:stCondLst>
-                                    <p:cond delay="0"/>
-                                  </p:stCondLst>
-                                  <p:childTnLst>
-                                    <p:set>
-                                      <p:cBhvr>
-                                        <p:cTn id="10" dur="1" fill="hold">
-                                          <p:stCondLst>
-                                            <p:cond delay="0"/>
-                                          </p:stCondLst>
-                                        </p:cTn>
-                                        <p:tgtEl>
-                                          <p:spTgt spid="3">
-                                            <p:txEl>
-                                              <p:pRg st="0" end="0"/>
-                                            </p:txEl>
-                                          </p:spTgt>
-                                        </p:tgtEl>
-                                        <p:attrNameLst>
-                                          <p:attrName>style.visibility</p:attrName>
-                                        </p:attrNameLst>
-                                      </p:cBhvr>
-                                      <p:to>
-                                        <p:strVal val="visible"/>
-                                      </p:to>
-                                    </p:set>
-                                  </p:childTnLst>
-                                </p:cTn>
-                              </p:par>
-                            </p:childTnLst>
-                          </p:cTn>
-                        </p:par>
-                      </p:childTnLst>
-                    </p:cTn>
-                  </p:par>
-                  <p:par>
-                    <p:cTn id="11" fill="hold">
-                      <p:stCondLst>
-                        <p:cond delay="indefinite"/>
-                      </p:stCondLst>
-                      <p:childTnLst>
-                        <p:par>
-                          <p:cTn id="12" fill="hold">
-                            <p:stCondLst>
-                              <p:cond delay="0"/>
-                            </p:stCondLst>
-                            <p:childTnLst>
-                              <p:par>
-                                <p:cTn id="13" presetID="1" presetClass="entr" presetSubtype="0" fill="hold" grpId="0" nodeType="clickEffect">
-                                  <p:stCondLst>
-                                    <p:cond delay="0"/>
-                                  </p:stCondLst>
-                                  <p:childTnLst>
-                                    <p:set>
-                                      <p:cBhvr>
-                                        <p:cTn id="14" dur="1" fill="hold">
-                                          <p:stCondLst>
-                                            <p:cond delay="0"/>
-                                          </p:stCondLst>
-                                        </p:cTn>
-                                        <p:tgtEl>
-                                          <p:spTgt spid="3">
-                                            <p:txEl>
-                                              <p:pRg st="1" end="1"/>
-                                            </p:txEl>
-                                          </p:spTgt>
-                                        </p:tgtEl>
-                                        <p:attrNameLst>
-                                          <p:attrName>style.visibility</p:attrName>
-                                        </p:attrNameLst>
-                                      </p:cBhvr>
-                                      <p:to>
-                                        <p:strVal val="visible"/>
-                                      </p:to>
-                                    </p:set>
-                                  </p:childTnLst>
-                                </p:cTn>
-                              </p:par>
-                            </p:childTnLst>
-                          </p:cTn>
-                        </p:par>
-                      </p:childTnLst>
-                    </p:cTn>
-                  </p:par>
-                </p:childTnLst>
-              </p:cTn>
-              <p:prevCondLst>
-                <p:cond evt="onPrev" delay="0">
-                  <p:tgtEl>
-                    <p:sldTgt/>
-                  </p:tgtEl>
-                </p:cond>
-              </p:prevCondLst>
-              <p:nextCondLst>
-                <p:cond evt="onNext" delay="0">
-                  <p:tgtEl>
-                    <p:sldTgt/>
-                  </p:tgtEl>
-                </p:cond>
-              </p:nextCondLst>
-            </p:seq>
-          </p:childTnLst>
-        </p:cTn>
-      </p:par>
-    </p:tnLst>
-    <p:bldLst>
-      <p:bldP spid="3" grpId="0" uiExpand="1" build="p"/>
-      <p:bldP spid="5" grpId="0"/>
-    </p:bldLst>
-  </p:timing>
-</p:sld>
-</file>
-
-<file path=ppt/slides/slide9.xml><?xml version="1.0" encoding="utf-8"?>
-<p:sld xmlns:a="http://schemas.openxmlformats.org/drawingml/2006/main" xmlns:r="http://schemas.openxmlformats.org/officeDocument/2006/relationships" xmlns:p="http://schemas.openxmlformats.org/presentationml/2006/main">
-  <p:cSld>
-    <p:spTree>
-      <p:nvGrpSpPr>
-        <p:cNvPr id="1" name=""/>
-        <p:cNvGrpSpPr/>
-        <p:nvPr/>
-      </p:nvGrpSpPr>
-      <p:grpSpPr>
-        <a:xfrm>
-          <a:off x="0" y="0"/>
-          <a:ext cx="0" cy="0"/>
-          <a:chOff x="0" y="0"/>
-          <a:chExt cx="0" cy="0"/>
-        </a:xfrm>
-      </p:grpSpPr>
-      <p:sp>
-        <p:nvSpPr>
-          <p:cNvPr id="3" name="Content Placeholder 2"/>
-          <p:cNvSpPr>
-            <a:spLocks noGrp="1"/>
-          </p:cNvSpPr>
-          <p:nvPr>
-            <p:ph idx="1"/>
-          </p:nvPr>
-        </p:nvSpPr>
-        <p:spPr>
-          <a:xfrm>
-            <a:off x="549275" y="1527644"/>
-            <a:ext cx="7897496" cy="5590926"/>
-          </a:xfrm>
-        </p:spPr>
-        <p:txBody>
-          <a:bodyPr>
-            <a:normAutofit/>
-          </a:bodyPr>
-          <a:lstStyle/>
-          <a:p>
-            <a:pPr>
-              <a:buFontTx/>
-              <a:buChar char="•"/>
-            </a:pPr>
-            <a:r>
-              <a:rPr lang="en-US" sz="3100" dirty="0" smtClean="0">
-                <a:latin typeface="Garamond" panose="02020404030301010803" pitchFamily="18" charset="0"/>
-                <a:cs typeface="American Typewriter"/>
-              </a:rPr>
-              <a:t>Hope that you’ve enjoyed your first week of classes.</a:t>
-            </a:r>
-            <a:endParaRPr lang="en-US" sz="3100" dirty="0" smtClean="0">
-              <a:latin typeface="Garamond" panose="02020404030301010803" pitchFamily="18" charset="0"/>
-              <a:cs typeface="American Typewriter"/>
-            </a:endParaRPr>
-          </a:p>
-        </p:txBody>
-      </p:sp>
-      <p:sp>
-        <p:nvSpPr>
-          <p:cNvPr id="5" name="Title 1"/>
-          <p:cNvSpPr>
-            <a:spLocks noGrp="1"/>
-          </p:cNvSpPr>
-          <p:nvPr>
-            <p:ph type="title"/>
-          </p:nvPr>
-        </p:nvSpPr>
-        <p:spPr>
-          <a:xfrm>
-            <a:off x="946404" y="365760"/>
-            <a:ext cx="7269480" cy="811530"/>
-          </a:xfrm>
-        </p:spPr>
-        <p:txBody>
-          <a:bodyPr>
-            <a:normAutofit/>
-          </a:bodyPr>
-          <a:lstStyle/>
-          <a:p>
-            <a:r>
-              <a:rPr lang="en-US" sz="4400" dirty="0" smtClean="0">
-                <a:latin typeface="Garamond" panose="02020404030301010803" pitchFamily="18" charset="0"/>
-                <a:cs typeface="American Typewriter"/>
-              </a:rPr>
-              <a:t>Hav</a:t>
-            </a:r>
-            <a:r>
-              <a:rPr lang="en-US" sz="4400" dirty="0" smtClean="0">
-                <a:latin typeface="Garamond" panose="02020404030301010803" pitchFamily="18" charset="0"/>
-                <a:cs typeface="American Typewriter"/>
-              </a:rPr>
-              <a:t>e a great semester!</a:t>
-            </a:r>
-            <a:endParaRPr lang="en-US" sz="4400" dirty="0">
-              <a:latin typeface="Garamond" panose="02020404030301010803" pitchFamily="18" charset="0"/>
-              <a:cs typeface="American Typewriter"/>
-            </a:endParaRPr>
-          </a:p>
-        </p:txBody>
-      </p:sp>
-    </p:spTree>
-    <p:extLst>
-      <p:ext uri="{BB962C8B-B14F-4D97-AF65-F5344CB8AC3E}">
-        <p14:creationId xmlns:p14="http://schemas.microsoft.com/office/powerpoint/2010/main" val="64661644"/>
-      </p:ext>
-    </p:extLst>
-  </p:cSld>
-  <p:clrMapOvr>
-    <a:masterClrMapping/>
-  </p:clrMapOvr>
-  <p:timing>
-    <p:tnLst>
-      <p:par>
-        <p:cTn id="1" dur="indefinite" restart="never" nodeType="tmRoot">
-          <p:childTnLst>
-            <p:seq concurrent="1" nextAc="seek">
-              <p:cTn id="2" dur="indefinite" nodeType="mainSeq">
-                <p:childTnLst>
-                  <p:par>
-                    <p:cTn id="3" fill="hold">
-                      <p:stCondLst>
-                        <p:cond delay="indefinite"/>
-                        <p:cond evt="onBegin" delay="0">
-                          <p:tn val="2"/>
-                        </p:cond>
-                      </p:stCondLst>
-                      <p:childTnLst>
-                        <p:par>
-                          <p:cTn id="4" fill="hold">
-                            <p:stCondLst>
-                              <p:cond delay="0"/>
-                            </p:stCondLst>
-                            <p:childTnLst>
-                              <p:par>
-                                <p:cTn id="5" presetID="1" presetClass="entr" presetSubtype="0" fill="hold" grpId="0" nodeType="withEffect">
-                                  <p:stCondLst>
-                                    <p:cond delay="0"/>
-                                  </p:stCondLst>
-                                  <p:childTnLst>
-                                    <p:set>
-                                      <p:cBhvr>
-                                        <p:cTn id="6" dur="1" fill="hold">
-                                          <p:stCondLst>
-                                            <p:cond delay="0"/>
-                                          </p:stCondLst>
-                                        </p:cTn>
-                                        <p:tgtEl>
-                                          <p:spTgt spid="5"/>
-                                        </p:tgtEl>
-                                        <p:attrNameLst>
-                                          <p:attrName>style.visibility</p:attrName>
-                                        </p:attrNameLst>
-                                      </p:cBhvr>
-                                      <p:to>
-                                        <p:strVal val="visible"/>
-                                      </p:to>
-                                    </p:set>
-                                  </p:childTnLst>
-                                </p:cTn>
-                              </p:par>
-                            </p:childTnLst>
-                          </p:cTn>
-                        </p:par>
-                      </p:childTnLst>
-                    </p:cTn>
-                  </p:par>
-                  <p:par>
-                    <p:cTn id="7" fill="hold">
-                      <p:stCondLst>
-                        <p:cond delay="indefinite"/>
-                      </p:stCondLst>
-                      <p:childTnLst>
-                        <p:par>
-                          <p:cTn id="8" fill="hold">
-                            <p:stCondLst>
-                              <p:cond delay="0"/>
-                            </p:stCondLst>
-                            <p:childTnLst>
-                              <p:par>
-                                <p:cTn id="9" presetID="1" presetClass="entr" presetSubtype="0" fill="hold" grpId="0" nodeType="clickEffect">
-                                  <p:stCondLst>
-                                    <p:cond delay="0"/>
-                                  </p:stCondLst>
-                                  <p:childTnLst>
-                                    <p:set>
-                                      <p:cBhvr>
-                                        <p:cTn id="10" dur="1" fill="hold">
-                                          <p:stCondLst>
-                                            <p:cond delay="0"/>
-                                          </p:stCondLst>
-                                        </p:cTn>
-                                        <p:tgtEl>
-                                          <p:spTgt spid="3">
-                                            <p:txEl>
-                                              <p:pRg st="0" end="0"/>
-                                            </p:txEl>
-                                          </p:spTgt>
-                                        </p:tgtEl>
-                                        <p:attrNameLst>
-                                          <p:attrName>style.visibility</p:attrName>
-                                        </p:attrNameLst>
-                                      </p:cBhvr>
-                                      <p:to>
-                                        <p:strVal val="visible"/>
-                                      </p:to>
-                                    </p:set>
-                                  </p:childTnLst>
-                                </p:cTn>
-                              </p:par>
-                            </p:childTnLst>
-                          </p:cTn>
-                        </p:par>
-                      </p:childTnLst>
-                    </p:cTn>
-                  </p:par>
-                </p:childTnLst>
-              </p:cTn>
-              <p:prevCondLst>
-                <p:cond evt="onPrev" delay="0">
-                  <p:tgtEl>
-                    <p:sldTgt/>
-                  </p:tgtEl>
-                </p:cond>
-              </p:prevCondLst>
-              <p:nextCondLst>
-                <p:cond evt="onNext" delay="0">
-                  <p:tgtEl>
-                    <p:sldTgt/>
-                  </p:tgtEl>
-                </p:cond>
-              </p:nextCondLst>
-            </p:seq>
-          </p:childTnLst>
-        </p:cTn>
-      </p:par>
-    </p:tnLst>
-    <p:bldLst>
-      <p:bldP spid="3" grpId="0" build="p"/>
       <p:bldP spid="5" grpId="0"/>
     </p:bldLst>
   </p:timing>

--- a/slides/lab1_21jan2016/lab1_21jan2016.pptx
+++ b/slides/lab1_21jan2016/lab1_21jan2016.pptx
@@ -5,23 +5,31 @@
     <p:sldMasterId id="2147483673" r:id="rId1"/>
   </p:sldMasterIdLst>
   <p:notesMasterIdLst>
-    <p:notesMasterId r:id="rId16"/>
+    <p:notesMasterId r:id="rId24"/>
   </p:notesMasterIdLst>
   <p:sldIdLst>
     <p:sldId id="285" r:id="rId2"/>
     <p:sldId id="256" r:id="rId3"/>
-    <p:sldId id="257" r:id="rId4"/>
-    <p:sldId id="286" r:id="rId5"/>
-    <p:sldId id="263" r:id="rId6"/>
-    <p:sldId id="258" r:id="rId7"/>
-    <p:sldId id="288" r:id="rId8"/>
-    <p:sldId id="280" r:id="rId9"/>
-    <p:sldId id="283" r:id="rId10"/>
-    <p:sldId id="281" r:id="rId11"/>
-    <p:sldId id="282" r:id="rId12"/>
-    <p:sldId id="287" r:id="rId13"/>
-    <p:sldId id="289" r:id="rId14"/>
-    <p:sldId id="284" r:id="rId15"/>
+    <p:sldId id="297" r:id="rId4"/>
+    <p:sldId id="257" r:id="rId5"/>
+    <p:sldId id="286" r:id="rId6"/>
+    <p:sldId id="263" r:id="rId7"/>
+    <p:sldId id="258" r:id="rId8"/>
+    <p:sldId id="288" r:id="rId9"/>
+    <p:sldId id="280" r:id="rId10"/>
+    <p:sldId id="291" r:id="rId11"/>
+    <p:sldId id="292" r:id="rId12"/>
+    <p:sldId id="290" r:id="rId13"/>
+    <p:sldId id="283" r:id="rId14"/>
+    <p:sldId id="281" r:id="rId15"/>
+    <p:sldId id="282" r:id="rId16"/>
+    <p:sldId id="296" r:id="rId17"/>
+    <p:sldId id="295" r:id="rId18"/>
+    <p:sldId id="293" r:id="rId19"/>
+    <p:sldId id="294" r:id="rId20"/>
+    <p:sldId id="287" r:id="rId21"/>
+    <p:sldId id="289" r:id="rId22"/>
+    <p:sldId id="284" r:id="rId23"/>
   </p:sldIdLst>
   <p:sldSz cx="9144000" cy="6858000" type="screen4x3"/>
   <p:notesSz cx="6858000" cy="9144000"/>
@@ -222,7 +230,7 @@
             <a:fld id="{0BE325B2-CBF2-FD40-8D03-84CA1CCDBE10}" type="datetimeFigureOut">
               <a:rPr lang="en-US" smtClean="0"/>
               <a:pPr/>
-              <a:t>1/20/2016</a:t>
+              <a:t>1/21/2016</a:t>
             </a:fld>
             <a:endParaRPr lang="en-US"/>
           </a:p>
@@ -626,11 +634,11 @@
           <a:p>
             <a:r>
               <a:rPr lang="en-US" dirty="0" smtClean="0"/>
-              <a:t>TURNITIN is actually</a:t>
+              <a:t>Scary</a:t>
             </a:r>
             <a:r>
               <a:rPr lang="en-US" baseline="0" dirty="0" smtClean="0"/>
-              <a:t> an awesome piece of software. Accomplishes the massive challenge of going through _every_ document on the internet and comparing it to yours. In general, you shouldn’t really need to quote something directly. If you do happen to quote a particularly elegant phrasing, make sure it’s properly cited (quotations, original source).</a:t>
+              <a:t> thing, working for ages only to discover that someone has already asked this exact question…</a:t>
             </a:r>
             <a:endParaRPr lang="en-US" dirty="0"/>
           </a:p>
@@ -663,7 +671,7 @@
     </p:spTree>
     <p:extLst>
       <p:ext uri="{BB962C8B-B14F-4D97-AF65-F5344CB8AC3E}">
-        <p14:creationId xmlns:p14="http://schemas.microsoft.com/office/powerpoint/2010/main" val="3986726450"/>
+        <p14:creationId xmlns:p14="http://schemas.microsoft.com/office/powerpoint/2010/main" val="487471017"/>
       </p:ext>
     </p:extLst>
   </p:cSld>
@@ -717,6 +725,14 @@
           <a:bodyPr/>
           <a:lstStyle/>
           <a:p>
+            <a:r>
+              <a:rPr lang="en-US" baseline="0" dirty="0" smtClean="0"/>
+              <a:t>Trend -&gt; Becoming more and </a:t>
+            </a:r>
+            <a:r>
+              <a:rPr lang="en-US" baseline="0" smtClean="0"/>
+              <a:t>more independent.</a:t>
+            </a:r>
             <a:endParaRPr lang="en-US" dirty="0"/>
           </a:p>
         </p:txBody>
@@ -748,7 +764,7 @@
     </p:spTree>
     <p:extLst>
       <p:ext uri="{BB962C8B-B14F-4D97-AF65-F5344CB8AC3E}">
-        <p14:creationId xmlns:p14="http://schemas.microsoft.com/office/powerpoint/2010/main" val="703509749"/>
+        <p14:creationId xmlns:p14="http://schemas.microsoft.com/office/powerpoint/2010/main" val="3206543617"/>
       </p:ext>
     </p:extLst>
   </p:cSld>
@@ -804,7 +820,7 @@
           <a:p>
             <a:r>
               <a:rPr lang="en-US" dirty="0" smtClean="0"/>
-              <a:t>Super Exciting Time to be a researcher!</a:t>
+              <a:t>Contact new friend to see what was covered in lab, and what you need to do to catch up.</a:t>
             </a:r>
             <a:endParaRPr lang="en-US" dirty="0"/>
           </a:p>
@@ -837,7 +853,7 @@
     </p:spTree>
     <p:extLst>
       <p:ext uri="{BB962C8B-B14F-4D97-AF65-F5344CB8AC3E}">
-        <p14:creationId xmlns:p14="http://schemas.microsoft.com/office/powerpoint/2010/main" val="1748389064"/>
+        <p14:creationId xmlns:p14="http://schemas.microsoft.com/office/powerpoint/2010/main" val="2270627482"/>
       </p:ext>
     </p:extLst>
   </p:cSld>
@@ -891,6 +907,14 @@
           <a:bodyPr/>
           <a:lstStyle/>
           <a:p>
+            <a:r>
+              <a:rPr lang="en-US" dirty="0" smtClean="0"/>
+              <a:t>TURNITIN is actually</a:t>
+            </a:r>
+            <a:r>
+              <a:rPr lang="en-US" baseline="0" dirty="0" smtClean="0"/>
+              <a:t> an awesome piece of software. Accomplishes the massive challenge of going through _every_ document on the internet and comparing it to yours. In general, you shouldn’t really need to quote something directly. If you do happen to quote a particularly elegant phrasing, make sure it’s properly cited (quotations, original source).</a:t>
+            </a:r>
             <a:endParaRPr lang="en-US" dirty="0"/>
           </a:p>
         </p:txBody>
@@ -922,7 +946,7 @@
     </p:spTree>
     <p:extLst>
       <p:ext uri="{BB962C8B-B14F-4D97-AF65-F5344CB8AC3E}">
-        <p14:creationId xmlns:p14="http://schemas.microsoft.com/office/powerpoint/2010/main" val="4157715017"/>
+        <p14:creationId xmlns:p14="http://schemas.microsoft.com/office/powerpoint/2010/main" val="310028221"/>
       </p:ext>
     </p:extLst>
   </p:cSld>
@@ -976,6 +1000,14 @@
           <a:bodyPr/>
           <a:lstStyle/>
           <a:p>
+            <a:r>
+              <a:rPr lang="en-US" dirty="0" smtClean="0"/>
+              <a:t>TURNITIN is actually</a:t>
+            </a:r>
+            <a:r>
+              <a:rPr lang="en-US" baseline="0" dirty="0" smtClean="0"/>
+              <a:t> an awesome piece of software. Accomplishes the massive challenge of going through _every_ document on the internet and comparing it to yours. In general, you shouldn’t really need to quote something directly. If you do happen to quote a particularly elegant phrasing, make sure it’s properly cited (quotations, original source).</a:t>
+            </a:r>
             <a:endParaRPr lang="en-US" dirty="0"/>
           </a:p>
         </p:txBody>
@@ -1007,7 +1039,468 @@
     </p:spTree>
     <p:extLst>
       <p:ext uri="{BB962C8B-B14F-4D97-AF65-F5344CB8AC3E}">
-        <p14:creationId xmlns:p14="http://schemas.microsoft.com/office/powerpoint/2010/main" val="2935247966"/>
+        <p14:creationId xmlns:p14="http://schemas.microsoft.com/office/powerpoint/2010/main" val="3986726450"/>
+      </p:ext>
+    </p:extLst>
+  </p:cSld>
+  <p:clrMapOvr>
+    <a:masterClrMapping/>
+  </p:clrMapOvr>
+</p:notes>
+</file>
+
+<file path=ppt/notesSlides/notesSlide15.xml><?xml version="1.0" encoding="utf-8"?>
+<p:notes xmlns:a="http://schemas.openxmlformats.org/drawingml/2006/main" xmlns:r="http://schemas.openxmlformats.org/officeDocument/2006/relationships" xmlns:p="http://schemas.openxmlformats.org/presentationml/2006/main">
+  <p:cSld>
+    <p:spTree>
+      <p:nvGrpSpPr>
+        <p:cNvPr id="1" name=""/>
+        <p:cNvGrpSpPr/>
+        <p:nvPr/>
+      </p:nvGrpSpPr>
+      <p:grpSpPr>
+        <a:xfrm>
+          <a:off x="0" y="0"/>
+          <a:ext cx="0" cy="0"/>
+          <a:chOff x="0" y="0"/>
+          <a:chExt cx="0" cy="0"/>
+        </a:xfrm>
+      </p:grpSpPr>
+      <p:sp>
+        <p:nvSpPr>
+          <p:cNvPr id="2" name="Slide Image Placeholder 1"/>
+          <p:cNvSpPr>
+            <a:spLocks noGrp="1" noRot="1" noChangeAspect="1"/>
+          </p:cNvSpPr>
+          <p:nvPr>
+            <p:ph type="sldImg"/>
+          </p:nvPr>
+        </p:nvSpPr>
+        <p:spPr/>
+      </p:sp>
+      <p:sp>
+        <p:nvSpPr>
+          <p:cNvPr id="3" name="Notes Placeholder 2"/>
+          <p:cNvSpPr>
+            <a:spLocks noGrp="1"/>
+          </p:cNvSpPr>
+          <p:nvPr>
+            <p:ph type="body" idx="1"/>
+          </p:nvPr>
+        </p:nvSpPr>
+        <p:spPr/>
+        <p:txBody>
+          <a:bodyPr/>
+          <a:lstStyle/>
+          <a:p>
+            <a:endParaRPr lang="en-US" dirty="0"/>
+          </a:p>
+        </p:txBody>
+      </p:sp>
+      <p:sp>
+        <p:nvSpPr>
+          <p:cNvPr id="4" name="Slide Number Placeholder 3"/>
+          <p:cNvSpPr>
+            <a:spLocks noGrp="1"/>
+          </p:cNvSpPr>
+          <p:nvPr>
+            <p:ph type="sldNum" sz="quarter" idx="10"/>
+          </p:nvPr>
+        </p:nvSpPr>
+        <p:spPr/>
+        <p:txBody>
+          <a:bodyPr/>
+          <a:lstStyle/>
+          <a:p>
+            <a:fld id="{CCE97362-91F1-A342-824A-05DC1BD650F3}" type="slidenum">
+              <a:rPr lang="en-US" smtClean="0"/>
+              <a:pPr/>
+              <a:t>15</a:t>
+            </a:fld>
+            <a:endParaRPr lang="en-US"/>
+          </a:p>
+        </p:txBody>
+      </p:sp>
+    </p:spTree>
+    <p:extLst>
+      <p:ext uri="{BB962C8B-B14F-4D97-AF65-F5344CB8AC3E}">
+        <p14:creationId xmlns:p14="http://schemas.microsoft.com/office/powerpoint/2010/main" val="703509749"/>
+      </p:ext>
+    </p:extLst>
+  </p:cSld>
+  <p:clrMapOvr>
+    <a:masterClrMapping/>
+  </p:clrMapOvr>
+</p:notes>
+</file>
+
+<file path=ppt/notesSlides/notesSlide16.xml><?xml version="1.0" encoding="utf-8"?>
+<p:notes xmlns:a="http://schemas.openxmlformats.org/drawingml/2006/main" xmlns:r="http://schemas.openxmlformats.org/officeDocument/2006/relationships" xmlns:p="http://schemas.openxmlformats.org/presentationml/2006/main">
+  <p:cSld>
+    <p:spTree>
+      <p:nvGrpSpPr>
+        <p:cNvPr id="1" name=""/>
+        <p:cNvGrpSpPr/>
+        <p:nvPr/>
+      </p:nvGrpSpPr>
+      <p:grpSpPr>
+        <a:xfrm>
+          <a:off x="0" y="0"/>
+          <a:ext cx="0" cy="0"/>
+          <a:chOff x="0" y="0"/>
+          <a:chExt cx="0" cy="0"/>
+        </a:xfrm>
+      </p:grpSpPr>
+      <p:sp>
+        <p:nvSpPr>
+          <p:cNvPr id="2" name="Slide Image Placeholder 1"/>
+          <p:cNvSpPr>
+            <a:spLocks noGrp="1" noRot="1" noChangeAspect="1"/>
+          </p:cNvSpPr>
+          <p:nvPr>
+            <p:ph type="sldImg"/>
+          </p:nvPr>
+        </p:nvSpPr>
+        <p:spPr/>
+      </p:sp>
+      <p:sp>
+        <p:nvSpPr>
+          <p:cNvPr id="3" name="Notes Placeholder 2"/>
+          <p:cNvSpPr>
+            <a:spLocks noGrp="1"/>
+          </p:cNvSpPr>
+          <p:nvPr>
+            <p:ph type="body" idx="1"/>
+          </p:nvPr>
+        </p:nvSpPr>
+        <p:spPr/>
+        <p:txBody>
+          <a:bodyPr/>
+          <a:lstStyle/>
+          <a:p>
+            <a:endParaRPr lang="en-US" dirty="0"/>
+          </a:p>
+        </p:txBody>
+      </p:sp>
+      <p:sp>
+        <p:nvSpPr>
+          <p:cNvPr id="4" name="Slide Number Placeholder 3"/>
+          <p:cNvSpPr>
+            <a:spLocks noGrp="1"/>
+          </p:cNvSpPr>
+          <p:nvPr>
+            <p:ph type="sldNum" sz="quarter" idx="10"/>
+          </p:nvPr>
+        </p:nvSpPr>
+        <p:spPr/>
+        <p:txBody>
+          <a:bodyPr/>
+          <a:lstStyle/>
+          <a:p>
+            <a:fld id="{CCE97362-91F1-A342-824A-05DC1BD650F3}" type="slidenum">
+              <a:rPr lang="en-US" smtClean="0"/>
+              <a:pPr/>
+              <a:t>16</a:t>
+            </a:fld>
+            <a:endParaRPr lang="en-US"/>
+          </a:p>
+        </p:txBody>
+      </p:sp>
+    </p:spTree>
+    <p:extLst>
+      <p:ext uri="{BB962C8B-B14F-4D97-AF65-F5344CB8AC3E}">
+        <p14:creationId xmlns:p14="http://schemas.microsoft.com/office/powerpoint/2010/main" val="3993857083"/>
+      </p:ext>
+    </p:extLst>
+  </p:cSld>
+  <p:clrMapOvr>
+    <a:masterClrMapping/>
+  </p:clrMapOvr>
+</p:notes>
+</file>
+
+<file path=ppt/notesSlides/notesSlide17.xml><?xml version="1.0" encoding="utf-8"?>
+<p:notes xmlns:a="http://schemas.openxmlformats.org/drawingml/2006/main" xmlns:r="http://schemas.openxmlformats.org/officeDocument/2006/relationships" xmlns:p="http://schemas.openxmlformats.org/presentationml/2006/main">
+  <p:cSld>
+    <p:spTree>
+      <p:nvGrpSpPr>
+        <p:cNvPr id="1" name=""/>
+        <p:cNvGrpSpPr/>
+        <p:nvPr/>
+      </p:nvGrpSpPr>
+      <p:grpSpPr>
+        <a:xfrm>
+          <a:off x="0" y="0"/>
+          <a:ext cx="0" cy="0"/>
+          <a:chOff x="0" y="0"/>
+          <a:chExt cx="0" cy="0"/>
+        </a:xfrm>
+      </p:grpSpPr>
+      <p:sp>
+        <p:nvSpPr>
+          <p:cNvPr id="2" name="Slide Image Placeholder 1"/>
+          <p:cNvSpPr>
+            <a:spLocks noGrp="1" noRot="1" noChangeAspect="1"/>
+          </p:cNvSpPr>
+          <p:nvPr>
+            <p:ph type="sldImg"/>
+          </p:nvPr>
+        </p:nvSpPr>
+        <p:spPr/>
+      </p:sp>
+      <p:sp>
+        <p:nvSpPr>
+          <p:cNvPr id="3" name="Notes Placeholder 2"/>
+          <p:cNvSpPr>
+            <a:spLocks noGrp="1"/>
+          </p:cNvSpPr>
+          <p:nvPr>
+            <p:ph type="body" idx="1"/>
+          </p:nvPr>
+        </p:nvSpPr>
+        <p:spPr/>
+        <p:txBody>
+          <a:bodyPr/>
+          <a:lstStyle/>
+          <a:p>
+            <a:r>
+              <a:rPr lang="en-US" dirty="0" smtClean="0"/>
+              <a:t>http://www.ncbi.nlm.nih.gov/pmc/articles/PMC3136032/</a:t>
+            </a:r>
+            <a:endParaRPr lang="en-US" dirty="0"/>
+          </a:p>
+        </p:txBody>
+      </p:sp>
+      <p:sp>
+        <p:nvSpPr>
+          <p:cNvPr id="4" name="Slide Number Placeholder 3"/>
+          <p:cNvSpPr>
+            <a:spLocks noGrp="1"/>
+          </p:cNvSpPr>
+          <p:nvPr>
+            <p:ph type="sldNum" sz="quarter" idx="10"/>
+          </p:nvPr>
+        </p:nvSpPr>
+        <p:spPr/>
+        <p:txBody>
+          <a:bodyPr/>
+          <a:lstStyle/>
+          <a:p>
+            <a:fld id="{CCE97362-91F1-A342-824A-05DC1BD650F3}" type="slidenum">
+              <a:rPr lang="en-US" smtClean="0"/>
+              <a:pPr/>
+              <a:t>17</a:t>
+            </a:fld>
+            <a:endParaRPr lang="en-US"/>
+          </a:p>
+        </p:txBody>
+      </p:sp>
+    </p:spTree>
+    <p:extLst>
+      <p:ext uri="{BB962C8B-B14F-4D97-AF65-F5344CB8AC3E}">
+        <p14:creationId xmlns:p14="http://schemas.microsoft.com/office/powerpoint/2010/main" val="3605880643"/>
+      </p:ext>
+    </p:extLst>
+  </p:cSld>
+  <p:clrMapOvr>
+    <a:masterClrMapping/>
+  </p:clrMapOvr>
+</p:notes>
+</file>
+
+<file path=ppt/notesSlides/notesSlide18.xml><?xml version="1.0" encoding="utf-8"?>
+<p:notes xmlns:a="http://schemas.openxmlformats.org/drawingml/2006/main" xmlns:r="http://schemas.openxmlformats.org/officeDocument/2006/relationships" xmlns:p="http://schemas.openxmlformats.org/presentationml/2006/main">
+  <p:cSld>
+    <p:spTree>
+      <p:nvGrpSpPr>
+        <p:cNvPr id="1" name=""/>
+        <p:cNvGrpSpPr/>
+        <p:nvPr/>
+      </p:nvGrpSpPr>
+      <p:grpSpPr>
+        <a:xfrm>
+          <a:off x="0" y="0"/>
+          <a:ext cx="0" cy="0"/>
+          <a:chOff x="0" y="0"/>
+          <a:chExt cx="0" cy="0"/>
+        </a:xfrm>
+      </p:grpSpPr>
+      <p:sp>
+        <p:nvSpPr>
+          <p:cNvPr id="2" name="Slide Image Placeholder 1"/>
+          <p:cNvSpPr>
+            <a:spLocks noGrp="1" noRot="1" noChangeAspect="1"/>
+          </p:cNvSpPr>
+          <p:nvPr>
+            <p:ph type="sldImg"/>
+          </p:nvPr>
+        </p:nvSpPr>
+        <p:spPr/>
+      </p:sp>
+      <p:sp>
+        <p:nvSpPr>
+          <p:cNvPr id="3" name="Notes Placeholder 2"/>
+          <p:cNvSpPr>
+            <a:spLocks noGrp="1"/>
+          </p:cNvSpPr>
+          <p:nvPr>
+            <p:ph type="body" idx="1"/>
+          </p:nvPr>
+        </p:nvSpPr>
+        <p:spPr/>
+        <p:txBody>
+          <a:bodyPr/>
+          <a:lstStyle/>
+          <a:p>
+            <a:r>
+              <a:rPr lang="en-US" sz="1200" b="0" i="0" kern="1200" dirty="0" smtClean="0">
+                <a:solidFill>
+                  <a:schemeClr val="tx1"/>
+                </a:solidFill>
+                <a:effectLst/>
+                <a:latin typeface="+mn-lt"/>
+                <a:ea typeface="+mn-ea"/>
+                <a:cs typeface="+mn-cs"/>
+              </a:rPr>
+              <a:t>preyed on consumers’ fears about age-related cognitive decline</a:t>
+            </a:r>
+          </a:p>
+          <a:p>
+            <a:r>
+              <a:rPr lang="en-US" sz="1200" b="0" i="0" kern="1200" dirty="0" smtClean="0">
+                <a:solidFill>
+                  <a:schemeClr val="tx1"/>
+                </a:solidFill>
+                <a:effectLst/>
+                <a:latin typeface="+mn-lt"/>
+                <a:ea typeface="+mn-ea"/>
+                <a:cs typeface="+mn-cs"/>
+              </a:rPr>
+              <a:t>https://www.ftc.gov/news-events/press-releases/2016/01/lumosity-pay-2-million-settle-ftc-deceptive-advertising-charges</a:t>
+            </a:r>
+          </a:p>
+          <a:p>
+            <a:endParaRPr lang="en-US" dirty="0"/>
+          </a:p>
+        </p:txBody>
+      </p:sp>
+      <p:sp>
+        <p:nvSpPr>
+          <p:cNvPr id="4" name="Slide Number Placeholder 3"/>
+          <p:cNvSpPr>
+            <a:spLocks noGrp="1"/>
+          </p:cNvSpPr>
+          <p:nvPr>
+            <p:ph type="sldNum" sz="quarter" idx="10"/>
+          </p:nvPr>
+        </p:nvSpPr>
+        <p:spPr/>
+        <p:txBody>
+          <a:bodyPr/>
+          <a:lstStyle/>
+          <a:p>
+            <a:fld id="{CCE97362-91F1-A342-824A-05DC1BD650F3}" type="slidenum">
+              <a:rPr lang="en-US" smtClean="0"/>
+              <a:pPr/>
+              <a:t>18</a:t>
+            </a:fld>
+            <a:endParaRPr lang="en-US"/>
+          </a:p>
+        </p:txBody>
+      </p:sp>
+    </p:spTree>
+    <p:extLst>
+      <p:ext uri="{BB962C8B-B14F-4D97-AF65-F5344CB8AC3E}">
+        <p14:creationId xmlns:p14="http://schemas.microsoft.com/office/powerpoint/2010/main" val="1421352490"/>
+      </p:ext>
+    </p:extLst>
+  </p:cSld>
+  <p:clrMapOvr>
+    <a:masterClrMapping/>
+  </p:clrMapOvr>
+</p:notes>
+</file>
+
+<file path=ppt/notesSlides/notesSlide19.xml><?xml version="1.0" encoding="utf-8"?>
+<p:notes xmlns:a="http://schemas.openxmlformats.org/drawingml/2006/main" xmlns:r="http://schemas.openxmlformats.org/officeDocument/2006/relationships" xmlns:p="http://schemas.openxmlformats.org/presentationml/2006/main">
+  <p:cSld>
+    <p:spTree>
+      <p:nvGrpSpPr>
+        <p:cNvPr id="1" name=""/>
+        <p:cNvGrpSpPr/>
+        <p:nvPr/>
+      </p:nvGrpSpPr>
+      <p:grpSpPr>
+        <a:xfrm>
+          <a:off x="0" y="0"/>
+          <a:ext cx="0" cy="0"/>
+          <a:chOff x="0" y="0"/>
+          <a:chExt cx="0" cy="0"/>
+        </a:xfrm>
+      </p:grpSpPr>
+      <p:sp>
+        <p:nvSpPr>
+          <p:cNvPr id="2" name="Slide Image Placeholder 1"/>
+          <p:cNvSpPr>
+            <a:spLocks noGrp="1" noRot="1" noChangeAspect="1"/>
+          </p:cNvSpPr>
+          <p:nvPr>
+            <p:ph type="sldImg"/>
+          </p:nvPr>
+        </p:nvSpPr>
+        <p:spPr/>
+      </p:sp>
+      <p:sp>
+        <p:nvSpPr>
+          <p:cNvPr id="3" name="Notes Placeholder 2"/>
+          <p:cNvSpPr>
+            <a:spLocks noGrp="1"/>
+          </p:cNvSpPr>
+          <p:nvPr>
+            <p:ph type="body" idx="1"/>
+          </p:nvPr>
+        </p:nvSpPr>
+        <p:spPr/>
+        <p:txBody>
+          <a:bodyPr/>
+          <a:lstStyle/>
+          <a:p>
+            <a:r>
+              <a:rPr lang="en-US" dirty="0" smtClean="0"/>
+              <a:t>http://cdn2.hubspot.net/hubfs/432410/documents/Transdermal_neuromodulation.pdf?t=1453226932890</a:t>
+            </a:r>
+            <a:endParaRPr lang="en-US" dirty="0"/>
+          </a:p>
+        </p:txBody>
+      </p:sp>
+      <p:sp>
+        <p:nvSpPr>
+          <p:cNvPr id="4" name="Slide Number Placeholder 3"/>
+          <p:cNvSpPr>
+            <a:spLocks noGrp="1"/>
+          </p:cNvSpPr>
+          <p:nvPr>
+            <p:ph type="sldNum" sz="quarter" idx="10"/>
+          </p:nvPr>
+        </p:nvSpPr>
+        <p:spPr/>
+        <p:txBody>
+          <a:bodyPr/>
+          <a:lstStyle/>
+          <a:p>
+            <a:fld id="{CCE97362-91F1-A342-824A-05DC1BD650F3}" type="slidenum">
+              <a:rPr lang="en-US" smtClean="0"/>
+              <a:pPr/>
+              <a:t>19</a:t>
+            </a:fld>
+            <a:endParaRPr lang="en-US"/>
+          </a:p>
+        </p:txBody>
+      </p:sp>
+    </p:spTree>
+    <p:extLst>
+      <p:ext uri="{BB962C8B-B14F-4D97-AF65-F5344CB8AC3E}">
+        <p14:creationId xmlns:p14="http://schemas.microsoft.com/office/powerpoint/2010/main" val="4206840779"/>
       </p:ext>
     </p:extLst>
   </p:cSld>
@@ -1110,6 +1603,265 @@
 </p:notes>
 </file>
 
+<file path=ppt/notesSlides/notesSlide20.xml><?xml version="1.0" encoding="utf-8"?>
+<p:notes xmlns:a="http://schemas.openxmlformats.org/drawingml/2006/main" xmlns:r="http://schemas.openxmlformats.org/officeDocument/2006/relationships" xmlns:p="http://schemas.openxmlformats.org/presentationml/2006/main">
+  <p:cSld>
+    <p:spTree>
+      <p:nvGrpSpPr>
+        <p:cNvPr id="1" name=""/>
+        <p:cNvGrpSpPr/>
+        <p:nvPr/>
+      </p:nvGrpSpPr>
+      <p:grpSpPr>
+        <a:xfrm>
+          <a:off x="0" y="0"/>
+          <a:ext cx="0" cy="0"/>
+          <a:chOff x="0" y="0"/>
+          <a:chExt cx="0" cy="0"/>
+        </a:xfrm>
+      </p:grpSpPr>
+      <p:sp>
+        <p:nvSpPr>
+          <p:cNvPr id="2" name="Slide Image Placeholder 1"/>
+          <p:cNvSpPr>
+            <a:spLocks noGrp="1" noRot="1" noChangeAspect="1"/>
+          </p:cNvSpPr>
+          <p:nvPr>
+            <p:ph type="sldImg"/>
+          </p:nvPr>
+        </p:nvSpPr>
+        <p:spPr/>
+      </p:sp>
+      <p:sp>
+        <p:nvSpPr>
+          <p:cNvPr id="3" name="Notes Placeholder 2"/>
+          <p:cNvSpPr>
+            <a:spLocks noGrp="1"/>
+          </p:cNvSpPr>
+          <p:nvPr>
+            <p:ph type="body" idx="1"/>
+          </p:nvPr>
+        </p:nvSpPr>
+        <p:spPr/>
+        <p:txBody>
+          <a:bodyPr/>
+          <a:lstStyle/>
+          <a:p>
+            <a:r>
+              <a:rPr lang="en-US" dirty="0" smtClean="0"/>
+              <a:t>Super Exciting Time to be a researcher!</a:t>
+            </a:r>
+            <a:endParaRPr lang="en-US" dirty="0"/>
+          </a:p>
+        </p:txBody>
+      </p:sp>
+      <p:sp>
+        <p:nvSpPr>
+          <p:cNvPr id="4" name="Slide Number Placeholder 3"/>
+          <p:cNvSpPr>
+            <a:spLocks noGrp="1"/>
+          </p:cNvSpPr>
+          <p:nvPr>
+            <p:ph type="sldNum" sz="quarter" idx="10"/>
+          </p:nvPr>
+        </p:nvSpPr>
+        <p:spPr/>
+        <p:txBody>
+          <a:bodyPr/>
+          <a:lstStyle/>
+          <a:p>
+            <a:fld id="{CCE97362-91F1-A342-824A-05DC1BD650F3}" type="slidenum">
+              <a:rPr lang="en-US" smtClean="0"/>
+              <a:pPr/>
+              <a:t>20</a:t>
+            </a:fld>
+            <a:endParaRPr lang="en-US"/>
+          </a:p>
+        </p:txBody>
+      </p:sp>
+    </p:spTree>
+    <p:extLst>
+      <p:ext uri="{BB962C8B-B14F-4D97-AF65-F5344CB8AC3E}">
+        <p14:creationId xmlns:p14="http://schemas.microsoft.com/office/powerpoint/2010/main" val="1748389064"/>
+      </p:ext>
+    </p:extLst>
+  </p:cSld>
+  <p:clrMapOvr>
+    <a:masterClrMapping/>
+  </p:clrMapOvr>
+</p:notes>
+</file>
+
+<file path=ppt/notesSlides/notesSlide21.xml><?xml version="1.0" encoding="utf-8"?>
+<p:notes xmlns:a="http://schemas.openxmlformats.org/drawingml/2006/main" xmlns:r="http://schemas.openxmlformats.org/officeDocument/2006/relationships" xmlns:p="http://schemas.openxmlformats.org/presentationml/2006/main">
+  <p:cSld>
+    <p:spTree>
+      <p:nvGrpSpPr>
+        <p:cNvPr id="1" name=""/>
+        <p:cNvGrpSpPr/>
+        <p:nvPr/>
+      </p:nvGrpSpPr>
+      <p:grpSpPr>
+        <a:xfrm>
+          <a:off x="0" y="0"/>
+          <a:ext cx="0" cy="0"/>
+          <a:chOff x="0" y="0"/>
+          <a:chExt cx="0" cy="0"/>
+        </a:xfrm>
+      </p:grpSpPr>
+      <p:sp>
+        <p:nvSpPr>
+          <p:cNvPr id="2" name="Slide Image Placeholder 1"/>
+          <p:cNvSpPr>
+            <a:spLocks noGrp="1" noRot="1" noChangeAspect="1"/>
+          </p:cNvSpPr>
+          <p:nvPr>
+            <p:ph type="sldImg"/>
+          </p:nvPr>
+        </p:nvSpPr>
+        <p:spPr/>
+      </p:sp>
+      <p:sp>
+        <p:nvSpPr>
+          <p:cNvPr id="3" name="Notes Placeholder 2"/>
+          <p:cNvSpPr>
+            <a:spLocks noGrp="1"/>
+          </p:cNvSpPr>
+          <p:nvPr>
+            <p:ph type="body" idx="1"/>
+          </p:nvPr>
+        </p:nvSpPr>
+        <p:spPr/>
+        <p:txBody>
+          <a:bodyPr/>
+          <a:lstStyle/>
+          <a:p>
+            <a:endParaRPr lang="en-US" dirty="0"/>
+          </a:p>
+        </p:txBody>
+      </p:sp>
+      <p:sp>
+        <p:nvSpPr>
+          <p:cNvPr id="4" name="Slide Number Placeholder 3"/>
+          <p:cNvSpPr>
+            <a:spLocks noGrp="1"/>
+          </p:cNvSpPr>
+          <p:nvPr>
+            <p:ph type="sldNum" sz="quarter" idx="10"/>
+          </p:nvPr>
+        </p:nvSpPr>
+        <p:spPr/>
+        <p:txBody>
+          <a:bodyPr/>
+          <a:lstStyle/>
+          <a:p>
+            <a:fld id="{CCE97362-91F1-A342-824A-05DC1BD650F3}" type="slidenum">
+              <a:rPr lang="en-US" smtClean="0"/>
+              <a:pPr/>
+              <a:t>21</a:t>
+            </a:fld>
+            <a:endParaRPr lang="en-US"/>
+          </a:p>
+        </p:txBody>
+      </p:sp>
+    </p:spTree>
+    <p:extLst>
+      <p:ext uri="{BB962C8B-B14F-4D97-AF65-F5344CB8AC3E}">
+        <p14:creationId xmlns:p14="http://schemas.microsoft.com/office/powerpoint/2010/main" val="4157715017"/>
+      </p:ext>
+    </p:extLst>
+  </p:cSld>
+  <p:clrMapOvr>
+    <a:masterClrMapping/>
+  </p:clrMapOvr>
+</p:notes>
+</file>
+
+<file path=ppt/notesSlides/notesSlide22.xml><?xml version="1.0" encoding="utf-8"?>
+<p:notes xmlns:a="http://schemas.openxmlformats.org/drawingml/2006/main" xmlns:r="http://schemas.openxmlformats.org/officeDocument/2006/relationships" xmlns:p="http://schemas.openxmlformats.org/presentationml/2006/main">
+  <p:cSld>
+    <p:spTree>
+      <p:nvGrpSpPr>
+        <p:cNvPr id="1" name=""/>
+        <p:cNvGrpSpPr/>
+        <p:nvPr/>
+      </p:nvGrpSpPr>
+      <p:grpSpPr>
+        <a:xfrm>
+          <a:off x="0" y="0"/>
+          <a:ext cx="0" cy="0"/>
+          <a:chOff x="0" y="0"/>
+          <a:chExt cx="0" cy="0"/>
+        </a:xfrm>
+      </p:grpSpPr>
+      <p:sp>
+        <p:nvSpPr>
+          <p:cNvPr id="2" name="Slide Image Placeholder 1"/>
+          <p:cNvSpPr>
+            <a:spLocks noGrp="1" noRot="1" noChangeAspect="1"/>
+          </p:cNvSpPr>
+          <p:nvPr>
+            <p:ph type="sldImg"/>
+          </p:nvPr>
+        </p:nvSpPr>
+        <p:spPr/>
+      </p:sp>
+      <p:sp>
+        <p:nvSpPr>
+          <p:cNvPr id="3" name="Notes Placeholder 2"/>
+          <p:cNvSpPr>
+            <a:spLocks noGrp="1"/>
+          </p:cNvSpPr>
+          <p:nvPr>
+            <p:ph type="body" idx="1"/>
+          </p:nvPr>
+        </p:nvSpPr>
+        <p:spPr/>
+        <p:txBody>
+          <a:bodyPr/>
+          <a:lstStyle/>
+          <a:p>
+            <a:endParaRPr lang="en-US" dirty="0"/>
+          </a:p>
+        </p:txBody>
+      </p:sp>
+      <p:sp>
+        <p:nvSpPr>
+          <p:cNvPr id="4" name="Slide Number Placeholder 3"/>
+          <p:cNvSpPr>
+            <a:spLocks noGrp="1"/>
+          </p:cNvSpPr>
+          <p:nvPr>
+            <p:ph type="sldNum" sz="quarter" idx="10"/>
+          </p:nvPr>
+        </p:nvSpPr>
+        <p:spPr/>
+        <p:txBody>
+          <a:bodyPr/>
+          <a:lstStyle/>
+          <a:p>
+            <a:fld id="{CCE97362-91F1-A342-824A-05DC1BD650F3}" type="slidenum">
+              <a:rPr lang="en-US" smtClean="0"/>
+              <a:pPr/>
+              <a:t>22</a:t>
+            </a:fld>
+            <a:endParaRPr lang="en-US"/>
+          </a:p>
+        </p:txBody>
+      </p:sp>
+    </p:spTree>
+    <p:extLst>
+      <p:ext uri="{BB962C8B-B14F-4D97-AF65-F5344CB8AC3E}">
+        <p14:creationId xmlns:p14="http://schemas.microsoft.com/office/powerpoint/2010/main" val="2935247966"/>
+      </p:ext>
+    </p:extLst>
+  </p:cSld>
+  <p:clrMapOvr>
+    <a:masterClrMapping/>
+  </p:clrMapOvr>
+</p:notes>
+</file>
+
 <file path=ppt/notesSlides/notesSlide3.xml><?xml version="1.0" encoding="utf-8"?>
 <p:notes xmlns:a="http://schemas.openxmlformats.org/drawingml/2006/main" xmlns:r="http://schemas.openxmlformats.org/officeDocument/2006/relationships" xmlns:p="http://schemas.openxmlformats.org/presentationml/2006/main">
   <p:cSld>
@@ -1189,7 +1941,7 @@
     </p:spTree>
     <p:extLst>
       <p:ext uri="{BB962C8B-B14F-4D97-AF65-F5344CB8AC3E}">
-        <p14:creationId xmlns:p14="http://schemas.microsoft.com/office/powerpoint/2010/main" val="1278467624"/>
+        <p14:creationId xmlns:p14="http://schemas.microsoft.com/office/powerpoint/2010/main" val="858961506"/>
       </p:ext>
     </p:extLst>
   </p:cSld>
@@ -1278,7 +2030,7 @@
     </p:spTree>
     <p:extLst>
       <p:ext uri="{BB962C8B-B14F-4D97-AF65-F5344CB8AC3E}">
-        <p14:creationId xmlns:p14="http://schemas.microsoft.com/office/powerpoint/2010/main" val="2258322741"/>
+        <p14:creationId xmlns:p14="http://schemas.microsoft.com/office/powerpoint/2010/main" val="1278467624"/>
       </p:ext>
     </p:extLst>
   </p:cSld>
@@ -1334,15 +2086,7 @@
           <a:p>
             <a:r>
               <a:rPr lang="en-US" dirty="0" smtClean="0"/>
-              <a:t>Give them</a:t>
-            </a:r>
-            <a:r>
-              <a:rPr lang="en-US" baseline="0" dirty="0" smtClean="0"/>
-              <a:t> ~</a:t>
-            </a:r>
-            <a:r>
-              <a:rPr lang="en-US" dirty="0" smtClean="0"/>
-              <a:t> 5-10 minutes to do this – help them get used to talking in this classroom</a:t>
+              <a:t>Go to slide page!</a:t>
             </a:r>
             <a:endParaRPr lang="en-US" dirty="0"/>
           </a:p>
@@ -1375,7 +2119,7 @@
     </p:spTree>
     <p:extLst>
       <p:ext uri="{BB962C8B-B14F-4D97-AF65-F5344CB8AC3E}">
-        <p14:creationId xmlns:p14="http://schemas.microsoft.com/office/powerpoint/2010/main" val="2009533493"/>
+        <p14:creationId xmlns:p14="http://schemas.microsoft.com/office/powerpoint/2010/main" val="2258322741"/>
       </p:ext>
     </p:extLst>
   </p:cSld>
@@ -1431,7 +2175,15 @@
           <a:p>
             <a:r>
               <a:rPr lang="en-US" dirty="0" smtClean="0"/>
-              <a:t>Contact new friend to see what was covered in lab, and what you need to do to catch up.</a:t>
+              <a:t>Give them</a:t>
+            </a:r>
+            <a:r>
+              <a:rPr lang="en-US" baseline="0" dirty="0" smtClean="0"/>
+              <a:t> ~</a:t>
+            </a:r>
+            <a:r>
+              <a:rPr lang="en-US" dirty="0" smtClean="0"/>
+              <a:t> 5-10 minutes to do this – help them get used to talking in this classroom</a:t>
             </a:r>
             <a:endParaRPr lang="en-US" dirty="0"/>
           </a:p>
@@ -1464,7 +2216,7 @@
     </p:spTree>
     <p:extLst>
       <p:ext uri="{BB962C8B-B14F-4D97-AF65-F5344CB8AC3E}">
-        <p14:creationId xmlns:p14="http://schemas.microsoft.com/office/powerpoint/2010/main" val="4074137379"/>
+        <p14:creationId xmlns:p14="http://schemas.microsoft.com/office/powerpoint/2010/main" val="2009533493"/>
       </p:ext>
     </p:extLst>
   </p:cSld>
@@ -1553,7 +2305,7 @@
     </p:spTree>
     <p:extLst>
       <p:ext uri="{BB962C8B-B14F-4D97-AF65-F5344CB8AC3E}">
-        <p14:creationId xmlns:p14="http://schemas.microsoft.com/office/powerpoint/2010/main" val="3108007851"/>
+        <p14:creationId xmlns:p14="http://schemas.microsoft.com/office/powerpoint/2010/main" val="4074137379"/>
       </p:ext>
     </p:extLst>
   </p:cSld>
@@ -1642,7 +2394,7 @@
     </p:spTree>
     <p:extLst>
       <p:ext uri="{BB962C8B-B14F-4D97-AF65-F5344CB8AC3E}">
-        <p14:creationId xmlns:p14="http://schemas.microsoft.com/office/powerpoint/2010/main" val="1813556588"/>
+        <p14:creationId xmlns:p14="http://schemas.microsoft.com/office/powerpoint/2010/main" val="3108007851"/>
       </p:ext>
     </p:extLst>
   </p:cSld>
@@ -1698,11 +2450,28 @@
           <a:p>
             <a:r>
               <a:rPr lang="en-US" dirty="0" smtClean="0"/>
-              <a:t>TURNITIN is actually</a:t>
+              <a:t>How many of you know</a:t>
             </a:r>
             <a:r>
               <a:rPr lang="en-US" baseline="0" dirty="0" smtClean="0"/>
-              <a:t> an awesome piece of software. Accomplishes the massive challenge of going through _every_ document on the internet and comparing it to yours. In general, you shouldn’t really need to quote something directly. If you do happen to quote a particularly elegant phrasing, make sure it’s properly cited (quotations, original source).</a:t>
+              <a:t> what the </a:t>
+            </a:r>
+            <a:r>
+              <a:rPr lang="en-US" baseline="0" dirty="0" err="1" smtClean="0"/>
+              <a:t>stroop</a:t>
+            </a:r>
+            <a:r>
+              <a:rPr lang="en-US" baseline="0" dirty="0" smtClean="0"/>
+              <a:t> task is?</a:t>
+            </a:r>
+          </a:p>
+          <a:p>
+            <a:endParaRPr lang="en-US" baseline="0" dirty="0" smtClean="0"/>
+          </a:p>
+          <a:p>
+            <a:r>
+              <a:rPr lang="en-US" baseline="0" dirty="0" smtClean="0"/>
+              <a:t>Of course, you’ll be writing a complete paper for all of these projects</a:t>
             </a:r>
             <a:endParaRPr lang="en-US" dirty="0"/>
           </a:p>
@@ -1735,7 +2504,7 @@
     </p:spTree>
     <p:extLst>
       <p:ext uri="{BB962C8B-B14F-4D97-AF65-F5344CB8AC3E}">
-        <p14:creationId xmlns:p14="http://schemas.microsoft.com/office/powerpoint/2010/main" val="310028221"/>
+        <p14:creationId xmlns:p14="http://schemas.microsoft.com/office/powerpoint/2010/main" val="1813556588"/>
       </p:ext>
     </p:extLst>
   </p:cSld>
@@ -1953,7 +2722,7 @@
             <a:fld id="{B01F9CA3-105E-4857-9057-6DB6197DA786}" type="datetimeFigureOut">
               <a:rPr lang="en-US" smtClean="0"/>
               <a:pPr/>
-              <a:t>1/20/2016</a:t>
+              <a:t>1/21/2016</a:t>
             </a:fld>
             <a:endParaRPr lang="en-US"/>
           </a:p>
@@ -2147,7 +2916,7 @@
             <a:fld id="{B01F9CA3-105E-4857-9057-6DB6197DA786}" type="datetimeFigureOut">
               <a:rPr lang="en-US" smtClean="0"/>
               <a:pPr/>
-              <a:t>1/20/2016</a:t>
+              <a:t>1/21/2016</a:t>
             </a:fld>
             <a:endParaRPr lang="en-US"/>
           </a:p>
@@ -2329,7 +3098,7 @@
             <a:fld id="{B01F9CA3-105E-4857-9057-6DB6197DA786}" type="datetimeFigureOut">
               <a:rPr lang="en-US" smtClean="0"/>
               <a:pPr/>
-              <a:t>1/20/2016</a:t>
+              <a:t>1/21/2016</a:t>
             </a:fld>
             <a:endParaRPr lang="en-US"/>
           </a:p>
@@ -2501,7 +3270,7 @@
             <a:fld id="{B01F9CA3-105E-4857-9057-6DB6197DA786}" type="datetimeFigureOut">
               <a:rPr lang="en-US" smtClean="0"/>
               <a:pPr/>
-              <a:t>1/20/2016</a:t>
+              <a:t>1/21/2016</a:t>
             </a:fld>
             <a:endParaRPr lang="en-US"/>
           </a:p>
@@ -2757,7 +3526,7 @@
             <a:fld id="{B01F9CA3-105E-4857-9057-6DB6197DA786}" type="datetimeFigureOut">
               <a:rPr lang="en-US" smtClean="0"/>
               <a:pPr/>
-              <a:t>1/20/2016</a:t>
+              <a:t>1/21/2016</a:t>
             </a:fld>
             <a:endParaRPr lang="en-US"/>
           </a:p>
@@ -3085,7 +3854,7 @@
             <a:fld id="{B01F9CA3-105E-4857-9057-6DB6197DA786}" type="datetimeFigureOut">
               <a:rPr lang="en-US" smtClean="0"/>
               <a:pPr/>
-              <a:t>1/20/2016</a:t>
+              <a:t>1/21/2016</a:t>
             </a:fld>
             <a:endParaRPr lang="en-US"/>
           </a:p>
@@ -3507,7 +4276,7 @@
             <a:fld id="{B01F9CA3-105E-4857-9057-6DB6197DA786}" type="datetimeFigureOut">
               <a:rPr lang="en-US" smtClean="0"/>
               <a:pPr/>
-              <a:t>1/20/2016</a:t>
+              <a:t>1/21/2016</a:t>
             </a:fld>
             <a:endParaRPr lang="en-US"/>
           </a:p>
@@ -3627,7 +4396,7 @@
             <a:fld id="{B01F9CA3-105E-4857-9057-6DB6197DA786}" type="datetimeFigureOut">
               <a:rPr lang="en-US" smtClean="0"/>
               <a:pPr/>
-              <a:t>1/20/2016</a:t>
+              <a:t>1/21/2016</a:t>
             </a:fld>
             <a:endParaRPr lang="en-US"/>
           </a:p>
@@ -3724,7 +4493,7 @@
             <a:fld id="{B01F9CA3-105E-4857-9057-6DB6197DA786}" type="datetimeFigureOut">
               <a:rPr lang="en-US" smtClean="0"/>
               <a:pPr/>
-              <a:t>1/20/2016</a:t>
+              <a:t>1/21/2016</a:t>
             </a:fld>
             <a:endParaRPr lang="en-US"/>
           </a:p>
@@ -4013,7 +4782,7 @@
             <a:fld id="{B01F9CA3-105E-4857-9057-6DB6197DA786}" type="datetimeFigureOut">
               <a:rPr lang="en-US" smtClean="0"/>
               <a:pPr/>
-              <a:t>1/20/2016</a:t>
+              <a:t>1/21/2016</a:t>
             </a:fld>
             <a:endParaRPr lang="en-US"/>
           </a:p>
@@ -4337,7 +5106,7 @@
             <a:fld id="{B01F9CA3-105E-4857-9057-6DB6197DA786}" type="datetimeFigureOut">
               <a:rPr lang="en-US" smtClean="0"/>
               <a:pPr/>
-              <a:t>1/20/2016</a:t>
+              <a:t>1/21/2016</a:t>
             </a:fld>
             <a:endParaRPr lang="en-US"/>
           </a:p>
@@ -4593,7 +5362,7 @@
             <a:fld id="{B01F9CA3-105E-4857-9057-6DB6197DA786}" type="datetimeFigureOut">
               <a:rPr lang="en-US" smtClean="0"/>
               <a:pPr/>
-              <a:t>1/20/2016</a:t>
+              <a:t>1/21/2016</a:t>
             </a:fld>
             <a:endParaRPr lang="en-US"/>
           </a:p>
@@ -5109,7 +5878,28 @@
                 <a:latin typeface="Garamond" panose="02020404030301010803" pitchFamily="18" charset="0"/>
                 <a:cs typeface="American Typewriter"/>
               </a:rPr>
-              <a:t>Grab a card and write…</a:t>
+              <a:t>Grab </a:t>
+            </a:r>
+            <a:r>
+              <a:rPr lang="en-US" sz="4400" dirty="0" smtClean="0">
+                <a:latin typeface="Garamond" panose="02020404030301010803" pitchFamily="18" charset="0"/>
+                <a:cs typeface="American Typewriter"/>
+              </a:rPr>
+              <a:t>some paper</a:t>
+            </a:r>
+            <a:r>
+              <a:rPr lang="en-US" sz="4400" dirty="0" smtClean="0">
+                <a:latin typeface="Garamond" panose="02020404030301010803" pitchFamily="18" charset="0"/>
+                <a:cs typeface="American Typewriter"/>
+              </a:rPr>
+              <a:t> </a:t>
+            </a:r>
+            <a:r>
+              <a:rPr lang="en-US" sz="4400" dirty="0" smtClean="0">
+                <a:latin typeface="Garamond" panose="02020404030301010803" pitchFamily="18" charset="0"/>
+                <a:cs typeface="American Typewriter"/>
+              </a:rPr>
+              <a:t>and write…</a:t>
             </a:r>
             <a:endParaRPr lang="en-US" sz="4400" dirty="0">
               <a:latin typeface="Garamond" panose="02020404030301010803" pitchFamily="18" charset="0"/>
@@ -5229,11 +6019,6 @@
 <file path=ppt/slides/slide10.xml><?xml version="1.0" encoding="utf-8"?>
 <p:sld xmlns:a="http://schemas.openxmlformats.org/drawingml/2006/main" xmlns:r="http://schemas.openxmlformats.org/officeDocument/2006/relationships" xmlns:p="http://schemas.openxmlformats.org/presentationml/2006/main">
   <p:cSld>
-    <p:bg>
-      <p:bgRef idx="1001">
-        <a:schemeClr val="bg1"/>
-      </p:bgRef>
-    </p:bg>
     <p:spTree>
       <p:nvGrpSpPr>
         <p:cNvPr id="1" name=""/>
@@ -5250,6 +6035,81 @@
       </p:grpSpPr>
       <p:sp>
         <p:nvSpPr>
+          <p:cNvPr id="3" name="Content Placeholder 2"/>
+          <p:cNvSpPr>
+            <a:spLocks noGrp="1"/>
+          </p:cNvSpPr>
+          <p:nvPr>
+            <p:ph idx="1"/>
+          </p:nvPr>
+        </p:nvSpPr>
+        <p:spPr>
+          <a:xfrm>
+            <a:off x="549275" y="1527644"/>
+            <a:ext cx="7897496" cy="5590926"/>
+          </a:xfrm>
+        </p:spPr>
+        <p:txBody>
+          <a:bodyPr>
+            <a:normAutofit/>
+          </a:bodyPr>
+          <a:lstStyle/>
+          <a:p>
+            <a:pPr>
+              <a:buFontTx/>
+              <a:buChar char="•"/>
+            </a:pPr>
+            <a:r>
+              <a:rPr lang="en-US" sz="3300" dirty="0" smtClean="0">
+                <a:latin typeface="Garamond" panose="02020404030301010803" pitchFamily="18" charset="0"/>
+                <a:cs typeface="American Typewriter"/>
+              </a:rPr>
+              <a:t>Survey</a:t>
+            </a:r>
+          </a:p>
+          <a:p>
+            <a:pPr lvl="1">
+              <a:buFontTx/>
+              <a:buChar char="•"/>
+            </a:pPr>
+            <a:r>
+              <a:rPr lang="en-US" sz="3100" dirty="0" smtClean="0">
+                <a:latin typeface="Garamond" panose="02020404030301010803" pitchFamily="18" charset="0"/>
+                <a:cs typeface="American Typewriter"/>
+              </a:rPr>
+              <a:t>Design this as a class</a:t>
+            </a:r>
+          </a:p>
+          <a:p>
+            <a:pPr lvl="1">
+              <a:buFontTx/>
+              <a:buChar char="•"/>
+            </a:pPr>
+            <a:r>
+              <a:rPr lang="en-US" sz="2900" dirty="0" smtClean="0">
+                <a:latin typeface="Garamond" panose="02020404030301010803" pitchFamily="18" charset="0"/>
+                <a:cs typeface="American Typewriter"/>
+              </a:rPr>
+              <a:t>Working on searching through Literature</a:t>
+            </a:r>
+          </a:p>
+          <a:p>
+            <a:pPr lvl="1">
+              <a:buFontTx/>
+              <a:buChar char="•"/>
+            </a:pPr>
+            <a:r>
+              <a:rPr lang="en-US" sz="3100" dirty="0" smtClean="0">
+                <a:latin typeface="Garamond" panose="02020404030301010803" pitchFamily="18" charset="0"/>
+                <a:cs typeface="American Typewriter"/>
+              </a:rPr>
+              <a:t>ANOVA</a:t>
+            </a:r>
+          </a:p>
+        </p:txBody>
+      </p:sp>
+      <p:sp>
+        <p:nvSpPr>
           <p:cNvPr id="5" name="Title 1"/>
           <p:cNvSpPr>
             <a:spLocks noGrp="1"/>
@@ -5266,210 +6126,40 @@
         </p:spPr>
         <p:txBody>
           <a:bodyPr>
-            <a:normAutofit fontScale="90000"/>
+            <a:normAutofit/>
           </a:bodyPr>
           <a:lstStyle/>
           <a:p>
             <a:r>
-              <a:rPr lang="en-US" sz="3900" dirty="0" smtClean="0">
+              <a:rPr lang="en-US" sz="4400" dirty="0" smtClean="0">
                 <a:latin typeface="Garamond" panose="02020404030301010803" pitchFamily="18" charset="0"/>
                 <a:cs typeface="American Typewriter"/>
               </a:rPr>
-              <a:t>Course Policies, Academic Dishonesty</a:t>
-            </a:r>
-            <a:endParaRPr lang="en-US" sz="3900" dirty="0">
+              <a:t>Course Policies, Project 2</a:t>
+            </a:r>
+            <a:endParaRPr lang="en-US" sz="4400" dirty="0">
               <a:latin typeface="Garamond" panose="02020404030301010803" pitchFamily="18" charset="0"/>
               <a:cs typeface="American Typewriter"/>
             </a:endParaRPr>
           </a:p>
         </p:txBody>
       </p:sp>
-      <p:sp>
-        <p:nvSpPr>
-          <p:cNvPr id="3" name="Content Placeholder 2"/>
-          <p:cNvSpPr>
-            <a:spLocks noGrp="1"/>
-          </p:cNvSpPr>
-          <p:nvPr>
-            <p:ph idx="1"/>
-          </p:nvPr>
-        </p:nvSpPr>
-        <p:spPr>
-          <a:xfrm>
-            <a:off x="549275" y="1527644"/>
-            <a:ext cx="7897496" cy="5590926"/>
-          </a:xfrm>
-        </p:spPr>
-        <p:txBody>
-          <a:bodyPr>
-            <a:normAutofit/>
-          </a:bodyPr>
-          <a:lstStyle/>
-          <a:p>
-            <a:pPr marL="0" indent="0">
-              <a:buNone/>
-            </a:pPr>
-            <a:r>
-              <a:rPr lang="en-US" sz="3300" dirty="0">
-                <a:latin typeface="Garamond" panose="02020404030301010803" pitchFamily="18" charset="0"/>
-                <a:cs typeface="American Typewriter"/>
-              </a:rPr>
-              <a:t>“Since students are expected to be familiar with the Academic Honesty Policy (CP 5-16) and the commonly accepted standards of academic integrity, ignorance of such standards by itself is not sufficient evidence of lack of </a:t>
-            </a:r>
-            <a:r>
-              <a:rPr lang="en-US" sz="3300" dirty="0" smtClean="0">
-                <a:latin typeface="Garamond" panose="02020404030301010803" pitchFamily="18" charset="0"/>
-                <a:cs typeface="American Typewriter"/>
-              </a:rPr>
-              <a:t>intent”</a:t>
-            </a:r>
-            <a:endParaRPr lang="en-US" sz="3300" dirty="0" smtClean="0">
-              <a:latin typeface="Garamond" panose="02020404030301010803" pitchFamily="18" charset="0"/>
-              <a:cs typeface="American Typewriter"/>
-            </a:endParaRPr>
-          </a:p>
-        </p:txBody>
-      </p:sp>
     </p:spTree>
     <p:extLst>
       <p:ext uri="{BB962C8B-B14F-4D97-AF65-F5344CB8AC3E}">
-        <p14:creationId xmlns:p14="http://schemas.microsoft.com/office/powerpoint/2010/main" val="2737704138"/>
+        <p14:creationId xmlns:p14="http://schemas.microsoft.com/office/powerpoint/2010/main" val="1085172051"/>
       </p:ext>
     </p:extLst>
   </p:cSld>
   <p:clrMapOvr>
-    <a:overrideClrMapping bg1="lt1" tx1="dk1" bg2="lt2" tx2="dk2" accent1="accent1" accent2="accent2" accent3="accent3" accent4="accent4" accent5="accent5" accent6="accent6" hlink="hlink" folHlink="folHlink"/>
+    <a:masterClrMapping/>
   </p:clrMapOvr>
   <p:timing>
     <p:tnLst>
       <p:par>
-        <p:cTn id="1" dur="indefinite" restart="never" nodeType="tmRoot">
-          <p:childTnLst>
-            <p:seq concurrent="1" nextAc="seek">
-              <p:cTn id="2" dur="indefinite" nodeType="mainSeq">
-                <p:childTnLst>
-                  <p:par>
-                    <p:cTn id="3" fill="hold">
-                      <p:stCondLst>
-                        <p:cond delay="indefinite"/>
-                        <p:cond evt="onBegin" delay="0">
-                          <p:tn val="2"/>
-                        </p:cond>
-                      </p:stCondLst>
-                      <p:childTnLst>
-                        <p:par>
-                          <p:cTn id="4" fill="hold">
-                            <p:stCondLst>
-                              <p:cond delay="0"/>
-                            </p:stCondLst>
-                            <p:childTnLst>
-                              <p:par>
-                                <p:cTn id="5" presetID="1" presetClass="entr" presetSubtype="0" fill="hold" grpId="0" nodeType="withEffect">
-                                  <p:stCondLst>
-                                    <p:cond delay="0"/>
-                                  </p:stCondLst>
-                                  <p:childTnLst>
-                                    <p:set>
-                                      <p:cBhvr>
-                                        <p:cTn id="6" dur="1" fill="hold">
-                                          <p:stCondLst>
-                                            <p:cond delay="0"/>
-                                          </p:stCondLst>
-                                        </p:cTn>
-                                        <p:tgtEl>
-                                          <p:spTgt spid="5"/>
-                                        </p:tgtEl>
-                                        <p:attrNameLst>
-                                          <p:attrName>style.visibility</p:attrName>
-                                        </p:attrNameLst>
-                                      </p:cBhvr>
-                                      <p:to>
-                                        <p:strVal val="visible"/>
-                                      </p:to>
-                                    </p:set>
-                                  </p:childTnLst>
-                                </p:cTn>
-                              </p:par>
-                            </p:childTnLst>
-                          </p:cTn>
-                        </p:par>
-                      </p:childTnLst>
-                    </p:cTn>
-                  </p:par>
-                  <p:par>
-                    <p:cTn id="7" fill="hold">
-                      <p:stCondLst>
-                        <p:cond delay="indefinite"/>
-                      </p:stCondLst>
-                      <p:childTnLst>
-                        <p:par>
-                          <p:cTn id="8" fill="hold">
-                            <p:stCondLst>
-                              <p:cond delay="0"/>
-                            </p:stCondLst>
-                            <p:childTnLst>
-                              <p:par>
-                                <p:cTn id="9" presetID="1" presetClass="entr" presetSubtype="0" fill="hold" grpId="0" nodeType="clickEffect">
-                                  <p:stCondLst>
-                                    <p:cond delay="0"/>
-                                  </p:stCondLst>
-                                  <p:childTnLst>
-                                    <p:set>
-                                      <p:cBhvr>
-                                        <p:cTn id="10" dur="1" fill="hold">
-                                          <p:stCondLst>
-                                            <p:cond delay="0"/>
-                                          </p:stCondLst>
-                                        </p:cTn>
-                                        <p:tgtEl>
-                                          <p:spTgt spid="3">
-                                            <p:txEl>
-                                              <p:pRg st="0" end="0"/>
-                                            </p:txEl>
-                                          </p:spTgt>
-                                        </p:tgtEl>
-                                        <p:attrNameLst>
-                                          <p:attrName>style.visibility</p:attrName>
-                                        </p:attrNameLst>
-                                      </p:cBhvr>
-                                      <p:to>
-                                        <p:strVal val="visible"/>
-                                      </p:to>
-                                    </p:set>
-                                  </p:childTnLst>
-                                </p:cTn>
-                              </p:par>
-                            </p:childTnLst>
-                          </p:cTn>
-                        </p:par>
-                      </p:childTnLst>
-                    </p:cTn>
-                  </p:par>
-                </p:childTnLst>
-              </p:cTn>
-              <p:prevCondLst>
-                <p:cond evt="onPrev" delay="0">
-                  <p:tgtEl>
-                    <p:sldTgt/>
-                  </p:tgtEl>
-                </p:cond>
-              </p:prevCondLst>
-              <p:nextCondLst>
-                <p:cond evt="onNext" delay="0">
-                  <p:tgtEl>
-                    <p:sldTgt/>
-                  </p:tgtEl>
-                </p:cond>
-              </p:nextCondLst>
-            </p:seq>
-          </p:childTnLst>
-        </p:cTn>
+        <p:cTn id="1" dur="indefinite" restart="never" nodeType="tmRoot"/>
       </p:par>
     </p:tnLst>
-    <p:bldLst>
-      <p:bldP spid="5" grpId="0"/>
-      <p:bldP spid="3" grpId="0" build="p"/>
-    </p:bldLst>
   </p:timing>
 </p:sld>
 </file>
@@ -5518,35 +6208,11 @@
               <a:buChar char="•"/>
             </a:pPr>
             <a:r>
-              <a:rPr lang="en-US" sz="3300" dirty="0" smtClean="0">
+              <a:rPr lang="en-US" sz="3500" dirty="0" smtClean="0">
                 <a:latin typeface="Garamond" panose="02020404030301010803" pitchFamily="18" charset="0"/>
                 <a:cs typeface="American Typewriter"/>
               </a:rPr>
-              <a:t>Course and Academic Honesty policies from Moodle</a:t>
-            </a:r>
-            <a:endParaRPr lang="en-US" sz="3100" dirty="0" smtClean="0">
-              <a:latin typeface="Garamond" panose="02020404030301010803" pitchFamily="18" charset="0"/>
-              <a:cs typeface="American Typewriter"/>
-            </a:endParaRPr>
-          </a:p>
-          <a:p>
-            <a:pPr>
-              <a:buFontTx/>
-              <a:buChar char="•"/>
-            </a:pPr>
-            <a:r>
-              <a:rPr lang="en-US" sz="3300" dirty="0" smtClean="0">
-                <a:latin typeface="Garamond" panose="02020404030301010803" pitchFamily="18" charset="0"/>
-                <a:cs typeface="American Typewriter"/>
-              </a:rPr>
-              <a:t>There will be a Quiz on these next </a:t>
-            </a:r>
-            <a:r>
-              <a:rPr lang="en-US" sz="3300" dirty="0" smtClean="0">
-                <a:latin typeface="Garamond" panose="02020404030301010803" pitchFamily="18" charset="0"/>
-                <a:cs typeface="American Typewriter"/>
-              </a:rPr>
-              <a:t>Tuesday</a:t>
+              <a:t>Jury Simulation</a:t>
             </a:r>
           </a:p>
           <a:p>
@@ -5555,30 +6221,45 @@
               <a:buChar char="•"/>
             </a:pPr>
             <a:r>
-              <a:rPr lang="en-US" sz="3100" dirty="0" smtClean="0">
+              <a:rPr lang="en-US" sz="2900" dirty="0" smtClean="0">
                 <a:latin typeface="Garamond" panose="02020404030301010803" pitchFamily="18" charset="0"/>
                 <a:cs typeface="American Typewriter"/>
               </a:rPr>
-              <a:t>This material is also on pages 2-4 of the course packet</a:t>
-            </a:r>
-            <a:endParaRPr lang="en-US" sz="3100" dirty="0" smtClean="0">
-              <a:latin typeface="Garamond" panose="02020404030301010803" pitchFamily="18" charset="0"/>
-              <a:cs typeface="American Typewriter"/>
-            </a:endParaRPr>
-          </a:p>
-          <a:p>
-            <a:pPr>
+              <a:t>Work in groups</a:t>
+            </a:r>
+          </a:p>
+          <a:p>
+            <a:pPr lvl="1">
               <a:buFontTx/>
               <a:buChar char="•"/>
             </a:pPr>
             <a:r>
-              <a:rPr lang="en-US" sz="3300" dirty="0" smtClean="0">
+              <a:rPr lang="en-US" sz="2900" dirty="0" smtClean="0">
                 <a:latin typeface="Garamond" panose="02020404030301010803" pitchFamily="18" charset="0"/>
                 <a:cs typeface="American Typewriter"/>
               </a:rPr>
-              <a:t>Bring your Course Packet next Tuesday!</a:t>
-            </a:r>
-            <a:endParaRPr lang="en-US" sz="3300" dirty="0" smtClean="0">
+              <a:t>Factorial Design</a:t>
+            </a:r>
+          </a:p>
+          <a:p>
+            <a:pPr lvl="1">
+              <a:buFontTx/>
+              <a:buChar char="•"/>
+            </a:pPr>
+            <a:r>
+              <a:rPr lang="en-US" sz="2900" dirty="0">
+                <a:latin typeface="Garamond" panose="02020404030301010803" pitchFamily="18" charset="0"/>
+                <a:cs typeface="American Typewriter"/>
+              </a:rPr>
+              <a:t>All the way, from Ethics Proposal -&gt; Presentation</a:t>
+            </a:r>
+          </a:p>
+          <a:p>
+            <a:pPr lvl="1">
+              <a:buFontTx/>
+              <a:buChar char="•"/>
+            </a:pPr>
+            <a:endParaRPr lang="en-US" sz="2900" dirty="0" smtClean="0">
               <a:latin typeface="Garamond" panose="02020404030301010803" pitchFamily="18" charset="0"/>
               <a:cs typeface="American Typewriter"/>
             </a:endParaRPr>
@@ -5612,7 +6293,7 @@
                 <a:latin typeface="Garamond" panose="02020404030301010803" pitchFamily="18" charset="0"/>
                 <a:cs typeface="American Typewriter"/>
               </a:rPr>
-              <a:t>Homework Assignments</a:t>
+              <a:t>Course Policies, Project 3</a:t>
             </a:r>
             <a:endParaRPr lang="en-US" sz="4400" dirty="0">
               <a:latin typeface="Garamond" panose="02020404030301010803" pitchFamily="18" charset="0"/>
@@ -5624,7 +6305,7 @@
     </p:spTree>
     <p:extLst>
       <p:ext uri="{BB962C8B-B14F-4D97-AF65-F5344CB8AC3E}">
-        <p14:creationId xmlns:p14="http://schemas.microsoft.com/office/powerpoint/2010/main" val="3379291469"/>
+        <p14:creationId xmlns:p14="http://schemas.microsoft.com/office/powerpoint/2010/main" val="1124595350"/>
       </p:ext>
     </p:extLst>
   </p:cSld>
@@ -5687,184 +6368,6 @@
                       </p:childTnLst>
                     </p:cTn>
                   </p:par>
-                  <p:par>
-                    <p:cTn id="7" fill="hold">
-                      <p:stCondLst>
-                        <p:cond delay="indefinite"/>
-                      </p:stCondLst>
-                      <p:childTnLst>
-                        <p:par>
-                          <p:cTn id="8" fill="hold">
-                            <p:stCondLst>
-                              <p:cond delay="0"/>
-                            </p:stCondLst>
-                            <p:childTnLst>
-                              <p:par>
-                                <p:cTn id="9" presetID="1" presetClass="entr" presetSubtype="0" fill="hold" grpId="0" nodeType="clickEffect">
-                                  <p:stCondLst>
-                                    <p:cond delay="0"/>
-                                  </p:stCondLst>
-                                  <p:childTnLst>
-                                    <p:set>
-                                      <p:cBhvr>
-                                        <p:cTn id="10" dur="1" fill="hold">
-                                          <p:stCondLst>
-                                            <p:cond delay="0"/>
-                                          </p:stCondLst>
-                                        </p:cTn>
-                                        <p:tgtEl>
-                                          <p:spTgt spid="3">
-                                            <p:txEl>
-                                              <p:pRg st="0" end="0"/>
-                                            </p:txEl>
-                                          </p:spTgt>
-                                        </p:tgtEl>
-                                        <p:attrNameLst>
-                                          <p:attrName>style.visibility</p:attrName>
-                                        </p:attrNameLst>
-                                      </p:cBhvr>
-                                      <p:to>
-                                        <p:strVal val="visible"/>
-                                      </p:to>
-                                    </p:set>
-                                  </p:childTnLst>
-                                </p:cTn>
-                              </p:par>
-                            </p:childTnLst>
-                          </p:cTn>
-                        </p:par>
-                      </p:childTnLst>
-                    </p:cTn>
-                  </p:par>
-                  <p:par>
-                    <p:cTn id="11" fill="hold">
-                      <p:stCondLst>
-                        <p:cond delay="indefinite"/>
-                      </p:stCondLst>
-                      <p:childTnLst>
-                        <p:par>
-                          <p:cTn id="12" fill="hold">
-                            <p:stCondLst>
-                              <p:cond delay="0"/>
-                            </p:stCondLst>
-                            <p:childTnLst>
-                              <p:par>
-                                <p:cTn id="13" presetID="1" presetClass="entr" presetSubtype="0" fill="hold" grpId="0" nodeType="clickEffect">
-                                  <p:stCondLst>
-                                    <p:cond delay="0"/>
-                                  </p:stCondLst>
-                                  <p:childTnLst>
-                                    <p:set>
-                                      <p:cBhvr>
-                                        <p:cTn id="14" dur="1" fill="hold">
-                                          <p:stCondLst>
-                                            <p:cond delay="0"/>
-                                          </p:stCondLst>
-                                        </p:cTn>
-                                        <p:tgtEl>
-                                          <p:spTgt spid="3">
-                                            <p:txEl>
-                                              <p:pRg st="1" end="1"/>
-                                            </p:txEl>
-                                          </p:spTgt>
-                                        </p:tgtEl>
-                                        <p:attrNameLst>
-                                          <p:attrName>style.visibility</p:attrName>
-                                        </p:attrNameLst>
-                                      </p:cBhvr>
-                                      <p:to>
-                                        <p:strVal val="visible"/>
-                                      </p:to>
-                                    </p:set>
-                                  </p:childTnLst>
-                                </p:cTn>
-                              </p:par>
-                              <p:par>
-                                <p:cTn id="15" presetID="1" presetClass="entr" presetSubtype="0" fill="hold" grpId="0" nodeType="withEffect">
-                                  <p:stCondLst>
-                                    <p:cond delay="0"/>
-                                  </p:stCondLst>
-                                  <p:childTnLst>
-                                    <p:set>
-                                      <p:cBhvr>
-                                        <p:cTn id="16" dur="1" fill="hold">
-                                          <p:stCondLst>
-                                            <p:cond delay="0"/>
-                                          </p:stCondLst>
-                                        </p:cTn>
-                                        <p:tgtEl>
-                                          <p:spTgt spid="3">
-                                            <p:txEl>
-                                              <p:pRg st="2" end="2"/>
-                                            </p:txEl>
-                                          </p:spTgt>
-                                        </p:tgtEl>
-                                        <p:attrNameLst>
-                                          <p:attrName>style.visibility</p:attrName>
-                                        </p:attrNameLst>
-                                      </p:cBhvr>
-                                      <p:to>
-                                        <p:strVal val="visible"/>
-                                      </p:to>
-                                    </p:set>
-                                  </p:childTnLst>
-                                </p:cTn>
-                              </p:par>
-                            </p:childTnLst>
-                          </p:cTn>
-                        </p:par>
-                      </p:childTnLst>
-                    </p:cTn>
-                  </p:par>
-                  <p:par>
-                    <p:cTn id="17" fill="hold">
-                      <p:stCondLst>
-                        <p:cond delay="indefinite"/>
-                      </p:stCondLst>
-                      <p:childTnLst>
-                        <p:par>
-                          <p:cTn id="18" fill="hold">
-                            <p:stCondLst>
-                              <p:cond delay="0"/>
-                            </p:stCondLst>
-                            <p:childTnLst>
-                              <p:par>
-                                <p:cTn id="19" presetID="1" presetClass="entr" presetSubtype="0" fill="hold" grpId="0" nodeType="clickEffect">
-                                  <p:stCondLst>
-                                    <p:cond delay="0"/>
-                                  </p:stCondLst>
-                                  <p:childTnLst>
-                                    <p:set>
-                                      <p:cBhvr>
-                                        <p:cTn id="20" dur="1" fill="hold">
-                                          <p:stCondLst>
-                                            <p:cond delay="0"/>
-                                          </p:stCondLst>
-                                        </p:cTn>
-                                        <p:tgtEl>
-                                          <p:spTgt spid="3">
-                                            <p:txEl>
-                                              <p:pRg st="3" end="3"/>
-                                            </p:txEl>
-                                          </p:spTgt>
-                                        </p:tgtEl>
-                                        <p:attrNameLst>
-                                          <p:attrName>style.visibility</p:attrName>
-                                        </p:attrNameLst>
-                                      </p:cBhvr>
-                                      <p:to>
-                                        <p:strVal val="visible"/>
-                                      </p:to>
-                                    </p:set>
-                                  </p:childTnLst>
-                                </p:cTn>
-                              </p:par>
-                            </p:childTnLst>
-                          </p:cTn>
-                        </p:par>
-                      </p:childTnLst>
-                    </p:cTn>
-                  </p:par>
                 </p:childTnLst>
               </p:cTn>
               <p:prevCondLst>
@@ -5887,7 +6390,6 @@
       </p:par>
     </p:tnLst>
     <p:bldLst>
-      <p:bldP spid="3" grpId="0" uiExpand="1" build="p"/>
       <p:bldP spid="5" grpId="0"/>
     </p:bldLst>
   </p:timing>
@@ -5911,67 +6413,6 @@
           <a:chExt cx="0" cy="0"/>
         </a:xfrm>
       </p:grpSpPr>
-      <p:pic>
-        <p:nvPicPr>
-          <p:cNvPr id="4" name="Picture 3"/>
-          <p:cNvPicPr>
-            <a:picLocks noChangeAspect="1"/>
-          </p:cNvPicPr>
-          <p:nvPr/>
-        </p:nvPicPr>
-        <p:blipFill>
-          <a:blip r:embed="rId3"/>
-          <a:stretch>
-            <a:fillRect/>
-          </a:stretch>
-        </p:blipFill>
-        <p:spPr>
-          <a:xfrm>
-            <a:off x="-32980" y="697878"/>
-            <a:ext cx="9176980" cy="4581182"/>
-          </a:xfrm>
-          <a:prstGeom prst="rect">
-            <a:avLst/>
-          </a:prstGeom>
-        </p:spPr>
-      </p:pic>
-    </p:spTree>
-    <p:extLst>
-      <p:ext uri="{BB962C8B-B14F-4D97-AF65-F5344CB8AC3E}">
-        <p14:creationId xmlns:p14="http://schemas.microsoft.com/office/powerpoint/2010/main" val="732906150"/>
-      </p:ext>
-    </p:extLst>
-  </p:cSld>
-  <p:clrMapOvr>
-    <a:masterClrMapping/>
-  </p:clrMapOvr>
-  <p:timing>
-    <p:tnLst>
-      <p:par>
-        <p:cTn id="1" dur="indefinite" restart="never" nodeType="tmRoot"/>
-      </p:par>
-    </p:tnLst>
-  </p:timing>
-</p:sld>
-</file>
-
-<file path=ppt/slides/slide13.xml><?xml version="1.0" encoding="utf-8"?>
-<p:sld xmlns:a="http://schemas.openxmlformats.org/drawingml/2006/main" xmlns:r="http://schemas.openxmlformats.org/officeDocument/2006/relationships" xmlns:p="http://schemas.openxmlformats.org/presentationml/2006/main">
-  <p:cSld>
-    <p:spTree>
-      <p:nvGrpSpPr>
-        <p:cNvPr id="1" name=""/>
-        <p:cNvGrpSpPr/>
-        <p:nvPr/>
-      </p:nvGrpSpPr>
-      <p:grpSpPr>
-        <a:xfrm>
-          <a:off x="0" y="0"/>
-          <a:ext cx="0" cy="0"/>
-          <a:chOff x="0" y="0"/>
-          <a:chExt cx="0" cy="0"/>
-        </a:xfrm>
-      </p:grpSpPr>
       <p:sp>
         <p:nvSpPr>
           <p:cNvPr id="3" name="Content Placeholder 2"/>
@@ -5990,7 +6431,7 @@
         </p:spPr>
         <p:txBody>
           <a:bodyPr>
-            <a:normAutofit/>
+            <a:normAutofit lnSpcReduction="10000"/>
           </a:bodyPr>
           <a:lstStyle/>
           <a:p>
@@ -5999,11 +6440,24 @@
               <a:buChar char="•"/>
             </a:pPr>
             <a:r>
+              <a:rPr lang="en-US" sz="3500" dirty="0" smtClean="0">
+                <a:latin typeface="Garamond" panose="02020404030301010803" pitchFamily="18" charset="0"/>
+                <a:cs typeface="American Typewriter"/>
+              </a:rPr>
+              <a:t>Project 1: 50 point paper</a:t>
+            </a:r>
+          </a:p>
+          <a:p>
+            <a:pPr lvl="1">
+              <a:buFontTx/>
+              <a:buChar char="•"/>
+            </a:pPr>
+            <a:r>
               <a:rPr lang="en-US" sz="3300" dirty="0" smtClean="0">
                 <a:latin typeface="Garamond" panose="02020404030301010803" pitchFamily="18" charset="0"/>
                 <a:cs typeface="American Typewriter"/>
               </a:rPr>
-              <a:t>Show Up! We’ll run the first experiment of the lab.</a:t>
+              <a:t>Total: 50</a:t>
             </a:r>
           </a:p>
           <a:p>
@@ -6012,16 +6466,25 @@
               <a:buChar char="•"/>
             </a:pPr>
             <a:r>
+              <a:rPr lang="en-US" sz="3500" dirty="0" smtClean="0">
+                <a:latin typeface="Garamond" panose="02020404030301010803" pitchFamily="18" charset="0"/>
+                <a:cs typeface="American Typewriter"/>
+              </a:rPr>
+              <a:t>Project 2: 100 point paper, 10 points for rough draft</a:t>
+            </a:r>
+          </a:p>
+          <a:p>
+            <a:pPr lvl="1">
+              <a:buFontTx/>
+              <a:buChar char="•"/>
+            </a:pPr>
+            <a:r>
               <a:rPr lang="en-US" sz="3300" dirty="0" smtClean="0">
                 <a:latin typeface="Garamond" panose="02020404030301010803" pitchFamily="18" charset="0"/>
                 <a:cs typeface="American Typewriter"/>
               </a:rPr>
-              <a:t>Prepare for Quiz on the Course Policies.</a:t>
-            </a:r>
-            <a:endParaRPr lang="en-US" sz="3100" dirty="0" smtClean="0">
-              <a:latin typeface="Garamond" panose="02020404030301010803" pitchFamily="18" charset="0"/>
-              <a:cs typeface="American Typewriter"/>
-            </a:endParaRPr>
+              <a:t>Total: 110</a:t>
+            </a:r>
           </a:p>
           <a:p>
             <a:pPr>
@@ -6029,16 +6492,72 @@
               <a:buChar char="•"/>
             </a:pPr>
             <a:r>
+              <a:rPr lang="en-US" sz="3500" dirty="0" smtClean="0">
+                <a:latin typeface="Garamond" panose="02020404030301010803" pitchFamily="18" charset="0"/>
+                <a:cs typeface="American Typewriter"/>
+              </a:rPr>
+              <a:t>Project 3: 100 point paper, </a:t>
+            </a:r>
+            <a:r>
+              <a:rPr lang="en-US" sz="3500" dirty="0">
+                <a:latin typeface="Garamond" panose="02020404030301010803" pitchFamily="18" charset="0"/>
+                <a:cs typeface="American Typewriter"/>
+              </a:rPr>
+              <a:t>5</a:t>
+            </a:r>
+            <a:r>
+              <a:rPr lang="en-US" sz="3500" dirty="0" smtClean="0">
+                <a:latin typeface="Garamond" panose="02020404030301010803" pitchFamily="18" charset="0"/>
+                <a:cs typeface="American Typewriter"/>
+              </a:rPr>
+              <a:t> point proposal, and 10 point group presentation</a:t>
+            </a:r>
+          </a:p>
+          <a:p>
+            <a:pPr lvl="1">
+              <a:buFontTx/>
+              <a:buChar char="•"/>
+            </a:pPr>
+            <a:r>
+              <a:rPr lang="en-US" sz="3100" dirty="0" smtClean="0">
+                <a:latin typeface="Garamond" panose="02020404030301010803" pitchFamily="18" charset="0"/>
+                <a:cs typeface="American Typewriter"/>
+              </a:rPr>
+              <a:t>Total 115</a:t>
+            </a:r>
+          </a:p>
+          <a:p>
+            <a:pPr>
+              <a:buFontTx/>
+              <a:buChar char="•"/>
+            </a:pPr>
+            <a:r>
               <a:rPr lang="en-US" sz="3300" dirty="0" smtClean="0">
                 <a:latin typeface="Garamond" panose="02020404030301010803" pitchFamily="18" charset="0"/>
                 <a:cs typeface="American Typewriter"/>
               </a:rPr>
-              <a:t>Bring your Course Packet!</a:t>
-            </a:r>
-            <a:endParaRPr lang="en-US" sz="3100" dirty="0" smtClean="0">
-              <a:latin typeface="Garamond" panose="02020404030301010803" pitchFamily="18" charset="0"/>
-              <a:cs typeface="American Typewriter"/>
-            </a:endParaRPr>
+              <a:t>Also, periodic homework and quizzes (26 pts)</a:t>
+            </a:r>
+          </a:p>
+          <a:p>
+            <a:pPr>
+              <a:buFontTx/>
+              <a:buChar char="•"/>
+            </a:pPr>
+            <a:r>
+              <a:rPr lang="en-US" sz="3300" dirty="0" smtClean="0">
+                <a:latin typeface="Garamond" panose="02020404030301010803" pitchFamily="18" charset="0"/>
+                <a:cs typeface="American Typewriter"/>
+              </a:rPr>
+              <a:t>Total Overall: </a:t>
+            </a:r>
+            <a:r>
+              <a:rPr lang="en-US" sz="3300" dirty="0" smtClean="0">
+                <a:latin typeface="Garamond" panose="02020404030301010803" pitchFamily="18" charset="0"/>
+                <a:cs typeface="American Typewriter"/>
+              </a:rPr>
+              <a:t>301</a:t>
+            </a:r>
           </a:p>
         </p:txBody>
       </p:sp>
@@ -6069,14 +6588,7 @@
                 <a:latin typeface="Garamond" panose="02020404030301010803" pitchFamily="18" charset="0"/>
                 <a:cs typeface="American Typewriter"/>
               </a:rPr>
-              <a:t>Nex</a:t>
-            </a:r>
-            <a:r>
-              <a:rPr lang="en-US" sz="4400" dirty="0" smtClean="0">
-                <a:latin typeface="Garamond" panose="02020404030301010803" pitchFamily="18" charset="0"/>
-                <a:cs typeface="American Typewriter"/>
-              </a:rPr>
-              <a:t>t Tuesday, January 26</a:t>
+              <a:t>Course Policies, Lab Reports</a:t>
             </a:r>
             <a:endParaRPr lang="en-US" sz="4400" dirty="0">
               <a:latin typeface="Garamond" panose="02020404030301010803" pitchFamily="18" charset="0"/>
@@ -6088,2949 +6600,7 @@
     </p:spTree>
     <p:extLst>
       <p:ext uri="{BB962C8B-B14F-4D97-AF65-F5344CB8AC3E}">
-        <p14:creationId xmlns:p14="http://schemas.microsoft.com/office/powerpoint/2010/main" val="4084997573"/>
-      </p:ext>
-    </p:extLst>
-  </p:cSld>
-  <p:clrMapOvr>
-    <a:masterClrMapping/>
-  </p:clrMapOvr>
-  <p:timing>
-    <p:tnLst>
-      <p:par>
-        <p:cTn id="1" dur="indefinite" restart="never" nodeType="tmRoot"/>
-      </p:par>
-    </p:tnLst>
-  </p:timing>
-</p:sld>
-</file>
-
-<file path=ppt/slides/slide14.xml><?xml version="1.0" encoding="utf-8"?>
-<p:sld xmlns:a="http://schemas.openxmlformats.org/drawingml/2006/main" xmlns:r="http://schemas.openxmlformats.org/officeDocument/2006/relationships" xmlns:p="http://schemas.openxmlformats.org/presentationml/2006/main">
-  <p:cSld>
-    <p:spTree>
-      <p:nvGrpSpPr>
-        <p:cNvPr id="1" name=""/>
-        <p:cNvGrpSpPr/>
-        <p:nvPr/>
-      </p:nvGrpSpPr>
-      <p:grpSpPr>
-        <a:xfrm>
-          <a:off x="0" y="0"/>
-          <a:ext cx="0" cy="0"/>
-          <a:chOff x="0" y="0"/>
-          <a:chExt cx="0" cy="0"/>
-        </a:xfrm>
-      </p:grpSpPr>
-      <p:sp>
-        <p:nvSpPr>
-          <p:cNvPr id="3" name="Content Placeholder 2"/>
-          <p:cNvSpPr>
-            <a:spLocks noGrp="1"/>
-          </p:cNvSpPr>
-          <p:nvPr>
-            <p:ph idx="1"/>
-          </p:nvPr>
-        </p:nvSpPr>
-        <p:spPr>
-          <a:xfrm>
-            <a:off x="549275" y="1527644"/>
-            <a:ext cx="7897496" cy="5590926"/>
-          </a:xfrm>
-        </p:spPr>
-        <p:txBody>
-          <a:bodyPr>
-            <a:normAutofit/>
-          </a:bodyPr>
-          <a:lstStyle/>
-          <a:p>
-            <a:pPr>
-              <a:buFontTx/>
-              <a:buChar char="•"/>
-            </a:pPr>
-            <a:r>
-              <a:rPr lang="en-US" sz="3100" dirty="0" smtClean="0">
-                <a:latin typeface="Garamond" panose="02020404030301010803" pitchFamily="18" charset="0"/>
-                <a:cs typeface="American Typewriter"/>
-              </a:rPr>
-              <a:t>Hope that you’ve enjoyed your first week of classes.</a:t>
-            </a:r>
-          </a:p>
-        </p:txBody>
-      </p:sp>
-      <p:sp>
-        <p:nvSpPr>
-          <p:cNvPr id="5" name="Title 1"/>
-          <p:cNvSpPr>
-            <a:spLocks noGrp="1"/>
-          </p:cNvSpPr>
-          <p:nvPr>
-            <p:ph type="title"/>
-          </p:nvPr>
-        </p:nvSpPr>
-        <p:spPr>
-          <a:xfrm>
-            <a:off x="946404" y="365760"/>
-            <a:ext cx="7269480" cy="811530"/>
-          </a:xfrm>
-        </p:spPr>
-        <p:txBody>
-          <a:bodyPr>
-            <a:normAutofit/>
-          </a:bodyPr>
-          <a:lstStyle/>
-          <a:p>
-            <a:r>
-              <a:rPr lang="en-US" sz="4400" dirty="0" smtClean="0">
-                <a:latin typeface="Garamond" panose="02020404030301010803" pitchFamily="18" charset="0"/>
-                <a:cs typeface="American Typewriter"/>
-              </a:rPr>
-              <a:t>Hav</a:t>
-            </a:r>
-            <a:r>
-              <a:rPr lang="en-US" sz="4400" dirty="0" smtClean="0">
-                <a:latin typeface="Garamond" panose="02020404030301010803" pitchFamily="18" charset="0"/>
-                <a:cs typeface="American Typewriter"/>
-              </a:rPr>
-              <a:t>e a great semester!</a:t>
-            </a:r>
-            <a:endParaRPr lang="en-US" sz="4400" dirty="0">
-              <a:latin typeface="Garamond" panose="02020404030301010803" pitchFamily="18" charset="0"/>
-              <a:cs typeface="American Typewriter"/>
-            </a:endParaRPr>
-          </a:p>
-        </p:txBody>
-      </p:sp>
-    </p:spTree>
-    <p:extLst>
-      <p:ext uri="{BB962C8B-B14F-4D97-AF65-F5344CB8AC3E}">
-        <p14:creationId xmlns:p14="http://schemas.microsoft.com/office/powerpoint/2010/main" val="64661644"/>
-      </p:ext>
-    </p:extLst>
-  </p:cSld>
-  <p:clrMapOvr>
-    <a:masterClrMapping/>
-  </p:clrMapOvr>
-  <p:timing>
-    <p:tnLst>
-      <p:par>
-        <p:cTn id="1" dur="indefinite" restart="never" nodeType="tmRoot"/>
-      </p:par>
-    </p:tnLst>
-  </p:timing>
-</p:sld>
-</file>
-
-<file path=ppt/slides/slide2.xml><?xml version="1.0" encoding="utf-8"?>
-<p:sld xmlns:a="http://schemas.openxmlformats.org/drawingml/2006/main" xmlns:r="http://schemas.openxmlformats.org/officeDocument/2006/relationships" xmlns:p="http://schemas.openxmlformats.org/presentationml/2006/main">
-  <p:cSld>
-    <p:spTree>
-      <p:nvGrpSpPr>
-        <p:cNvPr id="1" name=""/>
-        <p:cNvGrpSpPr/>
-        <p:nvPr/>
-      </p:nvGrpSpPr>
-      <p:grpSpPr>
-        <a:xfrm>
-          <a:off x="0" y="0"/>
-          <a:ext cx="0" cy="0"/>
-          <a:chOff x="0" y="0"/>
-          <a:chExt cx="0" cy="0"/>
-        </a:xfrm>
-      </p:grpSpPr>
-      <p:sp>
-        <p:nvSpPr>
-          <p:cNvPr id="2" name="Title 1"/>
-          <p:cNvSpPr>
-            <a:spLocks noGrp="1"/>
-          </p:cNvSpPr>
-          <p:nvPr>
-            <p:ph type="ctrTitle"/>
-          </p:nvPr>
-        </p:nvSpPr>
-        <p:spPr>
-          <a:xfrm>
-            <a:off x="633199" y="804982"/>
-            <a:ext cx="8763932" cy="4758339"/>
-          </a:xfrm>
-        </p:spPr>
-        <p:txBody>
-          <a:bodyPr/>
-          <a:lstStyle/>
-          <a:p>
-            <a:r>
-              <a:rPr lang="en-US" sz="7200" b="1" dirty="0" smtClean="0">
-                <a:latin typeface="Garamond" panose="02020404030301010803" pitchFamily="18" charset="0"/>
-                <a:cs typeface="American Typewriter"/>
-              </a:rPr>
-              <a:t>Welcome! </a:t>
-            </a:r>
-            <a:br>
-              <a:rPr lang="en-US" sz="7200" b="1" dirty="0" smtClean="0">
-                <a:latin typeface="Garamond" panose="02020404030301010803" pitchFamily="18" charset="0"/>
-                <a:cs typeface="American Typewriter"/>
-              </a:rPr>
-            </a:br>
-            <a:r>
-              <a:rPr lang="en-US" sz="7200" b="1" dirty="0" smtClean="0">
-                <a:latin typeface="Garamond" panose="02020404030301010803" pitchFamily="18" charset="0"/>
-                <a:cs typeface="American Typewriter"/>
-              </a:rPr>
-              <a:t>Psych 241 </a:t>
-            </a:r>
-            <a:br>
-              <a:rPr lang="en-US" sz="7200" b="1" dirty="0" smtClean="0">
-                <a:latin typeface="Garamond" panose="02020404030301010803" pitchFamily="18" charset="0"/>
-                <a:cs typeface="American Typewriter"/>
-              </a:rPr>
-            </a:br>
-            <a:r>
-              <a:rPr lang="en-US" sz="7200" b="1" dirty="0" smtClean="0">
-                <a:latin typeface="Garamond" panose="02020404030301010803" pitchFamily="18" charset="0"/>
-                <a:cs typeface="American Typewriter"/>
-              </a:rPr>
-              <a:t>Lab: </a:t>
-            </a:r>
-            <a:r>
-              <a:rPr lang="en-US" sz="7200" b="1" dirty="0" smtClean="0">
-                <a:latin typeface="Garamond" panose="02020404030301010803" pitchFamily="18" charset="0"/>
-                <a:cs typeface="American Typewriter"/>
-              </a:rPr>
-              <a:t>LS</a:t>
-            </a:r>
-            <a:r>
-              <a:rPr lang="en-US" sz="7200" b="1" dirty="0" smtClean="0">
-                <a:latin typeface="Garamond" panose="02020404030301010803" pitchFamily="18" charset="0"/>
-                <a:cs typeface="American Typewriter"/>
-              </a:rPr>
-              <a:t> </a:t>
-            </a:r>
-            <a:r>
-              <a:rPr lang="en-US" sz="7200" b="1" dirty="0" smtClean="0">
-                <a:latin typeface="Garamond" panose="02020404030301010803" pitchFamily="18" charset="0"/>
-                <a:cs typeface="American Typewriter"/>
-              </a:rPr>
-              <a:t/>
-            </a:r>
-            <a:br>
-              <a:rPr lang="en-US" sz="7200" b="1" dirty="0" smtClean="0">
-                <a:latin typeface="Garamond" panose="02020404030301010803" pitchFamily="18" charset="0"/>
-                <a:cs typeface="American Typewriter"/>
-              </a:rPr>
-            </a:br>
-            <a:r>
-              <a:rPr lang="en-US" sz="7200" b="1" dirty="0" smtClean="0">
-                <a:latin typeface="Garamond" panose="02020404030301010803" pitchFamily="18" charset="0"/>
-                <a:cs typeface="American Typewriter"/>
-              </a:rPr>
-              <a:t>T, </a:t>
-            </a:r>
-            <a:r>
-              <a:rPr lang="en-US" sz="7200" b="1" dirty="0" err="1" smtClean="0">
-                <a:latin typeface="Garamond" panose="02020404030301010803" pitchFamily="18" charset="0"/>
-                <a:cs typeface="American Typewriter"/>
-              </a:rPr>
-              <a:t>Th</a:t>
-            </a:r>
-            <a:r>
-              <a:rPr lang="en-US" sz="7200" b="1" dirty="0" smtClean="0">
-                <a:latin typeface="Garamond" panose="02020404030301010803" pitchFamily="18" charset="0"/>
-                <a:cs typeface="American Typewriter"/>
-              </a:rPr>
-              <a:t>: 1:00-2:15</a:t>
-            </a:r>
-            <a:endParaRPr lang="en-US" sz="7200" b="1" dirty="0">
-              <a:latin typeface="Garamond" panose="02020404030301010803" pitchFamily="18" charset="0"/>
-              <a:cs typeface="American Typewriter"/>
-            </a:endParaRPr>
-          </a:p>
-        </p:txBody>
-      </p:sp>
-    </p:spTree>
-    <p:extLst>
-      <p:ext uri="{BB962C8B-B14F-4D97-AF65-F5344CB8AC3E}">
-        <p14:creationId xmlns:p14="http://schemas.microsoft.com/office/powerpoint/2010/main" val="1986668808"/>
-      </p:ext>
-    </p:extLst>
-  </p:cSld>
-  <p:clrMapOvr>
-    <a:masterClrMapping/>
-  </p:clrMapOvr>
-  <p:timing>
-    <p:tnLst>
-      <p:par>
-        <p:cTn id="1" dur="indefinite" restart="never" nodeType="tmRoot"/>
-      </p:par>
-    </p:tnLst>
-  </p:timing>
-</p:sld>
-</file>
-
-<file path=ppt/slides/slide3.xml><?xml version="1.0" encoding="utf-8"?>
-<p:sld xmlns:a="http://schemas.openxmlformats.org/drawingml/2006/main" xmlns:r="http://schemas.openxmlformats.org/officeDocument/2006/relationships" xmlns:p="http://schemas.openxmlformats.org/presentationml/2006/main">
-  <p:cSld>
-    <p:spTree>
-      <p:nvGrpSpPr>
-        <p:cNvPr id="1" name=""/>
-        <p:cNvGrpSpPr/>
-        <p:nvPr/>
-      </p:nvGrpSpPr>
-      <p:grpSpPr>
-        <a:xfrm>
-          <a:off x="0" y="0"/>
-          <a:ext cx="0" cy="0"/>
-          <a:chOff x="0" y="0"/>
-          <a:chExt cx="0" cy="0"/>
-        </a:xfrm>
-      </p:grpSpPr>
-      <p:sp>
-        <p:nvSpPr>
-          <p:cNvPr id="2" name="Title 1"/>
-          <p:cNvSpPr>
-            <a:spLocks noGrp="1"/>
-          </p:cNvSpPr>
-          <p:nvPr>
-            <p:ph type="title"/>
-          </p:nvPr>
-        </p:nvSpPr>
-        <p:spPr>
-          <a:xfrm>
-            <a:off x="946404" y="365760"/>
-            <a:ext cx="7269480" cy="811530"/>
-          </a:xfrm>
-        </p:spPr>
-        <p:txBody>
-          <a:bodyPr>
-            <a:normAutofit/>
-          </a:bodyPr>
-          <a:lstStyle/>
-          <a:p>
-            <a:r>
-              <a:rPr lang="en-US" sz="4400" dirty="0" smtClean="0">
-                <a:latin typeface="Garamond" panose="02020404030301010803" pitchFamily="18" charset="0"/>
-                <a:cs typeface="American Typewriter"/>
-              </a:rPr>
-              <a:t>Meet Me</a:t>
-            </a:r>
-            <a:endParaRPr lang="en-US" sz="4400" dirty="0">
-              <a:latin typeface="Garamond" panose="02020404030301010803" pitchFamily="18" charset="0"/>
-              <a:cs typeface="American Typewriter"/>
-            </a:endParaRPr>
-          </a:p>
-        </p:txBody>
-      </p:sp>
-      <p:sp>
-        <p:nvSpPr>
-          <p:cNvPr id="3" name="Content Placeholder 2"/>
-          <p:cNvSpPr>
-            <a:spLocks noGrp="1"/>
-          </p:cNvSpPr>
-          <p:nvPr>
-            <p:ph idx="1"/>
-          </p:nvPr>
-        </p:nvSpPr>
-        <p:spPr>
-          <a:xfrm>
-            <a:off x="125199" y="1600200"/>
-            <a:ext cx="8298712" cy="4587239"/>
-          </a:xfrm>
-        </p:spPr>
-        <p:txBody>
-          <a:bodyPr>
-            <a:normAutofit lnSpcReduction="10000"/>
-          </a:bodyPr>
-          <a:lstStyle/>
-          <a:p>
-            <a:r>
-              <a:rPr lang="en-US" sz="3600" dirty="0" smtClean="0">
-                <a:latin typeface="Garamond" panose="02020404030301010803" pitchFamily="18" charset="0"/>
-                <a:cs typeface="American Typewriter"/>
-              </a:rPr>
-              <a:t>Patrick </a:t>
-            </a:r>
-            <a:r>
-              <a:rPr lang="en-US" sz="3600" dirty="0" err="1" smtClean="0">
-                <a:latin typeface="Garamond" panose="02020404030301010803" pitchFamily="18" charset="0"/>
-                <a:cs typeface="American Typewriter"/>
-              </a:rPr>
-              <a:t>Sadil</a:t>
-            </a:r>
-            <a:endParaRPr lang="en-US" sz="3600" dirty="0" smtClean="0">
-              <a:latin typeface="Garamond" panose="02020404030301010803" pitchFamily="18" charset="0"/>
-              <a:cs typeface="American Typewriter"/>
-            </a:endParaRPr>
-          </a:p>
-          <a:p>
-            <a:pPr lvl="1"/>
-            <a:r>
-              <a:rPr lang="en-US" sz="3400" dirty="0" smtClean="0">
-                <a:latin typeface="Garamond" panose="02020404030301010803" pitchFamily="18" charset="0"/>
-                <a:cs typeface="American Typewriter"/>
-              </a:rPr>
-              <a:t>PhD Student in Cognitive Psychology</a:t>
-            </a:r>
-            <a:endParaRPr lang="en-US" sz="3400" dirty="0" smtClean="0">
-              <a:latin typeface="Garamond" panose="02020404030301010803" pitchFamily="18" charset="0"/>
-              <a:cs typeface="American Typewriter"/>
-            </a:endParaRPr>
-          </a:p>
-          <a:p>
-            <a:pPr lvl="1"/>
-            <a:r>
-              <a:rPr lang="en-US" sz="3600" dirty="0" smtClean="0">
-                <a:latin typeface="Garamond" panose="02020404030301010803" pitchFamily="18" charset="0"/>
-                <a:cs typeface="American Typewriter"/>
-              </a:rPr>
-              <a:t>Interested in the overlapping neural substrates responsible for episodic memory and visual perception</a:t>
-            </a:r>
-          </a:p>
-          <a:p>
-            <a:pPr lvl="2"/>
-            <a:r>
-              <a:rPr lang="en-US" sz="3400" dirty="0" smtClean="0">
-                <a:latin typeface="Garamond" panose="02020404030301010803" pitchFamily="18" charset="0"/>
-                <a:cs typeface="American Typewriter"/>
-              </a:rPr>
-              <a:t>computational modelling</a:t>
-            </a:r>
-          </a:p>
-          <a:p>
-            <a:pPr lvl="2"/>
-            <a:r>
-              <a:rPr lang="en-US" sz="3400" dirty="0" smtClean="0">
-                <a:latin typeface="Garamond" panose="02020404030301010803" pitchFamily="18" charset="0"/>
-                <a:cs typeface="American Typewriter"/>
-              </a:rPr>
-              <a:t>fMRI</a:t>
-            </a:r>
-          </a:p>
-          <a:p>
-            <a:pPr lvl="2"/>
-            <a:r>
-              <a:rPr lang="en-US" sz="3400" dirty="0" smtClean="0">
-                <a:latin typeface="Garamond" panose="02020404030301010803" pitchFamily="18" charset="0"/>
-                <a:cs typeface="American Typewriter"/>
-              </a:rPr>
-              <a:t>Behavioral experiments</a:t>
-            </a:r>
-          </a:p>
-          <a:p>
-            <a:pPr lvl="1"/>
-            <a:r>
-              <a:rPr lang="en-US" sz="3600" dirty="0" smtClean="0">
-                <a:latin typeface="Garamond" panose="02020404030301010803" pitchFamily="18" charset="0"/>
-                <a:cs typeface="American Typewriter"/>
-              </a:rPr>
-              <a:t>Open Source Collaboration</a:t>
-            </a:r>
-            <a:endParaRPr lang="en-US" sz="3600" dirty="0" smtClean="0">
-              <a:latin typeface="Garamond" panose="02020404030301010803" pitchFamily="18" charset="0"/>
-              <a:cs typeface="American Typewriter"/>
-            </a:endParaRPr>
-          </a:p>
-        </p:txBody>
-      </p:sp>
-    </p:spTree>
-    <p:extLst>
-      <p:ext uri="{BB962C8B-B14F-4D97-AF65-F5344CB8AC3E}">
-        <p14:creationId xmlns:p14="http://schemas.microsoft.com/office/powerpoint/2010/main" val="2480777416"/>
-      </p:ext>
-    </p:extLst>
-  </p:cSld>
-  <p:clrMapOvr>
-    <a:masterClrMapping/>
-  </p:clrMapOvr>
-  <p:timing>
-    <p:tnLst>
-      <p:par>
-        <p:cTn id="1" dur="indefinite" restart="never" nodeType="tmRoot">
-          <p:childTnLst>
-            <p:seq concurrent="1" nextAc="seek">
-              <p:cTn id="2" dur="indefinite" nodeType="mainSeq">
-                <p:childTnLst>
-                  <p:par>
-                    <p:cTn id="3" fill="hold">
-                      <p:stCondLst>
-                        <p:cond delay="indefinite"/>
-                        <p:cond evt="onBegin" delay="0">
-                          <p:tn val="2"/>
-                        </p:cond>
-                      </p:stCondLst>
-                      <p:childTnLst>
-                        <p:par>
-                          <p:cTn id="4" fill="hold">
-                            <p:stCondLst>
-                              <p:cond delay="0"/>
-                            </p:stCondLst>
-                            <p:childTnLst>
-                              <p:par>
-                                <p:cTn id="5" presetID="1" presetClass="entr" presetSubtype="0" fill="hold" grpId="0" nodeType="withEffect">
-                                  <p:stCondLst>
-                                    <p:cond delay="0"/>
-                                  </p:stCondLst>
-                                  <p:childTnLst>
-                                    <p:set>
-                                      <p:cBhvr>
-                                        <p:cTn id="6" dur="1" fill="hold">
-                                          <p:stCondLst>
-                                            <p:cond delay="0"/>
-                                          </p:stCondLst>
-                                        </p:cTn>
-                                        <p:tgtEl>
-                                          <p:spTgt spid="2"/>
-                                        </p:tgtEl>
-                                        <p:attrNameLst>
-                                          <p:attrName>style.visibility</p:attrName>
-                                        </p:attrNameLst>
-                                      </p:cBhvr>
-                                      <p:to>
-                                        <p:strVal val="visible"/>
-                                      </p:to>
-                                    </p:set>
-                                  </p:childTnLst>
-                                </p:cTn>
-                              </p:par>
-                            </p:childTnLst>
-                          </p:cTn>
-                        </p:par>
-                      </p:childTnLst>
-                    </p:cTn>
-                  </p:par>
-                  <p:par>
-                    <p:cTn id="7" fill="hold">
-                      <p:stCondLst>
-                        <p:cond delay="indefinite"/>
-                      </p:stCondLst>
-                      <p:childTnLst>
-                        <p:par>
-                          <p:cTn id="8" fill="hold">
-                            <p:stCondLst>
-                              <p:cond delay="0"/>
-                            </p:stCondLst>
-                            <p:childTnLst>
-                              <p:par>
-                                <p:cTn id="9" presetID="1" presetClass="entr" presetSubtype="0" fill="hold" nodeType="clickEffect">
-                                  <p:stCondLst>
-                                    <p:cond delay="0"/>
-                                  </p:stCondLst>
-                                  <p:childTnLst>
-                                    <p:set>
-                                      <p:cBhvr>
-                                        <p:cTn id="10" dur="1" fill="hold">
-                                          <p:stCondLst>
-                                            <p:cond delay="0"/>
-                                          </p:stCondLst>
-                                        </p:cTn>
-                                        <p:tgtEl>
-                                          <p:spTgt spid="3">
-                                            <p:txEl>
-                                              <p:pRg st="0" end="0"/>
-                                            </p:txEl>
-                                          </p:spTgt>
-                                        </p:tgtEl>
-                                        <p:attrNameLst>
-                                          <p:attrName>style.visibility</p:attrName>
-                                        </p:attrNameLst>
-                                      </p:cBhvr>
-                                      <p:to>
-                                        <p:strVal val="visible"/>
-                                      </p:to>
-                                    </p:set>
-                                  </p:childTnLst>
-                                </p:cTn>
-                              </p:par>
-                            </p:childTnLst>
-                          </p:cTn>
-                        </p:par>
-                      </p:childTnLst>
-                    </p:cTn>
-                  </p:par>
-                  <p:par>
-                    <p:cTn id="11" fill="hold">
-                      <p:stCondLst>
-                        <p:cond delay="indefinite"/>
-                      </p:stCondLst>
-                      <p:childTnLst>
-                        <p:par>
-                          <p:cTn id="12" fill="hold">
-                            <p:stCondLst>
-                              <p:cond delay="0"/>
-                            </p:stCondLst>
-                            <p:childTnLst>
-                              <p:par>
-                                <p:cTn id="13" presetID="1" presetClass="entr" presetSubtype="0" fill="hold" nodeType="clickEffect">
-                                  <p:stCondLst>
-                                    <p:cond delay="0"/>
-                                  </p:stCondLst>
-                                  <p:childTnLst>
-                                    <p:set>
-                                      <p:cBhvr>
-                                        <p:cTn id="14" dur="1" fill="hold">
-                                          <p:stCondLst>
-                                            <p:cond delay="0"/>
-                                          </p:stCondLst>
-                                        </p:cTn>
-                                        <p:tgtEl>
-                                          <p:spTgt spid="3">
-                                            <p:txEl>
-                                              <p:pRg st="1" end="1"/>
-                                            </p:txEl>
-                                          </p:spTgt>
-                                        </p:tgtEl>
-                                        <p:attrNameLst>
-                                          <p:attrName>style.visibility</p:attrName>
-                                        </p:attrNameLst>
-                                      </p:cBhvr>
-                                      <p:to>
-                                        <p:strVal val="visible"/>
-                                      </p:to>
-                                    </p:set>
-                                  </p:childTnLst>
-                                </p:cTn>
-                              </p:par>
-                            </p:childTnLst>
-                          </p:cTn>
-                        </p:par>
-                      </p:childTnLst>
-                    </p:cTn>
-                  </p:par>
-                  <p:par>
-                    <p:cTn id="15" fill="hold">
-                      <p:stCondLst>
-                        <p:cond delay="indefinite"/>
-                      </p:stCondLst>
-                      <p:childTnLst>
-                        <p:par>
-                          <p:cTn id="16" fill="hold">
-                            <p:stCondLst>
-                              <p:cond delay="0"/>
-                            </p:stCondLst>
-                            <p:childTnLst>
-                              <p:par>
-                                <p:cTn id="17" presetID="1" presetClass="entr" presetSubtype="0" fill="hold" nodeType="clickEffect">
-                                  <p:stCondLst>
-                                    <p:cond delay="0"/>
-                                  </p:stCondLst>
-                                  <p:childTnLst>
-                                    <p:set>
-                                      <p:cBhvr>
-                                        <p:cTn id="18" dur="1" fill="hold">
-                                          <p:stCondLst>
-                                            <p:cond delay="0"/>
-                                          </p:stCondLst>
-                                        </p:cTn>
-                                        <p:tgtEl>
-                                          <p:spTgt spid="3">
-                                            <p:txEl>
-                                              <p:pRg st="2" end="2"/>
-                                            </p:txEl>
-                                          </p:spTgt>
-                                        </p:tgtEl>
-                                        <p:attrNameLst>
-                                          <p:attrName>style.visibility</p:attrName>
-                                        </p:attrNameLst>
-                                      </p:cBhvr>
-                                      <p:to>
-                                        <p:strVal val="visible"/>
-                                      </p:to>
-                                    </p:set>
-                                  </p:childTnLst>
-                                </p:cTn>
-                              </p:par>
-                            </p:childTnLst>
-                          </p:cTn>
-                        </p:par>
-                      </p:childTnLst>
-                    </p:cTn>
-                  </p:par>
-                  <p:par>
-                    <p:cTn id="19" fill="hold">
-                      <p:stCondLst>
-                        <p:cond delay="indefinite"/>
-                      </p:stCondLst>
-                      <p:childTnLst>
-                        <p:par>
-                          <p:cTn id="20" fill="hold">
-                            <p:stCondLst>
-                              <p:cond delay="0"/>
-                            </p:stCondLst>
-                            <p:childTnLst>
-                              <p:par>
-                                <p:cTn id="21" presetID="1" presetClass="entr" presetSubtype="0" fill="hold" nodeType="clickEffect">
-                                  <p:stCondLst>
-                                    <p:cond delay="0"/>
-                                  </p:stCondLst>
-                                  <p:childTnLst>
-                                    <p:set>
-                                      <p:cBhvr>
-                                        <p:cTn id="22" dur="1" fill="hold">
-                                          <p:stCondLst>
-                                            <p:cond delay="0"/>
-                                          </p:stCondLst>
-                                        </p:cTn>
-                                        <p:tgtEl>
-                                          <p:spTgt spid="3">
-                                            <p:txEl>
-                                              <p:pRg st="3" end="3"/>
-                                            </p:txEl>
-                                          </p:spTgt>
-                                        </p:tgtEl>
-                                        <p:attrNameLst>
-                                          <p:attrName>style.visibility</p:attrName>
-                                        </p:attrNameLst>
-                                      </p:cBhvr>
-                                      <p:to>
-                                        <p:strVal val="visible"/>
-                                      </p:to>
-                                    </p:set>
-                                  </p:childTnLst>
-                                </p:cTn>
-                              </p:par>
-                            </p:childTnLst>
-                          </p:cTn>
-                        </p:par>
-                      </p:childTnLst>
-                    </p:cTn>
-                  </p:par>
-                  <p:par>
-                    <p:cTn id="23" fill="hold">
-                      <p:stCondLst>
-                        <p:cond delay="indefinite"/>
-                      </p:stCondLst>
-                      <p:childTnLst>
-                        <p:par>
-                          <p:cTn id="24" fill="hold">
-                            <p:stCondLst>
-                              <p:cond delay="0"/>
-                            </p:stCondLst>
-                            <p:childTnLst>
-                              <p:par>
-                                <p:cTn id="25" presetID="1" presetClass="entr" presetSubtype="0" fill="hold" nodeType="clickEffect">
-                                  <p:stCondLst>
-                                    <p:cond delay="0"/>
-                                  </p:stCondLst>
-                                  <p:childTnLst>
-                                    <p:set>
-                                      <p:cBhvr>
-                                        <p:cTn id="26" dur="1" fill="hold">
-                                          <p:stCondLst>
-                                            <p:cond delay="0"/>
-                                          </p:stCondLst>
-                                        </p:cTn>
-                                        <p:tgtEl>
-                                          <p:spTgt spid="3">
-                                            <p:txEl>
-                                              <p:pRg st="4" end="4"/>
-                                            </p:txEl>
-                                          </p:spTgt>
-                                        </p:tgtEl>
-                                        <p:attrNameLst>
-                                          <p:attrName>style.visibility</p:attrName>
-                                        </p:attrNameLst>
-                                      </p:cBhvr>
-                                      <p:to>
-                                        <p:strVal val="visible"/>
-                                      </p:to>
-                                    </p:set>
-                                  </p:childTnLst>
-                                </p:cTn>
-                              </p:par>
-                            </p:childTnLst>
-                          </p:cTn>
-                        </p:par>
-                      </p:childTnLst>
-                    </p:cTn>
-                  </p:par>
-                  <p:par>
-                    <p:cTn id="27" fill="hold">
-                      <p:stCondLst>
-                        <p:cond delay="indefinite"/>
-                      </p:stCondLst>
-                      <p:childTnLst>
-                        <p:par>
-                          <p:cTn id="28" fill="hold">
-                            <p:stCondLst>
-                              <p:cond delay="0"/>
-                            </p:stCondLst>
-                            <p:childTnLst>
-                              <p:par>
-                                <p:cTn id="29" presetID="1" presetClass="entr" presetSubtype="0" fill="hold" nodeType="clickEffect">
-                                  <p:stCondLst>
-                                    <p:cond delay="0"/>
-                                  </p:stCondLst>
-                                  <p:childTnLst>
-                                    <p:set>
-                                      <p:cBhvr>
-                                        <p:cTn id="30" dur="1" fill="hold">
-                                          <p:stCondLst>
-                                            <p:cond delay="0"/>
-                                          </p:stCondLst>
-                                        </p:cTn>
-                                        <p:tgtEl>
-                                          <p:spTgt spid="3">
-                                            <p:txEl>
-                                              <p:pRg st="5" end="5"/>
-                                            </p:txEl>
-                                          </p:spTgt>
-                                        </p:tgtEl>
-                                        <p:attrNameLst>
-                                          <p:attrName>style.visibility</p:attrName>
-                                        </p:attrNameLst>
-                                      </p:cBhvr>
-                                      <p:to>
-                                        <p:strVal val="visible"/>
-                                      </p:to>
-                                    </p:set>
-                                  </p:childTnLst>
-                                </p:cTn>
-                              </p:par>
-                            </p:childTnLst>
-                          </p:cTn>
-                        </p:par>
-                      </p:childTnLst>
-                    </p:cTn>
-                  </p:par>
-                  <p:par>
-                    <p:cTn id="31" fill="hold">
-                      <p:stCondLst>
-                        <p:cond delay="indefinite"/>
-                      </p:stCondLst>
-                      <p:childTnLst>
-                        <p:par>
-                          <p:cTn id="32" fill="hold">
-                            <p:stCondLst>
-                              <p:cond delay="0"/>
-                            </p:stCondLst>
-                            <p:childTnLst>
-                              <p:par>
-                                <p:cTn id="33" presetID="1" presetClass="entr" presetSubtype="0" fill="hold" nodeType="clickEffect">
-                                  <p:stCondLst>
-                                    <p:cond delay="0"/>
-                                  </p:stCondLst>
-                                  <p:childTnLst>
-                                    <p:set>
-                                      <p:cBhvr>
-                                        <p:cTn id="34" dur="1" fill="hold">
-                                          <p:stCondLst>
-                                            <p:cond delay="0"/>
-                                          </p:stCondLst>
-                                        </p:cTn>
-                                        <p:tgtEl>
-                                          <p:spTgt spid="3">
-                                            <p:txEl>
-                                              <p:pRg st="6" end="6"/>
-                                            </p:txEl>
-                                          </p:spTgt>
-                                        </p:tgtEl>
-                                        <p:attrNameLst>
-                                          <p:attrName>style.visibility</p:attrName>
-                                        </p:attrNameLst>
-                                      </p:cBhvr>
-                                      <p:to>
-                                        <p:strVal val="visible"/>
-                                      </p:to>
-                                    </p:set>
-                                  </p:childTnLst>
-                                </p:cTn>
-                              </p:par>
-                            </p:childTnLst>
-                          </p:cTn>
-                        </p:par>
-                      </p:childTnLst>
-                    </p:cTn>
-                  </p:par>
-                </p:childTnLst>
-              </p:cTn>
-              <p:prevCondLst>
-                <p:cond evt="onPrev" delay="0">
-                  <p:tgtEl>
-                    <p:sldTgt/>
-                  </p:tgtEl>
-                </p:cond>
-              </p:prevCondLst>
-              <p:nextCondLst>
-                <p:cond evt="onNext" delay="0">
-                  <p:tgtEl>
-                    <p:sldTgt/>
-                  </p:tgtEl>
-                </p:cond>
-              </p:nextCondLst>
-            </p:seq>
-          </p:childTnLst>
-        </p:cTn>
-      </p:par>
-    </p:tnLst>
-    <p:bldLst>
-      <p:bldP spid="2" grpId="0"/>
-    </p:bldLst>
-  </p:timing>
-</p:sld>
-</file>
-
-<file path=ppt/slides/slide4.xml><?xml version="1.0" encoding="utf-8"?>
-<p:sld xmlns:a="http://schemas.openxmlformats.org/drawingml/2006/main" xmlns:r="http://schemas.openxmlformats.org/officeDocument/2006/relationships" xmlns:p="http://schemas.openxmlformats.org/presentationml/2006/main">
-  <p:cSld>
-    <p:spTree>
-      <p:nvGrpSpPr>
-        <p:cNvPr id="1" name=""/>
-        <p:cNvGrpSpPr/>
-        <p:nvPr/>
-      </p:nvGrpSpPr>
-      <p:grpSpPr>
-        <a:xfrm>
-          <a:off x="0" y="0"/>
-          <a:ext cx="0" cy="0"/>
-          <a:chOff x="0" y="0"/>
-          <a:chExt cx="0" cy="0"/>
-        </a:xfrm>
-      </p:grpSpPr>
-      <p:sp>
-        <p:nvSpPr>
-          <p:cNvPr id="2" name="Title 1"/>
-          <p:cNvSpPr>
-            <a:spLocks noGrp="1"/>
-          </p:cNvSpPr>
-          <p:nvPr>
-            <p:ph type="title"/>
-          </p:nvPr>
-        </p:nvSpPr>
-        <p:spPr>
-          <a:xfrm>
-            <a:off x="946404" y="365760"/>
-            <a:ext cx="7269480" cy="811530"/>
-          </a:xfrm>
-        </p:spPr>
-        <p:txBody>
-          <a:bodyPr>
-            <a:normAutofit/>
-          </a:bodyPr>
-          <a:lstStyle/>
-          <a:p>
-            <a:r>
-              <a:rPr lang="en-US" sz="4400" dirty="0" smtClean="0">
-                <a:latin typeface="Garamond" panose="02020404030301010803" pitchFamily="18" charset="0"/>
-                <a:cs typeface="American Typewriter"/>
-              </a:rPr>
-              <a:t>Meet Me</a:t>
-            </a:r>
-            <a:endParaRPr lang="en-US" sz="4400" dirty="0">
-              <a:latin typeface="Garamond" panose="02020404030301010803" pitchFamily="18" charset="0"/>
-              <a:cs typeface="American Typewriter"/>
-            </a:endParaRPr>
-          </a:p>
-        </p:txBody>
-      </p:sp>
-      <p:sp>
-        <p:nvSpPr>
-          <p:cNvPr id="3" name="Content Placeholder 2"/>
-          <p:cNvSpPr>
-            <a:spLocks noGrp="1"/>
-          </p:cNvSpPr>
-          <p:nvPr>
-            <p:ph idx="1"/>
-          </p:nvPr>
-        </p:nvSpPr>
-        <p:spPr>
-          <a:xfrm>
-            <a:off x="125199" y="1600200"/>
-            <a:ext cx="8298712" cy="4587239"/>
-          </a:xfrm>
-        </p:spPr>
-        <p:txBody>
-          <a:bodyPr>
-            <a:normAutofit/>
-          </a:bodyPr>
-          <a:lstStyle/>
-          <a:p>
-            <a:r>
-              <a:rPr lang="en-US" sz="3800" dirty="0" smtClean="0">
-                <a:latin typeface="Garamond" panose="02020404030301010803" pitchFamily="18" charset="0"/>
-                <a:cs typeface="American Typewriter"/>
-              </a:rPr>
-              <a:t>Contact:</a:t>
-            </a:r>
-          </a:p>
-          <a:p>
-            <a:pPr lvl="1"/>
-            <a:r>
-              <a:rPr lang="en-US" sz="3600" dirty="0">
-                <a:latin typeface="Garamond" panose="02020404030301010803" pitchFamily="18" charset="0"/>
-                <a:cs typeface="American Typewriter"/>
-                <a:hlinkClick r:id="rId3"/>
-              </a:rPr>
-              <a:t>psadil@psych.umass.edu</a:t>
-            </a:r>
-            <a:endParaRPr lang="en-US" sz="3600" dirty="0" smtClean="0">
-              <a:latin typeface="Garamond" panose="02020404030301010803" pitchFamily="18" charset="0"/>
-              <a:cs typeface="American Typewriter"/>
-            </a:endParaRPr>
-          </a:p>
-          <a:p>
-            <a:pPr lvl="1"/>
-            <a:r>
-              <a:rPr lang="en-US" sz="3600" dirty="0" smtClean="0">
-                <a:latin typeface="Garamond" panose="02020404030301010803" pitchFamily="18" charset="0"/>
-                <a:cs typeface="American Typewriter"/>
-              </a:rPr>
-              <a:t>Office Location: Tobin 426 </a:t>
-            </a:r>
-            <a:endParaRPr lang="en-US" sz="3600" dirty="0">
-              <a:latin typeface="Garamond" panose="02020404030301010803" pitchFamily="18" charset="0"/>
-              <a:cs typeface="American Typewriter"/>
-            </a:endParaRPr>
-          </a:p>
-          <a:p>
-            <a:pPr lvl="2"/>
-            <a:r>
-              <a:rPr lang="en-US" sz="3600" dirty="0" smtClean="0">
-                <a:latin typeface="Garamond" panose="02020404030301010803" pitchFamily="18" charset="0"/>
-                <a:cs typeface="American Typewriter"/>
-              </a:rPr>
-              <a:t>Office hour: </a:t>
-            </a:r>
-            <a:r>
-              <a:rPr lang="en-US" sz="3600" dirty="0" smtClean="0">
-                <a:latin typeface="Garamond" panose="02020404030301010803" pitchFamily="18" charset="0"/>
-                <a:cs typeface="American Typewriter"/>
-              </a:rPr>
-              <a:t>M 10am</a:t>
-            </a:r>
-            <a:r>
-              <a:rPr lang="en-US" sz="3600" dirty="0" smtClean="0">
-                <a:latin typeface="Garamond" panose="02020404030301010803" pitchFamily="18" charset="0"/>
-                <a:cs typeface="American Typewriter"/>
-              </a:rPr>
-              <a:t>, </a:t>
-            </a:r>
-            <a:r>
-              <a:rPr lang="en-US" sz="3600" dirty="0" smtClean="0">
-                <a:latin typeface="Garamond" panose="02020404030301010803" pitchFamily="18" charset="0"/>
-                <a:cs typeface="American Typewriter"/>
-              </a:rPr>
-              <a:t>maybe by appt.</a:t>
-            </a:r>
-          </a:p>
-          <a:p>
-            <a:pPr lvl="1"/>
-            <a:r>
-              <a:rPr lang="en-US" sz="3800" dirty="0" smtClean="0">
-                <a:latin typeface="Garamond" panose="02020404030301010803" pitchFamily="18" charset="0"/>
-                <a:cs typeface="American Typewriter"/>
-              </a:rPr>
-              <a:t>Slides: </a:t>
-            </a:r>
-            <a:r>
-              <a:rPr lang="en-US" sz="3800" dirty="0" smtClean="0">
-                <a:latin typeface="Garamond" panose="02020404030301010803" pitchFamily="18" charset="0"/>
-                <a:cs typeface="American Typewriter"/>
-                <a:hlinkClick r:id="rId4"/>
-              </a:rPr>
-              <a:t>https://github.com/psadil/psych241</a:t>
-            </a:r>
-            <a:endParaRPr lang="en-US" sz="3800" dirty="0">
-              <a:latin typeface="Garamond" panose="02020404030301010803" pitchFamily="18" charset="0"/>
-              <a:cs typeface="American Typewriter"/>
-            </a:endParaRPr>
-          </a:p>
-        </p:txBody>
-      </p:sp>
-    </p:spTree>
-    <p:extLst>
-      <p:ext uri="{BB962C8B-B14F-4D97-AF65-F5344CB8AC3E}">
-        <p14:creationId xmlns:p14="http://schemas.microsoft.com/office/powerpoint/2010/main" val="1622191094"/>
-      </p:ext>
-    </p:extLst>
-  </p:cSld>
-  <p:clrMapOvr>
-    <a:masterClrMapping/>
-  </p:clrMapOvr>
-  <p:timing>
-    <p:tnLst>
-      <p:par>
-        <p:cTn id="1" dur="indefinite" restart="never" nodeType="tmRoot">
-          <p:childTnLst>
-            <p:seq concurrent="1" nextAc="seek">
-              <p:cTn id="2" dur="indefinite" nodeType="mainSeq">
-                <p:childTnLst>
-                  <p:par>
-                    <p:cTn id="3" fill="hold">
-                      <p:stCondLst>
-                        <p:cond delay="indefinite"/>
-                        <p:cond evt="onBegin" delay="0">
-                          <p:tn val="2"/>
-                        </p:cond>
-                      </p:stCondLst>
-                      <p:childTnLst>
-                        <p:par>
-                          <p:cTn id="4" fill="hold">
-                            <p:stCondLst>
-                              <p:cond delay="0"/>
-                            </p:stCondLst>
-                            <p:childTnLst>
-                              <p:par>
-                                <p:cTn id="5" presetID="1" presetClass="entr" presetSubtype="0" fill="hold" grpId="0" nodeType="withEffect">
-                                  <p:stCondLst>
-                                    <p:cond delay="0"/>
-                                  </p:stCondLst>
-                                  <p:childTnLst>
-                                    <p:set>
-                                      <p:cBhvr>
-                                        <p:cTn id="6" dur="1" fill="hold">
-                                          <p:stCondLst>
-                                            <p:cond delay="0"/>
-                                          </p:stCondLst>
-                                        </p:cTn>
-                                        <p:tgtEl>
-                                          <p:spTgt spid="2"/>
-                                        </p:tgtEl>
-                                        <p:attrNameLst>
-                                          <p:attrName>style.visibility</p:attrName>
-                                        </p:attrNameLst>
-                                      </p:cBhvr>
-                                      <p:to>
-                                        <p:strVal val="visible"/>
-                                      </p:to>
-                                    </p:set>
-                                  </p:childTnLst>
-                                </p:cTn>
-                              </p:par>
-                            </p:childTnLst>
-                          </p:cTn>
-                        </p:par>
-                      </p:childTnLst>
-                    </p:cTn>
-                  </p:par>
-                  <p:par>
-                    <p:cTn id="7" fill="hold">
-                      <p:stCondLst>
-                        <p:cond delay="indefinite"/>
-                      </p:stCondLst>
-                      <p:childTnLst>
-                        <p:par>
-                          <p:cTn id="8" fill="hold">
-                            <p:stCondLst>
-                              <p:cond delay="0"/>
-                            </p:stCondLst>
-                            <p:childTnLst>
-                              <p:par>
-                                <p:cTn id="9" presetID="1" presetClass="entr" presetSubtype="0" fill="hold" nodeType="clickEffect">
-                                  <p:stCondLst>
-                                    <p:cond delay="0"/>
-                                  </p:stCondLst>
-                                  <p:childTnLst>
-                                    <p:set>
-                                      <p:cBhvr>
-                                        <p:cTn id="10" dur="1" fill="hold">
-                                          <p:stCondLst>
-                                            <p:cond delay="0"/>
-                                          </p:stCondLst>
-                                        </p:cTn>
-                                        <p:tgtEl>
-                                          <p:spTgt spid="3">
-                                            <p:txEl>
-                                              <p:pRg st="0" end="0"/>
-                                            </p:txEl>
-                                          </p:spTgt>
-                                        </p:tgtEl>
-                                        <p:attrNameLst>
-                                          <p:attrName>style.visibility</p:attrName>
-                                        </p:attrNameLst>
-                                      </p:cBhvr>
-                                      <p:to>
-                                        <p:strVal val="visible"/>
-                                      </p:to>
-                                    </p:set>
-                                  </p:childTnLst>
-                                </p:cTn>
-                              </p:par>
-                            </p:childTnLst>
-                          </p:cTn>
-                        </p:par>
-                      </p:childTnLst>
-                    </p:cTn>
-                  </p:par>
-                  <p:par>
-                    <p:cTn id="11" fill="hold">
-                      <p:stCondLst>
-                        <p:cond delay="indefinite"/>
-                      </p:stCondLst>
-                      <p:childTnLst>
-                        <p:par>
-                          <p:cTn id="12" fill="hold">
-                            <p:stCondLst>
-                              <p:cond delay="0"/>
-                            </p:stCondLst>
-                            <p:childTnLst>
-                              <p:par>
-                                <p:cTn id="13" presetID="1" presetClass="entr" presetSubtype="0" fill="hold" nodeType="clickEffect">
-                                  <p:stCondLst>
-                                    <p:cond delay="0"/>
-                                  </p:stCondLst>
-                                  <p:childTnLst>
-                                    <p:set>
-                                      <p:cBhvr>
-                                        <p:cTn id="14" dur="1" fill="hold">
-                                          <p:stCondLst>
-                                            <p:cond delay="0"/>
-                                          </p:stCondLst>
-                                        </p:cTn>
-                                        <p:tgtEl>
-                                          <p:spTgt spid="3">
-                                            <p:txEl>
-                                              <p:pRg st="1" end="1"/>
-                                            </p:txEl>
-                                          </p:spTgt>
-                                        </p:tgtEl>
-                                        <p:attrNameLst>
-                                          <p:attrName>style.visibility</p:attrName>
-                                        </p:attrNameLst>
-                                      </p:cBhvr>
-                                      <p:to>
-                                        <p:strVal val="visible"/>
-                                      </p:to>
-                                    </p:set>
-                                  </p:childTnLst>
-                                </p:cTn>
-                              </p:par>
-                            </p:childTnLst>
-                          </p:cTn>
-                        </p:par>
-                      </p:childTnLst>
-                    </p:cTn>
-                  </p:par>
-                  <p:par>
-                    <p:cTn id="15" fill="hold">
-                      <p:stCondLst>
-                        <p:cond delay="indefinite"/>
-                      </p:stCondLst>
-                      <p:childTnLst>
-                        <p:par>
-                          <p:cTn id="16" fill="hold">
-                            <p:stCondLst>
-                              <p:cond delay="0"/>
-                            </p:stCondLst>
-                            <p:childTnLst>
-                              <p:par>
-                                <p:cTn id="17" presetID="1" presetClass="entr" presetSubtype="0" fill="hold" nodeType="clickEffect">
-                                  <p:stCondLst>
-                                    <p:cond delay="0"/>
-                                  </p:stCondLst>
-                                  <p:childTnLst>
-                                    <p:set>
-                                      <p:cBhvr>
-                                        <p:cTn id="18" dur="1" fill="hold">
-                                          <p:stCondLst>
-                                            <p:cond delay="0"/>
-                                          </p:stCondLst>
-                                        </p:cTn>
-                                        <p:tgtEl>
-                                          <p:spTgt spid="3">
-                                            <p:txEl>
-                                              <p:pRg st="2" end="2"/>
-                                            </p:txEl>
-                                          </p:spTgt>
-                                        </p:tgtEl>
-                                        <p:attrNameLst>
-                                          <p:attrName>style.visibility</p:attrName>
-                                        </p:attrNameLst>
-                                      </p:cBhvr>
-                                      <p:to>
-                                        <p:strVal val="visible"/>
-                                      </p:to>
-                                    </p:set>
-                                  </p:childTnLst>
-                                </p:cTn>
-                              </p:par>
-                            </p:childTnLst>
-                          </p:cTn>
-                        </p:par>
-                      </p:childTnLst>
-                    </p:cTn>
-                  </p:par>
-                  <p:par>
-                    <p:cTn id="19" fill="hold">
-                      <p:stCondLst>
-                        <p:cond delay="indefinite"/>
-                      </p:stCondLst>
-                      <p:childTnLst>
-                        <p:par>
-                          <p:cTn id="20" fill="hold">
-                            <p:stCondLst>
-                              <p:cond delay="0"/>
-                            </p:stCondLst>
-                            <p:childTnLst>
-                              <p:par>
-                                <p:cTn id="21" presetID="1" presetClass="entr" presetSubtype="0" fill="hold" nodeType="clickEffect">
-                                  <p:stCondLst>
-                                    <p:cond delay="0"/>
-                                  </p:stCondLst>
-                                  <p:childTnLst>
-                                    <p:set>
-                                      <p:cBhvr>
-                                        <p:cTn id="22" dur="1" fill="hold">
-                                          <p:stCondLst>
-                                            <p:cond delay="0"/>
-                                          </p:stCondLst>
-                                        </p:cTn>
-                                        <p:tgtEl>
-                                          <p:spTgt spid="3">
-                                            <p:txEl>
-                                              <p:pRg st="3" end="3"/>
-                                            </p:txEl>
-                                          </p:spTgt>
-                                        </p:tgtEl>
-                                        <p:attrNameLst>
-                                          <p:attrName>style.visibility</p:attrName>
-                                        </p:attrNameLst>
-                                      </p:cBhvr>
-                                      <p:to>
-                                        <p:strVal val="visible"/>
-                                      </p:to>
-                                    </p:set>
-                                  </p:childTnLst>
-                                </p:cTn>
-                              </p:par>
-                            </p:childTnLst>
-                          </p:cTn>
-                        </p:par>
-                      </p:childTnLst>
-                    </p:cTn>
-                  </p:par>
-                  <p:par>
-                    <p:cTn id="23" fill="hold">
-                      <p:stCondLst>
-                        <p:cond delay="indefinite"/>
-                      </p:stCondLst>
-                      <p:childTnLst>
-                        <p:par>
-                          <p:cTn id="24" fill="hold">
-                            <p:stCondLst>
-                              <p:cond delay="0"/>
-                            </p:stCondLst>
-                            <p:childTnLst>
-                              <p:par>
-                                <p:cTn id="25" presetID="1" presetClass="entr" presetSubtype="0" fill="hold" nodeType="clickEffect">
-                                  <p:stCondLst>
-                                    <p:cond delay="0"/>
-                                  </p:stCondLst>
-                                  <p:childTnLst>
-                                    <p:set>
-                                      <p:cBhvr>
-                                        <p:cTn id="26" dur="1" fill="hold">
-                                          <p:stCondLst>
-                                            <p:cond delay="0"/>
-                                          </p:stCondLst>
-                                        </p:cTn>
-                                        <p:tgtEl>
-                                          <p:spTgt spid="3">
-                                            <p:txEl>
-                                              <p:pRg st="4" end="4"/>
-                                            </p:txEl>
-                                          </p:spTgt>
-                                        </p:tgtEl>
-                                        <p:attrNameLst>
-                                          <p:attrName>style.visibility</p:attrName>
-                                        </p:attrNameLst>
-                                      </p:cBhvr>
-                                      <p:to>
-                                        <p:strVal val="visible"/>
-                                      </p:to>
-                                    </p:set>
-                                  </p:childTnLst>
-                                </p:cTn>
-                              </p:par>
-                            </p:childTnLst>
-                          </p:cTn>
-                        </p:par>
-                      </p:childTnLst>
-                    </p:cTn>
-                  </p:par>
-                </p:childTnLst>
-              </p:cTn>
-              <p:prevCondLst>
-                <p:cond evt="onPrev" delay="0">
-                  <p:tgtEl>
-                    <p:sldTgt/>
-                  </p:tgtEl>
-                </p:cond>
-              </p:prevCondLst>
-              <p:nextCondLst>
-                <p:cond evt="onNext" delay="0">
-                  <p:tgtEl>
-                    <p:sldTgt/>
-                  </p:tgtEl>
-                </p:cond>
-              </p:nextCondLst>
-            </p:seq>
-          </p:childTnLst>
-        </p:cTn>
-      </p:par>
-    </p:tnLst>
-    <p:bldLst>
-      <p:bldP spid="2" grpId="0"/>
-    </p:bldLst>
-  </p:timing>
-</p:sld>
-</file>
-
-<file path=ppt/slides/slide5.xml><?xml version="1.0" encoding="utf-8"?>
-<p:sld xmlns:a="http://schemas.openxmlformats.org/drawingml/2006/main" xmlns:r="http://schemas.openxmlformats.org/officeDocument/2006/relationships" xmlns:p="http://schemas.openxmlformats.org/presentationml/2006/main">
-  <p:cSld>
-    <p:spTree>
-      <p:nvGrpSpPr>
-        <p:cNvPr id="1" name=""/>
-        <p:cNvGrpSpPr/>
-        <p:nvPr/>
-      </p:nvGrpSpPr>
-      <p:grpSpPr>
-        <a:xfrm>
-          <a:off x="0" y="0"/>
-          <a:ext cx="0" cy="0"/>
-          <a:chOff x="0" y="0"/>
-          <a:chExt cx="0" cy="0"/>
-        </a:xfrm>
-      </p:grpSpPr>
-      <p:sp>
-        <p:nvSpPr>
-          <p:cNvPr id="3" name="Content Placeholder 2"/>
-          <p:cNvSpPr>
-            <a:spLocks noGrp="1"/>
-          </p:cNvSpPr>
-          <p:nvPr>
-            <p:ph idx="1"/>
-          </p:nvPr>
-        </p:nvSpPr>
-        <p:spPr>
-          <a:xfrm>
-            <a:off x="549275" y="1600200"/>
-            <a:ext cx="7851775" cy="4711587"/>
-          </a:xfrm>
-        </p:spPr>
-        <p:txBody>
-          <a:bodyPr>
-            <a:normAutofit/>
-          </a:bodyPr>
-          <a:lstStyle/>
-          <a:p>
-            <a:r>
-              <a:rPr lang="en-US" sz="3600" dirty="0" smtClean="0">
-                <a:latin typeface="Garamond" panose="02020404030301010803" pitchFamily="18" charset="0"/>
-                <a:cs typeface="American Typewriter"/>
-              </a:rPr>
-              <a:t>Card Info</a:t>
-            </a:r>
-          </a:p>
-          <a:p>
-            <a:r>
-              <a:rPr lang="en-US" sz="3600" dirty="0" smtClean="0">
-                <a:latin typeface="Garamond" panose="02020404030301010803" pitchFamily="18" charset="0"/>
-                <a:cs typeface="American Typewriter"/>
-              </a:rPr>
-              <a:t>Exchange </a:t>
-            </a:r>
-            <a:r>
-              <a:rPr lang="en-US" sz="3600" dirty="0" smtClean="0">
-                <a:latin typeface="Garamond" panose="02020404030301010803" pitchFamily="18" charset="0"/>
-                <a:cs typeface="American Typewriter"/>
-              </a:rPr>
-              <a:t>contact information with at least one other student</a:t>
-            </a:r>
-          </a:p>
-          <a:p>
-            <a:pPr lvl="1"/>
-            <a:r>
-              <a:rPr lang="en-US" sz="3400" dirty="0" smtClean="0">
-                <a:latin typeface="Garamond" panose="02020404030301010803" pitchFamily="18" charset="0"/>
-                <a:cs typeface="American Typewriter"/>
-              </a:rPr>
-              <a:t>When you miss a lab, make sure to figure out what you’ve </a:t>
-            </a:r>
-            <a:r>
-              <a:rPr lang="en-US" sz="3400" dirty="0" smtClean="0">
-                <a:latin typeface="Garamond" panose="02020404030301010803" pitchFamily="18" charset="0"/>
-                <a:cs typeface="American Typewriter"/>
-              </a:rPr>
-              <a:t>missed</a:t>
-            </a:r>
-            <a:endParaRPr lang="en-US" sz="3400" dirty="0" smtClean="0">
-              <a:latin typeface="Garamond" panose="02020404030301010803" pitchFamily="18" charset="0"/>
-              <a:cs typeface="American Typewriter"/>
-            </a:endParaRPr>
-          </a:p>
-        </p:txBody>
-      </p:sp>
-      <p:sp>
-        <p:nvSpPr>
-          <p:cNvPr id="5" name="Title 1"/>
-          <p:cNvSpPr txBox="1">
-            <a:spLocks/>
-          </p:cNvSpPr>
-          <p:nvPr/>
-        </p:nvSpPr>
-        <p:spPr>
-          <a:xfrm>
-            <a:off x="946404" y="365760"/>
-            <a:ext cx="7269480" cy="811530"/>
-          </a:xfrm>
-          <a:prstGeom prst="rect">
-            <a:avLst/>
-          </a:prstGeom>
-        </p:spPr>
-        <p:txBody>
-          <a:bodyPr vert="horz" lIns="91440" tIns="45720" rIns="91440" bIns="45720" rtlCol="0" anchor="b">
-            <a:normAutofit/>
-          </a:bodyPr>
-          <a:lstStyle>
-            <a:lvl1pPr algn="l" defTabSz="914400" rtl="0" eaLnBrk="1" latinLnBrk="0" hangingPunct="1">
-              <a:lnSpc>
-                <a:spcPct val="90000"/>
-              </a:lnSpc>
-              <a:spcBef>
-                <a:spcPct val="0"/>
-              </a:spcBef>
-              <a:buNone/>
-              <a:defRPr sz="4000" kern="1200" spc="-50" baseline="0">
-                <a:solidFill>
-                  <a:schemeClr val="tx1"/>
-                </a:solidFill>
-                <a:latin typeface="+mj-lt"/>
-                <a:ea typeface="+mj-ea"/>
-                <a:cs typeface="+mj-cs"/>
-              </a:defRPr>
-            </a:lvl1pPr>
-          </a:lstStyle>
-          <a:p>
-            <a:r>
-              <a:rPr lang="en-US" sz="4400" dirty="0" smtClean="0">
-                <a:latin typeface="Garamond" panose="02020404030301010803" pitchFamily="18" charset="0"/>
-                <a:cs typeface="American Typewriter"/>
-              </a:rPr>
-              <a:t>Meet Yourselves</a:t>
-            </a:r>
-            <a:endParaRPr lang="en-US" sz="4400" dirty="0">
-              <a:latin typeface="Garamond" panose="02020404030301010803" pitchFamily="18" charset="0"/>
-              <a:cs typeface="American Typewriter"/>
-            </a:endParaRPr>
-          </a:p>
-        </p:txBody>
-      </p:sp>
-    </p:spTree>
-    <p:extLst>
-      <p:ext uri="{BB962C8B-B14F-4D97-AF65-F5344CB8AC3E}">
-        <p14:creationId xmlns:p14="http://schemas.microsoft.com/office/powerpoint/2010/main" val="1210744235"/>
-      </p:ext>
-    </p:extLst>
-  </p:cSld>
-  <p:clrMapOvr>
-    <a:masterClrMapping/>
-  </p:clrMapOvr>
-  <p:timing>
-    <p:tnLst>
-      <p:par>
-        <p:cTn id="1" dur="indefinite" restart="never" nodeType="tmRoot">
-          <p:childTnLst>
-            <p:seq concurrent="1" nextAc="seek">
-              <p:cTn id="2" dur="indefinite" nodeType="mainSeq">
-                <p:childTnLst>
-                  <p:par>
-                    <p:cTn id="3" fill="hold">
-                      <p:stCondLst>
-                        <p:cond delay="indefinite"/>
-                        <p:cond evt="onBegin" delay="0">
-                          <p:tn val="2"/>
-                        </p:cond>
-                      </p:stCondLst>
-                      <p:childTnLst>
-                        <p:par>
-                          <p:cTn id="4" fill="hold">
-                            <p:stCondLst>
-                              <p:cond delay="0"/>
-                            </p:stCondLst>
-                            <p:childTnLst>
-                              <p:par>
-                                <p:cTn id="5" presetID="1" presetClass="entr" presetSubtype="0" fill="hold" grpId="0" nodeType="withEffect">
-                                  <p:stCondLst>
-                                    <p:cond delay="0"/>
-                                  </p:stCondLst>
-                                  <p:childTnLst>
-                                    <p:set>
-                                      <p:cBhvr>
-                                        <p:cTn id="6" dur="1" fill="hold">
-                                          <p:stCondLst>
-                                            <p:cond delay="0"/>
-                                          </p:stCondLst>
-                                        </p:cTn>
-                                        <p:tgtEl>
-                                          <p:spTgt spid="5"/>
-                                        </p:tgtEl>
-                                        <p:attrNameLst>
-                                          <p:attrName>style.visibility</p:attrName>
-                                        </p:attrNameLst>
-                                      </p:cBhvr>
-                                      <p:to>
-                                        <p:strVal val="visible"/>
-                                      </p:to>
-                                    </p:set>
-                                  </p:childTnLst>
-                                </p:cTn>
-                              </p:par>
-                            </p:childTnLst>
-                          </p:cTn>
-                        </p:par>
-                      </p:childTnLst>
-                    </p:cTn>
-                  </p:par>
-                  <p:par>
-                    <p:cTn id="7" fill="hold">
-                      <p:stCondLst>
-                        <p:cond delay="indefinite"/>
-                      </p:stCondLst>
-                      <p:childTnLst>
-                        <p:par>
-                          <p:cTn id="8" fill="hold">
-                            <p:stCondLst>
-                              <p:cond delay="0"/>
-                            </p:stCondLst>
-                            <p:childTnLst>
-                              <p:par>
-                                <p:cTn id="9" presetID="1" presetClass="entr" presetSubtype="0" fill="hold" grpId="0" nodeType="clickEffect">
-                                  <p:stCondLst>
-                                    <p:cond delay="0"/>
-                                  </p:stCondLst>
-                                  <p:childTnLst>
-                                    <p:set>
-                                      <p:cBhvr>
-                                        <p:cTn id="10" dur="1" fill="hold">
-                                          <p:stCondLst>
-                                            <p:cond delay="0"/>
-                                          </p:stCondLst>
-                                        </p:cTn>
-                                        <p:tgtEl>
-                                          <p:spTgt spid="3">
-                                            <p:txEl>
-                                              <p:pRg st="0" end="0"/>
-                                            </p:txEl>
-                                          </p:spTgt>
-                                        </p:tgtEl>
-                                        <p:attrNameLst>
-                                          <p:attrName>style.visibility</p:attrName>
-                                        </p:attrNameLst>
-                                      </p:cBhvr>
-                                      <p:to>
-                                        <p:strVal val="visible"/>
-                                      </p:to>
-                                    </p:set>
-                                  </p:childTnLst>
-                                </p:cTn>
-                              </p:par>
-                            </p:childTnLst>
-                          </p:cTn>
-                        </p:par>
-                      </p:childTnLst>
-                    </p:cTn>
-                  </p:par>
-                  <p:par>
-                    <p:cTn id="11" fill="hold">
-                      <p:stCondLst>
-                        <p:cond delay="indefinite"/>
-                      </p:stCondLst>
-                      <p:childTnLst>
-                        <p:par>
-                          <p:cTn id="12" fill="hold">
-                            <p:stCondLst>
-                              <p:cond delay="0"/>
-                            </p:stCondLst>
-                            <p:childTnLst>
-                              <p:par>
-                                <p:cTn id="13" presetID="1" presetClass="entr" presetSubtype="0" fill="hold" grpId="0" nodeType="clickEffect">
-                                  <p:stCondLst>
-                                    <p:cond delay="0"/>
-                                  </p:stCondLst>
-                                  <p:childTnLst>
-                                    <p:set>
-                                      <p:cBhvr>
-                                        <p:cTn id="14" dur="1" fill="hold">
-                                          <p:stCondLst>
-                                            <p:cond delay="0"/>
-                                          </p:stCondLst>
-                                        </p:cTn>
-                                        <p:tgtEl>
-                                          <p:spTgt spid="3">
-                                            <p:txEl>
-                                              <p:pRg st="1" end="1"/>
-                                            </p:txEl>
-                                          </p:spTgt>
-                                        </p:tgtEl>
-                                        <p:attrNameLst>
-                                          <p:attrName>style.visibility</p:attrName>
-                                        </p:attrNameLst>
-                                      </p:cBhvr>
-                                      <p:to>
-                                        <p:strVal val="visible"/>
-                                      </p:to>
-                                    </p:set>
-                                  </p:childTnLst>
-                                </p:cTn>
-                              </p:par>
-                            </p:childTnLst>
-                          </p:cTn>
-                        </p:par>
-                      </p:childTnLst>
-                    </p:cTn>
-                  </p:par>
-                  <p:par>
-                    <p:cTn id="15" fill="hold">
-                      <p:stCondLst>
-                        <p:cond delay="indefinite"/>
-                      </p:stCondLst>
-                      <p:childTnLst>
-                        <p:par>
-                          <p:cTn id="16" fill="hold">
-                            <p:stCondLst>
-                              <p:cond delay="0"/>
-                            </p:stCondLst>
-                            <p:childTnLst>
-                              <p:par>
-                                <p:cTn id="17" presetID="1" presetClass="entr" presetSubtype="0" fill="hold" grpId="0" nodeType="clickEffect">
-                                  <p:stCondLst>
-                                    <p:cond delay="0"/>
-                                  </p:stCondLst>
-                                  <p:childTnLst>
-                                    <p:set>
-                                      <p:cBhvr>
-                                        <p:cTn id="18" dur="1" fill="hold">
-                                          <p:stCondLst>
-                                            <p:cond delay="0"/>
-                                          </p:stCondLst>
-                                        </p:cTn>
-                                        <p:tgtEl>
-                                          <p:spTgt spid="3">
-                                            <p:txEl>
-                                              <p:pRg st="2" end="2"/>
-                                            </p:txEl>
-                                          </p:spTgt>
-                                        </p:tgtEl>
-                                        <p:attrNameLst>
-                                          <p:attrName>style.visibility</p:attrName>
-                                        </p:attrNameLst>
-                                      </p:cBhvr>
-                                      <p:to>
-                                        <p:strVal val="visible"/>
-                                      </p:to>
-                                    </p:set>
-                                  </p:childTnLst>
-                                </p:cTn>
-                              </p:par>
-                            </p:childTnLst>
-                          </p:cTn>
-                        </p:par>
-                      </p:childTnLst>
-                    </p:cTn>
-                  </p:par>
-                </p:childTnLst>
-              </p:cTn>
-              <p:prevCondLst>
-                <p:cond evt="onPrev" delay="0">
-                  <p:tgtEl>
-                    <p:sldTgt/>
-                  </p:tgtEl>
-                </p:cond>
-              </p:prevCondLst>
-              <p:nextCondLst>
-                <p:cond evt="onNext" delay="0">
-                  <p:tgtEl>
-                    <p:sldTgt/>
-                  </p:tgtEl>
-                </p:cond>
-              </p:nextCondLst>
-            </p:seq>
-          </p:childTnLst>
-        </p:cTn>
-      </p:par>
-    </p:tnLst>
-    <p:bldLst>
-      <p:bldP spid="3" grpId="0" uiExpand="1" build="p"/>
-      <p:bldP spid="5" grpId="0"/>
-    </p:bldLst>
-  </p:timing>
-</p:sld>
-</file>
-
-<file path=ppt/slides/slide6.xml><?xml version="1.0" encoding="utf-8"?>
-<p:sld xmlns:a="http://schemas.openxmlformats.org/drawingml/2006/main" xmlns:r="http://schemas.openxmlformats.org/officeDocument/2006/relationships" xmlns:p="http://schemas.openxmlformats.org/presentationml/2006/main">
-  <p:cSld>
-    <p:spTree>
-      <p:nvGrpSpPr>
-        <p:cNvPr id="1" name=""/>
-        <p:cNvGrpSpPr/>
-        <p:nvPr/>
-      </p:nvGrpSpPr>
-      <p:grpSpPr>
-        <a:xfrm>
-          <a:off x="0" y="0"/>
-          <a:ext cx="0" cy="0"/>
-          <a:chOff x="0" y="0"/>
-          <a:chExt cx="0" cy="0"/>
-        </a:xfrm>
-      </p:grpSpPr>
-      <p:sp>
-        <p:nvSpPr>
-          <p:cNvPr id="3" name="Content Placeholder 2"/>
-          <p:cNvSpPr>
-            <a:spLocks noGrp="1"/>
-          </p:cNvSpPr>
-          <p:nvPr>
-            <p:ph idx="1"/>
-          </p:nvPr>
-        </p:nvSpPr>
-        <p:spPr>
-          <a:xfrm>
-            <a:off x="549275" y="1527644"/>
-            <a:ext cx="7897496" cy="5590926"/>
-          </a:xfrm>
-        </p:spPr>
-        <p:txBody>
-          <a:bodyPr>
-            <a:normAutofit/>
-          </a:bodyPr>
-          <a:lstStyle/>
-          <a:p>
-            <a:pPr>
-              <a:buFontTx/>
-              <a:buChar char="•"/>
-            </a:pPr>
-            <a:r>
-              <a:rPr lang="en-US" sz="3500" dirty="0" smtClean="0">
-                <a:latin typeface="Garamond" panose="02020404030301010803" pitchFamily="18" charset="0"/>
-                <a:cs typeface="American Typewriter"/>
-              </a:rPr>
-              <a:t>Missing more than 4 labs will result in an </a:t>
-            </a:r>
-            <a:r>
-              <a:rPr lang="en-US" sz="3500" b="1" i="1" dirty="0" smtClean="0">
-                <a:latin typeface="Garamond" panose="02020404030301010803" pitchFamily="18" charset="0"/>
-                <a:cs typeface="American Typewriter"/>
-              </a:rPr>
-              <a:t>F</a:t>
-            </a:r>
-            <a:r>
-              <a:rPr lang="en-US" sz="3500" dirty="0" smtClean="0">
-                <a:latin typeface="Garamond" panose="02020404030301010803" pitchFamily="18" charset="0"/>
-                <a:cs typeface="American Typewriter"/>
-              </a:rPr>
-              <a:t> or withdrawal.</a:t>
-            </a:r>
-          </a:p>
-          <a:p>
-            <a:pPr>
-              <a:buFontTx/>
-              <a:buChar char="•"/>
-            </a:pPr>
-            <a:r>
-              <a:rPr lang="en-US" sz="3500" dirty="0" smtClean="0">
-                <a:latin typeface="Garamond" panose="02020404030301010803" pitchFamily="18" charset="0"/>
-                <a:cs typeface="American Typewriter"/>
-              </a:rPr>
-              <a:t>In general, you are expected to attend all courses.</a:t>
-            </a:r>
-          </a:p>
-          <a:p>
-            <a:pPr lvl="1">
-              <a:buFontTx/>
-              <a:buChar char="•"/>
-            </a:pPr>
-            <a:r>
-              <a:rPr lang="en-US" sz="3300" dirty="0" smtClean="0">
-                <a:latin typeface="Garamond" panose="02020404030301010803" pitchFamily="18" charset="0"/>
-                <a:cs typeface="American Typewriter"/>
-              </a:rPr>
-              <a:t>Really, the point of a lab is to get some hands on </a:t>
-            </a:r>
-            <a:r>
-              <a:rPr lang="en-US" sz="3300" dirty="0" smtClean="0">
-                <a:latin typeface="Garamond" panose="02020404030301010803" pitchFamily="18" charset="0"/>
-                <a:cs typeface="American Typewriter"/>
-              </a:rPr>
-              <a:t>experience</a:t>
-            </a:r>
-          </a:p>
-          <a:p>
-            <a:pPr>
-              <a:buFontTx/>
-              <a:buChar char="•"/>
-            </a:pPr>
-            <a:r>
-              <a:rPr lang="en-US" sz="3500" dirty="0" smtClean="0">
-                <a:latin typeface="Garamond" panose="02020404030301010803" pitchFamily="18" charset="0"/>
-                <a:cs typeface="American Typewriter"/>
-              </a:rPr>
-              <a:t>Leaving 15 minutes early/late will count as ¼ absence</a:t>
-            </a:r>
-          </a:p>
-          <a:p>
-            <a:pPr>
-              <a:buFontTx/>
-              <a:buChar char="•"/>
-            </a:pPr>
-            <a:r>
-              <a:rPr lang="en-US" sz="3500" dirty="0" smtClean="0">
-                <a:latin typeface="Garamond" panose="02020404030301010803" pitchFamily="18" charset="0"/>
-                <a:cs typeface="American Typewriter"/>
-              </a:rPr>
-              <a:t>Also, ¼ absence for ‘mental absence’</a:t>
-            </a:r>
-            <a:endParaRPr lang="en-US" sz="3500" dirty="0" smtClean="0">
-              <a:latin typeface="Garamond" panose="02020404030301010803" pitchFamily="18" charset="0"/>
-              <a:cs typeface="American Typewriter"/>
-            </a:endParaRPr>
-          </a:p>
-        </p:txBody>
-      </p:sp>
-      <p:sp>
-        <p:nvSpPr>
-          <p:cNvPr id="5" name="Title 1"/>
-          <p:cNvSpPr>
-            <a:spLocks noGrp="1"/>
-          </p:cNvSpPr>
-          <p:nvPr>
-            <p:ph type="title"/>
-          </p:nvPr>
-        </p:nvSpPr>
-        <p:spPr>
-          <a:xfrm>
-            <a:off x="946404" y="365760"/>
-            <a:ext cx="7269480" cy="811530"/>
-          </a:xfrm>
-        </p:spPr>
-        <p:txBody>
-          <a:bodyPr>
-            <a:normAutofit/>
-          </a:bodyPr>
-          <a:lstStyle/>
-          <a:p>
-            <a:r>
-              <a:rPr lang="en-US" sz="4400" dirty="0" smtClean="0">
-                <a:latin typeface="Garamond" panose="02020404030301010803" pitchFamily="18" charset="0"/>
-                <a:cs typeface="American Typewriter"/>
-              </a:rPr>
-              <a:t>Course Policies, Attendance</a:t>
-            </a:r>
-            <a:endParaRPr lang="en-US" sz="4400" dirty="0">
-              <a:latin typeface="Garamond" panose="02020404030301010803" pitchFamily="18" charset="0"/>
-              <a:cs typeface="American Typewriter"/>
-            </a:endParaRPr>
-          </a:p>
-        </p:txBody>
-      </p:sp>
-    </p:spTree>
-    <p:extLst>
-      <p:ext uri="{BB962C8B-B14F-4D97-AF65-F5344CB8AC3E}">
-        <p14:creationId xmlns:p14="http://schemas.microsoft.com/office/powerpoint/2010/main" val="329361108"/>
-      </p:ext>
-    </p:extLst>
-  </p:cSld>
-  <p:clrMapOvr>
-    <a:masterClrMapping/>
-  </p:clrMapOvr>
-  <p:timing>
-    <p:tnLst>
-      <p:par>
-        <p:cTn id="1" dur="indefinite" restart="never" nodeType="tmRoot">
-          <p:childTnLst>
-            <p:seq concurrent="1" nextAc="seek">
-              <p:cTn id="2" dur="indefinite" nodeType="mainSeq">
-                <p:childTnLst>
-                  <p:par>
-                    <p:cTn id="3" fill="hold">
-                      <p:stCondLst>
-                        <p:cond delay="indefinite"/>
-                        <p:cond evt="onBegin" delay="0">
-                          <p:tn val="2"/>
-                        </p:cond>
-                      </p:stCondLst>
-                      <p:childTnLst>
-                        <p:par>
-                          <p:cTn id="4" fill="hold">
-                            <p:stCondLst>
-                              <p:cond delay="0"/>
-                            </p:stCondLst>
-                            <p:childTnLst>
-                              <p:par>
-                                <p:cTn id="5" presetID="1" presetClass="entr" presetSubtype="0" fill="hold" grpId="0" nodeType="withEffect">
-                                  <p:stCondLst>
-                                    <p:cond delay="0"/>
-                                  </p:stCondLst>
-                                  <p:childTnLst>
-                                    <p:set>
-                                      <p:cBhvr>
-                                        <p:cTn id="6" dur="1" fill="hold">
-                                          <p:stCondLst>
-                                            <p:cond delay="0"/>
-                                          </p:stCondLst>
-                                        </p:cTn>
-                                        <p:tgtEl>
-                                          <p:spTgt spid="5"/>
-                                        </p:tgtEl>
-                                        <p:attrNameLst>
-                                          <p:attrName>style.visibility</p:attrName>
-                                        </p:attrNameLst>
-                                      </p:cBhvr>
-                                      <p:to>
-                                        <p:strVal val="visible"/>
-                                      </p:to>
-                                    </p:set>
-                                  </p:childTnLst>
-                                </p:cTn>
-                              </p:par>
-                            </p:childTnLst>
-                          </p:cTn>
-                        </p:par>
-                      </p:childTnLst>
-                    </p:cTn>
-                  </p:par>
-                  <p:par>
-                    <p:cTn id="7" fill="hold">
-                      <p:stCondLst>
-                        <p:cond delay="indefinite"/>
-                      </p:stCondLst>
-                      <p:childTnLst>
-                        <p:par>
-                          <p:cTn id="8" fill="hold">
-                            <p:stCondLst>
-                              <p:cond delay="0"/>
-                            </p:stCondLst>
-                            <p:childTnLst>
-                              <p:par>
-                                <p:cTn id="9" presetID="1" presetClass="entr" presetSubtype="0" fill="hold" grpId="0" nodeType="clickEffect">
-                                  <p:stCondLst>
-                                    <p:cond delay="0"/>
-                                  </p:stCondLst>
-                                  <p:childTnLst>
-                                    <p:set>
-                                      <p:cBhvr>
-                                        <p:cTn id="10" dur="1" fill="hold">
-                                          <p:stCondLst>
-                                            <p:cond delay="0"/>
-                                          </p:stCondLst>
-                                        </p:cTn>
-                                        <p:tgtEl>
-                                          <p:spTgt spid="3">
-                                            <p:txEl>
-                                              <p:pRg st="0" end="0"/>
-                                            </p:txEl>
-                                          </p:spTgt>
-                                        </p:tgtEl>
-                                        <p:attrNameLst>
-                                          <p:attrName>style.visibility</p:attrName>
-                                        </p:attrNameLst>
-                                      </p:cBhvr>
-                                      <p:to>
-                                        <p:strVal val="visible"/>
-                                      </p:to>
-                                    </p:set>
-                                  </p:childTnLst>
-                                </p:cTn>
-                              </p:par>
-                            </p:childTnLst>
-                          </p:cTn>
-                        </p:par>
-                      </p:childTnLst>
-                    </p:cTn>
-                  </p:par>
-                  <p:par>
-                    <p:cTn id="11" fill="hold">
-                      <p:stCondLst>
-                        <p:cond delay="indefinite"/>
-                      </p:stCondLst>
-                      <p:childTnLst>
-                        <p:par>
-                          <p:cTn id="12" fill="hold">
-                            <p:stCondLst>
-                              <p:cond delay="0"/>
-                            </p:stCondLst>
-                            <p:childTnLst>
-                              <p:par>
-                                <p:cTn id="13" presetID="1" presetClass="entr" presetSubtype="0" fill="hold" grpId="0" nodeType="clickEffect">
-                                  <p:stCondLst>
-                                    <p:cond delay="0"/>
-                                  </p:stCondLst>
-                                  <p:childTnLst>
-                                    <p:set>
-                                      <p:cBhvr>
-                                        <p:cTn id="14" dur="1" fill="hold">
-                                          <p:stCondLst>
-                                            <p:cond delay="0"/>
-                                          </p:stCondLst>
-                                        </p:cTn>
-                                        <p:tgtEl>
-                                          <p:spTgt spid="3">
-                                            <p:txEl>
-                                              <p:pRg st="1" end="1"/>
-                                            </p:txEl>
-                                          </p:spTgt>
-                                        </p:tgtEl>
-                                        <p:attrNameLst>
-                                          <p:attrName>style.visibility</p:attrName>
-                                        </p:attrNameLst>
-                                      </p:cBhvr>
-                                      <p:to>
-                                        <p:strVal val="visible"/>
-                                      </p:to>
-                                    </p:set>
-                                  </p:childTnLst>
-                                </p:cTn>
-                              </p:par>
-                            </p:childTnLst>
-                          </p:cTn>
-                        </p:par>
-                      </p:childTnLst>
-                    </p:cTn>
-                  </p:par>
-                  <p:par>
-                    <p:cTn id="15" fill="hold">
-                      <p:stCondLst>
-                        <p:cond delay="indefinite"/>
-                      </p:stCondLst>
-                      <p:childTnLst>
-                        <p:par>
-                          <p:cTn id="16" fill="hold">
-                            <p:stCondLst>
-                              <p:cond delay="0"/>
-                            </p:stCondLst>
-                            <p:childTnLst>
-                              <p:par>
-                                <p:cTn id="17" presetID="1" presetClass="entr" presetSubtype="0" fill="hold" grpId="0" nodeType="clickEffect">
-                                  <p:stCondLst>
-                                    <p:cond delay="0"/>
-                                  </p:stCondLst>
-                                  <p:childTnLst>
-                                    <p:set>
-                                      <p:cBhvr>
-                                        <p:cTn id="18" dur="1" fill="hold">
-                                          <p:stCondLst>
-                                            <p:cond delay="0"/>
-                                          </p:stCondLst>
-                                        </p:cTn>
-                                        <p:tgtEl>
-                                          <p:spTgt spid="3">
-                                            <p:txEl>
-                                              <p:pRg st="2" end="2"/>
-                                            </p:txEl>
-                                          </p:spTgt>
-                                        </p:tgtEl>
-                                        <p:attrNameLst>
-                                          <p:attrName>style.visibility</p:attrName>
-                                        </p:attrNameLst>
-                                      </p:cBhvr>
-                                      <p:to>
-                                        <p:strVal val="visible"/>
-                                      </p:to>
-                                    </p:set>
-                                  </p:childTnLst>
-                                </p:cTn>
-                              </p:par>
-                            </p:childTnLst>
-                          </p:cTn>
-                        </p:par>
-                      </p:childTnLst>
-                    </p:cTn>
-                  </p:par>
-                  <p:par>
-                    <p:cTn id="19" fill="hold">
-                      <p:stCondLst>
-                        <p:cond delay="indefinite"/>
-                      </p:stCondLst>
-                      <p:childTnLst>
-                        <p:par>
-                          <p:cTn id="20" fill="hold">
-                            <p:stCondLst>
-                              <p:cond delay="0"/>
-                            </p:stCondLst>
-                            <p:childTnLst>
-                              <p:par>
-                                <p:cTn id="21" presetID="1" presetClass="entr" presetSubtype="0" fill="hold" grpId="0" nodeType="clickEffect">
-                                  <p:stCondLst>
-                                    <p:cond delay="0"/>
-                                  </p:stCondLst>
-                                  <p:childTnLst>
-                                    <p:set>
-                                      <p:cBhvr>
-                                        <p:cTn id="22" dur="1" fill="hold">
-                                          <p:stCondLst>
-                                            <p:cond delay="0"/>
-                                          </p:stCondLst>
-                                        </p:cTn>
-                                        <p:tgtEl>
-                                          <p:spTgt spid="3">
-                                            <p:txEl>
-                                              <p:pRg st="3" end="3"/>
-                                            </p:txEl>
-                                          </p:spTgt>
-                                        </p:tgtEl>
-                                        <p:attrNameLst>
-                                          <p:attrName>style.visibility</p:attrName>
-                                        </p:attrNameLst>
-                                      </p:cBhvr>
-                                      <p:to>
-                                        <p:strVal val="visible"/>
-                                      </p:to>
-                                    </p:set>
-                                  </p:childTnLst>
-                                </p:cTn>
-                              </p:par>
-                            </p:childTnLst>
-                          </p:cTn>
-                        </p:par>
-                      </p:childTnLst>
-                    </p:cTn>
-                  </p:par>
-                  <p:par>
-                    <p:cTn id="23" fill="hold">
-                      <p:stCondLst>
-                        <p:cond delay="indefinite"/>
-                      </p:stCondLst>
-                      <p:childTnLst>
-                        <p:par>
-                          <p:cTn id="24" fill="hold">
-                            <p:stCondLst>
-                              <p:cond delay="0"/>
-                            </p:stCondLst>
-                            <p:childTnLst>
-                              <p:par>
-                                <p:cTn id="25" presetID="1" presetClass="entr" presetSubtype="0" fill="hold" grpId="0" nodeType="clickEffect">
-                                  <p:stCondLst>
-                                    <p:cond delay="0"/>
-                                  </p:stCondLst>
-                                  <p:childTnLst>
-                                    <p:set>
-                                      <p:cBhvr>
-                                        <p:cTn id="26" dur="1" fill="hold">
-                                          <p:stCondLst>
-                                            <p:cond delay="0"/>
-                                          </p:stCondLst>
-                                        </p:cTn>
-                                        <p:tgtEl>
-                                          <p:spTgt spid="3">
-                                            <p:txEl>
-                                              <p:pRg st="4" end="4"/>
-                                            </p:txEl>
-                                          </p:spTgt>
-                                        </p:tgtEl>
-                                        <p:attrNameLst>
-                                          <p:attrName>style.visibility</p:attrName>
-                                        </p:attrNameLst>
-                                      </p:cBhvr>
-                                      <p:to>
-                                        <p:strVal val="visible"/>
-                                      </p:to>
-                                    </p:set>
-                                  </p:childTnLst>
-                                </p:cTn>
-                              </p:par>
-                            </p:childTnLst>
-                          </p:cTn>
-                        </p:par>
-                      </p:childTnLst>
-                    </p:cTn>
-                  </p:par>
-                </p:childTnLst>
-              </p:cTn>
-              <p:prevCondLst>
-                <p:cond evt="onPrev" delay="0">
-                  <p:tgtEl>
-                    <p:sldTgt/>
-                  </p:tgtEl>
-                </p:cond>
-              </p:prevCondLst>
-              <p:nextCondLst>
-                <p:cond evt="onNext" delay="0">
-                  <p:tgtEl>
-                    <p:sldTgt/>
-                  </p:tgtEl>
-                </p:cond>
-              </p:nextCondLst>
-            </p:seq>
-          </p:childTnLst>
-        </p:cTn>
-      </p:par>
-    </p:tnLst>
-    <p:bldLst>
-      <p:bldP spid="3" grpId="0" uiExpand="1" build="p"/>
-      <p:bldP spid="5" grpId="0"/>
-    </p:bldLst>
-  </p:timing>
-</p:sld>
-</file>
-
-<file path=ppt/slides/slide7.xml><?xml version="1.0" encoding="utf-8"?>
-<p:sld xmlns:a="http://schemas.openxmlformats.org/drawingml/2006/main" xmlns:r="http://schemas.openxmlformats.org/officeDocument/2006/relationships" xmlns:p="http://schemas.openxmlformats.org/presentationml/2006/main">
-  <p:cSld>
-    <p:spTree>
-      <p:nvGrpSpPr>
-        <p:cNvPr id="1" name=""/>
-        <p:cNvGrpSpPr/>
-        <p:nvPr/>
-      </p:nvGrpSpPr>
-      <p:grpSpPr>
-        <a:xfrm>
-          <a:off x="0" y="0"/>
-          <a:ext cx="0" cy="0"/>
-          <a:chOff x="0" y="0"/>
-          <a:chExt cx="0" cy="0"/>
-        </a:xfrm>
-      </p:grpSpPr>
-      <p:sp>
-        <p:nvSpPr>
-          <p:cNvPr id="3" name="Content Placeholder 2"/>
-          <p:cNvSpPr>
-            <a:spLocks noGrp="1"/>
-          </p:cNvSpPr>
-          <p:nvPr>
-            <p:ph idx="1"/>
-          </p:nvPr>
-        </p:nvSpPr>
-        <p:spPr>
-          <a:xfrm>
-            <a:off x="549275" y="1527644"/>
-            <a:ext cx="7897496" cy="5590926"/>
-          </a:xfrm>
-        </p:spPr>
-        <p:txBody>
-          <a:bodyPr>
-            <a:normAutofit/>
-          </a:bodyPr>
-          <a:lstStyle/>
-          <a:p>
-            <a:pPr>
-              <a:buFontTx/>
-              <a:buChar char="•"/>
-            </a:pPr>
-            <a:r>
-              <a:rPr lang="en-US" sz="3500" dirty="0" smtClean="0">
-                <a:latin typeface="Garamond" panose="02020404030301010803" pitchFamily="18" charset="0"/>
-                <a:cs typeface="American Typewriter"/>
-              </a:rPr>
-              <a:t>On </a:t>
-            </a:r>
-            <a:r>
-              <a:rPr lang="en-US" sz="3500" dirty="0" smtClean="0">
-                <a:latin typeface="Garamond" panose="02020404030301010803" pitchFamily="18" charset="0"/>
-                <a:cs typeface="American Typewriter"/>
-              </a:rPr>
-              <a:t>those occasions in which you are absent, </a:t>
-            </a:r>
-            <a:r>
-              <a:rPr lang="en-US" sz="3500" b="1" i="1" dirty="0" smtClean="0">
-                <a:latin typeface="Garamond" panose="02020404030301010803" pitchFamily="18" charset="0"/>
-                <a:cs typeface="American Typewriter"/>
-              </a:rPr>
-              <a:t>you are responsible</a:t>
-            </a:r>
-            <a:r>
-              <a:rPr lang="en-US" sz="3500" dirty="0" smtClean="0">
-                <a:latin typeface="Garamond" panose="02020404030301010803" pitchFamily="18" charset="0"/>
-                <a:cs typeface="American Typewriter"/>
-              </a:rPr>
-              <a:t> for catching up.</a:t>
-            </a:r>
-          </a:p>
-          <a:p>
-            <a:pPr lvl="1">
-              <a:buFontTx/>
-              <a:buChar char="•"/>
-            </a:pPr>
-            <a:r>
-              <a:rPr lang="en-US" sz="3300" dirty="0" smtClean="0">
-                <a:latin typeface="Garamond" panose="02020404030301010803" pitchFamily="18" charset="0"/>
-                <a:cs typeface="American Typewriter"/>
-              </a:rPr>
-              <a:t>You </a:t>
-            </a:r>
-            <a:r>
-              <a:rPr lang="en-US" sz="3300" dirty="0" smtClean="0">
-                <a:latin typeface="Garamond" panose="02020404030301010803" pitchFamily="18" charset="0"/>
-                <a:cs typeface="American Typewriter"/>
-              </a:rPr>
-              <a:t>should </a:t>
-            </a:r>
-            <a:r>
-              <a:rPr lang="en-US" sz="3300" dirty="0" smtClean="0">
-                <a:latin typeface="Garamond" panose="02020404030301010803" pitchFamily="18" charset="0"/>
-                <a:cs typeface="American Typewriter"/>
-              </a:rPr>
-              <a:t>get </a:t>
-            </a:r>
-            <a:r>
-              <a:rPr lang="en-US" sz="3300" dirty="0" smtClean="0">
-                <a:latin typeface="Garamond" panose="02020404030301010803" pitchFamily="18" charset="0"/>
-                <a:cs typeface="American Typewriter"/>
-              </a:rPr>
-              <a:t>in touch with the </a:t>
-            </a:r>
-            <a:r>
-              <a:rPr lang="en-US" sz="3300" dirty="0" smtClean="0">
-                <a:latin typeface="Garamond" panose="02020404030301010803" pitchFamily="18" charset="0"/>
-                <a:cs typeface="American Typewriter"/>
-              </a:rPr>
-              <a:t>person whose contact info </a:t>
-            </a:r>
-            <a:r>
-              <a:rPr lang="en-US" sz="3300" dirty="0" smtClean="0">
-                <a:latin typeface="Garamond" panose="02020404030301010803" pitchFamily="18" charset="0"/>
-                <a:cs typeface="American Typewriter"/>
-              </a:rPr>
-              <a:t>you just </a:t>
-            </a:r>
-            <a:r>
-              <a:rPr lang="en-US" sz="3300" dirty="0" smtClean="0">
-                <a:latin typeface="Garamond" panose="02020404030301010803" pitchFamily="18" charset="0"/>
-                <a:cs typeface="American Typewriter"/>
-              </a:rPr>
-              <a:t>received</a:t>
-            </a:r>
-          </a:p>
-          <a:p>
-            <a:pPr>
-              <a:buFontTx/>
-              <a:buChar char="•"/>
-            </a:pPr>
-            <a:endParaRPr lang="en-US" sz="3500" dirty="0" smtClean="0">
-              <a:latin typeface="Garamond" panose="02020404030301010803" pitchFamily="18" charset="0"/>
-              <a:cs typeface="American Typewriter"/>
-            </a:endParaRPr>
-          </a:p>
-        </p:txBody>
-      </p:sp>
-      <p:sp>
-        <p:nvSpPr>
-          <p:cNvPr id="5" name="Title 1"/>
-          <p:cNvSpPr>
-            <a:spLocks noGrp="1"/>
-          </p:cNvSpPr>
-          <p:nvPr>
-            <p:ph type="title"/>
-          </p:nvPr>
-        </p:nvSpPr>
-        <p:spPr>
-          <a:xfrm>
-            <a:off x="946404" y="365760"/>
-            <a:ext cx="7269480" cy="811530"/>
-          </a:xfrm>
-        </p:spPr>
-        <p:txBody>
-          <a:bodyPr>
-            <a:normAutofit/>
-          </a:bodyPr>
-          <a:lstStyle/>
-          <a:p>
-            <a:r>
-              <a:rPr lang="en-US" sz="4400" dirty="0" smtClean="0">
-                <a:latin typeface="Garamond" panose="02020404030301010803" pitchFamily="18" charset="0"/>
-                <a:cs typeface="American Typewriter"/>
-              </a:rPr>
-              <a:t>Course Policies, Attendance</a:t>
-            </a:r>
-            <a:endParaRPr lang="en-US" sz="4400" dirty="0">
-              <a:latin typeface="Garamond" panose="02020404030301010803" pitchFamily="18" charset="0"/>
-              <a:cs typeface="American Typewriter"/>
-            </a:endParaRPr>
-          </a:p>
-        </p:txBody>
-      </p:sp>
-    </p:spTree>
-    <p:extLst>
-      <p:ext uri="{BB962C8B-B14F-4D97-AF65-F5344CB8AC3E}">
-        <p14:creationId xmlns:p14="http://schemas.microsoft.com/office/powerpoint/2010/main" val="1557872678"/>
-      </p:ext>
-    </p:extLst>
-  </p:cSld>
-  <p:clrMapOvr>
-    <a:masterClrMapping/>
-  </p:clrMapOvr>
-  <p:timing>
-    <p:tnLst>
-      <p:par>
-        <p:cTn id="1" dur="indefinite" restart="never" nodeType="tmRoot">
-          <p:childTnLst>
-            <p:seq concurrent="1" nextAc="seek">
-              <p:cTn id="2" dur="indefinite" nodeType="mainSeq">
-                <p:childTnLst>
-                  <p:par>
-                    <p:cTn id="3" fill="hold">
-                      <p:stCondLst>
-                        <p:cond delay="indefinite"/>
-                        <p:cond evt="onBegin" delay="0">
-                          <p:tn val="2"/>
-                        </p:cond>
-                      </p:stCondLst>
-                      <p:childTnLst>
-                        <p:par>
-                          <p:cTn id="4" fill="hold">
-                            <p:stCondLst>
-                              <p:cond delay="0"/>
-                            </p:stCondLst>
-                            <p:childTnLst>
-                              <p:par>
-                                <p:cTn id="5" presetID="1" presetClass="entr" presetSubtype="0" fill="hold" grpId="0" nodeType="withEffect">
-                                  <p:stCondLst>
-                                    <p:cond delay="0"/>
-                                  </p:stCondLst>
-                                  <p:childTnLst>
-                                    <p:set>
-                                      <p:cBhvr>
-                                        <p:cTn id="6" dur="1" fill="hold">
-                                          <p:stCondLst>
-                                            <p:cond delay="0"/>
-                                          </p:stCondLst>
-                                        </p:cTn>
-                                        <p:tgtEl>
-                                          <p:spTgt spid="5"/>
-                                        </p:tgtEl>
-                                        <p:attrNameLst>
-                                          <p:attrName>style.visibility</p:attrName>
-                                        </p:attrNameLst>
-                                      </p:cBhvr>
-                                      <p:to>
-                                        <p:strVal val="visible"/>
-                                      </p:to>
-                                    </p:set>
-                                  </p:childTnLst>
-                                </p:cTn>
-                              </p:par>
-                            </p:childTnLst>
-                          </p:cTn>
-                        </p:par>
-                      </p:childTnLst>
-                    </p:cTn>
-                  </p:par>
-                  <p:par>
-                    <p:cTn id="7" fill="hold">
-                      <p:stCondLst>
-                        <p:cond delay="indefinite"/>
-                      </p:stCondLst>
-                      <p:childTnLst>
-                        <p:par>
-                          <p:cTn id="8" fill="hold">
-                            <p:stCondLst>
-                              <p:cond delay="0"/>
-                            </p:stCondLst>
-                            <p:childTnLst>
-                              <p:par>
-                                <p:cTn id="9" presetID="1" presetClass="entr" presetSubtype="0" fill="hold" grpId="0" nodeType="clickEffect">
-                                  <p:stCondLst>
-                                    <p:cond delay="0"/>
-                                  </p:stCondLst>
-                                  <p:childTnLst>
-                                    <p:set>
-                                      <p:cBhvr>
-                                        <p:cTn id="10" dur="1" fill="hold">
-                                          <p:stCondLst>
-                                            <p:cond delay="0"/>
-                                          </p:stCondLst>
-                                        </p:cTn>
-                                        <p:tgtEl>
-                                          <p:spTgt spid="3">
-                                            <p:txEl>
-                                              <p:pRg st="0" end="0"/>
-                                            </p:txEl>
-                                          </p:spTgt>
-                                        </p:tgtEl>
-                                        <p:attrNameLst>
-                                          <p:attrName>style.visibility</p:attrName>
-                                        </p:attrNameLst>
-                                      </p:cBhvr>
-                                      <p:to>
-                                        <p:strVal val="visible"/>
-                                      </p:to>
-                                    </p:set>
-                                  </p:childTnLst>
-                                </p:cTn>
-                              </p:par>
-                            </p:childTnLst>
-                          </p:cTn>
-                        </p:par>
-                      </p:childTnLst>
-                    </p:cTn>
-                  </p:par>
-                  <p:par>
-                    <p:cTn id="11" fill="hold">
-                      <p:stCondLst>
-                        <p:cond delay="indefinite"/>
-                      </p:stCondLst>
-                      <p:childTnLst>
-                        <p:par>
-                          <p:cTn id="12" fill="hold">
-                            <p:stCondLst>
-                              <p:cond delay="0"/>
-                            </p:stCondLst>
-                            <p:childTnLst>
-                              <p:par>
-                                <p:cTn id="13" presetID="1" presetClass="entr" presetSubtype="0" fill="hold" grpId="0" nodeType="clickEffect">
-                                  <p:stCondLst>
-                                    <p:cond delay="0"/>
-                                  </p:stCondLst>
-                                  <p:childTnLst>
-                                    <p:set>
-                                      <p:cBhvr>
-                                        <p:cTn id="14" dur="1" fill="hold">
-                                          <p:stCondLst>
-                                            <p:cond delay="0"/>
-                                          </p:stCondLst>
-                                        </p:cTn>
-                                        <p:tgtEl>
-                                          <p:spTgt spid="3">
-                                            <p:txEl>
-                                              <p:pRg st="1" end="1"/>
-                                            </p:txEl>
-                                          </p:spTgt>
-                                        </p:tgtEl>
-                                        <p:attrNameLst>
-                                          <p:attrName>style.visibility</p:attrName>
-                                        </p:attrNameLst>
-                                      </p:cBhvr>
-                                      <p:to>
-                                        <p:strVal val="visible"/>
-                                      </p:to>
-                                    </p:set>
-                                  </p:childTnLst>
-                                </p:cTn>
-                              </p:par>
-                            </p:childTnLst>
-                          </p:cTn>
-                        </p:par>
-                      </p:childTnLst>
-                    </p:cTn>
-                  </p:par>
-                </p:childTnLst>
-              </p:cTn>
-              <p:prevCondLst>
-                <p:cond evt="onPrev" delay="0">
-                  <p:tgtEl>
-                    <p:sldTgt/>
-                  </p:tgtEl>
-                </p:cond>
-              </p:prevCondLst>
-              <p:nextCondLst>
-                <p:cond evt="onNext" delay="0">
-                  <p:tgtEl>
-                    <p:sldTgt/>
-                  </p:tgtEl>
-                </p:cond>
-              </p:nextCondLst>
-            </p:seq>
-          </p:childTnLst>
-        </p:cTn>
-      </p:par>
-    </p:tnLst>
-    <p:bldLst>
-      <p:bldP spid="3" grpId="0" build="p"/>
-      <p:bldP spid="5" grpId="0"/>
-    </p:bldLst>
-  </p:timing>
-</p:sld>
-</file>
-
-<file path=ppt/slides/slide8.xml><?xml version="1.0" encoding="utf-8"?>
-<p:sld xmlns:a="http://schemas.openxmlformats.org/drawingml/2006/main" xmlns:r="http://schemas.openxmlformats.org/officeDocument/2006/relationships" xmlns:p="http://schemas.openxmlformats.org/presentationml/2006/main">
-  <p:cSld>
-    <p:spTree>
-      <p:nvGrpSpPr>
-        <p:cNvPr id="1" name=""/>
-        <p:cNvGrpSpPr/>
-        <p:nvPr/>
-      </p:nvGrpSpPr>
-      <p:grpSpPr>
-        <a:xfrm>
-          <a:off x="0" y="0"/>
-          <a:ext cx="0" cy="0"/>
-          <a:chOff x="0" y="0"/>
-          <a:chExt cx="0" cy="0"/>
-        </a:xfrm>
-      </p:grpSpPr>
-      <p:sp>
-        <p:nvSpPr>
-          <p:cNvPr id="3" name="Content Placeholder 2"/>
-          <p:cNvSpPr>
-            <a:spLocks noGrp="1"/>
-          </p:cNvSpPr>
-          <p:nvPr>
-            <p:ph idx="1"/>
-          </p:nvPr>
-        </p:nvSpPr>
-        <p:spPr>
-          <a:xfrm>
-            <a:off x="549275" y="1527644"/>
-            <a:ext cx="7897496" cy="5590926"/>
-          </a:xfrm>
-        </p:spPr>
-        <p:txBody>
-          <a:bodyPr>
-            <a:normAutofit lnSpcReduction="10000"/>
-          </a:bodyPr>
-          <a:lstStyle/>
-          <a:p>
-            <a:pPr>
-              <a:buFontTx/>
-              <a:buChar char="•"/>
-            </a:pPr>
-            <a:r>
-              <a:rPr lang="en-US" sz="3500" dirty="0" smtClean="0">
-                <a:latin typeface="Garamond" panose="02020404030301010803" pitchFamily="18" charset="0"/>
-                <a:cs typeface="American Typewriter"/>
-              </a:rPr>
-              <a:t>Project 1: </a:t>
-            </a:r>
-            <a:r>
-              <a:rPr lang="en-US" sz="3500" dirty="0" smtClean="0">
-                <a:latin typeface="Garamond" panose="02020404030301010803" pitchFamily="18" charset="0"/>
-                <a:cs typeface="American Typewriter"/>
-              </a:rPr>
-              <a:t>50 </a:t>
-            </a:r>
-            <a:r>
-              <a:rPr lang="en-US" sz="3500" dirty="0" smtClean="0">
-                <a:latin typeface="Garamond" panose="02020404030301010803" pitchFamily="18" charset="0"/>
-                <a:cs typeface="American Typewriter"/>
-              </a:rPr>
-              <a:t>point </a:t>
-            </a:r>
-            <a:r>
-              <a:rPr lang="en-US" sz="3500" dirty="0" smtClean="0">
-                <a:latin typeface="Garamond" panose="02020404030301010803" pitchFamily="18" charset="0"/>
-                <a:cs typeface="American Typewriter"/>
-              </a:rPr>
-              <a:t>paper</a:t>
-            </a:r>
-          </a:p>
-          <a:p>
-            <a:pPr lvl="1">
-              <a:buFontTx/>
-              <a:buChar char="•"/>
-            </a:pPr>
-            <a:r>
-              <a:rPr lang="en-US" sz="3300" dirty="0" smtClean="0">
-                <a:latin typeface="Garamond" panose="02020404030301010803" pitchFamily="18" charset="0"/>
-                <a:cs typeface="American Typewriter"/>
-              </a:rPr>
-              <a:t>Total: 50</a:t>
-            </a:r>
-            <a:endParaRPr lang="en-US" sz="3300" dirty="0" smtClean="0">
-              <a:latin typeface="Garamond" panose="02020404030301010803" pitchFamily="18" charset="0"/>
-              <a:cs typeface="American Typewriter"/>
-            </a:endParaRPr>
-          </a:p>
-          <a:p>
-            <a:pPr>
-              <a:buFontTx/>
-              <a:buChar char="•"/>
-            </a:pPr>
-            <a:r>
-              <a:rPr lang="en-US" sz="3500" dirty="0" smtClean="0">
-                <a:latin typeface="Garamond" panose="02020404030301010803" pitchFamily="18" charset="0"/>
-                <a:cs typeface="American Typewriter"/>
-              </a:rPr>
-              <a:t>Project 2: </a:t>
-            </a:r>
-            <a:r>
-              <a:rPr lang="en-US" sz="3500" dirty="0" smtClean="0">
-                <a:latin typeface="Garamond" panose="02020404030301010803" pitchFamily="18" charset="0"/>
-                <a:cs typeface="American Typewriter"/>
-              </a:rPr>
-              <a:t>100</a:t>
-            </a:r>
-            <a:r>
-              <a:rPr lang="en-US" sz="3500" dirty="0" smtClean="0">
-                <a:latin typeface="Garamond" panose="02020404030301010803" pitchFamily="18" charset="0"/>
-                <a:cs typeface="American Typewriter"/>
-              </a:rPr>
-              <a:t> </a:t>
-            </a:r>
-            <a:r>
-              <a:rPr lang="en-US" sz="3500" dirty="0" smtClean="0">
-                <a:latin typeface="Garamond" panose="02020404030301010803" pitchFamily="18" charset="0"/>
-                <a:cs typeface="American Typewriter"/>
-              </a:rPr>
-              <a:t>point </a:t>
-            </a:r>
-            <a:r>
-              <a:rPr lang="en-US" sz="3500" dirty="0" smtClean="0">
-                <a:latin typeface="Garamond" panose="02020404030301010803" pitchFamily="18" charset="0"/>
-                <a:cs typeface="American Typewriter"/>
-              </a:rPr>
-              <a:t>paper, 10 points for rough draft</a:t>
-            </a:r>
-          </a:p>
-          <a:p>
-            <a:pPr lvl="1">
-              <a:buFontTx/>
-              <a:buChar char="•"/>
-            </a:pPr>
-            <a:r>
-              <a:rPr lang="en-US" sz="3300" dirty="0" smtClean="0">
-                <a:latin typeface="Garamond" panose="02020404030301010803" pitchFamily="18" charset="0"/>
-                <a:cs typeface="American Typewriter"/>
-              </a:rPr>
-              <a:t>Total: 110</a:t>
-            </a:r>
-            <a:endParaRPr lang="en-US" sz="3300" dirty="0" smtClean="0">
-              <a:latin typeface="Garamond" panose="02020404030301010803" pitchFamily="18" charset="0"/>
-              <a:cs typeface="American Typewriter"/>
-            </a:endParaRPr>
-          </a:p>
-          <a:p>
-            <a:pPr>
-              <a:buFontTx/>
-              <a:buChar char="•"/>
-            </a:pPr>
-            <a:r>
-              <a:rPr lang="en-US" sz="3500" dirty="0" smtClean="0">
-                <a:latin typeface="Garamond" panose="02020404030301010803" pitchFamily="18" charset="0"/>
-                <a:cs typeface="American Typewriter"/>
-              </a:rPr>
-              <a:t>Project </a:t>
-            </a:r>
-            <a:r>
-              <a:rPr lang="en-US" sz="3500" dirty="0" smtClean="0">
-                <a:latin typeface="Garamond" panose="02020404030301010803" pitchFamily="18" charset="0"/>
-                <a:cs typeface="American Typewriter"/>
-              </a:rPr>
-              <a:t>3: </a:t>
-            </a:r>
-            <a:r>
-              <a:rPr lang="en-US" sz="3500" dirty="0" smtClean="0">
-                <a:latin typeface="Garamond" panose="02020404030301010803" pitchFamily="18" charset="0"/>
-                <a:cs typeface="American Typewriter"/>
-              </a:rPr>
-              <a:t>100</a:t>
-            </a:r>
-            <a:r>
-              <a:rPr lang="en-US" sz="3500" dirty="0" smtClean="0">
-                <a:latin typeface="Garamond" panose="02020404030301010803" pitchFamily="18" charset="0"/>
-                <a:cs typeface="American Typewriter"/>
-              </a:rPr>
-              <a:t> </a:t>
-            </a:r>
-            <a:r>
-              <a:rPr lang="en-US" sz="3500" dirty="0" smtClean="0">
-                <a:latin typeface="Garamond" panose="02020404030301010803" pitchFamily="18" charset="0"/>
-                <a:cs typeface="American Typewriter"/>
-              </a:rPr>
-              <a:t>point paper, </a:t>
-            </a:r>
-            <a:r>
-              <a:rPr lang="en-US" sz="3500" dirty="0">
-                <a:latin typeface="Garamond" panose="02020404030301010803" pitchFamily="18" charset="0"/>
-                <a:cs typeface="American Typewriter"/>
-              </a:rPr>
-              <a:t>5</a:t>
-            </a:r>
-            <a:r>
-              <a:rPr lang="en-US" sz="3500" dirty="0" smtClean="0">
-                <a:latin typeface="Garamond" panose="02020404030301010803" pitchFamily="18" charset="0"/>
-                <a:cs typeface="American Typewriter"/>
-              </a:rPr>
-              <a:t> </a:t>
-            </a:r>
-            <a:r>
-              <a:rPr lang="en-US" sz="3500" dirty="0" smtClean="0">
-                <a:latin typeface="Garamond" panose="02020404030301010803" pitchFamily="18" charset="0"/>
-                <a:cs typeface="American Typewriter"/>
-              </a:rPr>
-              <a:t>point proposal, and 10 point group </a:t>
-            </a:r>
-            <a:r>
-              <a:rPr lang="en-US" sz="3500" dirty="0" smtClean="0">
-                <a:latin typeface="Garamond" panose="02020404030301010803" pitchFamily="18" charset="0"/>
-                <a:cs typeface="American Typewriter"/>
-              </a:rPr>
-              <a:t>presentation</a:t>
-            </a:r>
-          </a:p>
-          <a:p>
-            <a:pPr lvl="1">
-              <a:buFontTx/>
-              <a:buChar char="•"/>
-            </a:pPr>
-            <a:r>
-              <a:rPr lang="en-US" sz="3100" dirty="0" smtClean="0">
-                <a:latin typeface="Garamond" panose="02020404030301010803" pitchFamily="18" charset="0"/>
-                <a:cs typeface="American Typewriter"/>
-              </a:rPr>
-              <a:t>Total 115</a:t>
-            </a:r>
-          </a:p>
-          <a:p>
-            <a:pPr>
-              <a:buFontTx/>
-              <a:buChar char="•"/>
-            </a:pPr>
-            <a:r>
-              <a:rPr lang="en-US" sz="3300" dirty="0" smtClean="0">
-                <a:latin typeface="Garamond" panose="02020404030301010803" pitchFamily="18" charset="0"/>
-                <a:cs typeface="American Typewriter"/>
-              </a:rPr>
-              <a:t>Total: 275!</a:t>
-            </a:r>
-          </a:p>
-          <a:p>
-            <a:pPr lvl="1">
-              <a:buFontTx/>
-              <a:buChar char="•"/>
-            </a:pPr>
-            <a:r>
-              <a:rPr lang="en-US" sz="3100" dirty="0" smtClean="0">
-                <a:latin typeface="Garamond" panose="02020404030301010803" pitchFamily="18" charset="0"/>
-                <a:cs typeface="American Typewriter"/>
-              </a:rPr>
-              <a:t>Also, periodic homework and quizzes (26 pts)</a:t>
-            </a:r>
-            <a:endParaRPr lang="en-US" sz="3100" dirty="0" smtClean="0">
-              <a:latin typeface="Garamond" panose="02020404030301010803" pitchFamily="18" charset="0"/>
-              <a:cs typeface="American Typewriter"/>
-            </a:endParaRPr>
-          </a:p>
-        </p:txBody>
-      </p:sp>
-      <p:sp>
-        <p:nvSpPr>
-          <p:cNvPr id="5" name="Title 1"/>
-          <p:cNvSpPr>
-            <a:spLocks noGrp="1"/>
-          </p:cNvSpPr>
-          <p:nvPr>
-            <p:ph type="title"/>
-          </p:nvPr>
-        </p:nvSpPr>
-        <p:spPr>
-          <a:xfrm>
-            <a:off x="946404" y="365760"/>
-            <a:ext cx="7269480" cy="811530"/>
-          </a:xfrm>
-        </p:spPr>
-        <p:txBody>
-          <a:bodyPr>
-            <a:normAutofit/>
-          </a:bodyPr>
-          <a:lstStyle/>
-          <a:p>
-            <a:r>
-              <a:rPr lang="en-US" sz="4400" dirty="0" smtClean="0">
-                <a:latin typeface="Garamond" panose="02020404030301010803" pitchFamily="18" charset="0"/>
-                <a:cs typeface="American Typewriter"/>
-              </a:rPr>
-              <a:t>Course Policies, Lab Reports</a:t>
-            </a:r>
-            <a:endParaRPr lang="en-US" sz="4400" dirty="0">
-              <a:latin typeface="Garamond" panose="02020404030301010803" pitchFamily="18" charset="0"/>
-              <a:cs typeface="American Typewriter"/>
-            </a:endParaRPr>
-          </a:p>
-        </p:txBody>
-      </p:sp>
-    </p:spTree>
-    <p:extLst>
-      <p:ext uri="{BB962C8B-B14F-4D97-AF65-F5344CB8AC3E}">
-        <p14:creationId xmlns:p14="http://schemas.microsoft.com/office/powerpoint/2010/main" val="3611436051"/>
+        <p14:creationId xmlns:p14="http://schemas.microsoft.com/office/powerpoint/2010/main" val="3290977367"/>
       </p:ext>
     </p:extLst>
   </p:cSld>
@@ -9507,14 +7077,14 @@
       </p:par>
     </p:tnLst>
     <p:bldLst>
-      <p:bldP spid="3" grpId="0" uiExpand="1" build="p"/>
+      <p:bldP spid="3" grpId="0" build="p"/>
       <p:bldP spid="5" grpId="0"/>
     </p:bldLst>
   </p:timing>
 </p:sld>
 </file>
 
-<file path=ppt/slides/slide9.xml><?xml version="1.0" encoding="utf-8"?>
+<file path=ppt/slides/slide13.xml><?xml version="1.0" encoding="utf-8"?>
 <p:sld xmlns:a="http://schemas.openxmlformats.org/drawingml/2006/main" xmlns:r="http://schemas.openxmlformats.org/officeDocument/2006/relationships" xmlns:p="http://schemas.openxmlformats.org/presentationml/2006/main">
   <p:cSld>
     <p:spTree>
@@ -9898,6 +7468,4895 @@
                                           <p:spTgt spid="3">
                                             <p:txEl>
                                               <p:pRg st="3" end="3"/>
+                                            </p:txEl>
+                                          </p:spTgt>
+                                        </p:tgtEl>
+                                        <p:attrNameLst>
+                                          <p:attrName>style.visibility</p:attrName>
+                                        </p:attrNameLst>
+                                      </p:cBhvr>
+                                      <p:to>
+                                        <p:strVal val="visible"/>
+                                      </p:to>
+                                    </p:set>
+                                  </p:childTnLst>
+                                </p:cTn>
+                              </p:par>
+                            </p:childTnLst>
+                          </p:cTn>
+                        </p:par>
+                      </p:childTnLst>
+                    </p:cTn>
+                  </p:par>
+                </p:childTnLst>
+              </p:cTn>
+              <p:prevCondLst>
+                <p:cond evt="onPrev" delay="0">
+                  <p:tgtEl>
+                    <p:sldTgt/>
+                  </p:tgtEl>
+                </p:cond>
+              </p:prevCondLst>
+              <p:nextCondLst>
+                <p:cond evt="onNext" delay="0">
+                  <p:tgtEl>
+                    <p:sldTgt/>
+                  </p:tgtEl>
+                </p:cond>
+              </p:nextCondLst>
+            </p:seq>
+          </p:childTnLst>
+        </p:cTn>
+      </p:par>
+    </p:tnLst>
+    <p:bldLst>
+      <p:bldP spid="3" grpId="0" uiExpand="1" build="p"/>
+      <p:bldP spid="5" grpId="0"/>
+    </p:bldLst>
+  </p:timing>
+</p:sld>
+</file>
+
+<file path=ppt/slides/slide14.xml><?xml version="1.0" encoding="utf-8"?>
+<p:sld xmlns:a="http://schemas.openxmlformats.org/drawingml/2006/main" xmlns:r="http://schemas.openxmlformats.org/officeDocument/2006/relationships" xmlns:p="http://schemas.openxmlformats.org/presentationml/2006/main">
+  <p:cSld>
+    <p:bg>
+      <p:bgRef idx="1001">
+        <a:schemeClr val="bg1"/>
+      </p:bgRef>
+    </p:bg>
+    <p:spTree>
+      <p:nvGrpSpPr>
+        <p:cNvPr id="1" name=""/>
+        <p:cNvGrpSpPr/>
+        <p:nvPr/>
+      </p:nvGrpSpPr>
+      <p:grpSpPr>
+        <a:xfrm>
+          <a:off x="0" y="0"/>
+          <a:ext cx="0" cy="0"/>
+          <a:chOff x="0" y="0"/>
+          <a:chExt cx="0" cy="0"/>
+        </a:xfrm>
+      </p:grpSpPr>
+      <p:sp>
+        <p:nvSpPr>
+          <p:cNvPr id="5" name="Title 1"/>
+          <p:cNvSpPr>
+            <a:spLocks noGrp="1"/>
+          </p:cNvSpPr>
+          <p:nvPr>
+            <p:ph type="title"/>
+          </p:nvPr>
+        </p:nvSpPr>
+        <p:spPr>
+          <a:xfrm>
+            <a:off x="946404" y="365760"/>
+            <a:ext cx="7269480" cy="811530"/>
+          </a:xfrm>
+        </p:spPr>
+        <p:txBody>
+          <a:bodyPr>
+            <a:normAutofit fontScale="90000"/>
+          </a:bodyPr>
+          <a:lstStyle/>
+          <a:p>
+            <a:r>
+              <a:rPr lang="en-US" sz="3900" dirty="0" smtClean="0">
+                <a:latin typeface="Garamond" panose="02020404030301010803" pitchFamily="18" charset="0"/>
+                <a:cs typeface="American Typewriter"/>
+              </a:rPr>
+              <a:t>Course Policies, Academic Dishonesty</a:t>
+            </a:r>
+            <a:endParaRPr lang="en-US" sz="3900" dirty="0">
+              <a:latin typeface="Garamond" panose="02020404030301010803" pitchFamily="18" charset="0"/>
+              <a:cs typeface="American Typewriter"/>
+            </a:endParaRPr>
+          </a:p>
+        </p:txBody>
+      </p:sp>
+      <p:sp>
+        <p:nvSpPr>
+          <p:cNvPr id="3" name="Content Placeholder 2"/>
+          <p:cNvSpPr>
+            <a:spLocks noGrp="1"/>
+          </p:cNvSpPr>
+          <p:nvPr>
+            <p:ph idx="1"/>
+          </p:nvPr>
+        </p:nvSpPr>
+        <p:spPr>
+          <a:xfrm>
+            <a:off x="549275" y="1527644"/>
+            <a:ext cx="7897496" cy="5590926"/>
+          </a:xfrm>
+        </p:spPr>
+        <p:txBody>
+          <a:bodyPr>
+            <a:normAutofit/>
+          </a:bodyPr>
+          <a:lstStyle/>
+          <a:p>
+            <a:pPr marL="0" indent="0">
+              <a:buNone/>
+            </a:pPr>
+            <a:r>
+              <a:rPr lang="en-US" sz="3300" dirty="0">
+                <a:latin typeface="Garamond" panose="02020404030301010803" pitchFamily="18" charset="0"/>
+                <a:cs typeface="American Typewriter"/>
+              </a:rPr>
+              <a:t>“Since students are expected to be familiar with the Academic Honesty Policy (CP 5-16) and the commonly accepted standards of academic integrity, ignorance of such standards by itself is not sufficient evidence of lack of </a:t>
+            </a:r>
+            <a:r>
+              <a:rPr lang="en-US" sz="3300" dirty="0" smtClean="0">
+                <a:latin typeface="Garamond" panose="02020404030301010803" pitchFamily="18" charset="0"/>
+                <a:cs typeface="American Typewriter"/>
+              </a:rPr>
+              <a:t>intent</a:t>
+            </a:r>
+            <a:r>
+              <a:rPr lang="en-US" sz="3300" dirty="0" smtClean="0">
+                <a:latin typeface="Garamond" panose="02020404030301010803" pitchFamily="18" charset="0"/>
+                <a:cs typeface="American Typewriter"/>
+              </a:rPr>
+              <a:t>”</a:t>
+            </a:r>
+          </a:p>
+          <a:p>
+            <a:pPr marL="0" indent="0">
+              <a:buNone/>
+            </a:pPr>
+            <a:r>
+              <a:rPr lang="en-US" sz="3300" dirty="0">
+                <a:latin typeface="Garamond" panose="02020404030301010803" pitchFamily="18" charset="0"/>
+                <a:cs typeface="American Typewriter"/>
+              </a:rPr>
+              <a:t> </a:t>
+            </a:r>
+            <a:r>
+              <a:rPr lang="en-US" sz="3300" dirty="0" smtClean="0">
+                <a:latin typeface="Garamond" panose="02020404030301010803" pitchFamily="18" charset="0"/>
+                <a:cs typeface="American Typewriter"/>
+              </a:rPr>
+              <a:t>    -CP, </a:t>
+            </a:r>
+            <a:r>
+              <a:rPr lang="en-US" sz="3300" dirty="0" err="1" smtClean="0">
+                <a:latin typeface="Garamond" panose="02020404030301010803" pitchFamily="18" charset="0"/>
+                <a:cs typeface="American Typewriter"/>
+              </a:rPr>
+              <a:t>pg</a:t>
+            </a:r>
+            <a:r>
+              <a:rPr lang="en-US" sz="3300" dirty="0" smtClean="0">
+                <a:latin typeface="Garamond" panose="02020404030301010803" pitchFamily="18" charset="0"/>
+                <a:cs typeface="American Typewriter"/>
+              </a:rPr>
+              <a:t> 11</a:t>
+            </a:r>
+            <a:endParaRPr lang="en-US" sz="3300" dirty="0" smtClean="0">
+              <a:latin typeface="Garamond" panose="02020404030301010803" pitchFamily="18" charset="0"/>
+              <a:cs typeface="American Typewriter"/>
+            </a:endParaRPr>
+          </a:p>
+        </p:txBody>
+      </p:sp>
+    </p:spTree>
+    <p:extLst>
+      <p:ext uri="{BB962C8B-B14F-4D97-AF65-F5344CB8AC3E}">
+        <p14:creationId xmlns:p14="http://schemas.microsoft.com/office/powerpoint/2010/main" val="2737704138"/>
+      </p:ext>
+    </p:extLst>
+  </p:cSld>
+  <p:clrMapOvr>
+    <a:overrideClrMapping bg1="lt1" tx1="dk1" bg2="lt2" tx2="dk2" accent1="accent1" accent2="accent2" accent3="accent3" accent4="accent4" accent5="accent5" accent6="accent6" hlink="hlink" folHlink="folHlink"/>
+  </p:clrMapOvr>
+  <p:timing>
+    <p:tnLst>
+      <p:par>
+        <p:cTn id="1" dur="indefinite" restart="never" nodeType="tmRoot">
+          <p:childTnLst>
+            <p:seq concurrent="1" nextAc="seek">
+              <p:cTn id="2" dur="indefinite" nodeType="mainSeq">
+                <p:childTnLst>
+                  <p:par>
+                    <p:cTn id="3" fill="hold">
+                      <p:stCondLst>
+                        <p:cond delay="indefinite"/>
+                        <p:cond evt="onBegin" delay="0">
+                          <p:tn val="2"/>
+                        </p:cond>
+                      </p:stCondLst>
+                      <p:childTnLst>
+                        <p:par>
+                          <p:cTn id="4" fill="hold">
+                            <p:stCondLst>
+                              <p:cond delay="0"/>
+                            </p:stCondLst>
+                            <p:childTnLst>
+                              <p:par>
+                                <p:cTn id="5" presetID="1" presetClass="entr" presetSubtype="0" fill="hold" grpId="0" nodeType="withEffect">
+                                  <p:stCondLst>
+                                    <p:cond delay="0"/>
+                                  </p:stCondLst>
+                                  <p:childTnLst>
+                                    <p:set>
+                                      <p:cBhvr>
+                                        <p:cTn id="6" dur="1" fill="hold">
+                                          <p:stCondLst>
+                                            <p:cond delay="0"/>
+                                          </p:stCondLst>
+                                        </p:cTn>
+                                        <p:tgtEl>
+                                          <p:spTgt spid="5"/>
+                                        </p:tgtEl>
+                                        <p:attrNameLst>
+                                          <p:attrName>style.visibility</p:attrName>
+                                        </p:attrNameLst>
+                                      </p:cBhvr>
+                                      <p:to>
+                                        <p:strVal val="visible"/>
+                                      </p:to>
+                                    </p:set>
+                                  </p:childTnLst>
+                                </p:cTn>
+                              </p:par>
+                            </p:childTnLst>
+                          </p:cTn>
+                        </p:par>
+                      </p:childTnLst>
+                    </p:cTn>
+                  </p:par>
+                  <p:par>
+                    <p:cTn id="7" fill="hold">
+                      <p:stCondLst>
+                        <p:cond delay="indefinite"/>
+                      </p:stCondLst>
+                      <p:childTnLst>
+                        <p:par>
+                          <p:cTn id="8" fill="hold">
+                            <p:stCondLst>
+                              <p:cond delay="0"/>
+                            </p:stCondLst>
+                            <p:childTnLst>
+                              <p:par>
+                                <p:cTn id="9" presetID="1" presetClass="entr" presetSubtype="0" fill="hold" grpId="0" nodeType="clickEffect">
+                                  <p:stCondLst>
+                                    <p:cond delay="0"/>
+                                  </p:stCondLst>
+                                  <p:childTnLst>
+                                    <p:set>
+                                      <p:cBhvr>
+                                        <p:cTn id="10" dur="1" fill="hold">
+                                          <p:stCondLst>
+                                            <p:cond delay="0"/>
+                                          </p:stCondLst>
+                                        </p:cTn>
+                                        <p:tgtEl>
+                                          <p:spTgt spid="3">
+                                            <p:txEl>
+                                              <p:pRg st="0" end="0"/>
+                                            </p:txEl>
+                                          </p:spTgt>
+                                        </p:tgtEl>
+                                        <p:attrNameLst>
+                                          <p:attrName>style.visibility</p:attrName>
+                                        </p:attrNameLst>
+                                      </p:cBhvr>
+                                      <p:to>
+                                        <p:strVal val="visible"/>
+                                      </p:to>
+                                    </p:set>
+                                  </p:childTnLst>
+                                </p:cTn>
+                              </p:par>
+                            </p:childTnLst>
+                          </p:cTn>
+                        </p:par>
+                      </p:childTnLst>
+                    </p:cTn>
+                  </p:par>
+                  <p:par>
+                    <p:cTn id="11" fill="hold">
+                      <p:stCondLst>
+                        <p:cond delay="indefinite"/>
+                      </p:stCondLst>
+                      <p:childTnLst>
+                        <p:par>
+                          <p:cTn id="12" fill="hold">
+                            <p:stCondLst>
+                              <p:cond delay="0"/>
+                            </p:stCondLst>
+                            <p:childTnLst>
+                              <p:par>
+                                <p:cTn id="13" presetID="1" presetClass="entr" presetSubtype="0" fill="hold" grpId="0" nodeType="clickEffect">
+                                  <p:stCondLst>
+                                    <p:cond delay="0"/>
+                                  </p:stCondLst>
+                                  <p:childTnLst>
+                                    <p:set>
+                                      <p:cBhvr>
+                                        <p:cTn id="14" dur="1" fill="hold">
+                                          <p:stCondLst>
+                                            <p:cond delay="0"/>
+                                          </p:stCondLst>
+                                        </p:cTn>
+                                        <p:tgtEl>
+                                          <p:spTgt spid="3">
+                                            <p:txEl>
+                                              <p:pRg st="1" end="1"/>
+                                            </p:txEl>
+                                          </p:spTgt>
+                                        </p:tgtEl>
+                                        <p:attrNameLst>
+                                          <p:attrName>style.visibility</p:attrName>
+                                        </p:attrNameLst>
+                                      </p:cBhvr>
+                                      <p:to>
+                                        <p:strVal val="visible"/>
+                                      </p:to>
+                                    </p:set>
+                                  </p:childTnLst>
+                                </p:cTn>
+                              </p:par>
+                            </p:childTnLst>
+                          </p:cTn>
+                        </p:par>
+                      </p:childTnLst>
+                    </p:cTn>
+                  </p:par>
+                </p:childTnLst>
+              </p:cTn>
+              <p:prevCondLst>
+                <p:cond evt="onPrev" delay="0">
+                  <p:tgtEl>
+                    <p:sldTgt/>
+                  </p:tgtEl>
+                </p:cond>
+              </p:prevCondLst>
+              <p:nextCondLst>
+                <p:cond evt="onNext" delay="0">
+                  <p:tgtEl>
+                    <p:sldTgt/>
+                  </p:tgtEl>
+                </p:cond>
+              </p:nextCondLst>
+            </p:seq>
+          </p:childTnLst>
+        </p:cTn>
+      </p:par>
+    </p:tnLst>
+    <p:bldLst>
+      <p:bldP spid="5" grpId="0"/>
+      <p:bldP spid="3" grpId="0" build="p"/>
+    </p:bldLst>
+  </p:timing>
+</p:sld>
+</file>
+
+<file path=ppt/slides/slide15.xml><?xml version="1.0" encoding="utf-8"?>
+<p:sld xmlns:a="http://schemas.openxmlformats.org/drawingml/2006/main" xmlns:r="http://schemas.openxmlformats.org/officeDocument/2006/relationships" xmlns:p="http://schemas.openxmlformats.org/presentationml/2006/main">
+  <p:cSld>
+    <p:spTree>
+      <p:nvGrpSpPr>
+        <p:cNvPr id="1" name=""/>
+        <p:cNvGrpSpPr/>
+        <p:nvPr/>
+      </p:nvGrpSpPr>
+      <p:grpSpPr>
+        <a:xfrm>
+          <a:off x="0" y="0"/>
+          <a:ext cx="0" cy="0"/>
+          <a:chOff x="0" y="0"/>
+          <a:chExt cx="0" cy="0"/>
+        </a:xfrm>
+      </p:grpSpPr>
+      <p:sp>
+        <p:nvSpPr>
+          <p:cNvPr id="3" name="Content Placeholder 2"/>
+          <p:cNvSpPr>
+            <a:spLocks noGrp="1"/>
+          </p:cNvSpPr>
+          <p:nvPr>
+            <p:ph idx="1"/>
+          </p:nvPr>
+        </p:nvSpPr>
+        <p:spPr>
+          <a:xfrm>
+            <a:off x="549275" y="1527644"/>
+            <a:ext cx="7897496" cy="5590926"/>
+          </a:xfrm>
+        </p:spPr>
+        <p:txBody>
+          <a:bodyPr>
+            <a:normAutofit/>
+          </a:bodyPr>
+          <a:lstStyle/>
+          <a:p>
+            <a:pPr>
+              <a:buFontTx/>
+              <a:buChar char="•"/>
+            </a:pPr>
+            <a:r>
+              <a:rPr lang="en-US" sz="3300" dirty="0" smtClean="0">
+                <a:latin typeface="Garamond" panose="02020404030301010803" pitchFamily="18" charset="0"/>
+                <a:cs typeface="American Typewriter"/>
+              </a:rPr>
+              <a:t>Course and Academic Honesty policies from Moodle</a:t>
+            </a:r>
+            <a:endParaRPr lang="en-US" sz="3100" dirty="0" smtClean="0">
+              <a:latin typeface="Garamond" panose="02020404030301010803" pitchFamily="18" charset="0"/>
+              <a:cs typeface="American Typewriter"/>
+            </a:endParaRPr>
+          </a:p>
+          <a:p>
+            <a:pPr>
+              <a:buFontTx/>
+              <a:buChar char="•"/>
+            </a:pPr>
+            <a:r>
+              <a:rPr lang="en-US" sz="3300" dirty="0" smtClean="0">
+                <a:latin typeface="Garamond" panose="02020404030301010803" pitchFamily="18" charset="0"/>
+                <a:cs typeface="American Typewriter"/>
+              </a:rPr>
+              <a:t>There will be a Quiz on these next Tuesday</a:t>
+            </a:r>
+          </a:p>
+          <a:p>
+            <a:pPr lvl="1">
+              <a:buFontTx/>
+              <a:buChar char="•"/>
+            </a:pPr>
+            <a:r>
+              <a:rPr lang="en-US" sz="3100" dirty="0" smtClean="0">
+                <a:latin typeface="Garamond" panose="02020404030301010803" pitchFamily="18" charset="0"/>
+                <a:cs typeface="American Typewriter"/>
+              </a:rPr>
+              <a:t>This material is also on pages 2-4 of the course packet</a:t>
+            </a:r>
+          </a:p>
+          <a:p>
+            <a:pPr>
+              <a:buFontTx/>
+              <a:buChar char="•"/>
+            </a:pPr>
+            <a:r>
+              <a:rPr lang="en-US" sz="3300" dirty="0" smtClean="0">
+                <a:latin typeface="Garamond" panose="02020404030301010803" pitchFamily="18" charset="0"/>
+                <a:cs typeface="American Typewriter"/>
+              </a:rPr>
+              <a:t>Bring your Course Packet next Tuesday!</a:t>
+            </a:r>
+          </a:p>
+        </p:txBody>
+      </p:sp>
+      <p:sp>
+        <p:nvSpPr>
+          <p:cNvPr id="5" name="Title 1"/>
+          <p:cNvSpPr>
+            <a:spLocks noGrp="1"/>
+          </p:cNvSpPr>
+          <p:nvPr>
+            <p:ph type="title"/>
+          </p:nvPr>
+        </p:nvSpPr>
+        <p:spPr>
+          <a:xfrm>
+            <a:off x="946404" y="365760"/>
+            <a:ext cx="7269480" cy="811530"/>
+          </a:xfrm>
+        </p:spPr>
+        <p:txBody>
+          <a:bodyPr>
+            <a:normAutofit/>
+          </a:bodyPr>
+          <a:lstStyle/>
+          <a:p>
+            <a:r>
+              <a:rPr lang="en-US" sz="4400" dirty="0" smtClean="0">
+                <a:latin typeface="Garamond" panose="02020404030301010803" pitchFamily="18" charset="0"/>
+                <a:cs typeface="American Typewriter"/>
+              </a:rPr>
+              <a:t>Homework Assignments</a:t>
+            </a:r>
+            <a:endParaRPr lang="en-US" sz="4400" dirty="0">
+              <a:latin typeface="Garamond" panose="02020404030301010803" pitchFamily="18" charset="0"/>
+              <a:cs typeface="American Typewriter"/>
+            </a:endParaRPr>
+          </a:p>
+        </p:txBody>
+      </p:sp>
+    </p:spTree>
+    <p:extLst>
+      <p:ext uri="{BB962C8B-B14F-4D97-AF65-F5344CB8AC3E}">
+        <p14:creationId xmlns:p14="http://schemas.microsoft.com/office/powerpoint/2010/main" val="3379291469"/>
+      </p:ext>
+    </p:extLst>
+  </p:cSld>
+  <p:clrMapOvr>
+    <a:masterClrMapping/>
+  </p:clrMapOvr>
+  <p:timing>
+    <p:tnLst>
+      <p:par>
+        <p:cTn id="1" dur="indefinite" restart="never" nodeType="tmRoot">
+          <p:childTnLst>
+            <p:seq concurrent="1" nextAc="seek">
+              <p:cTn id="2" dur="indefinite" nodeType="mainSeq">
+                <p:childTnLst>
+                  <p:par>
+                    <p:cTn id="3" fill="hold">
+                      <p:stCondLst>
+                        <p:cond delay="indefinite"/>
+                        <p:cond evt="onBegin" delay="0">
+                          <p:tn val="2"/>
+                        </p:cond>
+                      </p:stCondLst>
+                      <p:childTnLst>
+                        <p:par>
+                          <p:cTn id="4" fill="hold">
+                            <p:stCondLst>
+                              <p:cond delay="0"/>
+                            </p:stCondLst>
+                            <p:childTnLst>
+                              <p:par>
+                                <p:cTn id="5" presetID="1" presetClass="entr" presetSubtype="0" fill="hold" grpId="0" nodeType="withEffect">
+                                  <p:stCondLst>
+                                    <p:cond delay="0"/>
+                                  </p:stCondLst>
+                                  <p:childTnLst>
+                                    <p:set>
+                                      <p:cBhvr>
+                                        <p:cTn id="6" dur="1" fill="hold">
+                                          <p:stCondLst>
+                                            <p:cond delay="0"/>
+                                          </p:stCondLst>
+                                        </p:cTn>
+                                        <p:tgtEl>
+                                          <p:spTgt spid="5"/>
+                                        </p:tgtEl>
+                                        <p:attrNameLst>
+                                          <p:attrName>style.visibility</p:attrName>
+                                        </p:attrNameLst>
+                                      </p:cBhvr>
+                                      <p:to>
+                                        <p:strVal val="visible"/>
+                                      </p:to>
+                                    </p:set>
+                                  </p:childTnLst>
+                                </p:cTn>
+                              </p:par>
+                            </p:childTnLst>
+                          </p:cTn>
+                        </p:par>
+                      </p:childTnLst>
+                    </p:cTn>
+                  </p:par>
+                  <p:par>
+                    <p:cTn id="7" fill="hold">
+                      <p:stCondLst>
+                        <p:cond delay="indefinite"/>
+                      </p:stCondLst>
+                      <p:childTnLst>
+                        <p:par>
+                          <p:cTn id="8" fill="hold">
+                            <p:stCondLst>
+                              <p:cond delay="0"/>
+                            </p:stCondLst>
+                            <p:childTnLst>
+                              <p:par>
+                                <p:cTn id="9" presetID="1" presetClass="entr" presetSubtype="0" fill="hold" grpId="0" nodeType="clickEffect">
+                                  <p:stCondLst>
+                                    <p:cond delay="0"/>
+                                  </p:stCondLst>
+                                  <p:childTnLst>
+                                    <p:set>
+                                      <p:cBhvr>
+                                        <p:cTn id="10" dur="1" fill="hold">
+                                          <p:stCondLst>
+                                            <p:cond delay="0"/>
+                                          </p:stCondLst>
+                                        </p:cTn>
+                                        <p:tgtEl>
+                                          <p:spTgt spid="3">
+                                            <p:txEl>
+                                              <p:pRg st="0" end="0"/>
+                                            </p:txEl>
+                                          </p:spTgt>
+                                        </p:tgtEl>
+                                        <p:attrNameLst>
+                                          <p:attrName>style.visibility</p:attrName>
+                                        </p:attrNameLst>
+                                      </p:cBhvr>
+                                      <p:to>
+                                        <p:strVal val="visible"/>
+                                      </p:to>
+                                    </p:set>
+                                  </p:childTnLst>
+                                </p:cTn>
+                              </p:par>
+                            </p:childTnLst>
+                          </p:cTn>
+                        </p:par>
+                      </p:childTnLst>
+                    </p:cTn>
+                  </p:par>
+                  <p:par>
+                    <p:cTn id="11" fill="hold">
+                      <p:stCondLst>
+                        <p:cond delay="indefinite"/>
+                      </p:stCondLst>
+                      <p:childTnLst>
+                        <p:par>
+                          <p:cTn id="12" fill="hold">
+                            <p:stCondLst>
+                              <p:cond delay="0"/>
+                            </p:stCondLst>
+                            <p:childTnLst>
+                              <p:par>
+                                <p:cTn id="13" presetID="1" presetClass="entr" presetSubtype="0" fill="hold" grpId="0" nodeType="clickEffect">
+                                  <p:stCondLst>
+                                    <p:cond delay="0"/>
+                                  </p:stCondLst>
+                                  <p:childTnLst>
+                                    <p:set>
+                                      <p:cBhvr>
+                                        <p:cTn id="14" dur="1" fill="hold">
+                                          <p:stCondLst>
+                                            <p:cond delay="0"/>
+                                          </p:stCondLst>
+                                        </p:cTn>
+                                        <p:tgtEl>
+                                          <p:spTgt spid="3">
+                                            <p:txEl>
+                                              <p:pRg st="1" end="1"/>
+                                            </p:txEl>
+                                          </p:spTgt>
+                                        </p:tgtEl>
+                                        <p:attrNameLst>
+                                          <p:attrName>style.visibility</p:attrName>
+                                        </p:attrNameLst>
+                                      </p:cBhvr>
+                                      <p:to>
+                                        <p:strVal val="visible"/>
+                                      </p:to>
+                                    </p:set>
+                                  </p:childTnLst>
+                                </p:cTn>
+                              </p:par>
+                              <p:par>
+                                <p:cTn id="15" presetID="1" presetClass="entr" presetSubtype="0" fill="hold" grpId="0" nodeType="withEffect">
+                                  <p:stCondLst>
+                                    <p:cond delay="0"/>
+                                  </p:stCondLst>
+                                  <p:childTnLst>
+                                    <p:set>
+                                      <p:cBhvr>
+                                        <p:cTn id="16" dur="1" fill="hold">
+                                          <p:stCondLst>
+                                            <p:cond delay="0"/>
+                                          </p:stCondLst>
+                                        </p:cTn>
+                                        <p:tgtEl>
+                                          <p:spTgt spid="3">
+                                            <p:txEl>
+                                              <p:pRg st="2" end="2"/>
+                                            </p:txEl>
+                                          </p:spTgt>
+                                        </p:tgtEl>
+                                        <p:attrNameLst>
+                                          <p:attrName>style.visibility</p:attrName>
+                                        </p:attrNameLst>
+                                      </p:cBhvr>
+                                      <p:to>
+                                        <p:strVal val="visible"/>
+                                      </p:to>
+                                    </p:set>
+                                  </p:childTnLst>
+                                </p:cTn>
+                              </p:par>
+                            </p:childTnLst>
+                          </p:cTn>
+                        </p:par>
+                      </p:childTnLst>
+                    </p:cTn>
+                  </p:par>
+                  <p:par>
+                    <p:cTn id="17" fill="hold">
+                      <p:stCondLst>
+                        <p:cond delay="indefinite"/>
+                      </p:stCondLst>
+                      <p:childTnLst>
+                        <p:par>
+                          <p:cTn id="18" fill="hold">
+                            <p:stCondLst>
+                              <p:cond delay="0"/>
+                            </p:stCondLst>
+                            <p:childTnLst>
+                              <p:par>
+                                <p:cTn id="19" presetID="1" presetClass="entr" presetSubtype="0" fill="hold" grpId="0" nodeType="clickEffect">
+                                  <p:stCondLst>
+                                    <p:cond delay="0"/>
+                                  </p:stCondLst>
+                                  <p:childTnLst>
+                                    <p:set>
+                                      <p:cBhvr>
+                                        <p:cTn id="20" dur="1" fill="hold">
+                                          <p:stCondLst>
+                                            <p:cond delay="0"/>
+                                          </p:stCondLst>
+                                        </p:cTn>
+                                        <p:tgtEl>
+                                          <p:spTgt spid="3">
+                                            <p:txEl>
+                                              <p:pRg st="3" end="3"/>
+                                            </p:txEl>
+                                          </p:spTgt>
+                                        </p:tgtEl>
+                                        <p:attrNameLst>
+                                          <p:attrName>style.visibility</p:attrName>
+                                        </p:attrNameLst>
+                                      </p:cBhvr>
+                                      <p:to>
+                                        <p:strVal val="visible"/>
+                                      </p:to>
+                                    </p:set>
+                                  </p:childTnLst>
+                                </p:cTn>
+                              </p:par>
+                            </p:childTnLst>
+                          </p:cTn>
+                        </p:par>
+                      </p:childTnLst>
+                    </p:cTn>
+                  </p:par>
+                </p:childTnLst>
+              </p:cTn>
+              <p:prevCondLst>
+                <p:cond evt="onPrev" delay="0">
+                  <p:tgtEl>
+                    <p:sldTgt/>
+                  </p:tgtEl>
+                </p:cond>
+              </p:prevCondLst>
+              <p:nextCondLst>
+                <p:cond evt="onNext" delay="0">
+                  <p:tgtEl>
+                    <p:sldTgt/>
+                  </p:tgtEl>
+                </p:cond>
+              </p:nextCondLst>
+            </p:seq>
+          </p:childTnLst>
+        </p:cTn>
+      </p:par>
+    </p:tnLst>
+    <p:bldLst>
+      <p:bldP spid="3" grpId="0" uiExpand="1" build="p"/>
+      <p:bldP spid="5" grpId="0"/>
+    </p:bldLst>
+  </p:timing>
+</p:sld>
+</file>
+
+<file path=ppt/slides/slide16.xml><?xml version="1.0" encoding="utf-8"?>
+<p:sld xmlns:a="http://schemas.openxmlformats.org/drawingml/2006/main" xmlns:r="http://schemas.openxmlformats.org/officeDocument/2006/relationships" xmlns:p="http://schemas.openxmlformats.org/presentationml/2006/main">
+  <p:cSld>
+    <p:spTree>
+      <p:nvGrpSpPr>
+        <p:cNvPr id="1" name=""/>
+        <p:cNvGrpSpPr/>
+        <p:nvPr/>
+      </p:nvGrpSpPr>
+      <p:grpSpPr>
+        <a:xfrm>
+          <a:off x="0" y="0"/>
+          <a:ext cx="0" cy="0"/>
+          <a:chOff x="0" y="0"/>
+          <a:chExt cx="0" cy="0"/>
+        </a:xfrm>
+      </p:grpSpPr>
+      <p:sp>
+        <p:nvSpPr>
+          <p:cNvPr id="5" name="Title 1"/>
+          <p:cNvSpPr>
+            <a:spLocks noGrp="1"/>
+          </p:cNvSpPr>
+          <p:nvPr>
+            <p:ph type="title"/>
+          </p:nvPr>
+        </p:nvSpPr>
+        <p:spPr>
+          <a:xfrm>
+            <a:off x="946404" y="365760"/>
+            <a:ext cx="7269480" cy="811530"/>
+          </a:xfrm>
+        </p:spPr>
+        <p:txBody>
+          <a:bodyPr>
+            <a:normAutofit/>
+          </a:bodyPr>
+          <a:lstStyle/>
+          <a:p>
+            <a:r>
+              <a:rPr lang="en-US" sz="4400" dirty="0" smtClean="0">
+                <a:latin typeface="Garamond" panose="02020404030301010803" pitchFamily="18" charset="0"/>
+                <a:cs typeface="American Typewriter"/>
+              </a:rPr>
+              <a:t>The Importance of Methods</a:t>
+            </a:r>
+            <a:endParaRPr lang="en-US" sz="4400" dirty="0">
+              <a:latin typeface="Garamond" panose="02020404030301010803" pitchFamily="18" charset="0"/>
+              <a:cs typeface="American Typewriter"/>
+            </a:endParaRPr>
+          </a:p>
+        </p:txBody>
+      </p:sp>
+      <p:sp>
+        <p:nvSpPr>
+          <p:cNvPr id="2" name="Content Placeholder 1"/>
+          <p:cNvSpPr>
+            <a:spLocks noGrp="1"/>
+          </p:cNvSpPr>
+          <p:nvPr>
+            <p:ph idx="1"/>
+          </p:nvPr>
+        </p:nvSpPr>
+        <p:spPr/>
+        <p:txBody>
+          <a:bodyPr>
+            <a:normAutofit/>
+          </a:bodyPr>
+          <a:lstStyle/>
+          <a:p>
+            <a:endParaRPr lang="en-US" sz="3600" dirty="0">
+              <a:latin typeface="Garamond" panose="02020404030301010803" pitchFamily="18" charset="0"/>
+            </a:endParaRPr>
+          </a:p>
+        </p:txBody>
+      </p:sp>
+      <p:pic>
+        <p:nvPicPr>
+          <p:cNvPr id="1026" name="Picture 2" descr="Andrew Wakefield"/>
+          <p:cNvPicPr>
+            <a:picLocks noChangeAspect="1" noChangeArrowheads="1"/>
+          </p:cNvPicPr>
+          <p:nvPr/>
+        </p:nvPicPr>
+        <p:blipFill>
+          <a:blip r:embed="rId3">
+            <a:extLst>
+              <a:ext uri="{28A0092B-C50C-407E-A947-70E740481C1C}">
+                <a14:useLocalDpi xmlns:a14="http://schemas.microsoft.com/office/drawing/2010/main" val="0"/>
+              </a:ext>
+            </a:extLst>
+          </a:blip>
+          <a:srcRect/>
+          <a:stretch>
+            <a:fillRect/>
+          </a:stretch>
+        </p:blipFill>
+        <p:spPr bwMode="auto">
+          <a:xfrm>
+            <a:off x="946403" y="1828801"/>
+            <a:ext cx="6906193" cy="3886199"/>
+          </a:xfrm>
+          <a:prstGeom prst="rect">
+            <a:avLst/>
+          </a:prstGeom>
+          <a:noFill/>
+          <a:extLst>
+            <a:ext uri="{909E8E84-426E-40DD-AFC4-6F175D3DCCD1}">
+              <a14:hiddenFill xmlns:a14="http://schemas.microsoft.com/office/drawing/2010/main">
+                <a:solidFill>
+                  <a:srgbClr val="FFFFFF"/>
+                </a:solidFill>
+              </a14:hiddenFill>
+            </a:ext>
+          </a:extLst>
+        </p:spPr>
+      </p:pic>
+    </p:spTree>
+    <p:extLst>
+      <p:ext uri="{BB962C8B-B14F-4D97-AF65-F5344CB8AC3E}">
+        <p14:creationId xmlns:p14="http://schemas.microsoft.com/office/powerpoint/2010/main" val="1009140412"/>
+      </p:ext>
+    </p:extLst>
+  </p:cSld>
+  <p:clrMapOvr>
+    <a:masterClrMapping/>
+  </p:clrMapOvr>
+  <p:timing>
+    <p:tnLst>
+      <p:par>
+        <p:cTn id="1" dur="indefinite" restart="never" nodeType="tmRoot">
+          <p:childTnLst>
+            <p:seq concurrent="1" nextAc="seek">
+              <p:cTn id="2" dur="indefinite" nodeType="mainSeq">
+                <p:childTnLst>
+                  <p:par>
+                    <p:cTn id="3" fill="hold">
+                      <p:stCondLst>
+                        <p:cond delay="indefinite"/>
+                        <p:cond evt="onBegin" delay="0">
+                          <p:tn val="2"/>
+                        </p:cond>
+                      </p:stCondLst>
+                      <p:childTnLst>
+                        <p:par>
+                          <p:cTn id="4" fill="hold">
+                            <p:stCondLst>
+                              <p:cond delay="0"/>
+                            </p:stCondLst>
+                            <p:childTnLst>
+                              <p:par>
+                                <p:cTn id="5" presetID="1" presetClass="entr" presetSubtype="0" fill="hold" grpId="0" nodeType="withEffect">
+                                  <p:stCondLst>
+                                    <p:cond delay="0"/>
+                                  </p:stCondLst>
+                                  <p:childTnLst>
+                                    <p:set>
+                                      <p:cBhvr>
+                                        <p:cTn id="6" dur="1" fill="hold">
+                                          <p:stCondLst>
+                                            <p:cond delay="0"/>
+                                          </p:stCondLst>
+                                        </p:cTn>
+                                        <p:tgtEl>
+                                          <p:spTgt spid="5"/>
+                                        </p:tgtEl>
+                                        <p:attrNameLst>
+                                          <p:attrName>style.visibility</p:attrName>
+                                        </p:attrNameLst>
+                                      </p:cBhvr>
+                                      <p:to>
+                                        <p:strVal val="visible"/>
+                                      </p:to>
+                                    </p:set>
+                                  </p:childTnLst>
+                                </p:cTn>
+                              </p:par>
+                            </p:childTnLst>
+                          </p:cTn>
+                        </p:par>
+                      </p:childTnLst>
+                    </p:cTn>
+                  </p:par>
+                </p:childTnLst>
+              </p:cTn>
+              <p:prevCondLst>
+                <p:cond evt="onPrev" delay="0">
+                  <p:tgtEl>
+                    <p:sldTgt/>
+                  </p:tgtEl>
+                </p:cond>
+              </p:prevCondLst>
+              <p:nextCondLst>
+                <p:cond evt="onNext" delay="0">
+                  <p:tgtEl>
+                    <p:sldTgt/>
+                  </p:tgtEl>
+                </p:cond>
+              </p:nextCondLst>
+            </p:seq>
+          </p:childTnLst>
+        </p:cTn>
+      </p:par>
+    </p:tnLst>
+    <p:bldLst>
+      <p:bldP spid="5" grpId="0"/>
+    </p:bldLst>
+  </p:timing>
+</p:sld>
+</file>
+
+<file path=ppt/slides/slide17.xml><?xml version="1.0" encoding="utf-8"?>
+<p:sld xmlns:a="http://schemas.openxmlformats.org/drawingml/2006/main" xmlns:r="http://schemas.openxmlformats.org/officeDocument/2006/relationships" xmlns:p="http://schemas.openxmlformats.org/presentationml/2006/main">
+  <p:cSld>
+    <p:spTree>
+      <p:nvGrpSpPr>
+        <p:cNvPr id="1" name=""/>
+        <p:cNvGrpSpPr/>
+        <p:nvPr/>
+      </p:nvGrpSpPr>
+      <p:grpSpPr>
+        <a:xfrm>
+          <a:off x="0" y="0"/>
+          <a:ext cx="0" cy="0"/>
+          <a:chOff x="0" y="0"/>
+          <a:chExt cx="0" cy="0"/>
+        </a:xfrm>
+      </p:grpSpPr>
+      <p:sp>
+        <p:nvSpPr>
+          <p:cNvPr id="5" name="Title 1"/>
+          <p:cNvSpPr>
+            <a:spLocks noGrp="1"/>
+          </p:cNvSpPr>
+          <p:nvPr>
+            <p:ph type="title"/>
+          </p:nvPr>
+        </p:nvSpPr>
+        <p:spPr>
+          <a:xfrm>
+            <a:off x="946404" y="365760"/>
+            <a:ext cx="7269480" cy="811530"/>
+          </a:xfrm>
+        </p:spPr>
+        <p:txBody>
+          <a:bodyPr>
+            <a:normAutofit/>
+          </a:bodyPr>
+          <a:lstStyle/>
+          <a:p>
+            <a:r>
+              <a:rPr lang="en-US" sz="4400" dirty="0" smtClean="0">
+                <a:latin typeface="Garamond" panose="02020404030301010803" pitchFamily="18" charset="0"/>
+                <a:cs typeface="American Typewriter"/>
+              </a:rPr>
+              <a:t>The Importance of Methods</a:t>
+            </a:r>
+            <a:endParaRPr lang="en-US" sz="4400" dirty="0">
+              <a:latin typeface="Garamond" panose="02020404030301010803" pitchFamily="18" charset="0"/>
+              <a:cs typeface="American Typewriter"/>
+            </a:endParaRPr>
+          </a:p>
+        </p:txBody>
+      </p:sp>
+      <p:sp>
+        <p:nvSpPr>
+          <p:cNvPr id="2" name="Content Placeholder 1"/>
+          <p:cNvSpPr>
+            <a:spLocks noGrp="1"/>
+          </p:cNvSpPr>
+          <p:nvPr>
+            <p:ph idx="1"/>
+          </p:nvPr>
+        </p:nvSpPr>
+        <p:spPr/>
+        <p:txBody>
+          <a:bodyPr>
+            <a:normAutofit fontScale="77500" lnSpcReduction="20000"/>
+          </a:bodyPr>
+          <a:lstStyle/>
+          <a:p>
+            <a:r>
+              <a:rPr lang="en-US" sz="3600" dirty="0">
+                <a:latin typeface="Garamond" panose="02020404030301010803" pitchFamily="18" charset="0"/>
+              </a:rPr>
+              <a:t>The MMR vaccine and autism: Sensation, refutation, retraction, and </a:t>
+            </a:r>
+            <a:r>
+              <a:rPr lang="en-US" sz="3600" dirty="0" smtClean="0">
+                <a:latin typeface="Garamond" panose="02020404030301010803" pitchFamily="18" charset="0"/>
+              </a:rPr>
+              <a:t>fraud</a:t>
+            </a:r>
+          </a:p>
+          <a:p>
+            <a:pPr lvl="1"/>
+            <a:r>
+              <a:rPr lang="en-US" sz="3600" dirty="0">
+                <a:latin typeface="Garamond" panose="02020404030301010803" pitchFamily="18" charset="0"/>
+              </a:rPr>
+              <a:t>T. S. </a:t>
+            </a:r>
+            <a:r>
+              <a:rPr lang="en-US" sz="3600" dirty="0" err="1">
+                <a:latin typeface="Garamond" panose="02020404030301010803" pitchFamily="18" charset="0"/>
+              </a:rPr>
+              <a:t>Sathyanarayana</a:t>
+            </a:r>
+            <a:r>
+              <a:rPr lang="en-US" sz="3600" dirty="0">
+                <a:latin typeface="Garamond" panose="02020404030301010803" pitchFamily="18" charset="0"/>
+              </a:rPr>
+              <a:t> Rao and </a:t>
+            </a:r>
+            <a:r>
+              <a:rPr lang="en-US" sz="3600" dirty="0" err="1">
+                <a:latin typeface="Garamond" panose="02020404030301010803" pitchFamily="18" charset="0"/>
+              </a:rPr>
+              <a:t>Chittaranjan</a:t>
+            </a:r>
+            <a:r>
+              <a:rPr lang="en-US" sz="3600" dirty="0">
+                <a:latin typeface="Garamond" panose="02020404030301010803" pitchFamily="18" charset="0"/>
+              </a:rPr>
+              <a:t> </a:t>
+            </a:r>
+            <a:r>
+              <a:rPr lang="en-US" sz="3600" dirty="0" smtClean="0">
+                <a:latin typeface="Garamond" panose="02020404030301010803" pitchFamily="18" charset="0"/>
+              </a:rPr>
+              <a:t>Andrade</a:t>
+            </a:r>
+          </a:p>
+          <a:p>
+            <a:r>
+              <a:rPr lang="en-US" sz="3800" dirty="0" smtClean="0">
+                <a:latin typeface="Garamond" panose="02020404030301010803" pitchFamily="18" charset="0"/>
+              </a:rPr>
+              <a:t>Original article by Andrew Wakefield, 1998</a:t>
+            </a:r>
+          </a:p>
+          <a:p>
+            <a:r>
+              <a:rPr lang="en-US" sz="3800" dirty="0" smtClean="0">
+                <a:latin typeface="Garamond" panose="02020404030301010803" pitchFamily="18" charset="0"/>
+              </a:rPr>
+              <a:t>Large financial interests not declared by Wakefield</a:t>
+            </a:r>
+          </a:p>
+          <a:p>
+            <a:r>
+              <a:rPr lang="en-US" sz="3800" dirty="0" smtClean="0">
+                <a:latin typeface="Garamond" panose="02020404030301010803" pitchFamily="18" charset="0"/>
+              </a:rPr>
+              <a:t>Paper completely retracted by 2010</a:t>
+            </a:r>
+            <a:endParaRPr lang="en-US" sz="3800" dirty="0">
+              <a:latin typeface="Garamond" panose="02020404030301010803" pitchFamily="18" charset="0"/>
+            </a:endParaRPr>
+          </a:p>
+          <a:p>
+            <a:endParaRPr lang="en-US" sz="3600" dirty="0">
+              <a:latin typeface="Garamond" panose="02020404030301010803" pitchFamily="18" charset="0"/>
+            </a:endParaRPr>
+          </a:p>
+        </p:txBody>
+      </p:sp>
+    </p:spTree>
+    <p:extLst>
+      <p:ext uri="{BB962C8B-B14F-4D97-AF65-F5344CB8AC3E}">
+        <p14:creationId xmlns:p14="http://schemas.microsoft.com/office/powerpoint/2010/main" val="2446256669"/>
+      </p:ext>
+    </p:extLst>
+  </p:cSld>
+  <p:clrMapOvr>
+    <a:masterClrMapping/>
+  </p:clrMapOvr>
+  <p:timing>
+    <p:tnLst>
+      <p:par>
+        <p:cTn id="1" dur="indefinite" restart="never" nodeType="tmRoot">
+          <p:childTnLst>
+            <p:seq concurrent="1" nextAc="seek">
+              <p:cTn id="2" dur="indefinite" nodeType="mainSeq">
+                <p:childTnLst>
+                  <p:par>
+                    <p:cTn id="3" fill="hold">
+                      <p:stCondLst>
+                        <p:cond delay="indefinite"/>
+                        <p:cond evt="onBegin" delay="0">
+                          <p:tn val="2"/>
+                        </p:cond>
+                      </p:stCondLst>
+                      <p:childTnLst>
+                        <p:par>
+                          <p:cTn id="4" fill="hold">
+                            <p:stCondLst>
+                              <p:cond delay="0"/>
+                            </p:stCondLst>
+                            <p:childTnLst>
+                              <p:par>
+                                <p:cTn id="5" presetID="1" presetClass="entr" presetSubtype="0" fill="hold" grpId="0" nodeType="withEffect">
+                                  <p:stCondLst>
+                                    <p:cond delay="0"/>
+                                  </p:stCondLst>
+                                  <p:childTnLst>
+                                    <p:set>
+                                      <p:cBhvr>
+                                        <p:cTn id="6" dur="1" fill="hold">
+                                          <p:stCondLst>
+                                            <p:cond delay="0"/>
+                                          </p:stCondLst>
+                                        </p:cTn>
+                                        <p:tgtEl>
+                                          <p:spTgt spid="5"/>
+                                        </p:tgtEl>
+                                        <p:attrNameLst>
+                                          <p:attrName>style.visibility</p:attrName>
+                                        </p:attrNameLst>
+                                      </p:cBhvr>
+                                      <p:to>
+                                        <p:strVal val="visible"/>
+                                      </p:to>
+                                    </p:set>
+                                  </p:childTnLst>
+                                </p:cTn>
+                              </p:par>
+                            </p:childTnLst>
+                          </p:cTn>
+                        </p:par>
+                      </p:childTnLst>
+                    </p:cTn>
+                  </p:par>
+                </p:childTnLst>
+              </p:cTn>
+              <p:prevCondLst>
+                <p:cond evt="onPrev" delay="0">
+                  <p:tgtEl>
+                    <p:sldTgt/>
+                  </p:tgtEl>
+                </p:cond>
+              </p:prevCondLst>
+              <p:nextCondLst>
+                <p:cond evt="onNext" delay="0">
+                  <p:tgtEl>
+                    <p:sldTgt/>
+                  </p:tgtEl>
+                </p:cond>
+              </p:nextCondLst>
+            </p:seq>
+          </p:childTnLst>
+        </p:cTn>
+      </p:par>
+    </p:tnLst>
+    <p:bldLst>
+      <p:bldP spid="5" grpId="0"/>
+    </p:bldLst>
+  </p:timing>
+</p:sld>
+</file>
+
+<file path=ppt/slides/slide18.xml><?xml version="1.0" encoding="utf-8"?>
+<p:sld xmlns:a="http://schemas.openxmlformats.org/drawingml/2006/main" xmlns:r="http://schemas.openxmlformats.org/officeDocument/2006/relationships" xmlns:p="http://schemas.openxmlformats.org/presentationml/2006/main">
+  <p:cSld>
+    <p:spTree>
+      <p:nvGrpSpPr>
+        <p:cNvPr id="1" name=""/>
+        <p:cNvGrpSpPr/>
+        <p:nvPr/>
+      </p:nvGrpSpPr>
+      <p:grpSpPr>
+        <a:xfrm>
+          <a:off x="0" y="0"/>
+          <a:ext cx="0" cy="0"/>
+          <a:chOff x="0" y="0"/>
+          <a:chExt cx="0" cy="0"/>
+        </a:xfrm>
+      </p:grpSpPr>
+      <p:sp>
+        <p:nvSpPr>
+          <p:cNvPr id="5" name="Title 1"/>
+          <p:cNvSpPr>
+            <a:spLocks noGrp="1"/>
+          </p:cNvSpPr>
+          <p:nvPr>
+            <p:ph type="title"/>
+          </p:nvPr>
+        </p:nvSpPr>
+        <p:spPr>
+          <a:xfrm>
+            <a:off x="946404" y="365760"/>
+            <a:ext cx="7269480" cy="811530"/>
+          </a:xfrm>
+        </p:spPr>
+        <p:txBody>
+          <a:bodyPr>
+            <a:normAutofit/>
+          </a:bodyPr>
+          <a:lstStyle/>
+          <a:p>
+            <a:r>
+              <a:rPr lang="en-US" sz="4400" dirty="0" smtClean="0">
+                <a:latin typeface="Garamond" panose="02020404030301010803" pitchFamily="18" charset="0"/>
+                <a:cs typeface="American Typewriter"/>
+              </a:rPr>
+              <a:t>The Importance of Methods</a:t>
+            </a:r>
+            <a:endParaRPr lang="en-US" sz="4400" dirty="0">
+              <a:latin typeface="Garamond" panose="02020404030301010803" pitchFamily="18" charset="0"/>
+              <a:cs typeface="American Typewriter"/>
+            </a:endParaRPr>
+          </a:p>
+        </p:txBody>
+      </p:sp>
+      <p:pic>
+        <p:nvPicPr>
+          <p:cNvPr id="4" name="Content Placeholder 3"/>
+          <p:cNvPicPr>
+            <a:picLocks noGrp="1" noChangeAspect="1"/>
+          </p:cNvPicPr>
+          <p:nvPr>
+            <p:ph idx="1"/>
+          </p:nvPr>
+        </p:nvPicPr>
+        <p:blipFill>
+          <a:blip r:embed="rId3">
+            <a:extLst>
+              <a:ext uri="{28A0092B-C50C-407E-A947-70E740481C1C}">
+                <a14:useLocalDpi xmlns:a14="http://schemas.microsoft.com/office/drawing/2010/main" val="0"/>
+              </a:ext>
+            </a:extLst>
+          </a:blip>
+          <a:stretch>
+            <a:fillRect/>
+          </a:stretch>
+        </p:blipFill>
+        <p:spPr>
+          <a:xfrm>
+            <a:off x="3398044" y="1668939"/>
+            <a:ext cx="1543050" cy="2247900"/>
+          </a:xfrm>
+        </p:spPr>
+      </p:pic>
+    </p:spTree>
+    <p:extLst>
+      <p:ext uri="{BB962C8B-B14F-4D97-AF65-F5344CB8AC3E}">
+        <p14:creationId xmlns:p14="http://schemas.microsoft.com/office/powerpoint/2010/main" val="2858700293"/>
+      </p:ext>
+    </p:extLst>
+  </p:cSld>
+  <p:clrMapOvr>
+    <a:masterClrMapping/>
+  </p:clrMapOvr>
+  <p:timing>
+    <p:tnLst>
+      <p:par>
+        <p:cTn id="1" dur="indefinite" restart="never" nodeType="tmRoot">
+          <p:childTnLst>
+            <p:seq concurrent="1" nextAc="seek">
+              <p:cTn id="2" dur="indefinite" nodeType="mainSeq">
+                <p:childTnLst>
+                  <p:par>
+                    <p:cTn id="3" fill="hold">
+                      <p:stCondLst>
+                        <p:cond delay="indefinite"/>
+                        <p:cond evt="onBegin" delay="0">
+                          <p:tn val="2"/>
+                        </p:cond>
+                      </p:stCondLst>
+                      <p:childTnLst>
+                        <p:par>
+                          <p:cTn id="4" fill="hold">
+                            <p:stCondLst>
+                              <p:cond delay="0"/>
+                            </p:stCondLst>
+                            <p:childTnLst>
+                              <p:par>
+                                <p:cTn id="5" presetID="1" presetClass="entr" presetSubtype="0" fill="hold" grpId="0" nodeType="withEffect">
+                                  <p:stCondLst>
+                                    <p:cond delay="0"/>
+                                  </p:stCondLst>
+                                  <p:childTnLst>
+                                    <p:set>
+                                      <p:cBhvr>
+                                        <p:cTn id="6" dur="1" fill="hold">
+                                          <p:stCondLst>
+                                            <p:cond delay="0"/>
+                                          </p:stCondLst>
+                                        </p:cTn>
+                                        <p:tgtEl>
+                                          <p:spTgt spid="5"/>
+                                        </p:tgtEl>
+                                        <p:attrNameLst>
+                                          <p:attrName>style.visibility</p:attrName>
+                                        </p:attrNameLst>
+                                      </p:cBhvr>
+                                      <p:to>
+                                        <p:strVal val="visible"/>
+                                      </p:to>
+                                    </p:set>
+                                  </p:childTnLst>
+                                </p:cTn>
+                              </p:par>
+                            </p:childTnLst>
+                          </p:cTn>
+                        </p:par>
+                      </p:childTnLst>
+                    </p:cTn>
+                  </p:par>
+                </p:childTnLst>
+              </p:cTn>
+              <p:prevCondLst>
+                <p:cond evt="onPrev" delay="0">
+                  <p:tgtEl>
+                    <p:sldTgt/>
+                  </p:tgtEl>
+                </p:cond>
+              </p:prevCondLst>
+              <p:nextCondLst>
+                <p:cond evt="onNext" delay="0">
+                  <p:tgtEl>
+                    <p:sldTgt/>
+                  </p:tgtEl>
+                </p:cond>
+              </p:nextCondLst>
+            </p:seq>
+          </p:childTnLst>
+        </p:cTn>
+      </p:par>
+    </p:tnLst>
+    <p:bldLst>
+      <p:bldP spid="5" grpId="0"/>
+    </p:bldLst>
+  </p:timing>
+</p:sld>
+</file>
+
+<file path=ppt/slides/slide19.xml><?xml version="1.0" encoding="utf-8"?>
+<p:sld xmlns:a="http://schemas.openxmlformats.org/drawingml/2006/main" xmlns:r="http://schemas.openxmlformats.org/officeDocument/2006/relationships" xmlns:p="http://schemas.openxmlformats.org/presentationml/2006/main">
+  <p:cSld>
+    <p:spTree>
+      <p:nvGrpSpPr>
+        <p:cNvPr id="1" name=""/>
+        <p:cNvGrpSpPr/>
+        <p:nvPr/>
+      </p:nvGrpSpPr>
+      <p:grpSpPr>
+        <a:xfrm>
+          <a:off x="0" y="0"/>
+          <a:ext cx="0" cy="0"/>
+          <a:chOff x="0" y="0"/>
+          <a:chExt cx="0" cy="0"/>
+        </a:xfrm>
+      </p:grpSpPr>
+      <p:sp>
+        <p:nvSpPr>
+          <p:cNvPr id="5" name="Title 1"/>
+          <p:cNvSpPr>
+            <a:spLocks noGrp="1"/>
+          </p:cNvSpPr>
+          <p:nvPr>
+            <p:ph type="title"/>
+          </p:nvPr>
+        </p:nvSpPr>
+        <p:spPr>
+          <a:xfrm>
+            <a:off x="946404" y="365760"/>
+            <a:ext cx="7269480" cy="811530"/>
+          </a:xfrm>
+        </p:spPr>
+        <p:txBody>
+          <a:bodyPr>
+            <a:normAutofit/>
+          </a:bodyPr>
+          <a:lstStyle/>
+          <a:p>
+            <a:r>
+              <a:rPr lang="en-US" sz="4400" dirty="0" smtClean="0">
+                <a:latin typeface="Garamond" panose="02020404030301010803" pitchFamily="18" charset="0"/>
+                <a:cs typeface="American Typewriter"/>
+              </a:rPr>
+              <a:t>The Importance of Methods</a:t>
+            </a:r>
+            <a:endParaRPr lang="en-US" sz="4400" dirty="0">
+              <a:latin typeface="Garamond" panose="02020404030301010803" pitchFamily="18" charset="0"/>
+              <a:cs typeface="American Typewriter"/>
+            </a:endParaRPr>
+          </a:p>
+        </p:txBody>
+      </p:sp>
+      <p:sp>
+        <p:nvSpPr>
+          <p:cNvPr id="2" name="Content Placeholder 1"/>
+          <p:cNvSpPr>
+            <a:spLocks noGrp="1"/>
+          </p:cNvSpPr>
+          <p:nvPr>
+            <p:ph idx="1"/>
+          </p:nvPr>
+        </p:nvSpPr>
+        <p:spPr/>
+        <p:txBody>
+          <a:bodyPr/>
+          <a:lstStyle/>
+          <a:p>
+            <a:r>
+              <a:rPr lang="en-US" dirty="0" err="1" smtClean="0">
+                <a:hlinkClick r:id="rId3"/>
+              </a:rPr>
+              <a:t>Thync</a:t>
+            </a:r>
+            <a:endParaRPr lang="en-US" dirty="0"/>
+          </a:p>
+        </p:txBody>
+      </p:sp>
+    </p:spTree>
+    <p:extLst>
+      <p:ext uri="{BB962C8B-B14F-4D97-AF65-F5344CB8AC3E}">
+        <p14:creationId xmlns:p14="http://schemas.microsoft.com/office/powerpoint/2010/main" val="3129763891"/>
+      </p:ext>
+    </p:extLst>
+  </p:cSld>
+  <p:clrMapOvr>
+    <a:masterClrMapping/>
+  </p:clrMapOvr>
+  <p:timing>
+    <p:tnLst>
+      <p:par>
+        <p:cTn id="1" dur="indefinite" restart="never" nodeType="tmRoot">
+          <p:childTnLst>
+            <p:seq concurrent="1" nextAc="seek">
+              <p:cTn id="2" dur="indefinite" nodeType="mainSeq">
+                <p:childTnLst>
+                  <p:par>
+                    <p:cTn id="3" fill="hold">
+                      <p:stCondLst>
+                        <p:cond delay="indefinite"/>
+                        <p:cond evt="onBegin" delay="0">
+                          <p:tn val="2"/>
+                        </p:cond>
+                      </p:stCondLst>
+                      <p:childTnLst>
+                        <p:par>
+                          <p:cTn id="4" fill="hold">
+                            <p:stCondLst>
+                              <p:cond delay="0"/>
+                            </p:stCondLst>
+                            <p:childTnLst>
+                              <p:par>
+                                <p:cTn id="5" presetID="1" presetClass="entr" presetSubtype="0" fill="hold" grpId="0" nodeType="withEffect">
+                                  <p:stCondLst>
+                                    <p:cond delay="0"/>
+                                  </p:stCondLst>
+                                  <p:childTnLst>
+                                    <p:set>
+                                      <p:cBhvr>
+                                        <p:cTn id="6" dur="1" fill="hold">
+                                          <p:stCondLst>
+                                            <p:cond delay="0"/>
+                                          </p:stCondLst>
+                                        </p:cTn>
+                                        <p:tgtEl>
+                                          <p:spTgt spid="5"/>
+                                        </p:tgtEl>
+                                        <p:attrNameLst>
+                                          <p:attrName>style.visibility</p:attrName>
+                                        </p:attrNameLst>
+                                      </p:cBhvr>
+                                      <p:to>
+                                        <p:strVal val="visible"/>
+                                      </p:to>
+                                    </p:set>
+                                  </p:childTnLst>
+                                </p:cTn>
+                              </p:par>
+                            </p:childTnLst>
+                          </p:cTn>
+                        </p:par>
+                      </p:childTnLst>
+                    </p:cTn>
+                  </p:par>
+                </p:childTnLst>
+              </p:cTn>
+              <p:prevCondLst>
+                <p:cond evt="onPrev" delay="0">
+                  <p:tgtEl>
+                    <p:sldTgt/>
+                  </p:tgtEl>
+                </p:cond>
+              </p:prevCondLst>
+              <p:nextCondLst>
+                <p:cond evt="onNext" delay="0">
+                  <p:tgtEl>
+                    <p:sldTgt/>
+                  </p:tgtEl>
+                </p:cond>
+              </p:nextCondLst>
+            </p:seq>
+          </p:childTnLst>
+        </p:cTn>
+      </p:par>
+    </p:tnLst>
+    <p:bldLst>
+      <p:bldP spid="5" grpId="0"/>
+    </p:bldLst>
+  </p:timing>
+</p:sld>
+</file>
+
+<file path=ppt/slides/slide2.xml><?xml version="1.0" encoding="utf-8"?>
+<p:sld xmlns:a="http://schemas.openxmlformats.org/drawingml/2006/main" xmlns:r="http://schemas.openxmlformats.org/officeDocument/2006/relationships" xmlns:p="http://schemas.openxmlformats.org/presentationml/2006/main">
+  <p:cSld>
+    <p:spTree>
+      <p:nvGrpSpPr>
+        <p:cNvPr id="1" name=""/>
+        <p:cNvGrpSpPr/>
+        <p:nvPr/>
+      </p:nvGrpSpPr>
+      <p:grpSpPr>
+        <a:xfrm>
+          <a:off x="0" y="0"/>
+          <a:ext cx="0" cy="0"/>
+          <a:chOff x="0" y="0"/>
+          <a:chExt cx="0" cy="0"/>
+        </a:xfrm>
+      </p:grpSpPr>
+      <p:sp>
+        <p:nvSpPr>
+          <p:cNvPr id="2" name="Title 1"/>
+          <p:cNvSpPr>
+            <a:spLocks noGrp="1"/>
+          </p:cNvSpPr>
+          <p:nvPr>
+            <p:ph type="ctrTitle"/>
+          </p:nvPr>
+        </p:nvSpPr>
+        <p:spPr>
+          <a:xfrm>
+            <a:off x="633199" y="804982"/>
+            <a:ext cx="8763932" cy="4758339"/>
+          </a:xfrm>
+        </p:spPr>
+        <p:txBody>
+          <a:bodyPr/>
+          <a:lstStyle/>
+          <a:p>
+            <a:r>
+              <a:rPr lang="en-US" sz="7200" b="1" dirty="0" smtClean="0">
+                <a:latin typeface="Garamond" panose="02020404030301010803" pitchFamily="18" charset="0"/>
+                <a:cs typeface="American Typewriter"/>
+              </a:rPr>
+              <a:t>Welcome! </a:t>
+            </a:r>
+            <a:br>
+              <a:rPr lang="en-US" sz="7200" b="1" dirty="0" smtClean="0">
+                <a:latin typeface="Garamond" panose="02020404030301010803" pitchFamily="18" charset="0"/>
+                <a:cs typeface="American Typewriter"/>
+              </a:rPr>
+            </a:br>
+            <a:r>
+              <a:rPr lang="en-US" sz="7200" b="1" dirty="0" smtClean="0">
+                <a:latin typeface="Garamond" panose="02020404030301010803" pitchFamily="18" charset="0"/>
+                <a:cs typeface="American Typewriter"/>
+              </a:rPr>
+              <a:t>Psych 241 </a:t>
+            </a:r>
+            <a:br>
+              <a:rPr lang="en-US" sz="7200" b="1" dirty="0" smtClean="0">
+                <a:latin typeface="Garamond" panose="02020404030301010803" pitchFamily="18" charset="0"/>
+                <a:cs typeface="American Typewriter"/>
+              </a:rPr>
+            </a:br>
+            <a:r>
+              <a:rPr lang="en-US" sz="7200" b="1" dirty="0" smtClean="0">
+                <a:latin typeface="Garamond" panose="02020404030301010803" pitchFamily="18" charset="0"/>
+                <a:cs typeface="American Typewriter"/>
+              </a:rPr>
+              <a:t>Lab: LS </a:t>
+            </a:r>
+            <a:br>
+              <a:rPr lang="en-US" sz="7200" b="1" dirty="0" smtClean="0">
+                <a:latin typeface="Garamond" panose="02020404030301010803" pitchFamily="18" charset="0"/>
+                <a:cs typeface="American Typewriter"/>
+              </a:rPr>
+            </a:br>
+            <a:r>
+              <a:rPr lang="en-US" sz="7200" b="1" dirty="0" smtClean="0">
+                <a:latin typeface="Garamond" panose="02020404030301010803" pitchFamily="18" charset="0"/>
+                <a:cs typeface="American Typewriter"/>
+              </a:rPr>
+              <a:t>T, </a:t>
+            </a:r>
+            <a:r>
+              <a:rPr lang="en-US" sz="7200" b="1" dirty="0" err="1" smtClean="0">
+                <a:latin typeface="Garamond" panose="02020404030301010803" pitchFamily="18" charset="0"/>
+                <a:cs typeface="American Typewriter"/>
+              </a:rPr>
+              <a:t>Th</a:t>
+            </a:r>
+            <a:r>
+              <a:rPr lang="en-US" sz="7200" b="1" dirty="0" smtClean="0">
+                <a:latin typeface="Garamond" panose="02020404030301010803" pitchFamily="18" charset="0"/>
+                <a:cs typeface="American Typewriter"/>
+              </a:rPr>
+              <a:t>: 1:00-2:15</a:t>
+            </a:r>
+            <a:endParaRPr lang="en-US" sz="7200" b="1" dirty="0">
+              <a:latin typeface="Garamond" panose="02020404030301010803" pitchFamily="18" charset="0"/>
+              <a:cs typeface="American Typewriter"/>
+            </a:endParaRPr>
+          </a:p>
+        </p:txBody>
+      </p:sp>
+    </p:spTree>
+    <p:extLst>
+      <p:ext uri="{BB962C8B-B14F-4D97-AF65-F5344CB8AC3E}">
+        <p14:creationId xmlns:p14="http://schemas.microsoft.com/office/powerpoint/2010/main" val="1986668808"/>
+      </p:ext>
+    </p:extLst>
+  </p:cSld>
+  <p:clrMapOvr>
+    <a:masterClrMapping/>
+  </p:clrMapOvr>
+  <p:timing>
+    <p:tnLst>
+      <p:par>
+        <p:cTn id="1" dur="indefinite" restart="never" nodeType="tmRoot"/>
+      </p:par>
+    </p:tnLst>
+  </p:timing>
+</p:sld>
+</file>
+
+<file path=ppt/slides/slide20.xml><?xml version="1.0" encoding="utf-8"?>
+<p:sld xmlns:a="http://schemas.openxmlformats.org/drawingml/2006/main" xmlns:r="http://schemas.openxmlformats.org/officeDocument/2006/relationships" xmlns:p="http://schemas.openxmlformats.org/presentationml/2006/main">
+  <p:cSld>
+    <p:spTree>
+      <p:nvGrpSpPr>
+        <p:cNvPr id="1" name=""/>
+        <p:cNvGrpSpPr/>
+        <p:nvPr/>
+      </p:nvGrpSpPr>
+      <p:grpSpPr>
+        <a:xfrm>
+          <a:off x="0" y="0"/>
+          <a:ext cx="0" cy="0"/>
+          <a:chOff x="0" y="0"/>
+          <a:chExt cx="0" cy="0"/>
+        </a:xfrm>
+      </p:grpSpPr>
+      <p:pic>
+        <p:nvPicPr>
+          <p:cNvPr id="4" name="Picture 3"/>
+          <p:cNvPicPr>
+            <a:picLocks noChangeAspect="1"/>
+          </p:cNvPicPr>
+          <p:nvPr/>
+        </p:nvPicPr>
+        <p:blipFill>
+          <a:blip r:embed="rId3"/>
+          <a:stretch>
+            <a:fillRect/>
+          </a:stretch>
+        </p:blipFill>
+        <p:spPr>
+          <a:xfrm>
+            <a:off x="-32980" y="697878"/>
+            <a:ext cx="9176980" cy="4581182"/>
+          </a:xfrm>
+          <a:prstGeom prst="rect">
+            <a:avLst/>
+          </a:prstGeom>
+        </p:spPr>
+      </p:pic>
+    </p:spTree>
+    <p:extLst>
+      <p:ext uri="{BB962C8B-B14F-4D97-AF65-F5344CB8AC3E}">
+        <p14:creationId xmlns:p14="http://schemas.microsoft.com/office/powerpoint/2010/main" val="732906150"/>
+      </p:ext>
+    </p:extLst>
+  </p:cSld>
+  <p:clrMapOvr>
+    <a:masterClrMapping/>
+  </p:clrMapOvr>
+  <p:timing>
+    <p:tnLst>
+      <p:par>
+        <p:cTn id="1" dur="indefinite" restart="never" nodeType="tmRoot"/>
+      </p:par>
+    </p:tnLst>
+  </p:timing>
+</p:sld>
+</file>
+
+<file path=ppt/slides/slide21.xml><?xml version="1.0" encoding="utf-8"?>
+<p:sld xmlns:a="http://schemas.openxmlformats.org/drawingml/2006/main" xmlns:r="http://schemas.openxmlformats.org/officeDocument/2006/relationships" xmlns:p="http://schemas.openxmlformats.org/presentationml/2006/main">
+  <p:cSld>
+    <p:spTree>
+      <p:nvGrpSpPr>
+        <p:cNvPr id="1" name=""/>
+        <p:cNvGrpSpPr/>
+        <p:nvPr/>
+      </p:nvGrpSpPr>
+      <p:grpSpPr>
+        <a:xfrm>
+          <a:off x="0" y="0"/>
+          <a:ext cx="0" cy="0"/>
+          <a:chOff x="0" y="0"/>
+          <a:chExt cx="0" cy="0"/>
+        </a:xfrm>
+      </p:grpSpPr>
+      <p:sp>
+        <p:nvSpPr>
+          <p:cNvPr id="3" name="Content Placeholder 2"/>
+          <p:cNvSpPr>
+            <a:spLocks noGrp="1"/>
+          </p:cNvSpPr>
+          <p:nvPr>
+            <p:ph idx="1"/>
+          </p:nvPr>
+        </p:nvSpPr>
+        <p:spPr>
+          <a:xfrm>
+            <a:off x="549275" y="1527644"/>
+            <a:ext cx="7897496" cy="5590926"/>
+          </a:xfrm>
+        </p:spPr>
+        <p:txBody>
+          <a:bodyPr>
+            <a:normAutofit/>
+          </a:bodyPr>
+          <a:lstStyle/>
+          <a:p>
+            <a:pPr>
+              <a:buFontTx/>
+              <a:buChar char="•"/>
+            </a:pPr>
+            <a:r>
+              <a:rPr lang="en-US" sz="3300" dirty="0" smtClean="0">
+                <a:latin typeface="Garamond" panose="02020404030301010803" pitchFamily="18" charset="0"/>
+                <a:cs typeface="American Typewriter"/>
+              </a:rPr>
+              <a:t>Show Up! We’ll run the first experiment of the lab.</a:t>
+            </a:r>
+          </a:p>
+          <a:p>
+            <a:pPr>
+              <a:buFontTx/>
+              <a:buChar char="•"/>
+            </a:pPr>
+            <a:r>
+              <a:rPr lang="en-US" sz="3300" dirty="0" smtClean="0">
+                <a:latin typeface="Garamond" panose="02020404030301010803" pitchFamily="18" charset="0"/>
+                <a:cs typeface="American Typewriter"/>
+              </a:rPr>
+              <a:t>Prepare for Quiz on the Course Policies.</a:t>
+            </a:r>
+            <a:endParaRPr lang="en-US" sz="3100" dirty="0" smtClean="0">
+              <a:latin typeface="Garamond" panose="02020404030301010803" pitchFamily="18" charset="0"/>
+              <a:cs typeface="American Typewriter"/>
+            </a:endParaRPr>
+          </a:p>
+          <a:p>
+            <a:pPr>
+              <a:buFontTx/>
+              <a:buChar char="•"/>
+            </a:pPr>
+            <a:r>
+              <a:rPr lang="en-US" sz="3300" dirty="0" smtClean="0">
+                <a:latin typeface="Garamond" panose="02020404030301010803" pitchFamily="18" charset="0"/>
+                <a:cs typeface="American Typewriter"/>
+              </a:rPr>
+              <a:t>Bring your Course Packet!</a:t>
+            </a:r>
+            <a:endParaRPr lang="en-US" sz="3100" dirty="0" smtClean="0">
+              <a:latin typeface="Garamond" panose="02020404030301010803" pitchFamily="18" charset="0"/>
+              <a:cs typeface="American Typewriter"/>
+            </a:endParaRPr>
+          </a:p>
+        </p:txBody>
+      </p:sp>
+      <p:sp>
+        <p:nvSpPr>
+          <p:cNvPr id="5" name="Title 1"/>
+          <p:cNvSpPr>
+            <a:spLocks noGrp="1"/>
+          </p:cNvSpPr>
+          <p:nvPr>
+            <p:ph type="title"/>
+          </p:nvPr>
+        </p:nvSpPr>
+        <p:spPr>
+          <a:xfrm>
+            <a:off x="946404" y="365760"/>
+            <a:ext cx="7269480" cy="811530"/>
+          </a:xfrm>
+        </p:spPr>
+        <p:txBody>
+          <a:bodyPr>
+            <a:normAutofit/>
+          </a:bodyPr>
+          <a:lstStyle/>
+          <a:p>
+            <a:r>
+              <a:rPr lang="en-US" sz="4400" dirty="0" smtClean="0">
+                <a:latin typeface="Garamond" panose="02020404030301010803" pitchFamily="18" charset="0"/>
+                <a:cs typeface="American Typewriter"/>
+              </a:rPr>
+              <a:t>Next Tuesday, January 26</a:t>
+            </a:r>
+            <a:endParaRPr lang="en-US" sz="4400" dirty="0">
+              <a:latin typeface="Garamond" panose="02020404030301010803" pitchFamily="18" charset="0"/>
+              <a:cs typeface="American Typewriter"/>
+            </a:endParaRPr>
+          </a:p>
+        </p:txBody>
+      </p:sp>
+    </p:spTree>
+    <p:extLst>
+      <p:ext uri="{BB962C8B-B14F-4D97-AF65-F5344CB8AC3E}">
+        <p14:creationId xmlns:p14="http://schemas.microsoft.com/office/powerpoint/2010/main" val="4084997573"/>
+      </p:ext>
+    </p:extLst>
+  </p:cSld>
+  <p:clrMapOvr>
+    <a:masterClrMapping/>
+  </p:clrMapOvr>
+  <p:timing>
+    <p:tnLst>
+      <p:par>
+        <p:cTn id="1" dur="indefinite" restart="never" nodeType="tmRoot"/>
+      </p:par>
+    </p:tnLst>
+  </p:timing>
+</p:sld>
+</file>
+
+<file path=ppt/slides/slide22.xml><?xml version="1.0" encoding="utf-8"?>
+<p:sld xmlns:a="http://schemas.openxmlformats.org/drawingml/2006/main" xmlns:r="http://schemas.openxmlformats.org/officeDocument/2006/relationships" xmlns:p="http://schemas.openxmlformats.org/presentationml/2006/main">
+  <p:cSld>
+    <p:spTree>
+      <p:nvGrpSpPr>
+        <p:cNvPr id="1" name=""/>
+        <p:cNvGrpSpPr/>
+        <p:nvPr/>
+      </p:nvGrpSpPr>
+      <p:grpSpPr>
+        <a:xfrm>
+          <a:off x="0" y="0"/>
+          <a:ext cx="0" cy="0"/>
+          <a:chOff x="0" y="0"/>
+          <a:chExt cx="0" cy="0"/>
+        </a:xfrm>
+      </p:grpSpPr>
+      <p:sp>
+        <p:nvSpPr>
+          <p:cNvPr id="3" name="Content Placeholder 2"/>
+          <p:cNvSpPr>
+            <a:spLocks noGrp="1"/>
+          </p:cNvSpPr>
+          <p:nvPr>
+            <p:ph idx="1"/>
+          </p:nvPr>
+        </p:nvSpPr>
+        <p:spPr>
+          <a:xfrm>
+            <a:off x="549275" y="1527644"/>
+            <a:ext cx="7897496" cy="5590926"/>
+          </a:xfrm>
+        </p:spPr>
+        <p:txBody>
+          <a:bodyPr>
+            <a:normAutofit/>
+          </a:bodyPr>
+          <a:lstStyle/>
+          <a:p>
+            <a:pPr>
+              <a:buFontTx/>
+              <a:buChar char="•"/>
+            </a:pPr>
+            <a:r>
+              <a:rPr lang="en-US" sz="3100" dirty="0" smtClean="0">
+                <a:latin typeface="Garamond" panose="02020404030301010803" pitchFamily="18" charset="0"/>
+                <a:cs typeface="American Typewriter"/>
+              </a:rPr>
+              <a:t>Any Questions</a:t>
+            </a:r>
+            <a:r>
+              <a:rPr lang="en-US" sz="3100" dirty="0" smtClean="0">
+                <a:latin typeface="Garamond" panose="02020404030301010803" pitchFamily="18" charset="0"/>
+                <a:cs typeface="American Typewriter"/>
+              </a:rPr>
+              <a:t>?</a:t>
+            </a:r>
+          </a:p>
+          <a:p>
+            <a:pPr lvl="1">
+              <a:buFontTx/>
+              <a:buChar char="•"/>
+            </a:pPr>
+            <a:r>
+              <a:rPr lang="en-US" sz="2900" dirty="0" smtClean="0">
+                <a:latin typeface="Garamond" panose="02020404030301010803" pitchFamily="18" charset="0"/>
+                <a:cs typeface="American Typewriter"/>
+              </a:rPr>
+              <a:t>Including about lecture materials?</a:t>
+            </a:r>
+            <a:endParaRPr lang="en-US" sz="2900" dirty="0" smtClean="0">
+              <a:latin typeface="Garamond" panose="02020404030301010803" pitchFamily="18" charset="0"/>
+              <a:cs typeface="American Typewriter"/>
+            </a:endParaRPr>
+          </a:p>
+          <a:p>
+            <a:pPr>
+              <a:buFontTx/>
+              <a:buChar char="•"/>
+            </a:pPr>
+            <a:r>
+              <a:rPr lang="en-US" sz="3100" dirty="0" smtClean="0">
+                <a:latin typeface="Garamond" panose="02020404030301010803" pitchFamily="18" charset="0"/>
+                <a:cs typeface="American Typewriter"/>
+              </a:rPr>
+              <a:t>Hope that you’ve enjoyed your first week of classes.</a:t>
+            </a:r>
+          </a:p>
+        </p:txBody>
+      </p:sp>
+      <p:sp>
+        <p:nvSpPr>
+          <p:cNvPr id="5" name="Title 1"/>
+          <p:cNvSpPr>
+            <a:spLocks noGrp="1"/>
+          </p:cNvSpPr>
+          <p:nvPr>
+            <p:ph type="title"/>
+          </p:nvPr>
+        </p:nvSpPr>
+        <p:spPr>
+          <a:xfrm>
+            <a:off x="946404" y="365760"/>
+            <a:ext cx="7269480" cy="811530"/>
+          </a:xfrm>
+        </p:spPr>
+        <p:txBody>
+          <a:bodyPr>
+            <a:normAutofit/>
+          </a:bodyPr>
+          <a:lstStyle/>
+          <a:p>
+            <a:r>
+              <a:rPr lang="en-US" sz="4400" dirty="0" smtClean="0">
+                <a:latin typeface="Garamond" panose="02020404030301010803" pitchFamily="18" charset="0"/>
+                <a:cs typeface="American Typewriter"/>
+              </a:rPr>
+              <a:t>Have a great semester!</a:t>
+            </a:r>
+            <a:endParaRPr lang="en-US" sz="4400" dirty="0">
+              <a:latin typeface="Garamond" panose="02020404030301010803" pitchFamily="18" charset="0"/>
+              <a:cs typeface="American Typewriter"/>
+            </a:endParaRPr>
+          </a:p>
+        </p:txBody>
+      </p:sp>
+    </p:spTree>
+    <p:extLst>
+      <p:ext uri="{BB962C8B-B14F-4D97-AF65-F5344CB8AC3E}">
+        <p14:creationId xmlns:p14="http://schemas.microsoft.com/office/powerpoint/2010/main" val="64661644"/>
+      </p:ext>
+    </p:extLst>
+  </p:cSld>
+  <p:clrMapOvr>
+    <a:masterClrMapping/>
+  </p:clrMapOvr>
+  <p:timing>
+    <p:tnLst>
+      <p:par>
+        <p:cTn id="1" dur="indefinite" restart="never" nodeType="tmRoot"/>
+      </p:par>
+    </p:tnLst>
+  </p:timing>
+</p:sld>
+</file>
+
+<file path=ppt/slides/slide3.xml><?xml version="1.0" encoding="utf-8"?>
+<p:sld xmlns:a="http://schemas.openxmlformats.org/drawingml/2006/main" xmlns:r="http://schemas.openxmlformats.org/officeDocument/2006/relationships" xmlns:p="http://schemas.openxmlformats.org/presentationml/2006/main">
+  <p:cSld>
+    <p:spTree>
+      <p:nvGrpSpPr>
+        <p:cNvPr id="1" name=""/>
+        <p:cNvGrpSpPr/>
+        <p:nvPr/>
+      </p:nvGrpSpPr>
+      <p:grpSpPr>
+        <a:xfrm>
+          <a:off x="0" y="0"/>
+          <a:ext cx="0" cy="0"/>
+          <a:chOff x="0" y="0"/>
+          <a:chExt cx="0" cy="0"/>
+        </a:xfrm>
+      </p:grpSpPr>
+      <p:sp>
+        <p:nvSpPr>
+          <p:cNvPr id="2" name="Title 1"/>
+          <p:cNvSpPr>
+            <a:spLocks noGrp="1"/>
+          </p:cNvSpPr>
+          <p:nvPr>
+            <p:ph type="title"/>
+          </p:nvPr>
+        </p:nvSpPr>
+        <p:spPr>
+          <a:xfrm>
+            <a:off x="946404" y="365760"/>
+            <a:ext cx="7269480" cy="811530"/>
+          </a:xfrm>
+        </p:spPr>
+        <p:txBody>
+          <a:bodyPr>
+            <a:normAutofit/>
+          </a:bodyPr>
+          <a:lstStyle/>
+          <a:p>
+            <a:r>
+              <a:rPr lang="en-US" sz="4400" dirty="0" smtClean="0">
+                <a:latin typeface="Garamond" panose="02020404030301010803" pitchFamily="18" charset="0"/>
+                <a:cs typeface="American Typewriter"/>
+              </a:rPr>
+              <a:t>Outline</a:t>
+            </a:r>
+            <a:endParaRPr lang="en-US" sz="4400" dirty="0">
+              <a:latin typeface="Garamond" panose="02020404030301010803" pitchFamily="18" charset="0"/>
+              <a:cs typeface="American Typewriter"/>
+            </a:endParaRPr>
+          </a:p>
+        </p:txBody>
+      </p:sp>
+      <p:sp>
+        <p:nvSpPr>
+          <p:cNvPr id="3" name="Content Placeholder 2"/>
+          <p:cNvSpPr>
+            <a:spLocks noGrp="1"/>
+          </p:cNvSpPr>
+          <p:nvPr>
+            <p:ph idx="1"/>
+          </p:nvPr>
+        </p:nvSpPr>
+        <p:spPr>
+          <a:xfrm>
+            <a:off x="125199" y="1600200"/>
+            <a:ext cx="8298712" cy="4587239"/>
+          </a:xfrm>
+        </p:spPr>
+        <p:txBody>
+          <a:bodyPr>
+            <a:normAutofit/>
+          </a:bodyPr>
+          <a:lstStyle/>
+          <a:p>
+            <a:r>
+              <a:rPr lang="en-US" sz="3600" dirty="0" smtClean="0">
+                <a:latin typeface="Garamond" panose="02020404030301010803" pitchFamily="18" charset="0"/>
+                <a:cs typeface="American Typewriter"/>
+              </a:rPr>
+              <a:t>Meet the class</a:t>
+            </a:r>
+          </a:p>
+          <a:p>
+            <a:r>
+              <a:rPr lang="en-US" sz="3600" dirty="0" smtClean="0">
+                <a:latin typeface="Garamond" panose="02020404030301010803" pitchFamily="18" charset="0"/>
+                <a:cs typeface="American Typewriter"/>
+              </a:rPr>
+              <a:t>Course Policies</a:t>
+            </a:r>
+          </a:p>
+          <a:p>
+            <a:pPr lvl="1"/>
+            <a:r>
+              <a:rPr lang="en-US" sz="3400" dirty="0" smtClean="0">
+                <a:latin typeface="Garamond" panose="02020404030301010803" pitchFamily="18" charset="0"/>
+                <a:cs typeface="American Typewriter"/>
+              </a:rPr>
+              <a:t>Assign homework</a:t>
+            </a:r>
+          </a:p>
+          <a:p>
+            <a:r>
+              <a:rPr lang="en-US" sz="3600" dirty="0" smtClean="0">
+                <a:latin typeface="Garamond" panose="02020404030301010803" pitchFamily="18" charset="0"/>
+                <a:cs typeface="American Typewriter"/>
+              </a:rPr>
+              <a:t>Overview of projects</a:t>
+            </a:r>
+          </a:p>
+          <a:p>
+            <a:r>
+              <a:rPr lang="en-US" sz="3600" dirty="0" smtClean="0">
+                <a:latin typeface="Garamond" panose="02020404030301010803" pitchFamily="18" charset="0"/>
+                <a:cs typeface="American Typewriter"/>
+              </a:rPr>
+              <a:t>The Importance of Methods</a:t>
+            </a:r>
+          </a:p>
+          <a:p>
+            <a:endParaRPr lang="en-US" sz="3800" dirty="0">
+              <a:latin typeface="Garamond" panose="02020404030301010803" pitchFamily="18" charset="0"/>
+              <a:cs typeface="American Typewriter"/>
+            </a:endParaRPr>
+          </a:p>
+          <a:p>
+            <a:endParaRPr lang="en-US" sz="3600" dirty="0" smtClean="0">
+              <a:latin typeface="Garamond" panose="02020404030301010803" pitchFamily="18" charset="0"/>
+              <a:cs typeface="American Typewriter"/>
+            </a:endParaRPr>
+          </a:p>
+        </p:txBody>
+      </p:sp>
+    </p:spTree>
+    <p:extLst>
+      <p:ext uri="{BB962C8B-B14F-4D97-AF65-F5344CB8AC3E}">
+        <p14:creationId xmlns:p14="http://schemas.microsoft.com/office/powerpoint/2010/main" val="116643627"/>
+      </p:ext>
+    </p:extLst>
+  </p:cSld>
+  <p:clrMapOvr>
+    <a:masterClrMapping/>
+  </p:clrMapOvr>
+  <p:timing>
+    <p:tnLst>
+      <p:par>
+        <p:cTn id="1" dur="indefinite" restart="never" nodeType="tmRoot"/>
+      </p:par>
+    </p:tnLst>
+  </p:timing>
+</p:sld>
+</file>
+
+<file path=ppt/slides/slide4.xml><?xml version="1.0" encoding="utf-8"?>
+<p:sld xmlns:a="http://schemas.openxmlformats.org/drawingml/2006/main" xmlns:r="http://schemas.openxmlformats.org/officeDocument/2006/relationships" xmlns:p="http://schemas.openxmlformats.org/presentationml/2006/main">
+  <p:cSld>
+    <p:spTree>
+      <p:nvGrpSpPr>
+        <p:cNvPr id="1" name=""/>
+        <p:cNvGrpSpPr/>
+        <p:nvPr/>
+      </p:nvGrpSpPr>
+      <p:grpSpPr>
+        <a:xfrm>
+          <a:off x="0" y="0"/>
+          <a:ext cx="0" cy="0"/>
+          <a:chOff x="0" y="0"/>
+          <a:chExt cx="0" cy="0"/>
+        </a:xfrm>
+      </p:grpSpPr>
+      <p:sp>
+        <p:nvSpPr>
+          <p:cNvPr id="2" name="Title 1"/>
+          <p:cNvSpPr>
+            <a:spLocks noGrp="1"/>
+          </p:cNvSpPr>
+          <p:nvPr>
+            <p:ph type="title"/>
+          </p:nvPr>
+        </p:nvSpPr>
+        <p:spPr>
+          <a:xfrm>
+            <a:off x="946404" y="365760"/>
+            <a:ext cx="7269480" cy="811530"/>
+          </a:xfrm>
+        </p:spPr>
+        <p:txBody>
+          <a:bodyPr>
+            <a:normAutofit/>
+          </a:bodyPr>
+          <a:lstStyle/>
+          <a:p>
+            <a:r>
+              <a:rPr lang="en-US" sz="4400" dirty="0" smtClean="0">
+                <a:latin typeface="Garamond" panose="02020404030301010803" pitchFamily="18" charset="0"/>
+                <a:cs typeface="American Typewriter"/>
+              </a:rPr>
+              <a:t>Meet Me</a:t>
+            </a:r>
+            <a:endParaRPr lang="en-US" sz="4400" dirty="0">
+              <a:latin typeface="Garamond" panose="02020404030301010803" pitchFamily="18" charset="0"/>
+              <a:cs typeface="American Typewriter"/>
+            </a:endParaRPr>
+          </a:p>
+        </p:txBody>
+      </p:sp>
+      <p:sp>
+        <p:nvSpPr>
+          <p:cNvPr id="3" name="Content Placeholder 2"/>
+          <p:cNvSpPr>
+            <a:spLocks noGrp="1"/>
+          </p:cNvSpPr>
+          <p:nvPr>
+            <p:ph idx="1"/>
+          </p:nvPr>
+        </p:nvSpPr>
+        <p:spPr>
+          <a:xfrm>
+            <a:off x="125199" y="1600200"/>
+            <a:ext cx="8298712" cy="4587239"/>
+          </a:xfrm>
+        </p:spPr>
+        <p:txBody>
+          <a:bodyPr>
+            <a:normAutofit lnSpcReduction="10000"/>
+          </a:bodyPr>
+          <a:lstStyle/>
+          <a:p>
+            <a:r>
+              <a:rPr lang="en-US" sz="3600" dirty="0" smtClean="0">
+                <a:latin typeface="Garamond" panose="02020404030301010803" pitchFamily="18" charset="0"/>
+                <a:cs typeface="American Typewriter"/>
+              </a:rPr>
+              <a:t>Patrick </a:t>
+            </a:r>
+            <a:r>
+              <a:rPr lang="en-US" sz="3600" dirty="0" err="1" smtClean="0">
+                <a:latin typeface="Garamond" panose="02020404030301010803" pitchFamily="18" charset="0"/>
+                <a:cs typeface="American Typewriter"/>
+              </a:rPr>
+              <a:t>Sadil</a:t>
+            </a:r>
+            <a:endParaRPr lang="en-US" sz="3600" dirty="0" smtClean="0">
+              <a:latin typeface="Garamond" panose="02020404030301010803" pitchFamily="18" charset="0"/>
+              <a:cs typeface="American Typewriter"/>
+            </a:endParaRPr>
+          </a:p>
+          <a:p>
+            <a:pPr lvl="1"/>
+            <a:r>
+              <a:rPr lang="en-US" sz="3400" dirty="0" smtClean="0">
+                <a:latin typeface="Garamond" panose="02020404030301010803" pitchFamily="18" charset="0"/>
+                <a:cs typeface="American Typewriter"/>
+              </a:rPr>
+              <a:t>PhD Student in Cognitive Psychology</a:t>
+            </a:r>
+          </a:p>
+          <a:p>
+            <a:pPr lvl="1"/>
+            <a:r>
+              <a:rPr lang="en-US" sz="3600" dirty="0" smtClean="0">
+                <a:latin typeface="Garamond" panose="02020404030301010803" pitchFamily="18" charset="0"/>
+                <a:cs typeface="American Typewriter"/>
+              </a:rPr>
+              <a:t>Interested in the overlapping neural substrates responsible for episodic memory and visual perception</a:t>
+            </a:r>
+          </a:p>
+          <a:p>
+            <a:pPr lvl="2"/>
+            <a:r>
+              <a:rPr lang="en-US" sz="3400" dirty="0" smtClean="0">
+                <a:latin typeface="Garamond" panose="02020404030301010803" pitchFamily="18" charset="0"/>
+                <a:cs typeface="American Typewriter"/>
+              </a:rPr>
+              <a:t>computational modelling</a:t>
+            </a:r>
+          </a:p>
+          <a:p>
+            <a:pPr lvl="2"/>
+            <a:r>
+              <a:rPr lang="en-US" sz="3400" dirty="0" smtClean="0">
+                <a:latin typeface="Garamond" panose="02020404030301010803" pitchFamily="18" charset="0"/>
+                <a:cs typeface="American Typewriter"/>
+              </a:rPr>
+              <a:t>fMRI</a:t>
+            </a:r>
+          </a:p>
+          <a:p>
+            <a:pPr lvl="2"/>
+            <a:r>
+              <a:rPr lang="en-US" sz="3400" dirty="0" smtClean="0">
+                <a:latin typeface="Garamond" panose="02020404030301010803" pitchFamily="18" charset="0"/>
+                <a:cs typeface="American Typewriter"/>
+              </a:rPr>
+              <a:t>Behavioral experiments</a:t>
+            </a:r>
+          </a:p>
+          <a:p>
+            <a:pPr lvl="1"/>
+            <a:r>
+              <a:rPr lang="en-US" sz="3600" dirty="0" smtClean="0">
+                <a:latin typeface="Garamond" panose="02020404030301010803" pitchFamily="18" charset="0"/>
+                <a:cs typeface="American Typewriter"/>
+              </a:rPr>
+              <a:t>Open Source Collaboration</a:t>
+            </a:r>
+          </a:p>
+        </p:txBody>
+      </p:sp>
+    </p:spTree>
+    <p:extLst>
+      <p:ext uri="{BB962C8B-B14F-4D97-AF65-F5344CB8AC3E}">
+        <p14:creationId xmlns:p14="http://schemas.microsoft.com/office/powerpoint/2010/main" val="2480777416"/>
+      </p:ext>
+    </p:extLst>
+  </p:cSld>
+  <p:clrMapOvr>
+    <a:masterClrMapping/>
+  </p:clrMapOvr>
+  <p:timing>
+    <p:tnLst>
+      <p:par>
+        <p:cTn id="1" dur="indefinite" restart="never" nodeType="tmRoot">
+          <p:childTnLst>
+            <p:seq concurrent="1" nextAc="seek">
+              <p:cTn id="2" dur="indefinite" nodeType="mainSeq">
+                <p:childTnLst>
+                  <p:par>
+                    <p:cTn id="3" fill="hold">
+                      <p:stCondLst>
+                        <p:cond delay="indefinite"/>
+                        <p:cond evt="onBegin" delay="0">
+                          <p:tn val="2"/>
+                        </p:cond>
+                      </p:stCondLst>
+                      <p:childTnLst>
+                        <p:par>
+                          <p:cTn id="4" fill="hold">
+                            <p:stCondLst>
+                              <p:cond delay="0"/>
+                            </p:stCondLst>
+                            <p:childTnLst>
+                              <p:par>
+                                <p:cTn id="5" presetID="1" presetClass="entr" presetSubtype="0" fill="hold" grpId="0" nodeType="withEffect">
+                                  <p:stCondLst>
+                                    <p:cond delay="0"/>
+                                  </p:stCondLst>
+                                  <p:childTnLst>
+                                    <p:set>
+                                      <p:cBhvr>
+                                        <p:cTn id="6" dur="1" fill="hold">
+                                          <p:stCondLst>
+                                            <p:cond delay="0"/>
+                                          </p:stCondLst>
+                                        </p:cTn>
+                                        <p:tgtEl>
+                                          <p:spTgt spid="2"/>
+                                        </p:tgtEl>
+                                        <p:attrNameLst>
+                                          <p:attrName>style.visibility</p:attrName>
+                                        </p:attrNameLst>
+                                      </p:cBhvr>
+                                      <p:to>
+                                        <p:strVal val="visible"/>
+                                      </p:to>
+                                    </p:set>
+                                  </p:childTnLst>
+                                </p:cTn>
+                              </p:par>
+                            </p:childTnLst>
+                          </p:cTn>
+                        </p:par>
+                      </p:childTnLst>
+                    </p:cTn>
+                  </p:par>
+                  <p:par>
+                    <p:cTn id="7" fill="hold">
+                      <p:stCondLst>
+                        <p:cond delay="indefinite"/>
+                      </p:stCondLst>
+                      <p:childTnLst>
+                        <p:par>
+                          <p:cTn id="8" fill="hold">
+                            <p:stCondLst>
+                              <p:cond delay="0"/>
+                            </p:stCondLst>
+                            <p:childTnLst>
+                              <p:par>
+                                <p:cTn id="9" presetID="1" presetClass="entr" presetSubtype="0" fill="hold" nodeType="clickEffect">
+                                  <p:stCondLst>
+                                    <p:cond delay="0"/>
+                                  </p:stCondLst>
+                                  <p:childTnLst>
+                                    <p:set>
+                                      <p:cBhvr>
+                                        <p:cTn id="10" dur="1" fill="hold">
+                                          <p:stCondLst>
+                                            <p:cond delay="0"/>
+                                          </p:stCondLst>
+                                        </p:cTn>
+                                        <p:tgtEl>
+                                          <p:spTgt spid="3">
+                                            <p:txEl>
+                                              <p:pRg st="0" end="0"/>
+                                            </p:txEl>
+                                          </p:spTgt>
+                                        </p:tgtEl>
+                                        <p:attrNameLst>
+                                          <p:attrName>style.visibility</p:attrName>
+                                        </p:attrNameLst>
+                                      </p:cBhvr>
+                                      <p:to>
+                                        <p:strVal val="visible"/>
+                                      </p:to>
+                                    </p:set>
+                                  </p:childTnLst>
+                                </p:cTn>
+                              </p:par>
+                            </p:childTnLst>
+                          </p:cTn>
+                        </p:par>
+                      </p:childTnLst>
+                    </p:cTn>
+                  </p:par>
+                  <p:par>
+                    <p:cTn id="11" fill="hold">
+                      <p:stCondLst>
+                        <p:cond delay="indefinite"/>
+                      </p:stCondLst>
+                      <p:childTnLst>
+                        <p:par>
+                          <p:cTn id="12" fill="hold">
+                            <p:stCondLst>
+                              <p:cond delay="0"/>
+                            </p:stCondLst>
+                            <p:childTnLst>
+                              <p:par>
+                                <p:cTn id="13" presetID="1" presetClass="entr" presetSubtype="0" fill="hold" nodeType="clickEffect">
+                                  <p:stCondLst>
+                                    <p:cond delay="0"/>
+                                  </p:stCondLst>
+                                  <p:childTnLst>
+                                    <p:set>
+                                      <p:cBhvr>
+                                        <p:cTn id="14" dur="1" fill="hold">
+                                          <p:stCondLst>
+                                            <p:cond delay="0"/>
+                                          </p:stCondLst>
+                                        </p:cTn>
+                                        <p:tgtEl>
+                                          <p:spTgt spid="3">
+                                            <p:txEl>
+                                              <p:pRg st="1" end="1"/>
+                                            </p:txEl>
+                                          </p:spTgt>
+                                        </p:tgtEl>
+                                        <p:attrNameLst>
+                                          <p:attrName>style.visibility</p:attrName>
+                                        </p:attrNameLst>
+                                      </p:cBhvr>
+                                      <p:to>
+                                        <p:strVal val="visible"/>
+                                      </p:to>
+                                    </p:set>
+                                  </p:childTnLst>
+                                </p:cTn>
+                              </p:par>
+                            </p:childTnLst>
+                          </p:cTn>
+                        </p:par>
+                      </p:childTnLst>
+                    </p:cTn>
+                  </p:par>
+                  <p:par>
+                    <p:cTn id="15" fill="hold">
+                      <p:stCondLst>
+                        <p:cond delay="indefinite"/>
+                      </p:stCondLst>
+                      <p:childTnLst>
+                        <p:par>
+                          <p:cTn id="16" fill="hold">
+                            <p:stCondLst>
+                              <p:cond delay="0"/>
+                            </p:stCondLst>
+                            <p:childTnLst>
+                              <p:par>
+                                <p:cTn id="17" presetID="1" presetClass="entr" presetSubtype="0" fill="hold" nodeType="clickEffect">
+                                  <p:stCondLst>
+                                    <p:cond delay="0"/>
+                                  </p:stCondLst>
+                                  <p:childTnLst>
+                                    <p:set>
+                                      <p:cBhvr>
+                                        <p:cTn id="18" dur="1" fill="hold">
+                                          <p:stCondLst>
+                                            <p:cond delay="0"/>
+                                          </p:stCondLst>
+                                        </p:cTn>
+                                        <p:tgtEl>
+                                          <p:spTgt spid="3">
+                                            <p:txEl>
+                                              <p:pRg st="2" end="2"/>
+                                            </p:txEl>
+                                          </p:spTgt>
+                                        </p:tgtEl>
+                                        <p:attrNameLst>
+                                          <p:attrName>style.visibility</p:attrName>
+                                        </p:attrNameLst>
+                                      </p:cBhvr>
+                                      <p:to>
+                                        <p:strVal val="visible"/>
+                                      </p:to>
+                                    </p:set>
+                                  </p:childTnLst>
+                                </p:cTn>
+                              </p:par>
+                            </p:childTnLst>
+                          </p:cTn>
+                        </p:par>
+                      </p:childTnLst>
+                    </p:cTn>
+                  </p:par>
+                  <p:par>
+                    <p:cTn id="19" fill="hold">
+                      <p:stCondLst>
+                        <p:cond delay="indefinite"/>
+                      </p:stCondLst>
+                      <p:childTnLst>
+                        <p:par>
+                          <p:cTn id="20" fill="hold">
+                            <p:stCondLst>
+                              <p:cond delay="0"/>
+                            </p:stCondLst>
+                            <p:childTnLst>
+                              <p:par>
+                                <p:cTn id="21" presetID="1" presetClass="entr" presetSubtype="0" fill="hold" nodeType="clickEffect">
+                                  <p:stCondLst>
+                                    <p:cond delay="0"/>
+                                  </p:stCondLst>
+                                  <p:childTnLst>
+                                    <p:set>
+                                      <p:cBhvr>
+                                        <p:cTn id="22" dur="1" fill="hold">
+                                          <p:stCondLst>
+                                            <p:cond delay="0"/>
+                                          </p:stCondLst>
+                                        </p:cTn>
+                                        <p:tgtEl>
+                                          <p:spTgt spid="3">
+                                            <p:txEl>
+                                              <p:pRg st="3" end="3"/>
+                                            </p:txEl>
+                                          </p:spTgt>
+                                        </p:tgtEl>
+                                        <p:attrNameLst>
+                                          <p:attrName>style.visibility</p:attrName>
+                                        </p:attrNameLst>
+                                      </p:cBhvr>
+                                      <p:to>
+                                        <p:strVal val="visible"/>
+                                      </p:to>
+                                    </p:set>
+                                  </p:childTnLst>
+                                </p:cTn>
+                              </p:par>
+                            </p:childTnLst>
+                          </p:cTn>
+                        </p:par>
+                      </p:childTnLst>
+                    </p:cTn>
+                  </p:par>
+                  <p:par>
+                    <p:cTn id="23" fill="hold">
+                      <p:stCondLst>
+                        <p:cond delay="indefinite"/>
+                      </p:stCondLst>
+                      <p:childTnLst>
+                        <p:par>
+                          <p:cTn id="24" fill="hold">
+                            <p:stCondLst>
+                              <p:cond delay="0"/>
+                            </p:stCondLst>
+                            <p:childTnLst>
+                              <p:par>
+                                <p:cTn id="25" presetID="1" presetClass="entr" presetSubtype="0" fill="hold" nodeType="clickEffect">
+                                  <p:stCondLst>
+                                    <p:cond delay="0"/>
+                                  </p:stCondLst>
+                                  <p:childTnLst>
+                                    <p:set>
+                                      <p:cBhvr>
+                                        <p:cTn id="26" dur="1" fill="hold">
+                                          <p:stCondLst>
+                                            <p:cond delay="0"/>
+                                          </p:stCondLst>
+                                        </p:cTn>
+                                        <p:tgtEl>
+                                          <p:spTgt spid="3">
+                                            <p:txEl>
+                                              <p:pRg st="4" end="4"/>
+                                            </p:txEl>
+                                          </p:spTgt>
+                                        </p:tgtEl>
+                                        <p:attrNameLst>
+                                          <p:attrName>style.visibility</p:attrName>
+                                        </p:attrNameLst>
+                                      </p:cBhvr>
+                                      <p:to>
+                                        <p:strVal val="visible"/>
+                                      </p:to>
+                                    </p:set>
+                                  </p:childTnLst>
+                                </p:cTn>
+                              </p:par>
+                            </p:childTnLst>
+                          </p:cTn>
+                        </p:par>
+                      </p:childTnLst>
+                    </p:cTn>
+                  </p:par>
+                  <p:par>
+                    <p:cTn id="27" fill="hold">
+                      <p:stCondLst>
+                        <p:cond delay="indefinite"/>
+                      </p:stCondLst>
+                      <p:childTnLst>
+                        <p:par>
+                          <p:cTn id="28" fill="hold">
+                            <p:stCondLst>
+                              <p:cond delay="0"/>
+                            </p:stCondLst>
+                            <p:childTnLst>
+                              <p:par>
+                                <p:cTn id="29" presetID="1" presetClass="entr" presetSubtype="0" fill="hold" nodeType="clickEffect">
+                                  <p:stCondLst>
+                                    <p:cond delay="0"/>
+                                  </p:stCondLst>
+                                  <p:childTnLst>
+                                    <p:set>
+                                      <p:cBhvr>
+                                        <p:cTn id="30" dur="1" fill="hold">
+                                          <p:stCondLst>
+                                            <p:cond delay="0"/>
+                                          </p:stCondLst>
+                                        </p:cTn>
+                                        <p:tgtEl>
+                                          <p:spTgt spid="3">
+                                            <p:txEl>
+                                              <p:pRg st="5" end="5"/>
+                                            </p:txEl>
+                                          </p:spTgt>
+                                        </p:tgtEl>
+                                        <p:attrNameLst>
+                                          <p:attrName>style.visibility</p:attrName>
+                                        </p:attrNameLst>
+                                      </p:cBhvr>
+                                      <p:to>
+                                        <p:strVal val="visible"/>
+                                      </p:to>
+                                    </p:set>
+                                  </p:childTnLst>
+                                </p:cTn>
+                              </p:par>
+                            </p:childTnLst>
+                          </p:cTn>
+                        </p:par>
+                      </p:childTnLst>
+                    </p:cTn>
+                  </p:par>
+                  <p:par>
+                    <p:cTn id="31" fill="hold">
+                      <p:stCondLst>
+                        <p:cond delay="indefinite"/>
+                      </p:stCondLst>
+                      <p:childTnLst>
+                        <p:par>
+                          <p:cTn id="32" fill="hold">
+                            <p:stCondLst>
+                              <p:cond delay="0"/>
+                            </p:stCondLst>
+                            <p:childTnLst>
+                              <p:par>
+                                <p:cTn id="33" presetID="1" presetClass="entr" presetSubtype="0" fill="hold" nodeType="clickEffect">
+                                  <p:stCondLst>
+                                    <p:cond delay="0"/>
+                                  </p:stCondLst>
+                                  <p:childTnLst>
+                                    <p:set>
+                                      <p:cBhvr>
+                                        <p:cTn id="34" dur="1" fill="hold">
+                                          <p:stCondLst>
+                                            <p:cond delay="0"/>
+                                          </p:stCondLst>
+                                        </p:cTn>
+                                        <p:tgtEl>
+                                          <p:spTgt spid="3">
+                                            <p:txEl>
+                                              <p:pRg st="6" end="6"/>
+                                            </p:txEl>
+                                          </p:spTgt>
+                                        </p:tgtEl>
+                                        <p:attrNameLst>
+                                          <p:attrName>style.visibility</p:attrName>
+                                        </p:attrNameLst>
+                                      </p:cBhvr>
+                                      <p:to>
+                                        <p:strVal val="visible"/>
+                                      </p:to>
+                                    </p:set>
+                                  </p:childTnLst>
+                                </p:cTn>
+                              </p:par>
+                            </p:childTnLst>
+                          </p:cTn>
+                        </p:par>
+                      </p:childTnLst>
+                    </p:cTn>
+                  </p:par>
+                </p:childTnLst>
+              </p:cTn>
+              <p:prevCondLst>
+                <p:cond evt="onPrev" delay="0">
+                  <p:tgtEl>
+                    <p:sldTgt/>
+                  </p:tgtEl>
+                </p:cond>
+              </p:prevCondLst>
+              <p:nextCondLst>
+                <p:cond evt="onNext" delay="0">
+                  <p:tgtEl>
+                    <p:sldTgt/>
+                  </p:tgtEl>
+                </p:cond>
+              </p:nextCondLst>
+            </p:seq>
+          </p:childTnLst>
+        </p:cTn>
+      </p:par>
+    </p:tnLst>
+    <p:bldLst>
+      <p:bldP spid="2" grpId="0"/>
+    </p:bldLst>
+  </p:timing>
+</p:sld>
+</file>
+
+<file path=ppt/slides/slide5.xml><?xml version="1.0" encoding="utf-8"?>
+<p:sld xmlns:a="http://schemas.openxmlformats.org/drawingml/2006/main" xmlns:r="http://schemas.openxmlformats.org/officeDocument/2006/relationships" xmlns:p="http://schemas.openxmlformats.org/presentationml/2006/main">
+  <p:cSld>
+    <p:spTree>
+      <p:nvGrpSpPr>
+        <p:cNvPr id="1" name=""/>
+        <p:cNvGrpSpPr/>
+        <p:nvPr/>
+      </p:nvGrpSpPr>
+      <p:grpSpPr>
+        <a:xfrm>
+          <a:off x="0" y="0"/>
+          <a:ext cx="0" cy="0"/>
+          <a:chOff x="0" y="0"/>
+          <a:chExt cx="0" cy="0"/>
+        </a:xfrm>
+      </p:grpSpPr>
+      <p:sp>
+        <p:nvSpPr>
+          <p:cNvPr id="2" name="Title 1"/>
+          <p:cNvSpPr>
+            <a:spLocks noGrp="1"/>
+          </p:cNvSpPr>
+          <p:nvPr>
+            <p:ph type="title"/>
+          </p:nvPr>
+        </p:nvSpPr>
+        <p:spPr>
+          <a:xfrm>
+            <a:off x="946404" y="365760"/>
+            <a:ext cx="7269480" cy="811530"/>
+          </a:xfrm>
+        </p:spPr>
+        <p:txBody>
+          <a:bodyPr>
+            <a:normAutofit/>
+          </a:bodyPr>
+          <a:lstStyle/>
+          <a:p>
+            <a:r>
+              <a:rPr lang="en-US" sz="4400" dirty="0" smtClean="0">
+                <a:latin typeface="Garamond" panose="02020404030301010803" pitchFamily="18" charset="0"/>
+                <a:cs typeface="American Typewriter"/>
+              </a:rPr>
+              <a:t>Meet Me</a:t>
+            </a:r>
+            <a:endParaRPr lang="en-US" sz="4400" dirty="0">
+              <a:latin typeface="Garamond" panose="02020404030301010803" pitchFamily="18" charset="0"/>
+              <a:cs typeface="American Typewriter"/>
+            </a:endParaRPr>
+          </a:p>
+        </p:txBody>
+      </p:sp>
+      <p:sp>
+        <p:nvSpPr>
+          <p:cNvPr id="3" name="Content Placeholder 2"/>
+          <p:cNvSpPr>
+            <a:spLocks noGrp="1"/>
+          </p:cNvSpPr>
+          <p:nvPr>
+            <p:ph idx="1"/>
+          </p:nvPr>
+        </p:nvSpPr>
+        <p:spPr>
+          <a:xfrm>
+            <a:off x="125199" y="1600200"/>
+            <a:ext cx="8298712" cy="4587239"/>
+          </a:xfrm>
+        </p:spPr>
+        <p:txBody>
+          <a:bodyPr>
+            <a:normAutofit/>
+          </a:bodyPr>
+          <a:lstStyle/>
+          <a:p>
+            <a:r>
+              <a:rPr lang="en-US" sz="3800" dirty="0" smtClean="0">
+                <a:latin typeface="Garamond" panose="02020404030301010803" pitchFamily="18" charset="0"/>
+                <a:cs typeface="American Typewriter"/>
+              </a:rPr>
+              <a:t>Contact:</a:t>
+            </a:r>
+          </a:p>
+          <a:p>
+            <a:pPr lvl="1"/>
+            <a:r>
+              <a:rPr lang="en-US" sz="3600" dirty="0">
+                <a:latin typeface="Garamond" panose="02020404030301010803" pitchFamily="18" charset="0"/>
+                <a:cs typeface="American Typewriter"/>
+                <a:hlinkClick r:id="rId3"/>
+              </a:rPr>
+              <a:t>psadil@psych.umass.edu</a:t>
+            </a:r>
+            <a:endParaRPr lang="en-US" sz="3600" dirty="0" smtClean="0">
+              <a:latin typeface="Garamond" panose="02020404030301010803" pitchFamily="18" charset="0"/>
+              <a:cs typeface="American Typewriter"/>
+            </a:endParaRPr>
+          </a:p>
+          <a:p>
+            <a:pPr lvl="1"/>
+            <a:r>
+              <a:rPr lang="en-US" sz="3600" dirty="0" smtClean="0">
+                <a:latin typeface="Garamond" panose="02020404030301010803" pitchFamily="18" charset="0"/>
+                <a:cs typeface="American Typewriter"/>
+              </a:rPr>
+              <a:t>Office Location: Tobin 426 </a:t>
+            </a:r>
+            <a:endParaRPr lang="en-US" sz="3600" dirty="0">
+              <a:latin typeface="Garamond" panose="02020404030301010803" pitchFamily="18" charset="0"/>
+              <a:cs typeface="American Typewriter"/>
+            </a:endParaRPr>
+          </a:p>
+          <a:p>
+            <a:pPr lvl="2"/>
+            <a:r>
+              <a:rPr lang="en-US" sz="3600" dirty="0" smtClean="0">
+                <a:latin typeface="Garamond" panose="02020404030301010803" pitchFamily="18" charset="0"/>
+                <a:cs typeface="American Typewriter"/>
+              </a:rPr>
+              <a:t>Office hour: M 10am, maybe by appt.</a:t>
+            </a:r>
+          </a:p>
+          <a:p>
+            <a:pPr lvl="1"/>
+            <a:r>
+              <a:rPr lang="en-US" sz="3800" dirty="0" smtClean="0">
+                <a:latin typeface="Garamond" panose="02020404030301010803" pitchFamily="18" charset="0"/>
+                <a:cs typeface="American Typewriter"/>
+              </a:rPr>
+              <a:t>Slides: </a:t>
+            </a:r>
+            <a:r>
+              <a:rPr lang="en-US" sz="3800" dirty="0" smtClean="0">
+                <a:latin typeface="Garamond" panose="02020404030301010803" pitchFamily="18" charset="0"/>
+                <a:cs typeface="American Typewriter"/>
+                <a:hlinkClick r:id="rId4"/>
+              </a:rPr>
+              <a:t>https://github.com/psadil/psych241</a:t>
+            </a:r>
+            <a:endParaRPr lang="en-US" sz="3800" dirty="0">
+              <a:latin typeface="Garamond" panose="02020404030301010803" pitchFamily="18" charset="0"/>
+              <a:cs typeface="American Typewriter"/>
+            </a:endParaRPr>
+          </a:p>
+        </p:txBody>
+      </p:sp>
+    </p:spTree>
+    <p:extLst>
+      <p:ext uri="{BB962C8B-B14F-4D97-AF65-F5344CB8AC3E}">
+        <p14:creationId xmlns:p14="http://schemas.microsoft.com/office/powerpoint/2010/main" val="1622191094"/>
+      </p:ext>
+    </p:extLst>
+  </p:cSld>
+  <p:clrMapOvr>
+    <a:masterClrMapping/>
+  </p:clrMapOvr>
+  <p:timing>
+    <p:tnLst>
+      <p:par>
+        <p:cTn id="1" dur="indefinite" restart="never" nodeType="tmRoot">
+          <p:childTnLst>
+            <p:seq concurrent="1" nextAc="seek">
+              <p:cTn id="2" dur="indefinite" nodeType="mainSeq">
+                <p:childTnLst>
+                  <p:par>
+                    <p:cTn id="3" fill="hold">
+                      <p:stCondLst>
+                        <p:cond delay="indefinite"/>
+                        <p:cond evt="onBegin" delay="0">
+                          <p:tn val="2"/>
+                        </p:cond>
+                      </p:stCondLst>
+                      <p:childTnLst>
+                        <p:par>
+                          <p:cTn id="4" fill="hold">
+                            <p:stCondLst>
+                              <p:cond delay="0"/>
+                            </p:stCondLst>
+                            <p:childTnLst>
+                              <p:par>
+                                <p:cTn id="5" presetID="1" presetClass="entr" presetSubtype="0" fill="hold" grpId="0" nodeType="withEffect">
+                                  <p:stCondLst>
+                                    <p:cond delay="0"/>
+                                  </p:stCondLst>
+                                  <p:childTnLst>
+                                    <p:set>
+                                      <p:cBhvr>
+                                        <p:cTn id="6" dur="1" fill="hold">
+                                          <p:stCondLst>
+                                            <p:cond delay="0"/>
+                                          </p:stCondLst>
+                                        </p:cTn>
+                                        <p:tgtEl>
+                                          <p:spTgt spid="2"/>
+                                        </p:tgtEl>
+                                        <p:attrNameLst>
+                                          <p:attrName>style.visibility</p:attrName>
+                                        </p:attrNameLst>
+                                      </p:cBhvr>
+                                      <p:to>
+                                        <p:strVal val="visible"/>
+                                      </p:to>
+                                    </p:set>
+                                  </p:childTnLst>
+                                </p:cTn>
+                              </p:par>
+                            </p:childTnLst>
+                          </p:cTn>
+                        </p:par>
+                      </p:childTnLst>
+                    </p:cTn>
+                  </p:par>
+                  <p:par>
+                    <p:cTn id="7" fill="hold">
+                      <p:stCondLst>
+                        <p:cond delay="indefinite"/>
+                      </p:stCondLst>
+                      <p:childTnLst>
+                        <p:par>
+                          <p:cTn id="8" fill="hold">
+                            <p:stCondLst>
+                              <p:cond delay="0"/>
+                            </p:stCondLst>
+                            <p:childTnLst>
+                              <p:par>
+                                <p:cTn id="9" presetID="1" presetClass="entr" presetSubtype="0" fill="hold" nodeType="clickEffect">
+                                  <p:stCondLst>
+                                    <p:cond delay="0"/>
+                                  </p:stCondLst>
+                                  <p:childTnLst>
+                                    <p:set>
+                                      <p:cBhvr>
+                                        <p:cTn id="10" dur="1" fill="hold">
+                                          <p:stCondLst>
+                                            <p:cond delay="0"/>
+                                          </p:stCondLst>
+                                        </p:cTn>
+                                        <p:tgtEl>
+                                          <p:spTgt spid="3">
+                                            <p:txEl>
+                                              <p:pRg st="0" end="0"/>
+                                            </p:txEl>
+                                          </p:spTgt>
+                                        </p:tgtEl>
+                                        <p:attrNameLst>
+                                          <p:attrName>style.visibility</p:attrName>
+                                        </p:attrNameLst>
+                                      </p:cBhvr>
+                                      <p:to>
+                                        <p:strVal val="visible"/>
+                                      </p:to>
+                                    </p:set>
+                                  </p:childTnLst>
+                                </p:cTn>
+                              </p:par>
+                            </p:childTnLst>
+                          </p:cTn>
+                        </p:par>
+                      </p:childTnLst>
+                    </p:cTn>
+                  </p:par>
+                  <p:par>
+                    <p:cTn id="11" fill="hold">
+                      <p:stCondLst>
+                        <p:cond delay="indefinite"/>
+                      </p:stCondLst>
+                      <p:childTnLst>
+                        <p:par>
+                          <p:cTn id="12" fill="hold">
+                            <p:stCondLst>
+                              <p:cond delay="0"/>
+                            </p:stCondLst>
+                            <p:childTnLst>
+                              <p:par>
+                                <p:cTn id="13" presetID="1" presetClass="entr" presetSubtype="0" fill="hold" nodeType="clickEffect">
+                                  <p:stCondLst>
+                                    <p:cond delay="0"/>
+                                  </p:stCondLst>
+                                  <p:childTnLst>
+                                    <p:set>
+                                      <p:cBhvr>
+                                        <p:cTn id="14" dur="1" fill="hold">
+                                          <p:stCondLst>
+                                            <p:cond delay="0"/>
+                                          </p:stCondLst>
+                                        </p:cTn>
+                                        <p:tgtEl>
+                                          <p:spTgt spid="3">
+                                            <p:txEl>
+                                              <p:pRg st="1" end="1"/>
+                                            </p:txEl>
+                                          </p:spTgt>
+                                        </p:tgtEl>
+                                        <p:attrNameLst>
+                                          <p:attrName>style.visibility</p:attrName>
+                                        </p:attrNameLst>
+                                      </p:cBhvr>
+                                      <p:to>
+                                        <p:strVal val="visible"/>
+                                      </p:to>
+                                    </p:set>
+                                  </p:childTnLst>
+                                </p:cTn>
+                              </p:par>
+                            </p:childTnLst>
+                          </p:cTn>
+                        </p:par>
+                      </p:childTnLst>
+                    </p:cTn>
+                  </p:par>
+                  <p:par>
+                    <p:cTn id="15" fill="hold">
+                      <p:stCondLst>
+                        <p:cond delay="indefinite"/>
+                      </p:stCondLst>
+                      <p:childTnLst>
+                        <p:par>
+                          <p:cTn id="16" fill="hold">
+                            <p:stCondLst>
+                              <p:cond delay="0"/>
+                            </p:stCondLst>
+                            <p:childTnLst>
+                              <p:par>
+                                <p:cTn id="17" presetID="1" presetClass="entr" presetSubtype="0" fill="hold" nodeType="clickEffect">
+                                  <p:stCondLst>
+                                    <p:cond delay="0"/>
+                                  </p:stCondLst>
+                                  <p:childTnLst>
+                                    <p:set>
+                                      <p:cBhvr>
+                                        <p:cTn id="18" dur="1" fill="hold">
+                                          <p:stCondLst>
+                                            <p:cond delay="0"/>
+                                          </p:stCondLst>
+                                        </p:cTn>
+                                        <p:tgtEl>
+                                          <p:spTgt spid="3">
+                                            <p:txEl>
+                                              <p:pRg st="2" end="2"/>
+                                            </p:txEl>
+                                          </p:spTgt>
+                                        </p:tgtEl>
+                                        <p:attrNameLst>
+                                          <p:attrName>style.visibility</p:attrName>
+                                        </p:attrNameLst>
+                                      </p:cBhvr>
+                                      <p:to>
+                                        <p:strVal val="visible"/>
+                                      </p:to>
+                                    </p:set>
+                                  </p:childTnLst>
+                                </p:cTn>
+                              </p:par>
+                            </p:childTnLst>
+                          </p:cTn>
+                        </p:par>
+                      </p:childTnLst>
+                    </p:cTn>
+                  </p:par>
+                  <p:par>
+                    <p:cTn id="19" fill="hold">
+                      <p:stCondLst>
+                        <p:cond delay="indefinite"/>
+                      </p:stCondLst>
+                      <p:childTnLst>
+                        <p:par>
+                          <p:cTn id="20" fill="hold">
+                            <p:stCondLst>
+                              <p:cond delay="0"/>
+                            </p:stCondLst>
+                            <p:childTnLst>
+                              <p:par>
+                                <p:cTn id="21" presetID="1" presetClass="entr" presetSubtype="0" fill="hold" nodeType="clickEffect">
+                                  <p:stCondLst>
+                                    <p:cond delay="0"/>
+                                  </p:stCondLst>
+                                  <p:childTnLst>
+                                    <p:set>
+                                      <p:cBhvr>
+                                        <p:cTn id="22" dur="1" fill="hold">
+                                          <p:stCondLst>
+                                            <p:cond delay="0"/>
+                                          </p:stCondLst>
+                                        </p:cTn>
+                                        <p:tgtEl>
+                                          <p:spTgt spid="3">
+                                            <p:txEl>
+                                              <p:pRg st="3" end="3"/>
+                                            </p:txEl>
+                                          </p:spTgt>
+                                        </p:tgtEl>
+                                        <p:attrNameLst>
+                                          <p:attrName>style.visibility</p:attrName>
+                                        </p:attrNameLst>
+                                      </p:cBhvr>
+                                      <p:to>
+                                        <p:strVal val="visible"/>
+                                      </p:to>
+                                    </p:set>
+                                  </p:childTnLst>
+                                </p:cTn>
+                              </p:par>
+                            </p:childTnLst>
+                          </p:cTn>
+                        </p:par>
+                      </p:childTnLst>
+                    </p:cTn>
+                  </p:par>
+                  <p:par>
+                    <p:cTn id="23" fill="hold">
+                      <p:stCondLst>
+                        <p:cond delay="indefinite"/>
+                      </p:stCondLst>
+                      <p:childTnLst>
+                        <p:par>
+                          <p:cTn id="24" fill="hold">
+                            <p:stCondLst>
+                              <p:cond delay="0"/>
+                            </p:stCondLst>
+                            <p:childTnLst>
+                              <p:par>
+                                <p:cTn id="25" presetID="1" presetClass="entr" presetSubtype="0" fill="hold" nodeType="clickEffect">
+                                  <p:stCondLst>
+                                    <p:cond delay="0"/>
+                                  </p:stCondLst>
+                                  <p:childTnLst>
+                                    <p:set>
+                                      <p:cBhvr>
+                                        <p:cTn id="26" dur="1" fill="hold">
+                                          <p:stCondLst>
+                                            <p:cond delay="0"/>
+                                          </p:stCondLst>
+                                        </p:cTn>
+                                        <p:tgtEl>
+                                          <p:spTgt spid="3">
+                                            <p:txEl>
+                                              <p:pRg st="4" end="4"/>
+                                            </p:txEl>
+                                          </p:spTgt>
+                                        </p:tgtEl>
+                                        <p:attrNameLst>
+                                          <p:attrName>style.visibility</p:attrName>
+                                        </p:attrNameLst>
+                                      </p:cBhvr>
+                                      <p:to>
+                                        <p:strVal val="visible"/>
+                                      </p:to>
+                                    </p:set>
+                                  </p:childTnLst>
+                                </p:cTn>
+                              </p:par>
+                            </p:childTnLst>
+                          </p:cTn>
+                        </p:par>
+                      </p:childTnLst>
+                    </p:cTn>
+                  </p:par>
+                </p:childTnLst>
+              </p:cTn>
+              <p:prevCondLst>
+                <p:cond evt="onPrev" delay="0">
+                  <p:tgtEl>
+                    <p:sldTgt/>
+                  </p:tgtEl>
+                </p:cond>
+              </p:prevCondLst>
+              <p:nextCondLst>
+                <p:cond evt="onNext" delay="0">
+                  <p:tgtEl>
+                    <p:sldTgt/>
+                  </p:tgtEl>
+                </p:cond>
+              </p:nextCondLst>
+            </p:seq>
+          </p:childTnLst>
+        </p:cTn>
+      </p:par>
+    </p:tnLst>
+    <p:bldLst>
+      <p:bldP spid="2" grpId="0"/>
+    </p:bldLst>
+  </p:timing>
+</p:sld>
+</file>
+
+<file path=ppt/slides/slide6.xml><?xml version="1.0" encoding="utf-8"?>
+<p:sld xmlns:a="http://schemas.openxmlformats.org/drawingml/2006/main" xmlns:r="http://schemas.openxmlformats.org/officeDocument/2006/relationships" xmlns:p="http://schemas.openxmlformats.org/presentationml/2006/main">
+  <p:cSld>
+    <p:spTree>
+      <p:nvGrpSpPr>
+        <p:cNvPr id="1" name=""/>
+        <p:cNvGrpSpPr/>
+        <p:nvPr/>
+      </p:nvGrpSpPr>
+      <p:grpSpPr>
+        <a:xfrm>
+          <a:off x="0" y="0"/>
+          <a:ext cx="0" cy="0"/>
+          <a:chOff x="0" y="0"/>
+          <a:chExt cx="0" cy="0"/>
+        </a:xfrm>
+      </p:grpSpPr>
+      <p:sp>
+        <p:nvSpPr>
+          <p:cNvPr id="3" name="Content Placeholder 2"/>
+          <p:cNvSpPr>
+            <a:spLocks noGrp="1"/>
+          </p:cNvSpPr>
+          <p:nvPr>
+            <p:ph idx="1"/>
+          </p:nvPr>
+        </p:nvSpPr>
+        <p:spPr>
+          <a:xfrm>
+            <a:off x="549275" y="1600200"/>
+            <a:ext cx="7851775" cy="4711587"/>
+          </a:xfrm>
+        </p:spPr>
+        <p:txBody>
+          <a:bodyPr>
+            <a:normAutofit/>
+          </a:bodyPr>
+          <a:lstStyle/>
+          <a:p>
+            <a:r>
+              <a:rPr lang="en-US" sz="3600" dirty="0" smtClean="0">
+                <a:latin typeface="Garamond" panose="02020404030301010803" pitchFamily="18" charset="0"/>
+                <a:cs typeface="American Typewriter"/>
+              </a:rPr>
+              <a:t>Card Info</a:t>
+            </a:r>
+          </a:p>
+          <a:p>
+            <a:r>
+              <a:rPr lang="en-US" sz="3600" dirty="0" smtClean="0">
+                <a:latin typeface="Garamond" panose="02020404030301010803" pitchFamily="18" charset="0"/>
+                <a:cs typeface="American Typewriter"/>
+              </a:rPr>
+              <a:t>Exchange contact information with at least one other student</a:t>
+            </a:r>
+          </a:p>
+          <a:p>
+            <a:pPr lvl="1"/>
+            <a:r>
+              <a:rPr lang="en-US" sz="3400" dirty="0" smtClean="0">
+                <a:latin typeface="Garamond" panose="02020404030301010803" pitchFamily="18" charset="0"/>
+                <a:cs typeface="American Typewriter"/>
+              </a:rPr>
+              <a:t>When you miss a lab, make sure to figure out what you’ve missed</a:t>
+            </a:r>
+          </a:p>
+        </p:txBody>
+      </p:sp>
+      <p:sp>
+        <p:nvSpPr>
+          <p:cNvPr id="5" name="Title 1"/>
+          <p:cNvSpPr txBox="1">
+            <a:spLocks/>
+          </p:cNvSpPr>
+          <p:nvPr/>
+        </p:nvSpPr>
+        <p:spPr>
+          <a:xfrm>
+            <a:off x="946404" y="365760"/>
+            <a:ext cx="7269480" cy="811530"/>
+          </a:xfrm>
+          <a:prstGeom prst="rect">
+            <a:avLst/>
+          </a:prstGeom>
+        </p:spPr>
+        <p:txBody>
+          <a:bodyPr vert="horz" lIns="91440" tIns="45720" rIns="91440" bIns="45720" rtlCol="0" anchor="b">
+            <a:normAutofit/>
+          </a:bodyPr>
+          <a:lstStyle>
+            <a:lvl1pPr algn="l" defTabSz="914400" rtl="0" eaLnBrk="1" latinLnBrk="0" hangingPunct="1">
+              <a:lnSpc>
+                <a:spcPct val="90000"/>
+              </a:lnSpc>
+              <a:spcBef>
+                <a:spcPct val="0"/>
+              </a:spcBef>
+              <a:buNone/>
+              <a:defRPr sz="4000" kern="1200" spc="-50" baseline="0">
+                <a:solidFill>
+                  <a:schemeClr val="tx1"/>
+                </a:solidFill>
+                <a:latin typeface="+mj-lt"/>
+                <a:ea typeface="+mj-ea"/>
+                <a:cs typeface="+mj-cs"/>
+              </a:defRPr>
+            </a:lvl1pPr>
+          </a:lstStyle>
+          <a:p>
+            <a:r>
+              <a:rPr lang="en-US" sz="4400" dirty="0" smtClean="0">
+                <a:latin typeface="Garamond" panose="02020404030301010803" pitchFamily="18" charset="0"/>
+                <a:cs typeface="American Typewriter"/>
+              </a:rPr>
+              <a:t>Meet Yourselves</a:t>
+            </a:r>
+            <a:endParaRPr lang="en-US" sz="4400" dirty="0">
+              <a:latin typeface="Garamond" panose="02020404030301010803" pitchFamily="18" charset="0"/>
+              <a:cs typeface="American Typewriter"/>
+            </a:endParaRPr>
+          </a:p>
+        </p:txBody>
+      </p:sp>
+    </p:spTree>
+    <p:extLst>
+      <p:ext uri="{BB962C8B-B14F-4D97-AF65-F5344CB8AC3E}">
+        <p14:creationId xmlns:p14="http://schemas.microsoft.com/office/powerpoint/2010/main" val="1210744235"/>
+      </p:ext>
+    </p:extLst>
+  </p:cSld>
+  <p:clrMapOvr>
+    <a:masterClrMapping/>
+  </p:clrMapOvr>
+  <p:timing>
+    <p:tnLst>
+      <p:par>
+        <p:cTn id="1" dur="indefinite" restart="never" nodeType="tmRoot">
+          <p:childTnLst>
+            <p:seq concurrent="1" nextAc="seek">
+              <p:cTn id="2" dur="indefinite" nodeType="mainSeq">
+                <p:childTnLst>
+                  <p:par>
+                    <p:cTn id="3" fill="hold">
+                      <p:stCondLst>
+                        <p:cond delay="indefinite"/>
+                        <p:cond evt="onBegin" delay="0">
+                          <p:tn val="2"/>
+                        </p:cond>
+                      </p:stCondLst>
+                      <p:childTnLst>
+                        <p:par>
+                          <p:cTn id="4" fill="hold">
+                            <p:stCondLst>
+                              <p:cond delay="0"/>
+                            </p:stCondLst>
+                            <p:childTnLst>
+                              <p:par>
+                                <p:cTn id="5" presetID="1" presetClass="entr" presetSubtype="0" fill="hold" grpId="0" nodeType="withEffect">
+                                  <p:stCondLst>
+                                    <p:cond delay="0"/>
+                                  </p:stCondLst>
+                                  <p:childTnLst>
+                                    <p:set>
+                                      <p:cBhvr>
+                                        <p:cTn id="6" dur="1" fill="hold">
+                                          <p:stCondLst>
+                                            <p:cond delay="0"/>
+                                          </p:stCondLst>
+                                        </p:cTn>
+                                        <p:tgtEl>
+                                          <p:spTgt spid="5"/>
+                                        </p:tgtEl>
+                                        <p:attrNameLst>
+                                          <p:attrName>style.visibility</p:attrName>
+                                        </p:attrNameLst>
+                                      </p:cBhvr>
+                                      <p:to>
+                                        <p:strVal val="visible"/>
+                                      </p:to>
+                                    </p:set>
+                                  </p:childTnLst>
+                                </p:cTn>
+                              </p:par>
+                            </p:childTnLst>
+                          </p:cTn>
+                        </p:par>
+                      </p:childTnLst>
+                    </p:cTn>
+                  </p:par>
+                  <p:par>
+                    <p:cTn id="7" fill="hold">
+                      <p:stCondLst>
+                        <p:cond delay="indefinite"/>
+                      </p:stCondLst>
+                      <p:childTnLst>
+                        <p:par>
+                          <p:cTn id="8" fill="hold">
+                            <p:stCondLst>
+                              <p:cond delay="0"/>
+                            </p:stCondLst>
+                            <p:childTnLst>
+                              <p:par>
+                                <p:cTn id="9" presetID="1" presetClass="entr" presetSubtype="0" fill="hold" grpId="0" nodeType="clickEffect">
+                                  <p:stCondLst>
+                                    <p:cond delay="0"/>
+                                  </p:stCondLst>
+                                  <p:childTnLst>
+                                    <p:set>
+                                      <p:cBhvr>
+                                        <p:cTn id="10" dur="1" fill="hold">
+                                          <p:stCondLst>
+                                            <p:cond delay="0"/>
+                                          </p:stCondLst>
+                                        </p:cTn>
+                                        <p:tgtEl>
+                                          <p:spTgt spid="3">
+                                            <p:txEl>
+                                              <p:pRg st="0" end="0"/>
+                                            </p:txEl>
+                                          </p:spTgt>
+                                        </p:tgtEl>
+                                        <p:attrNameLst>
+                                          <p:attrName>style.visibility</p:attrName>
+                                        </p:attrNameLst>
+                                      </p:cBhvr>
+                                      <p:to>
+                                        <p:strVal val="visible"/>
+                                      </p:to>
+                                    </p:set>
+                                  </p:childTnLst>
+                                </p:cTn>
+                              </p:par>
+                            </p:childTnLst>
+                          </p:cTn>
+                        </p:par>
+                      </p:childTnLst>
+                    </p:cTn>
+                  </p:par>
+                  <p:par>
+                    <p:cTn id="11" fill="hold">
+                      <p:stCondLst>
+                        <p:cond delay="indefinite"/>
+                      </p:stCondLst>
+                      <p:childTnLst>
+                        <p:par>
+                          <p:cTn id="12" fill="hold">
+                            <p:stCondLst>
+                              <p:cond delay="0"/>
+                            </p:stCondLst>
+                            <p:childTnLst>
+                              <p:par>
+                                <p:cTn id="13" presetID="1" presetClass="entr" presetSubtype="0" fill="hold" grpId="0" nodeType="clickEffect">
+                                  <p:stCondLst>
+                                    <p:cond delay="0"/>
+                                  </p:stCondLst>
+                                  <p:childTnLst>
+                                    <p:set>
+                                      <p:cBhvr>
+                                        <p:cTn id="14" dur="1" fill="hold">
+                                          <p:stCondLst>
+                                            <p:cond delay="0"/>
+                                          </p:stCondLst>
+                                        </p:cTn>
+                                        <p:tgtEl>
+                                          <p:spTgt spid="3">
+                                            <p:txEl>
+                                              <p:pRg st="1" end="1"/>
+                                            </p:txEl>
+                                          </p:spTgt>
+                                        </p:tgtEl>
+                                        <p:attrNameLst>
+                                          <p:attrName>style.visibility</p:attrName>
+                                        </p:attrNameLst>
+                                      </p:cBhvr>
+                                      <p:to>
+                                        <p:strVal val="visible"/>
+                                      </p:to>
+                                    </p:set>
+                                  </p:childTnLst>
+                                </p:cTn>
+                              </p:par>
+                            </p:childTnLst>
+                          </p:cTn>
+                        </p:par>
+                      </p:childTnLst>
+                    </p:cTn>
+                  </p:par>
+                  <p:par>
+                    <p:cTn id="15" fill="hold">
+                      <p:stCondLst>
+                        <p:cond delay="indefinite"/>
+                      </p:stCondLst>
+                      <p:childTnLst>
+                        <p:par>
+                          <p:cTn id="16" fill="hold">
+                            <p:stCondLst>
+                              <p:cond delay="0"/>
+                            </p:stCondLst>
+                            <p:childTnLst>
+                              <p:par>
+                                <p:cTn id="17" presetID="1" presetClass="entr" presetSubtype="0" fill="hold" grpId="0" nodeType="clickEffect">
+                                  <p:stCondLst>
+                                    <p:cond delay="0"/>
+                                  </p:stCondLst>
+                                  <p:childTnLst>
+                                    <p:set>
+                                      <p:cBhvr>
+                                        <p:cTn id="18" dur="1" fill="hold">
+                                          <p:stCondLst>
+                                            <p:cond delay="0"/>
+                                          </p:stCondLst>
+                                        </p:cTn>
+                                        <p:tgtEl>
+                                          <p:spTgt spid="3">
+                                            <p:txEl>
+                                              <p:pRg st="2" end="2"/>
+                                            </p:txEl>
+                                          </p:spTgt>
+                                        </p:tgtEl>
+                                        <p:attrNameLst>
+                                          <p:attrName>style.visibility</p:attrName>
+                                        </p:attrNameLst>
+                                      </p:cBhvr>
+                                      <p:to>
+                                        <p:strVal val="visible"/>
+                                      </p:to>
+                                    </p:set>
+                                  </p:childTnLst>
+                                </p:cTn>
+                              </p:par>
+                            </p:childTnLst>
+                          </p:cTn>
+                        </p:par>
+                      </p:childTnLst>
+                    </p:cTn>
+                  </p:par>
+                </p:childTnLst>
+              </p:cTn>
+              <p:prevCondLst>
+                <p:cond evt="onPrev" delay="0">
+                  <p:tgtEl>
+                    <p:sldTgt/>
+                  </p:tgtEl>
+                </p:cond>
+              </p:prevCondLst>
+              <p:nextCondLst>
+                <p:cond evt="onNext" delay="0">
+                  <p:tgtEl>
+                    <p:sldTgt/>
+                  </p:tgtEl>
+                </p:cond>
+              </p:nextCondLst>
+            </p:seq>
+          </p:childTnLst>
+        </p:cTn>
+      </p:par>
+    </p:tnLst>
+    <p:bldLst>
+      <p:bldP spid="3" grpId="0" uiExpand="1" build="p"/>
+      <p:bldP spid="5" grpId="0"/>
+    </p:bldLst>
+  </p:timing>
+</p:sld>
+</file>
+
+<file path=ppt/slides/slide7.xml><?xml version="1.0" encoding="utf-8"?>
+<p:sld xmlns:a="http://schemas.openxmlformats.org/drawingml/2006/main" xmlns:r="http://schemas.openxmlformats.org/officeDocument/2006/relationships" xmlns:p="http://schemas.openxmlformats.org/presentationml/2006/main">
+  <p:cSld>
+    <p:spTree>
+      <p:nvGrpSpPr>
+        <p:cNvPr id="1" name=""/>
+        <p:cNvGrpSpPr/>
+        <p:nvPr/>
+      </p:nvGrpSpPr>
+      <p:grpSpPr>
+        <a:xfrm>
+          <a:off x="0" y="0"/>
+          <a:ext cx="0" cy="0"/>
+          <a:chOff x="0" y="0"/>
+          <a:chExt cx="0" cy="0"/>
+        </a:xfrm>
+      </p:grpSpPr>
+      <p:sp>
+        <p:nvSpPr>
+          <p:cNvPr id="3" name="Content Placeholder 2"/>
+          <p:cNvSpPr>
+            <a:spLocks noGrp="1"/>
+          </p:cNvSpPr>
+          <p:nvPr>
+            <p:ph idx="1"/>
+          </p:nvPr>
+        </p:nvSpPr>
+        <p:spPr>
+          <a:xfrm>
+            <a:off x="549275" y="1527644"/>
+            <a:ext cx="7897496" cy="5590926"/>
+          </a:xfrm>
+        </p:spPr>
+        <p:txBody>
+          <a:bodyPr>
+            <a:normAutofit/>
+          </a:bodyPr>
+          <a:lstStyle/>
+          <a:p>
+            <a:pPr>
+              <a:buFontTx/>
+              <a:buChar char="•"/>
+            </a:pPr>
+            <a:r>
+              <a:rPr lang="en-US" sz="3500" dirty="0" smtClean="0">
+                <a:latin typeface="Garamond" panose="02020404030301010803" pitchFamily="18" charset="0"/>
+                <a:cs typeface="American Typewriter"/>
+              </a:rPr>
+              <a:t>Missing more than 4 labs will result in an </a:t>
+            </a:r>
+            <a:r>
+              <a:rPr lang="en-US" sz="3500" b="1" i="1" dirty="0" smtClean="0">
+                <a:latin typeface="Garamond" panose="02020404030301010803" pitchFamily="18" charset="0"/>
+                <a:cs typeface="American Typewriter"/>
+              </a:rPr>
+              <a:t>F</a:t>
+            </a:r>
+            <a:r>
+              <a:rPr lang="en-US" sz="3500" dirty="0" smtClean="0">
+                <a:latin typeface="Garamond" panose="02020404030301010803" pitchFamily="18" charset="0"/>
+                <a:cs typeface="American Typewriter"/>
+              </a:rPr>
+              <a:t> or withdrawal.</a:t>
+            </a:r>
+          </a:p>
+          <a:p>
+            <a:pPr>
+              <a:buFontTx/>
+              <a:buChar char="•"/>
+            </a:pPr>
+            <a:r>
+              <a:rPr lang="en-US" sz="3500" dirty="0" smtClean="0">
+                <a:latin typeface="Garamond" panose="02020404030301010803" pitchFamily="18" charset="0"/>
+                <a:cs typeface="American Typewriter"/>
+              </a:rPr>
+              <a:t>In general, you are expected to attend all courses.</a:t>
+            </a:r>
+          </a:p>
+          <a:p>
+            <a:pPr lvl="1">
+              <a:buFontTx/>
+              <a:buChar char="•"/>
+            </a:pPr>
+            <a:r>
+              <a:rPr lang="en-US" sz="3300" dirty="0" smtClean="0">
+                <a:latin typeface="Garamond" panose="02020404030301010803" pitchFamily="18" charset="0"/>
+                <a:cs typeface="American Typewriter"/>
+              </a:rPr>
+              <a:t>Really, the point of a lab is to get some hands on experience</a:t>
+            </a:r>
+          </a:p>
+          <a:p>
+            <a:pPr>
+              <a:buFontTx/>
+              <a:buChar char="•"/>
+            </a:pPr>
+            <a:r>
+              <a:rPr lang="en-US" sz="3500" dirty="0" smtClean="0">
+                <a:latin typeface="Garamond" panose="02020404030301010803" pitchFamily="18" charset="0"/>
+                <a:cs typeface="American Typewriter"/>
+              </a:rPr>
+              <a:t>Leaving 15 minutes early/late will count as ¼ absence</a:t>
+            </a:r>
+          </a:p>
+          <a:p>
+            <a:pPr>
+              <a:buFontTx/>
+              <a:buChar char="•"/>
+            </a:pPr>
+            <a:r>
+              <a:rPr lang="en-US" sz="3500" dirty="0" smtClean="0">
+                <a:latin typeface="Garamond" panose="02020404030301010803" pitchFamily="18" charset="0"/>
+                <a:cs typeface="American Typewriter"/>
+              </a:rPr>
+              <a:t>Also, ¼ absence for ‘mental absence’</a:t>
+            </a:r>
+          </a:p>
+        </p:txBody>
+      </p:sp>
+      <p:sp>
+        <p:nvSpPr>
+          <p:cNvPr id="5" name="Title 1"/>
+          <p:cNvSpPr>
+            <a:spLocks noGrp="1"/>
+          </p:cNvSpPr>
+          <p:nvPr>
+            <p:ph type="title"/>
+          </p:nvPr>
+        </p:nvSpPr>
+        <p:spPr>
+          <a:xfrm>
+            <a:off x="946404" y="365760"/>
+            <a:ext cx="7269480" cy="811530"/>
+          </a:xfrm>
+        </p:spPr>
+        <p:txBody>
+          <a:bodyPr>
+            <a:normAutofit/>
+          </a:bodyPr>
+          <a:lstStyle/>
+          <a:p>
+            <a:r>
+              <a:rPr lang="en-US" sz="4400" dirty="0" smtClean="0">
+                <a:latin typeface="Garamond" panose="02020404030301010803" pitchFamily="18" charset="0"/>
+                <a:cs typeface="American Typewriter"/>
+              </a:rPr>
+              <a:t>Course Policies, Attendance</a:t>
+            </a:r>
+            <a:endParaRPr lang="en-US" sz="4400" dirty="0">
+              <a:latin typeface="Garamond" panose="02020404030301010803" pitchFamily="18" charset="0"/>
+              <a:cs typeface="American Typewriter"/>
+            </a:endParaRPr>
+          </a:p>
+        </p:txBody>
+      </p:sp>
+    </p:spTree>
+    <p:extLst>
+      <p:ext uri="{BB962C8B-B14F-4D97-AF65-F5344CB8AC3E}">
+        <p14:creationId xmlns:p14="http://schemas.microsoft.com/office/powerpoint/2010/main" val="329361108"/>
+      </p:ext>
+    </p:extLst>
+  </p:cSld>
+  <p:clrMapOvr>
+    <a:masterClrMapping/>
+  </p:clrMapOvr>
+  <p:timing>
+    <p:tnLst>
+      <p:par>
+        <p:cTn id="1" dur="indefinite" restart="never" nodeType="tmRoot">
+          <p:childTnLst>
+            <p:seq concurrent="1" nextAc="seek">
+              <p:cTn id="2" dur="indefinite" nodeType="mainSeq">
+                <p:childTnLst>
+                  <p:par>
+                    <p:cTn id="3" fill="hold">
+                      <p:stCondLst>
+                        <p:cond delay="indefinite"/>
+                        <p:cond evt="onBegin" delay="0">
+                          <p:tn val="2"/>
+                        </p:cond>
+                      </p:stCondLst>
+                      <p:childTnLst>
+                        <p:par>
+                          <p:cTn id="4" fill="hold">
+                            <p:stCondLst>
+                              <p:cond delay="0"/>
+                            </p:stCondLst>
+                            <p:childTnLst>
+                              <p:par>
+                                <p:cTn id="5" presetID="1" presetClass="entr" presetSubtype="0" fill="hold" grpId="0" nodeType="withEffect">
+                                  <p:stCondLst>
+                                    <p:cond delay="0"/>
+                                  </p:stCondLst>
+                                  <p:childTnLst>
+                                    <p:set>
+                                      <p:cBhvr>
+                                        <p:cTn id="6" dur="1" fill="hold">
+                                          <p:stCondLst>
+                                            <p:cond delay="0"/>
+                                          </p:stCondLst>
+                                        </p:cTn>
+                                        <p:tgtEl>
+                                          <p:spTgt spid="5"/>
+                                        </p:tgtEl>
+                                        <p:attrNameLst>
+                                          <p:attrName>style.visibility</p:attrName>
+                                        </p:attrNameLst>
+                                      </p:cBhvr>
+                                      <p:to>
+                                        <p:strVal val="visible"/>
+                                      </p:to>
+                                    </p:set>
+                                  </p:childTnLst>
+                                </p:cTn>
+                              </p:par>
+                            </p:childTnLst>
+                          </p:cTn>
+                        </p:par>
+                      </p:childTnLst>
+                    </p:cTn>
+                  </p:par>
+                  <p:par>
+                    <p:cTn id="7" fill="hold">
+                      <p:stCondLst>
+                        <p:cond delay="indefinite"/>
+                      </p:stCondLst>
+                      <p:childTnLst>
+                        <p:par>
+                          <p:cTn id="8" fill="hold">
+                            <p:stCondLst>
+                              <p:cond delay="0"/>
+                            </p:stCondLst>
+                            <p:childTnLst>
+                              <p:par>
+                                <p:cTn id="9" presetID="1" presetClass="entr" presetSubtype="0" fill="hold" grpId="0" nodeType="clickEffect">
+                                  <p:stCondLst>
+                                    <p:cond delay="0"/>
+                                  </p:stCondLst>
+                                  <p:childTnLst>
+                                    <p:set>
+                                      <p:cBhvr>
+                                        <p:cTn id="10" dur="1" fill="hold">
+                                          <p:stCondLst>
+                                            <p:cond delay="0"/>
+                                          </p:stCondLst>
+                                        </p:cTn>
+                                        <p:tgtEl>
+                                          <p:spTgt spid="3">
+                                            <p:txEl>
+                                              <p:pRg st="0" end="0"/>
+                                            </p:txEl>
+                                          </p:spTgt>
+                                        </p:tgtEl>
+                                        <p:attrNameLst>
+                                          <p:attrName>style.visibility</p:attrName>
+                                        </p:attrNameLst>
+                                      </p:cBhvr>
+                                      <p:to>
+                                        <p:strVal val="visible"/>
+                                      </p:to>
+                                    </p:set>
+                                  </p:childTnLst>
+                                </p:cTn>
+                              </p:par>
+                            </p:childTnLst>
+                          </p:cTn>
+                        </p:par>
+                      </p:childTnLst>
+                    </p:cTn>
+                  </p:par>
+                  <p:par>
+                    <p:cTn id="11" fill="hold">
+                      <p:stCondLst>
+                        <p:cond delay="indefinite"/>
+                      </p:stCondLst>
+                      <p:childTnLst>
+                        <p:par>
+                          <p:cTn id="12" fill="hold">
+                            <p:stCondLst>
+                              <p:cond delay="0"/>
+                            </p:stCondLst>
+                            <p:childTnLst>
+                              <p:par>
+                                <p:cTn id="13" presetID="1" presetClass="entr" presetSubtype="0" fill="hold" grpId="0" nodeType="clickEffect">
+                                  <p:stCondLst>
+                                    <p:cond delay="0"/>
+                                  </p:stCondLst>
+                                  <p:childTnLst>
+                                    <p:set>
+                                      <p:cBhvr>
+                                        <p:cTn id="14" dur="1" fill="hold">
+                                          <p:stCondLst>
+                                            <p:cond delay="0"/>
+                                          </p:stCondLst>
+                                        </p:cTn>
+                                        <p:tgtEl>
+                                          <p:spTgt spid="3">
+                                            <p:txEl>
+                                              <p:pRg st="1" end="1"/>
+                                            </p:txEl>
+                                          </p:spTgt>
+                                        </p:tgtEl>
+                                        <p:attrNameLst>
+                                          <p:attrName>style.visibility</p:attrName>
+                                        </p:attrNameLst>
+                                      </p:cBhvr>
+                                      <p:to>
+                                        <p:strVal val="visible"/>
+                                      </p:to>
+                                    </p:set>
+                                  </p:childTnLst>
+                                </p:cTn>
+                              </p:par>
+                            </p:childTnLst>
+                          </p:cTn>
+                        </p:par>
+                      </p:childTnLst>
+                    </p:cTn>
+                  </p:par>
+                  <p:par>
+                    <p:cTn id="15" fill="hold">
+                      <p:stCondLst>
+                        <p:cond delay="indefinite"/>
+                      </p:stCondLst>
+                      <p:childTnLst>
+                        <p:par>
+                          <p:cTn id="16" fill="hold">
+                            <p:stCondLst>
+                              <p:cond delay="0"/>
+                            </p:stCondLst>
+                            <p:childTnLst>
+                              <p:par>
+                                <p:cTn id="17" presetID="1" presetClass="entr" presetSubtype="0" fill="hold" grpId="0" nodeType="clickEffect">
+                                  <p:stCondLst>
+                                    <p:cond delay="0"/>
+                                  </p:stCondLst>
+                                  <p:childTnLst>
+                                    <p:set>
+                                      <p:cBhvr>
+                                        <p:cTn id="18" dur="1" fill="hold">
+                                          <p:stCondLst>
+                                            <p:cond delay="0"/>
+                                          </p:stCondLst>
+                                        </p:cTn>
+                                        <p:tgtEl>
+                                          <p:spTgt spid="3">
+                                            <p:txEl>
+                                              <p:pRg st="2" end="2"/>
+                                            </p:txEl>
+                                          </p:spTgt>
+                                        </p:tgtEl>
+                                        <p:attrNameLst>
+                                          <p:attrName>style.visibility</p:attrName>
+                                        </p:attrNameLst>
+                                      </p:cBhvr>
+                                      <p:to>
+                                        <p:strVal val="visible"/>
+                                      </p:to>
+                                    </p:set>
+                                  </p:childTnLst>
+                                </p:cTn>
+                              </p:par>
+                            </p:childTnLst>
+                          </p:cTn>
+                        </p:par>
+                      </p:childTnLst>
+                    </p:cTn>
+                  </p:par>
+                  <p:par>
+                    <p:cTn id="19" fill="hold">
+                      <p:stCondLst>
+                        <p:cond delay="indefinite"/>
+                      </p:stCondLst>
+                      <p:childTnLst>
+                        <p:par>
+                          <p:cTn id="20" fill="hold">
+                            <p:stCondLst>
+                              <p:cond delay="0"/>
+                            </p:stCondLst>
+                            <p:childTnLst>
+                              <p:par>
+                                <p:cTn id="21" presetID="1" presetClass="entr" presetSubtype="0" fill="hold" grpId="0" nodeType="clickEffect">
+                                  <p:stCondLst>
+                                    <p:cond delay="0"/>
+                                  </p:stCondLst>
+                                  <p:childTnLst>
+                                    <p:set>
+                                      <p:cBhvr>
+                                        <p:cTn id="22" dur="1" fill="hold">
+                                          <p:stCondLst>
+                                            <p:cond delay="0"/>
+                                          </p:stCondLst>
+                                        </p:cTn>
+                                        <p:tgtEl>
+                                          <p:spTgt spid="3">
+                                            <p:txEl>
+                                              <p:pRg st="3" end="3"/>
+                                            </p:txEl>
+                                          </p:spTgt>
+                                        </p:tgtEl>
+                                        <p:attrNameLst>
+                                          <p:attrName>style.visibility</p:attrName>
+                                        </p:attrNameLst>
+                                      </p:cBhvr>
+                                      <p:to>
+                                        <p:strVal val="visible"/>
+                                      </p:to>
+                                    </p:set>
+                                  </p:childTnLst>
+                                </p:cTn>
+                              </p:par>
+                            </p:childTnLst>
+                          </p:cTn>
+                        </p:par>
+                      </p:childTnLst>
+                    </p:cTn>
+                  </p:par>
+                  <p:par>
+                    <p:cTn id="23" fill="hold">
+                      <p:stCondLst>
+                        <p:cond delay="indefinite"/>
+                      </p:stCondLst>
+                      <p:childTnLst>
+                        <p:par>
+                          <p:cTn id="24" fill="hold">
+                            <p:stCondLst>
+                              <p:cond delay="0"/>
+                            </p:stCondLst>
+                            <p:childTnLst>
+                              <p:par>
+                                <p:cTn id="25" presetID="1" presetClass="entr" presetSubtype="0" fill="hold" grpId="0" nodeType="clickEffect">
+                                  <p:stCondLst>
+                                    <p:cond delay="0"/>
+                                  </p:stCondLst>
+                                  <p:childTnLst>
+                                    <p:set>
+                                      <p:cBhvr>
+                                        <p:cTn id="26" dur="1" fill="hold">
+                                          <p:stCondLst>
+                                            <p:cond delay="0"/>
+                                          </p:stCondLst>
+                                        </p:cTn>
+                                        <p:tgtEl>
+                                          <p:spTgt spid="3">
+                                            <p:txEl>
+                                              <p:pRg st="4" end="4"/>
+                                            </p:txEl>
+                                          </p:spTgt>
+                                        </p:tgtEl>
+                                        <p:attrNameLst>
+                                          <p:attrName>style.visibility</p:attrName>
+                                        </p:attrNameLst>
+                                      </p:cBhvr>
+                                      <p:to>
+                                        <p:strVal val="visible"/>
+                                      </p:to>
+                                    </p:set>
+                                  </p:childTnLst>
+                                </p:cTn>
+                              </p:par>
+                            </p:childTnLst>
+                          </p:cTn>
+                        </p:par>
+                      </p:childTnLst>
+                    </p:cTn>
+                  </p:par>
+                </p:childTnLst>
+              </p:cTn>
+              <p:prevCondLst>
+                <p:cond evt="onPrev" delay="0">
+                  <p:tgtEl>
+                    <p:sldTgt/>
+                  </p:tgtEl>
+                </p:cond>
+              </p:prevCondLst>
+              <p:nextCondLst>
+                <p:cond evt="onNext" delay="0">
+                  <p:tgtEl>
+                    <p:sldTgt/>
+                  </p:tgtEl>
+                </p:cond>
+              </p:nextCondLst>
+            </p:seq>
+          </p:childTnLst>
+        </p:cTn>
+      </p:par>
+    </p:tnLst>
+    <p:bldLst>
+      <p:bldP spid="3" grpId="0" uiExpand="1" build="p"/>
+      <p:bldP spid="5" grpId="0"/>
+    </p:bldLst>
+  </p:timing>
+</p:sld>
+</file>
+
+<file path=ppt/slides/slide8.xml><?xml version="1.0" encoding="utf-8"?>
+<p:sld xmlns:a="http://schemas.openxmlformats.org/drawingml/2006/main" xmlns:r="http://schemas.openxmlformats.org/officeDocument/2006/relationships" xmlns:p="http://schemas.openxmlformats.org/presentationml/2006/main">
+  <p:cSld>
+    <p:spTree>
+      <p:nvGrpSpPr>
+        <p:cNvPr id="1" name=""/>
+        <p:cNvGrpSpPr/>
+        <p:nvPr/>
+      </p:nvGrpSpPr>
+      <p:grpSpPr>
+        <a:xfrm>
+          <a:off x="0" y="0"/>
+          <a:ext cx="0" cy="0"/>
+          <a:chOff x="0" y="0"/>
+          <a:chExt cx="0" cy="0"/>
+        </a:xfrm>
+      </p:grpSpPr>
+      <p:sp>
+        <p:nvSpPr>
+          <p:cNvPr id="3" name="Content Placeholder 2"/>
+          <p:cNvSpPr>
+            <a:spLocks noGrp="1"/>
+          </p:cNvSpPr>
+          <p:nvPr>
+            <p:ph idx="1"/>
+          </p:nvPr>
+        </p:nvSpPr>
+        <p:spPr>
+          <a:xfrm>
+            <a:off x="549275" y="1527644"/>
+            <a:ext cx="7897496" cy="5590926"/>
+          </a:xfrm>
+        </p:spPr>
+        <p:txBody>
+          <a:bodyPr>
+            <a:normAutofit/>
+          </a:bodyPr>
+          <a:lstStyle/>
+          <a:p>
+            <a:pPr>
+              <a:buFontTx/>
+              <a:buChar char="•"/>
+            </a:pPr>
+            <a:r>
+              <a:rPr lang="en-US" sz="3500" dirty="0" smtClean="0">
+                <a:latin typeface="Garamond" panose="02020404030301010803" pitchFamily="18" charset="0"/>
+                <a:cs typeface="American Typewriter"/>
+              </a:rPr>
+              <a:t>On those occasions in which you are absent, </a:t>
+            </a:r>
+            <a:r>
+              <a:rPr lang="en-US" sz="3500" b="1" i="1" dirty="0" smtClean="0">
+                <a:latin typeface="Garamond" panose="02020404030301010803" pitchFamily="18" charset="0"/>
+                <a:cs typeface="American Typewriter"/>
+              </a:rPr>
+              <a:t>you are responsible</a:t>
+            </a:r>
+            <a:r>
+              <a:rPr lang="en-US" sz="3500" dirty="0" smtClean="0">
+                <a:latin typeface="Garamond" panose="02020404030301010803" pitchFamily="18" charset="0"/>
+                <a:cs typeface="American Typewriter"/>
+              </a:rPr>
+              <a:t> for catching up.</a:t>
+            </a:r>
+          </a:p>
+          <a:p>
+            <a:pPr lvl="1">
+              <a:buFontTx/>
+              <a:buChar char="•"/>
+            </a:pPr>
+            <a:r>
+              <a:rPr lang="en-US" sz="3300" dirty="0" smtClean="0">
+                <a:latin typeface="Garamond" panose="02020404030301010803" pitchFamily="18" charset="0"/>
+                <a:cs typeface="American Typewriter"/>
+              </a:rPr>
+              <a:t>You should get in touch with the person whose contact info you just received</a:t>
+            </a:r>
+          </a:p>
+          <a:p>
+            <a:pPr>
+              <a:buFontTx/>
+              <a:buChar char="•"/>
+            </a:pPr>
+            <a:endParaRPr lang="en-US" sz="3500" dirty="0" smtClean="0">
+              <a:latin typeface="Garamond" panose="02020404030301010803" pitchFamily="18" charset="0"/>
+              <a:cs typeface="American Typewriter"/>
+            </a:endParaRPr>
+          </a:p>
+        </p:txBody>
+      </p:sp>
+      <p:sp>
+        <p:nvSpPr>
+          <p:cNvPr id="5" name="Title 1"/>
+          <p:cNvSpPr>
+            <a:spLocks noGrp="1"/>
+          </p:cNvSpPr>
+          <p:nvPr>
+            <p:ph type="title"/>
+          </p:nvPr>
+        </p:nvSpPr>
+        <p:spPr>
+          <a:xfrm>
+            <a:off x="946404" y="365760"/>
+            <a:ext cx="7269480" cy="811530"/>
+          </a:xfrm>
+        </p:spPr>
+        <p:txBody>
+          <a:bodyPr>
+            <a:normAutofit/>
+          </a:bodyPr>
+          <a:lstStyle/>
+          <a:p>
+            <a:r>
+              <a:rPr lang="en-US" sz="4400" dirty="0" smtClean="0">
+                <a:latin typeface="Garamond" panose="02020404030301010803" pitchFamily="18" charset="0"/>
+                <a:cs typeface="American Typewriter"/>
+              </a:rPr>
+              <a:t>Course Policies, Attendance</a:t>
+            </a:r>
+            <a:endParaRPr lang="en-US" sz="4400" dirty="0">
+              <a:latin typeface="Garamond" panose="02020404030301010803" pitchFamily="18" charset="0"/>
+              <a:cs typeface="American Typewriter"/>
+            </a:endParaRPr>
+          </a:p>
+        </p:txBody>
+      </p:sp>
+    </p:spTree>
+    <p:extLst>
+      <p:ext uri="{BB962C8B-B14F-4D97-AF65-F5344CB8AC3E}">
+        <p14:creationId xmlns:p14="http://schemas.microsoft.com/office/powerpoint/2010/main" val="1557872678"/>
+      </p:ext>
+    </p:extLst>
+  </p:cSld>
+  <p:clrMapOvr>
+    <a:masterClrMapping/>
+  </p:clrMapOvr>
+  <p:timing>
+    <p:tnLst>
+      <p:par>
+        <p:cTn id="1" dur="indefinite" restart="never" nodeType="tmRoot">
+          <p:childTnLst>
+            <p:seq concurrent="1" nextAc="seek">
+              <p:cTn id="2" dur="indefinite" nodeType="mainSeq">
+                <p:childTnLst>
+                  <p:par>
+                    <p:cTn id="3" fill="hold">
+                      <p:stCondLst>
+                        <p:cond delay="indefinite"/>
+                        <p:cond evt="onBegin" delay="0">
+                          <p:tn val="2"/>
+                        </p:cond>
+                      </p:stCondLst>
+                      <p:childTnLst>
+                        <p:par>
+                          <p:cTn id="4" fill="hold">
+                            <p:stCondLst>
+                              <p:cond delay="0"/>
+                            </p:stCondLst>
+                            <p:childTnLst>
+                              <p:par>
+                                <p:cTn id="5" presetID="1" presetClass="entr" presetSubtype="0" fill="hold" grpId="0" nodeType="withEffect">
+                                  <p:stCondLst>
+                                    <p:cond delay="0"/>
+                                  </p:stCondLst>
+                                  <p:childTnLst>
+                                    <p:set>
+                                      <p:cBhvr>
+                                        <p:cTn id="6" dur="1" fill="hold">
+                                          <p:stCondLst>
+                                            <p:cond delay="0"/>
+                                          </p:stCondLst>
+                                        </p:cTn>
+                                        <p:tgtEl>
+                                          <p:spTgt spid="5"/>
+                                        </p:tgtEl>
+                                        <p:attrNameLst>
+                                          <p:attrName>style.visibility</p:attrName>
+                                        </p:attrNameLst>
+                                      </p:cBhvr>
+                                      <p:to>
+                                        <p:strVal val="visible"/>
+                                      </p:to>
+                                    </p:set>
+                                  </p:childTnLst>
+                                </p:cTn>
+                              </p:par>
+                            </p:childTnLst>
+                          </p:cTn>
+                        </p:par>
+                      </p:childTnLst>
+                    </p:cTn>
+                  </p:par>
+                  <p:par>
+                    <p:cTn id="7" fill="hold">
+                      <p:stCondLst>
+                        <p:cond delay="indefinite"/>
+                      </p:stCondLst>
+                      <p:childTnLst>
+                        <p:par>
+                          <p:cTn id="8" fill="hold">
+                            <p:stCondLst>
+                              <p:cond delay="0"/>
+                            </p:stCondLst>
+                            <p:childTnLst>
+                              <p:par>
+                                <p:cTn id="9" presetID="1" presetClass="entr" presetSubtype="0" fill="hold" grpId="0" nodeType="clickEffect">
+                                  <p:stCondLst>
+                                    <p:cond delay="0"/>
+                                  </p:stCondLst>
+                                  <p:childTnLst>
+                                    <p:set>
+                                      <p:cBhvr>
+                                        <p:cTn id="10" dur="1" fill="hold">
+                                          <p:stCondLst>
+                                            <p:cond delay="0"/>
+                                          </p:stCondLst>
+                                        </p:cTn>
+                                        <p:tgtEl>
+                                          <p:spTgt spid="3">
+                                            <p:txEl>
+                                              <p:pRg st="0" end="0"/>
+                                            </p:txEl>
+                                          </p:spTgt>
+                                        </p:tgtEl>
+                                        <p:attrNameLst>
+                                          <p:attrName>style.visibility</p:attrName>
+                                        </p:attrNameLst>
+                                      </p:cBhvr>
+                                      <p:to>
+                                        <p:strVal val="visible"/>
+                                      </p:to>
+                                    </p:set>
+                                  </p:childTnLst>
+                                </p:cTn>
+                              </p:par>
+                            </p:childTnLst>
+                          </p:cTn>
+                        </p:par>
+                      </p:childTnLst>
+                    </p:cTn>
+                  </p:par>
+                  <p:par>
+                    <p:cTn id="11" fill="hold">
+                      <p:stCondLst>
+                        <p:cond delay="indefinite"/>
+                      </p:stCondLst>
+                      <p:childTnLst>
+                        <p:par>
+                          <p:cTn id="12" fill="hold">
+                            <p:stCondLst>
+                              <p:cond delay="0"/>
+                            </p:stCondLst>
+                            <p:childTnLst>
+                              <p:par>
+                                <p:cTn id="13" presetID="1" presetClass="entr" presetSubtype="0" fill="hold" grpId="0" nodeType="clickEffect">
+                                  <p:stCondLst>
+                                    <p:cond delay="0"/>
+                                  </p:stCondLst>
+                                  <p:childTnLst>
+                                    <p:set>
+                                      <p:cBhvr>
+                                        <p:cTn id="14" dur="1" fill="hold">
+                                          <p:stCondLst>
+                                            <p:cond delay="0"/>
+                                          </p:stCondLst>
+                                        </p:cTn>
+                                        <p:tgtEl>
+                                          <p:spTgt spid="3">
+                                            <p:txEl>
+                                              <p:pRg st="1" end="1"/>
+                                            </p:txEl>
+                                          </p:spTgt>
+                                        </p:tgtEl>
+                                        <p:attrNameLst>
+                                          <p:attrName>style.visibility</p:attrName>
+                                        </p:attrNameLst>
+                                      </p:cBhvr>
+                                      <p:to>
+                                        <p:strVal val="visible"/>
+                                      </p:to>
+                                    </p:set>
+                                  </p:childTnLst>
+                                </p:cTn>
+                              </p:par>
+                            </p:childTnLst>
+                          </p:cTn>
+                        </p:par>
+                      </p:childTnLst>
+                    </p:cTn>
+                  </p:par>
+                </p:childTnLst>
+              </p:cTn>
+              <p:prevCondLst>
+                <p:cond evt="onPrev" delay="0">
+                  <p:tgtEl>
+                    <p:sldTgt/>
+                  </p:tgtEl>
+                </p:cond>
+              </p:prevCondLst>
+              <p:nextCondLst>
+                <p:cond evt="onNext" delay="0">
+                  <p:tgtEl>
+                    <p:sldTgt/>
+                  </p:tgtEl>
+                </p:cond>
+              </p:nextCondLst>
+            </p:seq>
+          </p:childTnLst>
+        </p:cTn>
+      </p:par>
+    </p:tnLst>
+    <p:bldLst>
+      <p:bldP spid="3" grpId="0" build="p"/>
+      <p:bldP spid="5" grpId="0"/>
+    </p:bldLst>
+  </p:timing>
+</p:sld>
+</file>
+
+<file path=ppt/slides/slide9.xml><?xml version="1.0" encoding="utf-8"?>
+<p:sld xmlns:a="http://schemas.openxmlformats.org/drawingml/2006/main" xmlns:r="http://schemas.openxmlformats.org/officeDocument/2006/relationships" xmlns:p="http://schemas.openxmlformats.org/presentationml/2006/main">
+  <p:cSld>
+    <p:spTree>
+      <p:nvGrpSpPr>
+        <p:cNvPr id="1" name=""/>
+        <p:cNvGrpSpPr/>
+        <p:nvPr/>
+      </p:nvGrpSpPr>
+      <p:grpSpPr>
+        <a:xfrm>
+          <a:off x="0" y="0"/>
+          <a:ext cx="0" cy="0"/>
+          <a:chOff x="0" y="0"/>
+          <a:chExt cx="0" cy="0"/>
+        </a:xfrm>
+      </p:grpSpPr>
+      <p:sp>
+        <p:nvSpPr>
+          <p:cNvPr id="3" name="Content Placeholder 2"/>
+          <p:cNvSpPr>
+            <a:spLocks noGrp="1"/>
+          </p:cNvSpPr>
+          <p:nvPr>
+            <p:ph idx="1"/>
+          </p:nvPr>
+        </p:nvSpPr>
+        <p:spPr>
+          <a:xfrm>
+            <a:off x="549275" y="1527644"/>
+            <a:ext cx="7897496" cy="5590926"/>
+          </a:xfrm>
+        </p:spPr>
+        <p:txBody>
+          <a:bodyPr>
+            <a:normAutofit/>
+          </a:bodyPr>
+          <a:lstStyle/>
+          <a:p>
+            <a:pPr>
+              <a:buFontTx/>
+              <a:buChar char="•"/>
+            </a:pPr>
+            <a:r>
+              <a:rPr lang="en-US" sz="3500" dirty="0" smtClean="0">
+                <a:latin typeface="Garamond" panose="02020404030301010803" pitchFamily="18" charset="0"/>
+                <a:cs typeface="American Typewriter"/>
+              </a:rPr>
+              <a:t>Stroop</a:t>
+            </a:r>
+          </a:p>
+          <a:p>
+            <a:pPr lvl="1">
+              <a:buFontTx/>
+              <a:buChar char="•"/>
+            </a:pPr>
+            <a:r>
+              <a:rPr lang="en-US" sz="3300" dirty="0" smtClean="0">
+                <a:latin typeface="Garamond" panose="02020404030301010803" pitchFamily="18" charset="0"/>
+                <a:cs typeface="American Typewriter"/>
+              </a:rPr>
+              <a:t>Probably get significant results!</a:t>
+            </a:r>
+          </a:p>
+          <a:p>
+            <a:pPr lvl="2">
+              <a:buFontTx/>
+              <a:buChar char="•"/>
+            </a:pPr>
+            <a:r>
+              <a:rPr lang="en-US" sz="3100" dirty="0" smtClean="0">
+                <a:latin typeface="Garamond" panose="02020404030301010803" pitchFamily="18" charset="0"/>
+                <a:cs typeface="American Typewriter"/>
+              </a:rPr>
+              <a:t>Paired t-test</a:t>
+            </a:r>
+          </a:p>
+          <a:p>
+            <a:pPr lvl="1">
+              <a:buFontTx/>
+              <a:buChar char="•"/>
+            </a:pPr>
+            <a:r>
+              <a:rPr lang="en-US" sz="3300" dirty="0" smtClean="0">
+                <a:latin typeface="Garamond" panose="02020404030301010803" pitchFamily="18" charset="0"/>
+                <a:cs typeface="American Typewriter"/>
+              </a:rPr>
+              <a:t>Focus on writing methods and results</a:t>
+            </a:r>
+          </a:p>
+          <a:p>
+            <a:pPr lvl="2">
+              <a:buFontTx/>
+              <a:buChar char="•"/>
+            </a:pPr>
+            <a:r>
+              <a:rPr lang="en-US" sz="3100" dirty="0" smtClean="0">
+                <a:latin typeface="Garamond" panose="02020404030301010803" pitchFamily="18" charset="0"/>
+                <a:cs typeface="American Typewriter"/>
+              </a:rPr>
+              <a:t>But, we’ll cover all the basics parts of an APA (American Psychological Association)-style paper</a:t>
+            </a:r>
+          </a:p>
+          <a:p>
+            <a:pPr lvl="1">
+              <a:buFontTx/>
+              <a:buChar char="•"/>
+            </a:pPr>
+            <a:r>
+              <a:rPr lang="en-US" sz="3100" dirty="0" smtClean="0">
+                <a:latin typeface="Garamond" panose="02020404030301010803" pitchFamily="18" charset="0"/>
+                <a:cs typeface="American Typewriter"/>
+              </a:rPr>
+              <a:t>Though about weeks 3 - 4</a:t>
+            </a:r>
+          </a:p>
+        </p:txBody>
+      </p:sp>
+      <p:sp>
+        <p:nvSpPr>
+          <p:cNvPr id="5" name="Title 1"/>
+          <p:cNvSpPr>
+            <a:spLocks noGrp="1"/>
+          </p:cNvSpPr>
+          <p:nvPr>
+            <p:ph type="title"/>
+          </p:nvPr>
+        </p:nvSpPr>
+        <p:spPr>
+          <a:xfrm>
+            <a:off x="946404" y="365760"/>
+            <a:ext cx="7269480" cy="811530"/>
+          </a:xfrm>
+        </p:spPr>
+        <p:txBody>
+          <a:bodyPr>
+            <a:normAutofit/>
+          </a:bodyPr>
+          <a:lstStyle/>
+          <a:p>
+            <a:r>
+              <a:rPr lang="en-US" sz="4400" dirty="0" smtClean="0">
+                <a:latin typeface="Garamond" panose="02020404030301010803" pitchFamily="18" charset="0"/>
+                <a:cs typeface="American Typewriter"/>
+              </a:rPr>
+              <a:t>Course Policies, Project 1</a:t>
+            </a:r>
+            <a:endParaRPr lang="en-US" sz="4400" dirty="0">
+              <a:latin typeface="Garamond" panose="02020404030301010803" pitchFamily="18" charset="0"/>
+              <a:cs typeface="American Typewriter"/>
+            </a:endParaRPr>
+          </a:p>
+        </p:txBody>
+      </p:sp>
+    </p:spTree>
+    <p:extLst>
+      <p:ext uri="{BB962C8B-B14F-4D97-AF65-F5344CB8AC3E}">
+        <p14:creationId xmlns:p14="http://schemas.microsoft.com/office/powerpoint/2010/main" val="3611436051"/>
+      </p:ext>
+    </p:extLst>
+  </p:cSld>
+  <p:clrMapOvr>
+    <a:masterClrMapping/>
+  </p:clrMapOvr>
+  <p:timing>
+    <p:tnLst>
+      <p:par>
+        <p:cTn id="1" dur="indefinite" restart="never" nodeType="tmRoot">
+          <p:childTnLst>
+            <p:seq concurrent="1" nextAc="seek">
+              <p:cTn id="2" dur="indefinite" nodeType="mainSeq">
+                <p:childTnLst>
+                  <p:par>
+                    <p:cTn id="3" fill="hold">
+                      <p:stCondLst>
+                        <p:cond delay="indefinite"/>
+                        <p:cond evt="onBegin" delay="0">
+                          <p:tn val="2"/>
+                        </p:cond>
+                      </p:stCondLst>
+                      <p:childTnLst>
+                        <p:par>
+                          <p:cTn id="4" fill="hold">
+                            <p:stCondLst>
+                              <p:cond delay="0"/>
+                            </p:stCondLst>
+                            <p:childTnLst>
+                              <p:par>
+                                <p:cTn id="5" presetID="1" presetClass="entr" presetSubtype="0" fill="hold" grpId="0" nodeType="withEffect">
+                                  <p:stCondLst>
+                                    <p:cond delay="0"/>
+                                  </p:stCondLst>
+                                  <p:childTnLst>
+                                    <p:set>
+                                      <p:cBhvr>
+                                        <p:cTn id="6" dur="1" fill="hold">
+                                          <p:stCondLst>
+                                            <p:cond delay="0"/>
+                                          </p:stCondLst>
+                                        </p:cTn>
+                                        <p:tgtEl>
+                                          <p:spTgt spid="5"/>
+                                        </p:tgtEl>
+                                        <p:attrNameLst>
+                                          <p:attrName>style.visibility</p:attrName>
+                                        </p:attrNameLst>
+                                      </p:cBhvr>
+                                      <p:to>
+                                        <p:strVal val="visible"/>
+                                      </p:to>
+                                    </p:set>
+                                  </p:childTnLst>
+                                </p:cTn>
+                              </p:par>
+                            </p:childTnLst>
+                          </p:cTn>
+                        </p:par>
+                      </p:childTnLst>
+                    </p:cTn>
+                  </p:par>
+                  <p:par>
+                    <p:cTn id="7" fill="hold">
+                      <p:stCondLst>
+                        <p:cond delay="indefinite"/>
+                      </p:stCondLst>
+                      <p:childTnLst>
+                        <p:par>
+                          <p:cTn id="8" fill="hold">
+                            <p:stCondLst>
+                              <p:cond delay="0"/>
+                            </p:stCondLst>
+                            <p:childTnLst>
+                              <p:par>
+                                <p:cTn id="9" presetID="1" presetClass="entr" presetSubtype="0" fill="hold" grpId="0" nodeType="clickEffect">
+                                  <p:stCondLst>
+                                    <p:cond delay="0"/>
+                                  </p:stCondLst>
+                                  <p:childTnLst>
+                                    <p:set>
+                                      <p:cBhvr>
+                                        <p:cTn id="10" dur="1" fill="hold">
+                                          <p:stCondLst>
+                                            <p:cond delay="0"/>
+                                          </p:stCondLst>
+                                        </p:cTn>
+                                        <p:tgtEl>
+                                          <p:spTgt spid="3">
+                                            <p:txEl>
+                                              <p:pRg st="0" end="0"/>
+                                            </p:txEl>
+                                          </p:spTgt>
+                                        </p:tgtEl>
+                                        <p:attrNameLst>
+                                          <p:attrName>style.visibility</p:attrName>
+                                        </p:attrNameLst>
+                                      </p:cBhvr>
+                                      <p:to>
+                                        <p:strVal val="visible"/>
+                                      </p:to>
+                                    </p:set>
+                                  </p:childTnLst>
+                                </p:cTn>
+                              </p:par>
+                              <p:par>
+                                <p:cTn id="11" presetID="1" presetClass="entr" presetSubtype="0" fill="hold" grpId="0" nodeType="withEffect">
+                                  <p:stCondLst>
+                                    <p:cond delay="0"/>
+                                  </p:stCondLst>
+                                  <p:childTnLst>
+                                    <p:set>
+                                      <p:cBhvr>
+                                        <p:cTn id="12" dur="1" fill="hold">
+                                          <p:stCondLst>
+                                            <p:cond delay="0"/>
+                                          </p:stCondLst>
+                                        </p:cTn>
+                                        <p:tgtEl>
+                                          <p:spTgt spid="3">
+                                            <p:txEl>
+                                              <p:pRg st="1" end="1"/>
+                                            </p:txEl>
+                                          </p:spTgt>
+                                        </p:tgtEl>
+                                        <p:attrNameLst>
+                                          <p:attrName>style.visibility</p:attrName>
+                                        </p:attrNameLst>
+                                      </p:cBhvr>
+                                      <p:to>
+                                        <p:strVal val="visible"/>
+                                      </p:to>
+                                    </p:set>
+                                  </p:childTnLst>
+                                </p:cTn>
+                              </p:par>
+                              <p:par>
+                                <p:cTn id="13" presetID="1" presetClass="entr" presetSubtype="0" fill="hold" grpId="0" nodeType="withEffect">
+                                  <p:stCondLst>
+                                    <p:cond delay="0"/>
+                                  </p:stCondLst>
+                                  <p:childTnLst>
+                                    <p:set>
+                                      <p:cBhvr>
+                                        <p:cTn id="14" dur="1" fill="hold">
+                                          <p:stCondLst>
+                                            <p:cond delay="0"/>
+                                          </p:stCondLst>
+                                        </p:cTn>
+                                        <p:tgtEl>
+                                          <p:spTgt spid="3">
+                                            <p:txEl>
+                                              <p:pRg st="2" end="2"/>
+                                            </p:txEl>
+                                          </p:spTgt>
+                                        </p:tgtEl>
+                                        <p:attrNameLst>
+                                          <p:attrName>style.visibility</p:attrName>
+                                        </p:attrNameLst>
+                                      </p:cBhvr>
+                                      <p:to>
+                                        <p:strVal val="visible"/>
+                                      </p:to>
+                                    </p:set>
+                                  </p:childTnLst>
+                                </p:cTn>
+                              </p:par>
+                              <p:par>
+                                <p:cTn id="15" presetID="1" presetClass="entr" presetSubtype="0" fill="hold" grpId="0" nodeType="withEffect">
+                                  <p:stCondLst>
+                                    <p:cond delay="0"/>
+                                  </p:stCondLst>
+                                  <p:childTnLst>
+                                    <p:set>
+                                      <p:cBhvr>
+                                        <p:cTn id="16" dur="1" fill="hold">
+                                          <p:stCondLst>
+                                            <p:cond delay="0"/>
+                                          </p:stCondLst>
+                                        </p:cTn>
+                                        <p:tgtEl>
+                                          <p:spTgt spid="3">
+                                            <p:txEl>
+                                              <p:pRg st="3" end="3"/>
+                                            </p:txEl>
+                                          </p:spTgt>
+                                        </p:tgtEl>
+                                        <p:attrNameLst>
+                                          <p:attrName>style.visibility</p:attrName>
+                                        </p:attrNameLst>
+                                      </p:cBhvr>
+                                      <p:to>
+                                        <p:strVal val="visible"/>
+                                      </p:to>
+                                    </p:set>
+                                  </p:childTnLst>
+                                </p:cTn>
+                              </p:par>
+                              <p:par>
+                                <p:cTn id="17" presetID="1" presetClass="entr" presetSubtype="0" fill="hold" grpId="0" nodeType="withEffect">
+                                  <p:stCondLst>
+                                    <p:cond delay="0"/>
+                                  </p:stCondLst>
+                                  <p:childTnLst>
+                                    <p:set>
+                                      <p:cBhvr>
+                                        <p:cTn id="18" dur="1" fill="hold">
+                                          <p:stCondLst>
+                                            <p:cond delay="0"/>
+                                          </p:stCondLst>
+                                        </p:cTn>
+                                        <p:tgtEl>
+                                          <p:spTgt spid="3">
+                                            <p:txEl>
+                                              <p:pRg st="4" end="4"/>
+                                            </p:txEl>
+                                          </p:spTgt>
+                                        </p:tgtEl>
+                                        <p:attrNameLst>
+                                          <p:attrName>style.visibility</p:attrName>
+                                        </p:attrNameLst>
+                                      </p:cBhvr>
+                                      <p:to>
+                                        <p:strVal val="visible"/>
+                                      </p:to>
+                                    </p:set>
+                                  </p:childTnLst>
+                                </p:cTn>
+                              </p:par>
+                              <p:par>
+                                <p:cTn id="19" presetID="1" presetClass="entr" presetSubtype="0" fill="hold" grpId="0" nodeType="withEffect">
+                                  <p:stCondLst>
+                                    <p:cond delay="0"/>
+                                  </p:stCondLst>
+                                  <p:childTnLst>
+                                    <p:set>
+                                      <p:cBhvr>
+                                        <p:cTn id="20" dur="1" fill="hold">
+                                          <p:stCondLst>
+                                            <p:cond delay="0"/>
+                                          </p:stCondLst>
+                                        </p:cTn>
+                                        <p:tgtEl>
+                                          <p:spTgt spid="3">
+                                            <p:txEl>
+                                              <p:pRg st="5" end="5"/>
                                             </p:txEl>
                                           </p:spTgt>
                                         </p:tgtEl>
